--- a/Tutorials/whatiswot/4-JSON_in_Practice/4-JSON_in_Practice.pptx
+++ b/Tutorials/whatiswot/4-JSON_in_Practice/4-JSON_in_Practice.pptx
@@ -18,7 +18,7 @@
     <p:sldId id="262" r:id="rId9"/>
     <p:sldId id="324" r:id="rId10"/>
     <p:sldId id="263" r:id="rId11"/>
-    <p:sldId id="325" r:id="rId12"/>
+    <p:sldId id="328" r:id="rId12"/>
     <p:sldId id="327" r:id="rId13"/>
     <p:sldId id="264" r:id="rId14"/>
     <p:sldId id="265" r:id="rId15"/>
@@ -232,7 +232,7 @@
           <a:p>
             <a:fld id="{49F3228E-244E-40D9-9409-7143B43FBF65}" type="datetimeFigureOut">
               <a:rPr lang="en-US" smtClean="0"/>
-              <a:t>8/14/23</a:t>
+              <a:t>10/5/23</a:t>
             </a:fld>
             <a:endParaRPr lang="en-US"/>
           </a:p>
@@ -639,30 +639,6 @@
           <a:lstStyle/>
           <a:p>
             <a:r>
-              <a:rPr lang="tr-TR" dirty="0"/>
-              <a:t>Lets continue with the mistakes about quotation marks</a:t>
-            </a:r>
-          </a:p>
-          <a:p>
-            <a:endParaRPr lang="tr-TR" dirty="0"/>
-          </a:p>
-          <a:p>
-            <a:r>
-              <a:rPr lang="en-US" dirty="0"/>
-              <a:t>Forgetting quotation marks is wrong, it will show validation errors everywhere.</a:t>
-            </a:r>
-          </a:p>
-          <a:p>
-            <a:endParaRPr lang="en-US" dirty="0"/>
-          </a:p>
-          <a:p>
-            <a:r>
-              <a:rPr lang="en-US" dirty="0"/>
-              <a:t>Also putting them when you should not cause unwanted results </a:t>
-            </a:r>
-          </a:p>
-          <a:p>
-            <a:r>
               <a:rPr lang="en-US" dirty="0"/>
               <a:t>For example → “</a:t>
             </a:r>
@@ -706,6 +682,9 @@
               <a:rPr lang="en-US" dirty="0"/>
               <a:t>This way, the types will be correctly interpreted by your programming language.</a:t>
             </a:r>
+          </a:p>
+          <a:p>
+            <a:endParaRPr lang="en-TR" dirty="0"/>
           </a:p>
         </p:txBody>
       </p:sp>
@@ -726,7 +705,7 @@
           <a:p>
             <a:fld id="{36244A51-42B3-47E9-BD3B-3B35445A8097}" type="slidenum">
               <a:rPr lang="en-US" smtClean="0"/>
-              <a:t>12</a:t>
+              <a:t>11</a:t>
             </a:fld>
             <a:endParaRPr lang="en-US"/>
           </a:p>
@@ -735,7 +714,7 @@
     </p:spTree>
     <p:extLst>
       <p:ext uri="{BB962C8B-B14F-4D97-AF65-F5344CB8AC3E}">
-        <p14:creationId xmlns:p14="http://schemas.microsoft.com/office/powerpoint/2010/main" val="4049497170"/>
+        <p14:creationId xmlns:p14="http://schemas.microsoft.com/office/powerpoint/2010/main" val="2290156182"/>
       </p:ext>
     </p:extLst>
   </p:cSld>
@@ -790,32 +769,72 @@
           <a:lstStyle/>
           <a:p>
             <a:r>
+              <a:rPr lang="tr-TR" dirty="0"/>
+              <a:t>Lets continue with the mistakes about quotation marks</a:t>
+            </a:r>
+          </a:p>
+          <a:p>
+            <a:endParaRPr lang="tr-TR" dirty="0"/>
+          </a:p>
+          <a:p>
+            <a:r>
               <a:rPr lang="en-US" dirty="0"/>
-              <a:t>Putting comments </a:t>
-            </a:r>
-            <a:r>
-              <a:rPr lang="tr-TR" dirty="0"/>
-              <a:t>inside JSON documents</a:t>
-            </a:r>
+              <a:t>Forgetting quotation marks is wrong, it will show validation errors everywhere.</a:t>
+            </a:r>
+          </a:p>
+          <a:p>
+            <a:endParaRPr lang="en-US" dirty="0"/>
+          </a:p>
+          <a:p>
             <a:r>
               <a:rPr lang="en-US" dirty="0"/>
-              <a:t> is not valid </a:t>
-            </a:r>
-            <a:r>
-              <a:rPr lang="tr-TR" dirty="0"/>
-              <a:t>contrast to</a:t>
-            </a:r>
+              <a:t>Also putting them when you should not cause unwanted results </a:t>
+            </a:r>
+          </a:p>
+          <a:p>
             <a:r>
               <a:rPr lang="en-US" dirty="0"/>
-              <a:t> </a:t>
-            </a:r>
-            <a:r>
-              <a:rPr lang="tr-TR" dirty="0"/>
-              <a:t>most of the </a:t>
+              <a:t>For example → “</a:t>
+            </a:r>
+            <a:r>
+              <a:rPr lang="en-US" dirty="0" err="1"/>
+              <a:t>name”:”true</a:t>
             </a:r>
             <a:r>
               <a:rPr lang="en-US" dirty="0"/>
-              <a:t>programming languages. </a:t>
+              <a:t>” is not the same as “</a:t>
+            </a:r>
+            <a:r>
+              <a:rPr lang="en-US" dirty="0" err="1"/>
+              <a:t>name”:true</a:t>
+            </a:r>
+            <a:r>
+              <a:rPr lang="en-US" dirty="0"/>
+              <a:t> without quotation marks. </a:t>
+            </a:r>
+          </a:p>
+          <a:p>
+            <a:r>
+              <a:rPr lang="en-US" dirty="0"/>
+              <a:t>The first one is not a </a:t>
+            </a:r>
+            <a:r>
+              <a:rPr lang="en-US" dirty="0" err="1"/>
+              <a:t>boolean</a:t>
+            </a:r>
+            <a:r>
+              <a:rPr lang="en-US" dirty="0"/>
+              <a:t> but a string so it will be interpreted as a string.  The same problem happens with numbers too.</a:t>
+            </a:r>
+            <a:endParaRPr lang="tr-TR" dirty="0"/>
+          </a:p>
+          <a:p>
+            <a:endParaRPr lang="tr-TR" dirty="0"/>
+          </a:p>
+          <a:p>
+            <a:r>
+              <a:rPr lang="en-US" dirty="0"/>
+              <a:t>This way, the types will be correctly interpreted by your programming language.</a:t>
             </a:r>
           </a:p>
         </p:txBody>
@@ -837,7 +856,7 @@
           <a:p>
             <a:fld id="{36244A51-42B3-47E9-BD3B-3B35445A8097}" type="slidenum">
               <a:rPr lang="en-US" smtClean="0"/>
-              <a:t>13</a:t>
+              <a:t>12</a:t>
             </a:fld>
             <a:endParaRPr lang="en-US"/>
           </a:p>
@@ -846,7 +865,7 @@
     </p:spTree>
     <p:extLst>
       <p:ext uri="{BB962C8B-B14F-4D97-AF65-F5344CB8AC3E}">
-        <p14:creationId xmlns:p14="http://schemas.microsoft.com/office/powerpoint/2010/main" val="1037411588"/>
+        <p14:creationId xmlns:p14="http://schemas.microsoft.com/office/powerpoint/2010/main" val="4049497170"/>
       </p:ext>
     </p:extLst>
   </p:cSld>
@@ -901,26 +920,32 @@
           <a:lstStyle/>
           <a:p>
             <a:r>
+              <a:rPr lang="en-US" dirty="0"/>
+              <a:t>Putting comments </a:t>
+            </a:r>
+            <a:r>
               <a:rPr lang="tr-TR" dirty="0"/>
-              <a:t>Commas should not be used at the final name-value pair. </a:t>
-            </a:r>
-          </a:p>
-          <a:p>
+              <a:t>inside JSON documents</a:t>
+            </a:r>
+            <a:r>
+              <a:rPr lang="en-US" dirty="0"/>
+              <a:t> is not valid </a:t>
+            </a:r>
             <a:r>
               <a:rPr lang="tr-TR" dirty="0"/>
-              <a:t>That is why t</a:t>
+              <a:t>contrast to</a:t>
             </a:r>
             <a:r>
               <a:rPr lang="en-US" dirty="0"/>
-              <a:t>he first one is not valid but difficult to see if you are using it inside of a </a:t>
-            </a:r>
-            <a:r>
-              <a:rPr lang="en-US" dirty="0" err="1"/>
-              <a:t>javascript</a:t>
+              <a:t> </a:t>
+            </a:r>
+            <a:r>
+              <a:rPr lang="tr-TR" dirty="0"/>
+              <a:t>most of the </a:t>
             </a:r>
             <a:r>
               <a:rPr lang="en-US" dirty="0"/>
-              <a:t> editor rather than a JSON editor.</a:t>
+              <a:t>programming languages. </a:t>
             </a:r>
           </a:p>
         </p:txBody>
@@ -942,7 +967,7 @@
           <a:p>
             <a:fld id="{36244A51-42B3-47E9-BD3B-3B35445A8097}" type="slidenum">
               <a:rPr lang="en-US" smtClean="0"/>
-              <a:t>14</a:t>
+              <a:t>13</a:t>
             </a:fld>
             <a:endParaRPr lang="en-US"/>
           </a:p>
@@ -951,7 +976,7 @@
     </p:spTree>
     <p:extLst>
       <p:ext uri="{BB962C8B-B14F-4D97-AF65-F5344CB8AC3E}">
-        <p14:creationId xmlns:p14="http://schemas.microsoft.com/office/powerpoint/2010/main" val="3803743396"/>
+        <p14:creationId xmlns:p14="http://schemas.microsoft.com/office/powerpoint/2010/main" val="1037411588"/>
       </p:ext>
     </p:extLst>
   </p:cSld>
@@ -1006,17 +1031,26 @@
           <a:lstStyle/>
           <a:p>
             <a:r>
+              <a:rPr lang="tr-TR" dirty="0"/>
+              <a:t>Commas should not be used at the final name-value pair. </a:t>
+            </a:r>
+          </a:p>
+          <a:p>
+            <a:r>
+              <a:rPr lang="tr-TR" dirty="0"/>
+              <a:t>That is why t</a:t>
+            </a:r>
+            <a:r>
               <a:rPr lang="en-US" dirty="0"/>
-              <a:t>Similar to the previous one depending on the programming language that you use syntax might differ. Since JSON will be the object of that programming language before it is parsed and serialized as JSON.</a:t>
-            </a:r>
-          </a:p>
-          <a:p>
-            <a:endParaRPr lang="en-US" dirty="0"/>
-          </a:p>
-          <a:p>
+              <a:t>he first one is not valid but difficult to see if you are using it inside of a </a:t>
+            </a:r>
+            <a:r>
+              <a:rPr lang="en-US" dirty="0" err="1"/>
+              <a:t>javascript</a:t>
+            </a:r>
             <a:r>
               <a:rPr lang="en-US" dirty="0"/>
-              <a:t>For example, in JSON key-value pairs have to be with quotation marks whereas in JavaScript files it is not necessary to have quotation marks, both work.</a:t>
+              <a:t> editor rather than a JSON editor.</a:t>
             </a:r>
           </a:p>
         </p:txBody>
@@ -1038,7 +1072,7 @@
           <a:p>
             <a:fld id="{36244A51-42B3-47E9-BD3B-3B35445A8097}" type="slidenum">
               <a:rPr lang="en-US" smtClean="0"/>
-              <a:t>15</a:t>
+              <a:t>14</a:t>
             </a:fld>
             <a:endParaRPr lang="en-US"/>
           </a:p>
@@ -1047,7 +1081,7 @@
     </p:spTree>
     <p:extLst>
       <p:ext uri="{BB962C8B-B14F-4D97-AF65-F5344CB8AC3E}">
-        <p14:creationId xmlns:p14="http://schemas.microsoft.com/office/powerpoint/2010/main" val="287577452"/>
+        <p14:creationId xmlns:p14="http://schemas.microsoft.com/office/powerpoint/2010/main" val="3803743396"/>
       </p:ext>
     </p:extLst>
   </p:cSld>
@@ -1103,27 +1137,16 @@
           <a:p>
             <a:r>
               <a:rPr lang="en-US" dirty="0"/>
-              <a:t>The syntax of the keywords might differ as well. For example, true false keywords in JSON, Rust, JavaScript, and Golang are written lowercase while in </a:t>
-            </a:r>
-            <a:r>
-              <a:rPr lang="tr-TR" dirty="0"/>
-              <a:t>P</a:t>
-            </a:r>
-            <a:r>
-              <a:rPr lang="en-US" dirty="0" err="1"/>
-              <a:t>ython</a:t>
-            </a:r>
+              <a:t>Similar to the previous one depending on the programming language that you use syntax might differ. Since JSON will be the object of that programming language before it is parsed and serialized as JSON.</a:t>
+            </a:r>
+          </a:p>
+          <a:p>
+            <a:endParaRPr lang="en-US" dirty="0"/>
+          </a:p>
+          <a:p>
             <a:r>
               <a:rPr lang="en-US" dirty="0"/>
-              <a:t> the first letter of these keywords needs to be capital</a:t>
-            </a:r>
-            <a:r>
-              <a:rPr lang="tr-TR" dirty="0"/>
-              <a:t>ized</a:t>
-            </a:r>
-            <a:r>
-              <a:rPr lang="en-US" dirty="0"/>
-              <a:t>.</a:t>
+              <a:t>For example, in JSON key-value pairs have to be with quotation marks whereas in JavaScript files it is not necessary to have quotation marks, both work.</a:t>
             </a:r>
           </a:p>
         </p:txBody>
@@ -1145,7 +1168,7 @@
           <a:p>
             <a:fld id="{36244A51-42B3-47E9-BD3B-3B35445A8097}" type="slidenum">
               <a:rPr lang="en-US" smtClean="0"/>
-              <a:t>16</a:t>
+              <a:t>15</a:t>
             </a:fld>
             <a:endParaRPr lang="en-US"/>
           </a:p>
@@ -1154,7 +1177,7 @@
     </p:spTree>
     <p:extLst>
       <p:ext uri="{BB962C8B-B14F-4D97-AF65-F5344CB8AC3E}">
-        <p14:creationId xmlns:p14="http://schemas.microsoft.com/office/powerpoint/2010/main" val="1747191759"/>
+        <p14:creationId xmlns:p14="http://schemas.microsoft.com/office/powerpoint/2010/main" val="287577452"/>
       </p:ext>
     </p:extLst>
   </p:cSld>
@@ -1210,15 +1233,7 @@
           <a:p>
             <a:r>
               <a:rPr lang="en-US" dirty="0"/>
-              <a:t>Similar to the previous one, the null keyword differs in </a:t>
-            </a:r>
-            <a:r>
-              <a:rPr lang="tr-TR" dirty="0"/>
-              <a:t>JSON</a:t>
-            </a:r>
-            <a:r>
-              <a:rPr lang="en-US" dirty="0"/>
-              <a:t> and </a:t>
+              <a:t>The syntax of the keywords might differ as well. For example, true false keywords in JSON, Rust, JavaScript, and Golang are written lowercase while in </a:t>
             </a:r>
             <a:r>
               <a:rPr lang="tr-TR" dirty="0"/>
@@ -1230,7 +1245,15 @@
             </a:r>
             <a:r>
               <a:rPr lang="en-US" dirty="0"/>
-              <a:t>. In JSON and JavaScript it is null with lowercase while in Python, the same meaning is given with the «None» keyword.</a:t>
+              <a:t> the first letter of these keywords needs to be capital</a:t>
+            </a:r>
+            <a:r>
+              <a:rPr lang="tr-TR" dirty="0"/>
+              <a:t>ized</a:t>
+            </a:r>
+            <a:r>
+              <a:rPr lang="en-US" dirty="0"/>
+              <a:t>.</a:t>
             </a:r>
           </a:p>
         </p:txBody>
@@ -1252,7 +1275,7 @@
           <a:p>
             <a:fld id="{36244A51-42B3-47E9-BD3B-3B35445A8097}" type="slidenum">
               <a:rPr lang="en-US" smtClean="0"/>
-              <a:t>17</a:t>
+              <a:t>16</a:t>
             </a:fld>
             <a:endParaRPr lang="en-US"/>
           </a:p>
@@ -1261,7 +1284,7 @@
     </p:spTree>
     <p:extLst>
       <p:ext uri="{BB962C8B-B14F-4D97-AF65-F5344CB8AC3E}">
-        <p14:creationId xmlns:p14="http://schemas.microsoft.com/office/powerpoint/2010/main" val="3962243873"/>
+        <p14:creationId xmlns:p14="http://schemas.microsoft.com/office/powerpoint/2010/main" val="1747191759"/>
       </p:ext>
     </p:extLst>
   </p:cSld>
@@ -1317,15 +1340,27 @@
           <a:p>
             <a:r>
               <a:rPr lang="en-US" dirty="0"/>
-              <a:t>Open a code editor. In this example, we used VS Code. Write a JSON file of your choice and save it by giving a file name and adding a .</a:t>
+              <a:t>Similar to the previous one, the null keyword differs in </a:t>
+            </a:r>
+            <a:r>
+              <a:rPr lang="tr-TR" dirty="0"/>
+              <a:t>JSON</a:t>
+            </a:r>
+            <a:r>
+              <a:rPr lang="en-US" dirty="0"/>
+              <a:t> and </a:t>
+            </a:r>
+            <a:r>
+              <a:rPr lang="tr-TR" dirty="0"/>
+              <a:t>P</a:t>
             </a:r>
             <a:r>
               <a:rPr lang="en-US" dirty="0" err="1"/>
-              <a:t>json</a:t>
+              <a:t>ython</a:t>
             </a:r>
             <a:r>
               <a:rPr lang="en-US" dirty="0"/>
-              <a:t> extension. Then the editor will recognize the file as a JSON document.</a:t>
+              <a:t>. In JSON and JavaScript it is null with lowercase while in Python, the same meaning is given with the «None» keyword.</a:t>
             </a:r>
           </a:p>
         </p:txBody>
@@ -1347,7 +1382,7 @@
           <a:p>
             <a:fld id="{36244A51-42B3-47E9-BD3B-3B35445A8097}" type="slidenum">
               <a:rPr lang="en-US" smtClean="0"/>
-              <a:t>20</a:t>
+              <a:t>17</a:t>
             </a:fld>
             <a:endParaRPr lang="en-US"/>
           </a:p>
@@ -1356,7 +1391,7 @@
     </p:spTree>
     <p:extLst>
       <p:ext uri="{BB962C8B-B14F-4D97-AF65-F5344CB8AC3E}">
-        <p14:creationId xmlns:p14="http://schemas.microsoft.com/office/powerpoint/2010/main" val="3814293291"/>
+        <p14:creationId xmlns:p14="http://schemas.microsoft.com/office/powerpoint/2010/main" val="3962243873"/>
       </p:ext>
     </p:extLst>
   </p:cSld>
@@ -1412,47 +1447,15 @@
           <a:p>
             <a:r>
               <a:rPr lang="en-US" dirty="0"/>
-              <a:t>Now we will read a JSON file from the file system using </a:t>
-            </a:r>
-            <a:r>
-              <a:rPr lang="tr-TR" dirty="0"/>
-              <a:t>a</a:t>
+              <a:t>Open a code editor. In this example, we used VS Code. Write a JSON file of your choice and save it by giving a file name and adding a .</a:t>
+            </a:r>
+            <a:r>
+              <a:rPr lang="en-US" dirty="0" err="1"/>
+              <a:t>json</a:t>
             </a:r>
             <a:r>
               <a:rPr lang="en-US" dirty="0"/>
-              <a:t> JSON library</a:t>
-            </a:r>
-            <a:r>
-              <a:rPr lang="tr-TR" dirty="0"/>
-              <a:t> in Python</a:t>
-            </a:r>
-            <a:r>
-              <a:rPr lang="en-US" dirty="0"/>
-              <a:t>. We open the JSON file that we </a:t>
-            </a:r>
-            <a:r>
-              <a:rPr lang="tr-TR" dirty="0"/>
-              <a:t>have</a:t>
-            </a:r>
-            <a:r>
-              <a:rPr lang="en-US" dirty="0"/>
-              <a:t> previously </a:t>
-            </a:r>
-            <a:r>
-              <a:rPr lang="tr-TR" dirty="0"/>
-              <a:t>saved </a:t>
-            </a:r>
-            <a:r>
-              <a:rPr lang="en-US" dirty="0"/>
-              <a:t>to the file system with open-as-file key words.  </a:t>
-            </a:r>
-            <a:r>
-              <a:rPr lang="tr-TR" dirty="0"/>
-              <a:t>Then,</a:t>
-            </a:r>
-            <a:r>
-              <a:rPr lang="en-US" dirty="0"/>
-              <a:t> we can load that JSON file with the load function into the data object.  We can also print it to see what is inside the JSON file.</a:t>
+              <a:t> extension. Then the editor will recognize the file as a JSON document.</a:t>
             </a:r>
           </a:p>
         </p:txBody>
@@ -1474,7 +1477,7 @@
           <a:p>
             <a:fld id="{36244A51-42B3-47E9-BD3B-3B35445A8097}" type="slidenum">
               <a:rPr lang="en-US" smtClean="0"/>
-              <a:t>21</a:t>
+              <a:t>20</a:t>
             </a:fld>
             <a:endParaRPr lang="en-US"/>
           </a:p>
@@ -1483,7 +1486,7 @@
     </p:spTree>
     <p:extLst>
       <p:ext uri="{BB962C8B-B14F-4D97-AF65-F5344CB8AC3E}">
-        <p14:creationId xmlns:p14="http://schemas.microsoft.com/office/powerpoint/2010/main" val="854383721"/>
+        <p14:creationId xmlns:p14="http://schemas.microsoft.com/office/powerpoint/2010/main" val="3814293291"/>
       </p:ext>
     </p:extLst>
   </p:cSld>
@@ -1538,12 +1541,49 @@
           <a:lstStyle/>
           <a:p>
             <a:r>
+              <a:rPr lang="en-US" dirty="0"/>
+              <a:t>Now we will read a JSON file from the file system using </a:t>
+            </a:r>
+            <a:r>
               <a:rPr lang="tr-TR" dirty="0"/>
-              <a:t>Printing the data object in console can look like this.</a:t>
-            </a:r>
-          </a:p>
-          <a:p>
-            <a:endParaRPr lang="en-US" dirty="0"/>
+              <a:t>a</a:t>
+            </a:r>
+            <a:r>
+              <a:rPr lang="en-US" dirty="0"/>
+              <a:t> JSON library</a:t>
+            </a:r>
+            <a:r>
+              <a:rPr lang="tr-TR" dirty="0"/>
+              <a:t> in Python</a:t>
+            </a:r>
+            <a:r>
+              <a:rPr lang="en-US" dirty="0"/>
+              <a:t>. We open the JSON file that we </a:t>
+            </a:r>
+            <a:r>
+              <a:rPr lang="tr-TR" dirty="0"/>
+              <a:t>have</a:t>
+            </a:r>
+            <a:r>
+              <a:rPr lang="en-US" dirty="0"/>
+              <a:t> previously </a:t>
+            </a:r>
+            <a:r>
+              <a:rPr lang="tr-TR" dirty="0"/>
+              <a:t>saved </a:t>
+            </a:r>
+            <a:r>
+              <a:rPr lang="en-US" dirty="0"/>
+              <a:t>to the file system with open-as-file key words.  </a:t>
+            </a:r>
+            <a:r>
+              <a:rPr lang="tr-TR" dirty="0"/>
+              <a:t>Then,</a:t>
+            </a:r>
+            <a:r>
+              <a:rPr lang="en-US" dirty="0"/>
+              <a:t> we can load that JSON file with the load function into the data object.  We can also print it to see what is inside the JSON file.</a:t>
+            </a:r>
           </a:p>
         </p:txBody>
       </p:sp>
@@ -1564,7 +1604,7 @@
           <a:p>
             <a:fld id="{36244A51-42B3-47E9-BD3B-3B35445A8097}" type="slidenum">
               <a:rPr lang="en-US" smtClean="0"/>
-              <a:t>22</a:t>
+              <a:t>21</a:t>
             </a:fld>
             <a:endParaRPr lang="en-US"/>
           </a:p>
@@ -1573,7 +1613,7 @@
     </p:spTree>
     <p:extLst>
       <p:ext uri="{BB962C8B-B14F-4D97-AF65-F5344CB8AC3E}">
-        <p14:creationId xmlns:p14="http://schemas.microsoft.com/office/powerpoint/2010/main" val="539604374"/>
+        <p14:creationId xmlns:p14="http://schemas.microsoft.com/office/powerpoint/2010/main" val="854383721"/>
       </p:ext>
     </p:extLst>
   </p:cSld>
@@ -1628,50 +1668,12 @@
           <a:lstStyle/>
           <a:p>
             <a:r>
-              <a:rPr lang="en-US" dirty="0"/>
-              <a:t>There are many ways to send a JSON file via different p</a:t>
-            </a:r>
-            <a:r>
               <a:rPr lang="tr-TR" dirty="0"/>
-              <a:t>rotocol</a:t>
-            </a:r>
-            <a:r>
-              <a:rPr lang="en-US" dirty="0"/>
-              <a:t>s, one of them is using Python and its request library</a:t>
-            </a:r>
-            <a:r>
-              <a:rPr lang="tr-TR" dirty="0"/>
-              <a:t> for sending an HTTP request</a:t>
-            </a:r>
-            <a:r>
-              <a:rPr lang="en-US" dirty="0"/>
-              <a:t>. </a:t>
-            </a:r>
-            <a:r>
-              <a:rPr lang="tr-TR" dirty="0"/>
-              <a:t>With</a:t>
-            </a:r>
-            <a:r>
-              <a:rPr lang="en-US" dirty="0"/>
-              <a:t> this library, you can use the post function</a:t>
-            </a:r>
-            <a:r>
-              <a:rPr lang="tr-TR" dirty="0"/>
-              <a:t> to send an HTTP POST request with a JSON Payload</a:t>
-            </a:r>
-            <a:r>
-              <a:rPr lang="en-US" dirty="0"/>
-              <a:t>. As a parameter, it takes the URL to send </a:t>
-            </a:r>
-            <a:r>
-              <a:rPr lang="tr-TR" dirty="0"/>
-              <a:t> to </a:t>
-            </a:r>
-            <a:r>
-              <a:rPr lang="en-US" dirty="0"/>
-              <a:t>and the JSON object.</a:t>
-            </a:r>
-            <a:endParaRPr lang="tr-TR" dirty="0"/>
+              <a:t>Printing the data object in console can look like this.</a:t>
+            </a:r>
+          </a:p>
+          <a:p>
+            <a:endParaRPr lang="en-US" dirty="0"/>
           </a:p>
         </p:txBody>
       </p:sp>
@@ -1692,7 +1694,7 @@
           <a:p>
             <a:fld id="{36244A51-42B3-47E9-BD3B-3B35445A8097}" type="slidenum">
               <a:rPr lang="en-US" smtClean="0"/>
-              <a:t>23</a:t>
+              <a:t>22</a:t>
             </a:fld>
             <a:endParaRPr lang="en-US"/>
           </a:p>
@@ -1701,7 +1703,7 @@
     </p:spTree>
     <p:extLst>
       <p:ext uri="{BB962C8B-B14F-4D97-AF65-F5344CB8AC3E}">
-        <p14:creationId xmlns:p14="http://schemas.microsoft.com/office/powerpoint/2010/main" val="2082583224"/>
+        <p14:creationId xmlns:p14="http://schemas.microsoft.com/office/powerpoint/2010/main" val="539604374"/>
       </p:ext>
     </p:extLst>
   </p:cSld>
@@ -1863,12 +1865,144 @@
           <a:lstStyle/>
           <a:p>
             <a:r>
+              <a:rPr lang="en-US" dirty="0"/>
+              <a:t>There are many ways to send a JSON file via different p</a:t>
+            </a:r>
+            <a:r>
               <a:rPr lang="tr-TR" dirty="0"/>
-              <a:t>In the next video, we will talk about </a:t>
-            </a:r>
-            <a:r>
-              <a:rPr lang="tr-TR"/>
-              <a:t>JSON Schema.</a:t>
+              <a:t>rotocol</a:t>
+            </a:r>
+            <a:r>
+              <a:rPr lang="en-US" dirty="0"/>
+              <a:t>s, one of them is using Python and its request library</a:t>
+            </a:r>
+            <a:r>
+              <a:rPr lang="tr-TR" dirty="0"/>
+              <a:t> for sending an HTTP request</a:t>
+            </a:r>
+            <a:r>
+              <a:rPr lang="en-US" dirty="0"/>
+              <a:t>. </a:t>
+            </a:r>
+            <a:r>
+              <a:rPr lang="tr-TR" dirty="0"/>
+              <a:t>With</a:t>
+            </a:r>
+            <a:r>
+              <a:rPr lang="en-US" dirty="0"/>
+              <a:t> this library, you can use the post function</a:t>
+            </a:r>
+            <a:r>
+              <a:rPr lang="tr-TR" dirty="0"/>
+              <a:t> to send an HTTP POST request with a JSON Payload</a:t>
+            </a:r>
+            <a:r>
+              <a:rPr lang="en-US" dirty="0"/>
+              <a:t>. As a parameter, it takes the URL to send </a:t>
+            </a:r>
+            <a:r>
+              <a:rPr lang="tr-TR" dirty="0"/>
+              <a:t> to </a:t>
+            </a:r>
+            <a:r>
+              <a:rPr lang="en-US" dirty="0"/>
+              <a:t>and the JSON object.</a:t>
+            </a:r>
+            <a:endParaRPr lang="tr-TR" dirty="0"/>
+          </a:p>
+        </p:txBody>
+      </p:sp>
+      <p:sp>
+        <p:nvSpPr>
+          <p:cNvPr id="4" name="Slide Number Placeholder 3"/>
+          <p:cNvSpPr>
+            <a:spLocks noGrp="1"/>
+          </p:cNvSpPr>
+          <p:nvPr>
+            <p:ph type="sldNum" sz="quarter" idx="5"/>
+          </p:nvPr>
+        </p:nvSpPr>
+        <p:spPr/>
+        <p:txBody>
+          <a:bodyPr/>
+          <a:lstStyle/>
+          <a:p>
+            <a:fld id="{36244A51-42B3-47E9-BD3B-3B35445A8097}" type="slidenum">
+              <a:rPr lang="en-US" smtClean="0"/>
+              <a:t>23</a:t>
+            </a:fld>
+            <a:endParaRPr lang="en-US"/>
+          </a:p>
+        </p:txBody>
+      </p:sp>
+    </p:spTree>
+    <p:extLst>
+      <p:ext uri="{BB962C8B-B14F-4D97-AF65-F5344CB8AC3E}">
+        <p14:creationId xmlns:p14="http://schemas.microsoft.com/office/powerpoint/2010/main" val="2082583224"/>
+      </p:ext>
+    </p:extLst>
+  </p:cSld>
+  <p:clrMapOvr>
+    <a:masterClrMapping/>
+  </p:clrMapOvr>
+</p:notes>
+</file>
+
+<file path=ppt/notesSlides/notesSlide21.xml><?xml version="1.0" encoding="utf-8"?>
+<p:notes xmlns:a="http://schemas.openxmlformats.org/drawingml/2006/main" xmlns:r="http://schemas.openxmlformats.org/officeDocument/2006/relationships" xmlns:p="http://schemas.openxmlformats.org/presentationml/2006/main">
+  <p:cSld>
+    <p:spTree>
+      <p:nvGrpSpPr>
+        <p:cNvPr id="1" name=""/>
+        <p:cNvGrpSpPr/>
+        <p:nvPr/>
+      </p:nvGrpSpPr>
+      <p:grpSpPr>
+        <a:xfrm>
+          <a:off x="0" y="0"/>
+          <a:ext cx="0" cy="0"/>
+          <a:chOff x="0" y="0"/>
+          <a:chExt cx="0" cy="0"/>
+        </a:xfrm>
+      </p:grpSpPr>
+      <p:sp>
+        <p:nvSpPr>
+          <p:cNvPr id="2" name="Slide Image Placeholder 1"/>
+          <p:cNvSpPr>
+            <a:spLocks noGrp="1" noRot="1" noChangeAspect="1"/>
+          </p:cNvSpPr>
+          <p:nvPr>
+            <p:ph type="sldImg"/>
+          </p:nvPr>
+        </p:nvSpPr>
+        <p:spPr/>
+      </p:sp>
+      <p:sp>
+        <p:nvSpPr>
+          <p:cNvPr id="3" name="Notes Placeholder 2"/>
+          <p:cNvSpPr>
+            <a:spLocks noGrp="1"/>
+          </p:cNvSpPr>
+          <p:nvPr>
+            <p:ph type="body" idx="1"/>
+          </p:nvPr>
+        </p:nvSpPr>
+        <p:spPr/>
+        <p:txBody>
+          <a:bodyPr/>
+          <a:lstStyle/>
+          <a:p>
+            <a:r>
+              <a:rPr lang="tr-TR" dirty="0"/>
+              <a:t>In the next video, we will talk about JSON </a:t>
+            </a:r>
+            <a:r>
+              <a:rPr lang="tr-TR" dirty="0" err="1"/>
+              <a:t>Schema</a:t>
+            </a:r>
+            <a:r>
+              <a:rPr lang="tr-TR" dirty="0"/>
+              <a:t>.</a:t>
             </a:r>
             <a:endParaRPr lang="en-US" dirty="0"/>
           </a:p>
@@ -1955,137 +2089,7 @@
           <a:bodyPr/>
           <a:lstStyle/>
           <a:p>
-            <a:pPr marL="0" marR="0" lvl="0" indent="0" algn="l" defTabSz="914400" rtl="0" eaLnBrk="1" fontAlgn="auto" latinLnBrk="0" hangingPunct="1">
-              <a:lnSpc>
-                <a:spcPct val="100000"/>
-              </a:lnSpc>
-              <a:spcBef>
-                <a:spcPts val="0"/>
-              </a:spcBef>
-              <a:spcAft>
-                <a:spcPts val="0"/>
-              </a:spcAft>
-              <a:buClrTx/>
-              <a:buSzTx/>
-              <a:buFontTx/>
-              <a:buNone/>
-              <a:tabLst/>
-              <a:defRPr/>
-            </a:pPr>
-            <a:r>
-              <a:rPr lang="en-US" dirty="0"/>
-              <a:t>Nested objects are allowed in JSON. “measurement” keyword is an example of this.</a:t>
-            </a:r>
-          </a:p>
-          <a:p>
-            <a:pPr marL="0" marR="0" lvl="0" indent="0" algn="l" defTabSz="914400" rtl="0" eaLnBrk="1" fontAlgn="auto" latinLnBrk="0" hangingPunct="1">
-              <a:lnSpc>
-                <a:spcPct val="100000"/>
-              </a:lnSpc>
-              <a:spcBef>
-                <a:spcPts val="0"/>
-              </a:spcBef>
-              <a:spcAft>
-                <a:spcPts val="0"/>
-              </a:spcAft>
-              <a:buClrTx/>
-              <a:buSzTx/>
-              <a:buFontTx/>
-              <a:buNone/>
-              <a:tabLst/>
-              <a:defRPr/>
-            </a:pPr>
-            <a:endParaRPr lang="en-US" dirty="0"/>
-          </a:p>
-          <a:p>
-            <a:pPr marL="0" marR="0" lvl="0" indent="0" algn="l" defTabSz="914400" rtl="0" eaLnBrk="1" fontAlgn="auto" latinLnBrk="0" hangingPunct="1">
-              <a:lnSpc>
-                <a:spcPct val="100000"/>
-              </a:lnSpc>
-              <a:spcBef>
-                <a:spcPts val="0"/>
-              </a:spcBef>
-              <a:spcAft>
-                <a:spcPts val="0"/>
-              </a:spcAft>
-              <a:buClrTx/>
-              <a:buSzTx/>
-              <a:buFontTx/>
-              <a:buNone/>
-              <a:tabLst/>
-              <a:defRPr/>
-            </a:pPr>
-            <a:endParaRPr lang="en-US" dirty="0"/>
-          </a:p>
-          <a:p>
-            <a:pPr marL="0" marR="0" lvl="0" indent="0" algn="l" defTabSz="914400" rtl="0" eaLnBrk="1" fontAlgn="auto" latinLnBrk="0" hangingPunct="1">
-              <a:lnSpc>
-                <a:spcPct val="100000"/>
-              </a:lnSpc>
-              <a:spcBef>
-                <a:spcPts val="0"/>
-              </a:spcBef>
-              <a:spcAft>
-                <a:spcPts val="0"/>
-              </a:spcAft>
-              <a:buClrTx/>
-              <a:buSzTx/>
-              <a:buFontTx/>
-              <a:buNone/>
-              <a:tabLst/>
-              <a:defRPr/>
-            </a:pPr>
-            <a:endParaRPr lang="en-US" dirty="0"/>
-          </a:p>
-          <a:p>
-            <a:pPr marL="0" marR="0" lvl="0" indent="0" algn="l" defTabSz="914400" rtl="0" eaLnBrk="1" fontAlgn="auto" latinLnBrk="0" hangingPunct="1">
-              <a:lnSpc>
-                <a:spcPct val="100000"/>
-              </a:lnSpc>
-              <a:spcBef>
-                <a:spcPts val="0"/>
-              </a:spcBef>
-              <a:spcAft>
-                <a:spcPts val="0"/>
-              </a:spcAft>
-              <a:buClrTx/>
-              <a:buSzTx/>
-              <a:buFontTx/>
-              <a:buNone/>
-              <a:tabLst/>
-              <a:defRPr/>
-            </a:pPr>
-            <a:r>
-              <a:rPr lang="tr-TR" dirty="0"/>
-              <a:t>Object</a:t>
-            </a:r>
-            <a:r>
-              <a:rPr lang="en-US" dirty="0"/>
-              <a:t>s start and end with a curly brackets. It is basically defining keywords and mapping these keywords to values.</a:t>
-            </a:r>
-          </a:p>
-          <a:p>
-            <a:pPr marL="0" marR="0" lvl="0" indent="0" algn="l" defTabSz="914400" rtl="0" eaLnBrk="1" fontAlgn="auto" latinLnBrk="0" hangingPunct="1">
-              <a:lnSpc>
-                <a:spcPct val="100000"/>
-              </a:lnSpc>
-              <a:spcBef>
-                <a:spcPts val="0"/>
-              </a:spcBef>
-              <a:spcAft>
-                <a:spcPts val="0"/>
-              </a:spcAft>
-              <a:buClrTx/>
-              <a:buSzTx/>
-              <a:buFontTx/>
-              <a:buNone/>
-              <a:tabLst/>
-              <a:defRPr/>
-            </a:pPr>
-            <a:r>
-              <a:rPr lang="en-US" dirty="0"/>
-              <a:t>In this example, we define the name and value pairs to describe the data sent by sensors. </a:t>
-            </a:r>
+            <a:endParaRPr lang="en-TR" dirty="0"/>
           </a:p>
         </p:txBody>
       </p:sp>
@@ -2106,7 +2110,7 @@
           <a:p>
             <a:fld id="{36244A51-42B3-47E9-BD3B-3B35445A8097}" type="slidenum">
               <a:rPr lang="en-US" smtClean="0"/>
-              <a:t>5</a:t>
+              <a:t>4</a:t>
             </a:fld>
             <a:endParaRPr lang="en-US"/>
           </a:p>
@@ -2115,7 +2119,7 @@
     </p:spTree>
     <p:extLst>
       <p:ext uri="{BB962C8B-B14F-4D97-AF65-F5344CB8AC3E}">
-        <p14:creationId xmlns:p14="http://schemas.microsoft.com/office/powerpoint/2010/main" val="3287626976"/>
+        <p14:creationId xmlns:p14="http://schemas.microsoft.com/office/powerpoint/2010/main" val="2663228929"/>
       </p:ext>
     </p:extLst>
   </p:cSld>
@@ -2169,9 +2173,136 @@
           <a:bodyPr/>
           <a:lstStyle/>
           <a:p>
+            <a:pPr marL="0" marR="0" lvl="0" indent="0" algn="l" defTabSz="914400" rtl="0" eaLnBrk="1" fontAlgn="auto" latinLnBrk="0" hangingPunct="1">
+              <a:lnSpc>
+                <a:spcPct val="100000"/>
+              </a:lnSpc>
+              <a:spcBef>
+                <a:spcPts val="0"/>
+              </a:spcBef>
+              <a:spcAft>
+                <a:spcPts val="0"/>
+              </a:spcAft>
+              <a:buClrTx/>
+              <a:buSzTx/>
+              <a:buFontTx/>
+              <a:buNone/>
+              <a:tabLst/>
+              <a:defRPr/>
+            </a:pPr>
             <a:r>
               <a:rPr lang="en-US" dirty="0"/>
-              <a:t>There is a JSON array of JSON Objects which means all items are JSON objects in that array.</a:t>
+              <a:t>Nested objects are allowed in JSON. “measurement” keyword is an example of this.</a:t>
+            </a:r>
+          </a:p>
+          <a:p>
+            <a:pPr marL="0" marR="0" lvl="0" indent="0" algn="l" defTabSz="914400" rtl="0" eaLnBrk="1" fontAlgn="auto" latinLnBrk="0" hangingPunct="1">
+              <a:lnSpc>
+                <a:spcPct val="100000"/>
+              </a:lnSpc>
+              <a:spcBef>
+                <a:spcPts val="0"/>
+              </a:spcBef>
+              <a:spcAft>
+                <a:spcPts val="0"/>
+              </a:spcAft>
+              <a:buClrTx/>
+              <a:buSzTx/>
+              <a:buFontTx/>
+              <a:buNone/>
+              <a:tabLst/>
+              <a:defRPr/>
+            </a:pPr>
+            <a:endParaRPr lang="en-US" dirty="0"/>
+          </a:p>
+          <a:p>
+            <a:pPr marL="0" marR="0" lvl="0" indent="0" algn="l" defTabSz="914400" rtl="0" eaLnBrk="1" fontAlgn="auto" latinLnBrk="0" hangingPunct="1">
+              <a:lnSpc>
+                <a:spcPct val="100000"/>
+              </a:lnSpc>
+              <a:spcBef>
+                <a:spcPts val="0"/>
+              </a:spcBef>
+              <a:spcAft>
+                <a:spcPts val="0"/>
+              </a:spcAft>
+              <a:buClrTx/>
+              <a:buSzTx/>
+              <a:buFontTx/>
+              <a:buNone/>
+              <a:tabLst/>
+              <a:defRPr/>
+            </a:pPr>
+            <a:endParaRPr lang="en-US" dirty="0"/>
+          </a:p>
+          <a:p>
+            <a:pPr marL="0" marR="0" lvl="0" indent="0" algn="l" defTabSz="914400" rtl="0" eaLnBrk="1" fontAlgn="auto" latinLnBrk="0" hangingPunct="1">
+              <a:lnSpc>
+                <a:spcPct val="100000"/>
+              </a:lnSpc>
+              <a:spcBef>
+                <a:spcPts val="0"/>
+              </a:spcBef>
+              <a:spcAft>
+                <a:spcPts val="0"/>
+              </a:spcAft>
+              <a:buClrTx/>
+              <a:buSzTx/>
+              <a:buFontTx/>
+              <a:buNone/>
+              <a:tabLst/>
+              <a:defRPr/>
+            </a:pPr>
+            <a:endParaRPr lang="en-US" dirty="0"/>
+          </a:p>
+          <a:p>
+            <a:pPr marL="0" marR="0" lvl="0" indent="0" algn="l" defTabSz="914400" rtl="0" eaLnBrk="1" fontAlgn="auto" latinLnBrk="0" hangingPunct="1">
+              <a:lnSpc>
+                <a:spcPct val="100000"/>
+              </a:lnSpc>
+              <a:spcBef>
+                <a:spcPts val="0"/>
+              </a:spcBef>
+              <a:spcAft>
+                <a:spcPts val="0"/>
+              </a:spcAft>
+              <a:buClrTx/>
+              <a:buSzTx/>
+              <a:buFontTx/>
+              <a:buNone/>
+              <a:tabLst/>
+              <a:defRPr/>
+            </a:pPr>
+            <a:r>
+              <a:rPr lang="tr-TR" dirty="0"/>
+              <a:t>Object</a:t>
+            </a:r>
+            <a:r>
+              <a:rPr lang="en-US" dirty="0"/>
+              <a:t>s start and end with a curly brackets. It is basically defining keywords and mapping these keywords to values.</a:t>
+            </a:r>
+          </a:p>
+          <a:p>
+            <a:pPr marL="0" marR="0" lvl="0" indent="0" algn="l" defTabSz="914400" rtl="0" eaLnBrk="1" fontAlgn="auto" latinLnBrk="0" hangingPunct="1">
+              <a:lnSpc>
+                <a:spcPct val="100000"/>
+              </a:lnSpc>
+              <a:spcBef>
+                <a:spcPts val="0"/>
+              </a:spcBef>
+              <a:spcAft>
+                <a:spcPts val="0"/>
+              </a:spcAft>
+              <a:buClrTx/>
+              <a:buSzTx/>
+              <a:buFontTx/>
+              <a:buNone/>
+              <a:tabLst/>
+              <a:defRPr/>
+            </a:pPr>
+            <a:r>
+              <a:rPr lang="en-US" dirty="0"/>
+              <a:t>In this example, we define the name and value pairs to describe the data sent by sensors. </a:t>
             </a:r>
           </a:p>
         </p:txBody>
@@ -2193,7 +2324,7 @@
           <a:p>
             <a:fld id="{36244A51-42B3-47E9-BD3B-3B35445A8097}" type="slidenum">
               <a:rPr lang="en-US" smtClean="0"/>
-              <a:t>6</a:t>
+              <a:t>5</a:t>
             </a:fld>
             <a:endParaRPr lang="en-US"/>
           </a:p>
@@ -2202,7 +2333,7 @@
     </p:spTree>
     <p:extLst>
       <p:ext uri="{BB962C8B-B14F-4D97-AF65-F5344CB8AC3E}">
-        <p14:creationId xmlns:p14="http://schemas.microsoft.com/office/powerpoint/2010/main" val="3152994613"/>
+        <p14:creationId xmlns:p14="http://schemas.microsoft.com/office/powerpoint/2010/main" val="3287626976"/>
       </p:ext>
     </p:extLst>
   </p:cSld>
@@ -2256,42 +2387,10 @@
           <a:bodyPr/>
           <a:lstStyle/>
           <a:p>
-            <a:pPr marL="0" marR="0" lvl="0" indent="0" algn="l" defTabSz="914400" rtl="0" eaLnBrk="1" fontAlgn="auto" latinLnBrk="0" hangingPunct="1">
-              <a:lnSpc>
-                <a:spcPct val="100000"/>
-              </a:lnSpc>
-              <a:spcBef>
-                <a:spcPts val="0"/>
-              </a:spcBef>
-              <a:spcAft>
-                <a:spcPts val="0"/>
-              </a:spcAft>
-              <a:buClrTx/>
-              <a:buSzTx/>
-              <a:buFontTx/>
-              <a:buNone/>
-              <a:tabLst/>
-              <a:defRPr/>
-            </a:pPr>
-            <a:r>
-              <a:rPr lang="tr-TR" dirty="0"/>
-              <a:t>Now we will talk about common mistakes while</a:t>
-            </a:r>
             <a:r>
               <a:rPr lang="en-US" dirty="0"/>
-              <a:t> </a:t>
-            </a:r>
-            <a:r>
-              <a:rPr lang="en-US" dirty="0" err="1"/>
-              <a:t>wr</a:t>
-            </a:r>
-            <a:r>
-              <a:rPr lang="tr-TR" dirty="0"/>
-              <a:t>iting JSON files.</a:t>
-            </a:r>
-          </a:p>
-          <a:p>
-            <a:endParaRPr lang="en-US" dirty="0"/>
+              <a:t>There is a JSON array of JSON Objects which means all items are JSON objects in that array.</a:t>
+            </a:r>
           </a:p>
         </p:txBody>
       </p:sp>
@@ -2312,7 +2411,7 @@
           <a:p>
             <a:fld id="{36244A51-42B3-47E9-BD3B-3B35445A8097}" type="slidenum">
               <a:rPr lang="en-US" smtClean="0"/>
-              <a:t>7</a:t>
+              <a:t>6</a:t>
             </a:fld>
             <a:endParaRPr lang="en-US"/>
           </a:p>
@@ -2321,7 +2420,7 @@
     </p:spTree>
     <p:extLst>
       <p:ext uri="{BB962C8B-B14F-4D97-AF65-F5344CB8AC3E}">
-        <p14:creationId xmlns:p14="http://schemas.microsoft.com/office/powerpoint/2010/main" val="2972298217"/>
+        <p14:creationId xmlns:p14="http://schemas.microsoft.com/office/powerpoint/2010/main" val="3152994613"/>
       </p:ext>
     </p:extLst>
   </p:cSld>
@@ -2375,85 +2474,41 @@
           <a:bodyPr/>
           <a:lstStyle/>
           <a:p>
+            <a:pPr marL="0" marR="0" lvl="0" indent="0" algn="l" defTabSz="914400" rtl="0" eaLnBrk="1" fontAlgn="auto" latinLnBrk="0" hangingPunct="1">
+              <a:lnSpc>
+                <a:spcPct val="100000"/>
+              </a:lnSpc>
+              <a:spcBef>
+                <a:spcPts val="0"/>
+              </a:spcBef>
+              <a:spcAft>
+                <a:spcPts val="0"/>
+              </a:spcAft>
+              <a:buClrTx/>
+              <a:buSzTx/>
+              <a:buFontTx/>
+              <a:buNone/>
+              <a:tabLst/>
+              <a:defRPr/>
+            </a:pPr>
             <a:r>
               <a:rPr lang="tr-TR" dirty="0"/>
-              <a:t>Let's start with the space character which frequently overlooked.</a:t>
-            </a:r>
-          </a:p>
-          <a:p>
-            <a:r>
-              <a:rPr lang="en-US" dirty="0"/>
-              <a:t>Space is a character too.  So “</a:t>
-            </a:r>
-            <a:r>
-              <a:rPr lang="en-US" dirty="0" err="1"/>
-              <a:t>isActive</a:t>
-            </a:r>
-            <a:r>
-              <a:rPr lang="en-US" dirty="0"/>
-              <a:t>” is not the same as “</a:t>
-            </a:r>
-            <a:r>
-              <a:rPr lang="en-US" dirty="0" err="1"/>
-              <a:t>isActive</a:t>
-            </a:r>
-            <a:r>
-              <a:rPr lang="en-US" dirty="0"/>
-              <a:t> ”</a:t>
-            </a:r>
-            <a:endParaRPr lang="tr-TR" dirty="0"/>
-          </a:p>
-          <a:p>
-            <a:r>
-              <a:rPr lang="tr-TR" dirty="0"/>
-              <a:t>Also JSON </a:t>
-            </a:r>
-            <a:r>
-              <a:rPr lang="en-US" dirty="0"/>
-              <a:t>is case sensitive</a:t>
-            </a:r>
-            <a:r>
-              <a:rPr lang="tr-TR" dirty="0"/>
-              <a:t> Thus,</a:t>
+              <a:t>Now we will talk about common mistakes while</a:t>
             </a:r>
             <a:r>
               <a:rPr lang="en-US" dirty="0"/>
               <a:t> </a:t>
             </a:r>
             <a:r>
+              <a:rPr lang="en-US" dirty="0" err="1"/>
+              <a:t>wr</a:t>
+            </a:r>
+            <a:r>
               <a:rPr lang="tr-TR" dirty="0"/>
-              <a:t>«isActive» with upper case A is </a:t>
-            </a:r>
-            <a:r>
-              <a:rPr lang="en-US" dirty="0"/>
-              <a:t>not the same as “is</a:t>
-            </a:r>
-            <a:r>
-              <a:rPr lang="tr-TR" dirty="0"/>
-              <a:t>active</a:t>
-            </a:r>
-            <a:r>
-              <a:rPr lang="en-US" dirty="0"/>
-              <a:t>”</a:t>
-            </a:r>
-            <a:r>
-              <a:rPr lang="tr-TR" dirty="0"/>
-              <a:t> with lower case «a»</a:t>
-            </a:r>
-          </a:p>
-          <a:p>
-            <a:endParaRPr lang="tr-TR" dirty="0"/>
-          </a:p>
-          <a:p>
-            <a:r>
-              <a:rPr lang="en-US" sz="1800" dirty="0">
-                <a:solidFill>
-                  <a:srgbClr val="000000"/>
-                </a:solidFill>
-                <a:latin typeface="Segoe UI" panose="020B0502040204020203" pitchFamily="34" charset="0"/>
-              </a:rPr>
-              <a:t>Paying attention to this is important to make sure that object assignments and comparisons work.</a:t>
-            </a:r>
+              <a:t>iting JSON files.</a:t>
+            </a:r>
+          </a:p>
+          <a:p>
             <a:endParaRPr lang="en-US" dirty="0"/>
           </a:p>
         </p:txBody>
@@ -2475,7 +2530,7 @@
           <a:p>
             <a:fld id="{36244A51-42B3-47E9-BD3B-3B35445A8097}" type="slidenum">
               <a:rPr lang="en-US" smtClean="0"/>
-              <a:t>8</a:t>
+              <a:t>7</a:t>
             </a:fld>
             <a:endParaRPr lang="en-US"/>
           </a:p>
@@ -2484,7 +2539,7 @@
     </p:spTree>
     <p:extLst>
       <p:ext uri="{BB962C8B-B14F-4D97-AF65-F5344CB8AC3E}">
-        <p14:creationId xmlns:p14="http://schemas.microsoft.com/office/powerpoint/2010/main" val="1099519822"/>
+        <p14:creationId xmlns:p14="http://schemas.microsoft.com/office/powerpoint/2010/main" val="2972298217"/>
       </p:ext>
     </p:extLst>
   </p:cSld>
@@ -2638,7 +2693,7 @@
           <a:p>
             <a:fld id="{36244A51-42B3-47E9-BD3B-3B35445A8097}" type="slidenum">
               <a:rPr lang="en-US" smtClean="0"/>
-              <a:t>9</a:t>
+              <a:t>8</a:t>
             </a:fld>
             <a:endParaRPr lang="en-US"/>
           </a:p>
@@ -2647,7 +2702,7 @@
     </p:spTree>
     <p:extLst>
       <p:ext uri="{BB962C8B-B14F-4D97-AF65-F5344CB8AC3E}">
-        <p14:creationId xmlns:p14="http://schemas.microsoft.com/office/powerpoint/2010/main" val="560591593"/>
+        <p14:creationId xmlns:p14="http://schemas.microsoft.com/office/powerpoint/2010/main" val="1099519822"/>
       </p:ext>
     </p:extLst>
   </p:cSld>
@@ -2703,35 +2758,17 @@
           <a:p>
             <a:r>
               <a:rPr lang="tr-TR" dirty="0"/>
-              <a:t>Lets continue with the mistakes about quotation marks</a:t>
-            </a:r>
-          </a:p>
-          <a:p>
-            <a:endParaRPr lang="tr-TR" dirty="0"/>
+              <a:t>Let's start with the space character which frequently overlooked.</a:t>
+            </a:r>
           </a:p>
           <a:p>
             <a:r>
               <a:rPr lang="en-US" dirty="0"/>
-              <a:t>Forgetting quotation marks is wrong, it will show validation errors everywhere.</a:t>
-            </a:r>
-          </a:p>
-          <a:p>
-            <a:endParaRPr lang="en-US" dirty="0"/>
-          </a:p>
-          <a:p>
-            <a:r>
-              <a:rPr lang="en-US" dirty="0"/>
-              <a:t>Also putting them when you should not cause unwanted results </a:t>
-            </a:r>
-          </a:p>
-          <a:p>
-            <a:r>
-              <a:rPr lang="en-US" dirty="0"/>
-              <a:t>For example → “</a:t>
+              <a:t>Space is a character too.  So “</a:t>
             </a:r>
             <a:r>
               <a:rPr lang="en-US" dirty="0" err="1"/>
-              <a:t>name”:”true</a:t>
+              <a:t>isActive</a:t>
             </a:r>
             <a:r>
               <a:rPr lang="en-US" dirty="0"/>
@@ -2739,36 +2776,66 @@
             </a:r>
             <a:r>
               <a:rPr lang="en-US" dirty="0" err="1"/>
-              <a:t>name”:true</a:t>
+              <a:t>isActive</a:t>
             </a:r>
             <a:r>
               <a:rPr lang="en-US" dirty="0"/>
-              <a:t> without quotation marks. </a:t>
-            </a:r>
-          </a:p>
-          <a:p>
+              <a:t> ”</a:t>
+            </a:r>
+            <a:endParaRPr lang="tr-TR" dirty="0"/>
+          </a:p>
+          <a:p>
+            <a:r>
+              <a:rPr lang="tr-TR" dirty="0"/>
+              <a:t>Also JSON </a:t>
+            </a:r>
             <a:r>
               <a:rPr lang="en-US" dirty="0"/>
-              <a:t>The first one is not a </a:t>
-            </a:r>
-            <a:r>
-              <a:rPr lang="en-US" dirty="0" err="1"/>
-              <a:t>boolean</a:t>
+              <a:t>is case sensitive</a:t>
+            </a:r>
+            <a:r>
+              <a:rPr lang="tr-TR" dirty="0"/>
+              <a:t> Thus,</a:t>
             </a:r>
             <a:r>
               <a:rPr lang="en-US" dirty="0"/>
-              <a:t> but a string so it will be interpreted as a string.  The same problem happens with numbers too.</a:t>
-            </a:r>
+              <a:t> </a:t>
+            </a:r>
+            <a:r>
+              <a:rPr lang="tr-TR" dirty="0"/>
+              <a:t>«isActive» with upper case A is </a:t>
+            </a:r>
+            <a:r>
+              <a:rPr lang="en-US" dirty="0"/>
+              <a:t>not the same as “is</a:t>
+            </a:r>
+            <a:r>
+              <a:rPr lang="tr-TR" dirty="0"/>
+              <a:t>active</a:t>
+            </a:r>
+            <a:r>
+              <a:rPr lang="en-US" dirty="0"/>
+              <a:t>”</a:t>
+            </a:r>
+            <a:r>
+              <a:rPr lang="tr-TR" dirty="0"/>
+              <a:t> with lower case «a»</a:t>
+            </a:r>
+          </a:p>
+          <a:p>
             <a:endParaRPr lang="tr-TR" dirty="0"/>
           </a:p>
           <a:p>
-            <a:endParaRPr lang="tr-TR" dirty="0"/>
-          </a:p>
-          <a:p>
-            <a:r>
-              <a:rPr lang="en-US" dirty="0"/>
-              <a:t>This way, the types will be correctly interpreted by your programming language.</a:t>
-            </a:r>
+            <a:r>
+              <a:rPr lang="en-US" sz="1800" dirty="0">
+                <a:solidFill>
+                  <a:srgbClr val="000000"/>
+                </a:solidFill>
+                <a:latin typeface="Segoe UI" panose="020B0502040204020203" pitchFamily="34" charset="0"/>
+              </a:rPr>
+              <a:t>Paying attention to this is important to make sure that object assignments and comparisons work.</a:t>
+            </a:r>
+            <a:endParaRPr lang="en-US" dirty="0"/>
           </a:p>
         </p:txBody>
       </p:sp>
@@ -2789,7 +2856,7 @@
           <a:p>
             <a:fld id="{36244A51-42B3-47E9-BD3B-3B35445A8097}" type="slidenum">
               <a:rPr lang="en-US" smtClean="0"/>
-              <a:t>10</a:t>
+              <a:t>9</a:t>
             </a:fld>
             <a:endParaRPr lang="en-US"/>
           </a:p>
@@ -2798,7 +2865,7 @@
     </p:spTree>
     <p:extLst>
       <p:ext uri="{BB962C8B-B14F-4D97-AF65-F5344CB8AC3E}">
-        <p14:creationId xmlns:p14="http://schemas.microsoft.com/office/powerpoint/2010/main" val="3927326464"/>
+        <p14:creationId xmlns:p14="http://schemas.microsoft.com/office/powerpoint/2010/main" val="560591593"/>
       </p:ext>
     </p:extLst>
   </p:cSld>
@@ -2872,53 +2939,7 @@
           <a:p>
             <a:r>
               <a:rPr lang="en-US" dirty="0"/>
-              <a:t>Also putting them when you should not cause unwanted results </a:t>
-            </a:r>
-          </a:p>
-          <a:p>
-            <a:r>
-              <a:rPr lang="en-US" dirty="0"/>
-              <a:t>For example → “</a:t>
-            </a:r>
-            <a:r>
-              <a:rPr lang="en-US" dirty="0" err="1"/>
-              <a:t>name”:”true</a:t>
-            </a:r>
-            <a:r>
-              <a:rPr lang="en-US" dirty="0"/>
-              <a:t>” is not the same as “</a:t>
-            </a:r>
-            <a:r>
-              <a:rPr lang="en-US" dirty="0" err="1"/>
-              <a:t>name”:true</a:t>
-            </a:r>
-            <a:r>
-              <a:rPr lang="en-US" dirty="0"/>
-              <a:t> without quotation marks. </a:t>
-            </a:r>
-          </a:p>
-          <a:p>
-            <a:r>
-              <a:rPr lang="en-US" dirty="0"/>
-              <a:t>The first one is not a </a:t>
-            </a:r>
-            <a:r>
-              <a:rPr lang="en-US" dirty="0" err="1"/>
-              <a:t>boolean</a:t>
-            </a:r>
-            <a:r>
-              <a:rPr lang="en-US" dirty="0"/>
-              <a:t> but a string so it will be interpreted as a string.  The same problem happens with numbers too.</a:t>
-            </a:r>
-            <a:endParaRPr lang="tr-TR" dirty="0"/>
-          </a:p>
-          <a:p>
-            <a:endParaRPr lang="tr-TR" dirty="0"/>
-          </a:p>
-          <a:p>
-            <a:r>
-              <a:rPr lang="en-US" dirty="0"/>
-              <a:t>This way, the types will be correctly interpreted by your programming language.</a:t>
+              <a:t>Also putting them when you should not cause unwanted results.</a:t>
             </a:r>
           </a:p>
         </p:txBody>
@@ -2940,7 +2961,7 @@
           <a:p>
             <a:fld id="{36244A51-42B3-47E9-BD3B-3B35445A8097}" type="slidenum">
               <a:rPr lang="en-US" smtClean="0"/>
-              <a:t>11</a:t>
+              <a:t>10</a:t>
             </a:fld>
             <a:endParaRPr lang="en-US"/>
           </a:p>
@@ -2949,7 +2970,7 @@
     </p:spTree>
     <p:extLst>
       <p:ext uri="{BB962C8B-B14F-4D97-AF65-F5344CB8AC3E}">
-        <p14:creationId xmlns:p14="http://schemas.microsoft.com/office/powerpoint/2010/main" val="255704254"/>
+        <p14:creationId xmlns:p14="http://schemas.microsoft.com/office/powerpoint/2010/main" val="3927326464"/>
       </p:ext>
     </p:extLst>
   </p:cSld>
@@ -3106,7 +3127,7 @@
           <a:p>
             <a:fld id="{F5EBBE15-30AF-4EEE-8DDC-4C0214E8A496}" type="datetimeFigureOut">
               <a:rPr lang="en-US" smtClean="0"/>
-              <a:t>8/14/23</a:t>
+              <a:t>10/5/23</a:t>
             </a:fld>
             <a:endParaRPr lang="en-US"/>
           </a:p>
@@ -3304,7 +3325,7 @@
           <a:p>
             <a:fld id="{F5EBBE15-30AF-4EEE-8DDC-4C0214E8A496}" type="datetimeFigureOut">
               <a:rPr lang="en-US" smtClean="0"/>
-              <a:t>8/14/23</a:t>
+              <a:t>10/5/23</a:t>
             </a:fld>
             <a:endParaRPr lang="en-US"/>
           </a:p>
@@ -3512,7 +3533,7 @@
           <a:p>
             <a:fld id="{F5EBBE15-30AF-4EEE-8DDC-4C0214E8A496}" type="datetimeFigureOut">
               <a:rPr lang="en-US" smtClean="0"/>
-              <a:t>8/14/23</a:t>
+              <a:t>10/5/23</a:t>
             </a:fld>
             <a:endParaRPr lang="en-US"/>
           </a:p>
@@ -3710,7 +3731,7 @@
           <a:p>
             <a:fld id="{F5EBBE15-30AF-4EEE-8DDC-4C0214E8A496}" type="datetimeFigureOut">
               <a:rPr lang="en-US" smtClean="0"/>
-              <a:t>8/14/23</a:t>
+              <a:t>10/5/23</a:t>
             </a:fld>
             <a:endParaRPr lang="en-US"/>
           </a:p>
@@ -3985,7 +4006,7 @@
           <a:p>
             <a:fld id="{F5EBBE15-30AF-4EEE-8DDC-4C0214E8A496}" type="datetimeFigureOut">
               <a:rPr lang="en-US" smtClean="0"/>
-              <a:t>8/14/23</a:t>
+              <a:t>10/5/23</a:t>
             </a:fld>
             <a:endParaRPr lang="en-US"/>
           </a:p>
@@ -4250,7 +4271,7 @@
           <a:p>
             <a:fld id="{F5EBBE15-30AF-4EEE-8DDC-4C0214E8A496}" type="datetimeFigureOut">
               <a:rPr lang="en-US" smtClean="0"/>
-              <a:t>8/14/23</a:t>
+              <a:t>10/5/23</a:t>
             </a:fld>
             <a:endParaRPr lang="en-US"/>
           </a:p>
@@ -4662,7 +4683,7 @@
           <a:p>
             <a:fld id="{F5EBBE15-30AF-4EEE-8DDC-4C0214E8A496}" type="datetimeFigureOut">
               <a:rPr lang="en-US" smtClean="0"/>
-              <a:t>8/14/23</a:t>
+              <a:t>10/5/23</a:t>
             </a:fld>
             <a:endParaRPr lang="en-US"/>
           </a:p>
@@ -4803,7 +4824,7 @@
           <a:p>
             <a:fld id="{F5EBBE15-30AF-4EEE-8DDC-4C0214E8A496}" type="datetimeFigureOut">
               <a:rPr lang="en-US" smtClean="0"/>
-              <a:t>8/14/23</a:t>
+              <a:t>10/5/23</a:t>
             </a:fld>
             <a:endParaRPr lang="en-US"/>
           </a:p>
@@ -4916,7 +4937,7 @@
           <a:p>
             <a:fld id="{F5EBBE15-30AF-4EEE-8DDC-4C0214E8A496}" type="datetimeFigureOut">
               <a:rPr lang="en-US" smtClean="0"/>
-              <a:t>8/14/23</a:t>
+              <a:t>10/5/23</a:t>
             </a:fld>
             <a:endParaRPr lang="en-US"/>
           </a:p>
@@ -5227,7 +5248,7 @@
           <a:p>
             <a:fld id="{F5EBBE15-30AF-4EEE-8DDC-4C0214E8A496}" type="datetimeFigureOut">
               <a:rPr lang="en-US" smtClean="0"/>
-              <a:t>8/14/23</a:t>
+              <a:t>10/5/23</a:t>
             </a:fld>
             <a:endParaRPr lang="en-US"/>
           </a:p>
@@ -5515,7 +5536,7 @@
           <a:p>
             <a:fld id="{F5EBBE15-30AF-4EEE-8DDC-4C0214E8A496}" type="datetimeFigureOut">
               <a:rPr lang="en-US" smtClean="0"/>
-              <a:t>8/14/23</a:t>
+              <a:t>10/5/23</a:t>
             </a:fld>
             <a:endParaRPr lang="en-US"/>
           </a:p>
@@ -5761,7 +5782,7 @@
           <a:p>
             <a:fld id="{F5EBBE15-30AF-4EEE-8DDC-4C0214E8A496}" type="datetimeFigureOut">
               <a:rPr lang="en-US" smtClean="0"/>
-              <a:t>8/14/23</a:t>
+              <a:t>10/5/23</a:t>
             </a:fld>
             <a:endParaRPr lang="en-US"/>
           </a:p>
@@ -7384,12 +7405,12 @@
   </p:clrMapOvr>
   <mc:AlternateContent xmlns:mc="http://schemas.openxmlformats.org/markup-compatibility/2006" xmlns:p159="http://schemas.microsoft.com/office/powerpoint/2015/09/main">
     <mc:Choice Requires="p159">
-      <p:transition xmlns:p14="http://schemas.microsoft.com/office/powerpoint/2010/main" spd="slow" p14:dur="2000" advClick="0" advTm="11400">
+      <p:transition xmlns:p14="http://schemas.microsoft.com/office/powerpoint/2010/main" spd="slow" p14:dur="2000" advClick="0" advTm="15700">
         <p159:morph option="byObject"/>
       </p:transition>
     </mc:Choice>
     <mc:Fallback xmlns="">
-      <p:transition spd="slow" advClick="0" advTm="11400">
+      <p:transition spd="slow" advClick="0" advTm="15700">
         <p:fade/>
       </p:transition>
     </mc:Fallback>
@@ -9939,126 +9960,945 @@
           </p:style>
         </p:cxnSp>
       </p:grpSp>
-      <p:sp>
-        <p:nvSpPr>
-          <p:cNvPr id="18" name="TextBox 17">
+      <p:grpSp>
+        <p:nvGrpSpPr>
+          <p:cNvPr id="14" name="Group 13">
             <a:extLst>
               <a:ext uri="{FF2B5EF4-FFF2-40B4-BE49-F238E27FC236}">
-                <a16:creationId xmlns:a16="http://schemas.microsoft.com/office/drawing/2014/main" id="{2485397D-7CDE-AAE7-4340-2DDFC3CD249A}"/>
+                <a16:creationId xmlns:a16="http://schemas.microsoft.com/office/drawing/2014/main" id="{8DDE76B3-9E5F-34FE-76FE-6ABB7B2D7AE8}"/>
               </a:ext>
             </a:extLst>
           </p:cNvPr>
-          <p:cNvSpPr txBox="1"/>
+          <p:cNvGrpSpPr/>
           <p:nvPr/>
-        </p:nvSpPr>
-        <p:spPr>
+        </p:nvGrpSpPr>
+        <p:grpSpPr>
           <a:xfrm>
-            <a:off x="12913588" y="2721114"/>
-            <a:ext cx="5585140" cy="707886"/>
+            <a:off x="12882307" y="2215503"/>
+            <a:ext cx="9240887" cy="2055042"/>
+            <a:chOff x="13068615" y="2038790"/>
+            <a:chExt cx="9240887" cy="2055042"/>
           </a:xfrm>
-          <a:prstGeom prst="rect">
-            <a:avLst/>
-          </a:prstGeom>
-          <a:noFill/>
-        </p:spPr>
-        <p:txBody>
-          <a:bodyPr wrap="square">
-            <a:spAutoFit/>
-          </a:bodyPr>
-          <a:lstStyle/>
-          <a:p>
-            <a:pPr algn="ctr"/>
-            <a:r>
-              <a:rPr lang="en-US" sz="4000" b="0" i="0" dirty="0">
-                <a:solidFill>
-                  <a:schemeClr val="accent1">
-                    <a:lumMod val="60000"/>
-                    <a:lumOff val="40000"/>
-                  </a:schemeClr>
-                </a:solidFill>
-                <a:effectLst/>
-                <a:latin typeface="Consolas" panose="020B0609020204030204" pitchFamily="49" charset="0"/>
-              </a:rPr>
-              <a:t>"</a:t>
-            </a:r>
-            <a:r>
-              <a:rPr lang="tr-TR" sz="4000" dirty="0">
-                <a:solidFill>
-                  <a:schemeClr val="accent1">
-                    <a:lumMod val="60000"/>
-                    <a:lumOff val="40000"/>
-                  </a:schemeClr>
-                </a:solidFill>
-                <a:latin typeface="Consolas" panose="020B0609020204030204" pitchFamily="49" charset="0"/>
-              </a:rPr>
-              <a:t>isActive</a:t>
-            </a:r>
-            <a:r>
-              <a:rPr lang="en-US" sz="4000" b="0" i="0" dirty="0">
-                <a:solidFill>
-                  <a:schemeClr val="accent1">
-                    <a:lumMod val="60000"/>
-                    <a:lumOff val="40000"/>
-                  </a:schemeClr>
-                </a:solidFill>
-                <a:effectLst/>
-                <a:latin typeface="Consolas" panose="020B0609020204030204" pitchFamily="49" charset="0"/>
-              </a:rPr>
-              <a:t>"</a:t>
-            </a:r>
-            <a:r>
-              <a:rPr lang="en-US" sz="4000" b="0" i="0" dirty="0">
-                <a:solidFill>
-                  <a:schemeClr val="accent1"/>
-                </a:solidFill>
-                <a:effectLst/>
-                <a:latin typeface="Consolas" panose="020B0609020204030204" pitchFamily="49" charset="0"/>
-              </a:rPr>
-              <a:t>:</a:t>
-            </a:r>
-            <a:r>
-              <a:rPr lang="en-US" sz="4000" b="0" i="0" dirty="0">
+        </p:grpSpPr>
+        <p:grpSp>
+          <p:nvGrpSpPr>
+            <p:cNvPr id="3" name="Group 2">
+              <a:extLst>
+                <a:ext uri="{FF2B5EF4-FFF2-40B4-BE49-F238E27FC236}">
+                  <a16:creationId xmlns:a16="http://schemas.microsoft.com/office/drawing/2014/main" id="{38133A74-87A4-4AB8-8D3C-242893308BAF}"/>
+                </a:ext>
+              </a:extLst>
+            </p:cNvPr>
+            <p:cNvGrpSpPr/>
+            <p:nvPr/>
+          </p:nvGrpSpPr>
+          <p:grpSpPr>
+            <a:xfrm>
+              <a:off x="13068615" y="2609724"/>
+              <a:ext cx="9240887" cy="1484108"/>
+              <a:chOff x="1841318" y="2801665"/>
+              <a:chExt cx="9240887" cy="1061464"/>
+            </a:xfrm>
+          </p:grpSpPr>
+          <p:sp>
+            <p:nvSpPr>
+              <p:cNvPr id="4" name="Content Placeholder 2">
+                <a:extLst>
+                  <a:ext uri="{FF2B5EF4-FFF2-40B4-BE49-F238E27FC236}">
+                    <a16:creationId xmlns:a16="http://schemas.microsoft.com/office/drawing/2014/main" id="{6137C534-1890-51BF-1643-830A22CC27D7}"/>
+                  </a:ext>
+                </a:extLst>
+              </p:cNvPr>
+              <p:cNvSpPr txBox="1">
+                <a:spLocks/>
+              </p:cNvSpPr>
+              <p:nvPr/>
+            </p:nvSpPr>
+            <p:spPr>
+              <a:xfrm>
+                <a:off x="1841318" y="2801665"/>
+                <a:ext cx="3874014" cy="1061464"/>
+              </a:xfrm>
+              <a:prstGeom prst="rect">
+                <a:avLst/>
+              </a:prstGeom>
+            </p:spPr>
+            <p:txBody>
+              <a:bodyPr vert="horz" lIns="91440" tIns="45720" rIns="91440" bIns="45720" rtlCol="0">
+                <a:noAutofit/>
+              </a:bodyPr>
+              <a:lstStyle>
+                <a:lvl1pPr marL="228600" indent="-228600" algn="l" defTabSz="914400" rtl="0" eaLnBrk="1" latinLnBrk="0" hangingPunct="1">
+                  <a:lnSpc>
+                    <a:spcPct val="90000"/>
+                  </a:lnSpc>
+                  <a:spcBef>
+                    <a:spcPts val="1000"/>
+                  </a:spcBef>
+                  <a:buFont typeface="Arial" panose="020B0604020202020204" pitchFamily="34" charset="0"/>
+                  <a:buChar char="•"/>
+                  <a:defRPr sz="2800" kern="1200">
+                    <a:solidFill>
+                      <a:schemeClr val="tx1"/>
+                    </a:solidFill>
+                    <a:latin typeface="+mn-lt"/>
+                    <a:ea typeface="+mn-ea"/>
+                    <a:cs typeface="+mn-cs"/>
+                  </a:defRPr>
+                </a:lvl1pPr>
+                <a:lvl2pPr marL="685800" indent="-228600" algn="l" defTabSz="914400" rtl="0" eaLnBrk="1" latinLnBrk="0" hangingPunct="1">
+                  <a:lnSpc>
+                    <a:spcPct val="90000"/>
+                  </a:lnSpc>
+                  <a:spcBef>
+                    <a:spcPts val="500"/>
+                  </a:spcBef>
+                  <a:buFont typeface="Arial" panose="020B0604020202020204" pitchFamily="34" charset="0"/>
+                  <a:buChar char="•"/>
+                  <a:defRPr sz="2400" kern="1200">
+                    <a:solidFill>
+                      <a:schemeClr val="tx1"/>
+                    </a:solidFill>
+                    <a:latin typeface="+mn-lt"/>
+                    <a:ea typeface="+mn-ea"/>
+                    <a:cs typeface="+mn-cs"/>
+                  </a:defRPr>
+                </a:lvl2pPr>
+                <a:lvl3pPr marL="1143000" indent="-228600" algn="l" defTabSz="914400" rtl="0" eaLnBrk="1" latinLnBrk="0" hangingPunct="1">
+                  <a:lnSpc>
+                    <a:spcPct val="90000"/>
+                  </a:lnSpc>
+                  <a:spcBef>
+                    <a:spcPts val="500"/>
+                  </a:spcBef>
+                  <a:buFont typeface="Arial" panose="020B0604020202020204" pitchFamily="34" charset="0"/>
+                  <a:buChar char="•"/>
+                  <a:defRPr sz="2000" kern="1200">
+                    <a:solidFill>
+                      <a:schemeClr val="tx1"/>
+                    </a:solidFill>
+                    <a:latin typeface="+mn-lt"/>
+                    <a:ea typeface="+mn-ea"/>
+                    <a:cs typeface="+mn-cs"/>
+                  </a:defRPr>
+                </a:lvl3pPr>
+                <a:lvl4pPr marL="1600200" indent="-228600" algn="l" defTabSz="914400" rtl="0" eaLnBrk="1" latinLnBrk="0" hangingPunct="1">
+                  <a:lnSpc>
+                    <a:spcPct val="90000"/>
+                  </a:lnSpc>
+                  <a:spcBef>
+                    <a:spcPts val="500"/>
+                  </a:spcBef>
+                  <a:buFont typeface="Arial" panose="020B0604020202020204" pitchFamily="34" charset="0"/>
+                  <a:buChar char="•"/>
+                  <a:defRPr sz="1800" kern="1200">
+                    <a:solidFill>
+                      <a:schemeClr val="tx1"/>
+                    </a:solidFill>
+                    <a:latin typeface="+mn-lt"/>
+                    <a:ea typeface="+mn-ea"/>
+                    <a:cs typeface="+mn-cs"/>
+                  </a:defRPr>
+                </a:lvl4pPr>
+                <a:lvl5pPr marL="2057400" indent="-228600" algn="l" defTabSz="914400" rtl="0" eaLnBrk="1" latinLnBrk="0" hangingPunct="1">
+                  <a:lnSpc>
+                    <a:spcPct val="90000"/>
+                  </a:lnSpc>
+                  <a:spcBef>
+                    <a:spcPts val="500"/>
+                  </a:spcBef>
+                  <a:buFont typeface="Arial" panose="020B0604020202020204" pitchFamily="34" charset="0"/>
+                  <a:buChar char="•"/>
+                  <a:defRPr sz="1800" kern="1200">
+                    <a:solidFill>
+                      <a:schemeClr val="tx1"/>
+                    </a:solidFill>
+                    <a:latin typeface="+mn-lt"/>
+                    <a:ea typeface="+mn-ea"/>
+                    <a:cs typeface="+mn-cs"/>
+                  </a:defRPr>
+                </a:lvl5pPr>
+                <a:lvl6pPr marL="2514600" indent="-228600" algn="l" defTabSz="914400" rtl="0" eaLnBrk="1" latinLnBrk="0" hangingPunct="1">
+                  <a:lnSpc>
+                    <a:spcPct val="90000"/>
+                  </a:lnSpc>
+                  <a:spcBef>
+                    <a:spcPts val="500"/>
+                  </a:spcBef>
+                  <a:buFont typeface="Arial" panose="020B0604020202020204" pitchFamily="34" charset="0"/>
+                  <a:buChar char="•"/>
+                  <a:defRPr sz="1800" kern="1200">
+                    <a:solidFill>
+                      <a:schemeClr val="tx1"/>
+                    </a:solidFill>
+                    <a:latin typeface="+mn-lt"/>
+                    <a:ea typeface="+mn-ea"/>
+                    <a:cs typeface="+mn-cs"/>
+                  </a:defRPr>
+                </a:lvl6pPr>
+                <a:lvl7pPr marL="2971800" indent="-228600" algn="l" defTabSz="914400" rtl="0" eaLnBrk="1" latinLnBrk="0" hangingPunct="1">
+                  <a:lnSpc>
+                    <a:spcPct val="90000"/>
+                  </a:lnSpc>
+                  <a:spcBef>
+                    <a:spcPts val="500"/>
+                  </a:spcBef>
+                  <a:buFont typeface="Arial" panose="020B0604020202020204" pitchFamily="34" charset="0"/>
+                  <a:buChar char="•"/>
+                  <a:defRPr sz="1800" kern="1200">
+                    <a:solidFill>
+                      <a:schemeClr val="tx1"/>
+                    </a:solidFill>
+                    <a:latin typeface="+mn-lt"/>
+                    <a:ea typeface="+mn-ea"/>
+                    <a:cs typeface="+mn-cs"/>
+                  </a:defRPr>
+                </a:lvl7pPr>
+                <a:lvl8pPr marL="3429000" indent="-228600" algn="l" defTabSz="914400" rtl="0" eaLnBrk="1" latinLnBrk="0" hangingPunct="1">
+                  <a:lnSpc>
+                    <a:spcPct val="90000"/>
+                  </a:lnSpc>
+                  <a:spcBef>
+                    <a:spcPts val="500"/>
+                  </a:spcBef>
+                  <a:buFont typeface="Arial" panose="020B0604020202020204" pitchFamily="34" charset="0"/>
+                  <a:buChar char="•"/>
+                  <a:defRPr sz="1800" kern="1200">
+                    <a:solidFill>
+                      <a:schemeClr val="tx1"/>
+                    </a:solidFill>
+                    <a:latin typeface="+mn-lt"/>
+                    <a:ea typeface="+mn-ea"/>
+                    <a:cs typeface="+mn-cs"/>
+                  </a:defRPr>
+                </a:lvl8pPr>
+                <a:lvl9pPr marL="3886200" indent="-228600" algn="l" defTabSz="914400" rtl="0" eaLnBrk="1" latinLnBrk="0" hangingPunct="1">
+                  <a:lnSpc>
+                    <a:spcPct val="90000"/>
+                  </a:lnSpc>
+                  <a:spcBef>
+                    <a:spcPts val="500"/>
+                  </a:spcBef>
+                  <a:buFont typeface="Arial" panose="020B0604020202020204" pitchFamily="34" charset="0"/>
+                  <a:buChar char="•"/>
+                  <a:defRPr sz="1800" kern="1200">
+                    <a:solidFill>
+                      <a:schemeClr val="tx1"/>
+                    </a:solidFill>
+                    <a:latin typeface="+mn-lt"/>
+                    <a:ea typeface="+mn-ea"/>
+                    <a:cs typeface="+mn-cs"/>
+                  </a:defRPr>
+                </a:lvl9pPr>
+              </a:lstStyle>
+              <a:p>
+                <a:pPr marL="0" indent="0" eaLnBrk="0" fontAlgn="base" hangingPunct="0">
+                  <a:lnSpc>
+                    <a:spcPct val="100000"/>
+                  </a:lnSpc>
+                  <a:spcBef>
+                    <a:spcPct val="0"/>
+                  </a:spcBef>
+                  <a:spcAft>
+                    <a:spcPct val="0"/>
+                  </a:spcAft>
+                  <a:buNone/>
+                </a:pPr>
+                <a:r>
+                  <a:rPr lang="en-US" sz="3600" b="0" i="0" dirty="0">
+                    <a:solidFill>
+                      <a:schemeClr val="accent1">
+                        <a:lumMod val="60000"/>
+                        <a:lumOff val="40000"/>
+                      </a:schemeClr>
+                    </a:solidFill>
+                    <a:effectLst/>
+                    <a:latin typeface="Consolas" panose="020B0609020204030204" pitchFamily="49" charset="0"/>
+                  </a:rPr>
+                  <a:t>"</a:t>
+                </a:r>
+                <a:r>
+                  <a:rPr lang="tr-TR" sz="3600" dirty="0">
+                    <a:solidFill>
+                      <a:schemeClr val="accent1">
+                        <a:lumMod val="60000"/>
+                        <a:lumOff val="40000"/>
+                      </a:schemeClr>
+                    </a:solidFill>
+                    <a:latin typeface="Consolas" panose="020B0609020204030204" pitchFamily="49" charset="0"/>
+                  </a:rPr>
+                  <a:t>name</a:t>
+                </a:r>
+                <a:r>
+                  <a:rPr lang="en-US" sz="3600" b="0" i="0" dirty="0">
+                    <a:solidFill>
+                      <a:schemeClr val="accent1">
+                        <a:lumMod val="60000"/>
+                        <a:lumOff val="40000"/>
+                      </a:schemeClr>
+                    </a:solidFill>
+                    <a:effectLst/>
+                    <a:latin typeface="Consolas" panose="020B0609020204030204" pitchFamily="49" charset="0"/>
+                  </a:rPr>
+                  <a:t>":</a:t>
+                </a:r>
+                <a:r>
+                  <a:rPr lang="en-US" sz="3600" b="0" i="0" dirty="0">
+                    <a:solidFill>
+                      <a:schemeClr val="accent2"/>
+                    </a:solidFill>
+                    <a:effectLst/>
+                    <a:latin typeface="Consolas" panose="020B0609020204030204" pitchFamily="49" charset="0"/>
+                  </a:rPr>
+                  <a:t>"</a:t>
+                </a:r>
+                <a:r>
+                  <a:rPr lang="tr-TR" sz="3600" dirty="0" err="1">
+                    <a:solidFill>
+                      <a:schemeClr val="accent2"/>
+                    </a:solidFill>
+                    <a:latin typeface="Consolas" panose="020B0609020204030204" pitchFamily="49" charset="0"/>
+                  </a:rPr>
+                  <a:t>true</a:t>
+                </a:r>
+                <a:r>
+                  <a:rPr lang="en-US" sz="3600" b="0" i="0" dirty="0">
+                    <a:solidFill>
+                      <a:schemeClr val="accent2"/>
+                    </a:solidFill>
+                    <a:effectLst/>
+                    <a:latin typeface="Consolas" panose="020B0609020204030204" pitchFamily="49" charset="0"/>
+                  </a:rPr>
+                  <a:t>"</a:t>
+                </a:r>
+                <a:endParaRPr lang="tr-TR" altLang="en-US" sz="3600" dirty="0">
+                  <a:solidFill>
+                    <a:schemeClr val="accent1"/>
+                  </a:solidFill>
+                  <a:latin typeface="Consolas" panose="020B0609020204030204" pitchFamily="49" charset="0"/>
+                </a:endParaRPr>
+              </a:p>
+              <a:p>
+                <a:pPr marL="0" indent="0" eaLnBrk="0" fontAlgn="base" hangingPunct="0">
+                  <a:lnSpc>
+                    <a:spcPct val="100000"/>
+                  </a:lnSpc>
+                  <a:spcBef>
+                    <a:spcPct val="0"/>
+                  </a:spcBef>
+                  <a:spcAft>
+                    <a:spcPct val="0"/>
+                  </a:spcAft>
+                  <a:buFontTx/>
+                  <a:buNone/>
+                </a:pPr>
+                <a:r>
+                  <a:rPr lang="en-US" altLang="en-US" sz="3600" dirty="0">
+                    <a:solidFill>
+                      <a:schemeClr val="accent1"/>
+                    </a:solidFill>
+                    <a:latin typeface="Consolas" panose="020B0609020204030204" pitchFamily="49" charset="0"/>
+                  </a:rPr>
+                  <a:t> </a:t>
+                </a:r>
+                <a:endParaRPr lang="tr-TR" altLang="en-US" sz="3600" dirty="0">
+                  <a:solidFill>
+                    <a:schemeClr val="accent1"/>
+                  </a:solidFill>
+                  <a:latin typeface="Consolas" panose="020B0609020204030204" pitchFamily="49" charset="0"/>
+                </a:endParaRPr>
+              </a:p>
+              <a:p>
+                <a:endParaRPr lang="en-US" sz="3600" dirty="0"/>
+              </a:p>
+            </p:txBody>
+          </p:sp>
+          <p:sp>
+            <p:nvSpPr>
+              <p:cNvPr id="6" name="Content Placeholder 2">
+                <a:extLst>
+                  <a:ext uri="{FF2B5EF4-FFF2-40B4-BE49-F238E27FC236}">
+                    <a16:creationId xmlns:a16="http://schemas.microsoft.com/office/drawing/2014/main" id="{F7F01427-7230-FB80-4C3F-9C09F4C6188F}"/>
+                  </a:ext>
+                </a:extLst>
+              </p:cNvPr>
+              <p:cNvSpPr txBox="1">
+                <a:spLocks/>
+              </p:cNvSpPr>
+              <p:nvPr/>
+            </p:nvSpPr>
+            <p:spPr>
+              <a:xfrm>
+                <a:off x="7493946" y="2801665"/>
+                <a:ext cx="3588259" cy="1061464"/>
+              </a:xfrm>
+              <a:prstGeom prst="rect">
+                <a:avLst/>
+              </a:prstGeom>
+            </p:spPr>
+            <p:txBody>
+              <a:bodyPr vert="horz" lIns="91440" tIns="45720" rIns="91440" bIns="45720" rtlCol="0">
+                <a:noAutofit/>
+              </a:bodyPr>
+              <a:lstStyle>
+                <a:lvl1pPr marL="228600" indent="-228600" algn="l" defTabSz="914400" rtl="0" eaLnBrk="1" latinLnBrk="0" hangingPunct="1">
+                  <a:lnSpc>
+                    <a:spcPct val="90000"/>
+                  </a:lnSpc>
+                  <a:spcBef>
+                    <a:spcPts val="1000"/>
+                  </a:spcBef>
+                  <a:buFont typeface="Arial" panose="020B0604020202020204" pitchFamily="34" charset="0"/>
+                  <a:buChar char="•"/>
+                  <a:defRPr sz="2800" kern="1200">
+                    <a:solidFill>
+                      <a:schemeClr val="tx1"/>
+                    </a:solidFill>
+                    <a:latin typeface="+mn-lt"/>
+                    <a:ea typeface="+mn-ea"/>
+                    <a:cs typeface="+mn-cs"/>
+                  </a:defRPr>
+                </a:lvl1pPr>
+                <a:lvl2pPr marL="685800" indent="-228600" algn="l" defTabSz="914400" rtl="0" eaLnBrk="1" latinLnBrk="0" hangingPunct="1">
+                  <a:lnSpc>
+                    <a:spcPct val="90000"/>
+                  </a:lnSpc>
+                  <a:spcBef>
+                    <a:spcPts val="500"/>
+                  </a:spcBef>
+                  <a:buFont typeface="Arial" panose="020B0604020202020204" pitchFamily="34" charset="0"/>
+                  <a:buChar char="•"/>
+                  <a:defRPr sz="2400" kern="1200">
+                    <a:solidFill>
+                      <a:schemeClr val="tx1"/>
+                    </a:solidFill>
+                    <a:latin typeface="+mn-lt"/>
+                    <a:ea typeface="+mn-ea"/>
+                    <a:cs typeface="+mn-cs"/>
+                  </a:defRPr>
+                </a:lvl2pPr>
+                <a:lvl3pPr marL="1143000" indent="-228600" algn="l" defTabSz="914400" rtl="0" eaLnBrk="1" latinLnBrk="0" hangingPunct="1">
+                  <a:lnSpc>
+                    <a:spcPct val="90000"/>
+                  </a:lnSpc>
+                  <a:spcBef>
+                    <a:spcPts val="500"/>
+                  </a:spcBef>
+                  <a:buFont typeface="Arial" panose="020B0604020202020204" pitchFamily="34" charset="0"/>
+                  <a:buChar char="•"/>
+                  <a:defRPr sz="2000" kern="1200">
+                    <a:solidFill>
+                      <a:schemeClr val="tx1"/>
+                    </a:solidFill>
+                    <a:latin typeface="+mn-lt"/>
+                    <a:ea typeface="+mn-ea"/>
+                    <a:cs typeface="+mn-cs"/>
+                  </a:defRPr>
+                </a:lvl3pPr>
+                <a:lvl4pPr marL="1600200" indent="-228600" algn="l" defTabSz="914400" rtl="0" eaLnBrk="1" latinLnBrk="0" hangingPunct="1">
+                  <a:lnSpc>
+                    <a:spcPct val="90000"/>
+                  </a:lnSpc>
+                  <a:spcBef>
+                    <a:spcPts val="500"/>
+                  </a:spcBef>
+                  <a:buFont typeface="Arial" panose="020B0604020202020204" pitchFamily="34" charset="0"/>
+                  <a:buChar char="•"/>
+                  <a:defRPr sz="1800" kern="1200">
+                    <a:solidFill>
+                      <a:schemeClr val="tx1"/>
+                    </a:solidFill>
+                    <a:latin typeface="+mn-lt"/>
+                    <a:ea typeface="+mn-ea"/>
+                    <a:cs typeface="+mn-cs"/>
+                  </a:defRPr>
+                </a:lvl4pPr>
+                <a:lvl5pPr marL="2057400" indent="-228600" algn="l" defTabSz="914400" rtl="0" eaLnBrk="1" latinLnBrk="0" hangingPunct="1">
+                  <a:lnSpc>
+                    <a:spcPct val="90000"/>
+                  </a:lnSpc>
+                  <a:spcBef>
+                    <a:spcPts val="500"/>
+                  </a:spcBef>
+                  <a:buFont typeface="Arial" panose="020B0604020202020204" pitchFamily="34" charset="0"/>
+                  <a:buChar char="•"/>
+                  <a:defRPr sz="1800" kern="1200">
+                    <a:solidFill>
+                      <a:schemeClr val="tx1"/>
+                    </a:solidFill>
+                    <a:latin typeface="+mn-lt"/>
+                    <a:ea typeface="+mn-ea"/>
+                    <a:cs typeface="+mn-cs"/>
+                  </a:defRPr>
+                </a:lvl5pPr>
+                <a:lvl6pPr marL="2514600" indent="-228600" algn="l" defTabSz="914400" rtl="0" eaLnBrk="1" latinLnBrk="0" hangingPunct="1">
+                  <a:lnSpc>
+                    <a:spcPct val="90000"/>
+                  </a:lnSpc>
+                  <a:spcBef>
+                    <a:spcPts val="500"/>
+                  </a:spcBef>
+                  <a:buFont typeface="Arial" panose="020B0604020202020204" pitchFamily="34" charset="0"/>
+                  <a:buChar char="•"/>
+                  <a:defRPr sz="1800" kern="1200">
+                    <a:solidFill>
+                      <a:schemeClr val="tx1"/>
+                    </a:solidFill>
+                    <a:latin typeface="+mn-lt"/>
+                    <a:ea typeface="+mn-ea"/>
+                    <a:cs typeface="+mn-cs"/>
+                  </a:defRPr>
+                </a:lvl6pPr>
+                <a:lvl7pPr marL="2971800" indent="-228600" algn="l" defTabSz="914400" rtl="0" eaLnBrk="1" latinLnBrk="0" hangingPunct="1">
+                  <a:lnSpc>
+                    <a:spcPct val="90000"/>
+                  </a:lnSpc>
+                  <a:spcBef>
+                    <a:spcPts val="500"/>
+                  </a:spcBef>
+                  <a:buFont typeface="Arial" panose="020B0604020202020204" pitchFamily="34" charset="0"/>
+                  <a:buChar char="•"/>
+                  <a:defRPr sz="1800" kern="1200">
+                    <a:solidFill>
+                      <a:schemeClr val="tx1"/>
+                    </a:solidFill>
+                    <a:latin typeface="+mn-lt"/>
+                    <a:ea typeface="+mn-ea"/>
+                    <a:cs typeface="+mn-cs"/>
+                  </a:defRPr>
+                </a:lvl7pPr>
+                <a:lvl8pPr marL="3429000" indent="-228600" algn="l" defTabSz="914400" rtl="0" eaLnBrk="1" latinLnBrk="0" hangingPunct="1">
+                  <a:lnSpc>
+                    <a:spcPct val="90000"/>
+                  </a:lnSpc>
+                  <a:spcBef>
+                    <a:spcPts val="500"/>
+                  </a:spcBef>
+                  <a:buFont typeface="Arial" panose="020B0604020202020204" pitchFamily="34" charset="0"/>
+                  <a:buChar char="•"/>
+                  <a:defRPr sz="1800" kern="1200">
+                    <a:solidFill>
+                      <a:schemeClr val="tx1"/>
+                    </a:solidFill>
+                    <a:latin typeface="+mn-lt"/>
+                    <a:ea typeface="+mn-ea"/>
+                    <a:cs typeface="+mn-cs"/>
+                  </a:defRPr>
+                </a:lvl8pPr>
+                <a:lvl9pPr marL="3886200" indent="-228600" algn="l" defTabSz="914400" rtl="0" eaLnBrk="1" latinLnBrk="0" hangingPunct="1">
+                  <a:lnSpc>
+                    <a:spcPct val="90000"/>
+                  </a:lnSpc>
+                  <a:spcBef>
+                    <a:spcPts val="500"/>
+                  </a:spcBef>
+                  <a:buFont typeface="Arial" panose="020B0604020202020204" pitchFamily="34" charset="0"/>
+                  <a:buChar char="•"/>
+                  <a:defRPr sz="1800" kern="1200">
+                    <a:solidFill>
+                      <a:schemeClr val="tx1"/>
+                    </a:solidFill>
+                    <a:latin typeface="+mn-lt"/>
+                    <a:ea typeface="+mn-ea"/>
+                    <a:cs typeface="+mn-cs"/>
+                  </a:defRPr>
+                </a:lvl9pPr>
+              </a:lstStyle>
+              <a:p>
+                <a:pPr marL="0" indent="0" eaLnBrk="0" fontAlgn="base" hangingPunct="0">
+                  <a:lnSpc>
+                    <a:spcPct val="100000"/>
+                  </a:lnSpc>
+                  <a:spcBef>
+                    <a:spcPct val="0"/>
+                  </a:spcBef>
+                  <a:spcAft>
+                    <a:spcPct val="0"/>
+                  </a:spcAft>
+                  <a:buNone/>
+                </a:pPr>
+                <a:r>
+                  <a:rPr lang="en-US" sz="3600" b="0" i="0" dirty="0">
+                    <a:solidFill>
+                      <a:schemeClr val="accent1">
+                        <a:lumMod val="60000"/>
+                        <a:lumOff val="40000"/>
+                      </a:schemeClr>
+                    </a:solidFill>
+                    <a:effectLst/>
+                    <a:latin typeface="Consolas" panose="020B0609020204030204" pitchFamily="49" charset="0"/>
+                  </a:rPr>
+                  <a:t>"</a:t>
+                </a:r>
+                <a:r>
+                  <a:rPr lang="tr-TR" sz="3600" dirty="0">
+                    <a:solidFill>
+                      <a:schemeClr val="accent1">
+                        <a:lumMod val="60000"/>
+                        <a:lumOff val="40000"/>
+                      </a:schemeClr>
+                    </a:solidFill>
+                    <a:latin typeface="Consolas" panose="020B0609020204030204" pitchFamily="49" charset="0"/>
+                  </a:rPr>
+                  <a:t>name</a:t>
+                </a:r>
+                <a:r>
+                  <a:rPr lang="en-US" sz="3600" b="0" i="0" dirty="0">
+                    <a:solidFill>
+                      <a:schemeClr val="accent1">
+                        <a:lumMod val="60000"/>
+                        <a:lumOff val="40000"/>
+                      </a:schemeClr>
+                    </a:solidFill>
+                    <a:effectLst/>
+                    <a:latin typeface="Consolas" panose="020B0609020204030204" pitchFamily="49" charset="0"/>
+                  </a:rPr>
+                  <a:t>": </a:t>
+                </a:r>
+                <a:r>
+                  <a:rPr lang="tr-TR" sz="3600" dirty="0" err="1">
+                    <a:solidFill>
+                      <a:schemeClr val="accent2"/>
+                    </a:solidFill>
+                    <a:latin typeface="Consolas" panose="020B0609020204030204" pitchFamily="49" charset="0"/>
+                  </a:rPr>
+                  <a:t>true</a:t>
+                </a:r>
+                <a:endParaRPr lang="tr-TR" altLang="en-US" sz="3600" dirty="0">
+                  <a:solidFill>
+                    <a:schemeClr val="accent1"/>
+                  </a:solidFill>
+                  <a:latin typeface="Consolas" panose="020B0609020204030204" pitchFamily="49" charset="0"/>
+                </a:endParaRPr>
+              </a:p>
+              <a:p>
+                <a:pPr marL="0" indent="0" eaLnBrk="0" fontAlgn="base" hangingPunct="0">
+                  <a:lnSpc>
+                    <a:spcPct val="100000"/>
+                  </a:lnSpc>
+                  <a:spcBef>
+                    <a:spcPct val="0"/>
+                  </a:spcBef>
+                  <a:spcAft>
+                    <a:spcPct val="0"/>
+                  </a:spcAft>
+                  <a:buFontTx/>
+                  <a:buNone/>
+                </a:pPr>
+                <a:r>
+                  <a:rPr lang="en-US" altLang="en-US" sz="3600" dirty="0">
+                    <a:solidFill>
+                      <a:schemeClr val="accent1"/>
+                    </a:solidFill>
+                    <a:latin typeface="Consolas" panose="020B0609020204030204" pitchFamily="49" charset="0"/>
+                  </a:rPr>
+                  <a:t> </a:t>
+                </a:r>
+                <a:endParaRPr lang="tr-TR" altLang="en-US" sz="3600" dirty="0">
+                  <a:solidFill>
+                    <a:schemeClr val="accent1"/>
+                  </a:solidFill>
+                  <a:latin typeface="Consolas" panose="020B0609020204030204" pitchFamily="49" charset="0"/>
+                </a:endParaRPr>
+              </a:p>
+              <a:p>
+                <a:endParaRPr lang="en-US" sz="3600" dirty="0"/>
+              </a:p>
+            </p:txBody>
+          </p:sp>
+        </p:grpSp>
+        <p:sp>
+          <p:nvSpPr>
+            <p:cNvPr id="9" name="Content Placeholder 2">
+              <a:extLst>
+                <a:ext uri="{FF2B5EF4-FFF2-40B4-BE49-F238E27FC236}">
+                  <a16:creationId xmlns:a16="http://schemas.microsoft.com/office/drawing/2014/main" id="{C8B5455E-00EF-21DA-EBF8-6320E0AB7F8D}"/>
+                </a:ext>
+              </a:extLst>
+            </p:cNvPr>
+            <p:cNvSpPr txBox="1">
+              <a:spLocks/>
+            </p:cNvSpPr>
+            <p:nvPr/>
+          </p:nvSpPr>
+          <p:spPr>
+            <a:xfrm>
+              <a:off x="17210516" y="2038790"/>
+              <a:ext cx="830015" cy="1632398"/>
+            </a:xfrm>
+            <a:prstGeom prst="rect">
+              <a:avLst/>
+            </a:prstGeom>
+          </p:spPr>
+          <p:txBody>
+            <a:bodyPr vert="horz" lIns="91440" tIns="45720" rIns="91440" bIns="45720" rtlCol="0">
+              <a:noAutofit/>
+            </a:bodyPr>
+            <a:lstStyle>
+              <a:lvl1pPr marL="228600" indent="-228600" algn="l" defTabSz="914400" rtl="0" eaLnBrk="1" latinLnBrk="0" hangingPunct="1">
+                <a:lnSpc>
+                  <a:spcPct val="90000"/>
+                </a:lnSpc>
+                <a:spcBef>
+                  <a:spcPts val="1000"/>
+                </a:spcBef>
+                <a:buFont typeface="Arial" panose="020B0604020202020204" pitchFamily="34" charset="0"/>
+                <a:buChar char="•"/>
+                <a:defRPr sz="2800" kern="1200">
+                  <a:solidFill>
+                    <a:schemeClr val="tx1"/>
+                  </a:solidFill>
+                  <a:latin typeface="+mn-lt"/>
+                  <a:ea typeface="+mn-ea"/>
+                  <a:cs typeface="+mn-cs"/>
+                </a:defRPr>
+              </a:lvl1pPr>
+              <a:lvl2pPr marL="685800" indent="-228600" algn="l" defTabSz="914400" rtl="0" eaLnBrk="1" latinLnBrk="0" hangingPunct="1">
+                <a:lnSpc>
+                  <a:spcPct val="90000"/>
+                </a:lnSpc>
+                <a:spcBef>
+                  <a:spcPts val="500"/>
+                </a:spcBef>
+                <a:buFont typeface="Arial" panose="020B0604020202020204" pitchFamily="34" charset="0"/>
+                <a:buChar char="•"/>
+                <a:defRPr sz="2400" kern="1200">
+                  <a:solidFill>
+                    <a:schemeClr val="tx1"/>
+                  </a:solidFill>
+                  <a:latin typeface="+mn-lt"/>
+                  <a:ea typeface="+mn-ea"/>
+                  <a:cs typeface="+mn-cs"/>
+                </a:defRPr>
+              </a:lvl2pPr>
+              <a:lvl3pPr marL="1143000" indent="-228600" algn="l" defTabSz="914400" rtl="0" eaLnBrk="1" latinLnBrk="0" hangingPunct="1">
+                <a:lnSpc>
+                  <a:spcPct val="90000"/>
+                </a:lnSpc>
+                <a:spcBef>
+                  <a:spcPts val="500"/>
+                </a:spcBef>
+                <a:buFont typeface="Arial" panose="020B0604020202020204" pitchFamily="34" charset="0"/>
+                <a:buChar char="•"/>
+                <a:defRPr sz="2000" kern="1200">
+                  <a:solidFill>
+                    <a:schemeClr val="tx1"/>
+                  </a:solidFill>
+                  <a:latin typeface="+mn-lt"/>
+                  <a:ea typeface="+mn-ea"/>
+                  <a:cs typeface="+mn-cs"/>
+                </a:defRPr>
+              </a:lvl3pPr>
+              <a:lvl4pPr marL="1600200" indent="-228600" algn="l" defTabSz="914400" rtl="0" eaLnBrk="1" latinLnBrk="0" hangingPunct="1">
+                <a:lnSpc>
+                  <a:spcPct val="90000"/>
+                </a:lnSpc>
+                <a:spcBef>
+                  <a:spcPts val="500"/>
+                </a:spcBef>
+                <a:buFont typeface="Arial" panose="020B0604020202020204" pitchFamily="34" charset="0"/>
+                <a:buChar char="•"/>
+                <a:defRPr sz="1800" kern="1200">
+                  <a:solidFill>
+                    <a:schemeClr val="tx1"/>
+                  </a:solidFill>
+                  <a:latin typeface="+mn-lt"/>
+                  <a:ea typeface="+mn-ea"/>
+                  <a:cs typeface="+mn-cs"/>
+                </a:defRPr>
+              </a:lvl4pPr>
+              <a:lvl5pPr marL="2057400" indent="-228600" algn="l" defTabSz="914400" rtl="0" eaLnBrk="1" latinLnBrk="0" hangingPunct="1">
+                <a:lnSpc>
+                  <a:spcPct val="90000"/>
+                </a:lnSpc>
+                <a:spcBef>
+                  <a:spcPts val="500"/>
+                </a:spcBef>
+                <a:buFont typeface="Arial" panose="020B0604020202020204" pitchFamily="34" charset="0"/>
+                <a:buChar char="•"/>
+                <a:defRPr sz="1800" kern="1200">
+                  <a:solidFill>
+                    <a:schemeClr val="tx1"/>
+                  </a:solidFill>
+                  <a:latin typeface="+mn-lt"/>
+                  <a:ea typeface="+mn-ea"/>
+                  <a:cs typeface="+mn-cs"/>
+                </a:defRPr>
+              </a:lvl5pPr>
+              <a:lvl6pPr marL="2514600" indent="-228600" algn="l" defTabSz="914400" rtl="0" eaLnBrk="1" latinLnBrk="0" hangingPunct="1">
+                <a:lnSpc>
+                  <a:spcPct val="90000"/>
+                </a:lnSpc>
+                <a:spcBef>
+                  <a:spcPts val="500"/>
+                </a:spcBef>
+                <a:buFont typeface="Arial" panose="020B0604020202020204" pitchFamily="34" charset="0"/>
+                <a:buChar char="•"/>
+                <a:defRPr sz="1800" kern="1200">
+                  <a:solidFill>
+                    <a:schemeClr val="tx1"/>
+                  </a:solidFill>
+                  <a:latin typeface="+mn-lt"/>
+                  <a:ea typeface="+mn-ea"/>
+                  <a:cs typeface="+mn-cs"/>
+                </a:defRPr>
+              </a:lvl6pPr>
+              <a:lvl7pPr marL="2971800" indent="-228600" algn="l" defTabSz="914400" rtl="0" eaLnBrk="1" latinLnBrk="0" hangingPunct="1">
+                <a:lnSpc>
+                  <a:spcPct val="90000"/>
+                </a:lnSpc>
+                <a:spcBef>
+                  <a:spcPts val="500"/>
+                </a:spcBef>
+                <a:buFont typeface="Arial" panose="020B0604020202020204" pitchFamily="34" charset="0"/>
+                <a:buChar char="•"/>
+                <a:defRPr sz="1800" kern="1200">
+                  <a:solidFill>
+                    <a:schemeClr val="tx1"/>
+                  </a:solidFill>
+                  <a:latin typeface="+mn-lt"/>
+                  <a:ea typeface="+mn-ea"/>
+                  <a:cs typeface="+mn-cs"/>
+                </a:defRPr>
+              </a:lvl7pPr>
+              <a:lvl8pPr marL="3429000" indent="-228600" algn="l" defTabSz="914400" rtl="0" eaLnBrk="1" latinLnBrk="0" hangingPunct="1">
+                <a:lnSpc>
+                  <a:spcPct val="90000"/>
+                </a:lnSpc>
+                <a:spcBef>
+                  <a:spcPts val="500"/>
+                </a:spcBef>
+                <a:buFont typeface="Arial" panose="020B0604020202020204" pitchFamily="34" charset="0"/>
+                <a:buChar char="•"/>
+                <a:defRPr sz="1800" kern="1200">
+                  <a:solidFill>
+                    <a:schemeClr val="tx1"/>
+                  </a:solidFill>
+                  <a:latin typeface="+mn-lt"/>
+                  <a:ea typeface="+mn-ea"/>
+                  <a:cs typeface="+mn-cs"/>
+                </a:defRPr>
+              </a:lvl8pPr>
+              <a:lvl9pPr marL="3886200" indent="-228600" algn="l" defTabSz="914400" rtl="0" eaLnBrk="1" latinLnBrk="0" hangingPunct="1">
+                <a:lnSpc>
+                  <a:spcPct val="90000"/>
+                </a:lnSpc>
+                <a:spcBef>
+                  <a:spcPts val="500"/>
+                </a:spcBef>
+                <a:buFont typeface="Arial" panose="020B0604020202020204" pitchFamily="34" charset="0"/>
+                <a:buChar char="•"/>
+                <a:defRPr sz="1800" kern="1200">
+                  <a:solidFill>
+                    <a:schemeClr val="tx1"/>
+                  </a:solidFill>
+                  <a:latin typeface="+mn-lt"/>
+                  <a:ea typeface="+mn-ea"/>
+                  <a:cs typeface="+mn-cs"/>
+                </a:defRPr>
+              </a:lvl9pPr>
+            </a:lstStyle>
+            <a:p>
+              <a:pPr marL="0" indent="0" eaLnBrk="0" fontAlgn="base" hangingPunct="0">
+                <a:lnSpc>
+                  <a:spcPct val="100000"/>
+                </a:lnSpc>
+                <a:spcBef>
+                  <a:spcPct val="0"/>
+                </a:spcBef>
+                <a:spcAft>
+                  <a:spcPct val="0"/>
+                </a:spcAft>
+                <a:buFontTx/>
+                <a:buNone/>
+              </a:pPr>
+              <a:r>
+                <a:rPr lang="tr-TR" altLang="en-US" sz="9600" dirty="0">
+                  <a:solidFill>
+                    <a:schemeClr val="accent2"/>
+                  </a:solidFill>
+                  <a:latin typeface="Consolas" panose="020B0609020204030204" pitchFamily="49" charset="0"/>
+                </a:rPr>
+                <a:t>=</a:t>
+              </a:r>
+            </a:p>
+            <a:p>
+              <a:pPr marL="0" indent="0" eaLnBrk="0" fontAlgn="base" hangingPunct="0">
+                <a:lnSpc>
+                  <a:spcPct val="100000"/>
+                </a:lnSpc>
+                <a:spcBef>
+                  <a:spcPct val="0"/>
+                </a:spcBef>
+                <a:spcAft>
+                  <a:spcPct val="0"/>
+                </a:spcAft>
+                <a:buFontTx/>
+                <a:buNone/>
+              </a:pPr>
+              <a:r>
+                <a:rPr lang="en-US" altLang="en-US" sz="7200" dirty="0">
+                  <a:solidFill>
+                    <a:schemeClr val="accent2"/>
+                  </a:solidFill>
+                  <a:latin typeface="Consolas" panose="020B0609020204030204" pitchFamily="49" charset="0"/>
+                </a:rPr>
+                <a:t> </a:t>
+              </a:r>
+              <a:endParaRPr lang="tr-TR" altLang="en-US" sz="7200" dirty="0">
                 <a:solidFill>
                   <a:schemeClr val="accent2"/>
                 </a:solidFill>
-                <a:effectLst/>
-                <a:latin typeface="Consolas" panose="020B0609020204030204" pitchFamily="49" charset="0"/>
-              </a:rPr>
-              <a:t> "</a:t>
-            </a:r>
-            <a:r>
-              <a:rPr lang="tr-TR" sz="4000" dirty="0">
+                <a:latin typeface="Consolas" panose="020B0609020204030204" pitchFamily="49" charset="0"/>
+              </a:endParaRPr>
+            </a:p>
+            <a:p>
+              <a:endParaRPr lang="en-US" sz="7200" dirty="0">
                 <a:solidFill>
                   <a:schemeClr val="accent2"/>
                 </a:solidFill>
-                <a:latin typeface="Consolas" panose="020B0609020204030204" pitchFamily="49" charset="0"/>
-              </a:rPr>
-              <a:t>true</a:t>
-            </a:r>
-            <a:r>
-              <a:rPr lang="en-US" sz="4000" b="0" i="0" dirty="0">
-                <a:solidFill>
-                  <a:schemeClr val="accent2"/>
-                </a:solidFill>
-                <a:effectLst/>
-                <a:latin typeface="Consolas" panose="020B0609020204030204" pitchFamily="49" charset="0"/>
-              </a:rPr>
-              <a:t>"</a:t>
-            </a:r>
-            <a:r>
-              <a:rPr lang="en-US" sz="4000" b="0" i="0" dirty="0">
-                <a:solidFill>
-                  <a:srgbClr val="000000"/>
-                </a:solidFill>
-                <a:effectLst/>
-                <a:latin typeface="Consolas" panose="020B0609020204030204" pitchFamily="49" charset="0"/>
-              </a:rPr>
-              <a:t> </a:t>
-            </a:r>
-            <a:endParaRPr lang="en-US" sz="4000" dirty="0"/>
-          </a:p>
-        </p:txBody>
-      </p:sp>
+              </a:endParaRPr>
+            </a:p>
+          </p:txBody>
+        </p:sp>
+        <p:cxnSp>
+          <p:nvCxnSpPr>
+            <p:cNvPr id="10" name="Straight Connector 9">
+              <a:extLst>
+                <a:ext uri="{FF2B5EF4-FFF2-40B4-BE49-F238E27FC236}">
+                  <a16:creationId xmlns:a16="http://schemas.microsoft.com/office/drawing/2014/main" id="{4A5A691B-FCFC-D473-0A9F-BA77437A27FA}"/>
+                </a:ext>
+              </a:extLst>
+            </p:cNvPr>
+            <p:cNvCxnSpPr/>
+            <p:nvPr/>
+          </p:nvCxnSpPr>
+          <p:spPr>
+            <a:xfrm flipH="1">
+              <a:off x="17472669" y="2383749"/>
+              <a:ext cx="301344" cy="1061464"/>
+            </a:xfrm>
+            <a:prstGeom prst="line">
+              <a:avLst/>
+            </a:prstGeom>
+            <a:ln w="76200"/>
+          </p:spPr>
+          <p:style>
+            <a:lnRef idx="1">
+              <a:schemeClr val="accent2"/>
+            </a:lnRef>
+            <a:fillRef idx="0">
+              <a:schemeClr val="accent2"/>
+            </a:fillRef>
+            <a:effectRef idx="0">
+              <a:schemeClr val="accent2"/>
+            </a:effectRef>
+            <a:fontRef idx="minor">
+              <a:schemeClr val="tx1"/>
+            </a:fontRef>
+          </p:style>
+        </p:cxnSp>
+      </p:grpSp>
     </p:spTree>
     <p:extLst>
       <p:ext uri="{BB962C8B-B14F-4D97-AF65-F5344CB8AC3E}">
@@ -10069,14 +10909,14 @@
   <p:clrMapOvr>
     <a:masterClrMapping/>
   </p:clrMapOvr>
-  <mc:AlternateContent xmlns:mc="http://schemas.openxmlformats.org/markup-compatibility/2006">
-    <mc:Choice xmlns:p159="http://schemas.microsoft.com/office/powerpoint/2015/09/main" Requires="p159">
-      <p:transition xmlns:p14="http://schemas.microsoft.com/office/powerpoint/2010/main" spd="slow" p14:dur="2000" advClick="0" advTm="25000">
+  <mc:AlternateContent xmlns:mc="http://schemas.openxmlformats.org/markup-compatibility/2006" xmlns:p159="http://schemas.microsoft.com/office/powerpoint/2015/09/main">
+    <mc:Choice Requires="p159">
+      <p:transition xmlns:p14="http://schemas.microsoft.com/office/powerpoint/2010/main" spd="slow" p14:dur="2000" advClick="0" advTm="9000">
         <p159:morph option="byObject"/>
       </p:transition>
     </mc:Choice>
-    <mc:Fallback>
-      <p:transition spd="slow" advClick="0" advTm="25000">
+    <mc:Fallback xmlns="">
+      <p:transition spd="slow" advClick="0" advTm="9000">
         <p:fade/>
       </p:transition>
     </mc:Fallback>
@@ -10192,252 +11032,10 @@
       </p:grpSpPr>
       <p:sp>
         <p:nvSpPr>
-          <p:cNvPr id="9" name="TextBox 8">
+          <p:cNvPr id="2" name="Title 1">
             <a:extLst>
               <a:ext uri="{FF2B5EF4-FFF2-40B4-BE49-F238E27FC236}">
-                <a16:creationId xmlns:a16="http://schemas.microsoft.com/office/drawing/2014/main" id="{53139D50-0DF7-03DC-0892-8491760FCEFC}"/>
-              </a:ext>
-            </a:extLst>
-          </p:cNvPr>
-          <p:cNvSpPr txBox="1"/>
-          <p:nvPr/>
-        </p:nvSpPr>
-        <p:spPr>
-          <a:xfrm>
-            <a:off x="3303430" y="2721114"/>
-            <a:ext cx="5585140" cy="707886"/>
-          </a:xfrm>
-          <a:prstGeom prst="rect">
-            <a:avLst/>
-          </a:prstGeom>
-          <a:noFill/>
-        </p:spPr>
-        <p:txBody>
-          <a:bodyPr wrap="square">
-            <a:spAutoFit/>
-          </a:bodyPr>
-          <a:lstStyle/>
-          <a:p>
-            <a:pPr algn="ctr"/>
-            <a:r>
-              <a:rPr lang="en-US" sz="4000" b="0" i="0" dirty="0">
-                <a:solidFill>
-                  <a:schemeClr val="accent1">
-                    <a:lumMod val="60000"/>
-                    <a:lumOff val="40000"/>
-                  </a:schemeClr>
-                </a:solidFill>
-                <a:effectLst/>
-                <a:latin typeface="Consolas" panose="020B0609020204030204" pitchFamily="49" charset="0"/>
-              </a:rPr>
-              <a:t>"</a:t>
-            </a:r>
-            <a:r>
-              <a:rPr lang="tr-TR" sz="4000" dirty="0">
-                <a:solidFill>
-                  <a:schemeClr val="accent1">
-                    <a:lumMod val="60000"/>
-                    <a:lumOff val="40000"/>
-                  </a:schemeClr>
-                </a:solidFill>
-                <a:latin typeface="Consolas" panose="020B0609020204030204" pitchFamily="49" charset="0"/>
-              </a:rPr>
-              <a:t>isActive</a:t>
-            </a:r>
-            <a:r>
-              <a:rPr lang="en-US" sz="4000" b="0" i="0" dirty="0">
-                <a:solidFill>
-                  <a:schemeClr val="accent1">
-                    <a:lumMod val="60000"/>
-                    <a:lumOff val="40000"/>
-                  </a:schemeClr>
-                </a:solidFill>
-                <a:effectLst/>
-                <a:latin typeface="Consolas" panose="020B0609020204030204" pitchFamily="49" charset="0"/>
-              </a:rPr>
-              <a:t>"</a:t>
-            </a:r>
-            <a:r>
-              <a:rPr lang="en-US" sz="4000" b="0" i="0" dirty="0">
-                <a:solidFill>
-                  <a:schemeClr val="accent1"/>
-                </a:solidFill>
-                <a:effectLst/>
-                <a:latin typeface="Consolas" panose="020B0609020204030204" pitchFamily="49" charset="0"/>
-              </a:rPr>
-              <a:t>:</a:t>
-            </a:r>
-            <a:r>
-              <a:rPr lang="en-US" sz="4000" b="0" i="0" dirty="0">
-                <a:solidFill>
-                  <a:schemeClr val="accent2"/>
-                </a:solidFill>
-                <a:effectLst/>
-                <a:latin typeface="Consolas" panose="020B0609020204030204" pitchFamily="49" charset="0"/>
-              </a:rPr>
-              <a:t> "</a:t>
-            </a:r>
-            <a:r>
-              <a:rPr lang="tr-TR" sz="4000" dirty="0">
-                <a:solidFill>
-                  <a:schemeClr val="accent2"/>
-                </a:solidFill>
-                <a:latin typeface="Consolas" panose="020B0609020204030204" pitchFamily="49" charset="0"/>
-              </a:rPr>
-              <a:t>true</a:t>
-            </a:r>
-            <a:r>
-              <a:rPr lang="en-US" sz="4000" b="0" i="0" dirty="0">
-                <a:solidFill>
-                  <a:schemeClr val="accent2"/>
-                </a:solidFill>
-                <a:effectLst/>
-                <a:latin typeface="Consolas" panose="020B0609020204030204" pitchFamily="49" charset="0"/>
-              </a:rPr>
-              <a:t>"</a:t>
-            </a:r>
-            <a:r>
-              <a:rPr lang="en-US" sz="4000" b="0" i="0" dirty="0">
-                <a:solidFill>
-                  <a:srgbClr val="000000"/>
-                </a:solidFill>
-                <a:effectLst/>
-                <a:latin typeface="Consolas" panose="020B0609020204030204" pitchFamily="49" charset="0"/>
-              </a:rPr>
-              <a:t> </a:t>
-            </a:r>
-            <a:endParaRPr lang="en-US" sz="4000" dirty="0"/>
-          </a:p>
-        </p:txBody>
-      </p:sp>
-      <p:sp>
-        <p:nvSpPr>
-          <p:cNvPr id="10" name="TextBox 9">
-            <a:extLst>
-              <a:ext uri="{FF2B5EF4-FFF2-40B4-BE49-F238E27FC236}">
-                <a16:creationId xmlns:a16="http://schemas.microsoft.com/office/drawing/2014/main" id="{75606975-86AD-B122-722D-FAEC883D0F0E}"/>
-              </a:ext>
-            </a:extLst>
-          </p:cNvPr>
-          <p:cNvSpPr txBox="1"/>
-          <p:nvPr/>
-        </p:nvSpPr>
-        <p:spPr>
-          <a:xfrm>
-            <a:off x="12505637" y="2721114"/>
-            <a:ext cx="4150787" cy="707886"/>
-          </a:xfrm>
-          <a:prstGeom prst="rect">
-            <a:avLst/>
-          </a:prstGeom>
-          <a:noFill/>
-        </p:spPr>
-        <p:txBody>
-          <a:bodyPr wrap="square">
-            <a:spAutoFit/>
-          </a:bodyPr>
-          <a:lstStyle/>
-          <a:p>
-            <a:pPr algn="ctr"/>
-            <a:r>
-              <a:rPr lang="en-US" sz="4000" b="0" i="0" dirty="0">
-                <a:solidFill>
-                  <a:schemeClr val="accent1">
-                    <a:lumMod val="60000"/>
-                    <a:lumOff val="40000"/>
-                  </a:schemeClr>
-                </a:solidFill>
-                <a:effectLst/>
-                <a:latin typeface="Consolas" panose="020B0609020204030204" pitchFamily="49" charset="0"/>
-              </a:rPr>
-              <a:t>"</a:t>
-            </a:r>
-            <a:r>
-              <a:rPr lang="tr-TR" sz="4000" b="0" i="0" dirty="0">
-                <a:solidFill>
-                  <a:schemeClr val="accent1">
-                    <a:lumMod val="60000"/>
-                    <a:lumOff val="40000"/>
-                  </a:schemeClr>
-                </a:solidFill>
-                <a:effectLst/>
-                <a:latin typeface="Consolas" panose="020B0609020204030204" pitchFamily="49" charset="0"/>
-              </a:rPr>
-              <a:t>value</a:t>
-            </a:r>
-            <a:r>
-              <a:rPr lang="en-US" sz="4000" b="0" i="0" dirty="0">
-                <a:solidFill>
-                  <a:schemeClr val="accent1">
-                    <a:lumMod val="60000"/>
-                    <a:lumOff val="40000"/>
-                  </a:schemeClr>
-                </a:solidFill>
-                <a:effectLst/>
-                <a:latin typeface="Consolas" panose="020B0609020204030204" pitchFamily="49" charset="0"/>
-              </a:rPr>
-              <a:t>"</a:t>
-            </a:r>
-            <a:r>
-              <a:rPr lang="en-US" sz="4000" b="0" i="0" dirty="0">
-                <a:solidFill>
-                  <a:schemeClr val="accent1"/>
-                </a:solidFill>
-                <a:effectLst/>
-                <a:latin typeface="Consolas" panose="020B0609020204030204" pitchFamily="49" charset="0"/>
-              </a:rPr>
-              <a:t>:</a:t>
-            </a:r>
-            <a:r>
-              <a:rPr lang="en-US" sz="4000" b="0" i="0" dirty="0">
-                <a:solidFill>
-                  <a:schemeClr val="accent2"/>
-                </a:solidFill>
-                <a:effectLst/>
-                <a:latin typeface="Consolas" panose="020B0609020204030204" pitchFamily="49" charset="0"/>
-              </a:rPr>
-              <a:t> "</a:t>
-            </a:r>
-            <a:r>
-              <a:rPr lang="tr-TR" sz="4000" b="0" i="0" dirty="0">
-                <a:solidFill>
-                  <a:schemeClr val="accent2"/>
-                </a:solidFill>
-                <a:effectLst/>
-                <a:latin typeface="Consolas" panose="020B0609020204030204" pitchFamily="49" charset="0"/>
-              </a:rPr>
-              <a:t>90</a:t>
-            </a:r>
-            <a:r>
-              <a:rPr lang="en-US" sz="4000" b="0" i="0" dirty="0">
-                <a:solidFill>
-                  <a:schemeClr val="accent2"/>
-                </a:solidFill>
-                <a:effectLst/>
-                <a:latin typeface="Consolas" panose="020B0609020204030204" pitchFamily="49" charset="0"/>
-              </a:rPr>
-              <a:t>"</a:t>
-            </a:r>
-            <a:r>
-              <a:rPr lang="en-US" sz="4000" b="0" i="0" dirty="0">
-                <a:solidFill>
-                  <a:srgbClr val="000000"/>
-                </a:solidFill>
-                <a:effectLst/>
-                <a:latin typeface="Consolas" panose="020B0609020204030204" pitchFamily="49" charset="0"/>
-              </a:rPr>
-              <a:t> </a:t>
-            </a:r>
-            <a:endParaRPr lang="en-US" sz="4000" dirty="0"/>
-          </a:p>
-        </p:txBody>
-      </p:sp>
-      <p:sp>
-        <p:nvSpPr>
-          <p:cNvPr id="11" name="Title 1">
-            <a:extLst>
-              <a:ext uri="{FF2B5EF4-FFF2-40B4-BE49-F238E27FC236}">
-                <a16:creationId xmlns:a16="http://schemas.microsoft.com/office/drawing/2014/main" id="{F2D22B3A-B092-370E-12B5-7E7E9F74D36B}"/>
+                <a16:creationId xmlns:a16="http://schemas.microsoft.com/office/drawing/2014/main" id="{211C905C-6988-7188-FC83-2DF608548D7F}"/>
               </a:ext>
             </a:extLst>
           </p:cNvPr>
@@ -10565,10 +11163,10 @@
       </p:sp>
       <p:sp>
         <p:nvSpPr>
-          <p:cNvPr id="12" name="TextBox 11">
+          <p:cNvPr id="3" name="TextBox 2">
             <a:extLst>
               <a:ext uri="{FF2B5EF4-FFF2-40B4-BE49-F238E27FC236}">
-                <a16:creationId xmlns:a16="http://schemas.microsoft.com/office/drawing/2014/main" id="{AE4A65E4-B979-4D16-AA3A-5D3AF0238476}"/>
+                <a16:creationId xmlns:a16="http://schemas.microsoft.com/office/drawing/2014/main" id="{47FB513B-C8F1-C5B4-34C6-F22A900EC58C}"/>
               </a:ext>
             </a:extLst>
           </p:cNvPr>
@@ -10577,7 +11175,7 @@
         </p:nvSpPr>
         <p:spPr>
           <a:xfrm>
-            <a:off x="-7234639" y="2721114"/>
+            <a:off x="-6929846" y="2827452"/>
             <a:ext cx="6929846" cy="707886"/>
           </a:xfrm>
           <a:prstGeom prst="rect">
@@ -10680,10 +11278,10 @@
       </p:sp>
       <p:sp>
         <p:nvSpPr>
-          <p:cNvPr id="13" name="Freeform: Shape 7">
+          <p:cNvPr id="4" name="Freeform: Shape 7">
             <a:extLst>
               <a:ext uri="{FF2B5EF4-FFF2-40B4-BE49-F238E27FC236}">
-                <a16:creationId xmlns:a16="http://schemas.microsoft.com/office/drawing/2014/main" id="{BAF038BC-DCAD-4D18-E55C-9F26E086F17A}"/>
+                <a16:creationId xmlns:a16="http://schemas.microsoft.com/office/drawing/2014/main" id="{D364AACC-1806-B5AA-7C5A-DEDE0823D72E}"/>
               </a:ext>
             </a:extLst>
           </p:cNvPr>
@@ -10692,7 +11290,7 @@
         </p:nvSpPr>
         <p:spPr>
           <a:xfrm rot="10800000">
-            <a:off x="-7188753" y="3415864"/>
+            <a:off x="-6809049" y="3535338"/>
             <a:ext cx="1689966" cy="107466"/>
           </a:xfrm>
           <a:custGeom>
@@ -11270,28 +11868,1178 @@
           </a:p>
         </p:txBody>
       </p:sp>
+      <p:sp>
+        <p:nvSpPr>
+          <p:cNvPr id="11" name="TextBox 10">
+            <a:extLst>
+              <a:ext uri="{FF2B5EF4-FFF2-40B4-BE49-F238E27FC236}">
+                <a16:creationId xmlns:a16="http://schemas.microsoft.com/office/drawing/2014/main" id="{BA2D467B-84EC-7AF4-5374-401E6112E79A}"/>
+              </a:ext>
+            </a:extLst>
+          </p:cNvPr>
+          <p:cNvSpPr txBox="1"/>
+          <p:nvPr/>
+        </p:nvSpPr>
+        <p:spPr>
+          <a:xfrm>
+            <a:off x="11075652" y="2827452"/>
+            <a:ext cx="9673388" cy="707886"/>
+          </a:xfrm>
+          <a:prstGeom prst="rect">
+            <a:avLst/>
+          </a:prstGeom>
+          <a:noFill/>
+        </p:spPr>
+        <p:txBody>
+          <a:bodyPr wrap="square">
+            <a:spAutoFit/>
+          </a:bodyPr>
+          <a:lstStyle/>
+          <a:p>
+            <a:pPr algn="ctr"/>
+            <a:r>
+              <a:rPr lang="en-US" sz="4000" b="0" i="0" dirty="0">
+                <a:solidFill>
+                  <a:schemeClr val="accent1">
+                    <a:lumMod val="60000"/>
+                    <a:lumOff val="40000"/>
+                  </a:schemeClr>
+                </a:solidFill>
+                <a:effectLst/>
+                <a:latin typeface="Consolas" panose="020B0609020204030204" pitchFamily="49" charset="0"/>
+              </a:rPr>
+              <a:t>"</a:t>
+            </a:r>
+            <a:r>
+              <a:rPr lang="tr-TR" sz="4000" b="0" i="0" dirty="0" err="1">
+                <a:solidFill>
+                  <a:schemeClr val="accent1">
+                    <a:lumMod val="60000"/>
+                    <a:lumOff val="40000"/>
+                  </a:schemeClr>
+                </a:solidFill>
+                <a:effectLst/>
+                <a:latin typeface="Consolas" panose="020B0609020204030204" pitchFamily="49" charset="0"/>
+              </a:rPr>
+              <a:t>value</a:t>
+            </a:r>
+            <a:r>
+              <a:rPr lang="en-US" sz="4000" b="0" i="0" dirty="0">
+                <a:solidFill>
+                  <a:schemeClr val="accent1">
+                    <a:lumMod val="60000"/>
+                    <a:lumOff val="40000"/>
+                  </a:schemeClr>
+                </a:solidFill>
+                <a:effectLst/>
+                <a:latin typeface="Consolas" panose="020B0609020204030204" pitchFamily="49" charset="0"/>
+              </a:rPr>
+              <a:t>"</a:t>
+            </a:r>
+            <a:r>
+              <a:rPr lang="en-US" sz="4000" b="0" i="0" dirty="0">
+                <a:solidFill>
+                  <a:schemeClr val="accent1"/>
+                </a:solidFill>
+                <a:effectLst/>
+                <a:latin typeface="Consolas" panose="020B0609020204030204" pitchFamily="49" charset="0"/>
+              </a:rPr>
+              <a:t>:</a:t>
+            </a:r>
+            <a:r>
+              <a:rPr lang="en-US" sz="4000" b="0" i="0" dirty="0">
+                <a:solidFill>
+                  <a:schemeClr val="accent2"/>
+                </a:solidFill>
+                <a:effectLst/>
+                <a:latin typeface="Consolas" panose="020B0609020204030204" pitchFamily="49" charset="0"/>
+              </a:rPr>
+              <a:t> "</a:t>
+            </a:r>
+            <a:r>
+              <a:rPr lang="tr-TR" sz="4000" b="0" i="0" dirty="0">
+                <a:solidFill>
+                  <a:schemeClr val="accent2"/>
+                </a:solidFill>
+                <a:effectLst/>
+                <a:latin typeface="Consolas" panose="020B0609020204030204" pitchFamily="49" charset="0"/>
+              </a:rPr>
+              <a:t>90</a:t>
+            </a:r>
+            <a:r>
+              <a:rPr lang="en-US" sz="4000" b="0" i="0" dirty="0">
+                <a:solidFill>
+                  <a:schemeClr val="accent2"/>
+                </a:solidFill>
+                <a:effectLst/>
+                <a:latin typeface="Consolas" panose="020B0609020204030204" pitchFamily="49" charset="0"/>
+              </a:rPr>
+              <a:t>"</a:t>
+            </a:r>
+            <a:r>
+              <a:rPr lang="en-US" sz="4000" b="0" i="0" dirty="0">
+                <a:solidFill>
+                  <a:srgbClr val="000000"/>
+                </a:solidFill>
+                <a:effectLst/>
+                <a:latin typeface="Consolas" panose="020B0609020204030204" pitchFamily="49" charset="0"/>
+              </a:rPr>
+              <a:t> </a:t>
+            </a:r>
+            <a:endParaRPr lang="en-US" sz="4000" dirty="0"/>
+          </a:p>
+        </p:txBody>
+      </p:sp>
+      <p:grpSp>
+        <p:nvGrpSpPr>
+          <p:cNvPr id="17" name="Group 16">
+            <a:extLst>
+              <a:ext uri="{FF2B5EF4-FFF2-40B4-BE49-F238E27FC236}">
+                <a16:creationId xmlns:a16="http://schemas.microsoft.com/office/drawing/2014/main" id="{2BBAAC48-A864-354A-7E5A-30049B984326}"/>
+              </a:ext>
+            </a:extLst>
+          </p:cNvPr>
+          <p:cNvGrpSpPr/>
+          <p:nvPr/>
+        </p:nvGrpSpPr>
+        <p:grpSpPr>
+          <a:xfrm>
+            <a:off x="1475557" y="2215503"/>
+            <a:ext cx="9240887" cy="2055042"/>
+            <a:chOff x="13068615" y="2038790"/>
+            <a:chExt cx="9240887" cy="2055042"/>
+          </a:xfrm>
+        </p:grpSpPr>
+        <p:grpSp>
+          <p:nvGrpSpPr>
+            <p:cNvPr id="18" name="Group 17">
+              <a:extLst>
+                <a:ext uri="{FF2B5EF4-FFF2-40B4-BE49-F238E27FC236}">
+                  <a16:creationId xmlns:a16="http://schemas.microsoft.com/office/drawing/2014/main" id="{1D8B6F7E-49AD-8467-7399-9020D9089D5B}"/>
+                </a:ext>
+              </a:extLst>
+            </p:cNvPr>
+            <p:cNvGrpSpPr/>
+            <p:nvPr/>
+          </p:nvGrpSpPr>
+          <p:grpSpPr>
+            <a:xfrm>
+              <a:off x="13068615" y="2609724"/>
+              <a:ext cx="9240887" cy="1484108"/>
+              <a:chOff x="1841318" y="2801665"/>
+              <a:chExt cx="9240887" cy="1061464"/>
+            </a:xfrm>
+          </p:grpSpPr>
+          <p:sp>
+            <p:nvSpPr>
+              <p:cNvPr id="21" name="Content Placeholder 2">
+                <a:extLst>
+                  <a:ext uri="{FF2B5EF4-FFF2-40B4-BE49-F238E27FC236}">
+                    <a16:creationId xmlns:a16="http://schemas.microsoft.com/office/drawing/2014/main" id="{7D6E6D0E-843B-6E26-9909-59D7AF0F58EB}"/>
+                  </a:ext>
+                </a:extLst>
+              </p:cNvPr>
+              <p:cNvSpPr txBox="1">
+                <a:spLocks/>
+              </p:cNvSpPr>
+              <p:nvPr/>
+            </p:nvSpPr>
+            <p:spPr>
+              <a:xfrm>
+                <a:off x="1841318" y="2801665"/>
+                <a:ext cx="3874014" cy="1061464"/>
+              </a:xfrm>
+              <a:prstGeom prst="rect">
+                <a:avLst/>
+              </a:prstGeom>
+            </p:spPr>
+            <p:txBody>
+              <a:bodyPr vert="horz" lIns="91440" tIns="45720" rIns="91440" bIns="45720" rtlCol="0">
+                <a:noAutofit/>
+              </a:bodyPr>
+              <a:lstStyle>
+                <a:lvl1pPr marL="228600" indent="-228600" algn="l" defTabSz="914400" rtl="0" eaLnBrk="1" latinLnBrk="0" hangingPunct="1">
+                  <a:lnSpc>
+                    <a:spcPct val="90000"/>
+                  </a:lnSpc>
+                  <a:spcBef>
+                    <a:spcPts val="1000"/>
+                  </a:spcBef>
+                  <a:buFont typeface="Arial" panose="020B0604020202020204" pitchFamily="34" charset="0"/>
+                  <a:buChar char="•"/>
+                  <a:defRPr sz="2800" kern="1200">
+                    <a:solidFill>
+                      <a:schemeClr val="tx1"/>
+                    </a:solidFill>
+                    <a:latin typeface="+mn-lt"/>
+                    <a:ea typeface="+mn-ea"/>
+                    <a:cs typeface="+mn-cs"/>
+                  </a:defRPr>
+                </a:lvl1pPr>
+                <a:lvl2pPr marL="685800" indent="-228600" algn="l" defTabSz="914400" rtl="0" eaLnBrk="1" latinLnBrk="0" hangingPunct="1">
+                  <a:lnSpc>
+                    <a:spcPct val="90000"/>
+                  </a:lnSpc>
+                  <a:spcBef>
+                    <a:spcPts val="500"/>
+                  </a:spcBef>
+                  <a:buFont typeface="Arial" panose="020B0604020202020204" pitchFamily="34" charset="0"/>
+                  <a:buChar char="•"/>
+                  <a:defRPr sz="2400" kern="1200">
+                    <a:solidFill>
+                      <a:schemeClr val="tx1"/>
+                    </a:solidFill>
+                    <a:latin typeface="+mn-lt"/>
+                    <a:ea typeface="+mn-ea"/>
+                    <a:cs typeface="+mn-cs"/>
+                  </a:defRPr>
+                </a:lvl2pPr>
+                <a:lvl3pPr marL="1143000" indent="-228600" algn="l" defTabSz="914400" rtl="0" eaLnBrk="1" latinLnBrk="0" hangingPunct="1">
+                  <a:lnSpc>
+                    <a:spcPct val="90000"/>
+                  </a:lnSpc>
+                  <a:spcBef>
+                    <a:spcPts val="500"/>
+                  </a:spcBef>
+                  <a:buFont typeface="Arial" panose="020B0604020202020204" pitchFamily="34" charset="0"/>
+                  <a:buChar char="•"/>
+                  <a:defRPr sz="2000" kern="1200">
+                    <a:solidFill>
+                      <a:schemeClr val="tx1"/>
+                    </a:solidFill>
+                    <a:latin typeface="+mn-lt"/>
+                    <a:ea typeface="+mn-ea"/>
+                    <a:cs typeface="+mn-cs"/>
+                  </a:defRPr>
+                </a:lvl3pPr>
+                <a:lvl4pPr marL="1600200" indent="-228600" algn="l" defTabSz="914400" rtl="0" eaLnBrk="1" latinLnBrk="0" hangingPunct="1">
+                  <a:lnSpc>
+                    <a:spcPct val="90000"/>
+                  </a:lnSpc>
+                  <a:spcBef>
+                    <a:spcPts val="500"/>
+                  </a:spcBef>
+                  <a:buFont typeface="Arial" panose="020B0604020202020204" pitchFamily="34" charset="0"/>
+                  <a:buChar char="•"/>
+                  <a:defRPr sz="1800" kern="1200">
+                    <a:solidFill>
+                      <a:schemeClr val="tx1"/>
+                    </a:solidFill>
+                    <a:latin typeface="+mn-lt"/>
+                    <a:ea typeface="+mn-ea"/>
+                    <a:cs typeface="+mn-cs"/>
+                  </a:defRPr>
+                </a:lvl4pPr>
+                <a:lvl5pPr marL="2057400" indent="-228600" algn="l" defTabSz="914400" rtl="0" eaLnBrk="1" latinLnBrk="0" hangingPunct="1">
+                  <a:lnSpc>
+                    <a:spcPct val="90000"/>
+                  </a:lnSpc>
+                  <a:spcBef>
+                    <a:spcPts val="500"/>
+                  </a:spcBef>
+                  <a:buFont typeface="Arial" panose="020B0604020202020204" pitchFamily="34" charset="0"/>
+                  <a:buChar char="•"/>
+                  <a:defRPr sz="1800" kern="1200">
+                    <a:solidFill>
+                      <a:schemeClr val="tx1"/>
+                    </a:solidFill>
+                    <a:latin typeface="+mn-lt"/>
+                    <a:ea typeface="+mn-ea"/>
+                    <a:cs typeface="+mn-cs"/>
+                  </a:defRPr>
+                </a:lvl5pPr>
+                <a:lvl6pPr marL="2514600" indent="-228600" algn="l" defTabSz="914400" rtl="0" eaLnBrk="1" latinLnBrk="0" hangingPunct="1">
+                  <a:lnSpc>
+                    <a:spcPct val="90000"/>
+                  </a:lnSpc>
+                  <a:spcBef>
+                    <a:spcPts val="500"/>
+                  </a:spcBef>
+                  <a:buFont typeface="Arial" panose="020B0604020202020204" pitchFamily="34" charset="0"/>
+                  <a:buChar char="•"/>
+                  <a:defRPr sz="1800" kern="1200">
+                    <a:solidFill>
+                      <a:schemeClr val="tx1"/>
+                    </a:solidFill>
+                    <a:latin typeface="+mn-lt"/>
+                    <a:ea typeface="+mn-ea"/>
+                    <a:cs typeface="+mn-cs"/>
+                  </a:defRPr>
+                </a:lvl6pPr>
+                <a:lvl7pPr marL="2971800" indent="-228600" algn="l" defTabSz="914400" rtl="0" eaLnBrk="1" latinLnBrk="0" hangingPunct="1">
+                  <a:lnSpc>
+                    <a:spcPct val="90000"/>
+                  </a:lnSpc>
+                  <a:spcBef>
+                    <a:spcPts val="500"/>
+                  </a:spcBef>
+                  <a:buFont typeface="Arial" panose="020B0604020202020204" pitchFamily="34" charset="0"/>
+                  <a:buChar char="•"/>
+                  <a:defRPr sz="1800" kern="1200">
+                    <a:solidFill>
+                      <a:schemeClr val="tx1"/>
+                    </a:solidFill>
+                    <a:latin typeface="+mn-lt"/>
+                    <a:ea typeface="+mn-ea"/>
+                    <a:cs typeface="+mn-cs"/>
+                  </a:defRPr>
+                </a:lvl7pPr>
+                <a:lvl8pPr marL="3429000" indent="-228600" algn="l" defTabSz="914400" rtl="0" eaLnBrk="1" latinLnBrk="0" hangingPunct="1">
+                  <a:lnSpc>
+                    <a:spcPct val="90000"/>
+                  </a:lnSpc>
+                  <a:spcBef>
+                    <a:spcPts val="500"/>
+                  </a:spcBef>
+                  <a:buFont typeface="Arial" panose="020B0604020202020204" pitchFamily="34" charset="0"/>
+                  <a:buChar char="•"/>
+                  <a:defRPr sz="1800" kern="1200">
+                    <a:solidFill>
+                      <a:schemeClr val="tx1"/>
+                    </a:solidFill>
+                    <a:latin typeface="+mn-lt"/>
+                    <a:ea typeface="+mn-ea"/>
+                    <a:cs typeface="+mn-cs"/>
+                  </a:defRPr>
+                </a:lvl8pPr>
+                <a:lvl9pPr marL="3886200" indent="-228600" algn="l" defTabSz="914400" rtl="0" eaLnBrk="1" latinLnBrk="0" hangingPunct="1">
+                  <a:lnSpc>
+                    <a:spcPct val="90000"/>
+                  </a:lnSpc>
+                  <a:spcBef>
+                    <a:spcPts val="500"/>
+                  </a:spcBef>
+                  <a:buFont typeface="Arial" panose="020B0604020202020204" pitchFamily="34" charset="0"/>
+                  <a:buChar char="•"/>
+                  <a:defRPr sz="1800" kern="1200">
+                    <a:solidFill>
+                      <a:schemeClr val="tx1"/>
+                    </a:solidFill>
+                    <a:latin typeface="+mn-lt"/>
+                    <a:ea typeface="+mn-ea"/>
+                    <a:cs typeface="+mn-cs"/>
+                  </a:defRPr>
+                </a:lvl9pPr>
+              </a:lstStyle>
+              <a:p>
+                <a:pPr marL="0" indent="0" eaLnBrk="0" fontAlgn="base" hangingPunct="0">
+                  <a:lnSpc>
+                    <a:spcPct val="100000"/>
+                  </a:lnSpc>
+                  <a:spcBef>
+                    <a:spcPct val="0"/>
+                  </a:spcBef>
+                  <a:spcAft>
+                    <a:spcPct val="0"/>
+                  </a:spcAft>
+                  <a:buNone/>
+                </a:pPr>
+                <a:r>
+                  <a:rPr lang="en-US" sz="3600" b="0" i="0" dirty="0">
+                    <a:solidFill>
+                      <a:schemeClr val="accent1">
+                        <a:lumMod val="60000"/>
+                        <a:lumOff val="40000"/>
+                      </a:schemeClr>
+                    </a:solidFill>
+                    <a:effectLst/>
+                    <a:latin typeface="Consolas" panose="020B0609020204030204" pitchFamily="49" charset="0"/>
+                  </a:rPr>
+                  <a:t>"</a:t>
+                </a:r>
+                <a:r>
+                  <a:rPr lang="tr-TR" sz="3600" dirty="0">
+                    <a:solidFill>
+                      <a:schemeClr val="accent1">
+                        <a:lumMod val="60000"/>
+                        <a:lumOff val="40000"/>
+                      </a:schemeClr>
+                    </a:solidFill>
+                    <a:latin typeface="Consolas" panose="020B0609020204030204" pitchFamily="49" charset="0"/>
+                  </a:rPr>
+                  <a:t>name</a:t>
+                </a:r>
+                <a:r>
+                  <a:rPr lang="en-US" sz="3600" b="0" i="0" dirty="0">
+                    <a:solidFill>
+                      <a:schemeClr val="accent1">
+                        <a:lumMod val="60000"/>
+                        <a:lumOff val="40000"/>
+                      </a:schemeClr>
+                    </a:solidFill>
+                    <a:effectLst/>
+                    <a:latin typeface="Consolas" panose="020B0609020204030204" pitchFamily="49" charset="0"/>
+                  </a:rPr>
+                  <a:t>":</a:t>
+                </a:r>
+                <a:r>
+                  <a:rPr lang="en-US" sz="3600" b="0" i="0" dirty="0">
+                    <a:solidFill>
+                      <a:schemeClr val="accent2"/>
+                    </a:solidFill>
+                    <a:effectLst/>
+                    <a:latin typeface="Consolas" panose="020B0609020204030204" pitchFamily="49" charset="0"/>
+                  </a:rPr>
+                  <a:t>"</a:t>
+                </a:r>
+                <a:r>
+                  <a:rPr lang="tr-TR" sz="3600" dirty="0" err="1">
+                    <a:solidFill>
+                      <a:schemeClr val="accent2"/>
+                    </a:solidFill>
+                    <a:latin typeface="Consolas" panose="020B0609020204030204" pitchFamily="49" charset="0"/>
+                  </a:rPr>
+                  <a:t>true</a:t>
+                </a:r>
+                <a:r>
+                  <a:rPr lang="en-US" sz="3600" b="0" i="0" dirty="0">
+                    <a:solidFill>
+                      <a:schemeClr val="accent2"/>
+                    </a:solidFill>
+                    <a:effectLst/>
+                    <a:latin typeface="Consolas" panose="020B0609020204030204" pitchFamily="49" charset="0"/>
+                  </a:rPr>
+                  <a:t>"</a:t>
+                </a:r>
+                <a:endParaRPr lang="tr-TR" altLang="en-US" sz="3600" dirty="0">
+                  <a:solidFill>
+                    <a:schemeClr val="accent1"/>
+                  </a:solidFill>
+                  <a:latin typeface="Consolas" panose="020B0609020204030204" pitchFamily="49" charset="0"/>
+                </a:endParaRPr>
+              </a:p>
+              <a:p>
+                <a:pPr marL="0" indent="0" eaLnBrk="0" fontAlgn="base" hangingPunct="0">
+                  <a:lnSpc>
+                    <a:spcPct val="100000"/>
+                  </a:lnSpc>
+                  <a:spcBef>
+                    <a:spcPct val="0"/>
+                  </a:spcBef>
+                  <a:spcAft>
+                    <a:spcPct val="0"/>
+                  </a:spcAft>
+                  <a:buFontTx/>
+                  <a:buNone/>
+                </a:pPr>
+                <a:r>
+                  <a:rPr lang="en-US" altLang="en-US" sz="3600" dirty="0">
+                    <a:solidFill>
+                      <a:schemeClr val="accent1"/>
+                    </a:solidFill>
+                    <a:latin typeface="Consolas" panose="020B0609020204030204" pitchFamily="49" charset="0"/>
+                  </a:rPr>
+                  <a:t> </a:t>
+                </a:r>
+                <a:endParaRPr lang="tr-TR" altLang="en-US" sz="3600" dirty="0">
+                  <a:solidFill>
+                    <a:schemeClr val="accent1"/>
+                  </a:solidFill>
+                  <a:latin typeface="Consolas" panose="020B0609020204030204" pitchFamily="49" charset="0"/>
+                </a:endParaRPr>
+              </a:p>
+              <a:p>
+                <a:endParaRPr lang="en-US" sz="3600" dirty="0"/>
+              </a:p>
+            </p:txBody>
+          </p:sp>
+          <p:sp>
+            <p:nvSpPr>
+              <p:cNvPr id="22" name="Content Placeholder 2">
+                <a:extLst>
+                  <a:ext uri="{FF2B5EF4-FFF2-40B4-BE49-F238E27FC236}">
+                    <a16:creationId xmlns:a16="http://schemas.microsoft.com/office/drawing/2014/main" id="{223E5FE3-476D-B38A-6E55-9F04295323F3}"/>
+                  </a:ext>
+                </a:extLst>
+              </p:cNvPr>
+              <p:cNvSpPr txBox="1">
+                <a:spLocks/>
+              </p:cNvSpPr>
+              <p:nvPr/>
+            </p:nvSpPr>
+            <p:spPr>
+              <a:xfrm>
+                <a:off x="7493946" y="2801665"/>
+                <a:ext cx="3588259" cy="1061464"/>
+              </a:xfrm>
+              <a:prstGeom prst="rect">
+                <a:avLst/>
+              </a:prstGeom>
+            </p:spPr>
+            <p:txBody>
+              <a:bodyPr vert="horz" lIns="91440" tIns="45720" rIns="91440" bIns="45720" rtlCol="0">
+                <a:noAutofit/>
+              </a:bodyPr>
+              <a:lstStyle>
+                <a:lvl1pPr marL="228600" indent="-228600" algn="l" defTabSz="914400" rtl="0" eaLnBrk="1" latinLnBrk="0" hangingPunct="1">
+                  <a:lnSpc>
+                    <a:spcPct val="90000"/>
+                  </a:lnSpc>
+                  <a:spcBef>
+                    <a:spcPts val="1000"/>
+                  </a:spcBef>
+                  <a:buFont typeface="Arial" panose="020B0604020202020204" pitchFamily="34" charset="0"/>
+                  <a:buChar char="•"/>
+                  <a:defRPr sz="2800" kern="1200">
+                    <a:solidFill>
+                      <a:schemeClr val="tx1"/>
+                    </a:solidFill>
+                    <a:latin typeface="+mn-lt"/>
+                    <a:ea typeface="+mn-ea"/>
+                    <a:cs typeface="+mn-cs"/>
+                  </a:defRPr>
+                </a:lvl1pPr>
+                <a:lvl2pPr marL="685800" indent="-228600" algn="l" defTabSz="914400" rtl="0" eaLnBrk="1" latinLnBrk="0" hangingPunct="1">
+                  <a:lnSpc>
+                    <a:spcPct val="90000"/>
+                  </a:lnSpc>
+                  <a:spcBef>
+                    <a:spcPts val="500"/>
+                  </a:spcBef>
+                  <a:buFont typeface="Arial" panose="020B0604020202020204" pitchFamily="34" charset="0"/>
+                  <a:buChar char="•"/>
+                  <a:defRPr sz="2400" kern="1200">
+                    <a:solidFill>
+                      <a:schemeClr val="tx1"/>
+                    </a:solidFill>
+                    <a:latin typeface="+mn-lt"/>
+                    <a:ea typeface="+mn-ea"/>
+                    <a:cs typeface="+mn-cs"/>
+                  </a:defRPr>
+                </a:lvl2pPr>
+                <a:lvl3pPr marL="1143000" indent="-228600" algn="l" defTabSz="914400" rtl="0" eaLnBrk="1" latinLnBrk="0" hangingPunct="1">
+                  <a:lnSpc>
+                    <a:spcPct val="90000"/>
+                  </a:lnSpc>
+                  <a:spcBef>
+                    <a:spcPts val="500"/>
+                  </a:spcBef>
+                  <a:buFont typeface="Arial" panose="020B0604020202020204" pitchFamily="34" charset="0"/>
+                  <a:buChar char="•"/>
+                  <a:defRPr sz="2000" kern="1200">
+                    <a:solidFill>
+                      <a:schemeClr val="tx1"/>
+                    </a:solidFill>
+                    <a:latin typeface="+mn-lt"/>
+                    <a:ea typeface="+mn-ea"/>
+                    <a:cs typeface="+mn-cs"/>
+                  </a:defRPr>
+                </a:lvl3pPr>
+                <a:lvl4pPr marL="1600200" indent="-228600" algn="l" defTabSz="914400" rtl="0" eaLnBrk="1" latinLnBrk="0" hangingPunct="1">
+                  <a:lnSpc>
+                    <a:spcPct val="90000"/>
+                  </a:lnSpc>
+                  <a:spcBef>
+                    <a:spcPts val="500"/>
+                  </a:spcBef>
+                  <a:buFont typeface="Arial" panose="020B0604020202020204" pitchFamily="34" charset="0"/>
+                  <a:buChar char="•"/>
+                  <a:defRPr sz="1800" kern="1200">
+                    <a:solidFill>
+                      <a:schemeClr val="tx1"/>
+                    </a:solidFill>
+                    <a:latin typeface="+mn-lt"/>
+                    <a:ea typeface="+mn-ea"/>
+                    <a:cs typeface="+mn-cs"/>
+                  </a:defRPr>
+                </a:lvl4pPr>
+                <a:lvl5pPr marL="2057400" indent="-228600" algn="l" defTabSz="914400" rtl="0" eaLnBrk="1" latinLnBrk="0" hangingPunct="1">
+                  <a:lnSpc>
+                    <a:spcPct val="90000"/>
+                  </a:lnSpc>
+                  <a:spcBef>
+                    <a:spcPts val="500"/>
+                  </a:spcBef>
+                  <a:buFont typeface="Arial" panose="020B0604020202020204" pitchFamily="34" charset="0"/>
+                  <a:buChar char="•"/>
+                  <a:defRPr sz="1800" kern="1200">
+                    <a:solidFill>
+                      <a:schemeClr val="tx1"/>
+                    </a:solidFill>
+                    <a:latin typeface="+mn-lt"/>
+                    <a:ea typeface="+mn-ea"/>
+                    <a:cs typeface="+mn-cs"/>
+                  </a:defRPr>
+                </a:lvl5pPr>
+                <a:lvl6pPr marL="2514600" indent="-228600" algn="l" defTabSz="914400" rtl="0" eaLnBrk="1" latinLnBrk="0" hangingPunct="1">
+                  <a:lnSpc>
+                    <a:spcPct val="90000"/>
+                  </a:lnSpc>
+                  <a:spcBef>
+                    <a:spcPts val="500"/>
+                  </a:spcBef>
+                  <a:buFont typeface="Arial" panose="020B0604020202020204" pitchFamily="34" charset="0"/>
+                  <a:buChar char="•"/>
+                  <a:defRPr sz="1800" kern="1200">
+                    <a:solidFill>
+                      <a:schemeClr val="tx1"/>
+                    </a:solidFill>
+                    <a:latin typeface="+mn-lt"/>
+                    <a:ea typeface="+mn-ea"/>
+                    <a:cs typeface="+mn-cs"/>
+                  </a:defRPr>
+                </a:lvl6pPr>
+                <a:lvl7pPr marL="2971800" indent="-228600" algn="l" defTabSz="914400" rtl="0" eaLnBrk="1" latinLnBrk="0" hangingPunct="1">
+                  <a:lnSpc>
+                    <a:spcPct val="90000"/>
+                  </a:lnSpc>
+                  <a:spcBef>
+                    <a:spcPts val="500"/>
+                  </a:spcBef>
+                  <a:buFont typeface="Arial" panose="020B0604020202020204" pitchFamily="34" charset="0"/>
+                  <a:buChar char="•"/>
+                  <a:defRPr sz="1800" kern="1200">
+                    <a:solidFill>
+                      <a:schemeClr val="tx1"/>
+                    </a:solidFill>
+                    <a:latin typeface="+mn-lt"/>
+                    <a:ea typeface="+mn-ea"/>
+                    <a:cs typeface="+mn-cs"/>
+                  </a:defRPr>
+                </a:lvl7pPr>
+                <a:lvl8pPr marL="3429000" indent="-228600" algn="l" defTabSz="914400" rtl="0" eaLnBrk="1" latinLnBrk="0" hangingPunct="1">
+                  <a:lnSpc>
+                    <a:spcPct val="90000"/>
+                  </a:lnSpc>
+                  <a:spcBef>
+                    <a:spcPts val="500"/>
+                  </a:spcBef>
+                  <a:buFont typeface="Arial" panose="020B0604020202020204" pitchFamily="34" charset="0"/>
+                  <a:buChar char="•"/>
+                  <a:defRPr sz="1800" kern="1200">
+                    <a:solidFill>
+                      <a:schemeClr val="tx1"/>
+                    </a:solidFill>
+                    <a:latin typeface="+mn-lt"/>
+                    <a:ea typeface="+mn-ea"/>
+                    <a:cs typeface="+mn-cs"/>
+                  </a:defRPr>
+                </a:lvl8pPr>
+                <a:lvl9pPr marL="3886200" indent="-228600" algn="l" defTabSz="914400" rtl="0" eaLnBrk="1" latinLnBrk="0" hangingPunct="1">
+                  <a:lnSpc>
+                    <a:spcPct val="90000"/>
+                  </a:lnSpc>
+                  <a:spcBef>
+                    <a:spcPts val="500"/>
+                  </a:spcBef>
+                  <a:buFont typeface="Arial" panose="020B0604020202020204" pitchFamily="34" charset="0"/>
+                  <a:buChar char="•"/>
+                  <a:defRPr sz="1800" kern="1200">
+                    <a:solidFill>
+                      <a:schemeClr val="tx1"/>
+                    </a:solidFill>
+                    <a:latin typeface="+mn-lt"/>
+                    <a:ea typeface="+mn-ea"/>
+                    <a:cs typeface="+mn-cs"/>
+                  </a:defRPr>
+                </a:lvl9pPr>
+              </a:lstStyle>
+              <a:p>
+                <a:pPr marL="0" indent="0" eaLnBrk="0" fontAlgn="base" hangingPunct="0">
+                  <a:lnSpc>
+                    <a:spcPct val="100000"/>
+                  </a:lnSpc>
+                  <a:spcBef>
+                    <a:spcPct val="0"/>
+                  </a:spcBef>
+                  <a:spcAft>
+                    <a:spcPct val="0"/>
+                  </a:spcAft>
+                  <a:buNone/>
+                </a:pPr>
+                <a:r>
+                  <a:rPr lang="en-US" sz="3600" b="0" i="0" dirty="0">
+                    <a:solidFill>
+                      <a:schemeClr val="accent1">
+                        <a:lumMod val="60000"/>
+                        <a:lumOff val="40000"/>
+                      </a:schemeClr>
+                    </a:solidFill>
+                    <a:effectLst/>
+                    <a:latin typeface="Consolas" panose="020B0609020204030204" pitchFamily="49" charset="0"/>
+                  </a:rPr>
+                  <a:t>"</a:t>
+                </a:r>
+                <a:r>
+                  <a:rPr lang="tr-TR" sz="3600" dirty="0">
+                    <a:solidFill>
+                      <a:schemeClr val="accent1">
+                        <a:lumMod val="60000"/>
+                        <a:lumOff val="40000"/>
+                      </a:schemeClr>
+                    </a:solidFill>
+                    <a:latin typeface="Consolas" panose="020B0609020204030204" pitchFamily="49" charset="0"/>
+                  </a:rPr>
+                  <a:t>name</a:t>
+                </a:r>
+                <a:r>
+                  <a:rPr lang="en-US" sz="3600" b="0" i="0" dirty="0">
+                    <a:solidFill>
+                      <a:schemeClr val="accent1">
+                        <a:lumMod val="60000"/>
+                        <a:lumOff val="40000"/>
+                      </a:schemeClr>
+                    </a:solidFill>
+                    <a:effectLst/>
+                    <a:latin typeface="Consolas" panose="020B0609020204030204" pitchFamily="49" charset="0"/>
+                  </a:rPr>
+                  <a:t>": </a:t>
+                </a:r>
+                <a:r>
+                  <a:rPr lang="tr-TR" sz="3600" dirty="0" err="1">
+                    <a:solidFill>
+                      <a:schemeClr val="accent2"/>
+                    </a:solidFill>
+                    <a:latin typeface="Consolas" panose="020B0609020204030204" pitchFamily="49" charset="0"/>
+                  </a:rPr>
+                  <a:t>true</a:t>
+                </a:r>
+                <a:endParaRPr lang="tr-TR" altLang="en-US" sz="3600" dirty="0">
+                  <a:solidFill>
+                    <a:schemeClr val="accent1"/>
+                  </a:solidFill>
+                  <a:latin typeface="Consolas" panose="020B0609020204030204" pitchFamily="49" charset="0"/>
+                </a:endParaRPr>
+              </a:p>
+              <a:p>
+                <a:pPr marL="0" indent="0" eaLnBrk="0" fontAlgn="base" hangingPunct="0">
+                  <a:lnSpc>
+                    <a:spcPct val="100000"/>
+                  </a:lnSpc>
+                  <a:spcBef>
+                    <a:spcPct val="0"/>
+                  </a:spcBef>
+                  <a:spcAft>
+                    <a:spcPct val="0"/>
+                  </a:spcAft>
+                  <a:buFontTx/>
+                  <a:buNone/>
+                </a:pPr>
+                <a:r>
+                  <a:rPr lang="en-US" altLang="en-US" sz="3600" dirty="0">
+                    <a:solidFill>
+                      <a:schemeClr val="accent1"/>
+                    </a:solidFill>
+                    <a:latin typeface="Consolas" panose="020B0609020204030204" pitchFamily="49" charset="0"/>
+                  </a:rPr>
+                  <a:t> </a:t>
+                </a:r>
+                <a:endParaRPr lang="tr-TR" altLang="en-US" sz="3600" dirty="0">
+                  <a:solidFill>
+                    <a:schemeClr val="accent1"/>
+                  </a:solidFill>
+                  <a:latin typeface="Consolas" panose="020B0609020204030204" pitchFamily="49" charset="0"/>
+                </a:endParaRPr>
+              </a:p>
+              <a:p>
+                <a:endParaRPr lang="en-US" sz="3600" dirty="0"/>
+              </a:p>
+            </p:txBody>
+          </p:sp>
+        </p:grpSp>
+        <p:sp>
+          <p:nvSpPr>
+            <p:cNvPr id="19" name="Content Placeholder 2">
+              <a:extLst>
+                <a:ext uri="{FF2B5EF4-FFF2-40B4-BE49-F238E27FC236}">
+                  <a16:creationId xmlns:a16="http://schemas.microsoft.com/office/drawing/2014/main" id="{6F9AE399-DCAA-4002-E2F0-E3F4A64BDAE9}"/>
+                </a:ext>
+              </a:extLst>
+            </p:cNvPr>
+            <p:cNvSpPr txBox="1">
+              <a:spLocks/>
+            </p:cNvSpPr>
+            <p:nvPr/>
+          </p:nvSpPr>
+          <p:spPr>
+            <a:xfrm>
+              <a:off x="17210516" y="2038790"/>
+              <a:ext cx="830015" cy="1632398"/>
+            </a:xfrm>
+            <a:prstGeom prst="rect">
+              <a:avLst/>
+            </a:prstGeom>
+          </p:spPr>
+          <p:txBody>
+            <a:bodyPr vert="horz" lIns="91440" tIns="45720" rIns="91440" bIns="45720" rtlCol="0">
+              <a:noAutofit/>
+            </a:bodyPr>
+            <a:lstStyle>
+              <a:lvl1pPr marL="228600" indent="-228600" algn="l" defTabSz="914400" rtl="0" eaLnBrk="1" latinLnBrk="0" hangingPunct="1">
+                <a:lnSpc>
+                  <a:spcPct val="90000"/>
+                </a:lnSpc>
+                <a:spcBef>
+                  <a:spcPts val="1000"/>
+                </a:spcBef>
+                <a:buFont typeface="Arial" panose="020B0604020202020204" pitchFamily="34" charset="0"/>
+                <a:buChar char="•"/>
+                <a:defRPr sz="2800" kern="1200">
+                  <a:solidFill>
+                    <a:schemeClr val="tx1"/>
+                  </a:solidFill>
+                  <a:latin typeface="+mn-lt"/>
+                  <a:ea typeface="+mn-ea"/>
+                  <a:cs typeface="+mn-cs"/>
+                </a:defRPr>
+              </a:lvl1pPr>
+              <a:lvl2pPr marL="685800" indent="-228600" algn="l" defTabSz="914400" rtl="0" eaLnBrk="1" latinLnBrk="0" hangingPunct="1">
+                <a:lnSpc>
+                  <a:spcPct val="90000"/>
+                </a:lnSpc>
+                <a:spcBef>
+                  <a:spcPts val="500"/>
+                </a:spcBef>
+                <a:buFont typeface="Arial" panose="020B0604020202020204" pitchFamily="34" charset="0"/>
+                <a:buChar char="•"/>
+                <a:defRPr sz="2400" kern="1200">
+                  <a:solidFill>
+                    <a:schemeClr val="tx1"/>
+                  </a:solidFill>
+                  <a:latin typeface="+mn-lt"/>
+                  <a:ea typeface="+mn-ea"/>
+                  <a:cs typeface="+mn-cs"/>
+                </a:defRPr>
+              </a:lvl2pPr>
+              <a:lvl3pPr marL="1143000" indent="-228600" algn="l" defTabSz="914400" rtl="0" eaLnBrk="1" latinLnBrk="0" hangingPunct="1">
+                <a:lnSpc>
+                  <a:spcPct val="90000"/>
+                </a:lnSpc>
+                <a:spcBef>
+                  <a:spcPts val="500"/>
+                </a:spcBef>
+                <a:buFont typeface="Arial" panose="020B0604020202020204" pitchFamily="34" charset="0"/>
+                <a:buChar char="•"/>
+                <a:defRPr sz="2000" kern="1200">
+                  <a:solidFill>
+                    <a:schemeClr val="tx1"/>
+                  </a:solidFill>
+                  <a:latin typeface="+mn-lt"/>
+                  <a:ea typeface="+mn-ea"/>
+                  <a:cs typeface="+mn-cs"/>
+                </a:defRPr>
+              </a:lvl3pPr>
+              <a:lvl4pPr marL="1600200" indent="-228600" algn="l" defTabSz="914400" rtl="0" eaLnBrk="1" latinLnBrk="0" hangingPunct="1">
+                <a:lnSpc>
+                  <a:spcPct val="90000"/>
+                </a:lnSpc>
+                <a:spcBef>
+                  <a:spcPts val="500"/>
+                </a:spcBef>
+                <a:buFont typeface="Arial" panose="020B0604020202020204" pitchFamily="34" charset="0"/>
+                <a:buChar char="•"/>
+                <a:defRPr sz="1800" kern="1200">
+                  <a:solidFill>
+                    <a:schemeClr val="tx1"/>
+                  </a:solidFill>
+                  <a:latin typeface="+mn-lt"/>
+                  <a:ea typeface="+mn-ea"/>
+                  <a:cs typeface="+mn-cs"/>
+                </a:defRPr>
+              </a:lvl4pPr>
+              <a:lvl5pPr marL="2057400" indent="-228600" algn="l" defTabSz="914400" rtl="0" eaLnBrk="1" latinLnBrk="0" hangingPunct="1">
+                <a:lnSpc>
+                  <a:spcPct val="90000"/>
+                </a:lnSpc>
+                <a:spcBef>
+                  <a:spcPts val="500"/>
+                </a:spcBef>
+                <a:buFont typeface="Arial" panose="020B0604020202020204" pitchFamily="34" charset="0"/>
+                <a:buChar char="•"/>
+                <a:defRPr sz="1800" kern="1200">
+                  <a:solidFill>
+                    <a:schemeClr val="tx1"/>
+                  </a:solidFill>
+                  <a:latin typeface="+mn-lt"/>
+                  <a:ea typeface="+mn-ea"/>
+                  <a:cs typeface="+mn-cs"/>
+                </a:defRPr>
+              </a:lvl5pPr>
+              <a:lvl6pPr marL="2514600" indent="-228600" algn="l" defTabSz="914400" rtl="0" eaLnBrk="1" latinLnBrk="0" hangingPunct="1">
+                <a:lnSpc>
+                  <a:spcPct val="90000"/>
+                </a:lnSpc>
+                <a:spcBef>
+                  <a:spcPts val="500"/>
+                </a:spcBef>
+                <a:buFont typeface="Arial" panose="020B0604020202020204" pitchFamily="34" charset="0"/>
+                <a:buChar char="•"/>
+                <a:defRPr sz="1800" kern="1200">
+                  <a:solidFill>
+                    <a:schemeClr val="tx1"/>
+                  </a:solidFill>
+                  <a:latin typeface="+mn-lt"/>
+                  <a:ea typeface="+mn-ea"/>
+                  <a:cs typeface="+mn-cs"/>
+                </a:defRPr>
+              </a:lvl6pPr>
+              <a:lvl7pPr marL="2971800" indent="-228600" algn="l" defTabSz="914400" rtl="0" eaLnBrk="1" latinLnBrk="0" hangingPunct="1">
+                <a:lnSpc>
+                  <a:spcPct val="90000"/>
+                </a:lnSpc>
+                <a:spcBef>
+                  <a:spcPts val="500"/>
+                </a:spcBef>
+                <a:buFont typeface="Arial" panose="020B0604020202020204" pitchFamily="34" charset="0"/>
+                <a:buChar char="•"/>
+                <a:defRPr sz="1800" kern="1200">
+                  <a:solidFill>
+                    <a:schemeClr val="tx1"/>
+                  </a:solidFill>
+                  <a:latin typeface="+mn-lt"/>
+                  <a:ea typeface="+mn-ea"/>
+                  <a:cs typeface="+mn-cs"/>
+                </a:defRPr>
+              </a:lvl7pPr>
+              <a:lvl8pPr marL="3429000" indent="-228600" algn="l" defTabSz="914400" rtl="0" eaLnBrk="1" latinLnBrk="0" hangingPunct="1">
+                <a:lnSpc>
+                  <a:spcPct val="90000"/>
+                </a:lnSpc>
+                <a:spcBef>
+                  <a:spcPts val="500"/>
+                </a:spcBef>
+                <a:buFont typeface="Arial" panose="020B0604020202020204" pitchFamily="34" charset="0"/>
+                <a:buChar char="•"/>
+                <a:defRPr sz="1800" kern="1200">
+                  <a:solidFill>
+                    <a:schemeClr val="tx1"/>
+                  </a:solidFill>
+                  <a:latin typeface="+mn-lt"/>
+                  <a:ea typeface="+mn-ea"/>
+                  <a:cs typeface="+mn-cs"/>
+                </a:defRPr>
+              </a:lvl8pPr>
+              <a:lvl9pPr marL="3886200" indent="-228600" algn="l" defTabSz="914400" rtl="0" eaLnBrk="1" latinLnBrk="0" hangingPunct="1">
+                <a:lnSpc>
+                  <a:spcPct val="90000"/>
+                </a:lnSpc>
+                <a:spcBef>
+                  <a:spcPts val="500"/>
+                </a:spcBef>
+                <a:buFont typeface="Arial" panose="020B0604020202020204" pitchFamily="34" charset="0"/>
+                <a:buChar char="•"/>
+                <a:defRPr sz="1800" kern="1200">
+                  <a:solidFill>
+                    <a:schemeClr val="tx1"/>
+                  </a:solidFill>
+                  <a:latin typeface="+mn-lt"/>
+                  <a:ea typeface="+mn-ea"/>
+                  <a:cs typeface="+mn-cs"/>
+                </a:defRPr>
+              </a:lvl9pPr>
+            </a:lstStyle>
+            <a:p>
+              <a:pPr marL="0" indent="0" eaLnBrk="0" fontAlgn="base" hangingPunct="0">
+                <a:lnSpc>
+                  <a:spcPct val="100000"/>
+                </a:lnSpc>
+                <a:spcBef>
+                  <a:spcPct val="0"/>
+                </a:spcBef>
+                <a:spcAft>
+                  <a:spcPct val="0"/>
+                </a:spcAft>
+                <a:buFontTx/>
+                <a:buNone/>
+              </a:pPr>
+              <a:r>
+                <a:rPr lang="tr-TR" altLang="en-US" sz="9600" dirty="0">
+                  <a:solidFill>
+                    <a:schemeClr val="accent2"/>
+                  </a:solidFill>
+                  <a:latin typeface="Consolas" panose="020B0609020204030204" pitchFamily="49" charset="0"/>
+                </a:rPr>
+                <a:t>=</a:t>
+              </a:r>
+            </a:p>
+            <a:p>
+              <a:pPr marL="0" indent="0" eaLnBrk="0" fontAlgn="base" hangingPunct="0">
+                <a:lnSpc>
+                  <a:spcPct val="100000"/>
+                </a:lnSpc>
+                <a:spcBef>
+                  <a:spcPct val="0"/>
+                </a:spcBef>
+                <a:spcAft>
+                  <a:spcPct val="0"/>
+                </a:spcAft>
+                <a:buFontTx/>
+                <a:buNone/>
+              </a:pPr>
+              <a:r>
+                <a:rPr lang="en-US" altLang="en-US" sz="7200" dirty="0">
+                  <a:solidFill>
+                    <a:schemeClr val="accent2"/>
+                  </a:solidFill>
+                  <a:latin typeface="Consolas" panose="020B0609020204030204" pitchFamily="49" charset="0"/>
+                </a:rPr>
+                <a:t> </a:t>
+              </a:r>
+              <a:endParaRPr lang="tr-TR" altLang="en-US" sz="7200" dirty="0">
+                <a:solidFill>
+                  <a:schemeClr val="accent2"/>
+                </a:solidFill>
+                <a:latin typeface="Consolas" panose="020B0609020204030204" pitchFamily="49" charset="0"/>
+              </a:endParaRPr>
+            </a:p>
+            <a:p>
+              <a:endParaRPr lang="en-US" sz="7200" dirty="0">
+                <a:solidFill>
+                  <a:schemeClr val="accent2"/>
+                </a:solidFill>
+              </a:endParaRPr>
+            </a:p>
+          </p:txBody>
+        </p:sp>
+        <p:cxnSp>
+          <p:nvCxnSpPr>
+            <p:cNvPr id="20" name="Straight Connector 19">
+              <a:extLst>
+                <a:ext uri="{FF2B5EF4-FFF2-40B4-BE49-F238E27FC236}">
+                  <a16:creationId xmlns:a16="http://schemas.microsoft.com/office/drawing/2014/main" id="{D08CC36D-5E1E-51D0-C902-0B2E36B6F73D}"/>
+                </a:ext>
+              </a:extLst>
+            </p:cNvPr>
+            <p:cNvCxnSpPr/>
+            <p:nvPr/>
+          </p:nvCxnSpPr>
+          <p:spPr>
+            <a:xfrm flipH="1">
+              <a:off x="17472669" y="2383749"/>
+              <a:ext cx="301344" cy="1061464"/>
+            </a:xfrm>
+            <a:prstGeom prst="line">
+              <a:avLst/>
+            </a:prstGeom>
+            <a:ln w="76200"/>
+          </p:spPr>
+          <p:style>
+            <a:lnRef idx="1">
+              <a:schemeClr val="accent2"/>
+            </a:lnRef>
+            <a:fillRef idx="0">
+              <a:schemeClr val="accent2"/>
+            </a:fillRef>
+            <a:effectRef idx="0">
+              <a:schemeClr val="accent2"/>
+            </a:effectRef>
+            <a:fontRef idx="minor">
+              <a:schemeClr val="tx1"/>
+            </a:fontRef>
+          </p:style>
+        </p:cxnSp>
+      </p:grpSp>
     </p:spTree>
     <p:extLst>
       <p:ext uri="{BB962C8B-B14F-4D97-AF65-F5344CB8AC3E}">
-        <p14:creationId xmlns:p14="http://schemas.microsoft.com/office/powerpoint/2010/main" val="249382999"/>
+        <p14:creationId xmlns:p14="http://schemas.microsoft.com/office/powerpoint/2010/main" val="1509195536"/>
       </p:ext>
     </p:extLst>
   </p:cSld>
   <p:clrMapOvr>
     <a:masterClrMapping/>
   </p:clrMapOvr>
-  <mc:AlternateContent xmlns:mc="http://schemas.openxmlformats.org/markup-compatibility/2006">
-    <mc:Choice xmlns:p159="http://schemas.microsoft.com/office/powerpoint/2015/09/main" Requires="p159">
-      <p:transition xmlns:p14="http://schemas.microsoft.com/office/powerpoint/2010/main" spd="slow" p14:dur="2000" advClick="0" advTm="25000">
+  <mc:AlternateContent xmlns:mc="http://schemas.openxmlformats.org/markup-compatibility/2006" xmlns:p159="http://schemas.microsoft.com/office/powerpoint/2015/09/main">
+    <mc:Choice Requires="p159">
+      <p:transition xmlns:p14="http://schemas.microsoft.com/office/powerpoint/2010/main" spd="slow" p14:dur="2000" advClick="0" advTm="12000">
         <p159:morph option="byObject"/>
       </p:transition>
     </mc:Choice>
-    <mc:Fallback>
-      <p:transition spd="slow" advClick="0" advTm="25000">
+    <mc:Fallback xmlns="">
+      <p:transition spd="slow" advClick="0" advTm="12000">
         <p:fade/>
       </p:transition>
     </mc:Fallback>
   </mc:AlternateContent>
+  <p:timing>
+    <p:tnLst>
+      <p:par>
+        <p:cTn id="1" dur="indefinite" restart="never" nodeType="tmRoot">
+          <p:childTnLst>
+            <p:seq concurrent="1" nextAc="seek">
+              <p:cTn id="2" dur="indefinite" nodeType="mainSeq">
+                <p:childTnLst>
+                  <p:par>
+                    <p:cTn id="3" fill="hold">
+                      <p:stCondLst>
+                        <p:cond delay="indefinite"/>
+                        <p:cond evt="onBegin" delay="0">
+                          <p:tn val="2"/>
+                        </p:cond>
+                      </p:stCondLst>
+                      <p:childTnLst>
+                        <p:par>
+                          <p:cTn id="4" fill="hold">
+                            <p:stCondLst>
+                              <p:cond delay="0"/>
+                            </p:stCondLst>
+                            <p:childTnLst>
+                              <p:par>
+                                <p:cTn id="5" presetID="22" presetClass="entr" presetSubtype="8" fill="hold" grpId="0" nodeType="withEffect">
+                                  <p:stCondLst>
+                                    <p:cond delay="500"/>
+                                  </p:stCondLst>
+                                  <p:childTnLst>
+                                    <p:set>
+                                      <p:cBhvr>
+                                        <p:cTn id="6" dur="1" fill="hold">
+                                          <p:stCondLst>
+                                            <p:cond delay="0"/>
+                                          </p:stCondLst>
+                                        </p:cTn>
+                                        <p:tgtEl>
+                                          <p:spTgt spid="4"/>
+                                        </p:tgtEl>
+                                        <p:attrNameLst>
+                                          <p:attrName>style.visibility</p:attrName>
+                                        </p:attrNameLst>
+                                      </p:cBhvr>
+                                      <p:to>
+                                        <p:strVal val="visible"/>
+                                      </p:to>
+                                    </p:set>
+                                    <p:animEffect transition="in" filter="wipe(left)">
+                                      <p:cBhvr>
+                                        <p:cTn id="7" dur="500"/>
+                                        <p:tgtEl>
+                                          <p:spTgt spid="4"/>
+                                        </p:tgtEl>
+                                      </p:cBhvr>
+                                    </p:animEffect>
+                                  </p:childTnLst>
+                                </p:cTn>
+                              </p:par>
+                            </p:childTnLst>
+                          </p:cTn>
+                        </p:par>
+                      </p:childTnLst>
+                    </p:cTn>
+                  </p:par>
+                </p:childTnLst>
+              </p:cTn>
+              <p:prevCondLst>
+                <p:cond evt="onPrev" delay="0">
+                  <p:tgtEl>
+                    <p:sldTgt/>
+                  </p:tgtEl>
+                </p:cond>
+              </p:prevCondLst>
+              <p:nextCondLst>
+                <p:cond evt="onNext" delay="0">
+                  <p:tgtEl>
+                    <p:sldTgt/>
+                  </p:tgtEl>
+                </p:cond>
+              </p:nextCondLst>
+            </p:seq>
+          </p:childTnLst>
+        </p:cTn>
+      </p:par>
+    </p:tnLst>
+    <p:bldLst>
+      <p:bldP spid="4" grpId="0" animBg="1"/>
+    </p:bldLst>
+  </p:timing>
 </p:sld>
 </file>
 
@@ -11312,126 +13060,6 @@
           <a:chExt cx="0" cy="0"/>
         </a:xfrm>
       </p:grpSpPr>
-      <p:sp>
-        <p:nvSpPr>
-          <p:cNvPr id="9" name="TextBox 8">
-            <a:extLst>
-              <a:ext uri="{FF2B5EF4-FFF2-40B4-BE49-F238E27FC236}">
-                <a16:creationId xmlns:a16="http://schemas.microsoft.com/office/drawing/2014/main" id="{53139D50-0DF7-03DC-0892-8491760FCEFC}"/>
-              </a:ext>
-            </a:extLst>
-          </p:cNvPr>
-          <p:cNvSpPr txBox="1"/>
-          <p:nvPr/>
-        </p:nvSpPr>
-        <p:spPr>
-          <a:xfrm>
-            <a:off x="-5876426" y="2721114"/>
-            <a:ext cx="5585140" cy="707886"/>
-          </a:xfrm>
-          <a:prstGeom prst="rect">
-            <a:avLst/>
-          </a:prstGeom>
-          <a:noFill/>
-        </p:spPr>
-        <p:txBody>
-          <a:bodyPr wrap="square">
-            <a:spAutoFit/>
-          </a:bodyPr>
-          <a:lstStyle/>
-          <a:p>
-            <a:pPr algn="ctr"/>
-            <a:r>
-              <a:rPr lang="en-US" sz="4000" b="0" i="0" dirty="0">
-                <a:solidFill>
-                  <a:schemeClr val="accent1">
-                    <a:lumMod val="60000"/>
-                    <a:lumOff val="40000"/>
-                  </a:schemeClr>
-                </a:solidFill>
-                <a:effectLst/>
-                <a:latin typeface="Consolas" panose="020B0609020204030204" pitchFamily="49" charset="0"/>
-              </a:rPr>
-              <a:t>"</a:t>
-            </a:r>
-            <a:r>
-              <a:rPr lang="tr-TR" sz="4000" dirty="0">
-                <a:solidFill>
-                  <a:schemeClr val="accent1">
-                    <a:lumMod val="60000"/>
-                    <a:lumOff val="40000"/>
-                  </a:schemeClr>
-                </a:solidFill>
-                <a:latin typeface="Consolas" panose="020B0609020204030204" pitchFamily="49" charset="0"/>
-              </a:rPr>
-              <a:t>isActive</a:t>
-            </a:r>
-            <a:r>
-              <a:rPr lang="en-US" sz="4000" b="0" i="0" dirty="0">
-                <a:solidFill>
-                  <a:schemeClr val="accent1">
-                    <a:lumMod val="60000"/>
-                    <a:lumOff val="40000"/>
-                  </a:schemeClr>
-                </a:solidFill>
-                <a:effectLst/>
-                <a:latin typeface="Consolas" panose="020B0609020204030204" pitchFamily="49" charset="0"/>
-              </a:rPr>
-              <a:t>"</a:t>
-            </a:r>
-            <a:r>
-              <a:rPr lang="en-US" sz="4000" b="0" i="0" dirty="0">
-                <a:solidFill>
-                  <a:schemeClr val="accent1"/>
-                </a:solidFill>
-                <a:effectLst/>
-                <a:latin typeface="Consolas" panose="020B0609020204030204" pitchFamily="49" charset="0"/>
-              </a:rPr>
-              <a:t>:</a:t>
-            </a:r>
-            <a:r>
-              <a:rPr lang="en-US" sz="4000" b="0" i="0" dirty="0">
-                <a:solidFill>
-                  <a:schemeClr val="accent2"/>
-                </a:solidFill>
-                <a:effectLst/>
-                <a:latin typeface="Consolas" panose="020B0609020204030204" pitchFamily="49" charset="0"/>
-              </a:rPr>
-              <a:t> "</a:t>
-            </a:r>
-            <a:r>
-              <a:rPr lang="tr-TR" sz="4000" dirty="0">
-                <a:solidFill>
-                  <a:schemeClr val="accent2"/>
-                </a:solidFill>
-                <a:latin typeface="Consolas" panose="020B0609020204030204" pitchFamily="49" charset="0"/>
-              </a:rPr>
-              <a:t>true</a:t>
-            </a:r>
-            <a:r>
-              <a:rPr lang="en-US" sz="4000" b="0" i="0" dirty="0">
-                <a:solidFill>
-                  <a:schemeClr val="accent2"/>
-                </a:solidFill>
-                <a:effectLst/>
-                <a:latin typeface="Consolas" panose="020B0609020204030204" pitchFamily="49" charset="0"/>
-              </a:rPr>
-              <a:t>"</a:t>
-            </a:r>
-            <a:r>
-              <a:rPr lang="en-US" sz="4000" b="0" i="0" dirty="0">
-                <a:solidFill>
-                  <a:srgbClr val="000000"/>
-                </a:solidFill>
-                <a:effectLst/>
-                <a:latin typeface="Consolas" panose="020B0609020204030204" pitchFamily="49" charset="0"/>
-              </a:rPr>
-              <a:t> </a:t>
-            </a:r>
-            <a:endParaRPr lang="en-US" sz="4000" dirty="0"/>
-          </a:p>
-        </p:txBody>
-      </p:sp>
       <p:sp>
         <p:nvSpPr>
           <p:cNvPr id="10" name="TextBox 9">
@@ -12210,6 +13838,945 @@
           </a:p>
         </p:txBody>
       </p:sp>
+      <p:grpSp>
+        <p:nvGrpSpPr>
+          <p:cNvPr id="8" name="Group 7">
+            <a:extLst>
+              <a:ext uri="{FF2B5EF4-FFF2-40B4-BE49-F238E27FC236}">
+                <a16:creationId xmlns:a16="http://schemas.microsoft.com/office/drawing/2014/main" id="{D3778CEF-2364-7BAC-A305-F9DD92E83C85}"/>
+              </a:ext>
+            </a:extLst>
+          </p:cNvPr>
+          <p:cNvGrpSpPr/>
+          <p:nvPr/>
+        </p:nvGrpSpPr>
+        <p:grpSpPr>
+          <a:xfrm>
+            <a:off x="-9869201" y="2215503"/>
+            <a:ext cx="9240887" cy="2055042"/>
+            <a:chOff x="13068615" y="2038790"/>
+            <a:chExt cx="9240887" cy="2055042"/>
+          </a:xfrm>
+        </p:grpSpPr>
+        <p:grpSp>
+          <p:nvGrpSpPr>
+            <p:cNvPr id="9" name="Group 8">
+              <a:extLst>
+                <a:ext uri="{FF2B5EF4-FFF2-40B4-BE49-F238E27FC236}">
+                  <a16:creationId xmlns:a16="http://schemas.microsoft.com/office/drawing/2014/main" id="{75109341-1D85-0286-0328-76CE8316C0C7}"/>
+                </a:ext>
+              </a:extLst>
+            </p:cNvPr>
+            <p:cNvGrpSpPr/>
+            <p:nvPr/>
+          </p:nvGrpSpPr>
+          <p:grpSpPr>
+            <a:xfrm>
+              <a:off x="13068615" y="2609724"/>
+              <a:ext cx="9240887" cy="1484108"/>
+              <a:chOff x="1841318" y="2801665"/>
+              <a:chExt cx="9240887" cy="1061464"/>
+            </a:xfrm>
+          </p:grpSpPr>
+          <p:sp>
+            <p:nvSpPr>
+              <p:cNvPr id="14" name="Content Placeholder 2">
+                <a:extLst>
+                  <a:ext uri="{FF2B5EF4-FFF2-40B4-BE49-F238E27FC236}">
+                    <a16:creationId xmlns:a16="http://schemas.microsoft.com/office/drawing/2014/main" id="{EB5B2190-D815-9835-82A9-FECCD2118D64}"/>
+                  </a:ext>
+                </a:extLst>
+              </p:cNvPr>
+              <p:cNvSpPr txBox="1">
+                <a:spLocks/>
+              </p:cNvSpPr>
+              <p:nvPr/>
+            </p:nvSpPr>
+            <p:spPr>
+              <a:xfrm>
+                <a:off x="1841318" y="2801665"/>
+                <a:ext cx="3874014" cy="1061464"/>
+              </a:xfrm>
+              <a:prstGeom prst="rect">
+                <a:avLst/>
+              </a:prstGeom>
+            </p:spPr>
+            <p:txBody>
+              <a:bodyPr vert="horz" lIns="91440" tIns="45720" rIns="91440" bIns="45720" rtlCol="0">
+                <a:noAutofit/>
+              </a:bodyPr>
+              <a:lstStyle>
+                <a:lvl1pPr marL="228600" indent="-228600" algn="l" defTabSz="914400" rtl="0" eaLnBrk="1" latinLnBrk="0" hangingPunct="1">
+                  <a:lnSpc>
+                    <a:spcPct val="90000"/>
+                  </a:lnSpc>
+                  <a:spcBef>
+                    <a:spcPts val="1000"/>
+                  </a:spcBef>
+                  <a:buFont typeface="Arial" panose="020B0604020202020204" pitchFamily="34" charset="0"/>
+                  <a:buChar char="•"/>
+                  <a:defRPr sz="2800" kern="1200">
+                    <a:solidFill>
+                      <a:schemeClr val="tx1"/>
+                    </a:solidFill>
+                    <a:latin typeface="+mn-lt"/>
+                    <a:ea typeface="+mn-ea"/>
+                    <a:cs typeface="+mn-cs"/>
+                  </a:defRPr>
+                </a:lvl1pPr>
+                <a:lvl2pPr marL="685800" indent="-228600" algn="l" defTabSz="914400" rtl="0" eaLnBrk="1" latinLnBrk="0" hangingPunct="1">
+                  <a:lnSpc>
+                    <a:spcPct val="90000"/>
+                  </a:lnSpc>
+                  <a:spcBef>
+                    <a:spcPts val="500"/>
+                  </a:spcBef>
+                  <a:buFont typeface="Arial" panose="020B0604020202020204" pitchFamily="34" charset="0"/>
+                  <a:buChar char="•"/>
+                  <a:defRPr sz="2400" kern="1200">
+                    <a:solidFill>
+                      <a:schemeClr val="tx1"/>
+                    </a:solidFill>
+                    <a:latin typeface="+mn-lt"/>
+                    <a:ea typeface="+mn-ea"/>
+                    <a:cs typeface="+mn-cs"/>
+                  </a:defRPr>
+                </a:lvl2pPr>
+                <a:lvl3pPr marL="1143000" indent="-228600" algn="l" defTabSz="914400" rtl="0" eaLnBrk="1" latinLnBrk="0" hangingPunct="1">
+                  <a:lnSpc>
+                    <a:spcPct val="90000"/>
+                  </a:lnSpc>
+                  <a:spcBef>
+                    <a:spcPts val="500"/>
+                  </a:spcBef>
+                  <a:buFont typeface="Arial" panose="020B0604020202020204" pitchFamily="34" charset="0"/>
+                  <a:buChar char="•"/>
+                  <a:defRPr sz="2000" kern="1200">
+                    <a:solidFill>
+                      <a:schemeClr val="tx1"/>
+                    </a:solidFill>
+                    <a:latin typeface="+mn-lt"/>
+                    <a:ea typeface="+mn-ea"/>
+                    <a:cs typeface="+mn-cs"/>
+                  </a:defRPr>
+                </a:lvl3pPr>
+                <a:lvl4pPr marL="1600200" indent="-228600" algn="l" defTabSz="914400" rtl="0" eaLnBrk="1" latinLnBrk="0" hangingPunct="1">
+                  <a:lnSpc>
+                    <a:spcPct val="90000"/>
+                  </a:lnSpc>
+                  <a:spcBef>
+                    <a:spcPts val="500"/>
+                  </a:spcBef>
+                  <a:buFont typeface="Arial" panose="020B0604020202020204" pitchFamily="34" charset="0"/>
+                  <a:buChar char="•"/>
+                  <a:defRPr sz="1800" kern="1200">
+                    <a:solidFill>
+                      <a:schemeClr val="tx1"/>
+                    </a:solidFill>
+                    <a:latin typeface="+mn-lt"/>
+                    <a:ea typeface="+mn-ea"/>
+                    <a:cs typeface="+mn-cs"/>
+                  </a:defRPr>
+                </a:lvl4pPr>
+                <a:lvl5pPr marL="2057400" indent="-228600" algn="l" defTabSz="914400" rtl="0" eaLnBrk="1" latinLnBrk="0" hangingPunct="1">
+                  <a:lnSpc>
+                    <a:spcPct val="90000"/>
+                  </a:lnSpc>
+                  <a:spcBef>
+                    <a:spcPts val="500"/>
+                  </a:spcBef>
+                  <a:buFont typeface="Arial" panose="020B0604020202020204" pitchFamily="34" charset="0"/>
+                  <a:buChar char="•"/>
+                  <a:defRPr sz="1800" kern="1200">
+                    <a:solidFill>
+                      <a:schemeClr val="tx1"/>
+                    </a:solidFill>
+                    <a:latin typeface="+mn-lt"/>
+                    <a:ea typeface="+mn-ea"/>
+                    <a:cs typeface="+mn-cs"/>
+                  </a:defRPr>
+                </a:lvl5pPr>
+                <a:lvl6pPr marL="2514600" indent="-228600" algn="l" defTabSz="914400" rtl="0" eaLnBrk="1" latinLnBrk="0" hangingPunct="1">
+                  <a:lnSpc>
+                    <a:spcPct val="90000"/>
+                  </a:lnSpc>
+                  <a:spcBef>
+                    <a:spcPts val="500"/>
+                  </a:spcBef>
+                  <a:buFont typeface="Arial" panose="020B0604020202020204" pitchFamily="34" charset="0"/>
+                  <a:buChar char="•"/>
+                  <a:defRPr sz="1800" kern="1200">
+                    <a:solidFill>
+                      <a:schemeClr val="tx1"/>
+                    </a:solidFill>
+                    <a:latin typeface="+mn-lt"/>
+                    <a:ea typeface="+mn-ea"/>
+                    <a:cs typeface="+mn-cs"/>
+                  </a:defRPr>
+                </a:lvl6pPr>
+                <a:lvl7pPr marL="2971800" indent="-228600" algn="l" defTabSz="914400" rtl="0" eaLnBrk="1" latinLnBrk="0" hangingPunct="1">
+                  <a:lnSpc>
+                    <a:spcPct val="90000"/>
+                  </a:lnSpc>
+                  <a:spcBef>
+                    <a:spcPts val="500"/>
+                  </a:spcBef>
+                  <a:buFont typeface="Arial" panose="020B0604020202020204" pitchFamily="34" charset="0"/>
+                  <a:buChar char="•"/>
+                  <a:defRPr sz="1800" kern="1200">
+                    <a:solidFill>
+                      <a:schemeClr val="tx1"/>
+                    </a:solidFill>
+                    <a:latin typeface="+mn-lt"/>
+                    <a:ea typeface="+mn-ea"/>
+                    <a:cs typeface="+mn-cs"/>
+                  </a:defRPr>
+                </a:lvl7pPr>
+                <a:lvl8pPr marL="3429000" indent="-228600" algn="l" defTabSz="914400" rtl="0" eaLnBrk="1" latinLnBrk="0" hangingPunct="1">
+                  <a:lnSpc>
+                    <a:spcPct val="90000"/>
+                  </a:lnSpc>
+                  <a:spcBef>
+                    <a:spcPts val="500"/>
+                  </a:spcBef>
+                  <a:buFont typeface="Arial" panose="020B0604020202020204" pitchFamily="34" charset="0"/>
+                  <a:buChar char="•"/>
+                  <a:defRPr sz="1800" kern="1200">
+                    <a:solidFill>
+                      <a:schemeClr val="tx1"/>
+                    </a:solidFill>
+                    <a:latin typeface="+mn-lt"/>
+                    <a:ea typeface="+mn-ea"/>
+                    <a:cs typeface="+mn-cs"/>
+                  </a:defRPr>
+                </a:lvl8pPr>
+                <a:lvl9pPr marL="3886200" indent="-228600" algn="l" defTabSz="914400" rtl="0" eaLnBrk="1" latinLnBrk="0" hangingPunct="1">
+                  <a:lnSpc>
+                    <a:spcPct val="90000"/>
+                  </a:lnSpc>
+                  <a:spcBef>
+                    <a:spcPts val="500"/>
+                  </a:spcBef>
+                  <a:buFont typeface="Arial" panose="020B0604020202020204" pitchFamily="34" charset="0"/>
+                  <a:buChar char="•"/>
+                  <a:defRPr sz="1800" kern="1200">
+                    <a:solidFill>
+                      <a:schemeClr val="tx1"/>
+                    </a:solidFill>
+                    <a:latin typeface="+mn-lt"/>
+                    <a:ea typeface="+mn-ea"/>
+                    <a:cs typeface="+mn-cs"/>
+                  </a:defRPr>
+                </a:lvl9pPr>
+              </a:lstStyle>
+              <a:p>
+                <a:pPr marL="0" indent="0" eaLnBrk="0" fontAlgn="base" hangingPunct="0">
+                  <a:lnSpc>
+                    <a:spcPct val="100000"/>
+                  </a:lnSpc>
+                  <a:spcBef>
+                    <a:spcPct val="0"/>
+                  </a:spcBef>
+                  <a:spcAft>
+                    <a:spcPct val="0"/>
+                  </a:spcAft>
+                  <a:buNone/>
+                </a:pPr>
+                <a:r>
+                  <a:rPr lang="en-US" sz="3600" b="0" i="0" dirty="0">
+                    <a:solidFill>
+                      <a:schemeClr val="accent1">
+                        <a:lumMod val="60000"/>
+                        <a:lumOff val="40000"/>
+                      </a:schemeClr>
+                    </a:solidFill>
+                    <a:effectLst/>
+                    <a:latin typeface="Consolas" panose="020B0609020204030204" pitchFamily="49" charset="0"/>
+                  </a:rPr>
+                  <a:t>"</a:t>
+                </a:r>
+                <a:r>
+                  <a:rPr lang="tr-TR" sz="3600" dirty="0">
+                    <a:solidFill>
+                      <a:schemeClr val="accent1">
+                        <a:lumMod val="60000"/>
+                        <a:lumOff val="40000"/>
+                      </a:schemeClr>
+                    </a:solidFill>
+                    <a:latin typeface="Consolas" panose="020B0609020204030204" pitchFamily="49" charset="0"/>
+                  </a:rPr>
+                  <a:t>name</a:t>
+                </a:r>
+                <a:r>
+                  <a:rPr lang="en-US" sz="3600" b="0" i="0" dirty="0">
+                    <a:solidFill>
+                      <a:schemeClr val="accent1">
+                        <a:lumMod val="60000"/>
+                        <a:lumOff val="40000"/>
+                      </a:schemeClr>
+                    </a:solidFill>
+                    <a:effectLst/>
+                    <a:latin typeface="Consolas" panose="020B0609020204030204" pitchFamily="49" charset="0"/>
+                  </a:rPr>
+                  <a:t>":</a:t>
+                </a:r>
+                <a:r>
+                  <a:rPr lang="en-US" sz="3600" b="0" i="0" dirty="0">
+                    <a:solidFill>
+                      <a:schemeClr val="accent2"/>
+                    </a:solidFill>
+                    <a:effectLst/>
+                    <a:latin typeface="Consolas" panose="020B0609020204030204" pitchFamily="49" charset="0"/>
+                  </a:rPr>
+                  <a:t>"</a:t>
+                </a:r>
+                <a:r>
+                  <a:rPr lang="tr-TR" sz="3600" dirty="0" err="1">
+                    <a:solidFill>
+                      <a:schemeClr val="accent2"/>
+                    </a:solidFill>
+                    <a:latin typeface="Consolas" panose="020B0609020204030204" pitchFamily="49" charset="0"/>
+                  </a:rPr>
+                  <a:t>true</a:t>
+                </a:r>
+                <a:r>
+                  <a:rPr lang="en-US" sz="3600" b="0" i="0" dirty="0">
+                    <a:solidFill>
+                      <a:schemeClr val="accent2"/>
+                    </a:solidFill>
+                    <a:effectLst/>
+                    <a:latin typeface="Consolas" panose="020B0609020204030204" pitchFamily="49" charset="0"/>
+                  </a:rPr>
+                  <a:t>"</a:t>
+                </a:r>
+                <a:endParaRPr lang="tr-TR" altLang="en-US" sz="3600" dirty="0">
+                  <a:solidFill>
+                    <a:schemeClr val="accent1"/>
+                  </a:solidFill>
+                  <a:latin typeface="Consolas" panose="020B0609020204030204" pitchFamily="49" charset="0"/>
+                </a:endParaRPr>
+              </a:p>
+              <a:p>
+                <a:pPr marL="0" indent="0" eaLnBrk="0" fontAlgn="base" hangingPunct="0">
+                  <a:lnSpc>
+                    <a:spcPct val="100000"/>
+                  </a:lnSpc>
+                  <a:spcBef>
+                    <a:spcPct val="0"/>
+                  </a:spcBef>
+                  <a:spcAft>
+                    <a:spcPct val="0"/>
+                  </a:spcAft>
+                  <a:buFontTx/>
+                  <a:buNone/>
+                </a:pPr>
+                <a:r>
+                  <a:rPr lang="en-US" altLang="en-US" sz="3600" dirty="0">
+                    <a:solidFill>
+                      <a:schemeClr val="accent1"/>
+                    </a:solidFill>
+                    <a:latin typeface="Consolas" panose="020B0609020204030204" pitchFamily="49" charset="0"/>
+                  </a:rPr>
+                  <a:t> </a:t>
+                </a:r>
+                <a:endParaRPr lang="tr-TR" altLang="en-US" sz="3600" dirty="0">
+                  <a:solidFill>
+                    <a:schemeClr val="accent1"/>
+                  </a:solidFill>
+                  <a:latin typeface="Consolas" panose="020B0609020204030204" pitchFamily="49" charset="0"/>
+                </a:endParaRPr>
+              </a:p>
+              <a:p>
+                <a:endParaRPr lang="en-US" sz="3600" dirty="0"/>
+              </a:p>
+            </p:txBody>
+          </p:sp>
+          <p:sp>
+            <p:nvSpPr>
+              <p:cNvPr id="15" name="Content Placeholder 2">
+                <a:extLst>
+                  <a:ext uri="{FF2B5EF4-FFF2-40B4-BE49-F238E27FC236}">
+                    <a16:creationId xmlns:a16="http://schemas.microsoft.com/office/drawing/2014/main" id="{F8A6C865-B86A-4FFE-356B-FE4A46EC52E4}"/>
+                  </a:ext>
+                </a:extLst>
+              </p:cNvPr>
+              <p:cNvSpPr txBox="1">
+                <a:spLocks/>
+              </p:cNvSpPr>
+              <p:nvPr/>
+            </p:nvSpPr>
+            <p:spPr>
+              <a:xfrm>
+                <a:off x="7493946" y="2801665"/>
+                <a:ext cx="3588259" cy="1061464"/>
+              </a:xfrm>
+              <a:prstGeom prst="rect">
+                <a:avLst/>
+              </a:prstGeom>
+            </p:spPr>
+            <p:txBody>
+              <a:bodyPr vert="horz" lIns="91440" tIns="45720" rIns="91440" bIns="45720" rtlCol="0">
+                <a:noAutofit/>
+              </a:bodyPr>
+              <a:lstStyle>
+                <a:lvl1pPr marL="228600" indent="-228600" algn="l" defTabSz="914400" rtl="0" eaLnBrk="1" latinLnBrk="0" hangingPunct="1">
+                  <a:lnSpc>
+                    <a:spcPct val="90000"/>
+                  </a:lnSpc>
+                  <a:spcBef>
+                    <a:spcPts val="1000"/>
+                  </a:spcBef>
+                  <a:buFont typeface="Arial" panose="020B0604020202020204" pitchFamily="34" charset="0"/>
+                  <a:buChar char="•"/>
+                  <a:defRPr sz="2800" kern="1200">
+                    <a:solidFill>
+                      <a:schemeClr val="tx1"/>
+                    </a:solidFill>
+                    <a:latin typeface="+mn-lt"/>
+                    <a:ea typeface="+mn-ea"/>
+                    <a:cs typeface="+mn-cs"/>
+                  </a:defRPr>
+                </a:lvl1pPr>
+                <a:lvl2pPr marL="685800" indent="-228600" algn="l" defTabSz="914400" rtl="0" eaLnBrk="1" latinLnBrk="0" hangingPunct="1">
+                  <a:lnSpc>
+                    <a:spcPct val="90000"/>
+                  </a:lnSpc>
+                  <a:spcBef>
+                    <a:spcPts val="500"/>
+                  </a:spcBef>
+                  <a:buFont typeface="Arial" panose="020B0604020202020204" pitchFamily="34" charset="0"/>
+                  <a:buChar char="•"/>
+                  <a:defRPr sz="2400" kern="1200">
+                    <a:solidFill>
+                      <a:schemeClr val="tx1"/>
+                    </a:solidFill>
+                    <a:latin typeface="+mn-lt"/>
+                    <a:ea typeface="+mn-ea"/>
+                    <a:cs typeface="+mn-cs"/>
+                  </a:defRPr>
+                </a:lvl2pPr>
+                <a:lvl3pPr marL="1143000" indent="-228600" algn="l" defTabSz="914400" rtl="0" eaLnBrk="1" latinLnBrk="0" hangingPunct="1">
+                  <a:lnSpc>
+                    <a:spcPct val="90000"/>
+                  </a:lnSpc>
+                  <a:spcBef>
+                    <a:spcPts val="500"/>
+                  </a:spcBef>
+                  <a:buFont typeface="Arial" panose="020B0604020202020204" pitchFamily="34" charset="0"/>
+                  <a:buChar char="•"/>
+                  <a:defRPr sz="2000" kern="1200">
+                    <a:solidFill>
+                      <a:schemeClr val="tx1"/>
+                    </a:solidFill>
+                    <a:latin typeface="+mn-lt"/>
+                    <a:ea typeface="+mn-ea"/>
+                    <a:cs typeface="+mn-cs"/>
+                  </a:defRPr>
+                </a:lvl3pPr>
+                <a:lvl4pPr marL="1600200" indent="-228600" algn="l" defTabSz="914400" rtl="0" eaLnBrk="1" latinLnBrk="0" hangingPunct="1">
+                  <a:lnSpc>
+                    <a:spcPct val="90000"/>
+                  </a:lnSpc>
+                  <a:spcBef>
+                    <a:spcPts val="500"/>
+                  </a:spcBef>
+                  <a:buFont typeface="Arial" panose="020B0604020202020204" pitchFamily="34" charset="0"/>
+                  <a:buChar char="•"/>
+                  <a:defRPr sz="1800" kern="1200">
+                    <a:solidFill>
+                      <a:schemeClr val="tx1"/>
+                    </a:solidFill>
+                    <a:latin typeface="+mn-lt"/>
+                    <a:ea typeface="+mn-ea"/>
+                    <a:cs typeface="+mn-cs"/>
+                  </a:defRPr>
+                </a:lvl4pPr>
+                <a:lvl5pPr marL="2057400" indent="-228600" algn="l" defTabSz="914400" rtl="0" eaLnBrk="1" latinLnBrk="0" hangingPunct="1">
+                  <a:lnSpc>
+                    <a:spcPct val="90000"/>
+                  </a:lnSpc>
+                  <a:spcBef>
+                    <a:spcPts val="500"/>
+                  </a:spcBef>
+                  <a:buFont typeface="Arial" panose="020B0604020202020204" pitchFamily="34" charset="0"/>
+                  <a:buChar char="•"/>
+                  <a:defRPr sz="1800" kern="1200">
+                    <a:solidFill>
+                      <a:schemeClr val="tx1"/>
+                    </a:solidFill>
+                    <a:latin typeface="+mn-lt"/>
+                    <a:ea typeface="+mn-ea"/>
+                    <a:cs typeface="+mn-cs"/>
+                  </a:defRPr>
+                </a:lvl5pPr>
+                <a:lvl6pPr marL="2514600" indent="-228600" algn="l" defTabSz="914400" rtl="0" eaLnBrk="1" latinLnBrk="0" hangingPunct="1">
+                  <a:lnSpc>
+                    <a:spcPct val="90000"/>
+                  </a:lnSpc>
+                  <a:spcBef>
+                    <a:spcPts val="500"/>
+                  </a:spcBef>
+                  <a:buFont typeface="Arial" panose="020B0604020202020204" pitchFamily="34" charset="0"/>
+                  <a:buChar char="•"/>
+                  <a:defRPr sz="1800" kern="1200">
+                    <a:solidFill>
+                      <a:schemeClr val="tx1"/>
+                    </a:solidFill>
+                    <a:latin typeface="+mn-lt"/>
+                    <a:ea typeface="+mn-ea"/>
+                    <a:cs typeface="+mn-cs"/>
+                  </a:defRPr>
+                </a:lvl6pPr>
+                <a:lvl7pPr marL="2971800" indent="-228600" algn="l" defTabSz="914400" rtl="0" eaLnBrk="1" latinLnBrk="0" hangingPunct="1">
+                  <a:lnSpc>
+                    <a:spcPct val="90000"/>
+                  </a:lnSpc>
+                  <a:spcBef>
+                    <a:spcPts val="500"/>
+                  </a:spcBef>
+                  <a:buFont typeface="Arial" panose="020B0604020202020204" pitchFamily="34" charset="0"/>
+                  <a:buChar char="•"/>
+                  <a:defRPr sz="1800" kern="1200">
+                    <a:solidFill>
+                      <a:schemeClr val="tx1"/>
+                    </a:solidFill>
+                    <a:latin typeface="+mn-lt"/>
+                    <a:ea typeface="+mn-ea"/>
+                    <a:cs typeface="+mn-cs"/>
+                  </a:defRPr>
+                </a:lvl7pPr>
+                <a:lvl8pPr marL="3429000" indent="-228600" algn="l" defTabSz="914400" rtl="0" eaLnBrk="1" latinLnBrk="0" hangingPunct="1">
+                  <a:lnSpc>
+                    <a:spcPct val="90000"/>
+                  </a:lnSpc>
+                  <a:spcBef>
+                    <a:spcPts val="500"/>
+                  </a:spcBef>
+                  <a:buFont typeface="Arial" panose="020B0604020202020204" pitchFamily="34" charset="0"/>
+                  <a:buChar char="•"/>
+                  <a:defRPr sz="1800" kern="1200">
+                    <a:solidFill>
+                      <a:schemeClr val="tx1"/>
+                    </a:solidFill>
+                    <a:latin typeface="+mn-lt"/>
+                    <a:ea typeface="+mn-ea"/>
+                    <a:cs typeface="+mn-cs"/>
+                  </a:defRPr>
+                </a:lvl8pPr>
+                <a:lvl9pPr marL="3886200" indent="-228600" algn="l" defTabSz="914400" rtl="0" eaLnBrk="1" latinLnBrk="0" hangingPunct="1">
+                  <a:lnSpc>
+                    <a:spcPct val="90000"/>
+                  </a:lnSpc>
+                  <a:spcBef>
+                    <a:spcPts val="500"/>
+                  </a:spcBef>
+                  <a:buFont typeface="Arial" panose="020B0604020202020204" pitchFamily="34" charset="0"/>
+                  <a:buChar char="•"/>
+                  <a:defRPr sz="1800" kern="1200">
+                    <a:solidFill>
+                      <a:schemeClr val="tx1"/>
+                    </a:solidFill>
+                    <a:latin typeface="+mn-lt"/>
+                    <a:ea typeface="+mn-ea"/>
+                    <a:cs typeface="+mn-cs"/>
+                  </a:defRPr>
+                </a:lvl9pPr>
+              </a:lstStyle>
+              <a:p>
+                <a:pPr marL="0" indent="0" eaLnBrk="0" fontAlgn="base" hangingPunct="0">
+                  <a:lnSpc>
+                    <a:spcPct val="100000"/>
+                  </a:lnSpc>
+                  <a:spcBef>
+                    <a:spcPct val="0"/>
+                  </a:spcBef>
+                  <a:spcAft>
+                    <a:spcPct val="0"/>
+                  </a:spcAft>
+                  <a:buNone/>
+                </a:pPr>
+                <a:r>
+                  <a:rPr lang="en-US" sz="3600" b="0" i="0" dirty="0">
+                    <a:solidFill>
+                      <a:schemeClr val="accent1">
+                        <a:lumMod val="60000"/>
+                        <a:lumOff val="40000"/>
+                      </a:schemeClr>
+                    </a:solidFill>
+                    <a:effectLst/>
+                    <a:latin typeface="Consolas" panose="020B0609020204030204" pitchFamily="49" charset="0"/>
+                  </a:rPr>
+                  <a:t>"</a:t>
+                </a:r>
+                <a:r>
+                  <a:rPr lang="tr-TR" sz="3600" dirty="0">
+                    <a:solidFill>
+                      <a:schemeClr val="accent1">
+                        <a:lumMod val="60000"/>
+                        <a:lumOff val="40000"/>
+                      </a:schemeClr>
+                    </a:solidFill>
+                    <a:latin typeface="Consolas" panose="020B0609020204030204" pitchFamily="49" charset="0"/>
+                  </a:rPr>
+                  <a:t>name</a:t>
+                </a:r>
+                <a:r>
+                  <a:rPr lang="en-US" sz="3600" b="0" i="0" dirty="0">
+                    <a:solidFill>
+                      <a:schemeClr val="accent1">
+                        <a:lumMod val="60000"/>
+                        <a:lumOff val="40000"/>
+                      </a:schemeClr>
+                    </a:solidFill>
+                    <a:effectLst/>
+                    <a:latin typeface="Consolas" panose="020B0609020204030204" pitchFamily="49" charset="0"/>
+                  </a:rPr>
+                  <a:t>": </a:t>
+                </a:r>
+                <a:r>
+                  <a:rPr lang="tr-TR" sz="3600" dirty="0" err="1">
+                    <a:solidFill>
+                      <a:schemeClr val="accent2"/>
+                    </a:solidFill>
+                    <a:latin typeface="Consolas" panose="020B0609020204030204" pitchFamily="49" charset="0"/>
+                  </a:rPr>
+                  <a:t>true</a:t>
+                </a:r>
+                <a:endParaRPr lang="tr-TR" altLang="en-US" sz="3600" dirty="0">
+                  <a:solidFill>
+                    <a:schemeClr val="accent1"/>
+                  </a:solidFill>
+                  <a:latin typeface="Consolas" panose="020B0609020204030204" pitchFamily="49" charset="0"/>
+                </a:endParaRPr>
+              </a:p>
+              <a:p>
+                <a:pPr marL="0" indent="0" eaLnBrk="0" fontAlgn="base" hangingPunct="0">
+                  <a:lnSpc>
+                    <a:spcPct val="100000"/>
+                  </a:lnSpc>
+                  <a:spcBef>
+                    <a:spcPct val="0"/>
+                  </a:spcBef>
+                  <a:spcAft>
+                    <a:spcPct val="0"/>
+                  </a:spcAft>
+                  <a:buFontTx/>
+                  <a:buNone/>
+                </a:pPr>
+                <a:r>
+                  <a:rPr lang="en-US" altLang="en-US" sz="3600" dirty="0">
+                    <a:solidFill>
+                      <a:schemeClr val="accent1"/>
+                    </a:solidFill>
+                    <a:latin typeface="Consolas" panose="020B0609020204030204" pitchFamily="49" charset="0"/>
+                  </a:rPr>
+                  <a:t> </a:t>
+                </a:r>
+                <a:endParaRPr lang="tr-TR" altLang="en-US" sz="3600" dirty="0">
+                  <a:solidFill>
+                    <a:schemeClr val="accent1"/>
+                  </a:solidFill>
+                  <a:latin typeface="Consolas" panose="020B0609020204030204" pitchFamily="49" charset="0"/>
+                </a:endParaRPr>
+              </a:p>
+              <a:p>
+                <a:endParaRPr lang="en-US" sz="3600" dirty="0"/>
+              </a:p>
+            </p:txBody>
+          </p:sp>
+        </p:grpSp>
+        <p:sp>
+          <p:nvSpPr>
+            <p:cNvPr id="12" name="Content Placeholder 2">
+              <a:extLst>
+                <a:ext uri="{FF2B5EF4-FFF2-40B4-BE49-F238E27FC236}">
+                  <a16:creationId xmlns:a16="http://schemas.microsoft.com/office/drawing/2014/main" id="{268F7C94-7559-872A-B575-F1EB4E78154D}"/>
+                </a:ext>
+              </a:extLst>
+            </p:cNvPr>
+            <p:cNvSpPr txBox="1">
+              <a:spLocks/>
+            </p:cNvSpPr>
+            <p:nvPr/>
+          </p:nvSpPr>
+          <p:spPr>
+            <a:xfrm>
+              <a:off x="17210516" y="2038790"/>
+              <a:ext cx="830015" cy="1632398"/>
+            </a:xfrm>
+            <a:prstGeom prst="rect">
+              <a:avLst/>
+            </a:prstGeom>
+          </p:spPr>
+          <p:txBody>
+            <a:bodyPr vert="horz" lIns="91440" tIns="45720" rIns="91440" bIns="45720" rtlCol="0">
+              <a:noAutofit/>
+            </a:bodyPr>
+            <a:lstStyle>
+              <a:lvl1pPr marL="228600" indent="-228600" algn="l" defTabSz="914400" rtl="0" eaLnBrk="1" latinLnBrk="0" hangingPunct="1">
+                <a:lnSpc>
+                  <a:spcPct val="90000"/>
+                </a:lnSpc>
+                <a:spcBef>
+                  <a:spcPts val="1000"/>
+                </a:spcBef>
+                <a:buFont typeface="Arial" panose="020B0604020202020204" pitchFamily="34" charset="0"/>
+                <a:buChar char="•"/>
+                <a:defRPr sz="2800" kern="1200">
+                  <a:solidFill>
+                    <a:schemeClr val="tx1"/>
+                  </a:solidFill>
+                  <a:latin typeface="+mn-lt"/>
+                  <a:ea typeface="+mn-ea"/>
+                  <a:cs typeface="+mn-cs"/>
+                </a:defRPr>
+              </a:lvl1pPr>
+              <a:lvl2pPr marL="685800" indent="-228600" algn="l" defTabSz="914400" rtl="0" eaLnBrk="1" latinLnBrk="0" hangingPunct="1">
+                <a:lnSpc>
+                  <a:spcPct val="90000"/>
+                </a:lnSpc>
+                <a:spcBef>
+                  <a:spcPts val="500"/>
+                </a:spcBef>
+                <a:buFont typeface="Arial" panose="020B0604020202020204" pitchFamily="34" charset="0"/>
+                <a:buChar char="•"/>
+                <a:defRPr sz="2400" kern="1200">
+                  <a:solidFill>
+                    <a:schemeClr val="tx1"/>
+                  </a:solidFill>
+                  <a:latin typeface="+mn-lt"/>
+                  <a:ea typeface="+mn-ea"/>
+                  <a:cs typeface="+mn-cs"/>
+                </a:defRPr>
+              </a:lvl2pPr>
+              <a:lvl3pPr marL="1143000" indent="-228600" algn="l" defTabSz="914400" rtl="0" eaLnBrk="1" latinLnBrk="0" hangingPunct="1">
+                <a:lnSpc>
+                  <a:spcPct val="90000"/>
+                </a:lnSpc>
+                <a:spcBef>
+                  <a:spcPts val="500"/>
+                </a:spcBef>
+                <a:buFont typeface="Arial" panose="020B0604020202020204" pitchFamily="34" charset="0"/>
+                <a:buChar char="•"/>
+                <a:defRPr sz="2000" kern="1200">
+                  <a:solidFill>
+                    <a:schemeClr val="tx1"/>
+                  </a:solidFill>
+                  <a:latin typeface="+mn-lt"/>
+                  <a:ea typeface="+mn-ea"/>
+                  <a:cs typeface="+mn-cs"/>
+                </a:defRPr>
+              </a:lvl3pPr>
+              <a:lvl4pPr marL="1600200" indent="-228600" algn="l" defTabSz="914400" rtl="0" eaLnBrk="1" latinLnBrk="0" hangingPunct="1">
+                <a:lnSpc>
+                  <a:spcPct val="90000"/>
+                </a:lnSpc>
+                <a:spcBef>
+                  <a:spcPts val="500"/>
+                </a:spcBef>
+                <a:buFont typeface="Arial" panose="020B0604020202020204" pitchFamily="34" charset="0"/>
+                <a:buChar char="•"/>
+                <a:defRPr sz="1800" kern="1200">
+                  <a:solidFill>
+                    <a:schemeClr val="tx1"/>
+                  </a:solidFill>
+                  <a:latin typeface="+mn-lt"/>
+                  <a:ea typeface="+mn-ea"/>
+                  <a:cs typeface="+mn-cs"/>
+                </a:defRPr>
+              </a:lvl4pPr>
+              <a:lvl5pPr marL="2057400" indent="-228600" algn="l" defTabSz="914400" rtl="0" eaLnBrk="1" latinLnBrk="0" hangingPunct="1">
+                <a:lnSpc>
+                  <a:spcPct val="90000"/>
+                </a:lnSpc>
+                <a:spcBef>
+                  <a:spcPts val="500"/>
+                </a:spcBef>
+                <a:buFont typeface="Arial" panose="020B0604020202020204" pitchFamily="34" charset="0"/>
+                <a:buChar char="•"/>
+                <a:defRPr sz="1800" kern="1200">
+                  <a:solidFill>
+                    <a:schemeClr val="tx1"/>
+                  </a:solidFill>
+                  <a:latin typeface="+mn-lt"/>
+                  <a:ea typeface="+mn-ea"/>
+                  <a:cs typeface="+mn-cs"/>
+                </a:defRPr>
+              </a:lvl5pPr>
+              <a:lvl6pPr marL="2514600" indent="-228600" algn="l" defTabSz="914400" rtl="0" eaLnBrk="1" latinLnBrk="0" hangingPunct="1">
+                <a:lnSpc>
+                  <a:spcPct val="90000"/>
+                </a:lnSpc>
+                <a:spcBef>
+                  <a:spcPts val="500"/>
+                </a:spcBef>
+                <a:buFont typeface="Arial" panose="020B0604020202020204" pitchFamily="34" charset="0"/>
+                <a:buChar char="•"/>
+                <a:defRPr sz="1800" kern="1200">
+                  <a:solidFill>
+                    <a:schemeClr val="tx1"/>
+                  </a:solidFill>
+                  <a:latin typeface="+mn-lt"/>
+                  <a:ea typeface="+mn-ea"/>
+                  <a:cs typeface="+mn-cs"/>
+                </a:defRPr>
+              </a:lvl6pPr>
+              <a:lvl7pPr marL="2971800" indent="-228600" algn="l" defTabSz="914400" rtl="0" eaLnBrk="1" latinLnBrk="0" hangingPunct="1">
+                <a:lnSpc>
+                  <a:spcPct val="90000"/>
+                </a:lnSpc>
+                <a:spcBef>
+                  <a:spcPts val="500"/>
+                </a:spcBef>
+                <a:buFont typeface="Arial" panose="020B0604020202020204" pitchFamily="34" charset="0"/>
+                <a:buChar char="•"/>
+                <a:defRPr sz="1800" kern="1200">
+                  <a:solidFill>
+                    <a:schemeClr val="tx1"/>
+                  </a:solidFill>
+                  <a:latin typeface="+mn-lt"/>
+                  <a:ea typeface="+mn-ea"/>
+                  <a:cs typeface="+mn-cs"/>
+                </a:defRPr>
+              </a:lvl7pPr>
+              <a:lvl8pPr marL="3429000" indent="-228600" algn="l" defTabSz="914400" rtl="0" eaLnBrk="1" latinLnBrk="0" hangingPunct="1">
+                <a:lnSpc>
+                  <a:spcPct val="90000"/>
+                </a:lnSpc>
+                <a:spcBef>
+                  <a:spcPts val="500"/>
+                </a:spcBef>
+                <a:buFont typeface="Arial" panose="020B0604020202020204" pitchFamily="34" charset="0"/>
+                <a:buChar char="•"/>
+                <a:defRPr sz="1800" kern="1200">
+                  <a:solidFill>
+                    <a:schemeClr val="tx1"/>
+                  </a:solidFill>
+                  <a:latin typeface="+mn-lt"/>
+                  <a:ea typeface="+mn-ea"/>
+                  <a:cs typeface="+mn-cs"/>
+                </a:defRPr>
+              </a:lvl8pPr>
+              <a:lvl9pPr marL="3886200" indent="-228600" algn="l" defTabSz="914400" rtl="0" eaLnBrk="1" latinLnBrk="0" hangingPunct="1">
+                <a:lnSpc>
+                  <a:spcPct val="90000"/>
+                </a:lnSpc>
+                <a:spcBef>
+                  <a:spcPts val="500"/>
+                </a:spcBef>
+                <a:buFont typeface="Arial" panose="020B0604020202020204" pitchFamily="34" charset="0"/>
+                <a:buChar char="•"/>
+                <a:defRPr sz="1800" kern="1200">
+                  <a:solidFill>
+                    <a:schemeClr val="tx1"/>
+                  </a:solidFill>
+                  <a:latin typeface="+mn-lt"/>
+                  <a:ea typeface="+mn-ea"/>
+                  <a:cs typeface="+mn-cs"/>
+                </a:defRPr>
+              </a:lvl9pPr>
+            </a:lstStyle>
+            <a:p>
+              <a:pPr marL="0" indent="0" eaLnBrk="0" fontAlgn="base" hangingPunct="0">
+                <a:lnSpc>
+                  <a:spcPct val="100000"/>
+                </a:lnSpc>
+                <a:spcBef>
+                  <a:spcPct val="0"/>
+                </a:spcBef>
+                <a:spcAft>
+                  <a:spcPct val="0"/>
+                </a:spcAft>
+                <a:buFontTx/>
+                <a:buNone/>
+              </a:pPr>
+              <a:r>
+                <a:rPr lang="tr-TR" altLang="en-US" sz="9600" dirty="0">
+                  <a:solidFill>
+                    <a:schemeClr val="accent2"/>
+                  </a:solidFill>
+                  <a:latin typeface="Consolas" panose="020B0609020204030204" pitchFamily="49" charset="0"/>
+                </a:rPr>
+                <a:t>=</a:t>
+              </a:r>
+            </a:p>
+            <a:p>
+              <a:pPr marL="0" indent="0" eaLnBrk="0" fontAlgn="base" hangingPunct="0">
+                <a:lnSpc>
+                  <a:spcPct val="100000"/>
+                </a:lnSpc>
+                <a:spcBef>
+                  <a:spcPct val="0"/>
+                </a:spcBef>
+                <a:spcAft>
+                  <a:spcPct val="0"/>
+                </a:spcAft>
+                <a:buFontTx/>
+                <a:buNone/>
+              </a:pPr>
+              <a:r>
+                <a:rPr lang="en-US" altLang="en-US" sz="7200" dirty="0">
+                  <a:solidFill>
+                    <a:schemeClr val="accent2"/>
+                  </a:solidFill>
+                  <a:latin typeface="Consolas" panose="020B0609020204030204" pitchFamily="49" charset="0"/>
+                </a:rPr>
+                <a:t> </a:t>
+              </a:r>
+              <a:endParaRPr lang="tr-TR" altLang="en-US" sz="7200" dirty="0">
+                <a:solidFill>
+                  <a:schemeClr val="accent2"/>
+                </a:solidFill>
+                <a:latin typeface="Consolas" panose="020B0609020204030204" pitchFamily="49" charset="0"/>
+              </a:endParaRPr>
+            </a:p>
+            <a:p>
+              <a:endParaRPr lang="en-US" sz="7200" dirty="0">
+                <a:solidFill>
+                  <a:schemeClr val="accent2"/>
+                </a:solidFill>
+              </a:endParaRPr>
+            </a:p>
+          </p:txBody>
+        </p:sp>
+        <p:cxnSp>
+          <p:nvCxnSpPr>
+            <p:cNvPr id="13" name="Straight Connector 12">
+              <a:extLst>
+                <a:ext uri="{FF2B5EF4-FFF2-40B4-BE49-F238E27FC236}">
+                  <a16:creationId xmlns:a16="http://schemas.microsoft.com/office/drawing/2014/main" id="{132017CC-D840-F161-9ACE-E1688A6203B0}"/>
+                </a:ext>
+              </a:extLst>
+            </p:cNvPr>
+            <p:cNvCxnSpPr/>
+            <p:nvPr/>
+          </p:nvCxnSpPr>
+          <p:spPr>
+            <a:xfrm flipH="1">
+              <a:off x="17472669" y="2383749"/>
+              <a:ext cx="301344" cy="1061464"/>
+            </a:xfrm>
+            <a:prstGeom prst="line">
+              <a:avLst/>
+            </a:prstGeom>
+            <a:ln w="76200"/>
+          </p:spPr>
+          <p:style>
+            <a:lnRef idx="1">
+              <a:schemeClr val="accent2"/>
+            </a:lnRef>
+            <a:fillRef idx="0">
+              <a:schemeClr val="accent2"/>
+            </a:fillRef>
+            <a:effectRef idx="0">
+              <a:schemeClr val="accent2"/>
+            </a:effectRef>
+            <a:fontRef idx="minor">
+              <a:schemeClr val="tx1"/>
+            </a:fontRef>
+          </p:style>
+        </p:cxnSp>
+      </p:grpSp>
     </p:spTree>
     <p:extLst>
       <p:ext uri="{BB962C8B-B14F-4D97-AF65-F5344CB8AC3E}">
@@ -12220,14 +14787,14 @@
   <p:clrMapOvr>
     <a:masterClrMapping/>
   </p:clrMapOvr>
-  <mc:AlternateContent xmlns:mc="http://schemas.openxmlformats.org/markup-compatibility/2006">
-    <mc:Choice xmlns:p159="http://schemas.microsoft.com/office/powerpoint/2015/09/main" Requires="p159">
-      <p:transition xmlns:p14="http://schemas.microsoft.com/office/powerpoint/2010/main" spd="slow" p14:dur="2000" advClick="0" advTm="25000">
+  <mc:AlternateContent xmlns:mc="http://schemas.openxmlformats.org/markup-compatibility/2006" xmlns:p159="http://schemas.microsoft.com/office/powerpoint/2015/09/main">
+    <mc:Choice Requires="p159">
+      <p:transition xmlns:p14="http://schemas.microsoft.com/office/powerpoint/2010/main" spd="slow" p14:dur="2000" advClick="0" advTm="9500">
         <p159:morph option="byObject"/>
       </p:transition>
     </mc:Choice>
-    <mc:Fallback>
-      <p:transition spd="slow" advClick="0" advTm="25000">
+    <mc:Fallback xmlns="">
+      <p:transition spd="slow" advClick="0" advTm="9500">
         <p:fade/>
       </p:transition>
     </mc:Fallback>
@@ -13012,14 +15579,14 @@
   <p:clrMapOvr>
     <a:masterClrMapping/>
   </p:clrMapOvr>
-  <mc:AlternateContent xmlns:mc="http://schemas.openxmlformats.org/markup-compatibility/2006">
-    <mc:Choice xmlns:p159="http://schemas.microsoft.com/office/powerpoint/2015/09/main" Requires="p159">
-      <p:transition xmlns:p14="http://schemas.microsoft.com/office/powerpoint/2010/main" spd="slow" p14:dur="2000" advClick="0" advTm="5000">
+  <mc:AlternateContent xmlns:mc="http://schemas.openxmlformats.org/markup-compatibility/2006" xmlns:p159="http://schemas.microsoft.com/office/powerpoint/2015/09/main">
+    <mc:Choice Requires="p159">
+      <p:transition xmlns:p14="http://schemas.microsoft.com/office/powerpoint/2010/main" spd="slow" p14:dur="2000" advClick="0" advTm="6500">
         <p159:morph option="byObject"/>
       </p:transition>
     </mc:Choice>
-    <mc:Fallback>
-      <p:transition spd="slow" advClick="0" advTm="5000">
+    <mc:Fallback xmlns="">
+      <p:transition spd="slow" advClick="0" advTm="6500">
         <p:fade/>
       </p:transition>
     </mc:Fallback>
@@ -14412,12 +16979,16 @@
   <p:clrMapOvr>
     <a:masterClrMapping/>
   </p:clrMapOvr>
-  <mc:AlternateContent xmlns:mc="http://schemas.openxmlformats.org/markup-compatibility/2006" xmlns:p14="http://schemas.microsoft.com/office/powerpoint/2010/main">
-    <mc:Choice Requires="p14">
-      <p:transition spd="slow" p14:dur="2000" advTm="7000"/>
+  <mc:AlternateContent xmlns:mc="http://schemas.openxmlformats.org/markup-compatibility/2006" xmlns:p159="http://schemas.microsoft.com/office/powerpoint/2015/09/main">
+    <mc:Choice Requires="p159">
+      <p:transition spd="slow" advTm="11000">
+        <p159:morph option="byObject"/>
+      </p:transition>
     </mc:Choice>
     <mc:Fallback xmlns="">
-      <p:transition spd="slow" advTm="7000"/>
+      <p:transition spd="slow" advTm="11000">
+        <p:fade/>
+      </p:transition>
     </mc:Fallback>
   </mc:AlternateContent>
   <p:timing>
@@ -15222,6 +17793,18 @@
   <p:clrMapOvr>
     <a:masterClrMapping/>
   </p:clrMapOvr>
+  <mc:AlternateContent xmlns:mc="http://schemas.openxmlformats.org/markup-compatibility/2006" xmlns:p159="http://schemas.microsoft.com/office/powerpoint/2015/09/main">
+    <mc:Choice Requires="p159">
+      <p:transition spd="slow" advTm="23000">
+        <p159:morph option="byObject"/>
+      </p:transition>
+    </mc:Choice>
+    <mc:Fallback xmlns="">
+      <p:transition spd="slow" advTm="23000">
+        <p:fade/>
+      </p:transition>
+    </mc:Fallback>
+  </mc:AlternateContent>
 </p:sld>
 </file>
 
@@ -15919,6 +18502,18 @@
   <p:clrMapOvr>
     <a:masterClrMapping/>
   </p:clrMapOvr>
+  <mc:AlternateContent xmlns:mc="http://schemas.openxmlformats.org/markup-compatibility/2006" xmlns:p159="http://schemas.microsoft.com/office/powerpoint/2015/09/main">
+    <mc:Choice Requires="p159">
+      <p:transition spd="slow" advTm="14500">
+        <p159:morph option="byObject"/>
+      </p:transition>
+    </mc:Choice>
+    <mc:Fallback xmlns="">
+      <p:transition spd="slow" advTm="14500">
+        <p:fade/>
+      </p:transition>
+    </mc:Fallback>
+  </mc:AlternateContent>
 </p:sld>
 </file>
 
@@ -16602,6 +19197,18 @@
   <p:clrMapOvr>
     <a:masterClrMapping/>
   </p:clrMapOvr>
+  <mc:AlternateContent xmlns:mc="http://schemas.openxmlformats.org/markup-compatibility/2006" xmlns:p159="http://schemas.microsoft.com/office/powerpoint/2015/09/main">
+    <mc:Choice Requires="p159">
+      <p:transition spd="slow" advTm="12000">
+        <p159:morph option="byObject"/>
+      </p:transition>
+    </mc:Choice>
+    <mc:Fallback xmlns="">
+      <p:transition spd="slow" advTm="12000">
+        <p:fade/>
+      </p:transition>
+    </mc:Fallback>
+  </mc:AlternateContent>
 </p:sld>
 </file>
 
@@ -17000,13 +19607,13 @@
   <p:clrMapOvr>
     <a:masterClrMapping/>
   </p:clrMapOvr>
-  <mc:AlternateContent xmlns:mc="http://schemas.openxmlformats.org/markup-compatibility/2006">
-    <mc:Choice xmlns:p159="http://schemas.microsoft.com/office/powerpoint/2015/09/main" Requires="p159">
+  <mc:AlternateContent xmlns:mc="http://schemas.openxmlformats.org/markup-compatibility/2006" xmlns:p159="http://schemas.microsoft.com/office/powerpoint/2015/09/main">
+    <mc:Choice Requires="p159">
       <p:transition xmlns:p14="http://schemas.microsoft.com/office/powerpoint/2010/main" spd="slow" p14:dur="2000" advTm="2000">
         <p159:morph option="byObject"/>
       </p:transition>
     </mc:Choice>
-    <mc:Fallback>
+    <mc:Fallback xmlns="">
       <p:transition spd="slow" advTm="2000">
         <p:fade/>
       </p:transition>
@@ -17389,10 +19996,14 @@
   </p:clrMapOvr>
   <mc:AlternateContent xmlns:mc="http://schemas.openxmlformats.org/markup-compatibility/2006" xmlns:p14="http://schemas.microsoft.com/office/powerpoint/2010/main">
     <mc:Choice Requires="p14">
-      <p:transition p14:dur="10" advClick="0" advTm="10000"/>
+      <p:transition spd="med" p14:dur="700" advClick="0" advTm="15500">
+        <p:fade/>
+      </p:transition>
     </mc:Choice>
     <mc:Fallback xmlns="">
-      <p:transition advClick="0" advTm="10000"/>
+      <p:transition spd="med" advClick="0" advTm="15500">
+        <p:fade/>
+      </p:transition>
     </mc:Fallback>
   </mc:AlternateContent>
   <p:timing>
@@ -17874,10 +20485,14 @@
   </p:clrMapOvr>
   <mc:AlternateContent xmlns:mc="http://schemas.openxmlformats.org/markup-compatibility/2006" xmlns:p14="http://schemas.microsoft.com/office/powerpoint/2010/main">
     <mc:Choice Requires="p14">
-      <p:transition spd="slow" p14:dur="2000" advClick="0" advTm="7000"/>
+      <p:transition spd="med" p14:dur="700" advClick="0" advTm="22600">
+        <p:fade/>
+      </p:transition>
     </mc:Choice>
     <mc:Fallback xmlns="">
-      <p:transition spd="slow" advClick="0" advTm="7000"/>
+      <p:transition spd="med" advClick="0" advTm="22600">
+        <p:fade/>
+      </p:transition>
     </mc:Fallback>
   </mc:AlternateContent>
   <p:timing>
@@ -18443,10 +21058,14 @@
   </p:clrMapOvr>
   <mc:AlternateContent xmlns:mc="http://schemas.openxmlformats.org/markup-compatibility/2006" xmlns:p14="http://schemas.microsoft.com/office/powerpoint/2010/main">
     <mc:Choice Requires="p14">
-      <p:transition spd="slow" p14:dur="2000" advClick="0" advTm="5000"/>
+      <p:transition spd="med" p14:dur="700" advClick="0" advTm="5000">
+        <p:fade/>
+      </p:transition>
     </mc:Choice>
     <mc:Fallback xmlns="">
-      <p:transition spd="slow" advClick="0" advTm="5000"/>
+      <p:transition spd="med" advClick="0" advTm="5000">
+        <p:fade/>
+      </p:transition>
     </mc:Fallback>
   </mc:AlternateContent>
 </p:sld>
@@ -18886,10 +21505,14 @@
   </p:clrMapOvr>
   <mc:AlternateContent xmlns:mc="http://schemas.openxmlformats.org/markup-compatibility/2006" xmlns:p14="http://schemas.microsoft.com/office/powerpoint/2010/main">
     <mc:Choice Requires="p14">
-      <p:transition p14:dur="10" advClick="0" advTm="7000"/>
+      <p:transition spd="med" p14:dur="700" advClick="0" advTm="23500">
+        <p:fade/>
+      </p:transition>
     </mc:Choice>
     <mc:Fallback xmlns="">
-      <p:transition advClick="0" advTm="7000"/>
+      <p:transition spd="med" advClick="0" advTm="23500">
+        <p:fade/>
+      </p:transition>
     </mc:Fallback>
   </mc:AlternateContent>
   <p:timing>
@@ -19750,12 +22373,16 @@
   <p:clrMapOvr>
     <a:masterClrMapping/>
   </p:clrMapOvr>
-  <mc:AlternateContent xmlns:mc="http://schemas.openxmlformats.org/markup-compatibility/2006" xmlns:p14="http://schemas.microsoft.com/office/powerpoint/2010/main">
-    <mc:Choice Requires="p14">
-      <p:transition spd="slow" p14:dur="2000" advClick="0" advTm="4000"/>
+  <mc:AlternateContent xmlns:mc="http://schemas.openxmlformats.org/markup-compatibility/2006" xmlns:p159="http://schemas.microsoft.com/office/powerpoint/2015/09/main">
+    <mc:Choice Requires="p159">
+      <p:transition xmlns:p14="http://schemas.microsoft.com/office/powerpoint/2010/main" spd="slow" p14:dur="2000" advClick="0" advTm="4000">
+        <p159:morph option="byObject"/>
+      </p:transition>
     </mc:Choice>
     <mc:Fallback xmlns="">
-      <p:transition spd="slow" advClick="0" advTm="4000"/>
+      <p:transition spd="slow" advClick="0" advTm="4000">
+        <p:fade/>
+      </p:transition>
     </mc:Fallback>
   </mc:AlternateContent>
   <p:timing>
@@ -20473,8 +23100,8 @@
         </p:nvSpPr>
         <p:spPr>
           <a:xfrm>
-            <a:off x="7666175" y="1274433"/>
-            <a:ext cx="1195751" cy="523220"/>
+            <a:off x="7173733" y="1274433"/>
+            <a:ext cx="1688193" cy="523220"/>
           </a:xfrm>
           <a:prstGeom prst="rect">
             <a:avLst/>
@@ -20488,13 +23115,13 @@
           <a:lstStyle/>
           <a:p>
             <a:r>
-              <a:rPr lang="tr-TR" sz="2800" dirty="0">
+              <a:rPr lang="tr-TR" sz="2800" dirty="0" err="1">
                 <a:solidFill>
                   <a:schemeClr val="accent2"/>
                 </a:solidFill>
                 <a:latin typeface="Century Gothic" panose="020B0502020202020204" pitchFamily="34" charset="0"/>
               </a:rPr>
-              <a:t>True</a:t>
+              <a:t>Boolean</a:t>
             </a:r>
             <a:endParaRPr lang="en-US" sz="2800" dirty="0">
               <a:solidFill>
@@ -21050,10 +23677,10 @@
   </p:clrMapOvr>
   <mc:AlternateContent xmlns:mc="http://schemas.openxmlformats.org/markup-compatibility/2006" xmlns:p14="http://schemas.microsoft.com/office/powerpoint/2010/main">
     <mc:Choice Requires="p14">
-      <p:transition p14:dur="0" advClick="0" advTm="15000"/>
+      <p:transition p14:dur="0" advClick="0" advTm="7000"/>
     </mc:Choice>
     <mc:Fallback xmlns="">
-      <p:transition advClick="0" advTm="15000"/>
+      <p:transition advClick="0" advTm="7000"/>
     </mc:Fallback>
   </mc:AlternateContent>
   <p:timing>
@@ -21662,13 +24289,13 @@
   <p:clrMapOvr>
     <a:masterClrMapping/>
   </p:clrMapOvr>
-  <mc:AlternateContent xmlns:mc="http://schemas.openxmlformats.org/markup-compatibility/2006">
-    <mc:Choice xmlns:p159="http://schemas.microsoft.com/office/powerpoint/2015/09/main" Requires="p159">
+  <mc:AlternateContent xmlns:mc="http://schemas.openxmlformats.org/markup-compatibility/2006" xmlns:p159="http://schemas.microsoft.com/office/powerpoint/2015/09/main">
+    <mc:Choice Requires="p159">
       <p:transition xmlns:p14="http://schemas.microsoft.com/office/powerpoint/2010/main" spd="slow" p14:dur="2000" advTm="2000">
         <p159:morph option="byObject"/>
       </p:transition>
     </mc:Choice>
-    <mc:Fallback>
+    <mc:Fallback xmlns="">
       <p:transition spd="slow" advTm="2000">
         <p:fade/>
       </p:transition>
@@ -22288,6 +24915,15 @@
               </a:rPr>
               <a:t>}, </a:t>
             </a:r>
+            <a:endParaRPr lang="en-US" altLang="en-US" sz="2800" dirty="0">
+              <a:solidFill>
+                <a:schemeClr val="accent1">
+                  <a:lumMod val="60000"/>
+                  <a:lumOff val="40000"/>
+                </a:schemeClr>
+              </a:solidFill>
+              <a:latin typeface="Consolas" panose="020B0609020204030204" pitchFamily="49" charset="0"/>
+            </a:endParaRPr>
           </a:p>
           <a:p>
             <a:pPr marL="0" marR="0" lvl="0" indent="0" algn="l" defTabSz="914400" rtl="0" eaLnBrk="0" fontAlgn="base" latinLnBrk="0" hangingPunct="0">
@@ -22304,32 +24940,20 @@
               <a:tabLst/>
             </a:pPr>
             <a:r>
-              <a:rPr lang="en-US" altLang="en-US" sz="2800" dirty="0">
+              <a:rPr kumimoji="0" lang="en-US" altLang="en-US" sz="2800" b="0" i="0" u="none" strike="noStrike" cap="none" normalizeH="0" baseline="0" dirty="0">
+                <a:ln>
+                  <a:noFill/>
+                </a:ln>
                 <a:solidFill>
                   <a:schemeClr val="accent1">
                     <a:lumMod val="60000"/>
                     <a:lumOff val="40000"/>
                   </a:schemeClr>
                 </a:solidFill>
-                <a:latin typeface="Consolas" panose="020B0609020204030204" pitchFamily="49" charset="0"/>
-              </a:rPr>
-              <a:t>    </a:t>
-            </a:r>
-            <a:r>
-              <a:rPr kumimoji="0" lang="en-US" altLang="en-US" sz="2800" b="0" i="0" u="none" strike="noStrike" cap="none" normalizeH="0" baseline="0" dirty="0">
-                <a:ln>
-                  <a:noFill/>
-                </a:ln>
-                <a:solidFill>
-                  <a:schemeClr val="accent1">
-                    <a:lumMod val="60000"/>
-                    <a:lumOff val="40000"/>
-                  </a:schemeClr>
-                </a:solidFill>
                 <a:effectLst/>
                 <a:latin typeface="Consolas" panose="020B0609020204030204" pitchFamily="49" charset="0"/>
               </a:rPr>
-              <a:t>"</a:t>
+              <a:t>	"</a:t>
             </a:r>
             <a:r>
               <a:rPr kumimoji="0" lang="en-US" altLang="en-US" sz="2800" b="0" i="0" u="none" strike="noStrike" cap="none" normalizeH="0" baseline="0" dirty="0" err="1">
@@ -22467,8 +25091,8 @@
         </p:nvSpPr>
         <p:spPr>
           <a:xfrm>
-            <a:off x="3395068" y="2597093"/>
-            <a:ext cx="4618983" cy="2174921"/>
+            <a:off x="3395068" y="2597094"/>
+            <a:ext cx="4618983" cy="1759754"/>
           </a:xfrm>
           <a:prstGeom prst="rect">
             <a:avLst/>
@@ -22565,8 +25189,8 @@
         </p:nvSpPr>
         <p:spPr>
           <a:xfrm>
-            <a:off x="2482073" y="1061131"/>
-            <a:ext cx="7032627" cy="4427304"/>
+            <a:off x="2482073" y="1061130"/>
+            <a:ext cx="7032627" cy="4783857"/>
           </a:xfrm>
           <a:prstGeom prst="rect">
             <a:avLst/>
@@ -22798,14 +25422,13 @@
           </p:cNvPr>
           <p:cNvCxnSpPr>
             <a:cxnSpLocks/>
-            <a:stCxn id="4" idx="3"/>
           </p:cNvCxnSpPr>
           <p:nvPr/>
         </p:nvCxnSpPr>
         <p:spPr>
-          <a:xfrm flipV="1">
+          <a:xfrm>
             <a:off x="8014051" y="3675586"/>
-            <a:ext cx="2773774" cy="8968"/>
+            <a:ext cx="2773774" cy="0"/>
           </a:xfrm>
           <a:prstGeom prst="straightConnector1">
             <a:avLst/>
@@ -22844,14 +25467,13 @@
           </p:cNvPr>
           <p:cNvCxnSpPr>
             <a:cxnSpLocks/>
-            <a:stCxn id="7" idx="1"/>
           </p:cNvCxnSpPr>
           <p:nvPr/>
         </p:nvCxnSpPr>
         <p:spPr>
-          <a:xfrm flipH="1" flipV="1">
+          <a:xfrm flipH="1">
             <a:off x="1246247" y="3272260"/>
-            <a:ext cx="1235826" cy="2523"/>
+            <a:ext cx="1235826" cy="0"/>
           </a:xfrm>
           <a:prstGeom prst="straightConnector1">
             <a:avLst/>
@@ -22891,12 +25513,12 @@
   </p:clrMapOvr>
   <mc:AlternateContent xmlns:mc="http://schemas.openxmlformats.org/markup-compatibility/2006" xmlns:p159="http://schemas.microsoft.com/office/powerpoint/2015/09/main">
     <mc:Choice Requires="p159">
-      <p:transition xmlns:p14="http://schemas.microsoft.com/office/powerpoint/2010/main" spd="slow" p14:dur="2000" advClick="0" advTm="6000">
+      <p:transition xmlns:p14="http://schemas.microsoft.com/office/powerpoint/2010/main" spd="slow" p14:dur="2000" advClick="0" advTm="16000">
         <p159:morph option="byObject"/>
       </p:transition>
     </mc:Choice>
     <mc:Fallback xmlns="">
-      <p:transition spd="slow" advClick="0" advTm="6000">
+      <p:transition spd="slow" advClick="0" advTm="16000">
         <p:fade/>
       </p:transition>
     </mc:Fallback>
@@ -23008,7 +25630,7 @@
                               <p:par>
                                 <p:cTn id="11" presetID="1" presetClass="entr" presetSubtype="0" fill="hold" grpId="0" nodeType="withEffect">
                                   <p:stCondLst>
-                                    <p:cond delay="2500"/>
+                                    <p:cond delay="3500"/>
                                   </p:stCondLst>
                                   <p:childTnLst>
                                     <p:set>
@@ -23035,7 +25657,7 @@
                               <p:par>
                                 <p:cTn id="13" presetID="1" presetClass="entr" presetSubtype="0" fill="hold" nodeType="withEffect">
                                   <p:stCondLst>
-                                    <p:cond delay="2500"/>
+                                    <p:cond delay="3500"/>
                                   </p:stCondLst>
                                   <p:childTnLst>
                                     <p:set>
@@ -23062,7 +25684,7 @@
                               <p:par>
                                 <p:cTn id="15" presetID="1" presetClass="entr" presetSubtype="0" fill="hold" grpId="0" nodeType="withEffect">
                                   <p:stCondLst>
-                                    <p:cond delay="2500"/>
+                                    <p:cond delay="3500"/>
                                   </p:stCondLst>
                                   <p:childTnLst>
                                     <p:set>
@@ -23116,7 +25738,7 @@
                               <p:par>
                                 <p:cTn id="19" presetID="1" presetClass="entr" presetSubtype="0" fill="hold" nodeType="withEffect">
                                   <p:stCondLst>
-                                    <p:cond delay="2500"/>
+                                    <p:cond delay="3500"/>
                                   </p:stCondLst>
                                   <p:childTnLst>
                                     <p:set>
@@ -25432,12 +28054,12 @@
   <p:clrMapOvr>
     <a:masterClrMapping/>
   </p:clrMapOvr>
-  <mc:AlternateContent xmlns:mc="http://schemas.openxmlformats.org/markup-compatibility/2006">
-    <mc:Choice xmlns:p14="http://schemas.microsoft.com/office/powerpoint/2010/main" Requires="p14">
-      <p:transition spd="slow" p14:dur="2000" advClick="0" advTm="24000"/>
+  <mc:AlternateContent xmlns:mc="http://schemas.openxmlformats.org/markup-compatibility/2006" xmlns:p14="http://schemas.microsoft.com/office/powerpoint/2010/main">
+    <mc:Choice Requires="p14">
+      <p:transition spd="slow" p14:dur="2000" advClick="0" advTm="8000"/>
     </mc:Choice>
-    <mc:Fallback>
-      <p:transition spd="slow" advClick="0" advTm="24000"/>
+    <mc:Fallback xmlns="">
+      <p:transition spd="slow" advClick="0" advTm="8000"/>
     </mc:Fallback>
   </mc:AlternateContent>
   <p:timing>
@@ -26141,13 +28763,13 @@
   <p:clrMapOvr>
     <a:masterClrMapping/>
   </p:clrMapOvr>
-  <mc:AlternateContent xmlns:mc="http://schemas.openxmlformats.org/markup-compatibility/2006">
-    <mc:Choice xmlns:p159="http://schemas.microsoft.com/office/powerpoint/2015/09/main" Requires="p159">
+  <mc:AlternateContent xmlns:mc="http://schemas.openxmlformats.org/markup-compatibility/2006" xmlns:p159="http://schemas.microsoft.com/office/powerpoint/2015/09/main">
+    <mc:Choice Requires="p159">
       <p:transition xmlns:p14="http://schemas.microsoft.com/office/powerpoint/2010/main" spd="slow" p14:dur="2000" advClick="0" advTm="4000">
         <p159:morph option="byObject"/>
       </p:transition>
     </mc:Choice>
-    <mc:Fallback>
+    <mc:Fallback xmlns="">
       <p:transition spd="slow" advClick="0" advTm="4000">
         <p:fade/>
       </p:transition>
@@ -28302,12 +30924,12 @@
   </p:clrMapOvr>
   <mc:AlternateContent xmlns:mc="http://schemas.openxmlformats.org/markup-compatibility/2006" xmlns:p159="http://schemas.microsoft.com/office/powerpoint/2015/09/main">
     <mc:Choice Requires="p159">
-      <p:transition xmlns:p14="http://schemas.microsoft.com/office/powerpoint/2010/main" spd="slow" p14:dur="2000" advClick="0" advTm="15000">
+      <p:transition xmlns:p14="http://schemas.microsoft.com/office/powerpoint/2010/main" spd="slow" p14:dur="2000" advClick="0" advTm="8000">
         <p159:morph option="byObject"/>
       </p:transition>
     </mc:Choice>
     <mc:Fallback xmlns="">
-      <p:transition spd="slow" advClick="0" advTm="15000">
+      <p:transition spd="slow" advClick="0" advTm="8000">
         <p:fade/>
       </p:transition>
     </mc:Fallback>
@@ -28588,7 +31210,7 @@
         </p:nvGrpSpPr>
         <p:grpSpPr>
           <a:xfrm>
-            <a:off x="1841318" y="2298470"/>
+            <a:off x="1596408" y="2324257"/>
             <a:ext cx="9240887" cy="1632398"/>
             <a:chOff x="1841318" y="2298470"/>
             <a:chExt cx="9240887" cy="1632398"/>
@@ -31214,14 +33836,14 @@
   <p:clrMapOvr>
     <a:masterClrMapping/>
   </p:clrMapOvr>
-  <mc:AlternateContent xmlns:mc="http://schemas.openxmlformats.org/markup-compatibility/2006">
-    <mc:Choice xmlns:p159="http://schemas.microsoft.com/office/powerpoint/2015/09/main" Requires="p159">
-      <p:transition xmlns:p14="http://schemas.microsoft.com/office/powerpoint/2010/main" spd="slow" p14:dur="2000" advClick="0" advTm="15000">
+  <mc:AlternateContent xmlns:mc="http://schemas.openxmlformats.org/markup-compatibility/2006" xmlns:p159="http://schemas.microsoft.com/office/powerpoint/2015/09/main">
+    <mc:Choice Requires="p159">
+      <p:transition xmlns:p14="http://schemas.microsoft.com/office/powerpoint/2010/main" spd="slow" p14:dur="2000" advClick="0" advTm="14000">
         <p159:morph option="byObject"/>
       </p:transition>
     </mc:Choice>
-    <mc:Fallback>
-      <p:transition spd="slow" advClick="0" advTm="15000">
+    <mc:Fallback xmlns="">
+      <p:transition spd="slow" advClick="0" advTm="14000">
         <p:fade/>
       </p:transition>
     </mc:Fallback>

--- a/Tutorials/whatiswot/4-JSON_in_Practice/4-JSON_in_Practice.pptx
+++ b/Tutorials/whatiswot/4-JSON_in_Practice/4-JSON_in_Practice.pptx
@@ -5,7 +5,7 @@
     <p:sldMasterId id="2147483648" r:id="rId1"/>
   </p:sldMasterIdLst>
   <p:notesMasterIdLst>
-    <p:notesMasterId r:id="rId27"/>
+    <p:notesMasterId r:id="rId28"/>
   </p:notesMasterIdLst>
   <p:sldIdLst>
     <p:sldId id="293" r:id="rId2"/>
@@ -31,8 +31,9 @@
     <p:sldId id="295" r:id="rId22"/>
     <p:sldId id="299" r:id="rId23"/>
     <p:sldId id="298" r:id="rId24"/>
-    <p:sldId id="318" r:id="rId25"/>
-    <p:sldId id="315" r:id="rId26"/>
+    <p:sldId id="276" r:id="rId25"/>
+    <p:sldId id="318" r:id="rId26"/>
+    <p:sldId id="315" r:id="rId27"/>
   </p:sldIdLst>
   <p:sldSz cx="12192000" cy="6858000"/>
   <p:notesSz cx="6858000" cy="9144000"/>
@@ -232,7 +233,7 @@
           <a:p>
             <a:fld id="{49F3228E-244E-40D9-9409-7143B43FBF65}" type="datetimeFigureOut">
               <a:rPr lang="en-US" smtClean="0"/>
-              <a:t>10/5/23</a:t>
+              <a:t>11/22/23</a:t>
             </a:fld>
             <a:endParaRPr lang="en-US"/>
           </a:p>
@@ -1993,18 +1994,16 @@
           <a:lstStyle/>
           <a:p>
             <a:r>
-              <a:rPr lang="tr-TR" dirty="0"/>
-              <a:t>In the next video, we will talk about JSON </a:t>
-            </a:r>
-            <a:r>
-              <a:rPr lang="tr-TR" dirty="0" err="1"/>
-              <a:t>Schema</a:t>
-            </a:r>
-            <a:r>
-              <a:rPr lang="tr-TR" dirty="0"/>
-              <a:t>.</a:t>
-            </a:r>
-            <a:endParaRPr lang="en-US" dirty="0"/>
+              <a:rPr lang="en-GB" b="0" i="0" u="none" strike="noStrike" dirty="0">
+                <a:solidFill>
+                  <a:srgbClr val="FFFFFF"/>
+                </a:solidFill>
+                <a:effectLst/>
+                <a:latin typeface="Roboto" panose="020F0502020204030204" pitchFamily="34" charset="0"/>
+              </a:rPr>
+              <a:t>You can proceed to the next tutorial by clicking on the card or the video description.</a:t>
+            </a:r>
+            <a:endParaRPr lang="tr-TR" dirty="0"/>
           </a:p>
         </p:txBody>
       </p:sp>
@@ -2025,8 +2024,104 @@
           <a:p>
             <a:fld id="{838D45EA-097A-449E-8E80-C10F8140ABDB}" type="slidenum">
               <a:rPr lang="en-US" smtClean="0"/>
+              <a:t>24</a:t>
+            </a:fld>
+            <a:endParaRPr lang="en-US"/>
+          </a:p>
+        </p:txBody>
+      </p:sp>
+    </p:spTree>
+    <p:extLst>
+      <p:ext uri="{BB962C8B-B14F-4D97-AF65-F5344CB8AC3E}">
+        <p14:creationId xmlns:p14="http://schemas.microsoft.com/office/powerpoint/2010/main" val="1820635812"/>
+      </p:ext>
+    </p:extLst>
+  </p:cSld>
+  <p:clrMapOvr>
+    <a:masterClrMapping/>
+  </p:clrMapOvr>
+</p:notes>
+</file>
+
+<file path=ppt/notesSlides/notesSlide22.xml><?xml version="1.0" encoding="utf-8"?>
+<p:notes xmlns:a="http://schemas.openxmlformats.org/drawingml/2006/main" xmlns:r="http://schemas.openxmlformats.org/officeDocument/2006/relationships" xmlns:p="http://schemas.openxmlformats.org/presentationml/2006/main">
+  <p:cSld>
+    <p:spTree>
+      <p:nvGrpSpPr>
+        <p:cNvPr id="1" name=""/>
+        <p:cNvGrpSpPr/>
+        <p:nvPr/>
+      </p:nvGrpSpPr>
+      <p:grpSpPr>
+        <a:xfrm>
+          <a:off x="0" y="0"/>
+          <a:ext cx="0" cy="0"/>
+          <a:chOff x="0" y="0"/>
+          <a:chExt cx="0" cy="0"/>
+        </a:xfrm>
+      </p:grpSpPr>
+      <p:sp>
+        <p:nvSpPr>
+          <p:cNvPr id="2" name="Slide Image Placeholder 1"/>
+          <p:cNvSpPr>
+            <a:spLocks noGrp="1" noRot="1" noChangeAspect="1"/>
+          </p:cNvSpPr>
+          <p:nvPr>
+            <p:ph type="sldImg"/>
+          </p:nvPr>
+        </p:nvSpPr>
+        <p:spPr/>
+      </p:sp>
+      <p:sp>
+        <p:nvSpPr>
+          <p:cNvPr id="3" name="Notes Placeholder 2"/>
+          <p:cNvSpPr>
+            <a:spLocks noGrp="1"/>
+          </p:cNvSpPr>
+          <p:nvPr>
+            <p:ph type="body" idx="1"/>
+          </p:nvPr>
+        </p:nvSpPr>
+        <p:spPr/>
+        <p:txBody>
+          <a:bodyPr/>
+          <a:lstStyle/>
+          <a:p>
+            <a:r>
+              <a:rPr lang="tr-TR" dirty="0"/>
+              <a:t>In the next video, we will talk about JSON </a:t>
+            </a:r>
+            <a:r>
+              <a:rPr lang="tr-TR" dirty="0" err="1"/>
+              <a:t>Schema</a:t>
+            </a:r>
+            <a:r>
+              <a:rPr lang="tr-TR" dirty="0"/>
+              <a:t>.</a:t>
+            </a:r>
+            <a:endParaRPr lang="en-US" dirty="0"/>
+          </a:p>
+        </p:txBody>
+      </p:sp>
+      <p:sp>
+        <p:nvSpPr>
+          <p:cNvPr id="4" name="Slide Number Placeholder 3"/>
+          <p:cNvSpPr>
+            <a:spLocks noGrp="1"/>
+          </p:cNvSpPr>
+          <p:nvPr>
+            <p:ph type="sldNum" sz="quarter" idx="5"/>
+          </p:nvPr>
+        </p:nvSpPr>
+        <p:spPr/>
+        <p:txBody>
+          <a:bodyPr/>
+          <a:lstStyle/>
+          <a:p>
+            <a:fld id="{838D45EA-097A-449E-8E80-C10F8140ABDB}" type="slidenum">
+              <a:rPr lang="en-US" smtClean="0"/>
               <a:pPr/>
-              <a:t>24</a:t>
+              <a:t>25</a:t>
             </a:fld>
             <a:endParaRPr lang="en-US" dirty="0"/>
           </a:p>
@@ -3127,7 +3222,7 @@
           <a:p>
             <a:fld id="{F5EBBE15-30AF-4EEE-8DDC-4C0214E8A496}" type="datetimeFigureOut">
               <a:rPr lang="en-US" smtClean="0"/>
-              <a:t>10/5/23</a:t>
+              <a:t>11/22/23</a:t>
             </a:fld>
             <a:endParaRPr lang="en-US"/>
           </a:p>
@@ -3325,7 +3420,7 @@
           <a:p>
             <a:fld id="{F5EBBE15-30AF-4EEE-8DDC-4C0214E8A496}" type="datetimeFigureOut">
               <a:rPr lang="en-US" smtClean="0"/>
-              <a:t>10/5/23</a:t>
+              <a:t>11/22/23</a:t>
             </a:fld>
             <a:endParaRPr lang="en-US"/>
           </a:p>
@@ -3533,7 +3628,7 @@
           <a:p>
             <a:fld id="{F5EBBE15-30AF-4EEE-8DDC-4C0214E8A496}" type="datetimeFigureOut">
               <a:rPr lang="en-US" smtClean="0"/>
-              <a:t>10/5/23</a:t>
+              <a:t>11/22/23</a:t>
             </a:fld>
             <a:endParaRPr lang="en-US"/>
           </a:p>
@@ -3731,7 +3826,7 @@
           <a:p>
             <a:fld id="{F5EBBE15-30AF-4EEE-8DDC-4C0214E8A496}" type="datetimeFigureOut">
               <a:rPr lang="en-US" smtClean="0"/>
-              <a:t>10/5/23</a:t>
+              <a:t>11/22/23</a:t>
             </a:fld>
             <a:endParaRPr lang="en-US"/>
           </a:p>
@@ -4006,7 +4101,7 @@
           <a:p>
             <a:fld id="{F5EBBE15-30AF-4EEE-8DDC-4C0214E8A496}" type="datetimeFigureOut">
               <a:rPr lang="en-US" smtClean="0"/>
-              <a:t>10/5/23</a:t>
+              <a:t>11/22/23</a:t>
             </a:fld>
             <a:endParaRPr lang="en-US"/>
           </a:p>
@@ -4271,7 +4366,7 @@
           <a:p>
             <a:fld id="{F5EBBE15-30AF-4EEE-8DDC-4C0214E8A496}" type="datetimeFigureOut">
               <a:rPr lang="en-US" smtClean="0"/>
-              <a:t>10/5/23</a:t>
+              <a:t>11/22/23</a:t>
             </a:fld>
             <a:endParaRPr lang="en-US"/>
           </a:p>
@@ -4683,7 +4778,7 @@
           <a:p>
             <a:fld id="{F5EBBE15-30AF-4EEE-8DDC-4C0214E8A496}" type="datetimeFigureOut">
               <a:rPr lang="en-US" smtClean="0"/>
-              <a:t>10/5/23</a:t>
+              <a:t>11/22/23</a:t>
             </a:fld>
             <a:endParaRPr lang="en-US"/>
           </a:p>
@@ -4824,7 +4919,7 @@
           <a:p>
             <a:fld id="{F5EBBE15-30AF-4EEE-8DDC-4C0214E8A496}" type="datetimeFigureOut">
               <a:rPr lang="en-US" smtClean="0"/>
-              <a:t>10/5/23</a:t>
+              <a:t>11/22/23</a:t>
             </a:fld>
             <a:endParaRPr lang="en-US"/>
           </a:p>
@@ -4937,7 +5032,7 @@
           <a:p>
             <a:fld id="{F5EBBE15-30AF-4EEE-8DDC-4C0214E8A496}" type="datetimeFigureOut">
               <a:rPr lang="en-US" smtClean="0"/>
-              <a:t>10/5/23</a:t>
+              <a:t>11/22/23</a:t>
             </a:fld>
             <a:endParaRPr lang="en-US"/>
           </a:p>
@@ -5248,7 +5343,7 @@
           <a:p>
             <a:fld id="{F5EBBE15-30AF-4EEE-8DDC-4C0214E8A496}" type="datetimeFigureOut">
               <a:rPr lang="en-US" smtClean="0"/>
-              <a:t>10/5/23</a:t>
+              <a:t>11/22/23</a:t>
             </a:fld>
             <a:endParaRPr lang="en-US"/>
           </a:p>
@@ -5536,7 +5631,7 @@
           <a:p>
             <a:fld id="{F5EBBE15-30AF-4EEE-8DDC-4C0214E8A496}" type="datetimeFigureOut">
               <a:rPr lang="en-US" smtClean="0"/>
-              <a:t>10/5/23</a:t>
+              <a:t>11/22/23</a:t>
             </a:fld>
             <a:endParaRPr lang="en-US"/>
           </a:p>
@@ -5782,7 +5877,7 @@
           <a:p>
             <a:fld id="{F5EBBE15-30AF-4EEE-8DDC-4C0214E8A496}" type="datetimeFigureOut">
               <a:rPr lang="en-US" smtClean="0"/>
-              <a:t>10/5/23</a:t>
+              <a:t>11/22/23</a:t>
             </a:fld>
             <a:endParaRPr lang="en-US"/>
           </a:p>
@@ -21757,6 +21852,376 @@
       </p:grpSpPr>
       <p:sp>
         <p:nvSpPr>
+          <p:cNvPr id="6" name="Rounded Rectangle 5">
+            <a:extLst>
+              <a:ext uri="{FF2B5EF4-FFF2-40B4-BE49-F238E27FC236}">
+                <a16:creationId xmlns:a16="http://schemas.microsoft.com/office/drawing/2014/main" id="{079D50C5-FAF9-69C9-E581-B5318807CD15}"/>
+              </a:ext>
+            </a:extLst>
+          </p:cNvPr>
+          <p:cNvSpPr/>
+          <p:nvPr/>
+        </p:nvSpPr>
+        <p:spPr>
+          <a:xfrm>
+            <a:off x="1032256" y="3291829"/>
+            <a:ext cx="4547616" cy="2818177"/>
+          </a:xfrm>
+          <a:prstGeom prst="roundRect">
+            <a:avLst>
+              <a:gd name="adj" fmla="val 8522"/>
+            </a:avLst>
+          </a:prstGeom>
+          <a:noFill/>
+          <a:ln w="57150">
+            <a:solidFill>
+              <a:schemeClr val="accent2"/>
+            </a:solidFill>
+          </a:ln>
+        </p:spPr>
+        <p:style>
+          <a:lnRef idx="2">
+            <a:schemeClr val="accent1">
+              <a:shade val="15000"/>
+            </a:schemeClr>
+          </a:lnRef>
+          <a:fillRef idx="1">
+            <a:schemeClr val="accent1"/>
+          </a:fillRef>
+          <a:effectRef idx="0">
+            <a:schemeClr val="accent1"/>
+          </a:effectRef>
+          <a:fontRef idx="minor">
+            <a:schemeClr val="lt1"/>
+          </a:fontRef>
+        </p:style>
+        <p:txBody>
+          <a:bodyPr rtlCol="0" anchor="ctr"/>
+          <a:lstStyle/>
+          <a:p>
+            <a:pPr algn="ctr"/>
+            <a:endParaRPr lang="en-US"/>
+          </a:p>
+        </p:txBody>
+      </p:sp>
+      <p:sp>
+        <p:nvSpPr>
+          <p:cNvPr id="8" name="TextBox 7">
+            <a:extLst>
+              <a:ext uri="{FF2B5EF4-FFF2-40B4-BE49-F238E27FC236}">
+                <a16:creationId xmlns:a16="http://schemas.microsoft.com/office/drawing/2014/main" id="{17B2EE81-90D0-AEF5-195E-CD3BBEC1AAC8}"/>
+              </a:ext>
+            </a:extLst>
+          </p:cNvPr>
+          <p:cNvSpPr txBox="1"/>
+          <p:nvPr/>
+        </p:nvSpPr>
+        <p:spPr>
+          <a:xfrm>
+            <a:off x="2731008" y="585216"/>
+            <a:ext cx="184731" cy="369332"/>
+          </a:xfrm>
+          <a:prstGeom prst="rect">
+            <a:avLst/>
+          </a:prstGeom>
+          <a:noFill/>
+        </p:spPr>
+        <p:txBody>
+          <a:bodyPr wrap="none" rtlCol="0">
+            <a:spAutoFit/>
+          </a:bodyPr>
+          <a:lstStyle/>
+          <a:p>
+            <a:endParaRPr lang="en-US" dirty="0"/>
+          </a:p>
+        </p:txBody>
+      </p:sp>
+      <p:sp>
+        <p:nvSpPr>
+          <p:cNvPr id="13" name="TextBox 12">
+            <a:extLst>
+              <a:ext uri="{FF2B5EF4-FFF2-40B4-BE49-F238E27FC236}">
+                <a16:creationId xmlns:a16="http://schemas.microsoft.com/office/drawing/2014/main" id="{194EC36A-72C0-5D97-08B6-18C18A96A95D}"/>
+              </a:ext>
+            </a:extLst>
+          </p:cNvPr>
+          <p:cNvSpPr txBox="1"/>
+          <p:nvPr/>
+        </p:nvSpPr>
+        <p:spPr>
+          <a:xfrm>
+            <a:off x="8769346" y="2544227"/>
+            <a:ext cx="2390398" cy="584775"/>
+          </a:xfrm>
+          <a:prstGeom prst="rect">
+            <a:avLst/>
+          </a:prstGeom>
+          <a:noFill/>
+        </p:spPr>
+        <p:txBody>
+          <a:bodyPr wrap="none" rtlCol="0">
+            <a:spAutoFit/>
+          </a:bodyPr>
+          <a:lstStyle/>
+          <a:p>
+            <a:r>
+              <a:rPr lang="en-US" sz="3200" dirty="0">
+                <a:solidFill>
+                  <a:schemeClr val="accent2"/>
+                </a:solidFill>
+                <a:latin typeface="Century Gothic" panose="020B0502020202020204" pitchFamily="34" charset="0"/>
+              </a:rPr>
+              <a:t>Next Video</a:t>
+            </a:r>
+          </a:p>
+        </p:txBody>
+      </p:sp>
+      <p:sp>
+        <p:nvSpPr>
+          <p:cNvPr id="14" name="Rectangle 13">
+            <a:extLst>
+              <a:ext uri="{FF2B5EF4-FFF2-40B4-BE49-F238E27FC236}">
+                <a16:creationId xmlns:a16="http://schemas.microsoft.com/office/drawing/2014/main" id="{30610344-5073-9351-D254-6D8408C00B10}"/>
+              </a:ext>
+            </a:extLst>
+          </p:cNvPr>
+          <p:cNvSpPr>
+            <a:spLocks/>
+          </p:cNvSpPr>
+          <p:nvPr/>
+        </p:nvSpPr>
+        <p:spPr>
+          <a:xfrm>
+            <a:off x="4507675" y="432606"/>
+            <a:ext cx="3176651" cy="3696485"/>
+          </a:xfrm>
+          <a:prstGeom prst="rect">
+            <a:avLst/>
+          </a:prstGeom>
+          <a:noFill/>
+        </p:spPr>
+        <p:txBody>
+          <a:bodyPr wrap="none" lIns="91440" tIns="45720" rIns="91440" bIns="45720">
+            <a:prstTxWarp prst="textArchUp">
+              <a:avLst>
+                <a:gd name="adj" fmla="val 11740300"/>
+              </a:avLst>
+            </a:prstTxWarp>
+            <a:spAutoFit/>
+          </a:bodyPr>
+          <a:lstStyle/>
+          <a:p>
+            <a:r>
+              <a:rPr lang="en-US" sz="3600" dirty="0">
+                <a:solidFill>
+                  <a:schemeClr val="accent1"/>
+                </a:solidFill>
+                <a:latin typeface="Century Gothic" panose="020B0502020202020204" pitchFamily="34" charset="0"/>
+              </a:rPr>
+              <a:t>Subscribe to our Channel</a:t>
+            </a:r>
+          </a:p>
+        </p:txBody>
+      </p:sp>
+      <p:sp>
+        <p:nvSpPr>
+          <p:cNvPr id="2" name="TextBox 1">
+            <a:extLst>
+              <a:ext uri="{FF2B5EF4-FFF2-40B4-BE49-F238E27FC236}">
+                <a16:creationId xmlns:a16="http://schemas.microsoft.com/office/drawing/2014/main" id="{DB648E07-0ADA-3213-F04B-B618F86FE55A}"/>
+              </a:ext>
+            </a:extLst>
+          </p:cNvPr>
+          <p:cNvSpPr txBox="1"/>
+          <p:nvPr/>
+        </p:nvSpPr>
+        <p:spPr>
+          <a:xfrm>
+            <a:off x="1032256" y="2544228"/>
+            <a:ext cx="1556836" cy="584775"/>
+          </a:xfrm>
+          <a:prstGeom prst="rect">
+            <a:avLst/>
+          </a:prstGeom>
+          <a:noFill/>
+        </p:spPr>
+        <p:txBody>
+          <a:bodyPr wrap="none" rtlCol="0">
+            <a:spAutoFit/>
+          </a:bodyPr>
+          <a:lstStyle/>
+          <a:p>
+            <a:r>
+              <a:rPr lang="en-US" sz="3200" dirty="0">
+                <a:solidFill>
+                  <a:schemeClr val="accent2"/>
+                </a:solidFill>
+                <a:latin typeface="Century Gothic" panose="020B0502020202020204" pitchFamily="34" charset="0"/>
+              </a:rPr>
+              <a:t>Playlist</a:t>
+            </a:r>
+            <a:r>
+              <a:rPr lang="en-US" sz="2400" dirty="0">
+                <a:solidFill>
+                  <a:schemeClr val="accent2"/>
+                </a:solidFill>
+                <a:latin typeface="Century Gothic" panose="020B0502020202020204" pitchFamily="34" charset="0"/>
+              </a:rPr>
+              <a:t> </a:t>
+            </a:r>
+          </a:p>
+        </p:txBody>
+      </p:sp>
+      <p:sp>
+        <p:nvSpPr>
+          <p:cNvPr id="4" name="Oval 3">
+            <a:extLst>
+              <a:ext uri="{FF2B5EF4-FFF2-40B4-BE49-F238E27FC236}">
+                <a16:creationId xmlns:a16="http://schemas.microsoft.com/office/drawing/2014/main" id="{B0419334-D010-AABC-F69E-4CE3A439194D}"/>
+              </a:ext>
+            </a:extLst>
+          </p:cNvPr>
+          <p:cNvSpPr/>
+          <p:nvPr/>
+        </p:nvSpPr>
+        <p:spPr>
+          <a:xfrm>
+            <a:off x="4899713" y="736429"/>
+            <a:ext cx="2392574" cy="2392574"/>
+          </a:xfrm>
+          <a:prstGeom prst="ellipse">
+            <a:avLst/>
+          </a:prstGeom>
+          <a:noFill/>
+          <a:ln w="57150">
+            <a:solidFill>
+              <a:schemeClr val="accent1"/>
+            </a:solidFill>
+          </a:ln>
+        </p:spPr>
+        <p:style>
+          <a:lnRef idx="2">
+            <a:schemeClr val="accent1">
+              <a:shade val="15000"/>
+            </a:schemeClr>
+          </a:lnRef>
+          <a:fillRef idx="1">
+            <a:schemeClr val="accent1"/>
+          </a:fillRef>
+          <a:effectRef idx="0">
+            <a:schemeClr val="accent1"/>
+          </a:effectRef>
+          <a:fontRef idx="minor">
+            <a:schemeClr val="lt1"/>
+          </a:fontRef>
+        </p:style>
+        <p:txBody>
+          <a:bodyPr rtlCol="0" anchor="ctr"/>
+          <a:lstStyle/>
+          <a:p>
+            <a:pPr algn="ctr"/>
+            <a:endParaRPr lang="en-US"/>
+          </a:p>
+        </p:txBody>
+      </p:sp>
+      <p:sp>
+        <p:nvSpPr>
+          <p:cNvPr id="7" name="Rounded Rectangle 6">
+            <a:extLst>
+              <a:ext uri="{FF2B5EF4-FFF2-40B4-BE49-F238E27FC236}">
+                <a16:creationId xmlns:a16="http://schemas.microsoft.com/office/drawing/2014/main" id="{17CFD8EC-DAD6-2D70-BC4C-CA8D499F942E}"/>
+              </a:ext>
+            </a:extLst>
+          </p:cNvPr>
+          <p:cNvSpPr/>
+          <p:nvPr/>
+        </p:nvSpPr>
+        <p:spPr>
+          <a:xfrm>
+            <a:off x="6612128" y="3291829"/>
+            <a:ext cx="4547616" cy="2818177"/>
+          </a:xfrm>
+          <a:prstGeom prst="roundRect">
+            <a:avLst>
+              <a:gd name="adj" fmla="val 8522"/>
+            </a:avLst>
+          </a:prstGeom>
+          <a:noFill/>
+          <a:ln w="57150">
+            <a:solidFill>
+              <a:schemeClr val="accent2"/>
+            </a:solidFill>
+          </a:ln>
+        </p:spPr>
+        <p:style>
+          <a:lnRef idx="2">
+            <a:schemeClr val="accent1">
+              <a:shade val="15000"/>
+            </a:schemeClr>
+          </a:lnRef>
+          <a:fillRef idx="1">
+            <a:schemeClr val="accent1"/>
+          </a:fillRef>
+          <a:effectRef idx="0">
+            <a:schemeClr val="accent1"/>
+          </a:effectRef>
+          <a:fontRef idx="minor">
+            <a:schemeClr val="lt1"/>
+          </a:fontRef>
+        </p:style>
+        <p:txBody>
+          <a:bodyPr rtlCol="0" anchor="ctr"/>
+          <a:lstStyle/>
+          <a:p>
+            <a:pPr algn="ctr"/>
+            <a:endParaRPr lang="en-US"/>
+          </a:p>
+        </p:txBody>
+      </p:sp>
+    </p:spTree>
+    <p:extLst>
+      <p:ext uri="{BB962C8B-B14F-4D97-AF65-F5344CB8AC3E}">
+        <p14:creationId xmlns:p14="http://schemas.microsoft.com/office/powerpoint/2010/main" val="891335981"/>
+      </p:ext>
+    </p:extLst>
+  </p:cSld>
+  <p:clrMapOvr>
+    <a:masterClrMapping/>
+  </p:clrMapOvr>
+  <mc:AlternateContent xmlns:mc="http://schemas.openxmlformats.org/markup-compatibility/2006" xmlns:p159="http://schemas.microsoft.com/office/powerpoint/2015/09/main">
+    <mc:Choice Requires="p159">
+      <p:transition xmlns:p14="http://schemas.microsoft.com/office/powerpoint/2010/main" spd="slow" p14:dur="2000" advTm="10000">
+        <p159:morph option="byObject"/>
+      </p:transition>
+    </mc:Choice>
+    <mc:Fallback xmlns="">
+      <p:transition spd="slow" advTm="10000">
+        <p:fade/>
+      </p:transition>
+    </mc:Fallback>
+  </mc:AlternateContent>
+</p:sld>
+</file>
+
+<file path=ppt/slides/slide25.xml><?xml version="1.0" encoding="utf-8"?>
+<p:sld xmlns:a="http://schemas.openxmlformats.org/drawingml/2006/main" xmlns:r="http://schemas.openxmlformats.org/officeDocument/2006/relationships" xmlns:p="http://schemas.openxmlformats.org/presentationml/2006/main" show="0">
+  <p:cSld>
+    <p:spTree>
+      <p:nvGrpSpPr>
+        <p:cNvPr id="1" name=""/>
+        <p:cNvGrpSpPr/>
+        <p:nvPr/>
+      </p:nvGrpSpPr>
+      <p:grpSpPr>
+        <a:xfrm>
+          <a:off x="0" y="0"/>
+          <a:ext cx="0" cy="0"/>
+          <a:chOff x="0" y="0"/>
+          <a:chExt cx="0" cy="0"/>
+        </a:xfrm>
+      </p:grpSpPr>
+      <p:sp>
+        <p:nvSpPr>
           <p:cNvPr id="15" name="Arrow: Right 14">
             <a:extLst>
               <a:ext uri="{FF2B5EF4-FFF2-40B4-BE49-F238E27FC236}">
@@ -22373,13 +22838,13 @@
   <p:clrMapOvr>
     <a:masterClrMapping/>
   </p:clrMapOvr>
-  <mc:AlternateContent xmlns:mc="http://schemas.openxmlformats.org/markup-compatibility/2006" xmlns:p159="http://schemas.microsoft.com/office/powerpoint/2015/09/main">
-    <mc:Choice Requires="p159">
+  <mc:AlternateContent xmlns:mc="http://schemas.openxmlformats.org/markup-compatibility/2006">
+    <mc:Choice xmlns:p159="http://schemas.microsoft.com/office/powerpoint/2015/09/main" Requires="p159">
       <p:transition xmlns:p14="http://schemas.microsoft.com/office/powerpoint/2010/main" spd="slow" p14:dur="2000" advClick="0" advTm="4000">
         <p159:morph option="byObject"/>
       </p:transition>
     </mc:Choice>
-    <mc:Fallback xmlns="">
+    <mc:Fallback>
       <p:transition spd="slow" advClick="0" advTm="4000">
         <p:fade/>
       </p:transition>
@@ -22579,8 +23044,8 @@
 </p:sld>
 </file>
 
-<file path=ppt/slides/slide25.xml><?xml version="1.0" encoding="utf-8"?>
-<p:sld xmlns:a="http://schemas.openxmlformats.org/drawingml/2006/main" xmlns:r="http://schemas.openxmlformats.org/officeDocument/2006/relationships" xmlns:p="http://schemas.openxmlformats.org/presentationml/2006/main">
+<file path=ppt/slides/slide26.xml><?xml version="1.0" encoding="utf-8"?>
+<p:sld xmlns:a="http://schemas.openxmlformats.org/drawingml/2006/main" xmlns:r="http://schemas.openxmlformats.org/officeDocument/2006/relationships" xmlns:p="http://schemas.openxmlformats.org/presentationml/2006/main" show="0">
   <p:cSld>
     <p:spTree>
       <p:nvGrpSpPr>

--- a/Tutorials/whatiswot/4-JSON_in_Practice/4-JSON_in_Practice.pptx
+++ b/Tutorials/whatiswot/4-JSON_in_Practice/4-JSON_in_Practice.pptx
@@ -233,7 +233,7 @@
           <a:p>
             <a:fld id="{49F3228E-244E-40D9-9409-7143B43FBF65}" type="datetimeFigureOut">
               <a:rPr lang="en-US" smtClean="0"/>
-              <a:t>11/22/23</a:t>
+              <a:t>3/1/2024</a:t>
             </a:fld>
             <a:endParaRPr lang="en-US"/>
           </a:p>
@@ -685,7 +685,7 @@
             </a:r>
           </a:p>
           <a:p>
-            <a:endParaRPr lang="en-TR" dirty="0"/>
+            <a:endParaRPr lang="x-none" dirty="0"/>
           </a:p>
         </p:txBody>
       </p:sp>
@@ -2184,7 +2184,7 @@
           <a:bodyPr/>
           <a:lstStyle/>
           <a:p>
-            <a:endParaRPr lang="en-TR" dirty="0"/>
+            <a:endParaRPr lang="x-none" dirty="0"/>
           </a:p>
         </p:txBody>
       </p:sp>
@@ -3097,7 +3097,7 @@
           <p:cNvPr id="2" name="Title 1">
             <a:extLst>
               <a:ext uri="{FF2B5EF4-FFF2-40B4-BE49-F238E27FC236}">
-                <a16:creationId xmlns:a16="http://schemas.microsoft.com/office/drawing/2014/main" id="{2D8464C8-45D4-ACB5-641C-24DCEE18C2CF}"/>
+                <a16:creationId xmlns="" xmlns:a16="http://schemas.microsoft.com/office/drawing/2014/main" id="{2D8464C8-45D4-ACB5-641C-24DCEE18C2CF}"/>
               </a:ext>
             </a:extLst>
           </p:cNvPr>
@@ -3134,7 +3134,7 @@
           <p:cNvPr id="3" name="Subtitle 2">
             <a:extLst>
               <a:ext uri="{FF2B5EF4-FFF2-40B4-BE49-F238E27FC236}">
-                <a16:creationId xmlns:a16="http://schemas.microsoft.com/office/drawing/2014/main" id="{20B099E8-1A74-759F-CED5-51885E280EDC}"/>
+                <a16:creationId xmlns="" xmlns:a16="http://schemas.microsoft.com/office/drawing/2014/main" id="{20B099E8-1A74-759F-CED5-51885E280EDC}"/>
               </a:ext>
             </a:extLst>
           </p:cNvPr>
@@ -3204,7 +3204,7 @@
           <p:cNvPr id="4" name="Date Placeholder 3">
             <a:extLst>
               <a:ext uri="{FF2B5EF4-FFF2-40B4-BE49-F238E27FC236}">
-                <a16:creationId xmlns:a16="http://schemas.microsoft.com/office/drawing/2014/main" id="{0E2DC47D-05C6-884D-A378-16BFA7A4F1F4}"/>
+                <a16:creationId xmlns="" xmlns:a16="http://schemas.microsoft.com/office/drawing/2014/main" id="{0E2DC47D-05C6-884D-A378-16BFA7A4F1F4}"/>
               </a:ext>
             </a:extLst>
           </p:cNvPr>
@@ -3222,7 +3222,7 @@
           <a:p>
             <a:fld id="{F5EBBE15-30AF-4EEE-8DDC-4C0214E8A496}" type="datetimeFigureOut">
               <a:rPr lang="en-US" smtClean="0"/>
-              <a:t>11/22/23</a:t>
+              <a:t>3/1/2024</a:t>
             </a:fld>
             <a:endParaRPr lang="en-US"/>
           </a:p>
@@ -3233,7 +3233,7 @@
           <p:cNvPr id="5" name="Footer Placeholder 4">
             <a:extLst>
               <a:ext uri="{FF2B5EF4-FFF2-40B4-BE49-F238E27FC236}">
-                <a16:creationId xmlns:a16="http://schemas.microsoft.com/office/drawing/2014/main" id="{1E9BD5AB-FE8F-2114-1DC2-335C37C249E4}"/>
+                <a16:creationId xmlns="" xmlns:a16="http://schemas.microsoft.com/office/drawing/2014/main" id="{1E9BD5AB-FE8F-2114-1DC2-335C37C249E4}"/>
               </a:ext>
             </a:extLst>
           </p:cNvPr>
@@ -3258,7 +3258,7 @@
           <p:cNvPr id="6" name="Slide Number Placeholder 5">
             <a:extLst>
               <a:ext uri="{FF2B5EF4-FFF2-40B4-BE49-F238E27FC236}">
-                <a16:creationId xmlns:a16="http://schemas.microsoft.com/office/drawing/2014/main" id="{5D5FF39D-1AF0-DE9D-EDF1-25FF60BCEA17}"/>
+                <a16:creationId xmlns="" xmlns:a16="http://schemas.microsoft.com/office/drawing/2014/main" id="{5D5FF39D-1AF0-DE9D-EDF1-25FF60BCEA17}"/>
               </a:ext>
             </a:extLst>
           </p:cNvPr>
@@ -3317,7 +3317,7 @@
           <p:cNvPr id="2" name="Title 1">
             <a:extLst>
               <a:ext uri="{FF2B5EF4-FFF2-40B4-BE49-F238E27FC236}">
-                <a16:creationId xmlns:a16="http://schemas.microsoft.com/office/drawing/2014/main" id="{4AB86EEE-A1C2-65A0-EE66-90439BBFB692}"/>
+                <a16:creationId xmlns="" xmlns:a16="http://schemas.microsoft.com/office/drawing/2014/main" id="{4AB86EEE-A1C2-65A0-EE66-90439BBFB692}"/>
               </a:ext>
             </a:extLst>
           </p:cNvPr>
@@ -3345,7 +3345,7 @@
           <p:cNvPr id="3" name="Vertical Text Placeholder 2">
             <a:extLst>
               <a:ext uri="{FF2B5EF4-FFF2-40B4-BE49-F238E27FC236}">
-                <a16:creationId xmlns:a16="http://schemas.microsoft.com/office/drawing/2014/main" id="{61D1AB48-C44C-8F1D-BC6B-9656281C8DBB}"/>
+                <a16:creationId xmlns="" xmlns:a16="http://schemas.microsoft.com/office/drawing/2014/main" id="{61D1AB48-C44C-8F1D-BC6B-9656281C8DBB}"/>
               </a:ext>
             </a:extLst>
           </p:cNvPr>
@@ -3402,7 +3402,7 @@
           <p:cNvPr id="4" name="Date Placeholder 3">
             <a:extLst>
               <a:ext uri="{FF2B5EF4-FFF2-40B4-BE49-F238E27FC236}">
-                <a16:creationId xmlns:a16="http://schemas.microsoft.com/office/drawing/2014/main" id="{03C4501D-B664-B522-4669-7BA48996ED18}"/>
+                <a16:creationId xmlns="" xmlns:a16="http://schemas.microsoft.com/office/drawing/2014/main" id="{03C4501D-B664-B522-4669-7BA48996ED18}"/>
               </a:ext>
             </a:extLst>
           </p:cNvPr>
@@ -3420,7 +3420,7 @@
           <a:p>
             <a:fld id="{F5EBBE15-30AF-4EEE-8DDC-4C0214E8A496}" type="datetimeFigureOut">
               <a:rPr lang="en-US" smtClean="0"/>
-              <a:t>11/22/23</a:t>
+              <a:t>3/1/2024</a:t>
             </a:fld>
             <a:endParaRPr lang="en-US"/>
           </a:p>
@@ -3431,7 +3431,7 @@
           <p:cNvPr id="5" name="Footer Placeholder 4">
             <a:extLst>
               <a:ext uri="{FF2B5EF4-FFF2-40B4-BE49-F238E27FC236}">
-                <a16:creationId xmlns:a16="http://schemas.microsoft.com/office/drawing/2014/main" id="{ADF4A445-F64B-BD72-14CC-38BEFD14A07B}"/>
+                <a16:creationId xmlns="" xmlns:a16="http://schemas.microsoft.com/office/drawing/2014/main" id="{ADF4A445-F64B-BD72-14CC-38BEFD14A07B}"/>
               </a:ext>
             </a:extLst>
           </p:cNvPr>
@@ -3456,7 +3456,7 @@
           <p:cNvPr id="6" name="Slide Number Placeholder 5">
             <a:extLst>
               <a:ext uri="{FF2B5EF4-FFF2-40B4-BE49-F238E27FC236}">
-                <a16:creationId xmlns:a16="http://schemas.microsoft.com/office/drawing/2014/main" id="{674A83CC-D977-26AD-16E9-88F315F7EFE6}"/>
+                <a16:creationId xmlns="" xmlns:a16="http://schemas.microsoft.com/office/drawing/2014/main" id="{674A83CC-D977-26AD-16E9-88F315F7EFE6}"/>
               </a:ext>
             </a:extLst>
           </p:cNvPr>
@@ -3515,7 +3515,7 @@
           <p:cNvPr id="2" name="Vertical Title 1">
             <a:extLst>
               <a:ext uri="{FF2B5EF4-FFF2-40B4-BE49-F238E27FC236}">
-                <a16:creationId xmlns:a16="http://schemas.microsoft.com/office/drawing/2014/main" id="{2614C8F9-C129-2954-B666-B6A5D84F83B5}"/>
+                <a16:creationId xmlns="" xmlns:a16="http://schemas.microsoft.com/office/drawing/2014/main" id="{2614C8F9-C129-2954-B666-B6A5D84F83B5}"/>
               </a:ext>
             </a:extLst>
           </p:cNvPr>
@@ -3548,7 +3548,7 @@
           <p:cNvPr id="3" name="Vertical Text Placeholder 2">
             <a:extLst>
               <a:ext uri="{FF2B5EF4-FFF2-40B4-BE49-F238E27FC236}">
-                <a16:creationId xmlns:a16="http://schemas.microsoft.com/office/drawing/2014/main" id="{0FCB22B9-2CB5-5878-56C2-8CAF23805FFF}"/>
+                <a16:creationId xmlns="" xmlns:a16="http://schemas.microsoft.com/office/drawing/2014/main" id="{0FCB22B9-2CB5-5878-56C2-8CAF23805FFF}"/>
               </a:ext>
             </a:extLst>
           </p:cNvPr>
@@ -3610,7 +3610,7 @@
           <p:cNvPr id="4" name="Date Placeholder 3">
             <a:extLst>
               <a:ext uri="{FF2B5EF4-FFF2-40B4-BE49-F238E27FC236}">
-                <a16:creationId xmlns:a16="http://schemas.microsoft.com/office/drawing/2014/main" id="{177B20C6-347B-59C0-76F3-015FB8518F27}"/>
+                <a16:creationId xmlns="" xmlns:a16="http://schemas.microsoft.com/office/drawing/2014/main" id="{177B20C6-347B-59C0-76F3-015FB8518F27}"/>
               </a:ext>
             </a:extLst>
           </p:cNvPr>
@@ -3628,7 +3628,7 @@
           <a:p>
             <a:fld id="{F5EBBE15-30AF-4EEE-8DDC-4C0214E8A496}" type="datetimeFigureOut">
               <a:rPr lang="en-US" smtClean="0"/>
-              <a:t>11/22/23</a:t>
+              <a:t>3/1/2024</a:t>
             </a:fld>
             <a:endParaRPr lang="en-US"/>
           </a:p>
@@ -3639,7 +3639,7 @@
           <p:cNvPr id="5" name="Footer Placeholder 4">
             <a:extLst>
               <a:ext uri="{FF2B5EF4-FFF2-40B4-BE49-F238E27FC236}">
-                <a16:creationId xmlns:a16="http://schemas.microsoft.com/office/drawing/2014/main" id="{66753E18-6757-3FC5-F4B2-609D3910337A}"/>
+                <a16:creationId xmlns="" xmlns:a16="http://schemas.microsoft.com/office/drawing/2014/main" id="{66753E18-6757-3FC5-F4B2-609D3910337A}"/>
               </a:ext>
             </a:extLst>
           </p:cNvPr>
@@ -3664,7 +3664,7 @@
           <p:cNvPr id="6" name="Slide Number Placeholder 5">
             <a:extLst>
               <a:ext uri="{FF2B5EF4-FFF2-40B4-BE49-F238E27FC236}">
-                <a16:creationId xmlns:a16="http://schemas.microsoft.com/office/drawing/2014/main" id="{7441BDE8-BDDF-36B6-49CD-47819A8A9E61}"/>
+                <a16:creationId xmlns="" xmlns:a16="http://schemas.microsoft.com/office/drawing/2014/main" id="{7441BDE8-BDDF-36B6-49CD-47819A8A9E61}"/>
               </a:ext>
             </a:extLst>
           </p:cNvPr>
@@ -3723,7 +3723,7 @@
           <p:cNvPr id="2" name="Title 1">
             <a:extLst>
               <a:ext uri="{FF2B5EF4-FFF2-40B4-BE49-F238E27FC236}">
-                <a16:creationId xmlns:a16="http://schemas.microsoft.com/office/drawing/2014/main" id="{8B298D2B-ED48-800D-3CB5-1FC91422E7A9}"/>
+                <a16:creationId xmlns="" xmlns:a16="http://schemas.microsoft.com/office/drawing/2014/main" id="{8B298D2B-ED48-800D-3CB5-1FC91422E7A9}"/>
               </a:ext>
             </a:extLst>
           </p:cNvPr>
@@ -3751,7 +3751,7 @@
           <p:cNvPr id="3" name="Content Placeholder 2">
             <a:extLst>
               <a:ext uri="{FF2B5EF4-FFF2-40B4-BE49-F238E27FC236}">
-                <a16:creationId xmlns:a16="http://schemas.microsoft.com/office/drawing/2014/main" id="{819306B0-2C40-DF58-0343-5EAE672542E0}"/>
+                <a16:creationId xmlns="" xmlns:a16="http://schemas.microsoft.com/office/drawing/2014/main" id="{819306B0-2C40-DF58-0343-5EAE672542E0}"/>
               </a:ext>
             </a:extLst>
           </p:cNvPr>
@@ -3808,7 +3808,7 @@
           <p:cNvPr id="4" name="Date Placeholder 3">
             <a:extLst>
               <a:ext uri="{FF2B5EF4-FFF2-40B4-BE49-F238E27FC236}">
-                <a16:creationId xmlns:a16="http://schemas.microsoft.com/office/drawing/2014/main" id="{9DE0CF9F-1F27-D57B-3E1D-CD230208CC64}"/>
+                <a16:creationId xmlns="" xmlns:a16="http://schemas.microsoft.com/office/drawing/2014/main" id="{9DE0CF9F-1F27-D57B-3E1D-CD230208CC64}"/>
               </a:ext>
             </a:extLst>
           </p:cNvPr>
@@ -3826,7 +3826,7 @@
           <a:p>
             <a:fld id="{F5EBBE15-30AF-4EEE-8DDC-4C0214E8A496}" type="datetimeFigureOut">
               <a:rPr lang="en-US" smtClean="0"/>
-              <a:t>11/22/23</a:t>
+              <a:t>3/1/2024</a:t>
             </a:fld>
             <a:endParaRPr lang="en-US"/>
           </a:p>
@@ -3837,7 +3837,7 @@
           <p:cNvPr id="5" name="Footer Placeholder 4">
             <a:extLst>
               <a:ext uri="{FF2B5EF4-FFF2-40B4-BE49-F238E27FC236}">
-                <a16:creationId xmlns:a16="http://schemas.microsoft.com/office/drawing/2014/main" id="{8E4B421A-605E-A90B-77A3-27A30BD3F708}"/>
+                <a16:creationId xmlns="" xmlns:a16="http://schemas.microsoft.com/office/drawing/2014/main" id="{8E4B421A-605E-A90B-77A3-27A30BD3F708}"/>
               </a:ext>
             </a:extLst>
           </p:cNvPr>
@@ -3862,7 +3862,7 @@
           <p:cNvPr id="6" name="Slide Number Placeholder 5">
             <a:extLst>
               <a:ext uri="{FF2B5EF4-FFF2-40B4-BE49-F238E27FC236}">
-                <a16:creationId xmlns:a16="http://schemas.microsoft.com/office/drawing/2014/main" id="{CF889D23-2E9F-0C30-F905-92F3C4928ACE}"/>
+                <a16:creationId xmlns="" xmlns:a16="http://schemas.microsoft.com/office/drawing/2014/main" id="{CF889D23-2E9F-0C30-F905-92F3C4928ACE}"/>
               </a:ext>
             </a:extLst>
           </p:cNvPr>
@@ -3921,7 +3921,7 @@
           <p:cNvPr id="2" name="Title 1">
             <a:extLst>
               <a:ext uri="{FF2B5EF4-FFF2-40B4-BE49-F238E27FC236}">
-                <a16:creationId xmlns:a16="http://schemas.microsoft.com/office/drawing/2014/main" id="{D1F7F33D-120C-3DA2-AFB8-86654A4442D2}"/>
+                <a16:creationId xmlns="" xmlns:a16="http://schemas.microsoft.com/office/drawing/2014/main" id="{D1F7F33D-120C-3DA2-AFB8-86654A4442D2}"/>
               </a:ext>
             </a:extLst>
           </p:cNvPr>
@@ -3958,7 +3958,7 @@
           <p:cNvPr id="3" name="Text Placeholder 2">
             <a:extLst>
               <a:ext uri="{FF2B5EF4-FFF2-40B4-BE49-F238E27FC236}">
-                <a16:creationId xmlns:a16="http://schemas.microsoft.com/office/drawing/2014/main" id="{F089B3F3-29EE-5766-82EA-AA0F7DF90DD1}"/>
+                <a16:creationId xmlns="" xmlns:a16="http://schemas.microsoft.com/office/drawing/2014/main" id="{F089B3F3-29EE-5766-82EA-AA0F7DF90DD1}"/>
               </a:ext>
             </a:extLst>
           </p:cNvPr>
@@ -4083,7 +4083,7 @@
           <p:cNvPr id="4" name="Date Placeholder 3">
             <a:extLst>
               <a:ext uri="{FF2B5EF4-FFF2-40B4-BE49-F238E27FC236}">
-                <a16:creationId xmlns:a16="http://schemas.microsoft.com/office/drawing/2014/main" id="{E9FFFE88-5B8D-62D3-D833-03B3D9687DD8}"/>
+                <a16:creationId xmlns="" xmlns:a16="http://schemas.microsoft.com/office/drawing/2014/main" id="{E9FFFE88-5B8D-62D3-D833-03B3D9687DD8}"/>
               </a:ext>
             </a:extLst>
           </p:cNvPr>
@@ -4101,7 +4101,7 @@
           <a:p>
             <a:fld id="{F5EBBE15-30AF-4EEE-8DDC-4C0214E8A496}" type="datetimeFigureOut">
               <a:rPr lang="en-US" smtClean="0"/>
-              <a:t>11/22/23</a:t>
+              <a:t>3/1/2024</a:t>
             </a:fld>
             <a:endParaRPr lang="en-US"/>
           </a:p>
@@ -4112,7 +4112,7 @@
           <p:cNvPr id="5" name="Footer Placeholder 4">
             <a:extLst>
               <a:ext uri="{FF2B5EF4-FFF2-40B4-BE49-F238E27FC236}">
-                <a16:creationId xmlns:a16="http://schemas.microsoft.com/office/drawing/2014/main" id="{03CD1722-BC16-277D-2E1B-1067779D34C1}"/>
+                <a16:creationId xmlns="" xmlns:a16="http://schemas.microsoft.com/office/drawing/2014/main" id="{03CD1722-BC16-277D-2E1B-1067779D34C1}"/>
               </a:ext>
             </a:extLst>
           </p:cNvPr>
@@ -4137,7 +4137,7 @@
           <p:cNvPr id="6" name="Slide Number Placeholder 5">
             <a:extLst>
               <a:ext uri="{FF2B5EF4-FFF2-40B4-BE49-F238E27FC236}">
-                <a16:creationId xmlns:a16="http://schemas.microsoft.com/office/drawing/2014/main" id="{837B26FB-E277-F9BD-4757-D9F83C239394}"/>
+                <a16:creationId xmlns="" xmlns:a16="http://schemas.microsoft.com/office/drawing/2014/main" id="{837B26FB-E277-F9BD-4757-D9F83C239394}"/>
               </a:ext>
             </a:extLst>
           </p:cNvPr>
@@ -4196,7 +4196,7 @@
           <p:cNvPr id="2" name="Title 1">
             <a:extLst>
               <a:ext uri="{FF2B5EF4-FFF2-40B4-BE49-F238E27FC236}">
-                <a16:creationId xmlns:a16="http://schemas.microsoft.com/office/drawing/2014/main" id="{80499B8A-0738-79B6-D0B7-BD2F2647B499}"/>
+                <a16:creationId xmlns="" xmlns:a16="http://schemas.microsoft.com/office/drawing/2014/main" id="{80499B8A-0738-79B6-D0B7-BD2F2647B499}"/>
               </a:ext>
             </a:extLst>
           </p:cNvPr>
@@ -4224,7 +4224,7 @@
           <p:cNvPr id="3" name="Content Placeholder 2">
             <a:extLst>
               <a:ext uri="{FF2B5EF4-FFF2-40B4-BE49-F238E27FC236}">
-                <a16:creationId xmlns:a16="http://schemas.microsoft.com/office/drawing/2014/main" id="{B5C458B1-DE32-5E2C-FFA5-89F091E73E3D}"/>
+                <a16:creationId xmlns="" xmlns:a16="http://schemas.microsoft.com/office/drawing/2014/main" id="{B5C458B1-DE32-5E2C-FFA5-89F091E73E3D}"/>
               </a:ext>
             </a:extLst>
           </p:cNvPr>
@@ -4286,7 +4286,7 @@
           <p:cNvPr id="4" name="Content Placeholder 3">
             <a:extLst>
               <a:ext uri="{FF2B5EF4-FFF2-40B4-BE49-F238E27FC236}">
-                <a16:creationId xmlns:a16="http://schemas.microsoft.com/office/drawing/2014/main" id="{DB4AAFDF-A646-1F30-42C7-83BBAF79174A}"/>
+                <a16:creationId xmlns="" xmlns:a16="http://schemas.microsoft.com/office/drawing/2014/main" id="{DB4AAFDF-A646-1F30-42C7-83BBAF79174A}"/>
               </a:ext>
             </a:extLst>
           </p:cNvPr>
@@ -4348,7 +4348,7 @@
           <p:cNvPr id="5" name="Date Placeholder 4">
             <a:extLst>
               <a:ext uri="{FF2B5EF4-FFF2-40B4-BE49-F238E27FC236}">
-                <a16:creationId xmlns:a16="http://schemas.microsoft.com/office/drawing/2014/main" id="{AA355D98-A0E1-ACB5-5CA9-1566D6FB20EE}"/>
+                <a16:creationId xmlns="" xmlns:a16="http://schemas.microsoft.com/office/drawing/2014/main" id="{AA355D98-A0E1-ACB5-5CA9-1566D6FB20EE}"/>
               </a:ext>
             </a:extLst>
           </p:cNvPr>
@@ -4366,7 +4366,7 @@
           <a:p>
             <a:fld id="{F5EBBE15-30AF-4EEE-8DDC-4C0214E8A496}" type="datetimeFigureOut">
               <a:rPr lang="en-US" smtClean="0"/>
-              <a:t>11/22/23</a:t>
+              <a:t>3/1/2024</a:t>
             </a:fld>
             <a:endParaRPr lang="en-US"/>
           </a:p>
@@ -4377,7 +4377,7 @@
           <p:cNvPr id="6" name="Footer Placeholder 5">
             <a:extLst>
               <a:ext uri="{FF2B5EF4-FFF2-40B4-BE49-F238E27FC236}">
-                <a16:creationId xmlns:a16="http://schemas.microsoft.com/office/drawing/2014/main" id="{370043AD-5D1E-8B79-D7DF-21F320F2EFE3}"/>
+                <a16:creationId xmlns="" xmlns:a16="http://schemas.microsoft.com/office/drawing/2014/main" id="{370043AD-5D1E-8B79-D7DF-21F320F2EFE3}"/>
               </a:ext>
             </a:extLst>
           </p:cNvPr>
@@ -4402,7 +4402,7 @@
           <p:cNvPr id="7" name="Slide Number Placeholder 6">
             <a:extLst>
               <a:ext uri="{FF2B5EF4-FFF2-40B4-BE49-F238E27FC236}">
-                <a16:creationId xmlns:a16="http://schemas.microsoft.com/office/drawing/2014/main" id="{D590C3AB-EC34-063C-1FC3-324B9C61556A}"/>
+                <a16:creationId xmlns="" xmlns:a16="http://schemas.microsoft.com/office/drawing/2014/main" id="{D590C3AB-EC34-063C-1FC3-324B9C61556A}"/>
               </a:ext>
             </a:extLst>
           </p:cNvPr>
@@ -4461,7 +4461,7 @@
           <p:cNvPr id="2" name="Title 1">
             <a:extLst>
               <a:ext uri="{FF2B5EF4-FFF2-40B4-BE49-F238E27FC236}">
-                <a16:creationId xmlns:a16="http://schemas.microsoft.com/office/drawing/2014/main" id="{6EC8715C-0A31-1163-642F-7E10C1A94765}"/>
+                <a16:creationId xmlns="" xmlns:a16="http://schemas.microsoft.com/office/drawing/2014/main" id="{6EC8715C-0A31-1163-642F-7E10C1A94765}"/>
               </a:ext>
             </a:extLst>
           </p:cNvPr>
@@ -4494,7 +4494,7 @@
           <p:cNvPr id="3" name="Text Placeholder 2">
             <a:extLst>
               <a:ext uri="{FF2B5EF4-FFF2-40B4-BE49-F238E27FC236}">
-                <a16:creationId xmlns:a16="http://schemas.microsoft.com/office/drawing/2014/main" id="{B2F949D6-52A6-2A4E-E144-FA21E4DB650C}"/>
+                <a16:creationId xmlns="" xmlns:a16="http://schemas.microsoft.com/office/drawing/2014/main" id="{B2F949D6-52A6-2A4E-E144-FA21E4DB650C}"/>
               </a:ext>
             </a:extLst>
           </p:cNvPr>
@@ -4565,7 +4565,7 @@
           <p:cNvPr id="4" name="Content Placeholder 3">
             <a:extLst>
               <a:ext uri="{FF2B5EF4-FFF2-40B4-BE49-F238E27FC236}">
-                <a16:creationId xmlns:a16="http://schemas.microsoft.com/office/drawing/2014/main" id="{0C80E7AC-6D55-2020-6701-2E003F0010CF}"/>
+                <a16:creationId xmlns="" xmlns:a16="http://schemas.microsoft.com/office/drawing/2014/main" id="{0C80E7AC-6D55-2020-6701-2E003F0010CF}"/>
               </a:ext>
             </a:extLst>
           </p:cNvPr>
@@ -4627,7 +4627,7 @@
           <p:cNvPr id="5" name="Text Placeholder 4">
             <a:extLst>
               <a:ext uri="{FF2B5EF4-FFF2-40B4-BE49-F238E27FC236}">
-                <a16:creationId xmlns:a16="http://schemas.microsoft.com/office/drawing/2014/main" id="{60525D07-0128-D6C6-9AB5-77F748A4661A}"/>
+                <a16:creationId xmlns="" xmlns:a16="http://schemas.microsoft.com/office/drawing/2014/main" id="{60525D07-0128-D6C6-9AB5-77F748A4661A}"/>
               </a:ext>
             </a:extLst>
           </p:cNvPr>
@@ -4698,7 +4698,7 @@
           <p:cNvPr id="6" name="Content Placeholder 5">
             <a:extLst>
               <a:ext uri="{FF2B5EF4-FFF2-40B4-BE49-F238E27FC236}">
-                <a16:creationId xmlns:a16="http://schemas.microsoft.com/office/drawing/2014/main" id="{5E8E839B-7D90-4454-AB8D-AB539FBAE57B}"/>
+                <a16:creationId xmlns="" xmlns:a16="http://schemas.microsoft.com/office/drawing/2014/main" id="{5E8E839B-7D90-4454-AB8D-AB539FBAE57B}"/>
               </a:ext>
             </a:extLst>
           </p:cNvPr>
@@ -4760,7 +4760,7 @@
           <p:cNvPr id="7" name="Date Placeholder 6">
             <a:extLst>
               <a:ext uri="{FF2B5EF4-FFF2-40B4-BE49-F238E27FC236}">
-                <a16:creationId xmlns:a16="http://schemas.microsoft.com/office/drawing/2014/main" id="{CED0B43A-9AD6-F40B-1127-53C5EACB1270}"/>
+                <a16:creationId xmlns="" xmlns:a16="http://schemas.microsoft.com/office/drawing/2014/main" id="{CED0B43A-9AD6-F40B-1127-53C5EACB1270}"/>
               </a:ext>
             </a:extLst>
           </p:cNvPr>
@@ -4778,7 +4778,7 @@
           <a:p>
             <a:fld id="{F5EBBE15-30AF-4EEE-8DDC-4C0214E8A496}" type="datetimeFigureOut">
               <a:rPr lang="en-US" smtClean="0"/>
-              <a:t>11/22/23</a:t>
+              <a:t>3/1/2024</a:t>
             </a:fld>
             <a:endParaRPr lang="en-US"/>
           </a:p>
@@ -4789,7 +4789,7 @@
           <p:cNvPr id="8" name="Footer Placeholder 7">
             <a:extLst>
               <a:ext uri="{FF2B5EF4-FFF2-40B4-BE49-F238E27FC236}">
-                <a16:creationId xmlns:a16="http://schemas.microsoft.com/office/drawing/2014/main" id="{652F13C1-BD03-B0C2-15F9-F4C07298C122}"/>
+                <a16:creationId xmlns="" xmlns:a16="http://schemas.microsoft.com/office/drawing/2014/main" id="{652F13C1-BD03-B0C2-15F9-F4C07298C122}"/>
               </a:ext>
             </a:extLst>
           </p:cNvPr>
@@ -4814,7 +4814,7 @@
           <p:cNvPr id="9" name="Slide Number Placeholder 8">
             <a:extLst>
               <a:ext uri="{FF2B5EF4-FFF2-40B4-BE49-F238E27FC236}">
-                <a16:creationId xmlns:a16="http://schemas.microsoft.com/office/drawing/2014/main" id="{3F602EEF-1A6F-BA92-D779-6C1FE25DF9C2}"/>
+                <a16:creationId xmlns="" xmlns:a16="http://schemas.microsoft.com/office/drawing/2014/main" id="{3F602EEF-1A6F-BA92-D779-6C1FE25DF9C2}"/>
               </a:ext>
             </a:extLst>
           </p:cNvPr>
@@ -4873,7 +4873,7 @@
           <p:cNvPr id="2" name="Title 1">
             <a:extLst>
               <a:ext uri="{FF2B5EF4-FFF2-40B4-BE49-F238E27FC236}">
-                <a16:creationId xmlns:a16="http://schemas.microsoft.com/office/drawing/2014/main" id="{1754032E-5428-D96A-09B4-AD835FF7F4AB}"/>
+                <a16:creationId xmlns="" xmlns:a16="http://schemas.microsoft.com/office/drawing/2014/main" id="{1754032E-5428-D96A-09B4-AD835FF7F4AB}"/>
               </a:ext>
             </a:extLst>
           </p:cNvPr>
@@ -4901,7 +4901,7 @@
           <p:cNvPr id="3" name="Date Placeholder 2">
             <a:extLst>
               <a:ext uri="{FF2B5EF4-FFF2-40B4-BE49-F238E27FC236}">
-                <a16:creationId xmlns:a16="http://schemas.microsoft.com/office/drawing/2014/main" id="{92F4AB10-89D0-1060-8EB9-E90A145AE585}"/>
+                <a16:creationId xmlns="" xmlns:a16="http://schemas.microsoft.com/office/drawing/2014/main" id="{92F4AB10-89D0-1060-8EB9-E90A145AE585}"/>
               </a:ext>
             </a:extLst>
           </p:cNvPr>
@@ -4919,7 +4919,7 @@
           <a:p>
             <a:fld id="{F5EBBE15-30AF-4EEE-8DDC-4C0214E8A496}" type="datetimeFigureOut">
               <a:rPr lang="en-US" smtClean="0"/>
-              <a:t>11/22/23</a:t>
+              <a:t>3/1/2024</a:t>
             </a:fld>
             <a:endParaRPr lang="en-US"/>
           </a:p>
@@ -4930,7 +4930,7 @@
           <p:cNvPr id="4" name="Footer Placeholder 3">
             <a:extLst>
               <a:ext uri="{FF2B5EF4-FFF2-40B4-BE49-F238E27FC236}">
-                <a16:creationId xmlns:a16="http://schemas.microsoft.com/office/drawing/2014/main" id="{F927103D-604A-8326-4D13-66C3B6B90363}"/>
+                <a16:creationId xmlns="" xmlns:a16="http://schemas.microsoft.com/office/drawing/2014/main" id="{F927103D-604A-8326-4D13-66C3B6B90363}"/>
               </a:ext>
             </a:extLst>
           </p:cNvPr>
@@ -4955,7 +4955,7 @@
           <p:cNvPr id="5" name="Slide Number Placeholder 4">
             <a:extLst>
               <a:ext uri="{FF2B5EF4-FFF2-40B4-BE49-F238E27FC236}">
-                <a16:creationId xmlns:a16="http://schemas.microsoft.com/office/drawing/2014/main" id="{55786865-F5F3-112C-FF73-55AC82C6FB05}"/>
+                <a16:creationId xmlns="" xmlns:a16="http://schemas.microsoft.com/office/drawing/2014/main" id="{55786865-F5F3-112C-FF73-55AC82C6FB05}"/>
               </a:ext>
             </a:extLst>
           </p:cNvPr>
@@ -5014,7 +5014,7 @@
           <p:cNvPr id="2" name="Date Placeholder 1">
             <a:extLst>
               <a:ext uri="{FF2B5EF4-FFF2-40B4-BE49-F238E27FC236}">
-                <a16:creationId xmlns:a16="http://schemas.microsoft.com/office/drawing/2014/main" id="{BAF2A987-BA5F-FC3C-91A0-331E8A5F5132}"/>
+                <a16:creationId xmlns="" xmlns:a16="http://schemas.microsoft.com/office/drawing/2014/main" id="{BAF2A987-BA5F-FC3C-91A0-331E8A5F5132}"/>
               </a:ext>
             </a:extLst>
           </p:cNvPr>
@@ -5032,7 +5032,7 @@
           <a:p>
             <a:fld id="{F5EBBE15-30AF-4EEE-8DDC-4C0214E8A496}" type="datetimeFigureOut">
               <a:rPr lang="en-US" smtClean="0"/>
-              <a:t>11/22/23</a:t>
+              <a:t>3/1/2024</a:t>
             </a:fld>
             <a:endParaRPr lang="en-US"/>
           </a:p>
@@ -5043,7 +5043,7 @@
           <p:cNvPr id="3" name="Footer Placeholder 2">
             <a:extLst>
               <a:ext uri="{FF2B5EF4-FFF2-40B4-BE49-F238E27FC236}">
-                <a16:creationId xmlns:a16="http://schemas.microsoft.com/office/drawing/2014/main" id="{5257B6BA-3A4A-96B1-EC59-9402F89E845D}"/>
+                <a16:creationId xmlns="" xmlns:a16="http://schemas.microsoft.com/office/drawing/2014/main" id="{5257B6BA-3A4A-96B1-EC59-9402F89E845D}"/>
               </a:ext>
             </a:extLst>
           </p:cNvPr>
@@ -5068,7 +5068,7 @@
           <p:cNvPr id="4" name="Slide Number Placeholder 3">
             <a:extLst>
               <a:ext uri="{FF2B5EF4-FFF2-40B4-BE49-F238E27FC236}">
-                <a16:creationId xmlns:a16="http://schemas.microsoft.com/office/drawing/2014/main" id="{CB3EFD0C-0F5B-D4CD-C2FC-E4FFD67FEF5B}"/>
+                <a16:creationId xmlns="" xmlns:a16="http://schemas.microsoft.com/office/drawing/2014/main" id="{CB3EFD0C-0F5B-D4CD-C2FC-E4FFD67FEF5B}"/>
               </a:ext>
             </a:extLst>
           </p:cNvPr>
@@ -5127,7 +5127,7 @@
           <p:cNvPr id="2" name="Title 1">
             <a:extLst>
               <a:ext uri="{FF2B5EF4-FFF2-40B4-BE49-F238E27FC236}">
-                <a16:creationId xmlns:a16="http://schemas.microsoft.com/office/drawing/2014/main" id="{47827867-6E69-C5C3-3824-5FA71DDC276A}"/>
+                <a16:creationId xmlns="" xmlns:a16="http://schemas.microsoft.com/office/drawing/2014/main" id="{47827867-6E69-C5C3-3824-5FA71DDC276A}"/>
               </a:ext>
             </a:extLst>
           </p:cNvPr>
@@ -5164,7 +5164,7 @@
           <p:cNvPr id="3" name="Content Placeholder 2">
             <a:extLst>
               <a:ext uri="{FF2B5EF4-FFF2-40B4-BE49-F238E27FC236}">
-                <a16:creationId xmlns:a16="http://schemas.microsoft.com/office/drawing/2014/main" id="{6C96E23A-C4D1-CFF9-FC6B-0A0076FB731E}"/>
+                <a16:creationId xmlns="" xmlns:a16="http://schemas.microsoft.com/office/drawing/2014/main" id="{6C96E23A-C4D1-CFF9-FC6B-0A0076FB731E}"/>
               </a:ext>
             </a:extLst>
           </p:cNvPr>
@@ -5254,7 +5254,7 @@
           <p:cNvPr id="4" name="Text Placeholder 3">
             <a:extLst>
               <a:ext uri="{FF2B5EF4-FFF2-40B4-BE49-F238E27FC236}">
-                <a16:creationId xmlns:a16="http://schemas.microsoft.com/office/drawing/2014/main" id="{3D42B0E4-664E-ED4A-982F-E8ABAC43473F}"/>
+                <a16:creationId xmlns="" xmlns:a16="http://schemas.microsoft.com/office/drawing/2014/main" id="{3D42B0E4-664E-ED4A-982F-E8ABAC43473F}"/>
               </a:ext>
             </a:extLst>
           </p:cNvPr>
@@ -5325,7 +5325,7 @@
           <p:cNvPr id="5" name="Date Placeholder 4">
             <a:extLst>
               <a:ext uri="{FF2B5EF4-FFF2-40B4-BE49-F238E27FC236}">
-                <a16:creationId xmlns:a16="http://schemas.microsoft.com/office/drawing/2014/main" id="{E7353C23-920B-EFC8-574E-2972C1B40139}"/>
+                <a16:creationId xmlns="" xmlns:a16="http://schemas.microsoft.com/office/drawing/2014/main" id="{E7353C23-920B-EFC8-574E-2972C1B40139}"/>
               </a:ext>
             </a:extLst>
           </p:cNvPr>
@@ -5343,7 +5343,7 @@
           <a:p>
             <a:fld id="{F5EBBE15-30AF-4EEE-8DDC-4C0214E8A496}" type="datetimeFigureOut">
               <a:rPr lang="en-US" smtClean="0"/>
-              <a:t>11/22/23</a:t>
+              <a:t>3/1/2024</a:t>
             </a:fld>
             <a:endParaRPr lang="en-US"/>
           </a:p>
@@ -5354,7 +5354,7 @@
           <p:cNvPr id="6" name="Footer Placeholder 5">
             <a:extLst>
               <a:ext uri="{FF2B5EF4-FFF2-40B4-BE49-F238E27FC236}">
-                <a16:creationId xmlns:a16="http://schemas.microsoft.com/office/drawing/2014/main" id="{ACA23DAD-2A40-1CD3-B51F-C7A3238D9368}"/>
+                <a16:creationId xmlns="" xmlns:a16="http://schemas.microsoft.com/office/drawing/2014/main" id="{ACA23DAD-2A40-1CD3-B51F-C7A3238D9368}"/>
               </a:ext>
             </a:extLst>
           </p:cNvPr>
@@ -5379,7 +5379,7 @@
           <p:cNvPr id="7" name="Slide Number Placeholder 6">
             <a:extLst>
               <a:ext uri="{FF2B5EF4-FFF2-40B4-BE49-F238E27FC236}">
-                <a16:creationId xmlns:a16="http://schemas.microsoft.com/office/drawing/2014/main" id="{5C36BDC6-F8CB-41C1-A6DC-9BCBB4DB14E2}"/>
+                <a16:creationId xmlns="" xmlns:a16="http://schemas.microsoft.com/office/drawing/2014/main" id="{5C36BDC6-F8CB-41C1-A6DC-9BCBB4DB14E2}"/>
               </a:ext>
             </a:extLst>
           </p:cNvPr>
@@ -5438,7 +5438,7 @@
           <p:cNvPr id="2" name="Title 1">
             <a:extLst>
               <a:ext uri="{FF2B5EF4-FFF2-40B4-BE49-F238E27FC236}">
-                <a16:creationId xmlns:a16="http://schemas.microsoft.com/office/drawing/2014/main" id="{666143B3-866C-CE9E-57C4-2ABD6A617392}"/>
+                <a16:creationId xmlns="" xmlns:a16="http://schemas.microsoft.com/office/drawing/2014/main" id="{666143B3-866C-CE9E-57C4-2ABD6A617392}"/>
               </a:ext>
             </a:extLst>
           </p:cNvPr>
@@ -5475,7 +5475,7 @@
           <p:cNvPr id="3" name="Picture Placeholder 2">
             <a:extLst>
               <a:ext uri="{FF2B5EF4-FFF2-40B4-BE49-F238E27FC236}">
-                <a16:creationId xmlns:a16="http://schemas.microsoft.com/office/drawing/2014/main" id="{1D1D44C9-AE4C-8361-39DD-FBFD796B92F8}"/>
+                <a16:creationId xmlns="" xmlns:a16="http://schemas.microsoft.com/office/drawing/2014/main" id="{1D1D44C9-AE4C-8361-39DD-FBFD796B92F8}"/>
               </a:ext>
             </a:extLst>
           </p:cNvPr>
@@ -5542,7 +5542,7 @@
           <p:cNvPr id="4" name="Text Placeholder 3">
             <a:extLst>
               <a:ext uri="{FF2B5EF4-FFF2-40B4-BE49-F238E27FC236}">
-                <a16:creationId xmlns:a16="http://schemas.microsoft.com/office/drawing/2014/main" id="{E3C00992-62BA-D1B8-FD1E-7C1671445C1E}"/>
+                <a16:creationId xmlns="" xmlns:a16="http://schemas.microsoft.com/office/drawing/2014/main" id="{E3C00992-62BA-D1B8-FD1E-7C1671445C1E}"/>
               </a:ext>
             </a:extLst>
           </p:cNvPr>
@@ -5613,7 +5613,7 @@
           <p:cNvPr id="5" name="Date Placeholder 4">
             <a:extLst>
               <a:ext uri="{FF2B5EF4-FFF2-40B4-BE49-F238E27FC236}">
-                <a16:creationId xmlns:a16="http://schemas.microsoft.com/office/drawing/2014/main" id="{DD084FEF-024F-2F7A-F770-111A2603F50C}"/>
+                <a16:creationId xmlns="" xmlns:a16="http://schemas.microsoft.com/office/drawing/2014/main" id="{DD084FEF-024F-2F7A-F770-111A2603F50C}"/>
               </a:ext>
             </a:extLst>
           </p:cNvPr>
@@ -5631,7 +5631,7 @@
           <a:p>
             <a:fld id="{F5EBBE15-30AF-4EEE-8DDC-4C0214E8A496}" type="datetimeFigureOut">
               <a:rPr lang="en-US" smtClean="0"/>
-              <a:t>11/22/23</a:t>
+              <a:t>3/1/2024</a:t>
             </a:fld>
             <a:endParaRPr lang="en-US"/>
           </a:p>
@@ -5642,7 +5642,7 @@
           <p:cNvPr id="6" name="Footer Placeholder 5">
             <a:extLst>
               <a:ext uri="{FF2B5EF4-FFF2-40B4-BE49-F238E27FC236}">
-                <a16:creationId xmlns:a16="http://schemas.microsoft.com/office/drawing/2014/main" id="{C35021E4-8401-CB40-6ED9-091B61B6B784}"/>
+                <a16:creationId xmlns="" xmlns:a16="http://schemas.microsoft.com/office/drawing/2014/main" id="{C35021E4-8401-CB40-6ED9-091B61B6B784}"/>
               </a:ext>
             </a:extLst>
           </p:cNvPr>
@@ -5667,7 +5667,7 @@
           <p:cNvPr id="7" name="Slide Number Placeholder 6">
             <a:extLst>
               <a:ext uri="{FF2B5EF4-FFF2-40B4-BE49-F238E27FC236}">
-                <a16:creationId xmlns:a16="http://schemas.microsoft.com/office/drawing/2014/main" id="{4DE1C97C-0537-CB5E-2525-62A40FC3515D}"/>
+                <a16:creationId xmlns="" xmlns:a16="http://schemas.microsoft.com/office/drawing/2014/main" id="{4DE1C97C-0537-CB5E-2525-62A40FC3515D}"/>
               </a:ext>
             </a:extLst>
           </p:cNvPr>
@@ -5736,7 +5736,7 @@
           <p:cNvPr id="2" name="Title Placeholder 1">
             <a:extLst>
               <a:ext uri="{FF2B5EF4-FFF2-40B4-BE49-F238E27FC236}">
-                <a16:creationId xmlns:a16="http://schemas.microsoft.com/office/drawing/2014/main" id="{389FE19F-23FF-6D2D-2077-B4B4970A516A}"/>
+                <a16:creationId xmlns="" xmlns:a16="http://schemas.microsoft.com/office/drawing/2014/main" id="{389FE19F-23FF-6D2D-2077-B4B4970A516A}"/>
               </a:ext>
             </a:extLst>
           </p:cNvPr>
@@ -5774,7 +5774,7 @@
           <p:cNvPr id="3" name="Text Placeholder 2">
             <a:extLst>
               <a:ext uri="{FF2B5EF4-FFF2-40B4-BE49-F238E27FC236}">
-                <a16:creationId xmlns:a16="http://schemas.microsoft.com/office/drawing/2014/main" id="{17BD6C38-E28E-43E6-5CFF-680F3DF8FEE8}"/>
+                <a16:creationId xmlns="" xmlns:a16="http://schemas.microsoft.com/office/drawing/2014/main" id="{17BD6C38-E28E-43E6-5CFF-680F3DF8FEE8}"/>
               </a:ext>
             </a:extLst>
           </p:cNvPr>
@@ -5841,7 +5841,7 @@
           <p:cNvPr id="4" name="Date Placeholder 3">
             <a:extLst>
               <a:ext uri="{FF2B5EF4-FFF2-40B4-BE49-F238E27FC236}">
-                <a16:creationId xmlns:a16="http://schemas.microsoft.com/office/drawing/2014/main" id="{ADC28F68-A5C2-F417-61B1-7AA066F854F2}"/>
+                <a16:creationId xmlns="" xmlns:a16="http://schemas.microsoft.com/office/drawing/2014/main" id="{ADC28F68-A5C2-F417-61B1-7AA066F854F2}"/>
               </a:ext>
             </a:extLst>
           </p:cNvPr>
@@ -5877,7 +5877,7 @@
           <a:p>
             <a:fld id="{F5EBBE15-30AF-4EEE-8DDC-4C0214E8A496}" type="datetimeFigureOut">
               <a:rPr lang="en-US" smtClean="0"/>
-              <a:t>11/22/23</a:t>
+              <a:t>3/1/2024</a:t>
             </a:fld>
             <a:endParaRPr lang="en-US"/>
           </a:p>
@@ -5888,7 +5888,7 @@
           <p:cNvPr id="5" name="Footer Placeholder 4">
             <a:extLst>
               <a:ext uri="{FF2B5EF4-FFF2-40B4-BE49-F238E27FC236}">
-                <a16:creationId xmlns:a16="http://schemas.microsoft.com/office/drawing/2014/main" id="{30B3A50C-8BB7-741A-3075-CA91E3329FC4}"/>
+                <a16:creationId xmlns="" xmlns:a16="http://schemas.microsoft.com/office/drawing/2014/main" id="{30B3A50C-8BB7-741A-3075-CA91E3329FC4}"/>
               </a:ext>
             </a:extLst>
           </p:cNvPr>
@@ -5931,7 +5931,7 @@
           <p:cNvPr id="6" name="Slide Number Placeholder 5">
             <a:extLst>
               <a:ext uri="{FF2B5EF4-FFF2-40B4-BE49-F238E27FC236}">
-                <a16:creationId xmlns:a16="http://schemas.microsoft.com/office/drawing/2014/main" id="{70411F17-8C35-E9E7-5E3E-55635A59B544}"/>
+                <a16:creationId xmlns="" xmlns:a16="http://schemas.microsoft.com/office/drawing/2014/main" id="{70411F17-8C35-E9E7-5E3E-55635A59B544}"/>
               </a:ext>
             </a:extLst>
           </p:cNvPr>
@@ -6299,7 +6299,7 @@
           <p:cNvPr id="5" name="Oval 4">
             <a:extLst>
               <a:ext uri="{FF2B5EF4-FFF2-40B4-BE49-F238E27FC236}">
-                <a16:creationId xmlns:a16="http://schemas.microsoft.com/office/drawing/2014/main" id="{4F801911-7829-16D0-44D0-89F4F513D379}"/>
+                <a16:creationId xmlns="" xmlns:a16="http://schemas.microsoft.com/office/drawing/2014/main" id="{4F801911-7829-16D0-44D0-89F4F513D379}"/>
               </a:ext>
             </a:extLst>
           </p:cNvPr>
@@ -6358,7 +6358,7 @@
           <p:cNvPr id="6" name="Title 1">
             <a:extLst>
               <a:ext uri="{FF2B5EF4-FFF2-40B4-BE49-F238E27FC236}">
-                <a16:creationId xmlns:a16="http://schemas.microsoft.com/office/drawing/2014/main" id="{1E2A994F-928A-212C-0BAF-68E46340BD21}"/>
+                <a16:creationId xmlns="" xmlns:a16="http://schemas.microsoft.com/office/drawing/2014/main" id="{1E2A994F-928A-212C-0BAF-68E46340BD21}"/>
               </a:ext>
             </a:extLst>
           </p:cNvPr>
@@ -6422,7 +6422,7 @@
           <p:cNvPr id="7" name="Left Brace 6">
             <a:extLst>
               <a:ext uri="{FF2B5EF4-FFF2-40B4-BE49-F238E27FC236}">
-                <a16:creationId xmlns:a16="http://schemas.microsoft.com/office/drawing/2014/main" id="{5F036580-DFBF-B536-279A-454E8C09F609}"/>
+                <a16:creationId xmlns="" xmlns:a16="http://schemas.microsoft.com/office/drawing/2014/main" id="{5F036580-DFBF-B536-279A-454E8C09F609}"/>
               </a:ext>
             </a:extLst>
           </p:cNvPr>
@@ -6474,7 +6474,7 @@
           <p:cNvPr id="8" name="Title 1">
             <a:extLst>
               <a:ext uri="{FF2B5EF4-FFF2-40B4-BE49-F238E27FC236}">
-                <a16:creationId xmlns:a16="http://schemas.microsoft.com/office/drawing/2014/main" id="{A683EDE9-2EEA-06C7-05BE-F569703537B6}"/>
+                <a16:creationId xmlns="" xmlns:a16="http://schemas.microsoft.com/office/drawing/2014/main" id="{A683EDE9-2EEA-06C7-05BE-F569703537B6}"/>
               </a:ext>
             </a:extLst>
           </p:cNvPr>
@@ -6538,7 +6538,7 @@
           <p:cNvPr id="9" name="Left Brace 8">
             <a:extLst>
               <a:ext uri="{FF2B5EF4-FFF2-40B4-BE49-F238E27FC236}">
-                <a16:creationId xmlns:a16="http://schemas.microsoft.com/office/drawing/2014/main" id="{6BEA1532-1192-E8B1-AEB5-C102E1CFF732}"/>
+                <a16:creationId xmlns="" xmlns:a16="http://schemas.microsoft.com/office/drawing/2014/main" id="{6BEA1532-1192-E8B1-AEB5-C102E1CFF732}"/>
               </a:ext>
             </a:extLst>
           </p:cNvPr>
@@ -6586,7 +6586,7 @@
           <p:cNvPr id="10" name="Title 1">
             <a:extLst>
               <a:ext uri="{FF2B5EF4-FFF2-40B4-BE49-F238E27FC236}">
-                <a16:creationId xmlns:a16="http://schemas.microsoft.com/office/drawing/2014/main" id="{9525B7F4-671E-5F22-9AD9-F1846921361B}"/>
+                <a16:creationId xmlns="" xmlns:a16="http://schemas.microsoft.com/office/drawing/2014/main" id="{9525B7F4-671E-5F22-9AD9-F1846921361B}"/>
               </a:ext>
             </a:extLst>
           </p:cNvPr>
@@ -6650,7 +6650,7 @@
           <p:cNvPr id="11" name="Straight Connector 10">
             <a:extLst>
               <a:ext uri="{FF2B5EF4-FFF2-40B4-BE49-F238E27FC236}">
-                <a16:creationId xmlns:a16="http://schemas.microsoft.com/office/drawing/2014/main" id="{97E56BAF-E028-5F10-9E24-BD729590F1C4}"/>
+                <a16:creationId xmlns="" xmlns:a16="http://schemas.microsoft.com/office/drawing/2014/main" id="{97E56BAF-E028-5F10-9E24-BD729590F1C4}"/>
               </a:ext>
             </a:extLst>
           </p:cNvPr>
@@ -6693,7 +6693,7 @@
           <p:cNvPr id="12" name="Straight Connector 11">
             <a:extLst>
               <a:ext uri="{FF2B5EF4-FFF2-40B4-BE49-F238E27FC236}">
-                <a16:creationId xmlns:a16="http://schemas.microsoft.com/office/drawing/2014/main" id="{69F58FB1-A8A0-C676-1917-12379C629718}"/>
+                <a16:creationId xmlns="" xmlns:a16="http://schemas.microsoft.com/office/drawing/2014/main" id="{69F58FB1-A8A0-C676-1917-12379C629718}"/>
               </a:ext>
             </a:extLst>
           </p:cNvPr>
@@ -6736,7 +6736,7 @@
           <p:cNvPr id="13" name="Oval 12">
             <a:extLst>
               <a:ext uri="{FF2B5EF4-FFF2-40B4-BE49-F238E27FC236}">
-                <a16:creationId xmlns:a16="http://schemas.microsoft.com/office/drawing/2014/main" id="{683AD297-DE8B-B207-5653-F646E00DF9C7}"/>
+                <a16:creationId xmlns="" xmlns:a16="http://schemas.microsoft.com/office/drawing/2014/main" id="{683AD297-DE8B-B207-5653-F646E00DF9C7}"/>
               </a:ext>
             </a:extLst>
           </p:cNvPr>
@@ -6785,7 +6785,7 @@
           <p:cNvPr id="14" name="Oval 13">
             <a:extLst>
               <a:ext uri="{FF2B5EF4-FFF2-40B4-BE49-F238E27FC236}">
-                <a16:creationId xmlns:a16="http://schemas.microsoft.com/office/drawing/2014/main" id="{C7F668ED-3BA4-AFBE-8A6B-C471BF98CC68}"/>
+                <a16:creationId xmlns="" xmlns:a16="http://schemas.microsoft.com/office/drawing/2014/main" id="{C7F668ED-3BA4-AFBE-8A6B-C471BF98CC68}"/>
               </a:ext>
             </a:extLst>
           </p:cNvPr>
@@ -6834,7 +6834,7 @@
           <p:cNvPr id="15" name="Straight Connector 14">
             <a:extLst>
               <a:ext uri="{FF2B5EF4-FFF2-40B4-BE49-F238E27FC236}">
-                <a16:creationId xmlns:a16="http://schemas.microsoft.com/office/drawing/2014/main" id="{47EFC769-C536-1FE0-C304-EC2D749E32EC}"/>
+                <a16:creationId xmlns="" xmlns:a16="http://schemas.microsoft.com/office/drawing/2014/main" id="{47EFC769-C536-1FE0-C304-EC2D749E32EC}"/>
               </a:ext>
             </a:extLst>
           </p:cNvPr>
@@ -6877,7 +6877,7 @@
           <p:cNvPr id="16" name="Oval 15">
             <a:extLst>
               <a:ext uri="{FF2B5EF4-FFF2-40B4-BE49-F238E27FC236}">
-                <a16:creationId xmlns:a16="http://schemas.microsoft.com/office/drawing/2014/main" id="{38D59040-478E-1F78-F7F6-404AC5B88784}"/>
+                <a16:creationId xmlns="" xmlns:a16="http://schemas.microsoft.com/office/drawing/2014/main" id="{38D59040-478E-1F78-F7F6-404AC5B88784}"/>
               </a:ext>
             </a:extLst>
           </p:cNvPr>
@@ -6926,7 +6926,7 @@
           <p:cNvPr id="17" name="Straight Connector 16">
             <a:extLst>
               <a:ext uri="{FF2B5EF4-FFF2-40B4-BE49-F238E27FC236}">
-                <a16:creationId xmlns:a16="http://schemas.microsoft.com/office/drawing/2014/main" id="{EA363FD5-C933-451F-54B6-B44308C34044}"/>
+                <a16:creationId xmlns="" xmlns:a16="http://schemas.microsoft.com/office/drawing/2014/main" id="{EA363FD5-C933-451F-54B6-B44308C34044}"/>
               </a:ext>
             </a:extLst>
           </p:cNvPr>
@@ -6969,7 +6969,7 @@
           <p:cNvPr id="18" name="Oval 17">
             <a:extLst>
               <a:ext uri="{FF2B5EF4-FFF2-40B4-BE49-F238E27FC236}">
-                <a16:creationId xmlns:a16="http://schemas.microsoft.com/office/drawing/2014/main" id="{732F5460-CBFB-009F-6776-47434B5AC9AC}"/>
+                <a16:creationId xmlns="" xmlns:a16="http://schemas.microsoft.com/office/drawing/2014/main" id="{732F5460-CBFB-009F-6776-47434B5AC9AC}"/>
               </a:ext>
             </a:extLst>
           </p:cNvPr>
@@ -7018,7 +7018,7 @@
           <p:cNvPr id="19" name="Straight Connector 18">
             <a:extLst>
               <a:ext uri="{FF2B5EF4-FFF2-40B4-BE49-F238E27FC236}">
-                <a16:creationId xmlns:a16="http://schemas.microsoft.com/office/drawing/2014/main" id="{54BC3282-FF9D-1BD9-5893-A771FC159C1C}"/>
+                <a16:creationId xmlns="" xmlns:a16="http://schemas.microsoft.com/office/drawing/2014/main" id="{54BC3282-FF9D-1BD9-5893-A771FC159C1C}"/>
               </a:ext>
             </a:extLst>
           </p:cNvPr>
@@ -7061,7 +7061,7 @@
           <p:cNvPr id="20" name="Oval 19">
             <a:extLst>
               <a:ext uri="{FF2B5EF4-FFF2-40B4-BE49-F238E27FC236}">
-                <a16:creationId xmlns:a16="http://schemas.microsoft.com/office/drawing/2014/main" id="{9A794018-5F47-2E2D-4C78-9EBD280AE809}"/>
+                <a16:creationId xmlns="" xmlns:a16="http://schemas.microsoft.com/office/drawing/2014/main" id="{9A794018-5F47-2E2D-4C78-9EBD280AE809}"/>
               </a:ext>
             </a:extLst>
           </p:cNvPr>
@@ -7110,7 +7110,7 @@
           <p:cNvPr id="21" name="Title 1">
             <a:extLst>
               <a:ext uri="{FF2B5EF4-FFF2-40B4-BE49-F238E27FC236}">
-                <a16:creationId xmlns:a16="http://schemas.microsoft.com/office/drawing/2014/main" id="{867ABCD9-9149-888C-8D5D-2FB8096B9F16}"/>
+                <a16:creationId xmlns="" xmlns:a16="http://schemas.microsoft.com/office/drawing/2014/main" id="{867ABCD9-9149-888C-8D5D-2FB8096B9F16}"/>
               </a:ext>
             </a:extLst>
           </p:cNvPr>
@@ -7174,7 +7174,7 @@
           <p:cNvPr id="22" name="Title 1">
             <a:extLst>
               <a:ext uri="{FF2B5EF4-FFF2-40B4-BE49-F238E27FC236}">
-                <a16:creationId xmlns:a16="http://schemas.microsoft.com/office/drawing/2014/main" id="{185ACF9A-0383-7F0F-A88D-813ACBBE4CD6}"/>
+                <a16:creationId xmlns="" xmlns:a16="http://schemas.microsoft.com/office/drawing/2014/main" id="{185ACF9A-0383-7F0F-A88D-813ACBBE4CD6}"/>
               </a:ext>
             </a:extLst>
           </p:cNvPr>
@@ -7238,7 +7238,7 @@
           <p:cNvPr id="23" name="Straight Connector 22">
             <a:extLst>
               <a:ext uri="{FF2B5EF4-FFF2-40B4-BE49-F238E27FC236}">
-                <a16:creationId xmlns:a16="http://schemas.microsoft.com/office/drawing/2014/main" id="{BBD24FDC-37B5-454F-CA5F-EA3EA570B939}"/>
+                <a16:creationId xmlns="" xmlns:a16="http://schemas.microsoft.com/office/drawing/2014/main" id="{BBD24FDC-37B5-454F-CA5F-EA3EA570B939}"/>
               </a:ext>
             </a:extLst>
           </p:cNvPr>
@@ -7281,7 +7281,7 @@
           <p:cNvPr id="24" name="Left Brace 23">
             <a:extLst>
               <a:ext uri="{FF2B5EF4-FFF2-40B4-BE49-F238E27FC236}">
-                <a16:creationId xmlns:a16="http://schemas.microsoft.com/office/drawing/2014/main" id="{7F3CFFF7-CBDA-F11C-5B31-E26671A9C2F7}"/>
+                <a16:creationId xmlns="" xmlns:a16="http://schemas.microsoft.com/office/drawing/2014/main" id="{7F3CFFF7-CBDA-F11C-5B31-E26671A9C2F7}"/>
               </a:ext>
             </a:extLst>
           </p:cNvPr>
@@ -7329,7 +7329,7 @@
           <p:cNvPr id="25" name="Left Brace 24">
             <a:extLst>
               <a:ext uri="{FF2B5EF4-FFF2-40B4-BE49-F238E27FC236}">
-                <a16:creationId xmlns:a16="http://schemas.microsoft.com/office/drawing/2014/main" id="{755F76D7-F7DB-789C-E23A-B0AB047493AF}"/>
+                <a16:creationId xmlns="" xmlns:a16="http://schemas.microsoft.com/office/drawing/2014/main" id="{755F76D7-F7DB-789C-E23A-B0AB047493AF}"/>
               </a:ext>
             </a:extLst>
           </p:cNvPr>
@@ -7377,7 +7377,7 @@
           <p:cNvPr id="26" name="Oval 25">
             <a:extLst>
               <a:ext uri="{FF2B5EF4-FFF2-40B4-BE49-F238E27FC236}">
-                <a16:creationId xmlns:a16="http://schemas.microsoft.com/office/drawing/2014/main" id="{6D7BBEFD-D8A9-1FA2-1FA1-8CE13869D346}"/>
+                <a16:creationId xmlns="" xmlns:a16="http://schemas.microsoft.com/office/drawing/2014/main" id="{6D7BBEFD-D8A9-1FA2-1FA1-8CE13869D346}"/>
               </a:ext>
             </a:extLst>
           </p:cNvPr>
@@ -7426,7 +7426,7 @@
           <p:cNvPr id="27" name="Title 1">
             <a:extLst>
               <a:ext uri="{FF2B5EF4-FFF2-40B4-BE49-F238E27FC236}">
-                <a16:creationId xmlns:a16="http://schemas.microsoft.com/office/drawing/2014/main" id="{4E4C0FBD-858D-D29E-954C-33FDB512842E}"/>
+                <a16:creationId xmlns="" xmlns:a16="http://schemas.microsoft.com/office/drawing/2014/main" id="{4E4C0FBD-858D-D29E-954C-33FDB512842E}"/>
               </a:ext>
             </a:extLst>
           </p:cNvPr>
@@ -7498,18 +7498,9 @@
   <p:clrMapOvr>
     <a:masterClrMapping/>
   </p:clrMapOvr>
-  <mc:AlternateContent xmlns:mc="http://schemas.openxmlformats.org/markup-compatibility/2006" xmlns:p159="http://schemas.microsoft.com/office/powerpoint/2015/09/main">
-    <mc:Choice Requires="p159">
-      <p:transition xmlns:p14="http://schemas.microsoft.com/office/powerpoint/2010/main" spd="slow" p14:dur="2000" advClick="0" advTm="15700">
-        <p159:morph option="byObject"/>
-      </p:transition>
-    </mc:Choice>
-    <mc:Fallback xmlns="">
-      <p:transition spd="slow" advClick="0" advTm="15700">
-        <p:fade/>
-      </p:transition>
-    </mc:Fallback>
-  </mc:AlternateContent>
+  <p:transition spd="slow" advClick="0" advTm="16000">
+    <p:fade/>
+  </p:transition>
   <p:timing>
     <p:tnLst>
       <p:par>
@@ -8330,7 +8321,7 @@
           <p:cNvPr id="7" name="TextBox 6">
             <a:extLst>
               <a:ext uri="{FF2B5EF4-FFF2-40B4-BE49-F238E27FC236}">
-                <a16:creationId xmlns:a16="http://schemas.microsoft.com/office/drawing/2014/main" id="{2EC38396-047C-A9EC-1F4A-ED502D0EE4A4}"/>
+                <a16:creationId xmlns="" xmlns:a16="http://schemas.microsoft.com/office/drawing/2014/main" id="{2EC38396-047C-A9EC-1F4A-ED502D0EE4A4}"/>
               </a:ext>
             </a:extLst>
           </p:cNvPr>
@@ -8445,7 +8436,7 @@
           <p:cNvPr id="8" name="Freeform: Shape 7">
             <a:extLst>
               <a:ext uri="{FF2B5EF4-FFF2-40B4-BE49-F238E27FC236}">
-                <a16:creationId xmlns:a16="http://schemas.microsoft.com/office/drawing/2014/main" id="{49853548-77FC-5D8C-D61B-73C83A3FA390}"/>
+                <a16:creationId xmlns="" xmlns:a16="http://schemas.microsoft.com/office/drawing/2014/main" id="{49853548-77FC-5D8C-D61B-73C83A3FA390}"/>
               </a:ext>
             </a:extLst>
           </p:cNvPr>
@@ -9037,7 +9028,7 @@
           <p:cNvPr id="2" name="Title 1">
             <a:extLst>
               <a:ext uri="{FF2B5EF4-FFF2-40B4-BE49-F238E27FC236}">
-                <a16:creationId xmlns:a16="http://schemas.microsoft.com/office/drawing/2014/main" id="{58621D17-6209-E557-E64D-DFD285923DE5}"/>
+                <a16:creationId xmlns="" xmlns:a16="http://schemas.microsoft.com/office/drawing/2014/main" id="{58621D17-6209-E557-E64D-DFD285923DE5}"/>
               </a:ext>
             </a:extLst>
           </p:cNvPr>
@@ -9170,7 +9161,7 @@
           <p:cNvPr id="5" name="Group 4">
             <a:extLst>
               <a:ext uri="{FF2B5EF4-FFF2-40B4-BE49-F238E27FC236}">
-                <a16:creationId xmlns:a16="http://schemas.microsoft.com/office/drawing/2014/main" id="{B536D161-B07B-AD45-378B-70909656780F}"/>
+                <a16:creationId xmlns="" xmlns:a16="http://schemas.microsoft.com/office/drawing/2014/main" id="{B536D161-B07B-AD45-378B-70909656780F}"/>
               </a:ext>
             </a:extLst>
           </p:cNvPr>
@@ -9190,7 +9181,7 @@
             <p:cNvPr id="11" name="Content Placeholder 2">
               <a:extLst>
                 <a:ext uri="{FF2B5EF4-FFF2-40B4-BE49-F238E27FC236}">
-                  <a16:creationId xmlns:a16="http://schemas.microsoft.com/office/drawing/2014/main" id="{55E6F3D3-09D3-06FA-F791-13B8FB066D50}"/>
+                  <a16:creationId xmlns="" xmlns:a16="http://schemas.microsoft.com/office/drawing/2014/main" id="{55E6F3D3-09D3-06FA-F791-13B8FB066D50}"/>
                 </a:ext>
               </a:extLst>
             </p:cNvPr>
@@ -9485,7 +9476,7 @@
             <p:cNvPr id="12" name="Content Placeholder 2">
               <a:extLst>
                 <a:ext uri="{FF2B5EF4-FFF2-40B4-BE49-F238E27FC236}">
-                  <a16:creationId xmlns:a16="http://schemas.microsoft.com/office/drawing/2014/main" id="{83A7D6D8-B2F9-4856-0C3B-B3ED5FA4F71F}"/>
+                  <a16:creationId xmlns="" xmlns:a16="http://schemas.microsoft.com/office/drawing/2014/main" id="{83A7D6D8-B2F9-4856-0C3B-B3ED5FA4F71F}"/>
                 </a:ext>
               </a:extLst>
             </p:cNvPr>
@@ -9768,7 +9759,7 @@
             <p:cNvPr id="13" name="Content Placeholder 2">
               <a:extLst>
                 <a:ext uri="{FF2B5EF4-FFF2-40B4-BE49-F238E27FC236}">
-                  <a16:creationId xmlns:a16="http://schemas.microsoft.com/office/drawing/2014/main" id="{EAF35551-B48C-90FD-3E3C-7E7A7D1725DD}"/>
+                  <a16:creationId xmlns="" xmlns:a16="http://schemas.microsoft.com/office/drawing/2014/main" id="{EAF35551-B48C-90FD-3E3C-7E7A7D1725DD}"/>
                 </a:ext>
               </a:extLst>
             </p:cNvPr>
@@ -10022,7 +10013,7 @@
             <p:cNvPr id="15" name="Straight Connector 14">
               <a:extLst>
                 <a:ext uri="{FF2B5EF4-FFF2-40B4-BE49-F238E27FC236}">
-                  <a16:creationId xmlns:a16="http://schemas.microsoft.com/office/drawing/2014/main" id="{74663C80-958A-FEEE-A61C-13EF1DD4BA77}"/>
+                  <a16:creationId xmlns="" xmlns:a16="http://schemas.microsoft.com/office/drawing/2014/main" id="{74663C80-958A-FEEE-A61C-13EF1DD4BA77}"/>
                 </a:ext>
               </a:extLst>
             </p:cNvPr>
@@ -10060,7 +10051,7 @@
           <p:cNvPr id="14" name="Group 13">
             <a:extLst>
               <a:ext uri="{FF2B5EF4-FFF2-40B4-BE49-F238E27FC236}">
-                <a16:creationId xmlns:a16="http://schemas.microsoft.com/office/drawing/2014/main" id="{8DDE76B3-9E5F-34FE-76FE-6ABB7B2D7AE8}"/>
+                <a16:creationId xmlns="" xmlns:a16="http://schemas.microsoft.com/office/drawing/2014/main" id="{8DDE76B3-9E5F-34FE-76FE-6ABB7B2D7AE8}"/>
               </a:ext>
             </a:extLst>
           </p:cNvPr>
@@ -10080,7 +10071,7 @@
             <p:cNvPr id="3" name="Group 2">
               <a:extLst>
                 <a:ext uri="{FF2B5EF4-FFF2-40B4-BE49-F238E27FC236}">
-                  <a16:creationId xmlns:a16="http://schemas.microsoft.com/office/drawing/2014/main" id="{38133A74-87A4-4AB8-8D3C-242893308BAF}"/>
+                  <a16:creationId xmlns="" xmlns:a16="http://schemas.microsoft.com/office/drawing/2014/main" id="{38133A74-87A4-4AB8-8D3C-242893308BAF}"/>
                 </a:ext>
               </a:extLst>
             </p:cNvPr>
@@ -10100,7 +10091,7 @@
               <p:cNvPr id="4" name="Content Placeholder 2">
                 <a:extLst>
                   <a:ext uri="{FF2B5EF4-FFF2-40B4-BE49-F238E27FC236}">
-                    <a16:creationId xmlns:a16="http://schemas.microsoft.com/office/drawing/2014/main" id="{6137C534-1890-51BF-1643-830A22CC27D7}"/>
+                    <a16:creationId xmlns="" xmlns:a16="http://schemas.microsoft.com/office/drawing/2014/main" id="{6137C534-1890-51BF-1643-830A22CC27D7}"/>
                   </a:ext>
                 </a:extLst>
               </p:cNvPr>
@@ -10413,7 +10404,7 @@
               <p:cNvPr id="6" name="Content Placeholder 2">
                 <a:extLst>
                   <a:ext uri="{FF2B5EF4-FFF2-40B4-BE49-F238E27FC236}">
-                    <a16:creationId xmlns:a16="http://schemas.microsoft.com/office/drawing/2014/main" id="{F7F01427-7230-FB80-4C3F-9C09F4C6188F}"/>
+                    <a16:creationId xmlns="" xmlns:a16="http://schemas.microsoft.com/office/drawing/2014/main" id="{F7F01427-7230-FB80-4C3F-9C09F4C6188F}"/>
                   </a:ext>
                 </a:extLst>
               </p:cNvPr>
@@ -10707,7 +10698,7 @@
             <p:cNvPr id="9" name="Content Placeholder 2">
               <a:extLst>
                 <a:ext uri="{FF2B5EF4-FFF2-40B4-BE49-F238E27FC236}">
-                  <a16:creationId xmlns:a16="http://schemas.microsoft.com/office/drawing/2014/main" id="{C8B5455E-00EF-21DA-EBF8-6320E0AB7F8D}"/>
+                  <a16:creationId xmlns="" xmlns:a16="http://schemas.microsoft.com/office/drawing/2014/main" id="{C8B5455E-00EF-21DA-EBF8-6320E0AB7F8D}"/>
                 </a:ext>
               </a:extLst>
             </p:cNvPr>
@@ -10961,7 +10952,7 @@
             <p:cNvPr id="10" name="Straight Connector 9">
               <a:extLst>
                 <a:ext uri="{FF2B5EF4-FFF2-40B4-BE49-F238E27FC236}">
-                  <a16:creationId xmlns:a16="http://schemas.microsoft.com/office/drawing/2014/main" id="{4A5A691B-FCFC-D473-0A9F-BA77437A27FA}"/>
+                  <a16:creationId xmlns="" xmlns:a16="http://schemas.microsoft.com/office/drawing/2014/main" id="{4A5A691B-FCFC-D473-0A9F-BA77437A27FA}"/>
                 </a:ext>
               </a:extLst>
             </p:cNvPr>
@@ -11004,13 +10995,13 @@
   <p:clrMapOvr>
     <a:masterClrMapping/>
   </p:clrMapOvr>
-  <mc:AlternateContent xmlns:mc="http://schemas.openxmlformats.org/markup-compatibility/2006" xmlns:p159="http://schemas.microsoft.com/office/powerpoint/2015/09/main">
-    <mc:Choice Requires="p159">
+  <mc:AlternateContent xmlns:mc="http://schemas.openxmlformats.org/markup-compatibility/2006">
+    <mc:Choice xmlns="" xmlns:p159="http://schemas.microsoft.com/office/powerpoint/2015/09/main" Requires="p159">
       <p:transition xmlns:p14="http://schemas.microsoft.com/office/powerpoint/2010/main" spd="slow" p14:dur="2000" advClick="0" advTm="9000">
         <p159:morph option="byObject"/>
       </p:transition>
     </mc:Choice>
-    <mc:Fallback xmlns="">
+    <mc:Fallback>
       <p:transition spd="slow" advClick="0" advTm="9000">
         <p:fade/>
       </p:transition>
@@ -11130,7 +11121,7 @@
           <p:cNvPr id="2" name="Title 1">
             <a:extLst>
               <a:ext uri="{FF2B5EF4-FFF2-40B4-BE49-F238E27FC236}">
-                <a16:creationId xmlns:a16="http://schemas.microsoft.com/office/drawing/2014/main" id="{211C905C-6988-7188-FC83-2DF608548D7F}"/>
+                <a16:creationId xmlns="" xmlns:a16="http://schemas.microsoft.com/office/drawing/2014/main" id="{211C905C-6988-7188-FC83-2DF608548D7F}"/>
               </a:ext>
             </a:extLst>
           </p:cNvPr>
@@ -11261,7 +11252,7 @@
           <p:cNvPr id="3" name="TextBox 2">
             <a:extLst>
               <a:ext uri="{FF2B5EF4-FFF2-40B4-BE49-F238E27FC236}">
-                <a16:creationId xmlns:a16="http://schemas.microsoft.com/office/drawing/2014/main" id="{47FB513B-C8F1-C5B4-34C6-F22A900EC58C}"/>
+                <a16:creationId xmlns="" xmlns:a16="http://schemas.microsoft.com/office/drawing/2014/main" id="{47FB513B-C8F1-C5B4-34C6-F22A900EC58C}"/>
               </a:ext>
             </a:extLst>
           </p:cNvPr>
@@ -11376,7 +11367,7 @@
           <p:cNvPr id="4" name="Freeform: Shape 7">
             <a:extLst>
               <a:ext uri="{FF2B5EF4-FFF2-40B4-BE49-F238E27FC236}">
-                <a16:creationId xmlns:a16="http://schemas.microsoft.com/office/drawing/2014/main" id="{D364AACC-1806-B5AA-7C5A-DEDE0823D72E}"/>
+                <a16:creationId xmlns="" xmlns:a16="http://schemas.microsoft.com/office/drawing/2014/main" id="{D364AACC-1806-B5AA-7C5A-DEDE0823D72E}"/>
               </a:ext>
             </a:extLst>
           </p:cNvPr>
@@ -11968,7 +11959,7 @@
           <p:cNvPr id="11" name="TextBox 10">
             <a:extLst>
               <a:ext uri="{FF2B5EF4-FFF2-40B4-BE49-F238E27FC236}">
-                <a16:creationId xmlns:a16="http://schemas.microsoft.com/office/drawing/2014/main" id="{BA2D467B-84EC-7AF4-5374-401E6112E79A}"/>
+                <a16:creationId xmlns="" xmlns:a16="http://schemas.microsoft.com/office/drawing/2014/main" id="{BA2D467B-84EC-7AF4-5374-401E6112E79A}"/>
               </a:ext>
             </a:extLst>
           </p:cNvPr>
@@ -12090,7 +12081,7 @@
           <p:cNvPr id="17" name="Group 16">
             <a:extLst>
               <a:ext uri="{FF2B5EF4-FFF2-40B4-BE49-F238E27FC236}">
-                <a16:creationId xmlns:a16="http://schemas.microsoft.com/office/drawing/2014/main" id="{2BBAAC48-A864-354A-7E5A-30049B984326}"/>
+                <a16:creationId xmlns="" xmlns:a16="http://schemas.microsoft.com/office/drawing/2014/main" id="{2BBAAC48-A864-354A-7E5A-30049B984326}"/>
               </a:ext>
             </a:extLst>
           </p:cNvPr>
@@ -12110,7 +12101,7 @@
             <p:cNvPr id="18" name="Group 17">
               <a:extLst>
                 <a:ext uri="{FF2B5EF4-FFF2-40B4-BE49-F238E27FC236}">
-                  <a16:creationId xmlns:a16="http://schemas.microsoft.com/office/drawing/2014/main" id="{1D8B6F7E-49AD-8467-7399-9020D9089D5B}"/>
+                  <a16:creationId xmlns="" xmlns:a16="http://schemas.microsoft.com/office/drawing/2014/main" id="{1D8B6F7E-49AD-8467-7399-9020D9089D5B}"/>
                 </a:ext>
               </a:extLst>
             </p:cNvPr>
@@ -12130,7 +12121,7 @@
               <p:cNvPr id="21" name="Content Placeholder 2">
                 <a:extLst>
                   <a:ext uri="{FF2B5EF4-FFF2-40B4-BE49-F238E27FC236}">
-                    <a16:creationId xmlns:a16="http://schemas.microsoft.com/office/drawing/2014/main" id="{7D6E6D0E-843B-6E26-9909-59D7AF0F58EB}"/>
+                    <a16:creationId xmlns="" xmlns:a16="http://schemas.microsoft.com/office/drawing/2014/main" id="{7D6E6D0E-843B-6E26-9909-59D7AF0F58EB}"/>
                   </a:ext>
                 </a:extLst>
               </p:cNvPr>
@@ -12443,7 +12434,7 @@
               <p:cNvPr id="22" name="Content Placeholder 2">
                 <a:extLst>
                   <a:ext uri="{FF2B5EF4-FFF2-40B4-BE49-F238E27FC236}">
-                    <a16:creationId xmlns:a16="http://schemas.microsoft.com/office/drawing/2014/main" id="{223E5FE3-476D-B38A-6E55-9F04295323F3}"/>
+                    <a16:creationId xmlns="" xmlns:a16="http://schemas.microsoft.com/office/drawing/2014/main" id="{223E5FE3-476D-B38A-6E55-9F04295323F3}"/>
                   </a:ext>
                 </a:extLst>
               </p:cNvPr>
@@ -12737,7 +12728,7 @@
             <p:cNvPr id="19" name="Content Placeholder 2">
               <a:extLst>
                 <a:ext uri="{FF2B5EF4-FFF2-40B4-BE49-F238E27FC236}">
-                  <a16:creationId xmlns:a16="http://schemas.microsoft.com/office/drawing/2014/main" id="{6F9AE399-DCAA-4002-E2F0-E3F4A64BDAE9}"/>
+                  <a16:creationId xmlns="" xmlns:a16="http://schemas.microsoft.com/office/drawing/2014/main" id="{6F9AE399-DCAA-4002-E2F0-E3F4A64BDAE9}"/>
                 </a:ext>
               </a:extLst>
             </p:cNvPr>
@@ -12991,7 +12982,7 @@
             <p:cNvPr id="20" name="Straight Connector 19">
               <a:extLst>
                 <a:ext uri="{FF2B5EF4-FFF2-40B4-BE49-F238E27FC236}">
-                  <a16:creationId xmlns:a16="http://schemas.microsoft.com/office/drawing/2014/main" id="{D08CC36D-5E1E-51D0-C902-0B2E36B6F73D}"/>
+                  <a16:creationId xmlns="" xmlns:a16="http://schemas.microsoft.com/office/drawing/2014/main" id="{D08CC36D-5E1E-51D0-C902-0B2E36B6F73D}"/>
                 </a:ext>
               </a:extLst>
             </p:cNvPr>
@@ -13034,18 +13025,9 @@
   <p:clrMapOvr>
     <a:masterClrMapping/>
   </p:clrMapOvr>
-  <mc:AlternateContent xmlns:mc="http://schemas.openxmlformats.org/markup-compatibility/2006" xmlns:p159="http://schemas.microsoft.com/office/powerpoint/2015/09/main">
-    <mc:Choice Requires="p159">
-      <p:transition xmlns:p14="http://schemas.microsoft.com/office/powerpoint/2010/main" spd="slow" p14:dur="2000" advClick="0" advTm="12000">
-        <p159:morph option="byObject"/>
-      </p:transition>
-    </mc:Choice>
-    <mc:Fallback xmlns="">
-      <p:transition spd="slow" advClick="0" advTm="12000">
-        <p:fade/>
-      </p:transition>
-    </mc:Fallback>
-  </mc:AlternateContent>
+  <p:transition spd="slow" advClick="0" advTm="13500">
+    <p:fade/>
+  </p:transition>
   <p:timing>
     <p:tnLst>
       <p:par>
@@ -13160,7 +13142,7 @@
           <p:cNvPr id="10" name="TextBox 9">
             <a:extLst>
               <a:ext uri="{FF2B5EF4-FFF2-40B4-BE49-F238E27FC236}">
-                <a16:creationId xmlns:a16="http://schemas.microsoft.com/office/drawing/2014/main" id="{75606975-86AD-B122-722D-FAEC883D0F0E}"/>
+                <a16:creationId xmlns="" xmlns:a16="http://schemas.microsoft.com/office/drawing/2014/main" id="{75606975-86AD-B122-722D-FAEC883D0F0E}"/>
               </a:ext>
             </a:extLst>
           </p:cNvPr>
@@ -13282,7 +13264,7 @@
           <p:cNvPr id="11" name="Title 1">
             <a:extLst>
               <a:ext uri="{FF2B5EF4-FFF2-40B4-BE49-F238E27FC236}">
-                <a16:creationId xmlns:a16="http://schemas.microsoft.com/office/drawing/2014/main" id="{F2D22B3A-B092-370E-12B5-7E7E9F74D36B}"/>
+                <a16:creationId xmlns="" xmlns:a16="http://schemas.microsoft.com/office/drawing/2014/main" id="{F2D22B3A-B092-370E-12B5-7E7E9F74D36B}"/>
               </a:ext>
             </a:extLst>
           </p:cNvPr>
@@ -13413,7 +13395,7 @@
           <p:cNvPr id="2" name="TextBox 1">
             <a:extLst>
               <a:ext uri="{FF2B5EF4-FFF2-40B4-BE49-F238E27FC236}">
-                <a16:creationId xmlns:a16="http://schemas.microsoft.com/office/drawing/2014/main" id="{536FC4E8-AB65-1BDC-728E-AC2BE718A087}"/>
+                <a16:creationId xmlns="" xmlns:a16="http://schemas.microsoft.com/office/drawing/2014/main" id="{536FC4E8-AB65-1BDC-728E-AC2BE718A087}"/>
               </a:ext>
             </a:extLst>
           </p:cNvPr>
@@ -13938,7 +13920,7 @@
           <p:cNvPr id="8" name="Group 7">
             <a:extLst>
               <a:ext uri="{FF2B5EF4-FFF2-40B4-BE49-F238E27FC236}">
-                <a16:creationId xmlns:a16="http://schemas.microsoft.com/office/drawing/2014/main" id="{D3778CEF-2364-7BAC-A305-F9DD92E83C85}"/>
+                <a16:creationId xmlns="" xmlns:a16="http://schemas.microsoft.com/office/drawing/2014/main" id="{D3778CEF-2364-7BAC-A305-F9DD92E83C85}"/>
               </a:ext>
             </a:extLst>
           </p:cNvPr>
@@ -13958,7 +13940,7 @@
             <p:cNvPr id="9" name="Group 8">
               <a:extLst>
                 <a:ext uri="{FF2B5EF4-FFF2-40B4-BE49-F238E27FC236}">
-                  <a16:creationId xmlns:a16="http://schemas.microsoft.com/office/drawing/2014/main" id="{75109341-1D85-0286-0328-76CE8316C0C7}"/>
+                  <a16:creationId xmlns="" xmlns:a16="http://schemas.microsoft.com/office/drawing/2014/main" id="{75109341-1D85-0286-0328-76CE8316C0C7}"/>
                 </a:ext>
               </a:extLst>
             </p:cNvPr>
@@ -13978,7 +13960,7 @@
               <p:cNvPr id="14" name="Content Placeholder 2">
                 <a:extLst>
                   <a:ext uri="{FF2B5EF4-FFF2-40B4-BE49-F238E27FC236}">
-                    <a16:creationId xmlns:a16="http://schemas.microsoft.com/office/drawing/2014/main" id="{EB5B2190-D815-9835-82A9-FECCD2118D64}"/>
+                    <a16:creationId xmlns="" xmlns:a16="http://schemas.microsoft.com/office/drawing/2014/main" id="{EB5B2190-D815-9835-82A9-FECCD2118D64}"/>
                   </a:ext>
                 </a:extLst>
               </p:cNvPr>
@@ -14291,7 +14273,7 @@
               <p:cNvPr id="15" name="Content Placeholder 2">
                 <a:extLst>
                   <a:ext uri="{FF2B5EF4-FFF2-40B4-BE49-F238E27FC236}">
-                    <a16:creationId xmlns:a16="http://schemas.microsoft.com/office/drawing/2014/main" id="{F8A6C865-B86A-4FFE-356B-FE4A46EC52E4}"/>
+                    <a16:creationId xmlns="" xmlns:a16="http://schemas.microsoft.com/office/drawing/2014/main" id="{F8A6C865-B86A-4FFE-356B-FE4A46EC52E4}"/>
                   </a:ext>
                 </a:extLst>
               </p:cNvPr>
@@ -14585,7 +14567,7 @@
             <p:cNvPr id="12" name="Content Placeholder 2">
               <a:extLst>
                 <a:ext uri="{FF2B5EF4-FFF2-40B4-BE49-F238E27FC236}">
-                  <a16:creationId xmlns:a16="http://schemas.microsoft.com/office/drawing/2014/main" id="{268F7C94-7559-872A-B575-F1EB4E78154D}"/>
+                  <a16:creationId xmlns="" xmlns:a16="http://schemas.microsoft.com/office/drawing/2014/main" id="{268F7C94-7559-872A-B575-F1EB4E78154D}"/>
                 </a:ext>
               </a:extLst>
             </p:cNvPr>
@@ -14839,7 +14821,7 @@
             <p:cNvPr id="13" name="Straight Connector 12">
               <a:extLst>
                 <a:ext uri="{FF2B5EF4-FFF2-40B4-BE49-F238E27FC236}">
-                  <a16:creationId xmlns:a16="http://schemas.microsoft.com/office/drawing/2014/main" id="{132017CC-D840-F161-9ACE-E1688A6203B0}"/>
+                  <a16:creationId xmlns="" xmlns:a16="http://schemas.microsoft.com/office/drawing/2014/main" id="{132017CC-D840-F161-9ACE-E1688A6203B0}"/>
                 </a:ext>
               </a:extLst>
             </p:cNvPr>
@@ -14882,18 +14864,16 @@
   <p:clrMapOvr>
     <a:masterClrMapping/>
   </p:clrMapOvr>
-  <mc:AlternateContent xmlns:mc="http://schemas.openxmlformats.org/markup-compatibility/2006" xmlns:p159="http://schemas.microsoft.com/office/powerpoint/2015/09/main">
-    <mc:Choice Requires="p159">
-      <p:transition xmlns:p14="http://schemas.microsoft.com/office/powerpoint/2010/main" spd="slow" p14:dur="2000" advClick="0" advTm="9500">
-        <p159:morph option="byObject"/>
-      </p:transition>
-    </mc:Choice>
-    <mc:Fallback xmlns="">
-      <p:transition spd="slow" advClick="0" advTm="9500">
-        <p:fade/>
-      </p:transition>
-    </mc:Fallback>
-  </mc:AlternateContent>
+  <p:transition spd="slow" advClick="0" advTm="10500">
+    <p:fade/>
+  </p:transition>
+  <p:timing>
+    <p:tnLst>
+      <p:par>
+        <p:cTn id="1" dur="indefinite" restart="never" nodeType="tmRoot"/>
+      </p:par>
+    </p:tnLst>
+  </p:timing>
 </p:sld>
 </file>
 
@@ -14919,7 +14899,7 @@
           <p:cNvPr id="5" name="Title 4">
             <a:extLst>
               <a:ext uri="{FF2B5EF4-FFF2-40B4-BE49-F238E27FC236}">
-                <a16:creationId xmlns:a16="http://schemas.microsoft.com/office/drawing/2014/main" id="{5F88F197-434E-21CC-F626-54A7C6BE3345}"/>
+                <a16:creationId xmlns="" xmlns:a16="http://schemas.microsoft.com/office/drawing/2014/main" id="{5F88F197-434E-21CC-F626-54A7C6BE3345}"/>
               </a:ext>
             </a:extLst>
           </p:cNvPr>
@@ -15022,7 +15002,7 @@
           <p:cNvPr id="2" name="TextBox 1">
             <a:extLst>
               <a:ext uri="{FF2B5EF4-FFF2-40B4-BE49-F238E27FC236}">
-                <a16:creationId xmlns:a16="http://schemas.microsoft.com/office/drawing/2014/main" id="{EC4EC9F9-A842-6604-AC34-B37629EAFFE9}"/>
+                <a16:creationId xmlns="" xmlns:a16="http://schemas.microsoft.com/office/drawing/2014/main" id="{EC4EC9F9-A842-6604-AC34-B37629EAFFE9}"/>
               </a:ext>
             </a:extLst>
           </p:cNvPr>
@@ -15547,7 +15527,7 @@
           <p:cNvPr id="4" name="TextBox 3">
             <a:extLst>
               <a:ext uri="{FF2B5EF4-FFF2-40B4-BE49-F238E27FC236}">
-                <a16:creationId xmlns:a16="http://schemas.microsoft.com/office/drawing/2014/main" id="{CCE5CB11-2E85-1623-4FE7-B1ADD4A0B145}"/>
+                <a16:creationId xmlns="" xmlns:a16="http://schemas.microsoft.com/office/drawing/2014/main" id="{CCE5CB11-2E85-1623-4FE7-B1ADD4A0B145}"/>
               </a:ext>
             </a:extLst>
           </p:cNvPr>
@@ -15674,18 +15654,16 @@
   <p:clrMapOvr>
     <a:masterClrMapping/>
   </p:clrMapOvr>
-  <mc:AlternateContent xmlns:mc="http://schemas.openxmlformats.org/markup-compatibility/2006" xmlns:p159="http://schemas.microsoft.com/office/powerpoint/2015/09/main">
-    <mc:Choice Requires="p159">
-      <p:transition xmlns:p14="http://schemas.microsoft.com/office/powerpoint/2010/main" spd="slow" p14:dur="2000" advClick="0" advTm="6500">
-        <p159:morph option="byObject"/>
-      </p:transition>
-    </mc:Choice>
-    <mc:Fallback xmlns="">
-      <p:transition spd="slow" advClick="0" advTm="6500">
-        <p:fade/>
-      </p:transition>
-    </mc:Fallback>
-  </mc:AlternateContent>
+  <p:transition spd="slow" advClick="0" advTm="6000">
+    <p:fade/>
+  </p:transition>
+  <p:timing>
+    <p:tnLst>
+      <p:par>
+        <p:cTn id="1" dur="indefinite" restart="never" nodeType="tmRoot"/>
+      </p:par>
+    </p:tnLst>
+  </p:timing>
 </p:sld>
 </file>
 
@@ -15711,7 +15689,7 @@
           <p:cNvPr id="2" name="Title 1">
             <a:extLst>
               <a:ext uri="{FF2B5EF4-FFF2-40B4-BE49-F238E27FC236}">
-                <a16:creationId xmlns:a16="http://schemas.microsoft.com/office/drawing/2014/main" id="{2EB8EB4A-5E5C-458A-2272-38043BEF80DD}"/>
+                <a16:creationId xmlns="" xmlns:a16="http://schemas.microsoft.com/office/drawing/2014/main" id="{2EB8EB4A-5E5C-458A-2272-38043BEF80DD}"/>
               </a:ext>
             </a:extLst>
           </p:cNvPr>
@@ -15787,7 +15765,7 @@
           <p:cNvPr id="9" name="Rectangle 8">
             <a:extLst>
               <a:ext uri="{FF2B5EF4-FFF2-40B4-BE49-F238E27FC236}">
-                <a16:creationId xmlns:a16="http://schemas.microsoft.com/office/drawing/2014/main" id="{A86D5987-03AB-4E2C-6775-8B9BF2973550}"/>
+                <a16:creationId xmlns="" xmlns:a16="http://schemas.microsoft.com/office/drawing/2014/main" id="{A86D5987-03AB-4E2C-6775-8B9BF2973550}"/>
               </a:ext>
             </a:extLst>
           </p:cNvPr>
@@ -15839,7 +15817,7 @@
           <p:cNvPr id="10" name="Rectangle 9">
             <a:extLst>
               <a:ext uri="{FF2B5EF4-FFF2-40B4-BE49-F238E27FC236}">
-                <a16:creationId xmlns:a16="http://schemas.microsoft.com/office/drawing/2014/main" id="{0E10C401-C3C7-ABFA-741C-D5D2B75229F4}"/>
+                <a16:creationId xmlns="" xmlns:a16="http://schemas.microsoft.com/office/drawing/2014/main" id="{0E10C401-C3C7-ABFA-741C-D5D2B75229F4}"/>
               </a:ext>
             </a:extLst>
           </p:cNvPr>
@@ -15891,7 +15869,7 @@
           <p:cNvPr id="11" name="TextBox 10">
             <a:extLst>
               <a:ext uri="{FF2B5EF4-FFF2-40B4-BE49-F238E27FC236}">
-                <a16:creationId xmlns:a16="http://schemas.microsoft.com/office/drawing/2014/main" id="{853865E0-D9AA-62AF-6B08-CE37649AC307}"/>
+                <a16:creationId xmlns="" xmlns:a16="http://schemas.microsoft.com/office/drawing/2014/main" id="{853865E0-D9AA-62AF-6B08-CE37649AC307}"/>
               </a:ext>
             </a:extLst>
           </p:cNvPr>
@@ -15937,7 +15915,7 @@
           <p:cNvPr id="12" name="TextBox 11">
             <a:extLst>
               <a:ext uri="{FF2B5EF4-FFF2-40B4-BE49-F238E27FC236}">
-                <a16:creationId xmlns:a16="http://schemas.microsoft.com/office/drawing/2014/main" id="{C8B2E958-A1D1-7F85-0F04-533E634F84B6}"/>
+                <a16:creationId xmlns="" xmlns:a16="http://schemas.microsoft.com/office/drawing/2014/main" id="{C8B2E958-A1D1-7F85-0F04-533E634F84B6}"/>
               </a:ext>
             </a:extLst>
           </p:cNvPr>
@@ -15983,7 +15961,7 @@
           <p:cNvPr id="3" name="TextBox 2">
             <a:extLst>
               <a:ext uri="{FF2B5EF4-FFF2-40B4-BE49-F238E27FC236}">
-                <a16:creationId xmlns:a16="http://schemas.microsoft.com/office/drawing/2014/main" id="{9C231A5C-955B-C29D-D38F-41B43E79E82B}"/>
+                <a16:creationId xmlns="" xmlns:a16="http://schemas.microsoft.com/office/drawing/2014/main" id="{9C231A5C-955B-C29D-D38F-41B43E79E82B}"/>
               </a:ext>
             </a:extLst>
           </p:cNvPr>
@@ -16029,7 +16007,7 @@
           <p:cNvPr id="4" name="TextBox 3">
             <a:extLst>
               <a:ext uri="{FF2B5EF4-FFF2-40B4-BE49-F238E27FC236}">
-                <a16:creationId xmlns:a16="http://schemas.microsoft.com/office/drawing/2014/main" id="{4CCCD8A5-B057-9E24-5A3F-6BB8764B3764}"/>
+                <a16:creationId xmlns="" xmlns:a16="http://schemas.microsoft.com/office/drawing/2014/main" id="{4CCCD8A5-B057-9E24-5A3F-6BB8764B3764}"/>
               </a:ext>
             </a:extLst>
           </p:cNvPr>
@@ -16075,7 +16053,7 @@
           <p:cNvPr id="5" name="TextBox 4">
             <a:extLst>
               <a:ext uri="{FF2B5EF4-FFF2-40B4-BE49-F238E27FC236}">
-                <a16:creationId xmlns:a16="http://schemas.microsoft.com/office/drawing/2014/main" id="{60BECA38-96A8-FB80-4B7E-405F540ABEF5}"/>
+                <a16:creationId xmlns="" xmlns:a16="http://schemas.microsoft.com/office/drawing/2014/main" id="{60BECA38-96A8-FB80-4B7E-405F540ABEF5}"/>
               </a:ext>
             </a:extLst>
           </p:cNvPr>
@@ -16556,7 +16534,7 @@
           <p:cNvPr id="8" name="TextBox 7">
             <a:extLst>
               <a:ext uri="{FF2B5EF4-FFF2-40B4-BE49-F238E27FC236}">
-                <a16:creationId xmlns:a16="http://schemas.microsoft.com/office/drawing/2014/main" id="{FC00976B-2A78-5FB2-6368-68BB6E52EBE7}"/>
+                <a16:creationId xmlns="" xmlns:a16="http://schemas.microsoft.com/office/drawing/2014/main" id="{FC00976B-2A78-5FB2-6368-68BB6E52EBE7}"/>
               </a:ext>
             </a:extLst>
           </p:cNvPr>
@@ -17074,13 +17052,13 @@
   <p:clrMapOvr>
     <a:masterClrMapping/>
   </p:clrMapOvr>
-  <mc:AlternateContent xmlns:mc="http://schemas.openxmlformats.org/markup-compatibility/2006" xmlns:p159="http://schemas.microsoft.com/office/powerpoint/2015/09/main">
-    <mc:Choice Requires="p159">
+  <mc:AlternateContent xmlns:mc="http://schemas.openxmlformats.org/markup-compatibility/2006">
+    <mc:Choice xmlns="" xmlns:p159="http://schemas.microsoft.com/office/powerpoint/2015/09/main" Requires="p159">
       <p:transition spd="slow" advTm="11000">
         <p159:morph option="byObject"/>
       </p:transition>
     </mc:Choice>
-    <mc:Fallback xmlns="">
+    <mc:Fallback>
       <p:transition spd="slow" advTm="11000">
         <p:fade/>
       </p:transition>
@@ -17220,7 +17198,7 @@
           <p:cNvPr id="2" name="Title 1">
             <a:extLst>
               <a:ext uri="{FF2B5EF4-FFF2-40B4-BE49-F238E27FC236}">
-                <a16:creationId xmlns:a16="http://schemas.microsoft.com/office/drawing/2014/main" id="{CECC6EC5-EB0F-1D5C-B5E0-5CA0430592A2}"/>
+                <a16:creationId xmlns="" xmlns:a16="http://schemas.microsoft.com/office/drawing/2014/main" id="{CECC6EC5-EB0F-1D5C-B5E0-5CA0430592A2}"/>
               </a:ext>
             </a:extLst>
           </p:cNvPr>
@@ -17260,7 +17238,7 @@
           <p:cNvPr id="4" name="Rectangle 3">
             <a:extLst>
               <a:ext uri="{FF2B5EF4-FFF2-40B4-BE49-F238E27FC236}">
-                <a16:creationId xmlns:a16="http://schemas.microsoft.com/office/drawing/2014/main" id="{A0E8E743-53CE-821E-619B-CFE24FB8C9CE}"/>
+                <a16:creationId xmlns="" xmlns:a16="http://schemas.microsoft.com/office/drawing/2014/main" id="{A0E8E743-53CE-821E-619B-CFE24FB8C9CE}"/>
               </a:ext>
             </a:extLst>
           </p:cNvPr>
@@ -17312,7 +17290,7 @@
           <p:cNvPr id="5" name="Rectangle 4">
             <a:extLst>
               <a:ext uri="{FF2B5EF4-FFF2-40B4-BE49-F238E27FC236}">
-                <a16:creationId xmlns:a16="http://schemas.microsoft.com/office/drawing/2014/main" id="{1220D243-AF27-1F97-997D-073DA1A076FB}"/>
+                <a16:creationId xmlns="" xmlns:a16="http://schemas.microsoft.com/office/drawing/2014/main" id="{1220D243-AF27-1F97-997D-073DA1A076FB}"/>
               </a:ext>
             </a:extLst>
           </p:cNvPr>
@@ -17364,7 +17342,7 @@
           <p:cNvPr id="8" name="TextBox 7">
             <a:extLst>
               <a:ext uri="{FF2B5EF4-FFF2-40B4-BE49-F238E27FC236}">
-                <a16:creationId xmlns:a16="http://schemas.microsoft.com/office/drawing/2014/main" id="{B8AA731B-8D96-92B1-8899-6FDB759AAF48}"/>
+                <a16:creationId xmlns="" xmlns:a16="http://schemas.microsoft.com/office/drawing/2014/main" id="{B8AA731B-8D96-92B1-8899-6FDB759AAF48}"/>
               </a:ext>
             </a:extLst>
           </p:cNvPr>
@@ -17410,7 +17388,7 @@
           <p:cNvPr id="9" name="TextBox 8">
             <a:extLst>
               <a:ext uri="{FF2B5EF4-FFF2-40B4-BE49-F238E27FC236}">
-                <a16:creationId xmlns:a16="http://schemas.microsoft.com/office/drawing/2014/main" id="{385FA008-0D57-93E8-FE8E-271320021830}"/>
+                <a16:creationId xmlns="" xmlns:a16="http://schemas.microsoft.com/office/drawing/2014/main" id="{385FA008-0D57-93E8-FE8E-271320021830}"/>
               </a:ext>
             </a:extLst>
           </p:cNvPr>
@@ -17456,7 +17434,7 @@
           <p:cNvPr id="10" name="TextBox 9">
             <a:extLst>
               <a:ext uri="{FF2B5EF4-FFF2-40B4-BE49-F238E27FC236}">
-                <a16:creationId xmlns:a16="http://schemas.microsoft.com/office/drawing/2014/main" id="{33B48933-E705-C5FD-877B-F0A59F35FFE5}"/>
+                <a16:creationId xmlns="" xmlns:a16="http://schemas.microsoft.com/office/drawing/2014/main" id="{33B48933-E705-C5FD-877B-F0A59F35FFE5}"/>
               </a:ext>
             </a:extLst>
           </p:cNvPr>
@@ -17652,7 +17630,7 @@
           <p:cNvPr id="11" name="TextBox 10">
             <a:extLst>
               <a:ext uri="{FF2B5EF4-FFF2-40B4-BE49-F238E27FC236}">
-                <a16:creationId xmlns:a16="http://schemas.microsoft.com/office/drawing/2014/main" id="{6DD14A2E-B4CA-25B7-B7A1-A0E9DEBCEA1F}"/>
+                <a16:creationId xmlns="" xmlns:a16="http://schemas.microsoft.com/office/drawing/2014/main" id="{6DD14A2E-B4CA-25B7-B7A1-A0E9DEBCEA1F}"/>
               </a:ext>
             </a:extLst>
           </p:cNvPr>
@@ -17888,18 +17866,16 @@
   <p:clrMapOvr>
     <a:masterClrMapping/>
   </p:clrMapOvr>
-  <mc:AlternateContent xmlns:mc="http://schemas.openxmlformats.org/markup-compatibility/2006" xmlns:p159="http://schemas.microsoft.com/office/powerpoint/2015/09/main">
-    <mc:Choice Requires="p159">
-      <p:transition spd="slow" advTm="23000">
-        <p159:morph option="byObject"/>
-      </p:transition>
-    </mc:Choice>
-    <mc:Fallback xmlns="">
-      <p:transition spd="slow" advTm="23000">
-        <p:fade/>
-      </p:transition>
-    </mc:Fallback>
-  </mc:AlternateContent>
+  <p:transition spd="slow" advTm="22000">
+    <p:fade/>
+  </p:transition>
+  <p:timing>
+    <p:tnLst>
+      <p:par>
+        <p:cTn id="1" dur="indefinite" restart="never" nodeType="tmRoot"/>
+      </p:par>
+    </p:tnLst>
+  </p:timing>
 </p:sld>
 </file>
 
@@ -17925,7 +17901,7 @@
           <p:cNvPr id="2" name="Title 1">
             <a:extLst>
               <a:ext uri="{FF2B5EF4-FFF2-40B4-BE49-F238E27FC236}">
-                <a16:creationId xmlns:a16="http://schemas.microsoft.com/office/drawing/2014/main" id="{CECC6EC5-EB0F-1D5C-B5E0-5CA0430592A2}"/>
+                <a16:creationId xmlns="" xmlns:a16="http://schemas.microsoft.com/office/drawing/2014/main" id="{CECC6EC5-EB0F-1D5C-B5E0-5CA0430592A2}"/>
               </a:ext>
             </a:extLst>
           </p:cNvPr>
@@ -17965,7 +17941,7 @@
           <p:cNvPr id="4" name="Rectangle 3">
             <a:extLst>
               <a:ext uri="{FF2B5EF4-FFF2-40B4-BE49-F238E27FC236}">
-                <a16:creationId xmlns:a16="http://schemas.microsoft.com/office/drawing/2014/main" id="{A0E8E743-53CE-821E-619B-CFE24FB8C9CE}"/>
+                <a16:creationId xmlns="" xmlns:a16="http://schemas.microsoft.com/office/drawing/2014/main" id="{A0E8E743-53CE-821E-619B-CFE24FB8C9CE}"/>
               </a:ext>
             </a:extLst>
           </p:cNvPr>
@@ -18017,7 +17993,7 @@
           <p:cNvPr id="5" name="Rectangle 4">
             <a:extLst>
               <a:ext uri="{FF2B5EF4-FFF2-40B4-BE49-F238E27FC236}">
-                <a16:creationId xmlns:a16="http://schemas.microsoft.com/office/drawing/2014/main" id="{1220D243-AF27-1F97-997D-073DA1A076FB}"/>
+                <a16:creationId xmlns="" xmlns:a16="http://schemas.microsoft.com/office/drawing/2014/main" id="{1220D243-AF27-1F97-997D-073DA1A076FB}"/>
               </a:ext>
             </a:extLst>
           </p:cNvPr>
@@ -18069,7 +18045,7 @@
           <p:cNvPr id="8" name="TextBox 7">
             <a:extLst>
               <a:ext uri="{FF2B5EF4-FFF2-40B4-BE49-F238E27FC236}">
-                <a16:creationId xmlns:a16="http://schemas.microsoft.com/office/drawing/2014/main" id="{B8AA731B-8D96-92B1-8899-6FDB759AAF48}"/>
+                <a16:creationId xmlns="" xmlns:a16="http://schemas.microsoft.com/office/drawing/2014/main" id="{B8AA731B-8D96-92B1-8899-6FDB759AAF48}"/>
               </a:ext>
             </a:extLst>
           </p:cNvPr>
@@ -18146,7 +18122,7 @@
           <p:cNvPr id="9" name="TextBox 8">
             <a:extLst>
               <a:ext uri="{FF2B5EF4-FFF2-40B4-BE49-F238E27FC236}">
-                <a16:creationId xmlns:a16="http://schemas.microsoft.com/office/drawing/2014/main" id="{385FA008-0D57-93E8-FE8E-271320021830}"/>
+                <a16:creationId xmlns="" xmlns:a16="http://schemas.microsoft.com/office/drawing/2014/main" id="{385FA008-0D57-93E8-FE8E-271320021830}"/>
               </a:ext>
             </a:extLst>
           </p:cNvPr>
@@ -18192,7 +18168,7 @@
           <p:cNvPr id="10" name="TextBox 9">
             <a:extLst>
               <a:ext uri="{FF2B5EF4-FFF2-40B4-BE49-F238E27FC236}">
-                <a16:creationId xmlns:a16="http://schemas.microsoft.com/office/drawing/2014/main" id="{33B48933-E705-C5FD-877B-F0A59F35FFE5}"/>
+                <a16:creationId xmlns="" xmlns:a16="http://schemas.microsoft.com/office/drawing/2014/main" id="{33B48933-E705-C5FD-877B-F0A59F35FFE5}"/>
               </a:ext>
             </a:extLst>
           </p:cNvPr>
@@ -18392,7 +18368,7 @@
           <p:cNvPr id="7" name="TextBox 6">
             <a:extLst>
               <a:ext uri="{FF2B5EF4-FFF2-40B4-BE49-F238E27FC236}">
-                <a16:creationId xmlns:a16="http://schemas.microsoft.com/office/drawing/2014/main" id="{8F798E0F-B583-5CF2-2889-F68DC2CCB1A4}"/>
+                <a16:creationId xmlns="" xmlns:a16="http://schemas.microsoft.com/office/drawing/2014/main" id="{8F798E0F-B583-5CF2-2889-F68DC2CCB1A4}"/>
               </a:ext>
             </a:extLst>
           </p:cNvPr>
@@ -18597,18 +18573,25 @@
   <p:clrMapOvr>
     <a:masterClrMapping/>
   </p:clrMapOvr>
-  <mc:AlternateContent xmlns:mc="http://schemas.openxmlformats.org/markup-compatibility/2006" xmlns:p159="http://schemas.microsoft.com/office/powerpoint/2015/09/main">
-    <mc:Choice Requires="p159">
+  <mc:AlternateContent xmlns:mc="http://schemas.openxmlformats.org/markup-compatibility/2006">
+    <mc:Choice xmlns="" xmlns:p159="http://schemas.microsoft.com/office/powerpoint/2015/09/main" Requires="p159">
       <p:transition spd="slow" advTm="14500">
         <p159:morph option="byObject"/>
       </p:transition>
     </mc:Choice>
-    <mc:Fallback xmlns="">
+    <mc:Fallback>
       <p:transition spd="slow" advTm="14500">
         <p:fade/>
       </p:transition>
     </mc:Fallback>
   </mc:AlternateContent>
+  <p:timing>
+    <p:tnLst>
+      <p:par>
+        <p:cTn id="1" dur="indefinite" restart="never" nodeType="tmRoot"/>
+      </p:par>
+    </p:tnLst>
+  </p:timing>
 </p:sld>
 </file>
 
@@ -18634,7 +18617,7 @@
           <p:cNvPr id="2" name="Title 1">
             <a:extLst>
               <a:ext uri="{FF2B5EF4-FFF2-40B4-BE49-F238E27FC236}">
-                <a16:creationId xmlns:a16="http://schemas.microsoft.com/office/drawing/2014/main" id="{CECC6EC5-EB0F-1D5C-B5E0-5CA0430592A2}"/>
+                <a16:creationId xmlns="" xmlns:a16="http://schemas.microsoft.com/office/drawing/2014/main" id="{CECC6EC5-EB0F-1D5C-B5E0-5CA0430592A2}"/>
               </a:ext>
             </a:extLst>
           </p:cNvPr>
@@ -18674,7 +18657,7 @@
           <p:cNvPr id="4" name="Rectangle 3">
             <a:extLst>
               <a:ext uri="{FF2B5EF4-FFF2-40B4-BE49-F238E27FC236}">
-                <a16:creationId xmlns:a16="http://schemas.microsoft.com/office/drawing/2014/main" id="{A0E8E743-53CE-821E-619B-CFE24FB8C9CE}"/>
+                <a16:creationId xmlns="" xmlns:a16="http://schemas.microsoft.com/office/drawing/2014/main" id="{A0E8E743-53CE-821E-619B-CFE24FB8C9CE}"/>
               </a:ext>
             </a:extLst>
           </p:cNvPr>
@@ -18726,7 +18709,7 @@
           <p:cNvPr id="5" name="Rectangle 4">
             <a:extLst>
               <a:ext uri="{FF2B5EF4-FFF2-40B4-BE49-F238E27FC236}">
-                <a16:creationId xmlns:a16="http://schemas.microsoft.com/office/drawing/2014/main" id="{1220D243-AF27-1F97-997D-073DA1A076FB}"/>
+                <a16:creationId xmlns="" xmlns:a16="http://schemas.microsoft.com/office/drawing/2014/main" id="{1220D243-AF27-1F97-997D-073DA1A076FB}"/>
               </a:ext>
             </a:extLst>
           </p:cNvPr>
@@ -18778,7 +18761,7 @@
           <p:cNvPr id="8" name="TextBox 7">
             <a:extLst>
               <a:ext uri="{FF2B5EF4-FFF2-40B4-BE49-F238E27FC236}">
-                <a16:creationId xmlns:a16="http://schemas.microsoft.com/office/drawing/2014/main" id="{B8AA731B-8D96-92B1-8899-6FDB759AAF48}"/>
+                <a16:creationId xmlns="" xmlns:a16="http://schemas.microsoft.com/office/drawing/2014/main" id="{B8AA731B-8D96-92B1-8899-6FDB759AAF48}"/>
               </a:ext>
             </a:extLst>
           </p:cNvPr>
@@ -18825,7 +18808,7 @@
           <p:cNvPr id="9" name="TextBox 8">
             <a:extLst>
               <a:ext uri="{FF2B5EF4-FFF2-40B4-BE49-F238E27FC236}">
-                <a16:creationId xmlns:a16="http://schemas.microsoft.com/office/drawing/2014/main" id="{385FA008-0D57-93E8-FE8E-271320021830}"/>
+                <a16:creationId xmlns="" xmlns:a16="http://schemas.microsoft.com/office/drawing/2014/main" id="{385FA008-0D57-93E8-FE8E-271320021830}"/>
               </a:ext>
             </a:extLst>
           </p:cNvPr>
@@ -18871,7 +18854,7 @@
           <p:cNvPr id="10" name="TextBox 9">
             <a:extLst>
               <a:ext uri="{FF2B5EF4-FFF2-40B4-BE49-F238E27FC236}">
-                <a16:creationId xmlns:a16="http://schemas.microsoft.com/office/drawing/2014/main" id="{33B48933-E705-C5FD-877B-F0A59F35FFE5}"/>
+                <a16:creationId xmlns="" xmlns:a16="http://schemas.microsoft.com/office/drawing/2014/main" id="{33B48933-E705-C5FD-877B-F0A59F35FFE5}"/>
               </a:ext>
             </a:extLst>
           </p:cNvPr>
@@ -19079,7 +19062,7 @@
           <p:cNvPr id="3" name="TextBox 2">
             <a:extLst>
               <a:ext uri="{FF2B5EF4-FFF2-40B4-BE49-F238E27FC236}">
-                <a16:creationId xmlns:a16="http://schemas.microsoft.com/office/drawing/2014/main" id="{05EC4829-7333-AC54-95EA-DA09F4000366}"/>
+                <a16:creationId xmlns="" xmlns:a16="http://schemas.microsoft.com/office/drawing/2014/main" id="{05EC4829-7333-AC54-95EA-DA09F4000366}"/>
               </a:ext>
             </a:extLst>
           </p:cNvPr>
@@ -19292,18 +19275,25 @@
   <p:clrMapOvr>
     <a:masterClrMapping/>
   </p:clrMapOvr>
-  <mc:AlternateContent xmlns:mc="http://schemas.openxmlformats.org/markup-compatibility/2006" xmlns:p159="http://schemas.microsoft.com/office/powerpoint/2015/09/main">
-    <mc:Choice Requires="p159">
+  <mc:AlternateContent xmlns:mc="http://schemas.openxmlformats.org/markup-compatibility/2006">
+    <mc:Choice xmlns="" xmlns:p159="http://schemas.microsoft.com/office/powerpoint/2015/09/main" Requires="p159">
       <p:transition spd="slow" advTm="12000">
         <p159:morph option="byObject"/>
       </p:transition>
     </mc:Choice>
-    <mc:Fallback xmlns="">
+    <mc:Fallback>
       <p:transition spd="slow" advTm="12000">
         <p:fade/>
       </p:transition>
     </mc:Fallback>
   </mc:AlternateContent>
+  <p:timing>
+    <p:tnLst>
+      <p:par>
+        <p:cTn id="1" dur="indefinite" restart="never" nodeType="tmRoot"/>
+      </p:par>
+    </p:tnLst>
+  </p:timing>
 </p:sld>
 </file>
 
@@ -19329,7 +19319,7 @@
           <p:cNvPr id="2" name="Title 1">
             <a:extLst>
               <a:ext uri="{FF2B5EF4-FFF2-40B4-BE49-F238E27FC236}">
-                <a16:creationId xmlns:a16="http://schemas.microsoft.com/office/drawing/2014/main" id="{E4FA629E-0869-ABF5-9139-458B6F924813}"/>
+                <a16:creationId xmlns="" xmlns:a16="http://schemas.microsoft.com/office/drawing/2014/main" id="{E4FA629E-0869-ABF5-9139-458B6F924813}"/>
               </a:ext>
             </a:extLst>
           </p:cNvPr>
@@ -19354,7 +19344,7 @@
           <p:cNvPr id="3" name="Content Placeholder 2">
             <a:extLst>
               <a:ext uri="{FF2B5EF4-FFF2-40B4-BE49-F238E27FC236}">
-                <a16:creationId xmlns:a16="http://schemas.microsoft.com/office/drawing/2014/main" id="{EDA58EBA-5728-C1EF-49D1-D703E74F56AD}"/>
+                <a16:creationId xmlns="" xmlns:a16="http://schemas.microsoft.com/office/drawing/2014/main" id="{EDA58EBA-5728-C1EF-49D1-D703E74F56AD}"/>
               </a:ext>
             </a:extLst>
           </p:cNvPr>
@@ -19455,6 +19445,21 @@
   <p:clrMapOvr>
     <a:masterClrMapping/>
   </p:clrMapOvr>
+  <mc:AlternateContent xmlns:mc="http://schemas.openxmlformats.org/markup-compatibility/2006" xmlns:p14="http://schemas.microsoft.com/office/powerpoint/2010/main">
+    <mc:Choice Requires="p14">
+      <p:transition spd="slow" p14:dur="2000"/>
+    </mc:Choice>
+    <mc:Fallback xmlns="">
+      <p:transition spd="slow"/>
+    </mc:Fallback>
+  </mc:AlternateContent>
+  <p:timing>
+    <p:tnLst>
+      <p:par>
+        <p:cTn id="1" dur="indefinite" restart="never" nodeType="tmRoot"/>
+      </p:par>
+    </p:tnLst>
+  </p:timing>
 </p:sld>
 </file>
 
@@ -19480,7 +19485,7 @@
           <p:cNvPr id="3" name="Content Placeholder 2">
             <a:extLst>
               <a:ext uri="{FF2B5EF4-FFF2-40B4-BE49-F238E27FC236}">
-                <a16:creationId xmlns:a16="http://schemas.microsoft.com/office/drawing/2014/main" id="{FC987ECB-EC18-9702-33E0-6E41F1C6C5C0}"/>
+                <a16:creationId xmlns="" xmlns:a16="http://schemas.microsoft.com/office/drawing/2014/main" id="{FC987ECB-EC18-9702-33E0-6E41F1C6C5C0}"/>
               </a:ext>
             </a:extLst>
           </p:cNvPr>
@@ -19623,6 +19628,21 @@
   <p:clrMapOvr>
     <a:masterClrMapping/>
   </p:clrMapOvr>
+  <mc:AlternateContent xmlns:mc="http://schemas.openxmlformats.org/markup-compatibility/2006" xmlns:p14="http://schemas.microsoft.com/office/powerpoint/2010/main">
+    <mc:Choice Requires="p14">
+      <p:transition spd="slow" p14:dur="2000"/>
+    </mc:Choice>
+    <mc:Fallback xmlns="">
+      <p:transition spd="slow"/>
+    </mc:Fallback>
+  </mc:AlternateContent>
+  <p:timing>
+    <p:tnLst>
+      <p:par>
+        <p:cTn id="1" dur="indefinite" restart="never" nodeType="tmRoot"/>
+      </p:par>
+    </p:tnLst>
+  </p:timing>
 </p:sld>
 </file>
 
@@ -19648,7 +19668,7 @@
           <p:cNvPr id="4" name="Title 1">
             <a:extLst>
               <a:ext uri="{FF2B5EF4-FFF2-40B4-BE49-F238E27FC236}">
-                <a16:creationId xmlns:a16="http://schemas.microsoft.com/office/drawing/2014/main" id="{D4B2EE34-CA4B-4BCA-2346-AECE0A311A24}"/>
+                <a16:creationId xmlns="" xmlns:a16="http://schemas.microsoft.com/office/drawing/2014/main" id="{D4B2EE34-CA4B-4BCA-2346-AECE0A311A24}"/>
               </a:ext>
             </a:extLst>
           </p:cNvPr>
@@ -19702,18 +19722,25 @@
   <p:clrMapOvr>
     <a:masterClrMapping/>
   </p:clrMapOvr>
-  <mc:AlternateContent xmlns:mc="http://schemas.openxmlformats.org/markup-compatibility/2006" xmlns:p159="http://schemas.microsoft.com/office/powerpoint/2015/09/main">
-    <mc:Choice Requires="p159">
+  <mc:AlternateContent xmlns:mc="http://schemas.openxmlformats.org/markup-compatibility/2006">
+    <mc:Choice xmlns="" xmlns:p159="http://schemas.microsoft.com/office/powerpoint/2015/09/main" Requires="p159">
       <p:transition xmlns:p14="http://schemas.microsoft.com/office/powerpoint/2010/main" spd="slow" p14:dur="2000" advTm="2000">
         <p159:morph option="byObject"/>
       </p:transition>
     </mc:Choice>
-    <mc:Fallback xmlns="">
+    <mc:Fallback>
       <p:transition spd="slow" advTm="2000">
         <p:fade/>
       </p:transition>
     </mc:Fallback>
   </mc:AlternateContent>
+  <p:timing>
+    <p:tnLst>
+      <p:par>
+        <p:cTn id="1" dur="indefinite" restart="never" nodeType="tmRoot"/>
+      </p:par>
+    </p:tnLst>
+  </p:timing>
 </p:sld>
 </file>
 
@@ -19739,7 +19766,7 @@
           <p:cNvPr id="4" name="Picture 3">
             <a:extLst>
               <a:ext uri="{FF2B5EF4-FFF2-40B4-BE49-F238E27FC236}">
-                <a16:creationId xmlns:a16="http://schemas.microsoft.com/office/drawing/2014/main" id="{0F2337EF-5B9B-A0E4-92B2-73FDEF5B052A}"/>
+                <a16:creationId xmlns="" xmlns:a16="http://schemas.microsoft.com/office/drawing/2014/main" id="{0F2337EF-5B9B-A0E4-92B2-73FDEF5B052A}"/>
               </a:ext>
             </a:extLst>
           </p:cNvPr>
@@ -19769,7 +19796,7 @@
           <p:cNvPr id="5" name="Group 4">
             <a:extLst>
               <a:ext uri="{FF2B5EF4-FFF2-40B4-BE49-F238E27FC236}">
-                <a16:creationId xmlns:a16="http://schemas.microsoft.com/office/drawing/2014/main" id="{CDDED1D2-C256-246C-BCCD-70655B7C459C}"/>
+                <a16:creationId xmlns="" xmlns:a16="http://schemas.microsoft.com/office/drawing/2014/main" id="{CDDED1D2-C256-246C-BCCD-70655B7C459C}"/>
               </a:ext>
             </a:extLst>
           </p:cNvPr>
@@ -19792,7 +19819,7 @@
             <p:cNvPr id="6" name="Picture 5">
               <a:extLst>
                 <a:ext uri="{FF2B5EF4-FFF2-40B4-BE49-F238E27FC236}">
-                  <a16:creationId xmlns:a16="http://schemas.microsoft.com/office/drawing/2014/main" id="{935F5703-4139-5832-0BD9-1CAC2A1EC183}"/>
+                  <a16:creationId xmlns="" xmlns:a16="http://schemas.microsoft.com/office/drawing/2014/main" id="{935F5703-4139-5832-0BD9-1CAC2A1EC183}"/>
                 </a:ext>
               </a:extLst>
             </p:cNvPr>
@@ -19826,7 +19853,7 @@
             <p:cNvPr id="3" name="Rectangle 2">
               <a:extLst>
                 <a:ext uri="{FF2B5EF4-FFF2-40B4-BE49-F238E27FC236}">
-                  <a16:creationId xmlns:a16="http://schemas.microsoft.com/office/drawing/2014/main" id="{0C967E95-EDCC-8D18-3138-C9D909032FA7}"/>
+                  <a16:creationId xmlns="" xmlns:a16="http://schemas.microsoft.com/office/drawing/2014/main" id="{0C967E95-EDCC-8D18-3138-C9D909032FA7}"/>
                 </a:ext>
               </a:extLst>
             </p:cNvPr>
@@ -19875,7 +19902,7 @@
           <p:cNvPr id="24" name="Rectangle 23">
             <a:extLst>
               <a:ext uri="{FF2B5EF4-FFF2-40B4-BE49-F238E27FC236}">
-                <a16:creationId xmlns:a16="http://schemas.microsoft.com/office/drawing/2014/main" id="{39970A40-AD30-D214-F2F9-FB10557DAE2F}"/>
+                <a16:creationId xmlns="" xmlns:a16="http://schemas.microsoft.com/office/drawing/2014/main" id="{39970A40-AD30-D214-F2F9-FB10557DAE2F}"/>
               </a:ext>
             </a:extLst>
           </p:cNvPr>
@@ -19924,7 +19951,7 @@
           <p:cNvPr id="22" name="Picture 21">
             <a:extLst>
               <a:ext uri="{FF2B5EF4-FFF2-40B4-BE49-F238E27FC236}">
-                <a16:creationId xmlns:a16="http://schemas.microsoft.com/office/drawing/2014/main" id="{E5166965-4A15-113D-1345-BEC8809839AC}"/>
+                <a16:creationId xmlns="" xmlns:a16="http://schemas.microsoft.com/office/drawing/2014/main" id="{E5166965-4A15-113D-1345-BEC8809839AC}"/>
               </a:ext>
             </a:extLst>
           </p:cNvPr>
@@ -19953,7 +19980,7 @@
           <p:cNvPr id="8" name="Graphic 7" descr="Laptop with solid fill">
             <a:extLst>
               <a:ext uri="{FF2B5EF4-FFF2-40B4-BE49-F238E27FC236}">
-                <a16:creationId xmlns:a16="http://schemas.microsoft.com/office/drawing/2014/main" id="{F4AD7895-BA3B-7CA4-3337-EAB647AA8C76}"/>
+                <a16:creationId xmlns="" xmlns:a16="http://schemas.microsoft.com/office/drawing/2014/main" id="{F4AD7895-BA3B-7CA4-3337-EAB647AA8C76}"/>
               </a:ext>
             </a:extLst>
           </p:cNvPr>
@@ -19967,7 +19994,7 @@
                 <a14:useLocalDpi xmlns:a14="http://schemas.microsoft.com/office/drawing/2010/main" val="0"/>
               </a:ext>
               <a:ext uri="{96DAC541-7B7A-43D3-8B79-37D633B846F1}">
-                <asvg:svgBlip xmlns:asvg="http://schemas.microsoft.com/office/drawing/2016/SVG/main" r:embed="rId7"/>
+                <asvg:svgBlip xmlns="" xmlns:asvg="http://schemas.microsoft.com/office/drawing/2016/SVG/main" r:embed="rId7"/>
               </a:ext>
             </a:extLst>
           </a:blip>
@@ -19990,7 +20017,7 @@
           <p:cNvPr id="2" name="TextBox 1">
             <a:extLst>
               <a:ext uri="{FF2B5EF4-FFF2-40B4-BE49-F238E27FC236}">
-                <a16:creationId xmlns:a16="http://schemas.microsoft.com/office/drawing/2014/main" id="{6045612D-AFEE-5632-F6DF-CD69DA28E4C8}"/>
+                <a16:creationId xmlns="" xmlns:a16="http://schemas.microsoft.com/office/drawing/2014/main" id="{6045612D-AFEE-5632-F6DF-CD69DA28E4C8}"/>
               </a:ext>
             </a:extLst>
           </p:cNvPr>
@@ -20271,7 +20298,7 @@
           <p:cNvPr id="11" name="Picture 10">
             <a:extLst>
               <a:ext uri="{FF2B5EF4-FFF2-40B4-BE49-F238E27FC236}">
-                <a16:creationId xmlns:a16="http://schemas.microsoft.com/office/drawing/2014/main" id="{9CF418E0-9704-8BD3-8F5F-453E33F74507}"/>
+                <a16:creationId xmlns="" xmlns:a16="http://schemas.microsoft.com/office/drawing/2014/main" id="{9CF418E0-9704-8BD3-8F5F-453E33F74507}"/>
               </a:ext>
             </a:extLst>
           </p:cNvPr>
@@ -20300,7 +20327,7 @@
           <p:cNvPr id="17" name="Graphic 16" descr="Laptop with solid fill">
             <a:extLst>
               <a:ext uri="{FF2B5EF4-FFF2-40B4-BE49-F238E27FC236}">
-                <a16:creationId xmlns:a16="http://schemas.microsoft.com/office/drawing/2014/main" id="{9F947EC9-9587-61EB-72D8-B68C25272B28}"/>
+                <a16:creationId xmlns="" xmlns:a16="http://schemas.microsoft.com/office/drawing/2014/main" id="{9F947EC9-9587-61EB-72D8-B68C25272B28}"/>
               </a:ext>
             </a:extLst>
           </p:cNvPr>
@@ -20314,7 +20341,7 @@
                 <a14:useLocalDpi xmlns:a14="http://schemas.microsoft.com/office/drawing/2010/main" val="0"/>
               </a:ext>
               <a:ext uri="{96DAC541-7B7A-43D3-8B79-37D633B846F1}">
-                <asvg:svgBlip xmlns:asvg="http://schemas.microsoft.com/office/drawing/2016/SVG/main" r:embed="rId5"/>
+                <asvg:svgBlip xmlns="" xmlns:asvg="http://schemas.microsoft.com/office/drawing/2016/SVG/main" r:embed="rId5"/>
               </a:ext>
             </a:extLst>
           </a:blip>
@@ -20337,7 +20364,7 @@
           <p:cNvPr id="2" name="Title 1">
             <a:extLst>
               <a:ext uri="{FF2B5EF4-FFF2-40B4-BE49-F238E27FC236}">
-                <a16:creationId xmlns:a16="http://schemas.microsoft.com/office/drawing/2014/main" id="{11605334-E9E4-22F5-5AE3-3F0A2E66D88A}"/>
+                <a16:creationId xmlns="" xmlns:a16="http://schemas.microsoft.com/office/drawing/2014/main" id="{11605334-E9E4-22F5-5AE3-3F0A2E66D88A}"/>
               </a:ext>
             </a:extLst>
           </p:cNvPr>
@@ -20384,7 +20411,7 @@
           <p:cNvPr id="18" name="Rectangle 17">
             <a:extLst>
               <a:ext uri="{FF2B5EF4-FFF2-40B4-BE49-F238E27FC236}">
-                <a16:creationId xmlns:a16="http://schemas.microsoft.com/office/drawing/2014/main" id="{49B87103-F864-C182-B2FB-1278DA8A241F}"/>
+                <a16:creationId xmlns="" xmlns:a16="http://schemas.microsoft.com/office/drawing/2014/main" id="{49B87103-F864-C182-B2FB-1278DA8A241F}"/>
               </a:ext>
             </a:extLst>
           </p:cNvPr>
@@ -20436,7 +20463,7 @@
           <p:cNvPr id="19" name="Straight Arrow Connector 18">
             <a:extLst>
               <a:ext uri="{FF2B5EF4-FFF2-40B4-BE49-F238E27FC236}">
-                <a16:creationId xmlns:a16="http://schemas.microsoft.com/office/drawing/2014/main" id="{964C607E-5996-2568-9AB3-2CA1C0145811}"/>
+                <a16:creationId xmlns="" xmlns:a16="http://schemas.microsoft.com/office/drawing/2014/main" id="{964C607E-5996-2568-9AB3-2CA1C0145811}"/>
               </a:ext>
             </a:extLst>
           </p:cNvPr>
@@ -20475,7 +20502,7 @@
           <p:cNvPr id="20" name="TextBox 19">
             <a:extLst>
               <a:ext uri="{FF2B5EF4-FFF2-40B4-BE49-F238E27FC236}">
-                <a16:creationId xmlns:a16="http://schemas.microsoft.com/office/drawing/2014/main" id="{19A00E66-2723-2B7F-3DFA-0E8C3E4EFF3D}"/>
+                <a16:creationId xmlns="" xmlns:a16="http://schemas.microsoft.com/office/drawing/2014/main" id="{19A00E66-2723-2B7F-3DFA-0E8C3E4EFF3D}"/>
               </a:ext>
             </a:extLst>
           </p:cNvPr>
@@ -20521,7 +20548,7 @@
           <p:cNvPr id="23" name="Rectangle 22">
             <a:extLst>
               <a:ext uri="{FF2B5EF4-FFF2-40B4-BE49-F238E27FC236}">
-                <a16:creationId xmlns:a16="http://schemas.microsoft.com/office/drawing/2014/main" id="{B3D9F361-8007-70EB-8949-67C07385D5B2}"/>
+                <a16:creationId xmlns="" xmlns:a16="http://schemas.microsoft.com/office/drawing/2014/main" id="{B3D9F361-8007-70EB-8949-67C07385D5B2}"/>
               </a:ext>
             </a:extLst>
           </p:cNvPr>
@@ -20779,7 +20806,7 @@
           <p:cNvPr id="6" name="Rectangle 5">
             <a:extLst>
               <a:ext uri="{FF2B5EF4-FFF2-40B4-BE49-F238E27FC236}">
-                <a16:creationId xmlns:a16="http://schemas.microsoft.com/office/drawing/2014/main" id="{417D1F54-0F3A-1AE3-FFB5-7703E0DC6920}"/>
+                <a16:creationId xmlns="" xmlns:a16="http://schemas.microsoft.com/office/drawing/2014/main" id="{417D1F54-0F3A-1AE3-FFB5-7703E0DC6920}"/>
               </a:ext>
             </a:extLst>
           </p:cNvPr>
@@ -20828,7 +20855,7 @@
           <p:cNvPr id="4" name="Graphic 3" descr="Laptop with solid fill">
             <a:extLst>
               <a:ext uri="{FF2B5EF4-FFF2-40B4-BE49-F238E27FC236}">
-                <a16:creationId xmlns:a16="http://schemas.microsoft.com/office/drawing/2014/main" id="{623E403C-2E52-BBDA-7EAD-5BB38064969B}"/>
+                <a16:creationId xmlns="" xmlns:a16="http://schemas.microsoft.com/office/drawing/2014/main" id="{623E403C-2E52-BBDA-7EAD-5BB38064969B}"/>
               </a:ext>
             </a:extLst>
           </p:cNvPr>
@@ -20842,7 +20869,7 @@
                 <a14:useLocalDpi xmlns:a14="http://schemas.microsoft.com/office/drawing/2010/main" val="0"/>
               </a:ext>
               <a:ext uri="{96DAC541-7B7A-43D3-8B79-37D633B846F1}">
-                <asvg:svgBlip xmlns:asvg="http://schemas.microsoft.com/office/drawing/2016/SVG/main" r:embed="rId4"/>
+                <asvg:svgBlip xmlns="" xmlns:asvg="http://schemas.microsoft.com/office/drawing/2016/SVG/main" r:embed="rId4"/>
               </a:ext>
             </a:extLst>
           </a:blip>
@@ -20865,7 +20892,7 @@
           <p:cNvPr id="5" name="Title 1">
             <a:extLst>
               <a:ext uri="{FF2B5EF4-FFF2-40B4-BE49-F238E27FC236}">
-                <a16:creationId xmlns:a16="http://schemas.microsoft.com/office/drawing/2014/main" id="{474D6C99-6483-8EFC-4F6D-FDBACCB861E6}"/>
+                <a16:creationId xmlns="" xmlns:a16="http://schemas.microsoft.com/office/drawing/2014/main" id="{474D6C99-6483-8EFC-4F6D-FDBACCB861E6}"/>
               </a:ext>
             </a:extLst>
           </p:cNvPr>
@@ -20912,7 +20939,7 @@
           <p:cNvPr id="8" name="TextBox 7">
             <a:extLst>
               <a:ext uri="{FF2B5EF4-FFF2-40B4-BE49-F238E27FC236}">
-                <a16:creationId xmlns:a16="http://schemas.microsoft.com/office/drawing/2014/main" id="{39C89145-DE17-6BF2-5DDF-1C226A9B984F}"/>
+                <a16:creationId xmlns="" xmlns:a16="http://schemas.microsoft.com/office/drawing/2014/main" id="{39C89145-DE17-6BF2-5DDF-1C226A9B984F}"/>
               </a:ext>
             </a:extLst>
           </p:cNvPr>
@@ -20996,7 +21023,7 @@
           <p:cNvPr id="9" name="TextBox 8">
             <a:extLst>
               <a:ext uri="{FF2B5EF4-FFF2-40B4-BE49-F238E27FC236}">
-                <a16:creationId xmlns:a16="http://schemas.microsoft.com/office/drawing/2014/main" id="{0AFD584B-AA48-79A1-1A0F-0932EC6EB400}"/>
+                <a16:creationId xmlns="" xmlns:a16="http://schemas.microsoft.com/office/drawing/2014/main" id="{0AFD584B-AA48-79A1-1A0F-0932EC6EB400}"/>
               </a:ext>
             </a:extLst>
           </p:cNvPr>
@@ -21036,7 +21063,7 @@
           <p:cNvPr id="10" name="Rectangle 9">
             <a:extLst>
               <a:ext uri="{FF2B5EF4-FFF2-40B4-BE49-F238E27FC236}">
-                <a16:creationId xmlns:a16="http://schemas.microsoft.com/office/drawing/2014/main" id="{63CD328C-2F86-4605-C274-DAC323AB374C}"/>
+                <a16:creationId xmlns="" xmlns:a16="http://schemas.microsoft.com/office/drawing/2014/main" id="{63CD328C-2F86-4605-C274-DAC323AB374C}"/>
               </a:ext>
             </a:extLst>
           </p:cNvPr>
@@ -21091,7 +21118,7 @@
           <p:cNvPr id="13" name="Rectangle 12">
             <a:extLst>
               <a:ext uri="{FF2B5EF4-FFF2-40B4-BE49-F238E27FC236}">
-                <a16:creationId xmlns:a16="http://schemas.microsoft.com/office/drawing/2014/main" id="{62AABCB8-888E-C58D-9B9B-326D592CC49B}"/>
+                <a16:creationId xmlns="" xmlns:a16="http://schemas.microsoft.com/office/drawing/2014/main" id="{62AABCB8-888E-C58D-9B9B-326D592CC49B}"/>
               </a:ext>
             </a:extLst>
           </p:cNvPr>
@@ -21163,6 +21190,13 @@
       </p:transition>
     </mc:Fallback>
   </mc:AlternateContent>
+  <p:timing>
+    <p:tnLst>
+      <p:par>
+        <p:cTn id="1" dur="indefinite" restart="never" nodeType="tmRoot"/>
+      </p:par>
+    </p:tnLst>
+  </p:timing>
 </p:sld>
 </file>
 
@@ -21188,7 +21222,7 @@
           <p:cNvPr id="4" name="Picture 3">
             <a:extLst>
               <a:ext uri="{FF2B5EF4-FFF2-40B4-BE49-F238E27FC236}">
-                <a16:creationId xmlns:a16="http://schemas.microsoft.com/office/drawing/2014/main" id="{63E91571-B890-88C7-D95A-D9624BE3564A}"/>
+                <a16:creationId xmlns="" xmlns:a16="http://schemas.microsoft.com/office/drawing/2014/main" id="{63E91571-B890-88C7-D95A-D9624BE3564A}"/>
               </a:ext>
             </a:extLst>
           </p:cNvPr>
@@ -21217,7 +21251,7 @@
           <p:cNvPr id="10" name="Rectangle 9">
             <a:extLst>
               <a:ext uri="{FF2B5EF4-FFF2-40B4-BE49-F238E27FC236}">
-                <a16:creationId xmlns:a16="http://schemas.microsoft.com/office/drawing/2014/main" id="{D96DAD81-5134-706E-1B96-5696C2F9BA27}"/>
+                <a16:creationId xmlns="" xmlns:a16="http://schemas.microsoft.com/office/drawing/2014/main" id="{D96DAD81-5134-706E-1B96-5696C2F9BA27}"/>
               </a:ext>
             </a:extLst>
           </p:cNvPr>
@@ -21269,7 +21303,7 @@
           <p:cNvPr id="12" name="Straight Arrow Connector 11">
             <a:extLst>
               <a:ext uri="{FF2B5EF4-FFF2-40B4-BE49-F238E27FC236}">
-                <a16:creationId xmlns:a16="http://schemas.microsoft.com/office/drawing/2014/main" id="{90FAACD3-0BBF-F92D-4612-55C9A11A627E}"/>
+                <a16:creationId xmlns="" xmlns:a16="http://schemas.microsoft.com/office/drawing/2014/main" id="{90FAACD3-0BBF-F92D-4612-55C9A11A627E}"/>
               </a:ext>
             </a:extLst>
           </p:cNvPr>
@@ -21308,7 +21342,7 @@
           <p:cNvPr id="13" name="TextBox 12">
             <a:extLst>
               <a:ext uri="{FF2B5EF4-FFF2-40B4-BE49-F238E27FC236}">
-                <a16:creationId xmlns:a16="http://schemas.microsoft.com/office/drawing/2014/main" id="{F2491E8B-6B0C-F47C-E6C5-E895272B6D01}"/>
+                <a16:creationId xmlns="" xmlns:a16="http://schemas.microsoft.com/office/drawing/2014/main" id="{F2491E8B-6B0C-F47C-E6C5-E895272B6D01}"/>
               </a:ext>
             </a:extLst>
           </p:cNvPr>
@@ -21354,7 +21388,7 @@
           <p:cNvPr id="15" name="Rectangle 14">
             <a:extLst>
               <a:ext uri="{FF2B5EF4-FFF2-40B4-BE49-F238E27FC236}">
-                <a16:creationId xmlns:a16="http://schemas.microsoft.com/office/drawing/2014/main" id="{600FE848-F18E-A517-F9ED-BCF73A5373BF}"/>
+                <a16:creationId xmlns="" xmlns:a16="http://schemas.microsoft.com/office/drawing/2014/main" id="{600FE848-F18E-A517-F9ED-BCF73A5373BF}"/>
               </a:ext>
             </a:extLst>
           </p:cNvPr>
@@ -21406,7 +21440,7 @@
           <p:cNvPr id="17" name="Rectangle 16">
             <a:extLst>
               <a:ext uri="{FF2B5EF4-FFF2-40B4-BE49-F238E27FC236}">
-                <a16:creationId xmlns:a16="http://schemas.microsoft.com/office/drawing/2014/main" id="{B1E79D63-AEBE-B527-C5CF-5439C9CDE6A2}"/>
+                <a16:creationId xmlns="" xmlns:a16="http://schemas.microsoft.com/office/drawing/2014/main" id="{B1E79D63-AEBE-B527-C5CF-5439C9CDE6A2}"/>
               </a:ext>
             </a:extLst>
           </p:cNvPr>
@@ -21458,7 +21492,7 @@
           <p:cNvPr id="18" name="Rectangle 17">
             <a:extLst>
               <a:ext uri="{FF2B5EF4-FFF2-40B4-BE49-F238E27FC236}">
-                <a16:creationId xmlns:a16="http://schemas.microsoft.com/office/drawing/2014/main" id="{7593D6EC-397F-57F1-6AF0-199D2BACB820}"/>
+                <a16:creationId xmlns="" xmlns:a16="http://schemas.microsoft.com/office/drawing/2014/main" id="{7593D6EC-397F-57F1-6AF0-199D2BACB820}"/>
               </a:ext>
             </a:extLst>
           </p:cNvPr>
@@ -21510,7 +21544,7 @@
           <p:cNvPr id="6" name="Graphic 5" descr="Laptop with solid fill">
             <a:extLst>
               <a:ext uri="{FF2B5EF4-FFF2-40B4-BE49-F238E27FC236}">
-                <a16:creationId xmlns:a16="http://schemas.microsoft.com/office/drawing/2014/main" id="{548832DA-C08D-FCDB-A916-5451DCEFE040}"/>
+                <a16:creationId xmlns="" xmlns:a16="http://schemas.microsoft.com/office/drawing/2014/main" id="{548832DA-C08D-FCDB-A916-5451DCEFE040}"/>
               </a:ext>
             </a:extLst>
           </p:cNvPr>
@@ -21524,7 +21558,7 @@
                 <a14:useLocalDpi xmlns:a14="http://schemas.microsoft.com/office/drawing/2010/main" val="0"/>
               </a:ext>
               <a:ext uri="{96DAC541-7B7A-43D3-8B79-37D633B846F1}">
-                <asvg:svgBlip xmlns:asvg="http://schemas.microsoft.com/office/drawing/2016/SVG/main" r:embed="rId5"/>
+                <asvg:svgBlip xmlns="" xmlns:asvg="http://schemas.microsoft.com/office/drawing/2016/SVG/main" r:embed="rId5"/>
               </a:ext>
             </a:extLst>
           </a:blip>
@@ -21547,7 +21581,7 @@
           <p:cNvPr id="7" name="TextBox 6">
             <a:extLst>
               <a:ext uri="{FF2B5EF4-FFF2-40B4-BE49-F238E27FC236}">
-                <a16:creationId xmlns:a16="http://schemas.microsoft.com/office/drawing/2014/main" id="{152D0F0E-36C1-9ADF-413C-0250131E206A}"/>
+                <a16:creationId xmlns="" xmlns:a16="http://schemas.microsoft.com/office/drawing/2014/main" id="{152D0F0E-36C1-9ADF-413C-0250131E206A}"/>
               </a:ext>
             </a:extLst>
           </p:cNvPr>
@@ -21855,7 +21889,7 @@
           <p:cNvPr id="6" name="Rounded Rectangle 5">
             <a:extLst>
               <a:ext uri="{FF2B5EF4-FFF2-40B4-BE49-F238E27FC236}">
-                <a16:creationId xmlns:a16="http://schemas.microsoft.com/office/drawing/2014/main" id="{079D50C5-FAF9-69C9-E581-B5318807CD15}"/>
+                <a16:creationId xmlns="" xmlns:a16="http://schemas.microsoft.com/office/drawing/2014/main" id="{079D50C5-FAF9-69C9-E581-B5318807CD15}"/>
               </a:ext>
             </a:extLst>
           </p:cNvPr>
@@ -21909,7 +21943,7 @@
           <p:cNvPr id="8" name="TextBox 7">
             <a:extLst>
               <a:ext uri="{FF2B5EF4-FFF2-40B4-BE49-F238E27FC236}">
-                <a16:creationId xmlns:a16="http://schemas.microsoft.com/office/drawing/2014/main" id="{17B2EE81-90D0-AEF5-195E-CD3BBEC1AAC8}"/>
+                <a16:creationId xmlns="" xmlns:a16="http://schemas.microsoft.com/office/drawing/2014/main" id="{17B2EE81-90D0-AEF5-195E-CD3BBEC1AAC8}"/>
               </a:ext>
             </a:extLst>
           </p:cNvPr>
@@ -21941,7 +21975,7 @@
           <p:cNvPr id="13" name="TextBox 12">
             <a:extLst>
               <a:ext uri="{FF2B5EF4-FFF2-40B4-BE49-F238E27FC236}">
-                <a16:creationId xmlns:a16="http://schemas.microsoft.com/office/drawing/2014/main" id="{194EC36A-72C0-5D97-08B6-18C18A96A95D}"/>
+                <a16:creationId xmlns="" xmlns:a16="http://schemas.microsoft.com/office/drawing/2014/main" id="{194EC36A-72C0-5D97-08B6-18C18A96A95D}"/>
               </a:ext>
             </a:extLst>
           </p:cNvPr>
@@ -21981,7 +22015,7 @@
           <p:cNvPr id="14" name="Rectangle 13">
             <a:extLst>
               <a:ext uri="{FF2B5EF4-FFF2-40B4-BE49-F238E27FC236}">
-                <a16:creationId xmlns:a16="http://schemas.microsoft.com/office/drawing/2014/main" id="{30610344-5073-9351-D254-6D8408C00B10}"/>
+                <a16:creationId xmlns="" xmlns:a16="http://schemas.microsoft.com/office/drawing/2014/main" id="{30610344-5073-9351-D254-6D8408C00B10}"/>
               </a:ext>
             </a:extLst>
           </p:cNvPr>
@@ -22028,7 +22062,7 @@
           <p:cNvPr id="2" name="TextBox 1">
             <a:extLst>
               <a:ext uri="{FF2B5EF4-FFF2-40B4-BE49-F238E27FC236}">
-                <a16:creationId xmlns:a16="http://schemas.microsoft.com/office/drawing/2014/main" id="{DB648E07-0ADA-3213-F04B-B618F86FE55A}"/>
+                <a16:creationId xmlns="" xmlns:a16="http://schemas.microsoft.com/office/drawing/2014/main" id="{DB648E07-0ADA-3213-F04B-B618F86FE55A}"/>
               </a:ext>
             </a:extLst>
           </p:cNvPr>
@@ -22077,7 +22111,7 @@
           <p:cNvPr id="4" name="Oval 3">
             <a:extLst>
               <a:ext uri="{FF2B5EF4-FFF2-40B4-BE49-F238E27FC236}">
-                <a16:creationId xmlns:a16="http://schemas.microsoft.com/office/drawing/2014/main" id="{B0419334-D010-AABC-F69E-4CE3A439194D}"/>
+                <a16:creationId xmlns="" xmlns:a16="http://schemas.microsoft.com/office/drawing/2014/main" id="{B0419334-D010-AABC-F69E-4CE3A439194D}"/>
               </a:ext>
             </a:extLst>
           </p:cNvPr>
@@ -22129,7 +22163,7 @@
           <p:cNvPr id="7" name="Rounded Rectangle 6">
             <a:extLst>
               <a:ext uri="{FF2B5EF4-FFF2-40B4-BE49-F238E27FC236}">
-                <a16:creationId xmlns:a16="http://schemas.microsoft.com/office/drawing/2014/main" id="{17CFD8EC-DAD6-2D70-BC4C-CA8D499F942E}"/>
+                <a16:creationId xmlns="" xmlns:a16="http://schemas.microsoft.com/office/drawing/2014/main" id="{17CFD8EC-DAD6-2D70-BC4C-CA8D499F942E}"/>
               </a:ext>
             </a:extLst>
           </p:cNvPr>
@@ -22188,18 +22222,25 @@
   <p:clrMapOvr>
     <a:masterClrMapping/>
   </p:clrMapOvr>
-  <mc:AlternateContent xmlns:mc="http://schemas.openxmlformats.org/markup-compatibility/2006" xmlns:p159="http://schemas.microsoft.com/office/powerpoint/2015/09/main">
-    <mc:Choice Requires="p159">
+  <mc:AlternateContent xmlns:mc="http://schemas.openxmlformats.org/markup-compatibility/2006">
+    <mc:Choice xmlns="" xmlns:p159="http://schemas.microsoft.com/office/powerpoint/2015/09/main" Requires="p159">
       <p:transition xmlns:p14="http://schemas.microsoft.com/office/powerpoint/2010/main" spd="slow" p14:dur="2000" advTm="10000">
         <p159:morph option="byObject"/>
       </p:transition>
     </mc:Choice>
-    <mc:Fallback xmlns="">
+    <mc:Fallback>
       <p:transition spd="slow" advTm="10000">
         <p:fade/>
       </p:transition>
     </mc:Fallback>
   </mc:AlternateContent>
+  <p:timing>
+    <p:tnLst>
+      <p:par>
+        <p:cTn id="1" dur="indefinite" restart="never" nodeType="tmRoot"/>
+      </p:par>
+    </p:tnLst>
+  </p:timing>
 </p:sld>
 </file>
 
@@ -22225,7 +22266,7 @@
           <p:cNvPr id="15" name="Arrow: Right 14">
             <a:extLst>
               <a:ext uri="{FF2B5EF4-FFF2-40B4-BE49-F238E27FC236}">
-                <a16:creationId xmlns:a16="http://schemas.microsoft.com/office/drawing/2014/main" id="{E66A1F1C-0542-3E81-7D41-636ECA0E8017}"/>
+                <a16:creationId xmlns="" xmlns:a16="http://schemas.microsoft.com/office/drawing/2014/main" id="{E66A1F1C-0542-3E81-7D41-636ECA0E8017}"/>
               </a:ext>
             </a:extLst>
           </p:cNvPr>
@@ -22280,7 +22321,7 @@
           <p:cNvPr id="4" name="TextBox 3">
             <a:extLst>
               <a:ext uri="{FF2B5EF4-FFF2-40B4-BE49-F238E27FC236}">
-                <a16:creationId xmlns:a16="http://schemas.microsoft.com/office/drawing/2014/main" id="{A19D0219-1CA3-1BE8-9A7C-5E6B9CD20031}"/>
+                <a16:creationId xmlns="" xmlns:a16="http://schemas.microsoft.com/office/drawing/2014/main" id="{A19D0219-1CA3-1BE8-9A7C-5E6B9CD20031}"/>
               </a:ext>
             </a:extLst>
           </p:cNvPr>
@@ -22326,7 +22367,7 @@
           <p:cNvPr id="6" name="Graphic 5" descr="Clapper board with solid fill">
             <a:extLst>
               <a:ext uri="{FF2B5EF4-FFF2-40B4-BE49-F238E27FC236}">
-                <a16:creationId xmlns:a16="http://schemas.microsoft.com/office/drawing/2014/main" id="{5612DC79-CCB3-FEC3-52C7-3EDFEC3C2915}"/>
+                <a16:creationId xmlns="" xmlns:a16="http://schemas.microsoft.com/office/drawing/2014/main" id="{5612DC79-CCB3-FEC3-52C7-3EDFEC3C2915}"/>
               </a:ext>
             </a:extLst>
           </p:cNvPr>
@@ -22342,7 +22383,7 @@
                 <a14:useLocalDpi xmlns:a14="http://schemas.microsoft.com/office/drawing/2010/main" val="0"/>
               </a:ext>
               <a:ext uri="{96DAC541-7B7A-43D3-8B79-37D633B846F1}">
-                <asvg:svgBlip xmlns:asvg="http://schemas.microsoft.com/office/drawing/2016/SVG/main" r:embed="rId4"/>
+                <asvg:svgBlip xmlns="" xmlns:asvg="http://schemas.microsoft.com/office/drawing/2016/SVG/main" r:embed="rId4"/>
               </a:ext>
             </a:extLst>
           </a:blip>
@@ -22365,7 +22406,7 @@
           <p:cNvPr id="17" name="Group 16">
             <a:extLst>
               <a:ext uri="{FF2B5EF4-FFF2-40B4-BE49-F238E27FC236}">
-                <a16:creationId xmlns:a16="http://schemas.microsoft.com/office/drawing/2014/main" id="{4BAA3504-49B3-FEF4-6F0A-E05A72DF5D4C}"/>
+                <a16:creationId xmlns="" xmlns:a16="http://schemas.microsoft.com/office/drawing/2014/main" id="{4BAA3504-49B3-FEF4-6F0A-E05A72DF5D4C}"/>
               </a:ext>
             </a:extLst>
           </p:cNvPr>
@@ -22385,7 +22426,7 @@
             <p:cNvPr id="13" name="Group 12">
               <a:extLst>
                 <a:ext uri="{FF2B5EF4-FFF2-40B4-BE49-F238E27FC236}">
-                  <a16:creationId xmlns:a16="http://schemas.microsoft.com/office/drawing/2014/main" id="{752266E7-030D-6D44-BDF8-9D39B444C741}"/>
+                  <a16:creationId xmlns="" xmlns:a16="http://schemas.microsoft.com/office/drawing/2014/main" id="{752266E7-030D-6D44-BDF8-9D39B444C741}"/>
                 </a:ext>
               </a:extLst>
             </p:cNvPr>
@@ -22405,7 +22446,7 @@
               <p:cNvPr id="7" name="Graphic 6" descr="Film strip outline">
                 <a:extLst>
                   <a:ext uri="{FF2B5EF4-FFF2-40B4-BE49-F238E27FC236}">
-                    <a16:creationId xmlns:a16="http://schemas.microsoft.com/office/drawing/2014/main" id="{679B4BF1-9796-032B-624E-5F1A01E26791}"/>
+                    <a16:creationId xmlns="" xmlns:a16="http://schemas.microsoft.com/office/drawing/2014/main" id="{679B4BF1-9796-032B-624E-5F1A01E26791}"/>
                   </a:ext>
                 </a:extLst>
               </p:cNvPr>
@@ -22421,7 +22462,7 @@
                     <a14:useLocalDpi xmlns:a14="http://schemas.microsoft.com/office/drawing/2010/main" val="0"/>
                   </a:ext>
                   <a:ext uri="{96DAC541-7B7A-43D3-8B79-37D633B846F1}">
-                    <asvg:svgBlip xmlns:asvg="http://schemas.microsoft.com/office/drawing/2016/SVG/main" r:embed="rId6"/>
+                    <asvg:svgBlip xmlns="" xmlns:asvg="http://schemas.microsoft.com/office/drawing/2016/SVG/main" r:embed="rId6"/>
                   </a:ext>
                 </a:extLst>
               </a:blip>
@@ -22443,7 +22484,7 @@
               <p:cNvPr id="8" name="Graphic 7" descr="Film strip outline">
                 <a:extLst>
                   <a:ext uri="{FF2B5EF4-FFF2-40B4-BE49-F238E27FC236}">
-                    <a16:creationId xmlns:a16="http://schemas.microsoft.com/office/drawing/2014/main" id="{3100521E-336B-47FE-B7CB-E3E0C7B8209F}"/>
+                    <a16:creationId xmlns="" xmlns:a16="http://schemas.microsoft.com/office/drawing/2014/main" id="{3100521E-336B-47FE-B7CB-E3E0C7B8209F}"/>
                   </a:ext>
                 </a:extLst>
               </p:cNvPr>
@@ -22459,7 +22500,7 @@
                     <a14:useLocalDpi xmlns:a14="http://schemas.microsoft.com/office/drawing/2010/main" val="0"/>
                   </a:ext>
                   <a:ext uri="{96DAC541-7B7A-43D3-8B79-37D633B846F1}">
-                    <asvg:svgBlip xmlns:asvg="http://schemas.microsoft.com/office/drawing/2016/SVG/main" r:embed="rId6"/>
+                    <asvg:svgBlip xmlns="" xmlns:asvg="http://schemas.microsoft.com/office/drawing/2016/SVG/main" r:embed="rId6"/>
                   </a:ext>
                 </a:extLst>
               </a:blip>
@@ -22481,7 +22522,7 @@
               <p:cNvPr id="9" name="Graphic 8" descr="Film strip outline">
                 <a:extLst>
                   <a:ext uri="{FF2B5EF4-FFF2-40B4-BE49-F238E27FC236}">
-                    <a16:creationId xmlns:a16="http://schemas.microsoft.com/office/drawing/2014/main" id="{B0A8CC99-441C-C45A-C31E-EE0AEA392B57}"/>
+                    <a16:creationId xmlns="" xmlns:a16="http://schemas.microsoft.com/office/drawing/2014/main" id="{B0A8CC99-441C-C45A-C31E-EE0AEA392B57}"/>
                   </a:ext>
                 </a:extLst>
               </p:cNvPr>
@@ -22497,7 +22538,7 @@
                     <a14:useLocalDpi xmlns:a14="http://schemas.microsoft.com/office/drawing/2010/main" val="0"/>
                   </a:ext>
                   <a:ext uri="{96DAC541-7B7A-43D3-8B79-37D633B846F1}">
-                    <asvg:svgBlip xmlns:asvg="http://schemas.microsoft.com/office/drawing/2016/SVG/main" r:embed="rId6"/>
+                    <asvg:svgBlip xmlns="" xmlns:asvg="http://schemas.microsoft.com/office/drawing/2016/SVG/main" r:embed="rId6"/>
                   </a:ext>
                 </a:extLst>
               </a:blip>
@@ -22519,7 +22560,7 @@
               <p:cNvPr id="12" name="Graphic 11" descr="Film strip outline">
                 <a:extLst>
                   <a:ext uri="{FF2B5EF4-FFF2-40B4-BE49-F238E27FC236}">
-                    <a16:creationId xmlns:a16="http://schemas.microsoft.com/office/drawing/2014/main" id="{94B46E5B-B72C-74EF-0FE0-2C29FB0B7C0A}"/>
+                    <a16:creationId xmlns="" xmlns:a16="http://schemas.microsoft.com/office/drawing/2014/main" id="{94B46E5B-B72C-74EF-0FE0-2C29FB0B7C0A}"/>
                   </a:ext>
                 </a:extLst>
               </p:cNvPr>
@@ -22535,7 +22576,7 @@
                     <a14:useLocalDpi xmlns:a14="http://schemas.microsoft.com/office/drawing/2010/main" val="0"/>
                   </a:ext>
                   <a:ext uri="{96DAC541-7B7A-43D3-8B79-37D633B846F1}">
-                    <asvg:svgBlip xmlns:asvg="http://schemas.microsoft.com/office/drawing/2016/SVG/main" r:embed="rId6"/>
+                    <asvg:svgBlip xmlns="" xmlns:asvg="http://schemas.microsoft.com/office/drawing/2016/SVG/main" r:embed="rId6"/>
                   </a:ext>
                 </a:extLst>
               </a:blip>
@@ -22558,7 +22599,7 @@
             <p:cNvPr id="16" name="TextBox 15">
               <a:extLst>
                 <a:ext uri="{FF2B5EF4-FFF2-40B4-BE49-F238E27FC236}">
-                  <a16:creationId xmlns:a16="http://schemas.microsoft.com/office/drawing/2014/main" id="{28D856BF-9C31-DE00-2996-5712FE027C03}"/>
+                  <a16:creationId xmlns="" xmlns:a16="http://schemas.microsoft.com/office/drawing/2014/main" id="{28D856BF-9C31-DE00-2996-5712FE027C03}"/>
                 </a:ext>
               </a:extLst>
             </p:cNvPr>
@@ -22596,7 +22637,7 @@
             <p:cNvPr id="11" name="TextBox 10">
               <a:extLst>
                 <a:ext uri="{FF2B5EF4-FFF2-40B4-BE49-F238E27FC236}">
-                  <a16:creationId xmlns:a16="http://schemas.microsoft.com/office/drawing/2014/main" id="{774D2169-5E40-96EC-89F6-C1EED5163068}"/>
+                  <a16:creationId xmlns="" xmlns:a16="http://schemas.microsoft.com/office/drawing/2014/main" id="{774D2169-5E40-96EC-89F6-C1EED5163068}"/>
                 </a:ext>
               </a:extLst>
             </p:cNvPr>
@@ -22643,7 +22684,7 @@
             <p:cNvPr id="3" name="TextBox 2">
               <a:extLst>
                 <a:ext uri="{FF2B5EF4-FFF2-40B4-BE49-F238E27FC236}">
-                  <a16:creationId xmlns:a16="http://schemas.microsoft.com/office/drawing/2014/main" id="{6785A270-730B-20BD-2C8D-B202801F202B}"/>
+                  <a16:creationId xmlns="" xmlns:a16="http://schemas.microsoft.com/office/drawing/2014/main" id="{6785A270-730B-20BD-2C8D-B202801F202B}"/>
                 </a:ext>
               </a:extLst>
             </p:cNvPr>
@@ -22702,7 +22743,7 @@
             <p:cNvPr id="5" name="TextBox 4">
               <a:extLst>
                 <a:ext uri="{FF2B5EF4-FFF2-40B4-BE49-F238E27FC236}">
-                  <a16:creationId xmlns:a16="http://schemas.microsoft.com/office/drawing/2014/main" id="{C5B8ADD1-77F7-2B4F-5CAC-47E0CEE973DE}"/>
+                  <a16:creationId xmlns="" xmlns:a16="http://schemas.microsoft.com/office/drawing/2014/main" id="{C5B8ADD1-77F7-2B4F-5CAC-47E0CEE973DE}"/>
                 </a:ext>
               </a:extLst>
             </p:cNvPr>
@@ -22761,7 +22802,7 @@
             <p:cNvPr id="2" name="TextBox 1">
               <a:extLst>
                 <a:ext uri="{FF2B5EF4-FFF2-40B4-BE49-F238E27FC236}">
-                  <a16:creationId xmlns:a16="http://schemas.microsoft.com/office/drawing/2014/main" id="{88849211-10AD-F2EC-30F8-CAC4616B3CBE}"/>
+                  <a16:creationId xmlns="" xmlns:a16="http://schemas.microsoft.com/office/drawing/2014/main" id="{88849211-10AD-F2EC-30F8-CAC4616B3CBE}"/>
                 </a:ext>
               </a:extLst>
             </p:cNvPr>
@@ -22839,7 +22880,7 @@
     <a:masterClrMapping/>
   </p:clrMapOvr>
   <mc:AlternateContent xmlns:mc="http://schemas.openxmlformats.org/markup-compatibility/2006">
-    <mc:Choice xmlns:p159="http://schemas.microsoft.com/office/powerpoint/2015/09/main" Requires="p159">
+    <mc:Choice xmlns="" xmlns:p159="http://schemas.microsoft.com/office/powerpoint/2015/09/main" Requires="p159">
       <p:transition xmlns:p14="http://schemas.microsoft.com/office/powerpoint/2010/main" spd="slow" p14:dur="2000" advClick="0" advTm="4000">
         <p159:morph option="byObject"/>
       </p:transition>
@@ -23066,7 +23107,7 @@
           <p:cNvPr id="2" name="Picture 1" descr="A picture containing logo&#10;&#10;Description automatically generated">
             <a:extLst>
               <a:ext uri="{FF2B5EF4-FFF2-40B4-BE49-F238E27FC236}">
-                <a16:creationId xmlns:a16="http://schemas.microsoft.com/office/drawing/2014/main" id="{082DF003-EF0A-0B45-42B9-239F5970FB4A}"/>
+                <a16:creationId xmlns="" xmlns:a16="http://schemas.microsoft.com/office/drawing/2014/main" id="{082DF003-EF0A-0B45-42B9-239F5970FB4A}"/>
               </a:ext>
             </a:extLst>
           </p:cNvPr>
@@ -23107,6 +23148,14 @@
   <p:clrMapOvr>
     <a:masterClrMapping/>
   </p:clrMapOvr>
+  <mc:AlternateContent xmlns:mc="http://schemas.openxmlformats.org/markup-compatibility/2006" xmlns:p14="http://schemas.microsoft.com/office/powerpoint/2010/main">
+    <mc:Choice Requires="p14">
+      <p:transition spd="slow" p14:dur="2000"/>
+    </mc:Choice>
+    <mc:Fallback xmlns="">
+      <p:transition spd="slow"/>
+    </mc:Fallback>
+  </mc:AlternateContent>
 </p:sld>
 </file>
 
@@ -23132,7 +23181,7 @@
           <p:cNvPr id="4" name="TextBox 3">
             <a:extLst>
               <a:ext uri="{FF2B5EF4-FFF2-40B4-BE49-F238E27FC236}">
-                <a16:creationId xmlns:a16="http://schemas.microsoft.com/office/drawing/2014/main" id="{71FAABE5-5A6D-D8AF-5356-B549D75E4DC1}"/>
+                <a16:creationId xmlns="" xmlns:a16="http://schemas.microsoft.com/office/drawing/2014/main" id="{71FAABE5-5A6D-D8AF-5356-B549D75E4DC1}"/>
               </a:ext>
             </a:extLst>
           </p:cNvPr>
@@ -23288,7 +23337,7 @@
           <p:cNvPr id="9" name="TextBox 8">
             <a:extLst>
               <a:ext uri="{FF2B5EF4-FFF2-40B4-BE49-F238E27FC236}">
-                <a16:creationId xmlns:a16="http://schemas.microsoft.com/office/drawing/2014/main" id="{5B271AB6-024E-738E-415C-1DA50ED39B92}"/>
+                <a16:creationId xmlns="" xmlns:a16="http://schemas.microsoft.com/office/drawing/2014/main" id="{5B271AB6-024E-738E-415C-1DA50ED39B92}"/>
               </a:ext>
             </a:extLst>
           </p:cNvPr>
@@ -23334,7 +23383,7 @@
           <p:cNvPr id="12" name="Straight Arrow Connector 11">
             <a:extLst>
               <a:ext uri="{FF2B5EF4-FFF2-40B4-BE49-F238E27FC236}">
-                <a16:creationId xmlns:a16="http://schemas.microsoft.com/office/drawing/2014/main" id="{7BC59601-BEA5-A889-D7B9-FCB776DCD479}"/>
+                <a16:creationId xmlns="" xmlns:a16="http://schemas.microsoft.com/office/drawing/2014/main" id="{7BC59601-BEA5-A889-D7B9-FCB776DCD479}"/>
               </a:ext>
             </a:extLst>
           </p:cNvPr>
@@ -23376,7 +23425,7 @@
           <p:cNvPr id="13" name="TextBox 12">
             <a:extLst>
               <a:ext uri="{FF2B5EF4-FFF2-40B4-BE49-F238E27FC236}">
-                <a16:creationId xmlns:a16="http://schemas.microsoft.com/office/drawing/2014/main" id="{C36CB001-4499-6EC4-F5F2-FAEC5DD26ADA}"/>
+                <a16:creationId xmlns="" xmlns:a16="http://schemas.microsoft.com/office/drawing/2014/main" id="{C36CB001-4499-6EC4-F5F2-FAEC5DD26ADA}"/>
               </a:ext>
             </a:extLst>
           </p:cNvPr>
@@ -23422,7 +23471,7 @@
           <p:cNvPr id="15" name="Straight Arrow Connector 14">
             <a:extLst>
               <a:ext uri="{FF2B5EF4-FFF2-40B4-BE49-F238E27FC236}">
-                <a16:creationId xmlns:a16="http://schemas.microsoft.com/office/drawing/2014/main" id="{1A66F501-EAE3-2D34-A85E-7D133B7488C6}"/>
+                <a16:creationId xmlns="" xmlns:a16="http://schemas.microsoft.com/office/drawing/2014/main" id="{1A66F501-EAE3-2D34-A85E-7D133B7488C6}"/>
               </a:ext>
             </a:extLst>
           </p:cNvPr>
@@ -23466,7 +23515,7 @@
           <p:cNvPr id="16" name="TextBox 15">
             <a:extLst>
               <a:ext uri="{FF2B5EF4-FFF2-40B4-BE49-F238E27FC236}">
-                <a16:creationId xmlns:a16="http://schemas.microsoft.com/office/drawing/2014/main" id="{A922689C-AA57-E03A-73E1-2D4E1E77C089}"/>
+                <a16:creationId xmlns="" xmlns:a16="http://schemas.microsoft.com/office/drawing/2014/main" id="{A922689C-AA57-E03A-73E1-2D4E1E77C089}"/>
               </a:ext>
             </a:extLst>
           </p:cNvPr>
@@ -23512,7 +23561,7 @@
           <p:cNvPr id="20" name="Straight Arrow Connector 19">
             <a:extLst>
               <a:ext uri="{FF2B5EF4-FFF2-40B4-BE49-F238E27FC236}">
-                <a16:creationId xmlns:a16="http://schemas.microsoft.com/office/drawing/2014/main" id="{2FA1E055-DEFC-4E6A-EE84-7B774D6C45D2}"/>
+                <a16:creationId xmlns="" xmlns:a16="http://schemas.microsoft.com/office/drawing/2014/main" id="{2FA1E055-DEFC-4E6A-EE84-7B774D6C45D2}"/>
               </a:ext>
             </a:extLst>
           </p:cNvPr>
@@ -23556,7 +23605,7 @@
           <p:cNvPr id="21" name="TextBox 20">
             <a:extLst>
               <a:ext uri="{FF2B5EF4-FFF2-40B4-BE49-F238E27FC236}">
-                <a16:creationId xmlns:a16="http://schemas.microsoft.com/office/drawing/2014/main" id="{219F4217-E15A-0CFC-0B44-904EFC5D2AF8}"/>
+                <a16:creationId xmlns="" xmlns:a16="http://schemas.microsoft.com/office/drawing/2014/main" id="{219F4217-E15A-0CFC-0B44-904EFC5D2AF8}"/>
               </a:ext>
             </a:extLst>
           </p:cNvPr>
@@ -23602,7 +23651,7 @@
           <p:cNvPr id="25" name="Straight Arrow Connector 24">
             <a:extLst>
               <a:ext uri="{FF2B5EF4-FFF2-40B4-BE49-F238E27FC236}">
-                <a16:creationId xmlns:a16="http://schemas.microsoft.com/office/drawing/2014/main" id="{2EA83CFA-3A8F-41CD-6DE0-D91412C9F978}"/>
+                <a16:creationId xmlns="" xmlns:a16="http://schemas.microsoft.com/office/drawing/2014/main" id="{2EA83CFA-3A8F-41CD-6DE0-D91412C9F978}"/>
               </a:ext>
             </a:extLst>
           </p:cNvPr>
@@ -23646,7 +23695,7 @@
           <p:cNvPr id="26" name="TextBox 25">
             <a:extLst>
               <a:ext uri="{FF2B5EF4-FFF2-40B4-BE49-F238E27FC236}">
-                <a16:creationId xmlns:a16="http://schemas.microsoft.com/office/drawing/2014/main" id="{B44E59BF-4611-4A48-B62D-C3F01306020B}"/>
+                <a16:creationId xmlns="" xmlns:a16="http://schemas.microsoft.com/office/drawing/2014/main" id="{B44E59BF-4611-4A48-B62D-C3F01306020B}"/>
               </a:ext>
             </a:extLst>
           </p:cNvPr>
@@ -23692,7 +23741,7 @@
           <p:cNvPr id="27" name="Title 1">
             <a:extLst>
               <a:ext uri="{FF2B5EF4-FFF2-40B4-BE49-F238E27FC236}">
-                <a16:creationId xmlns:a16="http://schemas.microsoft.com/office/drawing/2014/main" id="{B7A3E0CD-4388-A770-9391-82D95AE2C257}"/>
+                <a16:creationId xmlns="" xmlns:a16="http://schemas.microsoft.com/office/drawing/2014/main" id="{B7A3E0CD-4388-A770-9391-82D95AE2C257}"/>
               </a:ext>
             </a:extLst>
           </p:cNvPr>
@@ -23742,7 +23791,7 @@
           <p:cNvPr id="5" name="Connector: Elbow 4">
             <a:extLst>
               <a:ext uri="{FF2B5EF4-FFF2-40B4-BE49-F238E27FC236}">
-                <a16:creationId xmlns:a16="http://schemas.microsoft.com/office/drawing/2014/main" id="{F1565CEA-93AD-FA02-4BD9-75535F4D4A70}"/>
+                <a16:creationId xmlns="" xmlns:a16="http://schemas.microsoft.com/office/drawing/2014/main" id="{F1565CEA-93AD-FA02-4BD9-75535F4D4A70}"/>
               </a:ext>
             </a:extLst>
           </p:cNvPr>
@@ -23787,7 +23836,7 @@
           <p:cNvPr id="7" name="Connector: Elbow 6">
             <a:extLst>
               <a:ext uri="{FF2B5EF4-FFF2-40B4-BE49-F238E27FC236}">
-                <a16:creationId xmlns:a16="http://schemas.microsoft.com/office/drawing/2014/main" id="{4A16227A-B267-9983-510A-5EB838AA9904}"/>
+                <a16:creationId xmlns="" xmlns:a16="http://schemas.microsoft.com/office/drawing/2014/main" id="{4A16227A-B267-9983-510A-5EB838AA9904}"/>
               </a:ext>
             </a:extLst>
           </p:cNvPr>
@@ -23835,7 +23884,7 @@
           <p:cNvPr id="29" name="Connector: Elbow 28">
             <a:extLst>
               <a:ext uri="{FF2B5EF4-FFF2-40B4-BE49-F238E27FC236}">
-                <a16:creationId xmlns:a16="http://schemas.microsoft.com/office/drawing/2014/main" id="{304677AD-3E33-1512-0190-736900738891}"/>
+                <a16:creationId xmlns="" xmlns:a16="http://schemas.microsoft.com/office/drawing/2014/main" id="{304677AD-3E33-1512-0190-736900738891}"/>
               </a:ext>
             </a:extLst>
           </p:cNvPr>
@@ -23881,7 +23930,7 @@
           <p:cNvPr id="34" name="Connector: Elbow 33">
             <a:extLst>
               <a:ext uri="{FF2B5EF4-FFF2-40B4-BE49-F238E27FC236}">
-                <a16:creationId xmlns:a16="http://schemas.microsoft.com/office/drawing/2014/main" id="{A1047F02-3375-7B0A-ABB6-C49571902842}"/>
+                <a16:creationId xmlns="" xmlns:a16="http://schemas.microsoft.com/office/drawing/2014/main" id="{A1047F02-3375-7B0A-ABB6-C49571902842}"/>
               </a:ext>
             </a:extLst>
           </p:cNvPr>
@@ -23927,7 +23976,7 @@
           <p:cNvPr id="14" name="Rectangle 13">
             <a:extLst>
               <a:ext uri="{FF2B5EF4-FFF2-40B4-BE49-F238E27FC236}">
-                <a16:creationId xmlns:a16="http://schemas.microsoft.com/office/drawing/2014/main" id="{7F927FE1-29E0-EF3F-902A-27C364578A35}"/>
+                <a16:creationId xmlns="" xmlns:a16="http://schemas.microsoft.com/office/drawing/2014/main" id="{7F927FE1-29E0-EF3F-902A-27C364578A35}"/>
               </a:ext>
             </a:extLst>
           </p:cNvPr>
@@ -23979,7 +24028,7 @@
           <p:cNvPr id="19" name="Rectangle 18">
             <a:extLst>
               <a:ext uri="{FF2B5EF4-FFF2-40B4-BE49-F238E27FC236}">
-                <a16:creationId xmlns:a16="http://schemas.microsoft.com/office/drawing/2014/main" id="{01761136-09C8-76C3-7DF5-9A38CAABFFEA}"/>
+                <a16:creationId xmlns="" xmlns:a16="http://schemas.microsoft.com/office/drawing/2014/main" id="{01761136-09C8-76C3-7DF5-9A38CAABFFEA}"/>
               </a:ext>
             </a:extLst>
           </p:cNvPr>
@@ -24031,7 +24080,7 @@
           <p:cNvPr id="10" name="Rectangle 9">
             <a:extLst>
               <a:ext uri="{FF2B5EF4-FFF2-40B4-BE49-F238E27FC236}">
-                <a16:creationId xmlns:a16="http://schemas.microsoft.com/office/drawing/2014/main" id="{BFC3D6BC-7494-669C-774F-E1D2570C7F0B}"/>
+                <a16:creationId xmlns="" xmlns:a16="http://schemas.microsoft.com/office/drawing/2014/main" id="{BFC3D6BC-7494-669C-774F-E1D2570C7F0B}"/>
               </a:ext>
             </a:extLst>
           </p:cNvPr>
@@ -24083,7 +24132,7 @@
           <p:cNvPr id="24" name="Rectangle 23">
             <a:extLst>
               <a:ext uri="{FF2B5EF4-FFF2-40B4-BE49-F238E27FC236}">
-                <a16:creationId xmlns:a16="http://schemas.microsoft.com/office/drawing/2014/main" id="{1446AA79-F013-54C9-95BE-870A7B9A79B7}"/>
+                <a16:creationId xmlns="" xmlns:a16="http://schemas.microsoft.com/office/drawing/2014/main" id="{1446AA79-F013-54C9-95BE-870A7B9A79B7}"/>
               </a:ext>
             </a:extLst>
           </p:cNvPr>
@@ -24140,12 +24189,12 @@
   <p:clrMapOvr>
     <a:masterClrMapping/>
   </p:clrMapOvr>
-  <mc:AlternateContent xmlns:mc="http://schemas.openxmlformats.org/markup-compatibility/2006" xmlns:p14="http://schemas.microsoft.com/office/powerpoint/2010/main">
-    <mc:Choice Requires="p14">
-      <p:transition p14:dur="0" advClick="0" advTm="7000"/>
+  <mc:AlternateContent xmlns:mc="http://schemas.openxmlformats.org/markup-compatibility/2006">
+    <mc:Choice xmlns:p14="http://schemas.microsoft.com/office/powerpoint/2010/main" Requires="p14">
+      <p:transition p14:dur="0" advClick="0" advTm="8000"/>
     </mc:Choice>
-    <mc:Fallback xmlns="">
-      <p:transition advClick="0" advTm="7000"/>
+    <mc:Fallback>
+      <p:transition advClick="0" advTm="8000"/>
     </mc:Fallback>
   </mc:AlternateContent>
   <p:timing>
@@ -24694,7 +24743,7 @@
           <p:cNvPr id="4" name="Title 1">
             <a:extLst>
               <a:ext uri="{FF2B5EF4-FFF2-40B4-BE49-F238E27FC236}">
-                <a16:creationId xmlns:a16="http://schemas.microsoft.com/office/drawing/2014/main" id="{D4B2EE34-CA4B-4BCA-2346-AECE0A311A24}"/>
+                <a16:creationId xmlns="" xmlns:a16="http://schemas.microsoft.com/office/drawing/2014/main" id="{D4B2EE34-CA4B-4BCA-2346-AECE0A311A24}"/>
               </a:ext>
             </a:extLst>
           </p:cNvPr>
@@ -24754,18 +24803,25 @@
   <p:clrMapOvr>
     <a:masterClrMapping/>
   </p:clrMapOvr>
-  <mc:AlternateContent xmlns:mc="http://schemas.openxmlformats.org/markup-compatibility/2006" xmlns:p159="http://schemas.microsoft.com/office/powerpoint/2015/09/main">
-    <mc:Choice Requires="p159">
+  <mc:AlternateContent xmlns:mc="http://schemas.openxmlformats.org/markup-compatibility/2006">
+    <mc:Choice xmlns="" xmlns:p159="http://schemas.microsoft.com/office/powerpoint/2015/09/main" Requires="p159">
       <p:transition xmlns:p14="http://schemas.microsoft.com/office/powerpoint/2010/main" spd="slow" p14:dur="2000" advTm="2000">
         <p159:morph option="byObject"/>
       </p:transition>
     </mc:Choice>
-    <mc:Fallback xmlns="">
+    <mc:Fallback>
       <p:transition spd="slow" advTm="2000">
         <p:fade/>
       </p:transition>
     </mc:Fallback>
   </mc:AlternateContent>
+  <p:timing>
+    <p:tnLst>
+      <p:par>
+        <p:cTn id="1" dur="indefinite" restart="never" nodeType="tmRoot"/>
+      </p:par>
+    </p:tnLst>
+  </p:timing>
 </p:sld>
 </file>
 
@@ -24791,7 +24847,7 @@
           <p:cNvPr id="11" name="TextBox 10">
             <a:extLst>
               <a:ext uri="{FF2B5EF4-FFF2-40B4-BE49-F238E27FC236}">
-                <a16:creationId xmlns:a16="http://schemas.microsoft.com/office/drawing/2014/main" id="{FA466D1A-CDA5-3300-B4DF-A3B54FCD3C77}"/>
+                <a16:creationId xmlns="" xmlns:a16="http://schemas.microsoft.com/office/drawing/2014/main" id="{FA466D1A-CDA5-3300-B4DF-A3B54FCD3C77}"/>
               </a:ext>
             </a:extLst>
           </p:cNvPr>
@@ -25547,7 +25603,7 @@
           <p:cNvPr id="4" name="Rectangle 3">
             <a:extLst>
               <a:ext uri="{FF2B5EF4-FFF2-40B4-BE49-F238E27FC236}">
-                <a16:creationId xmlns:a16="http://schemas.microsoft.com/office/drawing/2014/main" id="{61F5B871-4B8C-1824-85D9-E63FF6D544C8}"/>
+                <a16:creationId xmlns="" xmlns:a16="http://schemas.microsoft.com/office/drawing/2014/main" id="{61F5B871-4B8C-1824-85D9-E63FF6D544C8}"/>
               </a:ext>
             </a:extLst>
           </p:cNvPr>
@@ -25599,7 +25655,7 @@
           <p:cNvPr id="6" name="TextBox 5">
             <a:extLst>
               <a:ext uri="{FF2B5EF4-FFF2-40B4-BE49-F238E27FC236}">
-                <a16:creationId xmlns:a16="http://schemas.microsoft.com/office/drawing/2014/main" id="{EBA37B5C-FB0C-6088-F80F-3AFB1605CA4C}"/>
+                <a16:creationId xmlns="" xmlns:a16="http://schemas.microsoft.com/office/drawing/2014/main" id="{EBA37B5C-FB0C-6088-F80F-3AFB1605CA4C}"/>
               </a:ext>
             </a:extLst>
           </p:cNvPr>
@@ -25645,7 +25701,7 @@
           <p:cNvPr id="7" name="Rectangle 6">
             <a:extLst>
               <a:ext uri="{FF2B5EF4-FFF2-40B4-BE49-F238E27FC236}">
-                <a16:creationId xmlns:a16="http://schemas.microsoft.com/office/drawing/2014/main" id="{1561DCD4-F799-04EA-CC74-DD968FB36F08}"/>
+                <a16:creationId xmlns="" xmlns:a16="http://schemas.microsoft.com/office/drawing/2014/main" id="{1561DCD4-F799-04EA-CC74-DD968FB36F08}"/>
               </a:ext>
             </a:extLst>
           </p:cNvPr>
@@ -25697,7 +25753,7 @@
           <p:cNvPr id="8" name="Straight Arrow Connector 7">
             <a:extLst>
               <a:ext uri="{FF2B5EF4-FFF2-40B4-BE49-F238E27FC236}">
-                <a16:creationId xmlns:a16="http://schemas.microsoft.com/office/drawing/2014/main" id="{F60C429C-D0AC-B96B-1A03-DB5B261507EF}"/>
+                <a16:creationId xmlns="" xmlns:a16="http://schemas.microsoft.com/office/drawing/2014/main" id="{F60C429C-D0AC-B96B-1A03-DB5B261507EF}"/>
               </a:ext>
             </a:extLst>
           </p:cNvPr>
@@ -25741,7 +25797,7 @@
           <p:cNvPr id="9" name="TextBox 8">
             <a:extLst>
               <a:ext uri="{FF2B5EF4-FFF2-40B4-BE49-F238E27FC236}">
-                <a16:creationId xmlns:a16="http://schemas.microsoft.com/office/drawing/2014/main" id="{B38E696C-F489-0EFA-9EBE-71D5F95CAD76}"/>
+                <a16:creationId xmlns="" xmlns:a16="http://schemas.microsoft.com/office/drawing/2014/main" id="{B38E696C-F489-0EFA-9EBE-71D5F95CAD76}"/>
               </a:ext>
             </a:extLst>
           </p:cNvPr>
@@ -25787,7 +25843,7 @@
           <p:cNvPr id="16" name="TextBox 15">
             <a:extLst>
               <a:ext uri="{FF2B5EF4-FFF2-40B4-BE49-F238E27FC236}">
-                <a16:creationId xmlns:a16="http://schemas.microsoft.com/office/drawing/2014/main" id="{485785FA-EB9A-2516-53EA-E85739F3C840}"/>
+                <a16:creationId xmlns="" xmlns:a16="http://schemas.microsoft.com/office/drawing/2014/main" id="{485785FA-EB9A-2516-53EA-E85739F3C840}"/>
               </a:ext>
             </a:extLst>
           </p:cNvPr>
@@ -25837,7 +25893,7 @@
           <p:cNvPr id="5" name="Straight Arrow Connector 4">
             <a:extLst>
               <a:ext uri="{FF2B5EF4-FFF2-40B4-BE49-F238E27FC236}">
-                <a16:creationId xmlns:a16="http://schemas.microsoft.com/office/drawing/2014/main" id="{B4EBD089-0957-E90A-F48F-7A7189B9C746}"/>
+                <a16:creationId xmlns="" xmlns:a16="http://schemas.microsoft.com/office/drawing/2014/main" id="{B4EBD089-0957-E90A-F48F-7A7189B9C746}"/>
               </a:ext>
             </a:extLst>
           </p:cNvPr>
@@ -25881,7 +25937,7 @@
           <p:cNvPr id="10" name="Straight Arrow Connector 9">
             <a:extLst>
               <a:ext uri="{FF2B5EF4-FFF2-40B4-BE49-F238E27FC236}">
-                <a16:creationId xmlns:a16="http://schemas.microsoft.com/office/drawing/2014/main" id="{7BD03906-6214-4315-D848-F50543EB6FF7}"/>
+                <a16:creationId xmlns="" xmlns:a16="http://schemas.microsoft.com/office/drawing/2014/main" id="{7BD03906-6214-4315-D848-F50543EB6FF7}"/>
               </a:ext>
             </a:extLst>
           </p:cNvPr>
@@ -25926,7 +25982,7 @@
           <p:cNvPr id="15" name="Straight Arrow Connector 14">
             <a:extLst>
               <a:ext uri="{FF2B5EF4-FFF2-40B4-BE49-F238E27FC236}">
-                <a16:creationId xmlns:a16="http://schemas.microsoft.com/office/drawing/2014/main" id="{B8C48CAC-C87F-0089-2970-483DAA13FE67}"/>
+                <a16:creationId xmlns="" xmlns:a16="http://schemas.microsoft.com/office/drawing/2014/main" id="{B8C48CAC-C87F-0089-2970-483DAA13FE67}"/>
               </a:ext>
             </a:extLst>
           </p:cNvPr>
@@ -25976,18 +26032,9 @@
   <p:clrMapOvr>
     <a:masterClrMapping/>
   </p:clrMapOvr>
-  <mc:AlternateContent xmlns:mc="http://schemas.openxmlformats.org/markup-compatibility/2006" xmlns:p159="http://schemas.microsoft.com/office/powerpoint/2015/09/main">
-    <mc:Choice Requires="p159">
-      <p:transition xmlns:p14="http://schemas.microsoft.com/office/powerpoint/2010/main" spd="slow" p14:dur="2000" advClick="0" advTm="16000">
-        <p159:morph option="byObject"/>
-      </p:transition>
-    </mc:Choice>
-    <mc:Fallback xmlns="">
-      <p:transition spd="slow" advClick="0" advTm="16000">
-        <p:fade/>
-      </p:transition>
-    </mc:Fallback>
-  </mc:AlternateContent>
+  <p:transition spd="slow" advClick="0" advTm="15500">
+    <p:fade/>
+  </p:transition>
   <p:timing>
     <p:tnLst>
       <p:par>
@@ -26286,7 +26333,7 @@
           <p:cNvPr id="4" name="TextBox 3">
             <a:extLst>
               <a:ext uri="{FF2B5EF4-FFF2-40B4-BE49-F238E27FC236}">
-                <a16:creationId xmlns:a16="http://schemas.microsoft.com/office/drawing/2014/main" id="{0312EC83-56B6-A809-94F0-87334C47F7AA}"/>
+                <a16:creationId xmlns="" xmlns:a16="http://schemas.microsoft.com/office/drawing/2014/main" id="{0312EC83-56B6-A809-94F0-87334C47F7AA}"/>
               </a:ext>
             </a:extLst>
           </p:cNvPr>
@@ -26343,7 +26390,7 @@
                 </a:solidFill>
                 <a:latin typeface="Consolas" panose="020B0609020204030204" pitchFamily="49" charset="0"/>
               </a:rPr>
-              <a:t>     {</a:t>
+              <a:t>     { </a:t>
             </a:r>
           </a:p>
           <a:p>
@@ -26358,15 +26405,6 @@
             <a:r>
               <a:rPr lang="en-US" altLang="en-US" sz="1400" dirty="0">
                 <a:solidFill>
-                  <a:schemeClr val="accent1"/>
-                </a:solidFill>
-                <a:latin typeface="Consolas" panose="020B0609020204030204" pitchFamily="49" charset="0"/>
-              </a:rPr>
-              <a:t>          </a:t>
-            </a:r>
-            <a:r>
-              <a:rPr lang="en-US" altLang="en-US" sz="1400" dirty="0">
-                <a:solidFill>
                   <a:schemeClr val="accent1">
                     <a:lumMod val="60000"/>
                     <a:lumOff val="40000"/>
@@ -26374,7 +26412,7 @@
                 </a:solidFill>
                 <a:latin typeface="Consolas" panose="020B0609020204030204" pitchFamily="49" charset="0"/>
               </a:rPr>
-              <a:t>"type"</a:t>
+              <a:t>          "type"</a:t>
             </a:r>
             <a:r>
               <a:rPr lang="en-US" altLang="en-US" sz="1400" dirty="0">
@@ -26404,10 +26442,19 @@
                 </a:solidFill>
                 <a:latin typeface="Consolas" panose="020B0609020204030204" pitchFamily="49" charset="0"/>
               </a:rPr>
-              <a:t>"Temperature Sensor"</a:t>
-            </a:r>
-            <a:r>
-              <a:rPr lang="en-US" altLang="en-US" sz="1400" dirty="0">
+              <a:t>"</a:t>
+            </a:r>
+            <a:r>
+              <a:rPr lang="en-US" altLang="en-US" sz="1400" dirty="0" smtClean="0">
+                <a:solidFill>
+                  <a:schemeClr val="accent2"/>
+                </a:solidFill>
+                <a:latin typeface="Consolas" panose="020B0609020204030204" pitchFamily="49" charset="0"/>
+              </a:rPr>
+              <a:t>Temperature Sensor"</a:t>
+            </a:r>
+            <a:r>
+              <a:rPr lang="en-US" altLang="en-US" sz="1400" dirty="0" smtClean="0">
                 <a:solidFill>
                   <a:schemeClr val="accent1"/>
                 </a:solidFill>
@@ -26416,7 +26463,7 @@
               <a:t>,</a:t>
             </a:r>
             <a:r>
-              <a:rPr lang="en-US" altLang="en-US" sz="1400" dirty="0">
+              <a:rPr lang="en-US" altLang="en-US" sz="1400" dirty="0" smtClean="0">
                 <a:solidFill>
                   <a:schemeClr val="accent1">
                     <a:lumMod val="60000"/>
@@ -26427,6 +26474,15 @@
               </a:rPr>
               <a:t> </a:t>
             </a:r>
+            <a:endParaRPr lang="en-US" altLang="en-US" sz="1400" dirty="0">
+              <a:solidFill>
+                <a:schemeClr val="accent1">
+                  <a:lumMod val="60000"/>
+                  <a:lumOff val="40000"/>
+                </a:schemeClr>
+              </a:solidFill>
+              <a:latin typeface="Consolas" panose="020B0609020204030204" pitchFamily="49" charset="0"/>
+            </a:endParaRPr>
           </a:p>
           <a:p>
             <a:pPr lvl="0" eaLnBrk="0" fontAlgn="base" hangingPunct="0">
@@ -26501,29 +26557,41 @@
                 </a:solidFill>
                 <a:latin typeface="Consolas" panose="020B0609020204030204" pitchFamily="49" charset="0"/>
               </a:rPr>
-              <a:t>"2018-11-13T20:20:39+00:00"</a:t>
+              <a:t>"</a:t>
+            </a:r>
+            <a:r>
+              <a:rPr lang="en-US" altLang="en-US" sz="1400" dirty="0" smtClean="0">
+                <a:solidFill>
+                  <a:schemeClr val="accent2"/>
+                </a:solidFill>
+                <a:latin typeface="Consolas" panose="020B0609020204030204" pitchFamily="49" charset="0"/>
+              </a:rPr>
+              <a:t>2018-11-13T20:20:39+00:00</a:t>
             </a:r>
             <a:r>
               <a:rPr lang="en-US" altLang="en-US" sz="1400" dirty="0">
                 <a:solidFill>
+                  <a:schemeClr val="accent2"/>
+                </a:solidFill>
+                <a:latin typeface="Consolas" panose="020B0609020204030204" pitchFamily="49" charset="0"/>
+              </a:rPr>
+              <a:t>"</a:t>
+            </a:r>
+            <a:r>
+              <a:rPr lang="en-US" altLang="en-US" sz="1400" dirty="0" smtClean="0">
+                <a:solidFill>
                   <a:schemeClr val="accent1"/>
                 </a:solidFill>
                 <a:latin typeface="Consolas" panose="020B0609020204030204" pitchFamily="49" charset="0"/>
               </a:rPr>
               <a:t>,</a:t>
             </a:r>
-            <a:r>
-              <a:rPr lang="en-US" altLang="en-US" sz="1400" dirty="0">
-                <a:solidFill>
-                  <a:schemeClr val="accent1">
-                    <a:lumMod val="60000"/>
-                    <a:lumOff val="40000"/>
-                  </a:schemeClr>
-                </a:solidFill>
-                <a:latin typeface="Consolas" panose="020B0609020204030204" pitchFamily="49" charset="0"/>
-              </a:rPr>
-              <a:t> </a:t>
-            </a:r>
+            <a:endParaRPr lang="en-US" altLang="en-US" sz="1400" dirty="0">
+              <a:solidFill>
+                <a:schemeClr val="accent1"/>
+              </a:solidFill>
+              <a:latin typeface="Consolas" panose="020B0609020204030204" pitchFamily="49" charset="0"/>
+            </a:endParaRPr>
           </a:p>
           <a:p>
             <a:pPr lvl="0" eaLnBrk="0" fontAlgn="base" hangingPunct="0">
@@ -26632,7 +26700,7 @@
               <a:t> </a:t>
             </a:r>
             <a:r>
-              <a:rPr lang="en-US" altLang="en-US" sz="1400" dirty="0">
+              <a:rPr lang="en-US" altLang="en-US" sz="1400" dirty="0" smtClean="0">
                 <a:solidFill>
                   <a:schemeClr val="accent6"/>
                 </a:solidFill>
@@ -26641,7 +26709,7 @@
               <a:t>25</a:t>
             </a:r>
             <a:r>
-              <a:rPr lang="en-US" altLang="en-US" sz="1400" dirty="0">
+              <a:rPr lang="en-US" altLang="en-US" sz="1400" dirty="0" smtClean="0">
                 <a:solidFill>
                   <a:schemeClr val="accent1"/>
                 </a:solidFill>
@@ -26650,7 +26718,7 @@
               <a:t>,</a:t>
             </a:r>
             <a:r>
-              <a:rPr lang="en-US" altLang="en-US" sz="1400" dirty="0">
+              <a:rPr lang="en-US" altLang="en-US" sz="1400" dirty="0" smtClean="0">
                 <a:solidFill>
                   <a:schemeClr val="accent1">
                     <a:lumMod val="60000"/>
@@ -26661,6 +26729,15 @@
               </a:rPr>
               <a:t> </a:t>
             </a:r>
+            <a:endParaRPr lang="en-US" altLang="en-US" sz="1400" dirty="0">
+              <a:solidFill>
+                <a:schemeClr val="accent1">
+                  <a:lumMod val="60000"/>
+                  <a:lumOff val="40000"/>
+                </a:schemeClr>
+              </a:solidFill>
+              <a:latin typeface="Consolas" panose="020B0609020204030204" pitchFamily="49" charset="0"/>
+            </a:endParaRPr>
           </a:p>
           <a:p>
             <a:pPr lvl="0" eaLnBrk="0" fontAlgn="base" hangingPunct="0">
@@ -26681,7 +26758,7 @@
                 </a:solidFill>
                 <a:latin typeface="Consolas" panose="020B0609020204030204" pitchFamily="49" charset="0"/>
               </a:rPr>
-              <a:t>	   "unit"</a:t>
+              <a:t>               "unit"</a:t>
             </a:r>
             <a:r>
               <a:rPr lang="en-US" altLang="en-US" sz="1400" dirty="0">
@@ -26705,7 +26782,7 @@
               <a:t> </a:t>
             </a:r>
             <a:r>
-              <a:rPr lang="en-US" altLang="en-US" sz="1400" dirty="0">
+              <a:rPr lang="en-US" altLang="en-US" sz="1400" dirty="0" smtClean="0">
                 <a:solidFill>
                   <a:schemeClr val="accent2"/>
                 </a:solidFill>
@@ -26713,6 +26790,12 @@
               </a:rPr>
               <a:t>"Celsius"</a:t>
             </a:r>
+            <a:endParaRPr lang="en-US" altLang="en-US" sz="1400" dirty="0">
+              <a:solidFill>
+                <a:schemeClr val="accent2"/>
+              </a:solidFill>
+              <a:latin typeface="Consolas" panose="020B0609020204030204" pitchFamily="49" charset="0"/>
+            </a:endParaRPr>
           </a:p>
           <a:p>
             <a:pPr lvl="0" eaLnBrk="0" fontAlgn="base" hangingPunct="0">
@@ -26938,13 +27021,22 @@
               </a:spcAft>
             </a:pPr>
             <a:r>
+              <a:rPr lang="en-US" altLang="en-US" sz="1400" dirty="0" smtClean="0">
+                <a:solidFill>
+                  <a:schemeClr val="accent1"/>
+                </a:solidFill>
+                <a:latin typeface="Consolas" panose="020B0609020204030204" pitchFamily="49" charset="0"/>
+              </a:rPr>
+              <a:t>     </a:t>
+            </a:r>
+            <a:r>
               <a:rPr lang="en-US" altLang="en-US" sz="1400" dirty="0">
                 <a:solidFill>
                   <a:schemeClr val="accent1"/>
                 </a:solidFill>
                 <a:latin typeface="Consolas" panose="020B0609020204030204" pitchFamily="49" charset="0"/>
               </a:rPr>
-              <a:t>     { </a:t>
+              <a:t>{ </a:t>
             </a:r>
           </a:p>
           <a:p>
@@ -27439,8 +27531,23 @@
                 </a:solidFill>
                 <a:latin typeface="Consolas" panose="020B0609020204030204" pitchFamily="49" charset="0"/>
               </a:rPr>
-              <a:t>     { </a:t>
-            </a:r>
+              <a:t> </a:t>
+            </a:r>
+            <a:r>
+              <a:rPr lang="en-US" altLang="en-US" sz="1400" dirty="0" smtClean="0">
+                <a:solidFill>
+                  <a:schemeClr val="accent1"/>
+                </a:solidFill>
+                <a:latin typeface="Consolas" panose="020B0609020204030204" pitchFamily="49" charset="0"/>
+              </a:rPr>
+              <a:t>    { </a:t>
+            </a:r>
+            <a:endParaRPr lang="en-US" altLang="en-US" sz="1400" dirty="0">
+              <a:solidFill>
+                <a:schemeClr val="accent1"/>
+              </a:solidFill>
+              <a:latin typeface="Consolas" panose="020B0609020204030204" pitchFamily="49" charset="0"/>
+            </a:endParaRPr>
           </a:p>
           <a:p>
             <a:pPr lvl="0" eaLnBrk="0" fontAlgn="base" hangingPunct="0">
@@ -27452,7 +27559,7 @@
               </a:spcAft>
             </a:pPr>
             <a:r>
-              <a:rPr lang="en-US" altLang="en-US" sz="1400" dirty="0">
+              <a:rPr lang="en-US" altLang="en-US" sz="1400" dirty="0" smtClean="0">
                 <a:solidFill>
                   <a:schemeClr val="accent1">
                     <a:lumMod val="60000"/>
@@ -27461,16 +27568,7 @@
                 </a:solidFill>
                 <a:latin typeface="Consolas" panose="020B0609020204030204" pitchFamily="49" charset="0"/>
               </a:rPr>
-              <a:t>          "name"</a:t>
-            </a:r>
-            <a:r>
-              <a:rPr lang="en-US" altLang="en-US" sz="1400" dirty="0">
-                <a:solidFill>
-                  <a:schemeClr val="accent1"/>
-                </a:solidFill>
-                <a:latin typeface="Consolas" panose="020B0609020204030204" pitchFamily="49" charset="0"/>
-              </a:rPr>
-              <a:t>:</a:t>
+              <a:t>          </a:t>
             </a:r>
             <a:r>
               <a:rPr lang="en-US" altLang="en-US" sz="1400" dirty="0">
@@ -27482,6 +27580,39 @@
                 </a:solidFill>
                 <a:latin typeface="Consolas" panose="020B0609020204030204" pitchFamily="49" charset="0"/>
               </a:rPr>
+              <a:t>"</a:t>
+            </a:r>
+            <a:r>
+              <a:rPr lang="en-US" altLang="en-US" sz="1400" dirty="0" smtClean="0">
+                <a:solidFill>
+                  <a:schemeClr val="accent1">
+                    <a:lumMod val="60000"/>
+                    <a:lumOff val="40000"/>
+                  </a:schemeClr>
+                </a:solidFill>
+                <a:latin typeface="Consolas" panose="020B0609020204030204" pitchFamily="49" charset="0"/>
+              </a:rPr>
+              <a:t>name"</a:t>
+            </a:r>
+            <a:r>
+              <a:rPr lang="en-US" altLang="en-US" sz="1400" dirty="0" smtClean="0">
+                <a:solidFill>
+                  <a:schemeClr val="accent1"/>
+                </a:solidFill>
+                <a:latin typeface="Consolas" panose="020B0609020204030204" pitchFamily="49" charset="0"/>
+              </a:rPr>
+              <a:t>:</a:t>
+            </a:r>
+            <a:r>
+              <a:rPr lang="en-US" altLang="en-US" sz="1400" dirty="0" smtClean="0">
+                <a:solidFill>
+                  <a:schemeClr val="accent1">
+                    <a:lumMod val="60000"/>
+                    <a:lumOff val="40000"/>
+                  </a:schemeClr>
+                </a:solidFill>
+                <a:latin typeface="Consolas" panose="020B0609020204030204" pitchFamily="49" charset="0"/>
+              </a:rPr>
               <a:t> </a:t>
             </a:r>
             <a:r>
@@ -27491,16 +27622,37 @@
                 </a:solidFill>
                 <a:latin typeface="Consolas" panose="020B0609020204030204" pitchFamily="49" charset="0"/>
               </a:rPr>
-              <a:t>"Brightness Sensor"</a:t>
-            </a:r>
-            <a:r>
-              <a:rPr lang="en-US" altLang="en-US" sz="1400" dirty="0">
+              <a:t>"</a:t>
+            </a:r>
+            <a:r>
+              <a:rPr lang="en-US" altLang="en-US" sz="1400" dirty="0" smtClean="0">
+                <a:solidFill>
+                  <a:schemeClr val="accent2"/>
+                </a:solidFill>
+                <a:latin typeface="Consolas" panose="020B0609020204030204" pitchFamily="49" charset="0"/>
+              </a:rPr>
+              <a:t>Brightness Sensor"</a:t>
+            </a:r>
+            <a:r>
+              <a:rPr lang="en-US" altLang="en-US" sz="1400" dirty="0" smtClean="0">
                 <a:solidFill>
                   <a:schemeClr val="accent1"/>
                 </a:solidFill>
                 <a:latin typeface="Consolas" panose="020B0609020204030204" pitchFamily="49" charset="0"/>
               </a:rPr>
               <a:t>,</a:t>
+            </a:r>
+            <a:r>
+              <a:rPr lang="en-US" altLang="en-US" sz="1400" dirty="0" smtClean="0">
+                <a:solidFill>
+                  <a:schemeClr val="accent1">
+                    <a:lumMod val="60000"/>
+                    <a:lumOff val="40000"/>
+                  </a:schemeClr>
+                </a:solidFill>
+                <a:latin typeface="Consolas" panose="020B0609020204030204" pitchFamily="49" charset="0"/>
+              </a:rPr>
+              <a:t> </a:t>
             </a:r>
           </a:p>
           <a:p>
@@ -27513,7 +27665,7 @@
               </a:spcAft>
             </a:pPr>
             <a:r>
-              <a:rPr lang="en-US" altLang="en-US" sz="1400" dirty="0">
+              <a:rPr lang="en-US" altLang="en-US" sz="1400" dirty="0" smtClean="0">
                 <a:solidFill>
                   <a:schemeClr val="accent1">
                     <a:lumMod val="60000"/>
@@ -27525,7 +27677,7 @@
               <a:t>          "</a:t>
             </a:r>
             <a:r>
-              <a:rPr lang="en-US" altLang="en-US" sz="1400" dirty="0" err="1">
+              <a:rPr lang="en-US" altLang="en-US" sz="1400" dirty="0" err="1" smtClean="0">
                 <a:solidFill>
                   <a:schemeClr val="accent1">
                     <a:lumMod val="60000"/>
@@ -27537,7 +27689,7 @@
               <a:t>lastCalibration</a:t>
             </a:r>
             <a:r>
-              <a:rPr lang="en-US" altLang="en-US" sz="1400" dirty="0">
+              <a:rPr lang="en-US" altLang="en-US" sz="1400" dirty="0" smtClean="0">
                 <a:solidFill>
                   <a:schemeClr val="accent1">
                     <a:lumMod val="60000"/>
@@ -27549,7 +27701,7 @@
               <a:t>"</a:t>
             </a:r>
             <a:r>
-              <a:rPr lang="en-US" altLang="en-US" sz="1400" dirty="0">
+              <a:rPr lang="en-US" altLang="en-US" sz="1400" dirty="0" smtClean="0">
                 <a:solidFill>
                   <a:schemeClr val="accent1"/>
                 </a:solidFill>
@@ -27558,7 +27710,7 @@
               <a:t>:</a:t>
             </a:r>
             <a:r>
-              <a:rPr lang="en-US" altLang="en-US" sz="1400" dirty="0">
+              <a:rPr lang="en-US" altLang="en-US" sz="1400" dirty="0" smtClean="0">
                 <a:solidFill>
                   <a:schemeClr val="accent1">
                     <a:lumMod val="60000"/>
@@ -27576,19 +27728,25 @@
                 </a:solidFill>
                 <a:latin typeface="Consolas" panose="020B0609020204030204" pitchFamily="49" charset="0"/>
               </a:rPr>
-              <a:t>"2020-01-19T20:20:35+00:00"</a:t>
-            </a:r>
-            <a:r>
-              <a:rPr lang="en-US" altLang="en-US" sz="1400" dirty="0">
-                <a:solidFill>
-                  <a:schemeClr val="accent1">
-                    <a:lumMod val="60000"/>
-                    <a:lumOff val="40000"/>
-                  </a:schemeClr>
-                </a:solidFill>
-                <a:latin typeface="Consolas" panose="020B0609020204030204" pitchFamily="49" charset="0"/>
-              </a:rPr>
-              <a:t>, </a:t>
+              <a:t>"</a:t>
+            </a:r>
+            <a:r>
+              <a:rPr lang="en-US" altLang="en-US" sz="1400" dirty="0" smtClean="0">
+                <a:solidFill>
+                  <a:schemeClr val="accent2"/>
+                </a:solidFill>
+                <a:latin typeface="Consolas" panose="020B0609020204030204" pitchFamily="49" charset="0"/>
+              </a:rPr>
+              <a:t>2020-01-19T20:20:35+00:00"</a:t>
+            </a:r>
+            <a:r>
+              <a:rPr lang="en-US" altLang="en-US" sz="1400" dirty="0" smtClean="0">
+                <a:solidFill>
+                  <a:schemeClr val="accent1"/>
+                </a:solidFill>
+                <a:latin typeface="Consolas" panose="020B0609020204030204" pitchFamily="49" charset="0"/>
+              </a:rPr>
+              <a:t>,</a:t>
             </a:r>
           </a:p>
           <a:p>
@@ -27601,7 +27759,7 @@
               </a:spcAft>
             </a:pPr>
             <a:r>
-              <a:rPr lang="en-US" altLang="en-US" sz="1400" dirty="0">
+              <a:rPr lang="en-US" altLang="en-US" sz="1400" dirty="0" smtClean="0">
                 <a:solidFill>
                   <a:schemeClr val="accent1">
                     <a:lumMod val="60000"/>
@@ -27610,16 +27768,7 @@
                 </a:solidFill>
                 <a:latin typeface="Consolas" panose="020B0609020204030204" pitchFamily="49" charset="0"/>
               </a:rPr>
-              <a:t>          "measurement"</a:t>
-            </a:r>
-            <a:r>
-              <a:rPr lang="en-US" altLang="en-US" sz="1400" dirty="0">
-                <a:solidFill>
-                  <a:schemeClr val="accent1"/>
-                </a:solidFill>
-                <a:latin typeface="Consolas" panose="020B0609020204030204" pitchFamily="49" charset="0"/>
-              </a:rPr>
-              <a:t>:</a:t>
+              <a:t>          </a:t>
             </a:r>
             <a:r>
               <a:rPr lang="en-US" altLang="en-US" sz="1400" dirty="0">
@@ -27631,6 +27780,27 @@
                 </a:solidFill>
                 <a:latin typeface="Consolas" panose="020B0609020204030204" pitchFamily="49" charset="0"/>
               </a:rPr>
+              <a:t>"measurement"</a:t>
+            </a:r>
+            <a:r>
+              <a:rPr lang="en-US" altLang="en-US" sz="1400" dirty="0">
+                <a:solidFill>
+                  <a:schemeClr val="accent1"/>
+                </a:solidFill>
+                <a:latin typeface="Consolas" panose="020B0609020204030204" pitchFamily="49" charset="0"/>
+              </a:rPr>
+              <a:t>:</a:t>
+            </a:r>
+            <a:r>
+              <a:rPr lang="en-US" altLang="en-US" sz="1400" dirty="0">
+                <a:solidFill>
+                  <a:schemeClr val="accent1">
+                    <a:lumMod val="60000"/>
+                    <a:lumOff val="40000"/>
+                  </a:schemeClr>
+                </a:solidFill>
+                <a:latin typeface="Consolas" panose="020B0609020204030204" pitchFamily="49" charset="0"/>
+              </a:rPr>
               <a:t> </a:t>
             </a:r>
             <a:r>
@@ -27640,7 +27810,19 @@
                 </a:solidFill>
                 <a:latin typeface="Consolas" panose="020B0609020204030204" pitchFamily="49" charset="0"/>
               </a:rPr>
-              <a:t>{ </a:t>
+              <a:t>{</a:t>
+            </a:r>
+            <a:r>
+              <a:rPr lang="en-US" altLang="en-US" sz="1400" dirty="0">
+                <a:solidFill>
+                  <a:schemeClr val="accent1">
+                    <a:lumMod val="60000"/>
+                    <a:lumOff val="40000"/>
+                  </a:schemeClr>
+                </a:solidFill>
+                <a:latin typeface="Consolas" panose="020B0609020204030204" pitchFamily="49" charset="0"/>
+              </a:rPr>
+              <a:t> </a:t>
             </a:r>
           </a:p>
           <a:p>
@@ -27695,14 +27877,35 @@
               <a:t>2</a:t>
             </a:r>
             <a:r>
-              <a:rPr lang="en-US" altLang="en-US" sz="1400" dirty="0">
+              <a:rPr lang="en-US" altLang="en-US" sz="1400" dirty="0" smtClean="0">
                 <a:solidFill>
                   <a:schemeClr val="accent1"/>
                 </a:solidFill>
                 <a:latin typeface="Consolas" panose="020B0609020204030204" pitchFamily="49" charset="0"/>
               </a:rPr>
-              <a:t>, </a:t>
-            </a:r>
+              <a:t>,</a:t>
+            </a:r>
+            <a:r>
+              <a:rPr lang="en-US" altLang="en-US" sz="1400" dirty="0" smtClean="0">
+                <a:solidFill>
+                  <a:schemeClr val="accent1">
+                    <a:lumMod val="60000"/>
+                    <a:lumOff val="40000"/>
+                  </a:schemeClr>
+                </a:solidFill>
+                <a:latin typeface="Consolas" panose="020B0609020204030204" pitchFamily="49" charset="0"/>
+              </a:rPr>
+              <a:t> </a:t>
+            </a:r>
+            <a:endParaRPr lang="en-US" altLang="en-US" sz="1400" dirty="0">
+              <a:solidFill>
+                <a:schemeClr val="accent1">
+                  <a:lumMod val="60000"/>
+                  <a:lumOff val="40000"/>
+                </a:schemeClr>
+              </a:solidFill>
+              <a:latin typeface="Consolas" panose="020B0609020204030204" pitchFamily="49" charset="0"/>
+            </a:endParaRPr>
           </a:p>
           <a:p>
             <a:pPr lvl="0" eaLnBrk="0" fontAlgn="base" hangingPunct="0">
@@ -27723,7 +27926,7 @@
                 </a:solidFill>
                 <a:latin typeface="Consolas" panose="020B0609020204030204" pitchFamily="49" charset="0"/>
               </a:rPr>
-              <a:t>	   "unit"</a:t>
+              <a:t>               "unit"</a:t>
             </a:r>
             <a:r>
               <a:rPr lang="en-US" altLang="en-US" sz="1400" dirty="0">
@@ -27747,14 +27950,20 @@
               <a:t> </a:t>
             </a:r>
             <a:r>
-              <a:rPr lang="en-US" altLang="en-US" sz="1400" dirty="0">
+              <a:rPr lang="en-US" altLang="en-US" sz="1400" dirty="0" smtClean="0">
                 <a:solidFill>
                   <a:schemeClr val="accent2"/>
                 </a:solidFill>
                 <a:latin typeface="Consolas" panose="020B0609020204030204" pitchFamily="49" charset="0"/>
               </a:rPr>
-              <a:t>"Lux" </a:t>
-            </a:r>
+              <a:t>"Lux"</a:t>
+            </a:r>
+            <a:endParaRPr lang="en-US" altLang="en-US" sz="1400" dirty="0">
+              <a:solidFill>
+                <a:schemeClr val="accent2"/>
+              </a:solidFill>
+              <a:latin typeface="Consolas" panose="020B0609020204030204" pitchFamily="49" charset="0"/>
+            </a:endParaRPr>
           </a:p>
           <a:p>
             <a:pPr lvl="0" eaLnBrk="0" fontAlgn="base" hangingPunct="0">
@@ -27784,19 +27993,7 @@
                 </a:solidFill>
                 <a:latin typeface="Consolas" panose="020B0609020204030204" pitchFamily="49" charset="0"/>
               </a:rPr>
-              <a:t>},</a:t>
-            </a:r>
-            <a:r>
-              <a:rPr lang="en-US" altLang="en-US" sz="1400" dirty="0">
-                <a:solidFill>
-                  <a:schemeClr val="accent1">
-                    <a:lumMod val="60000"/>
-                    <a:lumOff val="40000"/>
-                  </a:schemeClr>
-                </a:solidFill>
-                <a:latin typeface="Consolas" panose="020B0609020204030204" pitchFamily="49" charset="0"/>
-              </a:rPr>
-              <a:t> </a:t>
+              <a:t>}, </a:t>
             </a:r>
           </a:p>
           <a:p>
@@ -27866,7 +28063,7 @@
               <a:t> </a:t>
             </a:r>
             <a:r>
-              <a:rPr lang="en-US" altLang="en-US" sz="1400" dirty="0">
+              <a:rPr lang="en-US" altLang="en-US" sz="1400" dirty="0" smtClean="0">
                 <a:solidFill>
                   <a:schemeClr val="accent1"/>
                 </a:solidFill>
@@ -27874,18 +28071,15 @@
               </a:rPr>
               <a:t>false</a:t>
             </a:r>
-            <a:r>
-              <a:rPr lang="en-US" altLang="en-US" sz="1400" dirty="0">
-                <a:solidFill>
-                  <a:schemeClr val="accent1">
-                    <a:lumMod val="60000"/>
-                    <a:lumOff val="40000"/>
-                  </a:schemeClr>
-                </a:solidFill>
-                <a:latin typeface="Consolas" panose="020B0609020204030204" pitchFamily="49" charset="0"/>
-              </a:rPr>
-              <a:t>  </a:t>
-            </a:r>
+            <a:endParaRPr lang="en-US" altLang="en-US" sz="1400" dirty="0">
+              <a:solidFill>
+                <a:schemeClr val="accent1">
+                  <a:lumMod val="60000"/>
+                  <a:lumOff val="40000"/>
+                </a:schemeClr>
+              </a:solidFill>
+              <a:latin typeface="Consolas" panose="020B0609020204030204" pitchFamily="49" charset="0"/>
+            </a:endParaRPr>
           </a:p>
           <a:p>
             <a:pPr lvl="0" eaLnBrk="0" fontAlgn="base" hangingPunct="0">
@@ -27897,14 +28091,29 @@
               </a:spcAft>
             </a:pPr>
             <a:r>
-              <a:rPr lang="en-US" altLang="en-US" sz="1400" dirty="0">
+              <a:rPr lang="en-US" altLang="en-US" sz="1400">
                 <a:solidFill>
                   <a:schemeClr val="accent1"/>
                 </a:solidFill>
                 <a:latin typeface="Consolas" panose="020B0609020204030204" pitchFamily="49" charset="0"/>
               </a:rPr>
-              <a:t>     } </a:t>
-            </a:r>
+              <a:t>     </a:t>
+            </a:r>
+            <a:r>
+              <a:rPr lang="en-US" altLang="en-US" sz="1400" smtClean="0">
+                <a:solidFill>
+                  <a:schemeClr val="accent1"/>
+                </a:solidFill>
+                <a:latin typeface="Consolas" panose="020B0609020204030204" pitchFamily="49" charset="0"/>
+              </a:rPr>
+              <a:t>}</a:t>
+            </a:r>
+            <a:endParaRPr lang="en-US" altLang="en-US" sz="1400" dirty="0" smtClean="0">
+              <a:solidFill>
+                <a:schemeClr val="accent1"/>
+              </a:solidFill>
+              <a:latin typeface="Consolas" panose="020B0609020204030204" pitchFamily="49" charset="0"/>
+            </a:endParaRPr>
           </a:p>
           <a:p>
             <a:pPr lvl="0" eaLnBrk="0" fontAlgn="base" hangingPunct="0">
@@ -27916,7 +28125,7 @@
               </a:spcAft>
             </a:pPr>
             <a:r>
-              <a:rPr lang="en-US" altLang="en-US" sz="1400" dirty="0">
+              <a:rPr lang="en-US" altLang="en-US" sz="1400" dirty="0" smtClean="0">
                 <a:solidFill>
                   <a:schemeClr val="accent1"/>
                 </a:solidFill>
@@ -27942,7 +28151,7 @@
           <p:cNvPr id="15" name="Straight Arrow Connector 14">
             <a:extLst>
               <a:ext uri="{FF2B5EF4-FFF2-40B4-BE49-F238E27FC236}">
-                <a16:creationId xmlns:a16="http://schemas.microsoft.com/office/drawing/2014/main" id="{0D8BCE31-CEAC-02BD-97E6-6F0904BABC47}"/>
+                <a16:creationId xmlns="" xmlns:a16="http://schemas.microsoft.com/office/drawing/2014/main" id="{0D8BCE31-CEAC-02BD-97E6-6F0904BABC47}"/>
               </a:ext>
             </a:extLst>
           </p:cNvPr>
@@ -27986,7 +28195,7 @@
           <p:cNvPr id="16" name="TextBox 15">
             <a:extLst>
               <a:ext uri="{FF2B5EF4-FFF2-40B4-BE49-F238E27FC236}">
-                <a16:creationId xmlns:a16="http://schemas.microsoft.com/office/drawing/2014/main" id="{1EA4C9BA-1486-9A9D-97DE-A3EE726D3B78}"/>
+                <a16:creationId xmlns="" xmlns:a16="http://schemas.microsoft.com/office/drawing/2014/main" id="{1EA4C9BA-1486-9A9D-97DE-A3EE726D3B78}"/>
               </a:ext>
             </a:extLst>
           </p:cNvPr>
@@ -28033,7 +28242,7 @@
           <p:cNvPr id="5" name="Right Bracket 4">
             <a:extLst>
               <a:ext uri="{FF2B5EF4-FFF2-40B4-BE49-F238E27FC236}">
-                <a16:creationId xmlns:a16="http://schemas.microsoft.com/office/drawing/2014/main" id="{4D67CFE3-3F16-7A27-3127-BCF85353BAF3}"/>
+                <a16:creationId xmlns="" xmlns:a16="http://schemas.microsoft.com/office/drawing/2014/main" id="{4D67CFE3-3F16-7A27-3127-BCF85353BAF3}"/>
               </a:ext>
             </a:extLst>
           </p:cNvPr>
@@ -28084,7 +28293,7 @@
           <p:cNvPr id="9" name="Straight Arrow Connector 8">
             <a:extLst>
               <a:ext uri="{FF2B5EF4-FFF2-40B4-BE49-F238E27FC236}">
-                <a16:creationId xmlns:a16="http://schemas.microsoft.com/office/drawing/2014/main" id="{24A79736-8A7D-6E45-3390-6E560512AAD5}"/>
+                <a16:creationId xmlns="" xmlns:a16="http://schemas.microsoft.com/office/drawing/2014/main" id="{24A79736-8A7D-6E45-3390-6E560512AAD5}"/>
               </a:ext>
             </a:extLst>
           </p:cNvPr>
@@ -28128,7 +28337,7 @@
           <p:cNvPr id="13" name="TextBox 12">
             <a:extLst>
               <a:ext uri="{FF2B5EF4-FFF2-40B4-BE49-F238E27FC236}">
-                <a16:creationId xmlns:a16="http://schemas.microsoft.com/office/drawing/2014/main" id="{ABC73B94-82CF-9654-4924-968F52A00BB1}"/>
+                <a16:creationId xmlns="" xmlns:a16="http://schemas.microsoft.com/office/drawing/2014/main" id="{ABC73B94-82CF-9654-4924-968F52A00BB1}"/>
               </a:ext>
             </a:extLst>
           </p:cNvPr>
@@ -28175,7 +28384,7 @@
           <p:cNvPr id="14" name="Right Bracket 13">
             <a:extLst>
               <a:ext uri="{FF2B5EF4-FFF2-40B4-BE49-F238E27FC236}">
-                <a16:creationId xmlns:a16="http://schemas.microsoft.com/office/drawing/2014/main" id="{7FDE5F03-B3B1-3E76-46FF-5B10F8BB3A9F}"/>
+                <a16:creationId xmlns="" xmlns:a16="http://schemas.microsoft.com/office/drawing/2014/main" id="{7FDE5F03-B3B1-3E76-46FF-5B10F8BB3A9F}"/>
               </a:ext>
             </a:extLst>
           </p:cNvPr>
@@ -28226,7 +28435,7 @@
           <p:cNvPr id="17" name="Straight Arrow Connector 16">
             <a:extLst>
               <a:ext uri="{FF2B5EF4-FFF2-40B4-BE49-F238E27FC236}">
-                <a16:creationId xmlns:a16="http://schemas.microsoft.com/office/drawing/2014/main" id="{C1CFBA11-AD2E-ABF5-0986-9691CDF7C1E2}"/>
+                <a16:creationId xmlns="" xmlns:a16="http://schemas.microsoft.com/office/drawing/2014/main" id="{C1CFBA11-AD2E-ABF5-0986-9691CDF7C1E2}"/>
               </a:ext>
             </a:extLst>
           </p:cNvPr>
@@ -28270,7 +28479,7 @@
           <p:cNvPr id="18" name="TextBox 17">
             <a:extLst>
               <a:ext uri="{FF2B5EF4-FFF2-40B4-BE49-F238E27FC236}">
-                <a16:creationId xmlns:a16="http://schemas.microsoft.com/office/drawing/2014/main" id="{42CBBF85-6867-40FA-4E09-4DFC7F41A50B}"/>
+                <a16:creationId xmlns="" xmlns:a16="http://schemas.microsoft.com/office/drawing/2014/main" id="{42CBBF85-6867-40FA-4E09-4DFC7F41A50B}"/>
               </a:ext>
             </a:extLst>
           </p:cNvPr>
@@ -28317,7 +28526,7 @@
           <p:cNvPr id="19" name="Right Bracket 18">
             <a:extLst>
               <a:ext uri="{FF2B5EF4-FFF2-40B4-BE49-F238E27FC236}">
-                <a16:creationId xmlns:a16="http://schemas.microsoft.com/office/drawing/2014/main" id="{E916E6A1-7112-F84F-545C-CBB8BC105475}"/>
+                <a16:creationId xmlns="" xmlns:a16="http://schemas.microsoft.com/office/drawing/2014/main" id="{E916E6A1-7112-F84F-545C-CBB8BC105475}"/>
               </a:ext>
             </a:extLst>
           </p:cNvPr>
@@ -28368,7 +28577,7 @@
           <p:cNvPr id="20" name="Right Bracket 19">
             <a:extLst>
               <a:ext uri="{FF2B5EF4-FFF2-40B4-BE49-F238E27FC236}">
-                <a16:creationId xmlns:a16="http://schemas.microsoft.com/office/drawing/2014/main" id="{19CD3AD9-7863-2C16-B5CE-A83C62BFDF13}"/>
+                <a16:creationId xmlns="" xmlns:a16="http://schemas.microsoft.com/office/drawing/2014/main" id="{19CD3AD9-7863-2C16-B5CE-A83C62BFDF13}"/>
               </a:ext>
             </a:extLst>
           </p:cNvPr>
@@ -28420,7 +28629,7 @@
           <p:cNvPr id="23" name="Straight Arrow Connector 22">
             <a:extLst>
               <a:ext uri="{FF2B5EF4-FFF2-40B4-BE49-F238E27FC236}">
-                <a16:creationId xmlns:a16="http://schemas.microsoft.com/office/drawing/2014/main" id="{4DB57719-91EB-8AB7-C558-8FF28E0E646D}"/>
+                <a16:creationId xmlns="" xmlns:a16="http://schemas.microsoft.com/office/drawing/2014/main" id="{4DB57719-91EB-8AB7-C558-8FF28E0E646D}"/>
               </a:ext>
             </a:extLst>
           </p:cNvPr>
@@ -28464,7 +28673,7 @@
           <p:cNvPr id="24" name="TextBox 23">
             <a:extLst>
               <a:ext uri="{FF2B5EF4-FFF2-40B4-BE49-F238E27FC236}">
-                <a16:creationId xmlns:a16="http://schemas.microsoft.com/office/drawing/2014/main" id="{4E07E000-ACD1-6EFF-C6D9-B0153A76EEBA}"/>
+                <a16:creationId xmlns="" xmlns:a16="http://schemas.microsoft.com/office/drawing/2014/main" id="{4E07E000-ACD1-6EFF-C6D9-B0153A76EEBA}"/>
               </a:ext>
             </a:extLst>
           </p:cNvPr>
@@ -28519,12 +28728,12 @@
   <p:clrMapOvr>
     <a:masterClrMapping/>
   </p:clrMapOvr>
-  <mc:AlternateContent xmlns:mc="http://schemas.openxmlformats.org/markup-compatibility/2006" xmlns:p14="http://schemas.microsoft.com/office/powerpoint/2010/main">
-    <mc:Choice Requires="p14">
-      <p:transition spd="slow" p14:dur="2000" advClick="0" advTm="8000"/>
+  <mc:AlternateContent xmlns:mc="http://schemas.openxmlformats.org/markup-compatibility/2006">
+    <mc:Choice xmlns:p14="http://schemas.microsoft.com/office/powerpoint/2010/main" Requires="p14">
+      <p:transition spd="slow" p14:dur="2000" advClick="0" advTm="10000"/>
     </mc:Choice>
-    <mc:Fallback xmlns="">
-      <p:transition spd="slow" advClick="0" advTm="8000"/>
+    <mc:Fallback>
+      <p:transition spd="slow" advClick="0" advTm="10000"/>
     </mc:Fallback>
   </mc:AlternateContent>
   <p:timing>
@@ -29177,7 +29386,7 @@
           <p:cNvPr id="2" name="Title 1">
             <a:extLst>
               <a:ext uri="{FF2B5EF4-FFF2-40B4-BE49-F238E27FC236}">
-                <a16:creationId xmlns:a16="http://schemas.microsoft.com/office/drawing/2014/main" id="{36C1F445-F222-C5E1-E994-98C97AA41A14}"/>
+                <a16:creationId xmlns="" xmlns:a16="http://schemas.microsoft.com/office/drawing/2014/main" id="{36C1F445-F222-C5E1-E994-98C97AA41A14}"/>
               </a:ext>
             </a:extLst>
           </p:cNvPr>
@@ -29228,13 +29437,13 @@
   <p:clrMapOvr>
     <a:masterClrMapping/>
   </p:clrMapOvr>
-  <mc:AlternateContent xmlns:mc="http://schemas.openxmlformats.org/markup-compatibility/2006" xmlns:p159="http://schemas.microsoft.com/office/powerpoint/2015/09/main">
-    <mc:Choice Requires="p159">
+  <mc:AlternateContent xmlns:mc="http://schemas.openxmlformats.org/markup-compatibility/2006">
+    <mc:Choice xmlns="" xmlns:p159="http://schemas.microsoft.com/office/powerpoint/2015/09/main" Requires="p159">
       <p:transition xmlns:p14="http://schemas.microsoft.com/office/powerpoint/2010/main" spd="slow" p14:dur="2000" advClick="0" advTm="4000">
         <p159:morph option="byObject"/>
       </p:transition>
     </mc:Choice>
-    <mc:Fallback xmlns="">
+    <mc:Fallback>
       <p:transition spd="slow" advClick="0" advTm="4000">
         <p:fade/>
       </p:transition>
@@ -29354,7 +29563,7 @@
           <p:cNvPr id="2" name="Title 1">
             <a:extLst>
               <a:ext uri="{FF2B5EF4-FFF2-40B4-BE49-F238E27FC236}">
-                <a16:creationId xmlns:a16="http://schemas.microsoft.com/office/drawing/2014/main" id="{E066BD6C-C074-9E18-D97B-3D707027C076}"/>
+                <a16:creationId xmlns="" xmlns:a16="http://schemas.microsoft.com/office/drawing/2014/main" id="{E066BD6C-C074-9E18-D97B-3D707027C076}"/>
               </a:ext>
             </a:extLst>
           </p:cNvPr>
@@ -29450,7 +29659,7 @@
           <p:cNvPr id="4" name="Content Placeholder 2">
             <a:extLst>
               <a:ext uri="{FF2B5EF4-FFF2-40B4-BE49-F238E27FC236}">
-                <a16:creationId xmlns:a16="http://schemas.microsoft.com/office/drawing/2014/main" id="{51B2AFFB-9DEA-D4D8-EB20-F473B7D1CEFB}"/>
+                <a16:creationId xmlns="" xmlns:a16="http://schemas.microsoft.com/office/drawing/2014/main" id="{51B2AFFB-9DEA-D4D8-EB20-F473B7D1CEFB}"/>
               </a:ext>
             </a:extLst>
           </p:cNvPr>
@@ -29745,7 +29954,7 @@
           <p:cNvPr id="7" name="Content Placeholder 2">
             <a:extLst>
               <a:ext uri="{FF2B5EF4-FFF2-40B4-BE49-F238E27FC236}">
-                <a16:creationId xmlns:a16="http://schemas.microsoft.com/office/drawing/2014/main" id="{3B9DF3B2-6B13-BF13-EF56-E19E1921F41C}"/>
+                <a16:creationId xmlns="" xmlns:a16="http://schemas.microsoft.com/office/drawing/2014/main" id="{3B9DF3B2-6B13-BF13-EF56-E19E1921F41C}"/>
               </a:ext>
             </a:extLst>
           </p:cNvPr>
@@ -30028,7 +30237,7 @@
           <p:cNvPr id="8" name="Content Placeholder 2">
             <a:extLst>
               <a:ext uri="{FF2B5EF4-FFF2-40B4-BE49-F238E27FC236}">
-                <a16:creationId xmlns:a16="http://schemas.microsoft.com/office/drawing/2014/main" id="{5038DDE4-8E81-1237-4CE1-C89AB349FF49}"/>
+                <a16:creationId xmlns="" xmlns:a16="http://schemas.microsoft.com/office/drawing/2014/main" id="{5038DDE4-8E81-1237-4CE1-C89AB349FF49}"/>
               </a:ext>
             </a:extLst>
           </p:cNvPr>
@@ -30282,7 +30491,7 @@
           <p:cNvPr id="10" name="Straight Connector 9">
             <a:extLst>
               <a:ext uri="{FF2B5EF4-FFF2-40B4-BE49-F238E27FC236}">
-                <a16:creationId xmlns:a16="http://schemas.microsoft.com/office/drawing/2014/main" id="{AE112DF1-F4F3-881D-CE66-7A16CBA4438D}"/>
+                <a16:creationId xmlns="" xmlns:a16="http://schemas.microsoft.com/office/drawing/2014/main" id="{AE112DF1-F4F3-881D-CE66-7A16CBA4438D}"/>
               </a:ext>
             </a:extLst>
           </p:cNvPr>
@@ -30319,7 +30528,7 @@
           <p:cNvPr id="11" name="Right Bracket 10">
             <a:extLst>
               <a:ext uri="{FF2B5EF4-FFF2-40B4-BE49-F238E27FC236}">
-                <a16:creationId xmlns:a16="http://schemas.microsoft.com/office/drawing/2014/main" id="{DC5575F1-3348-C95C-A322-FE96FC4A9226}"/>
+                <a16:creationId xmlns="" xmlns:a16="http://schemas.microsoft.com/office/drawing/2014/main" id="{DC5575F1-3348-C95C-A322-FE96FC4A9226}"/>
               </a:ext>
             </a:extLst>
           </p:cNvPr>
@@ -30368,7 +30577,7 @@
           <p:cNvPr id="14" name="Straight Arrow Connector 13">
             <a:extLst>
               <a:ext uri="{FF2B5EF4-FFF2-40B4-BE49-F238E27FC236}">
-                <a16:creationId xmlns:a16="http://schemas.microsoft.com/office/drawing/2014/main" id="{C5E5343F-05BA-3D4E-034E-4ADBA289CE27}"/>
+                <a16:creationId xmlns="" xmlns:a16="http://schemas.microsoft.com/office/drawing/2014/main" id="{C5E5343F-05BA-3D4E-034E-4ADBA289CE27}"/>
               </a:ext>
             </a:extLst>
           </p:cNvPr>
@@ -30412,7 +30621,7 @@
           <p:cNvPr id="16" name="TextBox 15">
             <a:extLst>
               <a:ext uri="{FF2B5EF4-FFF2-40B4-BE49-F238E27FC236}">
-                <a16:creationId xmlns:a16="http://schemas.microsoft.com/office/drawing/2014/main" id="{7F0A1F25-D8E0-718B-84F0-E7ED8EC5B73B}"/>
+                <a16:creationId xmlns="" xmlns:a16="http://schemas.microsoft.com/office/drawing/2014/main" id="{7F0A1F25-D8E0-718B-84F0-E7ED8EC5B73B}"/>
               </a:ext>
             </a:extLst>
           </p:cNvPr>
@@ -30492,7 +30701,7 @@
           <p:cNvPr id="18" name="Group 17">
             <a:extLst>
               <a:ext uri="{FF2B5EF4-FFF2-40B4-BE49-F238E27FC236}">
-                <a16:creationId xmlns:a16="http://schemas.microsoft.com/office/drawing/2014/main" id="{FAAA34E8-1C7F-5319-0CF0-85F88B67DD38}"/>
+                <a16:creationId xmlns="" xmlns:a16="http://schemas.microsoft.com/office/drawing/2014/main" id="{FAAA34E8-1C7F-5319-0CF0-85F88B67DD38}"/>
               </a:ext>
             </a:extLst>
           </p:cNvPr>
@@ -30512,7 +30721,7 @@
             <p:cNvPr id="12" name="Content Placeholder 2">
               <a:extLst>
                 <a:ext uri="{FF2B5EF4-FFF2-40B4-BE49-F238E27FC236}">
-                  <a16:creationId xmlns:a16="http://schemas.microsoft.com/office/drawing/2014/main" id="{EC39ED62-E735-1F90-4903-AD466492B7DD}"/>
+                  <a16:creationId xmlns="" xmlns:a16="http://schemas.microsoft.com/office/drawing/2014/main" id="{EC39ED62-E735-1F90-4903-AD466492B7DD}"/>
                 </a:ext>
               </a:extLst>
             </p:cNvPr>
@@ -30807,7 +31016,7 @@
             <p:cNvPr id="13" name="Content Placeholder 2">
               <a:extLst>
                 <a:ext uri="{FF2B5EF4-FFF2-40B4-BE49-F238E27FC236}">
-                  <a16:creationId xmlns:a16="http://schemas.microsoft.com/office/drawing/2014/main" id="{C145E6AD-AB70-CA81-2742-63B99DBDC02F}"/>
+                  <a16:creationId xmlns="" xmlns:a16="http://schemas.microsoft.com/office/drawing/2014/main" id="{C145E6AD-AB70-CA81-2742-63B99DBDC02F}"/>
                 </a:ext>
               </a:extLst>
             </p:cNvPr>
@@ -31090,7 +31299,7 @@
             <p:cNvPr id="15" name="Content Placeholder 2">
               <a:extLst>
                 <a:ext uri="{FF2B5EF4-FFF2-40B4-BE49-F238E27FC236}">
-                  <a16:creationId xmlns:a16="http://schemas.microsoft.com/office/drawing/2014/main" id="{3F300B02-367E-01C6-32C2-F1D53B6F41AA}"/>
+                  <a16:creationId xmlns="" xmlns:a16="http://schemas.microsoft.com/office/drawing/2014/main" id="{3F300B02-367E-01C6-32C2-F1D53B6F41AA}"/>
                 </a:ext>
               </a:extLst>
             </p:cNvPr>
@@ -31344,7 +31553,7 @@
             <p:cNvPr id="17" name="Straight Connector 16">
               <a:extLst>
                 <a:ext uri="{FF2B5EF4-FFF2-40B4-BE49-F238E27FC236}">
-                  <a16:creationId xmlns:a16="http://schemas.microsoft.com/office/drawing/2014/main" id="{36E582AB-6BEF-3E10-8D85-EBE96C5B5411}"/>
+                  <a16:creationId xmlns="" xmlns:a16="http://schemas.microsoft.com/office/drawing/2014/main" id="{36E582AB-6BEF-3E10-8D85-EBE96C5B5411}"/>
                 </a:ext>
               </a:extLst>
             </p:cNvPr>
@@ -31387,18 +31596,9 @@
   <p:clrMapOvr>
     <a:masterClrMapping/>
   </p:clrMapOvr>
-  <mc:AlternateContent xmlns:mc="http://schemas.openxmlformats.org/markup-compatibility/2006" xmlns:p159="http://schemas.microsoft.com/office/powerpoint/2015/09/main">
-    <mc:Choice Requires="p159">
-      <p:transition xmlns:p14="http://schemas.microsoft.com/office/powerpoint/2010/main" spd="slow" p14:dur="2000" advClick="0" advTm="8000">
-        <p159:morph option="byObject"/>
-      </p:transition>
-    </mc:Choice>
-    <mc:Fallback xmlns="">
-      <p:transition spd="slow" advClick="0" advTm="8000">
-        <p:fade/>
-      </p:transition>
-    </mc:Fallback>
-  </mc:AlternateContent>
+  <p:transition spd="slow" advClick="0" advTm="9500">
+    <p:fade/>
+  </p:transition>
   <p:timing>
     <p:tnLst>
       <p:par>
@@ -31560,7 +31760,7 @@
           <p:cNvPr id="6" name="Title 1">
             <a:extLst>
               <a:ext uri="{FF2B5EF4-FFF2-40B4-BE49-F238E27FC236}">
-                <a16:creationId xmlns:a16="http://schemas.microsoft.com/office/drawing/2014/main" id="{0E2BA068-3CE9-4A19-8A10-163436B6D4B6}"/>
+                <a16:creationId xmlns="" xmlns:a16="http://schemas.microsoft.com/office/drawing/2014/main" id="{0E2BA068-3CE9-4A19-8A10-163436B6D4B6}"/>
               </a:ext>
             </a:extLst>
           </p:cNvPr>
@@ -31666,7 +31866,7 @@
           <p:cNvPr id="26" name="Group 25">
             <a:extLst>
               <a:ext uri="{FF2B5EF4-FFF2-40B4-BE49-F238E27FC236}">
-                <a16:creationId xmlns:a16="http://schemas.microsoft.com/office/drawing/2014/main" id="{332B1517-7DCA-782E-3F5E-368990022221}"/>
+                <a16:creationId xmlns="" xmlns:a16="http://schemas.microsoft.com/office/drawing/2014/main" id="{332B1517-7DCA-782E-3F5E-368990022221}"/>
               </a:ext>
             </a:extLst>
           </p:cNvPr>
@@ -31686,7 +31886,7 @@
             <p:cNvPr id="3" name="Content Placeholder 2">
               <a:extLst>
                 <a:ext uri="{FF2B5EF4-FFF2-40B4-BE49-F238E27FC236}">
-                  <a16:creationId xmlns:a16="http://schemas.microsoft.com/office/drawing/2014/main" id="{695739B0-D08B-904E-4D56-1C8E1C2F15A6}"/>
+                  <a16:creationId xmlns="" xmlns:a16="http://schemas.microsoft.com/office/drawing/2014/main" id="{695739B0-D08B-904E-4D56-1C8E1C2F15A6}"/>
                 </a:ext>
               </a:extLst>
             </p:cNvPr>
@@ -31981,7 +32181,7 @@
             <p:cNvPr id="5" name="Content Placeholder 2">
               <a:extLst>
                 <a:ext uri="{FF2B5EF4-FFF2-40B4-BE49-F238E27FC236}">
-                  <a16:creationId xmlns:a16="http://schemas.microsoft.com/office/drawing/2014/main" id="{9B218159-3769-3043-0C44-7426F43126FE}"/>
+                  <a16:creationId xmlns="" xmlns:a16="http://schemas.microsoft.com/office/drawing/2014/main" id="{9B218159-3769-3043-0C44-7426F43126FE}"/>
                 </a:ext>
               </a:extLst>
             </p:cNvPr>
@@ -32264,7 +32464,7 @@
             <p:cNvPr id="13" name="Content Placeholder 2">
               <a:extLst>
                 <a:ext uri="{FF2B5EF4-FFF2-40B4-BE49-F238E27FC236}">
-                  <a16:creationId xmlns:a16="http://schemas.microsoft.com/office/drawing/2014/main" id="{D398429D-5015-72A9-32CB-858294868417}"/>
+                  <a16:creationId xmlns="" xmlns:a16="http://schemas.microsoft.com/office/drawing/2014/main" id="{D398429D-5015-72A9-32CB-858294868417}"/>
                 </a:ext>
               </a:extLst>
             </p:cNvPr>
@@ -32518,7 +32718,7 @@
             <p:cNvPr id="15" name="Straight Connector 14">
               <a:extLst>
                 <a:ext uri="{FF2B5EF4-FFF2-40B4-BE49-F238E27FC236}">
-                  <a16:creationId xmlns:a16="http://schemas.microsoft.com/office/drawing/2014/main" id="{09CDDB46-C6ED-B734-5661-B28D6D7AAC2E}"/>
+                  <a16:creationId xmlns="" xmlns:a16="http://schemas.microsoft.com/office/drawing/2014/main" id="{09CDDB46-C6ED-B734-5661-B28D6D7AAC2E}"/>
                 </a:ext>
               </a:extLst>
             </p:cNvPr>
@@ -32556,7 +32756,7 @@
           <p:cNvPr id="17" name="Content Placeholder 2">
             <a:extLst>
               <a:ext uri="{FF2B5EF4-FFF2-40B4-BE49-F238E27FC236}">
-                <a16:creationId xmlns:a16="http://schemas.microsoft.com/office/drawing/2014/main" id="{1F570B6F-1AEE-950B-E9B7-C7666E6C14CA}"/>
+                <a16:creationId xmlns="" xmlns:a16="http://schemas.microsoft.com/office/drawing/2014/main" id="{1F570B6F-1AEE-950B-E9B7-C7666E6C14CA}"/>
               </a:ext>
             </a:extLst>
           </p:cNvPr>
@@ -32851,7 +33051,7 @@
           <p:cNvPr id="18" name="Content Placeholder 2">
             <a:extLst>
               <a:ext uri="{FF2B5EF4-FFF2-40B4-BE49-F238E27FC236}">
-                <a16:creationId xmlns:a16="http://schemas.microsoft.com/office/drawing/2014/main" id="{FF419D1F-89A2-FBEC-2C77-CCAE770ADB3D}"/>
+                <a16:creationId xmlns="" xmlns:a16="http://schemas.microsoft.com/office/drawing/2014/main" id="{FF419D1F-89A2-FBEC-2C77-CCAE770ADB3D}"/>
               </a:ext>
             </a:extLst>
           </p:cNvPr>
@@ -33134,7 +33334,7 @@
           <p:cNvPr id="21" name="Content Placeholder 2">
             <a:extLst>
               <a:ext uri="{FF2B5EF4-FFF2-40B4-BE49-F238E27FC236}">
-                <a16:creationId xmlns:a16="http://schemas.microsoft.com/office/drawing/2014/main" id="{D904B76B-9AB6-E8A8-21F5-CF65CD505716}"/>
+                <a16:creationId xmlns="" xmlns:a16="http://schemas.microsoft.com/office/drawing/2014/main" id="{D904B76B-9AB6-E8A8-21F5-CF65CD505716}"/>
               </a:ext>
             </a:extLst>
           </p:cNvPr>
@@ -33388,7 +33588,7 @@
           <p:cNvPr id="22" name="Straight Connector 21">
             <a:extLst>
               <a:ext uri="{FF2B5EF4-FFF2-40B4-BE49-F238E27FC236}">
-                <a16:creationId xmlns:a16="http://schemas.microsoft.com/office/drawing/2014/main" id="{F076C9E5-D53E-9552-6555-23BDC972A82D}"/>
+                <a16:creationId xmlns="" xmlns:a16="http://schemas.microsoft.com/office/drawing/2014/main" id="{F076C9E5-D53E-9552-6555-23BDC972A82D}"/>
               </a:ext>
             </a:extLst>
           </p:cNvPr>
@@ -33425,7 +33625,7 @@
           <p:cNvPr id="23" name="Right Bracket 22">
             <a:extLst>
               <a:ext uri="{FF2B5EF4-FFF2-40B4-BE49-F238E27FC236}">
-                <a16:creationId xmlns:a16="http://schemas.microsoft.com/office/drawing/2014/main" id="{CA7A5F71-0789-EE0C-9E6C-49DECBD85F7E}"/>
+                <a16:creationId xmlns="" xmlns:a16="http://schemas.microsoft.com/office/drawing/2014/main" id="{CA7A5F71-0789-EE0C-9E6C-49DECBD85F7E}"/>
               </a:ext>
             </a:extLst>
           </p:cNvPr>
@@ -33474,7 +33674,7 @@
           <p:cNvPr id="24" name="Straight Arrow Connector 23">
             <a:extLst>
               <a:ext uri="{FF2B5EF4-FFF2-40B4-BE49-F238E27FC236}">
-                <a16:creationId xmlns:a16="http://schemas.microsoft.com/office/drawing/2014/main" id="{7E80C69B-E2D3-10ED-EB26-D3ECA47CC934}"/>
+                <a16:creationId xmlns="" xmlns:a16="http://schemas.microsoft.com/office/drawing/2014/main" id="{7E80C69B-E2D3-10ED-EB26-D3ECA47CC934}"/>
               </a:ext>
             </a:extLst>
           </p:cNvPr>
@@ -33518,7 +33718,7 @@
           <p:cNvPr id="25" name="TextBox 24">
             <a:extLst>
               <a:ext uri="{FF2B5EF4-FFF2-40B4-BE49-F238E27FC236}">
-                <a16:creationId xmlns:a16="http://schemas.microsoft.com/office/drawing/2014/main" id="{FDD9A6F7-8A0C-0A04-8552-E2239DC9E360}"/>
+                <a16:creationId xmlns="" xmlns:a16="http://schemas.microsoft.com/office/drawing/2014/main" id="{FDD9A6F7-8A0C-0A04-8552-E2239DC9E360}"/>
               </a:ext>
             </a:extLst>
           </p:cNvPr>
@@ -33598,7 +33798,7 @@
           <p:cNvPr id="27" name="TextBox 26">
             <a:extLst>
               <a:ext uri="{FF2B5EF4-FFF2-40B4-BE49-F238E27FC236}">
-                <a16:creationId xmlns:a16="http://schemas.microsoft.com/office/drawing/2014/main" id="{C04A1133-A494-F53B-5EB4-DE4521BEDBFC}"/>
+                <a16:creationId xmlns="" xmlns:a16="http://schemas.microsoft.com/office/drawing/2014/main" id="{C04A1133-A494-F53B-5EB4-DE4521BEDBFC}"/>
               </a:ext>
             </a:extLst>
           </p:cNvPr>
@@ -33704,7 +33904,7 @@
           <p:cNvPr id="28" name="Freeform: Shape 7">
             <a:extLst>
               <a:ext uri="{FF2B5EF4-FFF2-40B4-BE49-F238E27FC236}">
-                <a16:creationId xmlns:a16="http://schemas.microsoft.com/office/drawing/2014/main" id="{FA070237-26AD-E7B5-D55F-37106580DB38}"/>
+                <a16:creationId xmlns="" xmlns:a16="http://schemas.microsoft.com/office/drawing/2014/main" id="{FA070237-26AD-E7B5-D55F-37106580DB38}"/>
               </a:ext>
             </a:extLst>
           </p:cNvPr>
@@ -34301,13 +34501,13 @@
   <p:clrMapOvr>
     <a:masterClrMapping/>
   </p:clrMapOvr>
-  <mc:AlternateContent xmlns:mc="http://schemas.openxmlformats.org/markup-compatibility/2006" xmlns:p159="http://schemas.microsoft.com/office/powerpoint/2015/09/main">
-    <mc:Choice Requires="p159">
+  <mc:AlternateContent xmlns:mc="http://schemas.openxmlformats.org/markup-compatibility/2006">
+    <mc:Choice xmlns="" xmlns:p159="http://schemas.microsoft.com/office/powerpoint/2015/09/main" Requires="p159">
       <p:transition xmlns:p14="http://schemas.microsoft.com/office/powerpoint/2010/main" spd="slow" p14:dur="2000" advClick="0" advTm="14000">
         <p159:morph option="byObject"/>
       </p:transition>
     </mc:Choice>
-    <mc:Fallback xmlns="">
+    <mc:Fallback>
       <p:transition spd="slow" advClick="0" advTm="14000">
         <p:fade/>
       </p:transition>

--- a/Tutorials/whatiswot/4-JSON_in_Practice/4-JSON_in_Practice.pptx
+++ b/Tutorials/whatiswot/4-JSON_in_Practice/4-JSON_in_Practice.pptx
@@ -5,7 +5,7 @@
     <p:sldMasterId id="2147483648" r:id="rId1"/>
   </p:sldMasterIdLst>
   <p:notesMasterIdLst>
-    <p:notesMasterId r:id="rId28"/>
+    <p:notesMasterId r:id="rId29"/>
   </p:notesMasterIdLst>
   <p:sldIdLst>
     <p:sldId id="293" r:id="rId2"/>
@@ -27,13 +27,14 @@
     <p:sldId id="321" r:id="rId18"/>
     <p:sldId id="267" r:id="rId19"/>
     <p:sldId id="294" r:id="rId20"/>
-    <p:sldId id="296" r:id="rId21"/>
-    <p:sldId id="295" r:id="rId22"/>
-    <p:sldId id="299" r:id="rId23"/>
-    <p:sldId id="298" r:id="rId24"/>
-    <p:sldId id="276" r:id="rId25"/>
-    <p:sldId id="318" r:id="rId26"/>
-    <p:sldId id="315" r:id="rId27"/>
+    <p:sldId id="329" r:id="rId21"/>
+    <p:sldId id="296" r:id="rId22"/>
+    <p:sldId id="295" r:id="rId23"/>
+    <p:sldId id="299" r:id="rId24"/>
+    <p:sldId id="298" r:id="rId25"/>
+    <p:sldId id="276" r:id="rId26"/>
+    <p:sldId id="318" r:id="rId27"/>
+    <p:sldId id="315" r:id="rId28"/>
   </p:sldIdLst>
   <p:sldSz cx="12192000" cy="6858000"/>
   <p:notesSz cx="6858000" cy="9144000"/>
@@ -233,7 +234,7 @@
           <a:p>
             <a:fld id="{49F3228E-244E-40D9-9409-7143B43FBF65}" type="datetimeFigureOut">
               <a:rPr lang="en-US" smtClean="0"/>
-              <a:t>3/1/2024</a:t>
+              <a:t>7/11/2024</a:t>
             </a:fld>
             <a:endParaRPr lang="en-US"/>
           </a:p>
@@ -1446,18 +1447,7 @@
           <a:bodyPr/>
           <a:lstStyle/>
           <a:p>
-            <a:r>
-              <a:rPr lang="en-US" dirty="0"/>
-              <a:t>Open a code editor. In this example, we used VS Code. Write a JSON file of your choice and save it by giving a file name and adding a .</a:t>
-            </a:r>
-            <a:r>
-              <a:rPr lang="en-US" dirty="0" err="1"/>
-              <a:t>json</a:t>
-            </a:r>
-            <a:r>
-              <a:rPr lang="en-US" dirty="0"/>
-              <a:t> extension. Then the editor will recognize the file as a JSON document.</a:t>
-            </a:r>
+            <a:endParaRPr lang="x-none" dirty="0"/>
           </a:p>
         </p:txBody>
       </p:sp>
@@ -1487,7 +1477,7 @@
     </p:spTree>
     <p:extLst>
       <p:ext uri="{BB962C8B-B14F-4D97-AF65-F5344CB8AC3E}">
-        <p14:creationId xmlns:p14="http://schemas.microsoft.com/office/powerpoint/2010/main" val="3814293291"/>
+        <p14:creationId xmlns:p14="http://schemas.microsoft.com/office/powerpoint/2010/main" val="2866725318"/>
       </p:ext>
     </p:extLst>
   </p:cSld>
@@ -1543,47 +1533,15 @@
           <a:p>
             <a:r>
               <a:rPr lang="en-US" dirty="0"/>
-              <a:t>Now we will read a JSON file from the file system using </a:t>
-            </a:r>
-            <a:r>
-              <a:rPr lang="tr-TR" dirty="0"/>
-              <a:t>a</a:t>
+              <a:t>Open a code editor. In this example, we used VS Code. Write a JSON file of your choice and save it by giving a file name and adding a .</a:t>
+            </a:r>
+            <a:r>
+              <a:rPr lang="en-US" dirty="0" err="1"/>
+              <a:t>json</a:t>
             </a:r>
             <a:r>
               <a:rPr lang="en-US" dirty="0"/>
-              <a:t> JSON library</a:t>
-            </a:r>
-            <a:r>
-              <a:rPr lang="tr-TR" dirty="0"/>
-              <a:t> in Python</a:t>
-            </a:r>
-            <a:r>
-              <a:rPr lang="en-US" dirty="0"/>
-              <a:t>. We open the JSON file that we </a:t>
-            </a:r>
-            <a:r>
-              <a:rPr lang="tr-TR" dirty="0"/>
-              <a:t>have</a:t>
-            </a:r>
-            <a:r>
-              <a:rPr lang="en-US" dirty="0"/>
-              <a:t> previously </a:t>
-            </a:r>
-            <a:r>
-              <a:rPr lang="tr-TR" dirty="0"/>
-              <a:t>saved </a:t>
-            </a:r>
-            <a:r>
-              <a:rPr lang="en-US" dirty="0"/>
-              <a:t>to the file system with open-as-file key words.  </a:t>
-            </a:r>
-            <a:r>
-              <a:rPr lang="tr-TR" dirty="0"/>
-              <a:t>Then,</a:t>
-            </a:r>
-            <a:r>
-              <a:rPr lang="en-US" dirty="0"/>
-              <a:t> we can load that JSON file with the load function into the data object.  We can also print it to see what is inside the JSON file.</a:t>
+              <a:t> extension. Then the editor will recognize the file as a JSON document.</a:t>
             </a:r>
           </a:p>
         </p:txBody>
@@ -1614,7 +1572,7 @@
     </p:spTree>
     <p:extLst>
       <p:ext uri="{BB962C8B-B14F-4D97-AF65-F5344CB8AC3E}">
-        <p14:creationId xmlns:p14="http://schemas.microsoft.com/office/powerpoint/2010/main" val="854383721"/>
+        <p14:creationId xmlns:p14="http://schemas.microsoft.com/office/powerpoint/2010/main" val="3814293291"/>
       </p:ext>
     </p:extLst>
   </p:cSld>
@@ -1669,12 +1627,49 @@
           <a:lstStyle/>
           <a:p>
             <a:r>
+              <a:rPr lang="en-US" dirty="0"/>
+              <a:t>Now we will read a JSON file from the file system using </a:t>
+            </a:r>
+            <a:r>
               <a:rPr lang="tr-TR" dirty="0"/>
-              <a:t>Printing the data object in console can look like this.</a:t>
-            </a:r>
-          </a:p>
-          <a:p>
-            <a:endParaRPr lang="en-US" dirty="0"/>
+              <a:t>a</a:t>
+            </a:r>
+            <a:r>
+              <a:rPr lang="en-US" dirty="0"/>
+              <a:t> JSON library</a:t>
+            </a:r>
+            <a:r>
+              <a:rPr lang="tr-TR" dirty="0"/>
+              <a:t> in Python</a:t>
+            </a:r>
+            <a:r>
+              <a:rPr lang="en-US" dirty="0"/>
+              <a:t>. We open the JSON file that we </a:t>
+            </a:r>
+            <a:r>
+              <a:rPr lang="tr-TR" dirty="0"/>
+              <a:t>have</a:t>
+            </a:r>
+            <a:r>
+              <a:rPr lang="en-US" dirty="0"/>
+              <a:t> previously </a:t>
+            </a:r>
+            <a:r>
+              <a:rPr lang="tr-TR" dirty="0"/>
+              <a:t>saved </a:t>
+            </a:r>
+            <a:r>
+              <a:rPr lang="en-US" dirty="0"/>
+              <a:t>to the file system with open-as-file key words.  </a:t>
+            </a:r>
+            <a:r>
+              <a:rPr lang="tr-TR" dirty="0"/>
+              <a:t>Then,</a:t>
+            </a:r>
+            <a:r>
+              <a:rPr lang="en-US" dirty="0"/>
+              <a:t> we can load that JSON file with the load function into the data object.  We can also print it to see what is inside the JSON file.</a:t>
+            </a:r>
           </a:p>
         </p:txBody>
       </p:sp>
@@ -1704,7 +1699,7 @@
     </p:spTree>
     <p:extLst>
       <p:ext uri="{BB962C8B-B14F-4D97-AF65-F5344CB8AC3E}">
-        <p14:creationId xmlns:p14="http://schemas.microsoft.com/office/powerpoint/2010/main" val="539604374"/>
+        <p14:creationId xmlns:p14="http://schemas.microsoft.com/office/powerpoint/2010/main" val="854383721"/>
       </p:ext>
     </p:extLst>
   </p:cSld>
@@ -1866,50 +1861,12 @@
           <a:lstStyle/>
           <a:p>
             <a:r>
-              <a:rPr lang="en-US" dirty="0"/>
-              <a:t>There are many ways to send a JSON file via different p</a:t>
-            </a:r>
-            <a:r>
               <a:rPr lang="tr-TR" dirty="0"/>
-              <a:t>rotocol</a:t>
-            </a:r>
-            <a:r>
-              <a:rPr lang="en-US" dirty="0"/>
-              <a:t>s, one of them is using Python and its request library</a:t>
-            </a:r>
-            <a:r>
-              <a:rPr lang="tr-TR" dirty="0"/>
-              <a:t> for sending an HTTP request</a:t>
-            </a:r>
-            <a:r>
-              <a:rPr lang="en-US" dirty="0"/>
-              <a:t>. </a:t>
-            </a:r>
-            <a:r>
-              <a:rPr lang="tr-TR" dirty="0"/>
-              <a:t>With</a:t>
-            </a:r>
-            <a:r>
-              <a:rPr lang="en-US" dirty="0"/>
-              <a:t> this library, you can use the post function</a:t>
-            </a:r>
-            <a:r>
-              <a:rPr lang="tr-TR" dirty="0"/>
-              <a:t> to send an HTTP POST request with a JSON Payload</a:t>
-            </a:r>
-            <a:r>
-              <a:rPr lang="en-US" dirty="0"/>
-              <a:t>. As a parameter, it takes the URL to send </a:t>
-            </a:r>
-            <a:r>
-              <a:rPr lang="tr-TR" dirty="0"/>
-              <a:t> to </a:t>
-            </a:r>
-            <a:r>
-              <a:rPr lang="en-US" dirty="0"/>
-              <a:t>and the JSON object.</a:t>
-            </a:r>
-            <a:endParaRPr lang="tr-TR" dirty="0"/>
+              <a:t>Printing the data object in console can look like this.</a:t>
+            </a:r>
+          </a:p>
+          <a:p>
+            <a:endParaRPr lang="en-US" dirty="0"/>
           </a:p>
         </p:txBody>
       </p:sp>
@@ -1939,7 +1896,7 @@
     </p:spTree>
     <p:extLst>
       <p:ext uri="{BB962C8B-B14F-4D97-AF65-F5344CB8AC3E}">
-        <p14:creationId xmlns:p14="http://schemas.microsoft.com/office/powerpoint/2010/main" val="2082583224"/>
+        <p14:creationId xmlns:p14="http://schemas.microsoft.com/office/powerpoint/2010/main" val="539604374"/>
       </p:ext>
     </p:extLst>
   </p:cSld>
@@ -1994,14 +1951,48 @@
           <a:lstStyle/>
           <a:p>
             <a:r>
-              <a:rPr lang="en-GB" b="0" i="0" u="none" strike="noStrike" dirty="0">
-                <a:solidFill>
-                  <a:srgbClr val="FFFFFF"/>
-                </a:solidFill>
-                <a:effectLst/>
-                <a:latin typeface="Roboto" panose="020F0502020204030204" pitchFamily="34" charset="0"/>
-              </a:rPr>
-              <a:t>You can proceed to the next tutorial by clicking on the card or the video description.</a:t>
+              <a:rPr lang="en-US" dirty="0"/>
+              <a:t>There are many ways to send a JSON file via different p</a:t>
+            </a:r>
+            <a:r>
+              <a:rPr lang="tr-TR" dirty="0"/>
+              <a:t>rotocol</a:t>
+            </a:r>
+            <a:r>
+              <a:rPr lang="en-US" dirty="0"/>
+              <a:t>s, one of them is using Python and its request library</a:t>
+            </a:r>
+            <a:r>
+              <a:rPr lang="tr-TR" dirty="0"/>
+              <a:t> for sending an HTTP request</a:t>
+            </a:r>
+            <a:r>
+              <a:rPr lang="en-US" dirty="0"/>
+              <a:t>. </a:t>
+            </a:r>
+            <a:r>
+              <a:rPr lang="tr-TR" dirty="0"/>
+              <a:t>With</a:t>
+            </a:r>
+            <a:r>
+              <a:rPr lang="en-US" dirty="0"/>
+              <a:t> this library, you can use the post function</a:t>
+            </a:r>
+            <a:r>
+              <a:rPr lang="tr-TR" dirty="0"/>
+              <a:t> to send an HTTP POST request with a JSON Payload</a:t>
+            </a:r>
+            <a:r>
+              <a:rPr lang="en-US" dirty="0"/>
+              <a:t>. As a parameter, it takes the URL to send </a:t>
+            </a:r>
+            <a:r>
+              <a:rPr lang="tr-TR" dirty="0"/>
+              <a:t> to </a:t>
+            </a:r>
+            <a:r>
+              <a:rPr lang="en-US" dirty="0"/>
+              <a:t>and the JSON object.</a:t>
             </a:r>
             <a:endParaRPr lang="tr-TR" dirty="0"/>
           </a:p>
@@ -2022,7 +2013,7 @@
           <a:bodyPr/>
           <a:lstStyle/>
           <a:p>
-            <a:fld id="{838D45EA-097A-449E-8E80-C10F8140ABDB}" type="slidenum">
+            <a:fld id="{36244A51-42B3-47E9-BD3B-3B35445A8097}" type="slidenum">
               <a:rPr lang="en-US" smtClean="0"/>
               <a:t>24</a:t>
             </a:fld>
@@ -2033,7 +2024,7 @@
     </p:spTree>
     <p:extLst>
       <p:ext uri="{BB962C8B-B14F-4D97-AF65-F5344CB8AC3E}">
-        <p14:creationId xmlns:p14="http://schemas.microsoft.com/office/powerpoint/2010/main" val="1820635812"/>
+        <p14:creationId xmlns:p14="http://schemas.microsoft.com/office/powerpoint/2010/main" val="2082583224"/>
       </p:ext>
     </p:extLst>
   </p:cSld>
@@ -2088,18 +2079,16 @@
           <a:lstStyle/>
           <a:p>
             <a:r>
-              <a:rPr lang="tr-TR" dirty="0"/>
-              <a:t>In the next video, we will talk about JSON </a:t>
-            </a:r>
-            <a:r>
-              <a:rPr lang="tr-TR" dirty="0" err="1"/>
-              <a:t>Schema</a:t>
-            </a:r>
-            <a:r>
-              <a:rPr lang="tr-TR" dirty="0"/>
-              <a:t>.</a:t>
-            </a:r>
-            <a:endParaRPr lang="en-US" dirty="0"/>
+              <a:rPr lang="en-GB" b="0" i="0" u="none" strike="noStrike" dirty="0">
+                <a:solidFill>
+                  <a:srgbClr val="FFFFFF"/>
+                </a:solidFill>
+                <a:effectLst/>
+                <a:latin typeface="Roboto" panose="020F0502020204030204" pitchFamily="34" charset="0"/>
+              </a:rPr>
+              <a:t>You can proceed to the next tutorial by clicking on the card or the video description.</a:t>
+            </a:r>
+            <a:endParaRPr lang="tr-TR" dirty="0"/>
           </a:p>
         </p:txBody>
       </p:sp>
@@ -2120,8 +2109,104 @@
           <a:p>
             <a:fld id="{838D45EA-097A-449E-8E80-C10F8140ABDB}" type="slidenum">
               <a:rPr lang="en-US" smtClean="0"/>
+              <a:t>25</a:t>
+            </a:fld>
+            <a:endParaRPr lang="en-US"/>
+          </a:p>
+        </p:txBody>
+      </p:sp>
+    </p:spTree>
+    <p:extLst>
+      <p:ext uri="{BB962C8B-B14F-4D97-AF65-F5344CB8AC3E}">
+        <p14:creationId xmlns:p14="http://schemas.microsoft.com/office/powerpoint/2010/main" val="1820635812"/>
+      </p:ext>
+    </p:extLst>
+  </p:cSld>
+  <p:clrMapOvr>
+    <a:masterClrMapping/>
+  </p:clrMapOvr>
+</p:notes>
+</file>
+
+<file path=ppt/notesSlides/notesSlide23.xml><?xml version="1.0" encoding="utf-8"?>
+<p:notes xmlns:a="http://schemas.openxmlformats.org/drawingml/2006/main" xmlns:r="http://schemas.openxmlformats.org/officeDocument/2006/relationships" xmlns:p="http://schemas.openxmlformats.org/presentationml/2006/main">
+  <p:cSld>
+    <p:spTree>
+      <p:nvGrpSpPr>
+        <p:cNvPr id="1" name=""/>
+        <p:cNvGrpSpPr/>
+        <p:nvPr/>
+      </p:nvGrpSpPr>
+      <p:grpSpPr>
+        <a:xfrm>
+          <a:off x="0" y="0"/>
+          <a:ext cx="0" cy="0"/>
+          <a:chOff x="0" y="0"/>
+          <a:chExt cx="0" cy="0"/>
+        </a:xfrm>
+      </p:grpSpPr>
+      <p:sp>
+        <p:nvSpPr>
+          <p:cNvPr id="2" name="Slide Image Placeholder 1"/>
+          <p:cNvSpPr>
+            <a:spLocks noGrp="1" noRot="1" noChangeAspect="1"/>
+          </p:cNvSpPr>
+          <p:nvPr>
+            <p:ph type="sldImg"/>
+          </p:nvPr>
+        </p:nvSpPr>
+        <p:spPr/>
+      </p:sp>
+      <p:sp>
+        <p:nvSpPr>
+          <p:cNvPr id="3" name="Notes Placeholder 2"/>
+          <p:cNvSpPr>
+            <a:spLocks noGrp="1"/>
+          </p:cNvSpPr>
+          <p:nvPr>
+            <p:ph type="body" idx="1"/>
+          </p:nvPr>
+        </p:nvSpPr>
+        <p:spPr/>
+        <p:txBody>
+          <a:bodyPr/>
+          <a:lstStyle/>
+          <a:p>
+            <a:r>
+              <a:rPr lang="tr-TR" dirty="0"/>
+              <a:t>In the next video, we will talk about JSON </a:t>
+            </a:r>
+            <a:r>
+              <a:rPr lang="tr-TR" dirty="0" err="1"/>
+              <a:t>Schema</a:t>
+            </a:r>
+            <a:r>
+              <a:rPr lang="tr-TR" dirty="0"/>
+              <a:t>.</a:t>
+            </a:r>
+            <a:endParaRPr lang="en-US" dirty="0"/>
+          </a:p>
+        </p:txBody>
+      </p:sp>
+      <p:sp>
+        <p:nvSpPr>
+          <p:cNvPr id="4" name="Slide Number Placeholder 3"/>
+          <p:cNvSpPr>
+            <a:spLocks noGrp="1"/>
+          </p:cNvSpPr>
+          <p:nvPr>
+            <p:ph type="sldNum" sz="quarter" idx="5"/>
+          </p:nvPr>
+        </p:nvSpPr>
+        <p:spPr/>
+        <p:txBody>
+          <a:bodyPr/>
+          <a:lstStyle/>
+          <a:p>
+            <a:fld id="{838D45EA-097A-449E-8E80-C10F8140ABDB}" type="slidenum">
+              <a:rPr lang="en-US" smtClean="0"/>
               <a:pPr/>
-              <a:t>25</a:t>
+              <a:t>26</a:t>
             </a:fld>
             <a:endParaRPr lang="en-US" dirty="0"/>
           </a:p>
@@ -3097,7 +3182,7 @@
           <p:cNvPr id="2" name="Title 1">
             <a:extLst>
               <a:ext uri="{FF2B5EF4-FFF2-40B4-BE49-F238E27FC236}">
-                <a16:creationId xmlns="" xmlns:a16="http://schemas.microsoft.com/office/drawing/2014/main" id="{2D8464C8-45D4-ACB5-641C-24DCEE18C2CF}"/>
+                <a16:creationId xmlns:a16="http://schemas.microsoft.com/office/drawing/2014/main" id="{2D8464C8-45D4-ACB5-641C-24DCEE18C2CF}"/>
               </a:ext>
             </a:extLst>
           </p:cNvPr>
@@ -3134,7 +3219,7 @@
           <p:cNvPr id="3" name="Subtitle 2">
             <a:extLst>
               <a:ext uri="{FF2B5EF4-FFF2-40B4-BE49-F238E27FC236}">
-                <a16:creationId xmlns="" xmlns:a16="http://schemas.microsoft.com/office/drawing/2014/main" id="{20B099E8-1A74-759F-CED5-51885E280EDC}"/>
+                <a16:creationId xmlns:a16="http://schemas.microsoft.com/office/drawing/2014/main" id="{20B099E8-1A74-759F-CED5-51885E280EDC}"/>
               </a:ext>
             </a:extLst>
           </p:cNvPr>
@@ -3204,7 +3289,7 @@
           <p:cNvPr id="4" name="Date Placeholder 3">
             <a:extLst>
               <a:ext uri="{FF2B5EF4-FFF2-40B4-BE49-F238E27FC236}">
-                <a16:creationId xmlns="" xmlns:a16="http://schemas.microsoft.com/office/drawing/2014/main" id="{0E2DC47D-05C6-884D-A378-16BFA7A4F1F4}"/>
+                <a16:creationId xmlns:a16="http://schemas.microsoft.com/office/drawing/2014/main" id="{0E2DC47D-05C6-884D-A378-16BFA7A4F1F4}"/>
               </a:ext>
             </a:extLst>
           </p:cNvPr>
@@ -3222,7 +3307,7 @@
           <a:p>
             <a:fld id="{F5EBBE15-30AF-4EEE-8DDC-4C0214E8A496}" type="datetimeFigureOut">
               <a:rPr lang="en-US" smtClean="0"/>
-              <a:t>3/1/2024</a:t>
+              <a:t>7/11/2024</a:t>
             </a:fld>
             <a:endParaRPr lang="en-US"/>
           </a:p>
@@ -3233,7 +3318,7 @@
           <p:cNvPr id="5" name="Footer Placeholder 4">
             <a:extLst>
               <a:ext uri="{FF2B5EF4-FFF2-40B4-BE49-F238E27FC236}">
-                <a16:creationId xmlns="" xmlns:a16="http://schemas.microsoft.com/office/drawing/2014/main" id="{1E9BD5AB-FE8F-2114-1DC2-335C37C249E4}"/>
+                <a16:creationId xmlns:a16="http://schemas.microsoft.com/office/drawing/2014/main" id="{1E9BD5AB-FE8F-2114-1DC2-335C37C249E4}"/>
               </a:ext>
             </a:extLst>
           </p:cNvPr>
@@ -3258,7 +3343,7 @@
           <p:cNvPr id="6" name="Slide Number Placeholder 5">
             <a:extLst>
               <a:ext uri="{FF2B5EF4-FFF2-40B4-BE49-F238E27FC236}">
-                <a16:creationId xmlns="" xmlns:a16="http://schemas.microsoft.com/office/drawing/2014/main" id="{5D5FF39D-1AF0-DE9D-EDF1-25FF60BCEA17}"/>
+                <a16:creationId xmlns:a16="http://schemas.microsoft.com/office/drawing/2014/main" id="{5D5FF39D-1AF0-DE9D-EDF1-25FF60BCEA17}"/>
               </a:ext>
             </a:extLst>
           </p:cNvPr>
@@ -3317,7 +3402,7 @@
           <p:cNvPr id="2" name="Title 1">
             <a:extLst>
               <a:ext uri="{FF2B5EF4-FFF2-40B4-BE49-F238E27FC236}">
-                <a16:creationId xmlns="" xmlns:a16="http://schemas.microsoft.com/office/drawing/2014/main" id="{4AB86EEE-A1C2-65A0-EE66-90439BBFB692}"/>
+                <a16:creationId xmlns:a16="http://schemas.microsoft.com/office/drawing/2014/main" id="{4AB86EEE-A1C2-65A0-EE66-90439BBFB692}"/>
               </a:ext>
             </a:extLst>
           </p:cNvPr>
@@ -3345,7 +3430,7 @@
           <p:cNvPr id="3" name="Vertical Text Placeholder 2">
             <a:extLst>
               <a:ext uri="{FF2B5EF4-FFF2-40B4-BE49-F238E27FC236}">
-                <a16:creationId xmlns="" xmlns:a16="http://schemas.microsoft.com/office/drawing/2014/main" id="{61D1AB48-C44C-8F1D-BC6B-9656281C8DBB}"/>
+                <a16:creationId xmlns:a16="http://schemas.microsoft.com/office/drawing/2014/main" id="{61D1AB48-C44C-8F1D-BC6B-9656281C8DBB}"/>
               </a:ext>
             </a:extLst>
           </p:cNvPr>
@@ -3402,7 +3487,7 @@
           <p:cNvPr id="4" name="Date Placeholder 3">
             <a:extLst>
               <a:ext uri="{FF2B5EF4-FFF2-40B4-BE49-F238E27FC236}">
-                <a16:creationId xmlns="" xmlns:a16="http://schemas.microsoft.com/office/drawing/2014/main" id="{03C4501D-B664-B522-4669-7BA48996ED18}"/>
+                <a16:creationId xmlns:a16="http://schemas.microsoft.com/office/drawing/2014/main" id="{03C4501D-B664-B522-4669-7BA48996ED18}"/>
               </a:ext>
             </a:extLst>
           </p:cNvPr>
@@ -3420,7 +3505,7 @@
           <a:p>
             <a:fld id="{F5EBBE15-30AF-4EEE-8DDC-4C0214E8A496}" type="datetimeFigureOut">
               <a:rPr lang="en-US" smtClean="0"/>
-              <a:t>3/1/2024</a:t>
+              <a:t>7/11/2024</a:t>
             </a:fld>
             <a:endParaRPr lang="en-US"/>
           </a:p>
@@ -3431,7 +3516,7 @@
           <p:cNvPr id="5" name="Footer Placeholder 4">
             <a:extLst>
               <a:ext uri="{FF2B5EF4-FFF2-40B4-BE49-F238E27FC236}">
-                <a16:creationId xmlns="" xmlns:a16="http://schemas.microsoft.com/office/drawing/2014/main" id="{ADF4A445-F64B-BD72-14CC-38BEFD14A07B}"/>
+                <a16:creationId xmlns:a16="http://schemas.microsoft.com/office/drawing/2014/main" id="{ADF4A445-F64B-BD72-14CC-38BEFD14A07B}"/>
               </a:ext>
             </a:extLst>
           </p:cNvPr>
@@ -3456,7 +3541,7 @@
           <p:cNvPr id="6" name="Slide Number Placeholder 5">
             <a:extLst>
               <a:ext uri="{FF2B5EF4-FFF2-40B4-BE49-F238E27FC236}">
-                <a16:creationId xmlns="" xmlns:a16="http://schemas.microsoft.com/office/drawing/2014/main" id="{674A83CC-D977-26AD-16E9-88F315F7EFE6}"/>
+                <a16:creationId xmlns:a16="http://schemas.microsoft.com/office/drawing/2014/main" id="{674A83CC-D977-26AD-16E9-88F315F7EFE6}"/>
               </a:ext>
             </a:extLst>
           </p:cNvPr>
@@ -3515,7 +3600,7 @@
           <p:cNvPr id="2" name="Vertical Title 1">
             <a:extLst>
               <a:ext uri="{FF2B5EF4-FFF2-40B4-BE49-F238E27FC236}">
-                <a16:creationId xmlns="" xmlns:a16="http://schemas.microsoft.com/office/drawing/2014/main" id="{2614C8F9-C129-2954-B666-B6A5D84F83B5}"/>
+                <a16:creationId xmlns:a16="http://schemas.microsoft.com/office/drawing/2014/main" id="{2614C8F9-C129-2954-B666-B6A5D84F83B5}"/>
               </a:ext>
             </a:extLst>
           </p:cNvPr>
@@ -3548,7 +3633,7 @@
           <p:cNvPr id="3" name="Vertical Text Placeholder 2">
             <a:extLst>
               <a:ext uri="{FF2B5EF4-FFF2-40B4-BE49-F238E27FC236}">
-                <a16:creationId xmlns="" xmlns:a16="http://schemas.microsoft.com/office/drawing/2014/main" id="{0FCB22B9-2CB5-5878-56C2-8CAF23805FFF}"/>
+                <a16:creationId xmlns:a16="http://schemas.microsoft.com/office/drawing/2014/main" id="{0FCB22B9-2CB5-5878-56C2-8CAF23805FFF}"/>
               </a:ext>
             </a:extLst>
           </p:cNvPr>
@@ -3610,7 +3695,7 @@
           <p:cNvPr id="4" name="Date Placeholder 3">
             <a:extLst>
               <a:ext uri="{FF2B5EF4-FFF2-40B4-BE49-F238E27FC236}">
-                <a16:creationId xmlns="" xmlns:a16="http://schemas.microsoft.com/office/drawing/2014/main" id="{177B20C6-347B-59C0-76F3-015FB8518F27}"/>
+                <a16:creationId xmlns:a16="http://schemas.microsoft.com/office/drawing/2014/main" id="{177B20C6-347B-59C0-76F3-015FB8518F27}"/>
               </a:ext>
             </a:extLst>
           </p:cNvPr>
@@ -3628,7 +3713,7 @@
           <a:p>
             <a:fld id="{F5EBBE15-30AF-4EEE-8DDC-4C0214E8A496}" type="datetimeFigureOut">
               <a:rPr lang="en-US" smtClean="0"/>
-              <a:t>3/1/2024</a:t>
+              <a:t>7/11/2024</a:t>
             </a:fld>
             <a:endParaRPr lang="en-US"/>
           </a:p>
@@ -3639,7 +3724,7 @@
           <p:cNvPr id="5" name="Footer Placeholder 4">
             <a:extLst>
               <a:ext uri="{FF2B5EF4-FFF2-40B4-BE49-F238E27FC236}">
-                <a16:creationId xmlns="" xmlns:a16="http://schemas.microsoft.com/office/drawing/2014/main" id="{66753E18-6757-3FC5-F4B2-609D3910337A}"/>
+                <a16:creationId xmlns:a16="http://schemas.microsoft.com/office/drawing/2014/main" id="{66753E18-6757-3FC5-F4B2-609D3910337A}"/>
               </a:ext>
             </a:extLst>
           </p:cNvPr>
@@ -3664,7 +3749,7 @@
           <p:cNvPr id="6" name="Slide Number Placeholder 5">
             <a:extLst>
               <a:ext uri="{FF2B5EF4-FFF2-40B4-BE49-F238E27FC236}">
-                <a16:creationId xmlns="" xmlns:a16="http://schemas.microsoft.com/office/drawing/2014/main" id="{7441BDE8-BDDF-36B6-49CD-47819A8A9E61}"/>
+                <a16:creationId xmlns:a16="http://schemas.microsoft.com/office/drawing/2014/main" id="{7441BDE8-BDDF-36B6-49CD-47819A8A9E61}"/>
               </a:ext>
             </a:extLst>
           </p:cNvPr>
@@ -3723,7 +3808,7 @@
           <p:cNvPr id="2" name="Title 1">
             <a:extLst>
               <a:ext uri="{FF2B5EF4-FFF2-40B4-BE49-F238E27FC236}">
-                <a16:creationId xmlns="" xmlns:a16="http://schemas.microsoft.com/office/drawing/2014/main" id="{8B298D2B-ED48-800D-3CB5-1FC91422E7A9}"/>
+                <a16:creationId xmlns:a16="http://schemas.microsoft.com/office/drawing/2014/main" id="{8B298D2B-ED48-800D-3CB5-1FC91422E7A9}"/>
               </a:ext>
             </a:extLst>
           </p:cNvPr>
@@ -3751,7 +3836,7 @@
           <p:cNvPr id="3" name="Content Placeholder 2">
             <a:extLst>
               <a:ext uri="{FF2B5EF4-FFF2-40B4-BE49-F238E27FC236}">
-                <a16:creationId xmlns="" xmlns:a16="http://schemas.microsoft.com/office/drawing/2014/main" id="{819306B0-2C40-DF58-0343-5EAE672542E0}"/>
+                <a16:creationId xmlns:a16="http://schemas.microsoft.com/office/drawing/2014/main" id="{819306B0-2C40-DF58-0343-5EAE672542E0}"/>
               </a:ext>
             </a:extLst>
           </p:cNvPr>
@@ -3808,7 +3893,7 @@
           <p:cNvPr id="4" name="Date Placeholder 3">
             <a:extLst>
               <a:ext uri="{FF2B5EF4-FFF2-40B4-BE49-F238E27FC236}">
-                <a16:creationId xmlns="" xmlns:a16="http://schemas.microsoft.com/office/drawing/2014/main" id="{9DE0CF9F-1F27-D57B-3E1D-CD230208CC64}"/>
+                <a16:creationId xmlns:a16="http://schemas.microsoft.com/office/drawing/2014/main" id="{9DE0CF9F-1F27-D57B-3E1D-CD230208CC64}"/>
               </a:ext>
             </a:extLst>
           </p:cNvPr>
@@ -3826,7 +3911,7 @@
           <a:p>
             <a:fld id="{F5EBBE15-30AF-4EEE-8DDC-4C0214E8A496}" type="datetimeFigureOut">
               <a:rPr lang="en-US" smtClean="0"/>
-              <a:t>3/1/2024</a:t>
+              <a:t>7/11/2024</a:t>
             </a:fld>
             <a:endParaRPr lang="en-US"/>
           </a:p>
@@ -3837,7 +3922,7 @@
           <p:cNvPr id="5" name="Footer Placeholder 4">
             <a:extLst>
               <a:ext uri="{FF2B5EF4-FFF2-40B4-BE49-F238E27FC236}">
-                <a16:creationId xmlns="" xmlns:a16="http://schemas.microsoft.com/office/drawing/2014/main" id="{8E4B421A-605E-A90B-77A3-27A30BD3F708}"/>
+                <a16:creationId xmlns:a16="http://schemas.microsoft.com/office/drawing/2014/main" id="{8E4B421A-605E-A90B-77A3-27A30BD3F708}"/>
               </a:ext>
             </a:extLst>
           </p:cNvPr>
@@ -3862,7 +3947,7 @@
           <p:cNvPr id="6" name="Slide Number Placeholder 5">
             <a:extLst>
               <a:ext uri="{FF2B5EF4-FFF2-40B4-BE49-F238E27FC236}">
-                <a16:creationId xmlns="" xmlns:a16="http://schemas.microsoft.com/office/drawing/2014/main" id="{CF889D23-2E9F-0C30-F905-92F3C4928ACE}"/>
+                <a16:creationId xmlns:a16="http://schemas.microsoft.com/office/drawing/2014/main" id="{CF889D23-2E9F-0C30-F905-92F3C4928ACE}"/>
               </a:ext>
             </a:extLst>
           </p:cNvPr>
@@ -3921,7 +4006,7 @@
           <p:cNvPr id="2" name="Title 1">
             <a:extLst>
               <a:ext uri="{FF2B5EF4-FFF2-40B4-BE49-F238E27FC236}">
-                <a16:creationId xmlns="" xmlns:a16="http://schemas.microsoft.com/office/drawing/2014/main" id="{D1F7F33D-120C-3DA2-AFB8-86654A4442D2}"/>
+                <a16:creationId xmlns:a16="http://schemas.microsoft.com/office/drawing/2014/main" id="{D1F7F33D-120C-3DA2-AFB8-86654A4442D2}"/>
               </a:ext>
             </a:extLst>
           </p:cNvPr>
@@ -3958,7 +4043,7 @@
           <p:cNvPr id="3" name="Text Placeholder 2">
             <a:extLst>
               <a:ext uri="{FF2B5EF4-FFF2-40B4-BE49-F238E27FC236}">
-                <a16:creationId xmlns="" xmlns:a16="http://schemas.microsoft.com/office/drawing/2014/main" id="{F089B3F3-29EE-5766-82EA-AA0F7DF90DD1}"/>
+                <a16:creationId xmlns:a16="http://schemas.microsoft.com/office/drawing/2014/main" id="{F089B3F3-29EE-5766-82EA-AA0F7DF90DD1}"/>
               </a:ext>
             </a:extLst>
           </p:cNvPr>
@@ -4083,7 +4168,7 @@
           <p:cNvPr id="4" name="Date Placeholder 3">
             <a:extLst>
               <a:ext uri="{FF2B5EF4-FFF2-40B4-BE49-F238E27FC236}">
-                <a16:creationId xmlns="" xmlns:a16="http://schemas.microsoft.com/office/drawing/2014/main" id="{E9FFFE88-5B8D-62D3-D833-03B3D9687DD8}"/>
+                <a16:creationId xmlns:a16="http://schemas.microsoft.com/office/drawing/2014/main" id="{E9FFFE88-5B8D-62D3-D833-03B3D9687DD8}"/>
               </a:ext>
             </a:extLst>
           </p:cNvPr>
@@ -4101,7 +4186,7 @@
           <a:p>
             <a:fld id="{F5EBBE15-30AF-4EEE-8DDC-4C0214E8A496}" type="datetimeFigureOut">
               <a:rPr lang="en-US" smtClean="0"/>
-              <a:t>3/1/2024</a:t>
+              <a:t>7/11/2024</a:t>
             </a:fld>
             <a:endParaRPr lang="en-US"/>
           </a:p>
@@ -4112,7 +4197,7 @@
           <p:cNvPr id="5" name="Footer Placeholder 4">
             <a:extLst>
               <a:ext uri="{FF2B5EF4-FFF2-40B4-BE49-F238E27FC236}">
-                <a16:creationId xmlns="" xmlns:a16="http://schemas.microsoft.com/office/drawing/2014/main" id="{03CD1722-BC16-277D-2E1B-1067779D34C1}"/>
+                <a16:creationId xmlns:a16="http://schemas.microsoft.com/office/drawing/2014/main" id="{03CD1722-BC16-277D-2E1B-1067779D34C1}"/>
               </a:ext>
             </a:extLst>
           </p:cNvPr>
@@ -4137,7 +4222,7 @@
           <p:cNvPr id="6" name="Slide Number Placeholder 5">
             <a:extLst>
               <a:ext uri="{FF2B5EF4-FFF2-40B4-BE49-F238E27FC236}">
-                <a16:creationId xmlns="" xmlns:a16="http://schemas.microsoft.com/office/drawing/2014/main" id="{837B26FB-E277-F9BD-4757-D9F83C239394}"/>
+                <a16:creationId xmlns:a16="http://schemas.microsoft.com/office/drawing/2014/main" id="{837B26FB-E277-F9BD-4757-D9F83C239394}"/>
               </a:ext>
             </a:extLst>
           </p:cNvPr>
@@ -4196,7 +4281,7 @@
           <p:cNvPr id="2" name="Title 1">
             <a:extLst>
               <a:ext uri="{FF2B5EF4-FFF2-40B4-BE49-F238E27FC236}">
-                <a16:creationId xmlns="" xmlns:a16="http://schemas.microsoft.com/office/drawing/2014/main" id="{80499B8A-0738-79B6-D0B7-BD2F2647B499}"/>
+                <a16:creationId xmlns:a16="http://schemas.microsoft.com/office/drawing/2014/main" id="{80499B8A-0738-79B6-D0B7-BD2F2647B499}"/>
               </a:ext>
             </a:extLst>
           </p:cNvPr>
@@ -4224,7 +4309,7 @@
           <p:cNvPr id="3" name="Content Placeholder 2">
             <a:extLst>
               <a:ext uri="{FF2B5EF4-FFF2-40B4-BE49-F238E27FC236}">
-                <a16:creationId xmlns="" xmlns:a16="http://schemas.microsoft.com/office/drawing/2014/main" id="{B5C458B1-DE32-5E2C-FFA5-89F091E73E3D}"/>
+                <a16:creationId xmlns:a16="http://schemas.microsoft.com/office/drawing/2014/main" id="{B5C458B1-DE32-5E2C-FFA5-89F091E73E3D}"/>
               </a:ext>
             </a:extLst>
           </p:cNvPr>
@@ -4286,7 +4371,7 @@
           <p:cNvPr id="4" name="Content Placeholder 3">
             <a:extLst>
               <a:ext uri="{FF2B5EF4-FFF2-40B4-BE49-F238E27FC236}">
-                <a16:creationId xmlns="" xmlns:a16="http://schemas.microsoft.com/office/drawing/2014/main" id="{DB4AAFDF-A646-1F30-42C7-83BBAF79174A}"/>
+                <a16:creationId xmlns:a16="http://schemas.microsoft.com/office/drawing/2014/main" id="{DB4AAFDF-A646-1F30-42C7-83BBAF79174A}"/>
               </a:ext>
             </a:extLst>
           </p:cNvPr>
@@ -4348,7 +4433,7 @@
           <p:cNvPr id="5" name="Date Placeholder 4">
             <a:extLst>
               <a:ext uri="{FF2B5EF4-FFF2-40B4-BE49-F238E27FC236}">
-                <a16:creationId xmlns="" xmlns:a16="http://schemas.microsoft.com/office/drawing/2014/main" id="{AA355D98-A0E1-ACB5-5CA9-1566D6FB20EE}"/>
+                <a16:creationId xmlns:a16="http://schemas.microsoft.com/office/drawing/2014/main" id="{AA355D98-A0E1-ACB5-5CA9-1566D6FB20EE}"/>
               </a:ext>
             </a:extLst>
           </p:cNvPr>
@@ -4366,7 +4451,7 @@
           <a:p>
             <a:fld id="{F5EBBE15-30AF-4EEE-8DDC-4C0214E8A496}" type="datetimeFigureOut">
               <a:rPr lang="en-US" smtClean="0"/>
-              <a:t>3/1/2024</a:t>
+              <a:t>7/11/2024</a:t>
             </a:fld>
             <a:endParaRPr lang="en-US"/>
           </a:p>
@@ -4377,7 +4462,7 @@
           <p:cNvPr id="6" name="Footer Placeholder 5">
             <a:extLst>
               <a:ext uri="{FF2B5EF4-FFF2-40B4-BE49-F238E27FC236}">
-                <a16:creationId xmlns="" xmlns:a16="http://schemas.microsoft.com/office/drawing/2014/main" id="{370043AD-5D1E-8B79-D7DF-21F320F2EFE3}"/>
+                <a16:creationId xmlns:a16="http://schemas.microsoft.com/office/drawing/2014/main" id="{370043AD-5D1E-8B79-D7DF-21F320F2EFE3}"/>
               </a:ext>
             </a:extLst>
           </p:cNvPr>
@@ -4402,7 +4487,7 @@
           <p:cNvPr id="7" name="Slide Number Placeholder 6">
             <a:extLst>
               <a:ext uri="{FF2B5EF4-FFF2-40B4-BE49-F238E27FC236}">
-                <a16:creationId xmlns="" xmlns:a16="http://schemas.microsoft.com/office/drawing/2014/main" id="{D590C3AB-EC34-063C-1FC3-324B9C61556A}"/>
+                <a16:creationId xmlns:a16="http://schemas.microsoft.com/office/drawing/2014/main" id="{D590C3AB-EC34-063C-1FC3-324B9C61556A}"/>
               </a:ext>
             </a:extLst>
           </p:cNvPr>
@@ -4461,7 +4546,7 @@
           <p:cNvPr id="2" name="Title 1">
             <a:extLst>
               <a:ext uri="{FF2B5EF4-FFF2-40B4-BE49-F238E27FC236}">
-                <a16:creationId xmlns="" xmlns:a16="http://schemas.microsoft.com/office/drawing/2014/main" id="{6EC8715C-0A31-1163-642F-7E10C1A94765}"/>
+                <a16:creationId xmlns:a16="http://schemas.microsoft.com/office/drawing/2014/main" id="{6EC8715C-0A31-1163-642F-7E10C1A94765}"/>
               </a:ext>
             </a:extLst>
           </p:cNvPr>
@@ -4494,7 +4579,7 @@
           <p:cNvPr id="3" name="Text Placeholder 2">
             <a:extLst>
               <a:ext uri="{FF2B5EF4-FFF2-40B4-BE49-F238E27FC236}">
-                <a16:creationId xmlns="" xmlns:a16="http://schemas.microsoft.com/office/drawing/2014/main" id="{B2F949D6-52A6-2A4E-E144-FA21E4DB650C}"/>
+                <a16:creationId xmlns:a16="http://schemas.microsoft.com/office/drawing/2014/main" id="{B2F949D6-52A6-2A4E-E144-FA21E4DB650C}"/>
               </a:ext>
             </a:extLst>
           </p:cNvPr>
@@ -4565,7 +4650,7 @@
           <p:cNvPr id="4" name="Content Placeholder 3">
             <a:extLst>
               <a:ext uri="{FF2B5EF4-FFF2-40B4-BE49-F238E27FC236}">
-                <a16:creationId xmlns="" xmlns:a16="http://schemas.microsoft.com/office/drawing/2014/main" id="{0C80E7AC-6D55-2020-6701-2E003F0010CF}"/>
+                <a16:creationId xmlns:a16="http://schemas.microsoft.com/office/drawing/2014/main" id="{0C80E7AC-6D55-2020-6701-2E003F0010CF}"/>
               </a:ext>
             </a:extLst>
           </p:cNvPr>
@@ -4627,7 +4712,7 @@
           <p:cNvPr id="5" name="Text Placeholder 4">
             <a:extLst>
               <a:ext uri="{FF2B5EF4-FFF2-40B4-BE49-F238E27FC236}">
-                <a16:creationId xmlns="" xmlns:a16="http://schemas.microsoft.com/office/drawing/2014/main" id="{60525D07-0128-D6C6-9AB5-77F748A4661A}"/>
+                <a16:creationId xmlns:a16="http://schemas.microsoft.com/office/drawing/2014/main" id="{60525D07-0128-D6C6-9AB5-77F748A4661A}"/>
               </a:ext>
             </a:extLst>
           </p:cNvPr>
@@ -4698,7 +4783,7 @@
           <p:cNvPr id="6" name="Content Placeholder 5">
             <a:extLst>
               <a:ext uri="{FF2B5EF4-FFF2-40B4-BE49-F238E27FC236}">
-                <a16:creationId xmlns="" xmlns:a16="http://schemas.microsoft.com/office/drawing/2014/main" id="{5E8E839B-7D90-4454-AB8D-AB539FBAE57B}"/>
+                <a16:creationId xmlns:a16="http://schemas.microsoft.com/office/drawing/2014/main" id="{5E8E839B-7D90-4454-AB8D-AB539FBAE57B}"/>
               </a:ext>
             </a:extLst>
           </p:cNvPr>
@@ -4760,7 +4845,7 @@
           <p:cNvPr id="7" name="Date Placeholder 6">
             <a:extLst>
               <a:ext uri="{FF2B5EF4-FFF2-40B4-BE49-F238E27FC236}">
-                <a16:creationId xmlns="" xmlns:a16="http://schemas.microsoft.com/office/drawing/2014/main" id="{CED0B43A-9AD6-F40B-1127-53C5EACB1270}"/>
+                <a16:creationId xmlns:a16="http://schemas.microsoft.com/office/drawing/2014/main" id="{CED0B43A-9AD6-F40B-1127-53C5EACB1270}"/>
               </a:ext>
             </a:extLst>
           </p:cNvPr>
@@ -4778,7 +4863,7 @@
           <a:p>
             <a:fld id="{F5EBBE15-30AF-4EEE-8DDC-4C0214E8A496}" type="datetimeFigureOut">
               <a:rPr lang="en-US" smtClean="0"/>
-              <a:t>3/1/2024</a:t>
+              <a:t>7/11/2024</a:t>
             </a:fld>
             <a:endParaRPr lang="en-US"/>
           </a:p>
@@ -4789,7 +4874,7 @@
           <p:cNvPr id="8" name="Footer Placeholder 7">
             <a:extLst>
               <a:ext uri="{FF2B5EF4-FFF2-40B4-BE49-F238E27FC236}">
-                <a16:creationId xmlns="" xmlns:a16="http://schemas.microsoft.com/office/drawing/2014/main" id="{652F13C1-BD03-B0C2-15F9-F4C07298C122}"/>
+                <a16:creationId xmlns:a16="http://schemas.microsoft.com/office/drawing/2014/main" id="{652F13C1-BD03-B0C2-15F9-F4C07298C122}"/>
               </a:ext>
             </a:extLst>
           </p:cNvPr>
@@ -4814,7 +4899,7 @@
           <p:cNvPr id="9" name="Slide Number Placeholder 8">
             <a:extLst>
               <a:ext uri="{FF2B5EF4-FFF2-40B4-BE49-F238E27FC236}">
-                <a16:creationId xmlns="" xmlns:a16="http://schemas.microsoft.com/office/drawing/2014/main" id="{3F602EEF-1A6F-BA92-D779-6C1FE25DF9C2}"/>
+                <a16:creationId xmlns:a16="http://schemas.microsoft.com/office/drawing/2014/main" id="{3F602EEF-1A6F-BA92-D779-6C1FE25DF9C2}"/>
               </a:ext>
             </a:extLst>
           </p:cNvPr>
@@ -4873,7 +4958,7 @@
           <p:cNvPr id="2" name="Title 1">
             <a:extLst>
               <a:ext uri="{FF2B5EF4-FFF2-40B4-BE49-F238E27FC236}">
-                <a16:creationId xmlns="" xmlns:a16="http://schemas.microsoft.com/office/drawing/2014/main" id="{1754032E-5428-D96A-09B4-AD835FF7F4AB}"/>
+                <a16:creationId xmlns:a16="http://schemas.microsoft.com/office/drawing/2014/main" id="{1754032E-5428-D96A-09B4-AD835FF7F4AB}"/>
               </a:ext>
             </a:extLst>
           </p:cNvPr>
@@ -4901,7 +4986,7 @@
           <p:cNvPr id="3" name="Date Placeholder 2">
             <a:extLst>
               <a:ext uri="{FF2B5EF4-FFF2-40B4-BE49-F238E27FC236}">
-                <a16:creationId xmlns="" xmlns:a16="http://schemas.microsoft.com/office/drawing/2014/main" id="{92F4AB10-89D0-1060-8EB9-E90A145AE585}"/>
+                <a16:creationId xmlns:a16="http://schemas.microsoft.com/office/drawing/2014/main" id="{92F4AB10-89D0-1060-8EB9-E90A145AE585}"/>
               </a:ext>
             </a:extLst>
           </p:cNvPr>
@@ -4919,7 +5004,7 @@
           <a:p>
             <a:fld id="{F5EBBE15-30AF-4EEE-8DDC-4C0214E8A496}" type="datetimeFigureOut">
               <a:rPr lang="en-US" smtClean="0"/>
-              <a:t>3/1/2024</a:t>
+              <a:t>7/11/2024</a:t>
             </a:fld>
             <a:endParaRPr lang="en-US"/>
           </a:p>
@@ -4930,7 +5015,7 @@
           <p:cNvPr id="4" name="Footer Placeholder 3">
             <a:extLst>
               <a:ext uri="{FF2B5EF4-FFF2-40B4-BE49-F238E27FC236}">
-                <a16:creationId xmlns="" xmlns:a16="http://schemas.microsoft.com/office/drawing/2014/main" id="{F927103D-604A-8326-4D13-66C3B6B90363}"/>
+                <a16:creationId xmlns:a16="http://schemas.microsoft.com/office/drawing/2014/main" id="{F927103D-604A-8326-4D13-66C3B6B90363}"/>
               </a:ext>
             </a:extLst>
           </p:cNvPr>
@@ -4955,7 +5040,7 @@
           <p:cNvPr id="5" name="Slide Number Placeholder 4">
             <a:extLst>
               <a:ext uri="{FF2B5EF4-FFF2-40B4-BE49-F238E27FC236}">
-                <a16:creationId xmlns="" xmlns:a16="http://schemas.microsoft.com/office/drawing/2014/main" id="{55786865-F5F3-112C-FF73-55AC82C6FB05}"/>
+                <a16:creationId xmlns:a16="http://schemas.microsoft.com/office/drawing/2014/main" id="{55786865-F5F3-112C-FF73-55AC82C6FB05}"/>
               </a:ext>
             </a:extLst>
           </p:cNvPr>
@@ -5014,7 +5099,7 @@
           <p:cNvPr id="2" name="Date Placeholder 1">
             <a:extLst>
               <a:ext uri="{FF2B5EF4-FFF2-40B4-BE49-F238E27FC236}">
-                <a16:creationId xmlns="" xmlns:a16="http://schemas.microsoft.com/office/drawing/2014/main" id="{BAF2A987-BA5F-FC3C-91A0-331E8A5F5132}"/>
+                <a16:creationId xmlns:a16="http://schemas.microsoft.com/office/drawing/2014/main" id="{BAF2A987-BA5F-FC3C-91A0-331E8A5F5132}"/>
               </a:ext>
             </a:extLst>
           </p:cNvPr>
@@ -5032,7 +5117,7 @@
           <a:p>
             <a:fld id="{F5EBBE15-30AF-4EEE-8DDC-4C0214E8A496}" type="datetimeFigureOut">
               <a:rPr lang="en-US" smtClean="0"/>
-              <a:t>3/1/2024</a:t>
+              <a:t>7/11/2024</a:t>
             </a:fld>
             <a:endParaRPr lang="en-US"/>
           </a:p>
@@ -5043,7 +5128,7 @@
           <p:cNvPr id="3" name="Footer Placeholder 2">
             <a:extLst>
               <a:ext uri="{FF2B5EF4-FFF2-40B4-BE49-F238E27FC236}">
-                <a16:creationId xmlns="" xmlns:a16="http://schemas.microsoft.com/office/drawing/2014/main" id="{5257B6BA-3A4A-96B1-EC59-9402F89E845D}"/>
+                <a16:creationId xmlns:a16="http://schemas.microsoft.com/office/drawing/2014/main" id="{5257B6BA-3A4A-96B1-EC59-9402F89E845D}"/>
               </a:ext>
             </a:extLst>
           </p:cNvPr>
@@ -5068,7 +5153,7 @@
           <p:cNvPr id="4" name="Slide Number Placeholder 3">
             <a:extLst>
               <a:ext uri="{FF2B5EF4-FFF2-40B4-BE49-F238E27FC236}">
-                <a16:creationId xmlns="" xmlns:a16="http://schemas.microsoft.com/office/drawing/2014/main" id="{CB3EFD0C-0F5B-D4CD-C2FC-E4FFD67FEF5B}"/>
+                <a16:creationId xmlns:a16="http://schemas.microsoft.com/office/drawing/2014/main" id="{CB3EFD0C-0F5B-D4CD-C2FC-E4FFD67FEF5B}"/>
               </a:ext>
             </a:extLst>
           </p:cNvPr>
@@ -5127,7 +5212,7 @@
           <p:cNvPr id="2" name="Title 1">
             <a:extLst>
               <a:ext uri="{FF2B5EF4-FFF2-40B4-BE49-F238E27FC236}">
-                <a16:creationId xmlns="" xmlns:a16="http://schemas.microsoft.com/office/drawing/2014/main" id="{47827867-6E69-C5C3-3824-5FA71DDC276A}"/>
+                <a16:creationId xmlns:a16="http://schemas.microsoft.com/office/drawing/2014/main" id="{47827867-6E69-C5C3-3824-5FA71DDC276A}"/>
               </a:ext>
             </a:extLst>
           </p:cNvPr>
@@ -5164,7 +5249,7 @@
           <p:cNvPr id="3" name="Content Placeholder 2">
             <a:extLst>
               <a:ext uri="{FF2B5EF4-FFF2-40B4-BE49-F238E27FC236}">
-                <a16:creationId xmlns="" xmlns:a16="http://schemas.microsoft.com/office/drawing/2014/main" id="{6C96E23A-C4D1-CFF9-FC6B-0A0076FB731E}"/>
+                <a16:creationId xmlns:a16="http://schemas.microsoft.com/office/drawing/2014/main" id="{6C96E23A-C4D1-CFF9-FC6B-0A0076FB731E}"/>
               </a:ext>
             </a:extLst>
           </p:cNvPr>
@@ -5254,7 +5339,7 @@
           <p:cNvPr id="4" name="Text Placeholder 3">
             <a:extLst>
               <a:ext uri="{FF2B5EF4-FFF2-40B4-BE49-F238E27FC236}">
-                <a16:creationId xmlns="" xmlns:a16="http://schemas.microsoft.com/office/drawing/2014/main" id="{3D42B0E4-664E-ED4A-982F-E8ABAC43473F}"/>
+                <a16:creationId xmlns:a16="http://schemas.microsoft.com/office/drawing/2014/main" id="{3D42B0E4-664E-ED4A-982F-E8ABAC43473F}"/>
               </a:ext>
             </a:extLst>
           </p:cNvPr>
@@ -5325,7 +5410,7 @@
           <p:cNvPr id="5" name="Date Placeholder 4">
             <a:extLst>
               <a:ext uri="{FF2B5EF4-FFF2-40B4-BE49-F238E27FC236}">
-                <a16:creationId xmlns="" xmlns:a16="http://schemas.microsoft.com/office/drawing/2014/main" id="{E7353C23-920B-EFC8-574E-2972C1B40139}"/>
+                <a16:creationId xmlns:a16="http://schemas.microsoft.com/office/drawing/2014/main" id="{E7353C23-920B-EFC8-574E-2972C1B40139}"/>
               </a:ext>
             </a:extLst>
           </p:cNvPr>
@@ -5343,7 +5428,7 @@
           <a:p>
             <a:fld id="{F5EBBE15-30AF-4EEE-8DDC-4C0214E8A496}" type="datetimeFigureOut">
               <a:rPr lang="en-US" smtClean="0"/>
-              <a:t>3/1/2024</a:t>
+              <a:t>7/11/2024</a:t>
             </a:fld>
             <a:endParaRPr lang="en-US"/>
           </a:p>
@@ -5354,7 +5439,7 @@
           <p:cNvPr id="6" name="Footer Placeholder 5">
             <a:extLst>
               <a:ext uri="{FF2B5EF4-FFF2-40B4-BE49-F238E27FC236}">
-                <a16:creationId xmlns="" xmlns:a16="http://schemas.microsoft.com/office/drawing/2014/main" id="{ACA23DAD-2A40-1CD3-B51F-C7A3238D9368}"/>
+                <a16:creationId xmlns:a16="http://schemas.microsoft.com/office/drawing/2014/main" id="{ACA23DAD-2A40-1CD3-B51F-C7A3238D9368}"/>
               </a:ext>
             </a:extLst>
           </p:cNvPr>
@@ -5379,7 +5464,7 @@
           <p:cNvPr id="7" name="Slide Number Placeholder 6">
             <a:extLst>
               <a:ext uri="{FF2B5EF4-FFF2-40B4-BE49-F238E27FC236}">
-                <a16:creationId xmlns="" xmlns:a16="http://schemas.microsoft.com/office/drawing/2014/main" id="{5C36BDC6-F8CB-41C1-A6DC-9BCBB4DB14E2}"/>
+                <a16:creationId xmlns:a16="http://schemas.microsoft.com/office/drawing/2014/main" id="{5C36BDC6-F8CB-41C1-A6DC-9BCBB4DB14E2}"/>
               </a:ext>
             </a:extLst>
           </p:cNvPr>
@@ -5438,7 +5523,7 @@
           <p:cNvPr id="2" name="Title 1">
             <a:extLst>
               <a:ext uri="{FF2B5EF4-FFF2-40B4-BE49-F238E27FC236}">
-                <a16:creationId xmlns="" xmlns:a16="http://schemas.microsoft.com/office/drawing/2014/main" id="{666143B3-866C-CE9E-57C4-2ABD6A617392}"/>
+                <a16:creationId xmlns:a16="http://schemas.microsoft.com/office/drawing/2014/main" id="{666143B3-866C-CE9E-57C4-2ABD6A617392}"/>
               </a:ext>
             </a:extLst>
           </p:cNvPr>
@@ -5475,7 +5560,7 @@
           <p:cNvPr id="3" name="Picture Placeholder 2">
             <a:extLst>
               <a:ext uri="{FF2B5EF4-FFF2-40B4-BE49-F238E27FC236}">
-                <a16:creationId xmlns="" xmlns:a16="http://schemas.microsoft.com/office/drawing/2014/main" id="{1D1D44C9-AE4C-8361-39DD-FBFD796B92F8}"/>
+                <a16:creationId xmlns:a16="http://schemas.microsoft.com/office/drawing/2014/main" id="{1D1D44C9-AE4C-8361-39DD-FBFD796B92F8}"/>
               </a:ext>
             </a:extLst>
           </p:cNvPr>
@@ -5542,7 +5627,7 @@
           <p:cNvPr id="4" name="Text Placeholder 3">
             <a:extLst>
               <a:ext uri="{FF2B5EF4-FFF2-40B4-BE49-F238E27FC236}">
-                <a16:creationId xmlns="" xmlns:a16="http://schemas.microsoft.com/office/drawing/2014/main" id="{E3C00992-62BA-D1B8-FD1E-7C1671445C1E}"/>
+                <a16:creationId xmlns:a16="http://schemas.microsoft.com/office/drawing/2014/main" id="{E3C00992-62BA-D1B8-FD1E-7C1671445C1E}"/>
               </a:ext>
             </a:extLst>
           </p:cNvPr>
@@ -5613,7 +5698,7 @@
           <p:cNvPr id="5" name="Date Placeholder 4">
             <a:extLst>
               <a:ext uri="{FF2B5EF4-FFF2-40B4-BE49-F238E27FC236}">
-                <a16:creationId xmlns="" xmlns:a16="http://schemas.microsoft.com/office/drawing/2014/main" id="{DD084FEF-024F-2F7A-F770-111A2603F50C}"/>
+                <a16:creationId xmlns:a16="http://schemas.microsoft.com/office/drawing/2014/main" id="{DD084FEF-024F-2F7A-F770-111A2603F50C}"/>
               </a:ext>
             </a:extLst>
           </p:cNvPr>
@@ -5631,7 +5716,7 @@
           <a:p>
             <a:fld id="{F5EBBE15-30AF-4EEE-8DDC-4C0214E8A496}" type="datetimeFigureOut">
               <a:rPr lang="en-US" smtClean="0"/>
-              <a:t>3/1/2024</a:t>
+              <a:t>7/11/2024</a:t>
             </a:fld>
             <a:endParaRPr lang="en-US"/>
           </a:p>
@@ -5642,7 +5727,7 @@
           <p:cNvPr id="6" name="Footer Placeholder 5">
             <a:extLst>
               <a:ext uri="{FF2B5EF4-FFF2-40B4-BE49-F238E27FC236}">
-                <a16:creationId xmlns="" xmlns:a16="http://schemas.microsoft.com/office/drawing/2014/main" id="{C35021E4-8401-CB40-6ED9-091B61B6B784}"/>
+                <a16:creationId xmlns:a16="http://schemas.microsoft.com/office/drawing/2014/main" id="{C35021E4-8401-CB40-6ED9-091B61B6B784}"/>
               </a:ext>
             </a:extLst>
           </p:cNvPr>
@@ -5667,7 +5752,7 @@
           <p:cNvPr id="7" name="Slide Number Placeholder 6">
             <a:extLst>
               <a:ext uri="{FF2B5EF4-FFF2-40B4-BE49-F238E27FC236}">
-                <a16:creationId xmlns="" xmlns:a16="http://schemas.microsoft.com/office/drawing/2014/main" id="{4DE1C97C-0537-CB5E-2525-62A40FC3515D}"/>
+                <a16:creationId xmlns:a16="http://schemas.microsoft.com/office/drawing/2014/main" id="{4DE1C97C-0537-CB5E-2525-62A40FC3515D}"/>
               </a:ext>
             </a:extLst>
           </p:cNvPr>
@@ -5736,7 +5821,7 @@
           <p:cNvPr id="2" name="Title Placeholder 1">
             <a:extLst>
               <a:ext uri="{FF2B5EF4-FFF2-40B4-BE49-F238E27FC236}">
-                <a16:creationId xmlns="" xmlns:a16="http://schemas.microsoft.com/office/drawing/2014/main" id="{389FE19F-23FF-6D2D-2077-B4B4970A516A}"/>
+                <a16:creationId xmlns:a16="http://schemas.microsoft.com/office/drawing/2014/main" id="{389FE19F-23FF-6D2D-2077-B4B4970A516A}"/>
               </a:ext>
             </a:extLst>
           </p:cNvPr>
@@ -5774,7 +5859,7 @@
           <p:cNvPr id="3" name="Text Placeholder 2">
             <a:extLst>
               <a:ext uri="{FF2B5EF4-FFF2-40B4-BE49-F238E27FC236}">
-                <a16:creationId xmlns="" xmlns:a16="http://schemas.microsoft.com/office/drawing/2014/main" id="{17BD6C38-E28E-43E6-5CFF-680F3DF8FEE8}"/>
+                <a16:creationId xmlns:a16="http://schemas.microsoft.com/office/drawing/2014/main" id="{17BD6C38-E28E-43E6-5CFF-680F3DF8FEE8}"/>
               </a:ext>
             </a:extLst>
           </p:cNvPr>
@@ -5841,7 +5926,7 @@
           <p:cNvPr id="4" name="Date Placeholder 3">
             <a:extLst>
               <a:ext uri="{FF2B5EF4-FFF2-40B4-BE49-F238E27FC236}">
-                <a16:creationId xmlns="" xmlns:a16="http://schemas.microsoft.com/office/drawing/2014/main" id="{ADC28F68-A5C2-F417-61B1-7AA066F854F2}"/>
+                <a16:creationId xmlns:a16="http://schemas.microsoft.com/office/drawing/2014/main" id="{ADC28F68-A5C2-F417-61B1-7AA066F854F2}"/>
               </a:ext>
             </a:extLst>
           </p:cNvPr>
@@ -5877,7 +5962,7 @@
           <a:p>
             <a:fld id="{F5EBBE15-30AF-4EEE-8DDC-4C0214E8A496}" type="datetimeFigureOut">
               <a:rPr lang="en-US" smtClean="0"/>
-              <a:t>3/1/2024</a:t>
+              <a:t>7/11/2024</a:t>
             </a:fld>
             <a:endParaRPr lang="en-US"/>
           </a:p>
@@ -5888,7 +5973,7 @@
           <p:cNvPr id="5" name="Footer Placeholder 4">
             <a:extLst>
               <a:ext uri="{FF2B5EF4-FFF2-40B4-BE49-F238E27FC236}">
-                <a16:creationId xmlns="" xmlns:a16="http://schemas.microsoft.com/office/drawing/2014/main" id="{30B3A50C-8BB7-741A-3075-CA91E3329FC4}"/>
+                <a16:creationId xmlns:a16="http://schemas.microsoft.com/office/drawing/2014/main" id="{30B3A50C-8BB7-741A-3075-CA91E3329FC4}"/>
               </a:ext>
             </a:extLst>
           </p:cNvPr>
@@ -5931,7 +6016,7 @@
           <p:cNvPr id="6" name="Slide Number Placeholder 5">
             <a:extLst>
               <a:ext uri="{FF2B5EF4-FFF2-40B4-BE49-F238E27FC236}">
-                <a16:creationId xmlns="" xmlns:a16="http://schemas.microsoft.com/office/drawing/2014/main" id="{70411F17-8C35-E9E7-5E3E-55635A59B544}"/>
+                <a16:creationId xmlns:a16="http://schemas.microsoft.com/office/drawing/2014/main" id="{70411F17-8C35-E9E7-5E3E-55635A59B544}"/>
               </a:ext>
             </a:extLst>
           </p:cNvPr>
@@ -6299,7 +6384,7 @@
           <p:cNvPr id="5" name="Oval 4">
             <a:extLst>
               <a:ext uri="{FF2B5EF4-FFF2-40B4-BE49-F238E27FC236}">
-                <a16:creationId xmlns="" xmlns:a16="http://schemas.microsoft.com/office/drawing/2014/main" id="{4F801911-7829-16D0-44D0-89F4F513D379}"/>
+                <a16:creationId xmlns:a16="http://schemas.microsoft.com/office/drawing/2014/main" id="{4F801911-7829-16D0-44D0-89F4F513D379}"/>
               </a:ext>
             </a:extLst>
           </p:cNvPr>
@@ -6358,7 +6443,7 @@
           <p:cNvPr id="6" name="Title 1">
             <a:extLst>
               <a:ext uri="{FF2B5EF4-FFF2-40B4-BE49-F238E27FC236}">
-                <a16:creationId xmlns="" xmlns:a16="http://schemas.microsoft.com/office/drawing/2014/main" id="{1E2A994F-928A-212C-0BAF-68E46340BD21}"/>
+                <a16:creationId xmlns:a16="http://schemas.microsoft.com/office/drawing/2014/main" id="{1E2A994F-928A-212C-0BAF-68E46340BD21}"/>
               </a:ext>
             </a:extLst>
           </p:cNvPr>
@@ -6422,7 +6507,7 @@
           <p:cNvPr id="7" name="Left Brace 6">
             <a:extLst>
               <a:ext uri="{FF2B5EF4-FFF2-40B4-BE49-F238E27FC236}">
-                <a16:creationId xmlns="" xmlns:a16="http://schemas.microsoft.com/office/drawing/2014/main" id="{5F036580-DFBF-B536-279A-454E8C09F609}"/>
+                <a16:creationId xmlns:a16="http://schemas.microsoft.com/office/drawing/2014/main" id="{5F036580-DFBF-B536-279A-454E8C09F609}"/>
               </a:ext>
             </a:extLst>
           </p:cNvPr>
@@ -6474,7 +6559,7 @@
           <p:cNvPr id="8" name="Title 1">
             <a:extLst>
               <a:ext uri="{FF2B5EF4-FFF2-40B4-BE49-F238E27FC236}">
-                <a16:creationId xmlns="" xmlns:a16="http://schemas.microsoft.com/office/drawing/2014/main" id="{A683EDE9-2EEA-06C7-05BE-F569703537B6}"/>
+                <a16:creationId xmlns:a16="http://schemas.microsoft.com/office/drawing/2014/main" id="{A683EDE9-2EEA-06C7-05BE-F569703537B6}"/>
               </a:ext>
             </a:extLst>
           </p:cNvPr>
@@ -6538,7 +6623,7 @@
           <p:cNvPr id="9" name="Left Brace 8">
             <a:extLst>
               <a:ext uri="{FF2B5EF4-FFF2-40B4-BE49-F238E27FC236}">
-                <a16:creationId xmlns="" xmlns:a16="http://schemas.microsoft.com/office/drawing/2014/main" id="{6BEA1532-1192-E8B1-AEB5-C102E1CFF732}"/>
+                <a16:creationId xmlns:a16="http://schemas.microsoft.com/office/drawing/2014/main" id="{6BEA1532-1192-E8B1-AEB5-C102E1CFF732}"/>
               </a:ext>
             </a:extLst>
           </p:cNvPr>
@@ -6586,7 +6671,7 @@
           <p:cNvPr id="10" name="Title 1">
             <a:extLst>
               <a:ext uri="{FF2B5EF4-FFF2-40B4-BE49-F238E27FC236}">
-                <a16:creationId xmlns="" xmlns:a16="http://schemas.microsoft.com/office/drawing/2014/main" id="{9525B7F4-671E-5F22-9AD9-F1846921361B}"/>
+                <a16:creationId xmlns:a16="http://schemas.microsoft.com/office/drawing/2014/main" id="{9525B7F4-671E-5F22-9AD9-F1846921361B}"/>
               </a:ext>
             </a:extLst>
           </p:cNvPr>
@@ -6650,7 +6735,7 @@
           <p:cNvPr id="11" name="Straight Connector 10">
             <a:extLst>
               <a:ext uri="{FF2B5EF4-FFF2-40B4-BE49-F238E27FC236}">
-                <a16:creationId xmlns="" xmlns:a16="http://schemas.microsoft.com/office/drawing/2014/main" id="{97E56BAF-E028-5F10-9E24-BD729590F1C4}"/>
+                <a16:creationId xmlns:a16="http://schemas.microsoft.com/office/drawing/2014/main" id="{97E56BAF-E028-5F10-9E24-BD729590F1C4}"/>
               </a:ext>
             </a:extLst>
           </p:cNvPr>
@@ -6693,7 +6778,7 @@
           <p:cNvPr id="12" name="Straight Connector 11">
             <a:extLst>
               <a:ext uri="{FF2B5EF4-FFF2-40B4-BE49-F238E27FC236}">
-                <a16:creationId xmlns="" xmlns:a16="http://schemas.microsoft.com/office/drawing/2014/main" id="{69F58FB1-A8A0-C676-1917-12379C629718}"/>
+                <a16:creationId xmlns:a16="http://schemas.microsoft.com/office/drawing/2014/main" id="{69F58FB1-A8A0-C676-1917-12379C629718}"/>
               </a:ext>
             </a:extLst>
           </p:cNvPr>
@@ -6736,7 +6821,7 @@
           <p:cNvPr id="13" name="Oval 12">
             <a:extLst>
               <a:ext uri="{FF2B5EF4-FFF2-40B4-BE49-F238E27FC236}">
-                <a16:creationId xmlns="" xmlns:a16="http://schemas.microsoft.com/office/drawing/2014/main" id="{683AD297-DE8B-B207-5653-F646E00DF9C7}"/>
+                <a16:creationId xmlns:a16="http://schemas.microsoft.com/office/drawing/2014/main" id="{683AD297-DE8B-B207-5653-F646E00DF9C7}"/>
               </a:ext>
             </a:extLst>
           </p:cNvPr>
@@ -6785,7 +6870,7 @@
           <p:cNvPr id="14" name="Oval 13">
             <a:extLst>
               <a:ext uri="{FF2B5EF4-FFF2-40B4-BE49-F238E27FC236}">
-                <a16:creationId xmlns="" xmlns:a16="http://schemas.microsoft.com/office/drawing/2014/main" id="{C7F668ED-3BA4-AFBE-8A6B-C471BF98CC68}"/>
+                <a16:creationId xmlns:a16="http://schemas.microsoft.com/office/drawing/2014/main" id="{C7F668ED-3BA4-AFBE-8A6B-C471BF98CC68}"/>
               </a:ext>
             </a:extLst>
           </p:cNvPr>
@@ -6834,7 +6919,7 @@
           <p:cNvPr id="15" name="Straight Connector 14">
             <a:extLst>
               <a:ext uri="{FF2B5EF4-FFF2-40B4-BE49-F238E27FC236}">
-                <a16:creationId xmlns="" xmlns:a16="http://schemas.microsoft.com/office/drawing/2014/main" id="{47EFC769-C536-1FE0-C304-EC2D749E32EC}"/>
+                <a16:creationId xmlns:a16="http://schemas.microsoft.com/office/drawing/2014/main" id="{47EFC769-C536-1FE0-C304-EC2D749E32EC}"/>
               </a:ext>
             </a:extLst>
           </p:cNvPr>
@@ -6877,7 +6962,7 @@
           <p:cNvPr id="16" name="Oval 15">
             <a:extLst>
               <a:ext uri="{FF2B5EF4-FFF2-40B4-BE49-F238E27FC236}">
-                <a16:creationId xmlns="" xmlns:a16="http://schemas.microsoft.com/office/drawing/2014/main" id="{38D59040-478E-1F78-F7F6-404AC5B88784}"/>
+                <a16:creationId xmlns:a16="http://schemas.microsoft.com/office/drawing/2014/main" id="{38D59040-478E-1F78-F7F6-404AC5B88784}"/>
               </a:ext>
             </a:extLst>
           </p:cNvPr>
@@ -6926,7 +7011,7 @@
           <p:cNvPr id="17" name="Straight Connector 16">
             <a:extLst>
               <a:ext uri="{FF2B5EF4-FFF2-40B4-BE49-F238E27FC236}">
-                <a16:creationId xmlns="" xmlns:a16="http://schemas.microsoft.com/office/drawing/2014/main" id="{EA363FD5-C933-451F-54B6-B44308C34044}"/>
+                <a16:creationId xmlns:a16="http://schemas.microsoft.com/office/drawing/2014/main" id="{EA363FD5-C933-451F-54B6-B44308C34044}"/>
               </a:ext>
             </a:extLst>
           </p:cNvPr>
@@ -6969,7 +7054,7 @@
           <p:cNvPr id="18" name="Oval 17">
             <a:extLst>
               <a:ext uri="{FF2B5EF4-FFF2-40B4-BE49-F238E27FC236}">
-                <a16:creationId xmlns="" xmlns:a16="http://schemas.microsoft.com/office/drawing/2014/main" id="{732F5460-CBFB-009F-6776-47434B5AC9AC}"/>
+                <a16:creationId xmlns:a16="http://schemas.microsoft.com/office/drawing/2014/main" id="{732F5460-CBFB-009F-6776-47434B5AC9AC}"/>
               </a:ext>
             </a:extLst>
           </p:cNvPr>
@@ -7018,7 +7103,7 @@
           <p:cNvPr id="19" name="Straight Connector 18">
             <a:extLst>
               <a:ext uri="{FF2B5EF4-FFF2-40B4-BE49-F238E27FC236}">
-                <a16:creationId xmlns="" xmlns:a16="http://schemas.microsoft.com/office/drawing/2014/main" id="{54BC3282-FF9D-1BD9-5893-A771FC159C1C}"/>
+                <a16:creationId xmlns:a16="http://schemas.microsoft.com/office/drawing/2014/main" id="{54BC3282-FF9D-1BD9-5893-A771FC159C1C}"/>
               </a:ext>
             </a:extLst>
           </p:cNvPr>
@@ -7061,7 +7146,7 @@
           <p:cNvPr id="20" name="Oval 19">
             <a:extLst>
               <a:ext uri="{FF2B5EF4-FFF2-40B4-BE49-F238E27FC236}">
-                <a16:creationId xmlns="" xmlns:a16="http://schemas.microsoft.com/office/drawing/2014/main" id="{9A794018-5F47-2E2D-4C78-9EBD280AE809}"/>
+                <a16:creationId xmlns:a16="http://schemas.microsoft.com/office/drawing/2014/main" id="{9A794018-5F47-2E2D-4C78-9EBD280AE809}"/>
               </a:ext>
             </a:extLst>
           </p:cNvPr>
@@ -7110,7 +7195,7 @@
           <p:cNvPr id="21" name="Title 1">
             <a:extLst>
               <a:ext uri="{FF2B5EF4-FFF2-40B4-BE49-F238E27FC236}">
-                <a16:creationId xmlns="" xmlns:a16="http://schemas.microsoft.com/office/drawing/2014/main" id="{867ABCD9-9149-888C-8D5D-2FB8096B9F16}"/>
+                <a16:creationId xmlns:a16="http://schemas.microsoft.com/office/drawing/2014/main" id="{867ABCD9-9149-888C-8D5D-2FB8096B9F16}"/>
               </a:ext>
             </a:extLst>
           </p:cNvPr>
@@ -7174,7 +7259,7 @@
           <p:cNvPr id="22" name="Title 1">
             <a:extLst>
               <a:ext uri="{FF2B5EF4-FFF2-40B4-BE49-F238E27FC236}">
-                <a16:creationId xmlns="" xmlns:a16="http://schemas.microsoft.com/office/drawing/2014/main" id="{185ACF9A-0383-7F0F-A88D-813ACBBE4CD6}"/>
+                <a16:creationId xmlns:a16="http://schemas.microsoft.com/office/drawing/2014/main" id="{185ACF9A-0383-7F0F-A88D-813ACBBE4CD6}"/>
               </a:ext>
             </a:extLst>
           </p:cNvPr>
@@ -7238,7 +7323,7 @@
           <p:cNvPr id="23" name="Straight Connector 22">
             <a:extLst>
               <a:ext uri="{FF2B5EF4-FFF2-40B4-BE49-F238E27FC236}">
-                <a16:creationId xmlns="" xmlns:a16="http://schemas.microsoft.com/office/drawing/2014/main" id="{BBD24FDC-37B5-454F-CA5F-EA3EA570B939}"/>
+                <a16:creationId xmlns:a16="http://schemas.microsoft.com/office/drawing/2014/main" id="{BBD24FDC-37B5-454F-CA5F-EA3EA570B939}"/>
               </a:ext>
             </a:extLst>
           </p:cNvPr>
@@ -7281,7 +7366,7 @@
           <p:cNvPr id="24" name="Left Brace 23">
             <a:extLst>
               <a:ext uri="{FF2B5EF4-FFF2-40B4-BE49-F238E27FC236}">
-                <a16:creationId xmlns="" xmlns:a16="http://schemas.microsoft.com/office/drawing/2014/main" id="{7F3CFFF7-CBDA-F11C-5B31-E26671A9C2F7}"/>
+                <a16:creationId xmlns:a16="http://schemas.microsoft.com/office/drawing/2014/main" id="{7F3CFFF7-CBDA-F11C-5B31-E26671A9C2F7}"/>
               </a:ext>
             </a:extLst>
           </p:cNvPr>
@@ -7329,7 +7414,7 @@
           <p:cNvPr id="25" name="Left Brace 24">
             <a:extLst>
               <a:ext uri="{FF2B5EF4-FFF2-40B4-BE49-F238E27FC236}">
-                <a16:creationId xmlns="" xmlns:a16="http://schemas.microsoft.com/office/drawing/2014/main" id="{755F76D7-F7DB-789C-E23A-B0AB047493AF}"/>
+                <a16:creationId xmlns:a16="http://schemas.microsoft.com/office/drawing/2014/main" id="{755F76D7-F7DB-789C-E23A-B0AB047493AF}"/>
               </a:ext>
             </a:extLst>
           </p:cNvPr>
@@ -7377,7 +7462,7 @@
           <p:cNvPr id="26" name="Oval 25">
             <a:extLst>
               <a:ext uri="{FF2B5EF4-FFF2-40B4-BE49-F238E27FC236}">
-                <a16:creationId xmlns="" xmlns:a16="http://schemas.microsoft.com/office/drawing/2014/main" id="{6D7BBEFD-D8A9-1FA2-1FA1-8CE13869D346}"/>
+                <a16:creationId xmlns:a16="http://schemas.microsoft.com/office/drawing/2014/main" id="{6D7BBEFD-D8A9-1FA2-1FA1-8CE13869D346}"/>
               </a:ext>
             </a:extLst>
           </p:cNvPr>
@@ -7426,7 +7511,7 @@
           <p:cNvPr id="27" name="Title 1">
             <a:extLst>
               <a:ext uri="{FF2B5EF4-FFF2-40B4-BE49-F238E27FC236}">
-                <a16:creationId xmlns="" xmlns:a16="http://schemas.microsoft.com/office/drawing/2014/main" id="{4E4C0FBD-858D-D29E-954C-33FDB512842E}"/>
+                <a16:creationId xmlns:a16="http://schemas.microsoft.com/office/drawing/2014/main" id="{4E4C0FBD-858D-D29E-954C-33FDB512842E}"/>
               </a:ext>
             </a:extLst>
           </p:cNvPr>
@@ -8321,7 +8406,7 @@
           <p:cNvPr id="7" name="TextBox 6">
             <a:extLst>
               <a:ext uri="{FF2B5EF4-FFF2-40B4-BE49-F238E27FC236}">
-                <a16:creationId xmlns="" xmlns:a16="http://schemas.microsoft.com/office/drawing/2014/main" id="{2EC38396-047C-A9EC-1F4A-ED502D0EE4A4}"/>
+                <a16:creationId xmlns:a16="http://schemas.microsoft.com/office/drawing/2014/main" id="{2EC38396-047C-A9EC-1F4A-ED502D0EE4A4}"/>
               </a:ext>
             </a:extLst>
           </p:cNvPr>
@@ -8436,7 +8521,7 @@
           <p:cNvPr id="8" name="Freeform: Shape 7">
             <a:extLst>
               <a:ext uri="{FF2B5EF4-FFF2-40B4-BE49-F238E27FC236}">
-                <a16:creationId xmlns="" xmlns:a16="http://schemas.microsoft.com/office/drawing/2014/main" id="{49853548-77FC-5D8C-D61B-73C83A3FA390}"/>
+                <a16:creationId xmlns:a16="http://schemas.microsoft.com/office/drawing/2014/main" id="{49853548-77FC-5D8C-D61B-73C83A3FA390}"/>
               </a:ext>
             </a:extLst>
           </p:cNvPr>
@@ -9028,7 +9113,7 @@
           <p:cNvPr id="2" name="Title 1">
             <a:extLst>
               <a:ext uri="{FF2B5EF4-FFF2-40B4-BE49-F238E27FC236}">
-                <a16:creationId xmlns="" xmlns:a16="http://schemas.microsoft.com/office/drawing/2014/main" id="{58621D17-6209-E557-E64D-DFD285923DE5}"/>
+                <a16:creationId xmlns:a16="http://schemas.microsoft.com/office/drawing/2014/main" id="{58621D17-6209-E557-E64D-DFD285923DE5}"/>
               </a:ext>
             </a:extLst>
           </p:cNvPr>
@@ -9161,7 +9246,7 @@
           <p:cNvPr id="5" name="Group 4">
             <a:extLst>
               <a:ext uri="{FF2B5EF4-FFF2-40B4-BE49-F238E27FC236}">
-                <a16:creationId xmlns="" xmlns:a16="http://schemas.microsoft.com/office/drawing/2014/main" id="{B536D161-B07B-AD45-378B-70909656780F}"/>
+                <a16:creationId xmlns:a16="http://schemas.microsoft.com/office/drawing/2014/main" id="{B536D161-B07B-AD45-378B-70909656780F}"/>
               </a:ext>
             </a:extLst>
           </p:cNvPr>
@@ -9181,7 +9266,7 @@
             <p:cNvPr id="11" name="Content Placeholder 2">
               <a:extLst>
                 <a:ext uri="{FF2B5EF4-FFF2-40B4-BE49-F238E27FC236}">
-                  <a16:creationId xmlns="" xmlns:a16="http://schemas.microsoft.com/office/drawing/2014/main" id="{55E6F3D3-09D3-06FA-F791-13B8FB066D50}"/>
+                  <a16:creationId xmlns:a16="http://schemas.microsoft.com/office/drawing/2014/main" id="{55E6F3D3-09D3-06FA-F791-13B8FB066D50}"/>
                 </a:ext>
               </a:extLst>
             </p:cNvPr>
@@ -9476,7 +9561,7 @@
             <p:cNvPr id="12" name="Content Placeholder 2">
               <a:extLst>
                 <a:ext uri="{FF2B5EF4-FFF2-40B4-BE49-F238E27FC236}">
-                  <a16:creationId xmlns="" xmlns:a16="http://schemas.microsoft.com/office/drawing/2014/main" id="{83A7D6D8-B2F9-4856-0C3B-B3ED5FA4F71F}"/>
+                  <a16:creationId xmlns:a16="http://schemas.microsoft.com/office/drawing/2014/main" id="{83A7D6D8-B2F9-4856-0C3B-B3ED5FA4F71F}"/>
                 </a:ext>
               </a:extLst>
             </p:cNvPr>
@@ -9759,7 +9844,7 @@
             <p:cNvPr id="13" name="Content Placeholder 2">
               <a:extLst>
                 <a:ext uri="{FF2B5EF4-FFF2-40B4-BE49-F238E27FC236}">
-                  <a16:creationId xmlns="" xmlns:a16="http://schemas.microsoft.com/office/drawing/2014/main" id="{EAF35551-B48C-90FD-3E3C-7E7A7D1725DD}"/>
+                  <a16:creationId xmlns:a16="http://schemas.microsoft.com/office/drawing/2014/main" id="{EAF35551-B48C-90FD-3E3C-7E7A7D1725DD}"/>
                 </a:ext>
               </a:extLst>
             </p:cNvPr>
@@ -10013,7 +10098,7 @@
             <p:cNvPr id="15" name="Straight Connector 14">
               <a:extLst>
                 <a:ext uri="{FF2B5EF4-FFF2-40B4-BE49-F238E27FC236}">
-                  <a16:creationId xmlns="" xmlns:a16="http://schemas.microsoft.com/office/drawing/2014/main" id="{74663C80-958A-FEEE-A61C-13EF1DD4BA77}"/>
+                  <a16:creationId xmlns:a16="http://schemas.microsoft.com/office/drawing/2014/main" id="{74663C80-958A-FEEE-A61C-13EF1DD4BA77}"/>
                 </a:ext>
               </a:extLst>
             </p:cNvPr>
@@ -10051,7 +10136,7 @@
           <p:cNvPr id="14" name="Group 13">
             <a:extLst>
               <a:ext uri="{FF2B5EF4-FFF2-40B4-BE49-F238E27FC236}">
-                <a16:creationId xmlns="" xmlns:a16="http://schemas.microsoft.com/office/drawing/2014/main" id="{8DDE76B3-9E5F-34FE-76FE-6ABB7B2D7AE8}"/>
+                <a16:creationId xmlns:a16="http://schemas.microsoft.com/office/drawing/2014/main" id="{8DDE76B3-9E5F-34FE-76FE-6ABB7B2D7AE8}"/>
               </a:ext>
             </a:extLst>
           </p:cNvPr>
@@ -10071,7 +10156,7 @@
             <p:cNvPr id="3" name="Group 2">
               <a:extLst>
                 <a:ext uri="{FF2B5EF4-FFF2-40B4-BE49-F238E27FC236}">
-                  <a16:creationId xmlns="" xmlns:a16="http://schemas.microsoft.com/office/drawing/2014/main" id="{38133A74-87A4-4AB8-8D3C-242893308BAF}"/>
+                  <a16:creationId xmlns:a16="http://schemas.microsoft.com/office/drawing/2014/main" id="{38133A74-87A4-4AB8-8D3C-242893308BAF}"/>
                 </a:ext>
               </a:extLst>
             </p:cNvPr>
@@ -10091,7 +10176,7 @@
               <p:cNvPr id="4" name="Content Placeholder 2">
                 <a:extLst>
                   <a:ext uri="{FF2B5EF4-FFF2-40B4-BE49-F238E27FC236}">
-                    <a16:creationId xmlns="" xmlns:a16="http://schemas.microsoft.com/office/drawing/2014/main" id="{6137C534-1890-51BF-1643-830A22CC27D7}"/>
+                    <a16:creationId xmlns:a16="http://schemas.microsoft.com/office/drawing/2014/main" id="{6137C534-1890-51BF-1643-830A22CC27D7}"/>
                   </a:ext>
                 </a:extLst>
               </p:cNvPr>
@@ -10404,7 +10489,7 @@
               <p:cNvPr id="6" name="Content Placeholder 2">
                 <a:extLst>
                   <a:ext uri="{FF2B5EF4-FFF2-40B4-BE49-F238E27FC236}">
-                    <a16:creationId xmlns="" xmlns:a16="http://schemas.microsoft.com/office/drawing/2014/main" id="{F7F01427-7230-FB80-4C3F-9C09F4C6188F}"/>
+                    <a16:creationId xmlns:a16="http://schemas.microsoft.com/office/drawing/2014/main" id="{F7F01427-7230-FB80-4C3F-9C09F4C6188F}"/>
                   </a:ext>
                 </a:extLst>
               </p:cNvPr>
@@ -10698,7 +10783,7 @@
             <p:cNvPr id="9" name="Content Placeholder 2">
               <a:extLst>
                 <a:ext uri="{FF2B5EF4-FFF2-40B4-BE49-F238E27FC236}">
-                  <a16:creationId xmlns="" xmlns:a16="http://schemas.microsoft.com/office/drawing/2014/main" id="{C8B5455E-00EF-21DA-EBF8-6320E0AB7F8D}"/>
+                  <a16:creationId xmlns:a16="http://schemas.microsoft.com/office/drawing/2014/main" id="{C8B5455E-00EF-21DA-EBF8-6320E0AB7F8D}"/>
                 </a:ext>
               </a:extLst>
             </p:cNvPr>
@@ -10952,7 +11037,7 @@
             <p:cNvPr id="10" name="Straight Connector 9">
               <a:extLst>
                 <a:ext uri="{FF2B5EF4-FFF2-40B4-BE49-F238E27FC236}">
-                  <a16:creationId xmlns="" xmlns:a16="http://schemas.microsoft.com/office/drawing/2014/main" id="{4A5A691B-FCFC-D473-0A9F-BA77437A27FA}"/>
+                  <a16:creationId xmlns:a16="http://schemas.microsoft.com/office/drawing/2014/main" id="{4A5A691B-FCFC-D473-0A9F-BA77437A27FA}"/>
                 </a:ext>
               </a:extLst>
             </p:cNvPr>
@@ -10995,13 +11080,13 @@
   <p:clrMapOvr>
     <a:masterClrMapping/>
   </p:clrMapOvr>
-  <mc:AlternateContent xmlns:mc="http://schemas.openxmlformats.org/markup-compatibility/2006">
-    <mc:Choice xmlns="" xmlns:p159="http://schemas.microsoft.com/office/powerpoint/2015/09/main" Requires="p159">
+  <mc:AlternateContent xmlns:mc="http://schemas.openxmlformats.org/markup-compatibility/2006" xmlns:p159="http://schemas.microsoft.com/office/powerpoint/2015/09/main">
+    <mc:Choice Requires="p159">
       <p:transition xmlns:p14="http://schemas.microsoft.com/office/powerpoint/2010/main" spd="slow" p14:dur="2000" advClick="0" advTm="9000">
         <p159:morph option="byObject"/>
       </p:transition>
     </mc:Choice>
-    <mc:Fallback>
+    <mc:Fallback xmlns="">
       <p:transition spd="slow" advClick="0" advTm="9000">
         <p:fade/>
       </p:transition>
@@ -11121,7 +11206,7 @@
           <p:cNvPr id="2" name="Title 1">
             <a:extLst>
               <a:ext uri="{FF2B5EF4-FFF2-40B4-BE49-F238E27FC236}">
-                <a16:creationId xmlns="" xmlns:a16="http://schemas.microsoft.com/office/drawing/2014/main" id="{211C905C-6988-7188-FC83-2DF608548D7F}"/>
+                <a16:creationId xmlns:a16="http://schemas.microsoft.com/office/drawing/2014/main" id="{211C905C-6988-7188-FC83-2DF608548D7F}"/>
               </a:ext>
             </a:extLst>
           </p:cNvPr>
@@ -11252,7 +11337,7 @@
           <p:cNvPr id="3" name="TextBox 2">
             <a:extLst>
               <a:ext uri="{FF2B5EF4-FFF2-40B4-BE49-F238E27FC236}">
-                <a16:creationId xmlns="" xmlns:a16="http://schemas.microsoft.com/office/drawing/2014/main" id="{47FB513B-C8F1-C5B4-34C6-F22A900EC58C}"/>
+                <a16:creationId xmlns:a16="http://schemas.microsoft.com/office/drawing/2014/main" id="{47FB513B-C8F1-C5B4-34C6-F22A900EC58C}"/>
               </a:ext>
             </a:extLst>
           </p:cNvPr>
@@ -11367,7 +11452,7 @@
           <p:cNvPr id="4" name="Freeform: Shape 7">
             <a:extLst>
               <a:ext uri="{FF2B5EF4-FFF2-40B4-BE49-F238E27FC236}">
-                <a16:creationId xmlns="" xmlns:a16="http://schemas.microsoft.com/office/drawing/2014/main" id="{D364AACC-1806-B5AA-7C5A-DEDE0823D72E}"/>
+                <a16:creationId xmlns:a16="http://schemas.microsoft.com/office/drawing/2014/main" id="{D364AACC-1806-B5AA-7C5A-DEDE0823D72E}"/>
               </a:ext>
             </a:extLst>
           </p:cNvPr>
@@ -11959,7 +12044,7 @@
           <p:cNvPr id="11" name="TextBox 10">
             <a:extLst>
               <a:ext uri="{FF2B5EF4-FFF2-40B4-BE49-F238E27FC236}">
-                <a16:creationId xmlns="" xmlns:a16="http://schemas.microsoft.com/office/drawing/2014/main" id="{BA2D467B-84EC-7AF4-5374-401E6112E79A}"/>
+                <a16:creationId xmlns:a16="http://schemas.microsoft.com/office/drawing/2014/main" id="{BA2D467B-84EC-7AF4-5374-401E6112E79A}"/>
               </a:ext>
             </a:extLst>
           </p:cNvPr>
@@ -12081,7 +12166,7 @@
           <p:cNvPr id="17" name="Group 16">
             <a:extLst>
               <a:ext uri="{FF2B5EF4-FFF2-40B4-BE49-F238E27FC236}">
-                <a16:creationId xmlns="" xmlns:a16="http://schemas.microsoft.com/office/drawing/2014/main" id="{2BBAAC48-A864-354A-7E5A-30049B984326}"/>
+                <a16:creationId xmlns:a16="http://schemas.microsoft.com/office/drawing/2014/main" id="{2BBAAC48-A864-354A-7E5A-30049B984326}"/>
               </a:ext>
             </a:extLst>
           </p:cNvPr>
@@ -12101,7 +12186,7 @@
             <p:cNvPr id="18" name="Group 17">
               <a:extLst>
                 <a:ext uri="{FF2B5EF4-FFF2-40B4-BE49-F238E27FC236}">
-                  <a16:creationId xmlns="" xmlns:a16="http://schemas.microsoft.com/office/drawing/2014/main" id="{1D8B6F7E-49AD-8467-7399-9020D9089D5B}"/>
+                  <a16:creationId xmlns:a16="http://schemas.microsoft.com/office/drawing/2014/main" id="{1D8B6F7E-49AD-8467-7399-9020D9089D5B}"/>
                 </a:ext>
               </a:extLst>
             </p:cNvPr>
@@ -12121,7 +12206,7 @@
               <p:cNvPr id="21" name="Content Placeholder 2">
                 <a:extLst>
                   <a:ext uri="{FF2B5EF4-FFF2-40B4-BE49-F238E27FC236}">
-                    <a16:creationId xmlns="" xmlns:a16="http://schemas.microsoft.com/office/drawing/2014/main" id="{7D6E6D0E-843B-6E26-9909-59D7AF0F58EB}"/>
+                    <a16:creationId xmlns:a16="http://schemas.microsoft.com/office/drawing/2014/main" id="{7D6E6D0E-843B-6E26-9909-59D7AF0F58EB}"/>
                   </a:ext>
                 </a:extLst>
               </p:cNvPr>
@@ -12434,7 +12519,7 @@
               <p:cNvPr id="22" name="Content Placeholder 2">
                 <a:extLst>
                   <a:ext uri="{FF2B5EF4-FFF2-40B4-BE49-F238E27FC236}">
-                    <a16:creationId xmlns="" xmlns:a16="http://schemas.microsoft.com/office/drawing/2014/main" id="{223E5FE3-476D-B38A-6E55-9F04295323F3}"/>
+                    <a16:creationId xmlns:a16="http://schemas.microsoft.com/office/drawing/2014/main" id="{223E5FE3-476D-B38A-6E55-9F04295323F3}"/>
                   </a:ext>
                 </a:extLst>
               </p:cNvPr>
@@ -12728,7 +12813,7 @@
             <p:cNvPr id="19" name="Content Placeholder 2">
               <a:extLst>
                 <a:ext uri="{FF2B5EF4-FFF2-40B4-BE49-F238E27FC236}">
-                  <a16:creationId xmlns="" xmlns:a16="http://schemas.microsoft.com/office/drawing/2014/main" id="{6F9AE399-DCAA-4002-E2F0-E3F4A64BDAE9}"/>
+                  <a16:creationId xmlns:a16="http://schemas.microsoft.com/office/drawing/2014/main" id="{6F9AE399-DCAA-4002-E2F0-E3F4A64BDAE9}"/>
                 </a:ext>
               </a:extLst>
             </p:cNvPr>
@@ -12982,7 +13067,7 @@
             <p:cNvPr id="20" name="Straight Connector 19">
               <a:extLst>
                 <a:ext uri="{FF2B5EF4-FFF2-40B4-BE49-F238E27FC236}">
-                  <a16:creationId xmlns="" xmlns:a16="http://schemas.microsoft.com/office/drawing/2014/main" id="{D08CC36D-5E1E-51D0-C902-0B2E36B6F73D}"/>
+                  <a16:creationId xmlns:a16="http://schemas.microsoft.com/office/drawing/2014/main" id="{D08CC36D-5E1E-51D0-C902-0B2E36B6F73D}"/>
                 </a:ext>
               </a:extLst>
             </p:cNvPr>
@@ -13142,7 +13227,7 @@
           <p:cNvPr id="10" name="TextBox 9">
             <a:extLst>
               <a:ext uri="{FF2B5EF4-FFF2-40B4-BE49-F238E27FC236}">
-                <a16:creationId xmlns="" xmlns:a16="http://schemas.microsoft.com/office/drawing/2014/main" id="{75606975-86AD-B122-722D-FAEC883D0F0E}"/>
+                <a16:creationId xmlns:a16="http://schemas.microsoft.com/office/drawing/2014/main" id="{75606975-86AD-B122-722D-FAEC883D0F0E}"/>
               </a:ext>
             </a:extLst>
           </p:cNvPr>
@@ -13264,7 +13349,7 @@
           <p:cNvPr id="11" name="Title 1">
             <a:extLst>
               <a:ext uri="{FF2B5EF4-FFF2-40B4-BE49-F238E27FC236}">
-                <a16:creationId xmlns="" xmlns:a16="http://schemas.microsoft.com/office/drawing/2014/main" id="{F2D22B3A-B092-370E-12B5-7E7E9F74D36B}"/>
+                <a16:creationId xmlns:a16="http://schemas.microsoft.com/office/drawing/2014/main" id="{F2D22B3A-B092-370E-12B5-7E7E9F74D36B}"/>
               </a:ext>
             </a:extLst>
           </p:cNvPr>
@@ -13395,7 +13480,7 @@
           <p:cNvPr id="2" name="TextBox 1">
             <a:extLst>
               <a:ext uri="{FF2B5EF4-FFF2-40B4-BE49-F238E27FC236}">
-                <a16:creationId xmlns="" xmlns:a16="http://schemas.microsoft.com/office/drawing/2014/main" id="{536FC4E8-AB65-1BDC-728E-AC2BE718A087}"/>
+                <a16:creationId xmlns:a16="http://schemas.microsoft.com/office/drawing/2014/main" id="{536FC4E8-AB65-1BDC-728E-AC2BE718A087}"/>
               </a:ext>
             </a:extLst>
           </p:cNvPr>
@@ -13920,7 +14005,7 @@
           <p:cNvPr id="8" name="Group 7">
             <a:extLst>
               <a:ext uri="{FF2B5EF4-FFF2-40B4-BE49-F238E27FC236}">
-                <a16:creationId xmlns="" xmlns:a16="http://schemas.microsoft.com/office/drawing/2014/main" id="{D3778CEF-2364-7BAC-A305-F9DD92E83C85}"/>
+                <a16:creationId xmlns:a16="http://schemas.microsoft.com/office/drawing/2014/main" id="{D3778CEF-2364-7BAC-A305-F9DD92E83C85}"/>
               </a:ext>
             </a:extLst>
           </p:cNvPr>
@@ -13940,7 +14025,7 @@
             <p:cNvPr id="9" name="Group 8">
               <a:extLst>
                 <a:ext uri="{FF2B5EF4-FFF2-40B4-BE49-F238E27FC236}">
-                  <a16:creationId xmlns="" xmlns:a16="http://schemas.microsoft.com/office/drawing/2014/main" id="{75109341-1D85-0286-0328-76CE8316C0C7}"/>
+                  <a16:creationId xmlns:a16="http://schemas.microsoft.com/office/drawing/2014/main" id="{75109341-1D85-0286-0328-76CE8316C0C7}"/>
                 </a:ext>
               </a:extLst>
             </p:cNvPr>
@@ -13960,7 +14045,7 @@
               <p:cNvPr id="14" name="Content Placeholder 2">
                 <a:extLst>
                   <a:ext uri="{FF2B5EF4-FFF2-40B4-BE49-F238E27FC236}">
-                    <a16:creationId xmlns="" xmlns:a16="http://schemas.microsoft.com/office/drawing/2014/main" id="{EB5B2190-D815-9835-82A9-FECCD2118D64}"/>
+                    <a16:creationId xmlns:a16="http://schemas.microsoft.com/office/drawing/2014/main" id="{EB5B2190-D815-9835-82A9-FECCD2118D64}"/>
                   </a:ext>
                 </a:extLst>
               </p:cNvPr>
@@ -14273,7 +14358,7 @@
               <p:cNvPr id="15" name="Content Placeholder 2">
                 <a:extLst>
                   <a:ext uri="{FF2B5EF4-FFF2-40B4-BE49-F238E27FC236}">
-                    <a16:creationId xmlns="" xmlns:a16="http://schemas.microsoft.com/office/drawing/2014/main" id="{F8A6C865-B86A-4FFE-356B-FE4A46EC52E4}"/>
+                    <a16:creationId xmlns:a16="http://schemas.microsoft.com/office/drawing/2014/main" id="{F8A6C865-B86A-4FFE-356B-FE4A46EC52E4}"/>
                   </a:ext>
                 </a:extLst>
               </p:cNvPr>
@@ -14567,7 +14652,7 @@
             <p:cNvPr id="12" name="Content Placeholder 2">
               <a:extLst>
                 <a:ext uri="{FF2B5EF4-FFF2-40B4-BE49-F238E27FC236}">
-                  <a16:creationId xmlns="" xmlns:a16="http://schemas.microsoft.com/office/drawing/2014/main" id="{268F7C94-7559-872A-B575-F1EB4E78154D}"/>
+                  <a16:creationId xmlns:a16="http://schemas.microsoft.com/office/drawing/2014/main" id="{268F7C94-7559-872A-B575-F1EB4E78154D}"/>
                 </a:ext>
               </a:extLst>
             </p:cNvPr>
@@ -14821,7 +14906,7 @@
             <p:cNvPr id="13" name="Straight Connector 12">
               <a:extLst>
                 <a:ext uri="{FF2B5EF4-FFF2-40B4-BE49-F238E27FC236}">
-                  <a16:creationId xmlns="" xmlns:a16="http://schemas.microsoft.com/office/drawing/2014/main" id="{132017CC-D840-F161-9ACE-E1688A6203B0}"/>
+                  <a16:creationId xmlns:a16="http://schemas.microsoft.com/office/drawing/2014/main" id="{132017CC-D840-F161-9ACE-E1688A6203B0}"/>
                 </a:ext>
               </a:extLst>
             </p:cNvPr>
@@ -14867,13 +14952,6 @@
   <p:transition spd="slow" advClick="0" advTm="10500">
     <p:fade/>
   </p:transition>
-  <p:timing>
-    <p:tnLst>
-      <p:par>
-        <p:cTn id="1" dur="indefinite" restart="never" nodeType="tmRoot"/>
-      </p:par>
-    </p:tnLst>
-  </p:timing>
 </p:sld>
 </file>
 
@@ -14899,7 +14977,7 @@
           <p:cNvPr id="5" name="Title 4">
             <a:extLst>
               <a:ext uri="{FF2B5EF4-FFF2-40B4-BE49-F238E27FC236}">
-                <a16:creationId xmlns="" xmlns:a16="http://schemas.microsoft.com/office/drawing/2014/main" id="{5F88F197-434E-21CC-F626-54A7C6BE3345}"/>
+                <a16:creationId xmlns:a16="http://schemas.microsoft.com/office/drawing/2014/main" id="{5F88F197-434E-21CC-F626-54A7C6BE3345}"/>
               </a:ext>
             </a:extLst>
           </p:cNvPr>
@@ -15002,7 +15080,7 @@
           <p:cNvPr id="2" name="TextBox 1">
             <a:extLst>
               <a:ext uri="{FF2B5EF4-FFF2-40B4-BE49-F238E27FC236}">
-                <a16:creationId xmlns="" xmlns:a16="http://schemas.microsoft.com/office/drawing/2014/main" id="{EC4EC9F9-A842-6604-AC34-B37629EAFFE9}"/>
+                <a16:creationId xmlns:a16="http://schemas.microsoft.com/office/drawing/2014/main" id="{EC4EC9F9-A842-6604-AC34-B37629EAFFE9}"/>
               </a:ext>
             </a:extLst>
           </p:cNvPr>
@@ -15527,7 +15605,7 @@
           <p:cNvPr id="4" name="TextBox 3">
             <a:extLst>
               <a:ext uri="{FF2B5EF4-FFF2-40B4-BE49-F238E27FC236}">
-                <a16:creationId xmlns="" xmlns:a16="http://schemas.microsoft.com/office/drawing/2014/main" id="{CCE5CB11-2E85-1623-4FE7-B1ADD4A0B145}"/>
+                <a16:creationId xmlns:a16="http://schemas.microsoft.com/office/drawing/2014/main" id="{CCE5CB11-2E85-1623-4FE7-B1ADD4A0B145}"/>
               </a:ext>
             </a:extLst>
           </p:cNvPr>
@@ -15657,13 +15735,6 @@
   <p:transition spd="slow" advClick="0" advTm="6000">
     <p:fade/>
   </p:transition>
-  <p:timing>
-    <p:tnLst>
-      <p:par>
-        <p:cTn id="1" dur="indefinite" restart="never" nodeType="tmRoot"/>
-      </p:par>
-    </p:tnLst>
-  </p:timing>
 </p:sld>
 </file>
 
@@ -15689,7 +15760,7 @@
           <p:cNvPr id="2" name="Title 1">
             <a:extLst>
               <a:ext uri="{FF2B5EF4-FFF2-40B4-BE49-F238E27FC236}">
-                <a16:creationId xmlns="" xmlns:a16="http://schemas.microsoft.com/office/drawing/2014/main" id="{2EB8EB4A-5E5C-458A-2272-38043BEF80DD}"/>
+                <a16:creationId xmlns:a16="http://schemas.microsoft.com/office/drawing/2014/main" id="{2EB8EB4A-5E5C-458A-2272-38043BEF80DD}"/>
               </a:ext>
             </a:extLst>
           </p:cNvPr>
@@ -15765,7 +15836,7 @@
           <p:cNvPr id="9" name="Rectangle 8">
             <a:extLst>
               <a:ext uri="{FF2B5EF4-FFF2-40B4-BE49-F238E27FC236}">
-                <a16:creationId xmlns="" xmlns:a16="http://schemas.microsoft.com/office/drawing/2014/main" id="{A86D5987-03AB-4E2C-6775-8B9BF2973550}"/>
+                <a16:creationId xmlns:a16="http://schemas.microsoft.com/office/drawing/2014/main" id="{A86D5987-03AB-4E2C-6775-8B9BF2973550}"/>
               </a:ext>
             </a:extLst>
           </p:cNvPr>
@@ -15817,7 +15888,7 @@
           <p:cNvPr id="10" name="Rectangle 9">
             <a:extLst>
               <a:ext uri="{FF2B5EF4-FFF2-40B4-BE49-F238E27FC236}">
-                <a16:creationId xmlns="" xmlns:a16="http://schemas.microsoft.com/office/drawing/2014/main" id="{0E10C401-C3C7-ABFA-741C-D5D2B75229F4}"/>
+                <a16:creationId xmlns:a16="http://schemas.microsoft.com/office/drawing/2014/main" id="{0E10C401-C3C7-ABFA-741C-D5D2B75229F4}"/>
               </a:ext>
             </a:extLst>
           </p:cNvPr>
@@ -15869,7 +15940,7 @@
           <p:cNvPr id="11" name="TextBox 10">
             <a:extLst>
               <a:ext uri="{FF2B5EF4-FFF2-40B4-BE49-F238E27FC236}">
-                <a16:creationId xmlns="" xmlns:a16="http://schemas.microsoft.com/office/drawing/2014/main" id="{853865E0-D9AA-62AF-6B08-CE37649AC307}"/>
+                <a16:creationId xmlns:a16="http://schemas.microsoft.com/office/drawing/2014/main" id="{853865E0-D9AA-62AF-6B08-CE37649AC307}"/>
               </a:ext>
             </a:extLst>
           </p:cNvPr>
@@ -15915,7 +15986,7 @@
           <p:cNvPr id="12" name="TextBox 11">
             <a:extLst>
               <a:ext uri="{FF2B5EF4-FFF2-40B4-BE49-F238E27FC236}">
-                <a16:creationId xmlns="" xmlns:a16="http://schemas.microsoft.com/office/drawing/2014/main" id="{C8B2E958-A1D1-7F85-0F04-533E634F84B6}"/>
+                <a16:creationId xmlns:a16="http://schemas.microsoft.com/office/drawing/2014/main" id="{C8B2E958-A1D1-7F85-0F04-533E634F84B6}"/>
               </a:ext>
             </a:extLst>
           </p:cNvPr>
@@ -15961,7 +16032,7 @@
           <p:cNvPr id="3" name="TextBox 2">
             <a:extLst>
               <a:ext uri="{FF2B5EF4-FFF2-40B4-BE49-F238E27FC236}">
-                <a16:creationId xmlns="" xmlns:a16="http://schemas.microsoft.com/office/drawing/2014/main" id="{9C231A5C-955B-C29D-D38F-41B43E79E82B}"/>
+                <a16:creationId xmlns:a16="http://schemas.microsoft.com/office/drawing/2014/main" id="{9C231A5C-955B-C29D-D38F-41B43E79E82B}"/>
               </a:ext>
             </a:extLst>
           </p:cNvPr>
@@ -16007,7 +16078,7 @@
           <p:cNvPr id="4" name="TextBox 3">
             <a:extLst>
               <a:ext uri="{FF2B5EF4-FFF2-40B4-BE49-F238E27FC236}">
-                <a16:creationId xmlns="" xmlns:a16="http://schemas.microsoft.com/office/drawing/2014/main" id="{4CCCD8A5-B057-9E24-5A3F-6BB8764B3764}"/>
+                <a16:creationId xmlns:a16="http://schemas.microsoft.com/office/drawing/2014/main" id="{4CCCD8A5-B057-9E24-5A3F-6BB8764B3764}"/>
               </a:ext>
             </a:extLst>
           </p:cNvPr>
@@ -16053,7 +16124,7 @@
           <p:cNvPr id="5" name="TextBox 4">
             <a:extLst>
               <a:ext uri="{FF2B5EF4-FFF2-40B4-BE49-F238E27FC236}">
-                <a16:creationId xmlns="" xmlns:a16="http://schemas.microsoft.com/office/drawing/2014/main" id="{60BECA38-96A8-FB80-4B7E-405F540ABEF5}"/>
+                <a16:creationId xmlns:a16="http://schemas.microsoft.com/office/drawing/2014/main" id="{60BECA38-96A8-FB80-4B7E-405F540ABEF5}"/>
               </a:ext>
             </a:extLst>
           </p:cNvPr>
@@ -16133,7 +16204,7 @@
                 </a:solidFill>
                 <a:latin typeface="Consolas" panose="020B0609020204030204" pitchFamily="49" charset="0"/>
               </a:rPr>
-              <a:t>    </a:t>
+              <a:t>   </a:t>
             </a:r>
             <a:r>
               <a:rPr kumimoji="0" lang="en-US" altLang="en-US" sz="2400" b="0" i="0" u="none" strike="noStrike" cap="none" normalizeH="0" baseline="0" dirty="0">
@@ -16250,7 +16321,7 @@
                 </a:solidFill>
                 <a:latin typeface="Consolas" panose="020B0609020204030204" pitchFamily="49" charset="0"/>
               </a:rPr>
-              <a:t>    </a:t>
+              <a:t>   </a:t>
             </a:r>
             <a:r>
               <a:rPr kumimoji="0" lang="en-US" altLang="en-US" sz="2400" b="0" i="0" u="none" strike="noStrike" cap="none" normalizeH="0" baseline="0" dirty="0">
@@ -16373,7 +16444,7 @@
                 </a:solidFill>
                 <a:latin typeface="Consolas" panose="020B0609020204030204" pitchFamily="49" charset="0"/>
               </a:rPr>
-              <a:t>    </a:t>
+              <a:t>   </a:t>
             </a:r>
             <a:r>
               <a:rPr kumimoji="0" lang="en-US" altLang="en-US" sz="2400" b="0" i="0" u="none" strike="noStrike" cap="none" normalizeH="0" baseline="0" dirty="0">
@@ -16534,7 +16605,7 @@
           <p:cNvPr id="8" name="TextBox 7">
             <a:extLst>
               <a:ext uri="{FF2B5EF4-FFF2-40B4-BE49-F238E27FC236}">
-                <a16:creationId xmlns="" xmlns:a16="http://schemas.microsoft.com/office/drawing/2014/main" id="{FC00976B-2A78-5FB2-6368-68BB6E52EBE7}"/>
+                <a16:creationId xmlns:a16="http://schemas.microsoft.com/office/drawing/2014/main" id="{FC00976B-2A78-5FB2-6368-68BB6E52EBE7}"/>
               </a:ext>
             </a:extLst>
           </p:cNvPr>
@@ -16649,7 +16720,7 @@
                 </a:solidFill>
                 <a:latin typeface="Consolas" panose="020B0609020204030204" pitchFamily="49" charset="0"/>
               </a:rPr>
-              <a:t>    </a:t>
+              <a:t>  </a:t>
             </a:r>
             <a:r>
               <a:rPr kumimoji="0" lang="en-US" altLang="en-US" sz="2400" b="0" i="0" u="none" strike="noStrike" cap="none" normalizeH="0" baseline="0" dirty="0">
@@ -16766,7 +16837,7 @@
                 </a:solidFill>
                 <a:latin typeface="Consolas" panose="020B0609020204030204" pitchFamily="49" charset="0"/>
               </a:rPr>
-              <a:t>    </a:t>
+              <a:t>  </a:t>
             </a:r>
             <a:r>
               <a:rPr kumimoji="0" lang="en-US" altLang="en-US" sz="2400" b="0" i="0" u="none" strike="noStrike" cap="none" normalizeH="0" baseline="0" dirty="0">
@@ -16883,13 +16954,13 @@
               <a:tabLst/>
             </a:pPr>
             <a:r>
-              <a:rPr lang="tr-TR" altLang="en-US" sz="2400" dirty="0">
+              <a:rPr lang="en-US" altLang="en-US" sz="2400" dirty="0">
                 <a:solidFill>
                   <a:schemeClr val="accent1"/>
                 </a:solidFill>
                 <a:latin typeface="Consolas" panose="020B0609020204030204" pitchFamily="49" charset="0"/>
               </a:rPr>
-              <a:t>    </a:t>
+              <a:t>  </a:t>
             </a:r>
             <a:r>
               <a:rPr kumimoji="0" lang="en-US" altLang="en-US" sz="2400" b="0" i="0" u="none" strike="noStrike" cap="none" normalizeH="0" baseline="0" dirty="0">
@@ -17052,13 +17123,13 @@
   <p:clrMapOvr>
     <a:masterClrMapping/>
   </p:clrMapOvr>
-  <mc:AlternateContent xmlns:mc="http://schemas.openxmlformats.org/markup-compatibility/2006">
-    <mc:Choice xmlns="" xmlns:p159="http://schemas.microsoft.com/office/powerpoint/2015/09/main" Requires="p159">
+  <mc:AlternateContent xmlns:mc="http://schemas.openxmlformats.org/markup-compatibility/2006" xmlns:p159="http://schemas.microsoft.com/office/powerpoint/2015/09/main">
+    <mc:Choice Requires="p159">
       <p:transition spd="slow" advTm="11000">
         <p159:morph option="byObject"/>
       </p:transition>
     </mc:Choice>
-    <mc:Fallback>
+    <mc:Fallback xmlns="">
       <p:transition spd="slow" advTm="11000">
         <p:fade/>
       </p:transition>
@@ -17198,7 +17269,7 @@
           <p:cNvPr id="2" name="Title 1">
             <a:extLst>
               <a:ext uri="{FF2B5EF4-FFF2-40B4-BE49-F238E27FC236}">
-                <a16:creationId xmlns="" xmlns:a16="http://schemas.microsoft.com/office/drawing/2014/main" id="{CECC6EC5-EB0F-1D5C-B5E0-5CA0430592A2}"/>
+                <a16:creationId xmlns:a16="http://schemas.microsoft.com/office/drawing/2014/main" id="{CECC6EC5-EB0F-1D5C-B5E0-5CA0430592A2}"/>
               </a:ext>
             </a:extLst>
           </p:cNvPr>
@@ -17238,7 +17309,7 @@
           <p:cNvPr id="4" name="Rectangle 3">
             <a:extLst>
               <a:ext uri="{FF2B5EF4-FFF2-40B4-BE49-F238E27FC236}">
-                <a16:creationId xmlns="" xmlns:a16="http://schemas.microsoft.com/office/drawing/2014/main" id="{A0E8E743-53CE-821E-619B-CFE24FB8C9CE}"/>
+                <a16:creationId xmlns:a16="http://schemas.microsoft.com/office/drawing/2014/main" id="{A0E8E743-53CE-821E-619B-CFE24FB8C9CE}"/>
               </a:ext>
             </a:extLst>
           </p:cNvPr>
@@ -17290,7 +17361,7 @@
           <p:cNvPr id="5" name="Rectangle 4">
             <a:extLst>
               <a:ext uri="{FF2B5EF4-FFF2-40B4-BE49-F238E27FC236}">
-                <a16:creationId xmlns="" xmlns:a16="http://schemas.microsoft.com/office/drawing/2014/main" id="{1220D243-AF27-1F97-997D-073DA1A076FB}"/>
+                <a16:creationId xmlns:a16="http://schemas.microsoft.com/office/drawing/2014/main" id="{1220D243-AF27-1F97-997D-073DA1A076FB}"/>
               </a:ext>
             </a:extLst>
           </p:cNvPr>
@@ -17342,7 +17413,7 @@
           <p:cNvPr id="8" name="TextBox 7">
             <a:extLst>
               <a:ext uri="{FF2B5EF4-FFF2-40B4-BE49-F238E27FC236}">
-                <a16:creationId xmlns="" xmlns:a16="http://schemas.microsoft.com/office/drawing/2014/main" id="{B8AA731B-8D96-92B1-8899-6FDB759AAF48}"/>
+                <a16:creationId xmlns:a16="http://schemas.microsoft.com/office/drawing/2014/main" id="{B8AA731B-8D96-92B1-8899-6FDB759AAF48}"/>
               </a:ext>
             </a:extLst>
           </p:cNvPr>
@@ -17388,7 +17459,7 @@
           <p:cNvPr id="9" name="TextBox 8">
             <a:extLst>
               <a:ext uri="{FF2B5EF4-FFF2-40B4-BE49-F238E27FC236}">
-                <a16:creationId xmlns="" xmlns:a16="http://schemas.microsoft.com/office/drawing/2014/main" id="{385FA008-0D57-93E8-FE8E-271320021830}"/>
+                <a16:creationId xmlns:a16="http://schemas.microsoft.com/office/drawing/2014/main" id="{385FA008-0D57-93E8-FE8E-271320021830}"/>
               </a:ext>
             </a:extLst>
           </p:cNvPr>
@@ -17434,7 +17505,7 @@
           <p:cNvPr id="10" name="TextBox 9">
             <a:extLst>
               <a:ext uri="{FF2B5EF4-FFF2-40B4-BE49-F238E27FC236}">
-                <a16:creationId xmlns="" xmlns:a16="http://schemas.microsoft.com/office/drawing/2014/main" id="{33B48933-E705-C5FD-877B-F0A59F35FFE5}"/>
+                <a16:creationId xmlns:a16="http://schemas.microsoft.com/office/drawing/2014/main" id="{33B48933-E705-C5FD-877B-F0A59F35FFE5}"/>
               </a:ext>
             </a:extLst>
           </p:cNvPr>
@@ -17514,7 +17585,7 @@
                 </a:solidFill>
                 <a:latin typeface="Consolas" panose="020B0609020204030204" pitchFamily="49" charset="0"/>
               </a:rPr>
-              <a:t>    </a:t>
+              <a:t>  </a:t>
             </a:r>
             <a:r>
               <a:rPr kumimoji="0" lang="en-US" altLang="en-US" sz="2400" b="0" i="0" u="none" strike="noStrike" cap="none" normalizeH="0" baseline="0" dirty="0">
@@ -17630,7 +17701,7 @@
           <p:cNvPr id="11" name="TextBox 10">
             <a:extLst>
               <a:ext uri="{FF2B5EF4-FFF2-40B4-BE49-F238E27FC236}">
-                <a16:creationId xmlns="" xmlns:a16="http://schemas.microsoft.com/office/drawing/2014/main" id="{6DD14A2E-B4CA-25B7-B7A1-A0E9DEBCEA1F}"/>
+                <a16:creationId xmlns:a16="http://schemas.microsoft.com/office/drawing/2014/main" id="{6DD14A2E-B4CA-25B7-B7A1-A0E9DEBCEA1F}"/>
               </a:ext>
             </a:extLst>
           </p:cNvPr>
@@ -17736,7 +17807,7 @@
               <a:tabLst/>
             </a:pPr>
             <a:r>
-              <a:rPr lang="tr-TR" altLang="en-US" sz="2400" dirty="0">
+              <a:rPr lang="en-US" altLang="en-US" sz="2400" dirty="0">
                 <a:solidFill>
                   <a:schemeClr val="accent1">
                     <a:lumMod val="60000"/>
@@ -17745,7 +17816,7 @@
                 </a:solidFill>
                 <a:latin typeface="Consolas" panose="020B0609020204030204" pitchFamily="49" charset="0"/>
               </a:rPr>
-              <a:t>    </a:t>
+              <a:t>  </a:t>
             </a:r>
             <a:r>
               <a:rPr kumimoji="0" lang="en-US" altLang="en-US" sz="2400" b="0" i="0" u="none" strike="noStrike" cap="none" normalizeH="0" baseline="0" dirty="0">
@@ -17869,13 +17940,6 @@
   <p:transition spd="slow" advTm="22000">
     <p:fade/>
   </p:transition>
-  <p:timing>
-    <p:tnLst>
-      <p:par>
-        <p:cTn id="1" dur="indefinite" restart="never" nodeType="tmRoot"/>
-      </p:par>
-    </p:tnLst>
-  </p:timing>
 </p:sld>
 </file>
 
@@ -17901,7 +17965,7 @@
           <p:cNvPr id="2" name="Title 1">
             <a:extLst>
               <a:ext uri="{FF2B5EF4-FFF2-40B4-BE49-F238E27FC236}">
-                <a16:creationId xmlns="" xmlns:a16="http://schemas.microsoft.com/office/drawing/2014/main" id="{CECC6EC5-EB0F-1D5C-B5E0-5CA0430592A2}"/>
+                <a16:creationId xmlns:a16="http://schemas.microsoft.com/office/drawing/2014/main" id="{CECC6EC5-EB0F-1D5C-B5E0-5CA0430592A2}"/>
               </a:ext>
             </a:extLst>
           </p:cNvPr>
@@ -17941,7 +18005,7 @@
           <p:cNvPr id="4" name="Rectangle 3">
             <a:extLst>
               <a:ext uri="{FF2B5EF4-FFF2-40B4-BE49-F238E27FC236}">
-                <a16:creationId xmlns="" xmlns:a16="http://schemas.microsoft.com/office/drawing/2014/main" id="{A0E8E743-53CE-821E-619B-CFE24FB8C9CE}"/>
+                <a16:creationId xmlns:a16="http://schemas.microsoft.com/office/drawing/2014/main" id="{A0E8E743-53CE-821E-619B-CFE24FB8C9CE}"/>
               </a:ext>
             </a:extLst>
           </p:cNvPr>
@@ -17993,7 +18057,7 @@
           <p:cNvPr id="5" name="Rectangle 4">
             <a:extLst>
               <a:ext uri="{FF2B5EF4-FFF2-40B4-BE49-F238E27FC236}">
-                <a16:creationId xmlns="" xmlns:a16="http://schemas.microsoft.com/office/drawing/2014/main" id="{1220D243-AF27-1F97-997D-073DA1A076FB}"/>
+                <a16:creationId xmlns:a16="http://schemas.microsoft.com/office/drawing/2014/main" id="{1220D243-AF27-1F97-997D-073DA1A076FB}"/>
               </a:ext>
             </a:extLst>
           </p:cNvPr>
@@ -18045,7 +18109,7 @@
           <p:cNvPr id="8" name="TextBox 7">
             <a:extLst>
               <a:ext uri="{FF2B5EF4-FFF2-40B4-BE49-F238E27FC236}">
-                <a16:creationId xmlns="" xmlns:a16="http://schemas.microsoft.com/office/drawing/2014/main" id="{B8AA731B-8D96-92B1-8899-6FDB759AAF48}"/>
+                <a16:creationId xmlns:a16="http://schemas.microsoft.com/office/drawing/2014/main" id="{B8AA731B-8D96-92B1-8899-6FDB759AAF48}"/>
               </a:ext>
             </a:extLst>
           </p:cNvPr>
@@ -18122,7 +18186,7 @@
           <p:cNvPr id="9" name="TextBox 8">
             <a:extLst>
               <a:ext uri="{FF2B5EF4-FFF2-40B4-BE49-F238E27FC236}">
-                <a16:creationId xmlns="" xmlns:a16="http://schemas.microsoft.com/office/drawing/2014/main" id="{385FA008-0D57-93E8-FE8E-271320021830}"/>
+                <a16:creationId xmlns:a16="http://schemas.microsoft.com/office/drawing/2014/main" id="{385FA008-0D57-93E8-FE8E-271320021830}"/>
               </a:ext>
             </a:extLst>
           </p:cNvPr>
@@ -18168,7 +18232,7 @@
           <p:cNvPr id="10" name="TextBox 9">
             <a:extLst>
               <a:ext uri="{FF2B5EF4-FFF2-40B4-BE49-F238E27FC236}">
-                <a16:creationId xmlns="" xmlns:a16="http://schemas.microsoft.com/office/drawing/2014/main" id="{33B48933-E705-C5FD-877B-F0A59F35FFE5}"/>
+                <a16:creationId xmlns:a16="http://schemas.microsoft.com/office/drawing/2014/main" id="{33B48933-E705-C5FD-877B-F0A59F35FFE5}"/>
               </a:ext>
             </a:extLst>
           </p:cNvPr>
@@ -18248,7 +18312,7 @@
                 </a:solidFill>
                 <a:latin typeface="Consolas" panose="020B0609020204030204" pitchFamily="49" charset="0"/>
               </a:rPr>
-              <a:t> </a:t>
+              <a:t>  </a:t>
             </a:r>
             <a:r>
               <a:rPr kumimoji="0" lang="en-US" altLang="en-US" sz="2400" b="0" i="0" u="none" strike="noStrike" cap="none" normalizeH="0" baseline="0" dirty="0">
@@ -18368,7 +18432,7 @@
           <p:cNvPr id="7" name="TextBox 6">
             <a:extLst>
               <a:ext uri="{FF2B5EF4-FFF2-40B4-BE49-F238E27FC236}">
-                <a16:creationId xmlns="" xmlns:a16="http://schemas.microsoft.com/office/drawing/2014/main" id="{8F798E0F-B583-5CF2-2889-F68DC2CCB1A4}"/>
+                <a16:creationId xmlns:a16="http://schemas.microsoft.com/office/drawing/2014/main" id="{8F798E0F-B583-5CF2-2889-F68DC2CCB1A4}"/>
               </a:ext>
             </a:extLst>
           </p:cNvPr>
@@ -18448,7 +18512,7 @@
                 </a:solidFill>
                 <a:latin typeface="Consolas" panose="020B0609020204030204" pitchFamily="49" charset="0"/>
               </a:rPr>
-              <a:t> </a:t>
+              <a:t>  </a:t>
             </a:r>
             <a:r>
               <a:rPr kumimoji="0" lang="en-US" altLang="en-US" sz="2400" b="0" i="0" u="none" strike="noStrike" cap="none" normalizeH="0" baseline="0" dirty="0">
@@ -18573,25 +18637,18 @@
   <p:clrMapOvr>
     <a:masterClrMapping/>
   </p:clrMapOvr>
-  <mc:AlternateContent xmlns:mc="http://schemas.openxmlformats.org/markup-compatibility/2006">
-    <mc:Choice xmlns="" xmlns:p159="http://schemas.microsoft.com/office/powerpoint/2015/09/main" Requires="p159">
+  <mc:AlternateContent xmlns:mc="http://schemas.openxmlformats.org/markup-compatibility/2006" xmlns:p159="http://schemas.microsoft.com/office/powerpoint/2015/09/main">
+    <mc:Choice Requires="p159">
       <p:transition spd="slow" advTm="14500">
         <p159:morph option="byObject"/>
       </p:transition>
     </mc:Choice>
-    <mc:Fallback>
+    <mc:Fallback xmlns="">
       <p:transition spd="slow" advTm="14500">
         <p:fade/>
       </p:transition>
     </mc:Fallback>
   </mc:AlternateContent>
-  <p:timing>
-    <p:tnLst>
-      <p:par>
-        <p:cTn id="1" dur="indefinite" restart="never" nodeType="tmRoot"/>
-      </p:par>
-    </p:tnLst>
-  </p:timing>
 </p:sld>
 </file>
 
@@ -18617,7 +18674,7 @@
           <p:cNvPr id="2" name="Title 1">
             <a:extLst>
               <a:ext uri="{FF2B5EF4-FFF2-40B4-BE49-F238E27FC236}">
-                <a16:creationId xmlns="" xmlns:a16="http://schemas.microsoft.com/office/drawing/2014/main" id="{CECC6EC5-EB0F-1D5C-B5E0-5CA0430592A2}"/>
+                <a16:creationId xmlns:a16="http://schemas.microsoft.com/office/drawing/2014/main" id="{CECC6EC5-EB0F-1D5C-B5E0-5CA0430592A2}"/>
               </a:ext>
             </a:extLst>
           </p:cNvPr>
@@ -18657,7 +18714,7 @@
           <p:cNvPr id="4" name="Rectangle 3">
             <a:extLst>
               <a:ext uri="{FF2B5EF4-FFF2-40B4-BE49-F238E27FC236}">
-                <a16:creationId xmlns="" xmlns:a16="http://schemas.microsoft.com/office/drawing/2014/main" id="{A0E8E743-53CE-821E-619B-CFE24FB8C9CE}"/>
+                <a16:creationId xmlns:a16="http://schemas.microsoft.com/office/drawing/2014/main" id="{A0E8E743-53CE-821E-619B-CFE24FB8C9CE}"/>
               </a:ext>
             </a:extLst>
           </p:cNvPr>
@@ -18709,7 +18766,7 @@
           <p:cNvPr id="5" name="Rectangle 4">
             <a:extLst>
               <a:ext uri="{FF2B5EF4-FFF2-40B4-BE49-F238E27FC236}">
-                <a16:creationId xmlns="" xmlns:a16="http://schemas.microsoft.com/office/drawing/2014/main" id="{1220D243-AF27-1F97-997D-073DA1A076FB}"/>
+                <a16:creationId xmlns:a16="http://schemas.microsoft.com/office/drawing/2014/main" id="{1220D243-AF27-1F97-997D-073DA1A076FB}"/>
               </a:ext>
             </a:extLst>
           </p:cNvPr>
@@ -18761,7 +18818,7 @@
           <p:cNvPr id="8" name="TextBox 7">
             <a:extLst>
               <a:ext uri="{FF2B5EF4-FFF2-40B4-BE49-F238E27FC236}">
-                <a16:creationId xmlns="" xmlns:a16="http://schemas.microsoft.com/office/drawing/2014/main" id="{B8AA731B-8D96-92B1-8899-6FDB759AAF48}"/>
+                <a16:creationId xmlns:a16="http://schemas.microsoft.com/office/drawing/2014/main" id="{B8AA731B-8D96-92B1-8899-6FDB759AAF48}"/>
               </a:ext>
             </a:extLst>
           </p:cNvPr>
@@ -18808,7 +18865,7 @@
           <p:cNvPr id="9" name="TextBox 8">
             <a:extLst>
               <a:ext uri="{FF2B5EF4-FFF2-40B4-BE49-F238E27FC236}">
-                <a16:creationId xmlns="" xmlns:a16="http://schemas.microsoft.com/office/drawing/2014/main" id="{385FA008-0D57-93E8-FE8E-271320021830}"/>
+                <a16:creationId xmlns:a16="http://schemas.microsoft.com/office/drawing/2014/main" id="{385FA008-0D57-93E8-FE8E-271320021830}"/>
               </a:ext>
             </a:extLst>
           </p:cNvPr>
@@ -18854,7 +18911,7 @@
           <p:cNvPr id="10" name="TextBox 9">
             <a:extLst>
               <a:ext uri="{FF2B5EF4-FFF2-40B4-BE49-F238E27FC236}">
-                <a16:creationId xmlns="" xmlns:a16="http://schemas.microsoft.com/office/drawing/2014/main" id="{33B48933-E705-C5FD-877B-F0A59F35FFE5}"/>
+                <a16:creationId xmlns:a16="http://schemas.microsoft.com/office/drawing/2014/main" id="{33B48933-E705-C5FD-877B-F0A59F35FFE5}"/>
               </a:ext>
             </a:extLst>
           </p:cNvPr>
@@ -18925,30 +18982,6 @@
               <a:tabLst/>
             </a:pPr>
             <a:r>
-              <a:rPr lang="en-US" altLang="en-US" sz="2400" dirty="0">
-                <a:solidFill>
-                  <a:schemeClr val="accent1">
-                    <a:lumMod val="60000"/>
-                    <a:lumOff val="40000"/>
-                  </a:schemeClr>
-                </a:solidFill>
-                <a:latin typeface="Consolas" panose="020B0609020204030204" pitchFamily="49" charset="0"/>
-              </a:rPr>
-              <a:t> </a:t>
-            </a:r>
-            <a:r>
-              <a:rPr lang="tr-TR" altLang="en-US" sz="2400" dirty="0">
-                <a:solidFill>
-                  <a:schemeClr val="accent1">
-                    <a:lumMod val="60000"/>
-                    <a:lumOff val="40000"/>
-                  </a:schemeClr>
-                </a:solidFill>
-                <a:latin typeface="Consolas" panose="020B0609020204030204" pitchFamily="49" charset="0"/>
-              </a:rPr>
-              <a:t>  </a:t>
-            </a:r>
-            <a:r>
               <a:rPr kumimoji="0" lang="en-US" altLang="en-US" sz="2400" b="0" i="0" u="none" strike="noStrike" cap="none" normalizeH="0" baseline="0" dirty="0">
                 <a:ln>
                   <a:noFill/>
@@ -19062,7 +19095,7 @@
           <p:cNvPr id="3" name="TextBox 2">
             <a:extLst>
               <a:ext uri="{FF2B5EF4-FFF2-40B4-BE49-F238E27FC236}">
-                <a16:creationId xmlns="" xmlns:a16="http://schemas.microsoft.com/office/drawing/2014/main" id="{05EC4829-7333-AC54-95EA-DA09F4000366}"/>
+                <a16:creationId xmlns:a16="http://schemas.microsoft.com/office/drawing/2014/main" id="{05EC4829-7333-AC54-95EA-DA09F4000366}"/>
               </a:ext>
             </a:extLst>
           </p:cNvPr>
@@ -19133,30 +19166,6 @@
               <a:tabLst/>
             </a:pPr>
             <a:r>
-              <a:rPr lang="en-US" altLang="en-US" sz="2400" dirty="0">
-                <a:solidFill>
-                  <a:schemeClr val="accent1">
-                    <a:lumMod val="60000"/>
-                    <a:lumOff val="40000"/>
-                  </a:schemeClr>
-                </a:solidFill>
-                <a:latin typeface="Consolas" panose="020B0609020204030204" pitchFamily="49" charset="0"/>
-              </a:rPr>
-              <a:t> </a:t>
-            </a:r>
-            <a:r>
-              <a:rPr lang="tr-TR" altLang="en-US" sz="2400" dirty="0">
-                <a:solidFill>
-                  <a:schemeClr val="accent1">
-                    <a:lumMod val="60000"/>
-                    <a:lumOff val="40000"/>
-                  </a:schemeClr>
-                </a:solidFill>
-                <a:latin typeface="Consolas" panose="020B0609020204030204" pitchFamily="49" charset="0"/>
-              </a:rPr>
-              <a:t>  </a:t>
-            </a:r>
-            <a:r>
               <a:rPr kumimoji="0" lang="en-US" altLang="en-US" sz="2400" b="0" i="0" u="none" strike="noStrike" cap="none" normalizeH="0" baseline="0" dirty="0">
                 <a:ln>
                   <a:noFill/>
@@ -19275,25 +19284,18 @@
   <p:clrMapOvr>
     <a:masterClrMapping/>
   </p:clrMapOvr>
-  <mc:AlternateContent xmlns:mc="http://schemas.openxmlformats.org/markup-compatibility/2006">
-    <mc:Choice xmlns="" xmlns:p159="http://schemas.microsoft.com/office/powerpoint/2015/09/main" Requires="p159">
+  <mc:AlternateContent xmlns:mc="http://schemas.openxmlformats.org/markup-compatibility/2006" xmlns:p159="http://schemas.microsoft.com/office/powerpoint/2015/09/main">
+    <mc:Choice Requires="p159">
       <p:transition spd="slow" advTm="12000">
         <p159:morph option="byObject"/>
       </p:transition>
     </mc:Choice>
-    <mc:Fallback>
+    <mc:Fallback xmlns="">
       <p:transition spd="slow" advTm="12000">
         <p:fade/>
       </p:transition>
     </mc:Fallback>
   </mc:AlternateContent>
-  <p:timing>
-    <p:tnLst>
-      <p:par>
-        <p:cTn id="1" dur="indefinite" restart="never" nodeType="tmRoot"/>
-      </p:par>
-    </p:tnLst>
-  </p:timing>
 </p:sld>
 </file>
 
@@ -19319,7 +19321,7 @@
           <p:cNvPr id="2" name="Title 1">
             <a:extLst>
               <a:ext uri="{FF2B5EF4-FFF2-40B4-BE49-F238E27FC236}">
-                <a16:creationId xmlns="" xmlns:a16="http://schemas.microsoft.com/office/drawing/2014/main" id="{E4FA629E-0869-ABF5-9139-458B6F924813}"/>
+                <a16:creationId xmlns:a16="http://schemas.microsoft.com/office/drawing/2014/main" id="{E4FA629E-0869-ABF5-9139-458B6F924813}"/>
               </a:ext>
             </a:extLst>
           </p:cNvPr>
@@ -19344,7 +19346,7 @@
           <p:cNvPr id="3" name="Content Placeholder 2">
             <a:extLst>
               <a:ext uri="{FF2B5EF4-FFF2-40B4-BE49-F238E27FC236}">
-                <a16:creationId xmlns="" xmlns:a16="http://schemas.microsoft.com/office/drawing/2014/main" id="{EDA58EBA-5728-C1EF-49D1-D703E74F56AD}"/>
+                <a16:creationId xmlns:a16="http://schemas.microsoft.com/office/drawing/2014/main" id="{EDA58EBA-5728-C1EF-49D1-D703E74F56AD}"/>
               </a:ext>
             </a:extLst>
           </p:cNvPr>
@@ -19445,21 +19447,6 @@
   <p:clrMapOvr>
     <a:masterClrMapping/>
   </p:clrMapOvr>
-  <mc:AlternateContent xmlns:mc="http://schemas.openxmlformats.org/markup-compatibility/2006" xmlns:p14="http://schemas.microsoft.com/office/powerpoint/2010/main">
-    <mc:Choice Requires="p14">
-      <p:transition spd="slow" p14:dur="2000"/>
-    </mc:Choice>
-    <mc:Fallback xmlns="">
-      <p:transition spd="slow"/>
-    </mc:Fallback>
-  </mc:AlternateContent>
-  <p:timing>
-    <p:tnLst>
-      <p:par>
-        <p:cTn id="1" dur="indefinite" restart="never" nodeType="tmRoot"/>
-      </p:par>
-    </p:tnLst>
-  </p:timing>
 </p:sld>
 </file>
 
@@ -19485,7 +19472,7 @@
           <p:cNvPr id="3" name="Content Placeholder 2">
             <a:extLst>
               <a:ext uri="{FF2B5EF4-FFF2-40B4-BE49-F238E27FC236}">
-                <a16:creationId xmlns="" xmlns:a16="http://schemas.microsoft.com/office/drawing/2014/main" id="{FC987ECB-EC18-9702-33E0-6E41F1C6C5C0}"/>
+                <a16:creationId xmlns:a16="http://schemas.microsoft.com/office/drawing/2014/main" id="{FC987ECB-EC18-9702-33E0-6E41F1C6C5C0}"/>
               </a:ext>
             </a:extLst>
           </p:cNvPr>
@@ -19628,21 +19615,6 @@
   <p:clrMapOvr>
     <a:masterClrMapping/>
   </p:clrMapOvr>
-  <mc:AlternateContent xmlns:mc="http://schemas.openxmlformats.org/markup-compatibility/2006" xmlns:p14="http://schemas.microsoft.com/office/powerpoint/2010/main">
-    <mc:Choice Requires="p14">
-      <p:transition spd="slow" p14:dur="2000"/>
-    </mc:Choice>
-    <mc:Fallback xmlns="">
-      <p:transition spd="slow"/>
-    </mc:Fallback>
-  </mc:AlternateContent>
-  <p:timing>
-    <p:tnLst>
-      <p:par>
-        <p:cTn id="1" dur="indefinite" restart="never" nodeType="tmRoot"/>
-      </p:par>
-    </p:tnLst>
-  </p:timing>
 </p:sld>
 </file>
 
@@ -19668,7 +19640,7 @@
           <p:cNvPr id="4" name="Title 1">
             <a:extLst>
               <a:ext uri="{FF2B5EF4-FFF2-40B4-BE49-F238E27FC236}">
-                <a16:creationId xmlns="" xmlns:a16="http://schemas.microsoft.com/office/drawing/2014/main" id="{D4B2EE34-CA4B-4BCA-2346-AECE0A311A24}"/>
+                <a16:creationId xmlns:a16="http://schemas.microsoft.com/office/drawing/2014/main" id="{D4B2EE34-CA4B-4BCA-2346-AECE0A311A24}"/>
               </a:ext>
             </a:extLst>
           </p:cNvPr>
@@ -19722,29 +19694,105 @@
   <p:clrMapOvr>
     <a:masterClrMapping/>
   </p:clrMapOvr>
-  <mc:AlternateContent xmlns:mc="http://schemas.openxmlformats.org/markup-compatibility/2006">
-    <mc:Choice xmlns="" xmlns:p159="http://schemas.microsoft.com/office/powerpoint/2015/09/main" Requires="p159">
+  <mc:AlternateContent xmlns:mc="http://schemas.openxmlformats.org/markup-compatibility/2006" xmlns:p159="http://schemas.microsoft.com/office/powerpoint/2015/09/main">
+    <mc:Choice Requires="p159">
       <p:transition xmlns:p14="http://schemas.microsoft.com/office/powerpoint/2010/main" spd="slow" p14:dur="2000" advTm="2000">
         <p159:morph option="byObject"/>
       </p:transition>
     </mc:Choice>
-    <mc:Fallback>
+    <mc:Fallback xmlns="">
       <p:transition spd="slow" advTm="2000">
         <p:fade/>
       </p:transition>
     </mc:Fallback>
   </mc:AlternateContent>
-  <p:timing>
-    <p:tnLst>
-      <p:par>
-        <p:cTn id="1" dur="indefinite" restart="never" nodeType="tmRoot"/>
-      </p:par>
-    </p:tnLst>
-  </p:timing>
 </p:sld>
 </file>
 
 <file path=ppt/slides/slide20.xml><?xml version="1.0" encoding="utf-8"?>
+<p:sld xmlns:a="http://schemas.openxmlformats.org/drawingml/2006/main" xmlns:r="http://schemas.openxmlformats.org/officeDocument/2006/relationships" xmlns:p="http://schemas.openxmlformats.org/presentationml/2006/main">
+  <p:cSld>
+    <p:spTree>
+      <p:nvGrpSpPr>
+        <p:cNvPr id="1" name=""/>
+        <p:cNvGrpSpPr/>
+        <p:nvPr/>
+      </p:nvGrpSpPr>
+      <p:grpSpPr>
+        <a:xfrm>
+          <a:off x="0" y="0"/>
+          <a:ext cx="0" cy="0"/>
+          <a:chOff x="0" y="0"/>
+          <a:chExt cx="0" cy="0"/>
+        </a:xfrm>
+      </p:grpSpPr>
+      <p:sp>
+        <p:nvSpPr>
+          <p:cNvPr id="4" name="Title 1">
+            <a:extLst>
+              <a:ext uri="{FF2B5EF4-FFF2-40B4-BE49-F238E27FC236}">
+                <a16:creationId xmlns:a16="http://schemas.microsoft.com/office/drawing/2014/main" id="{D4B2EE34-CA4B-4BCA-2346-AECE0A311A24}"/>
+              </a:ext>
+            </a:extLst>
+          </p:cNvPr>
+          <p:cNvSpPr>
+            <a:spLocks noGrp="1"/>
+          </p:cNvSpPr>
+          <p:nvPr>
+            <p:ph type="title"/>
+          </p:nvPr>
+        </p:nvSpPr>
+        <p:spPr>
+          <a:xfrm>
+            <a:off x="1726194" y="2146853"/>
+            <a:ext cx="8739613" cy="1944930"/>
+          </a:xfrm>
+        </p:spPr>
+        <p:txBody>
+          <a:bodyPr>
+            <a:noAutofit/>
+          </a:bodyPr>
+          <a:lstStyle/>
+          <a:p>
+            <a:pPr algn="ctr"/>
+            <a:r>
+              <a:rPr lang="en-US" sz="4800" dirty="0">
+                <a:solidFill>
+                  <a:schemeClr val="accent1"/>
+                </a:solidFill>
+                <a:latin typeface="Century Gothic" panose="020B0502020202020204" pitchFamily="34" charset="0"/>
+              </a:rPr>
+              <a:t>Now let's see JSON in a programming environment!</a:t>
+            </a:r>
+          </a:p>
+        </p:txBody>
+      </p:sp>
+    </p:spTree>
+    <p:extLst>
+      <p:ext uri="{BB962C8B-B14F-4D97-AF65-F5344CB8AC3E}">
+        <p14:creationId xmlns:p14="http://schemas.microsoft.com/office/powerpoint/2010/main" val="2731192278"/>
+      </p:ext>
+    </p:extLst>
+  </p:cSld>
+  <p:clrMapOvr>
+    <a:masterClrMapping/>
+  </p:clrMapOvr>
+  <mc:AlternateContent xmlns:mc="http://schemas.openxmlformats.org/markup-compatibility/2006">
+    <mc:Choice xmlns:p14="http://schemas.microsoft.com/office/powerpoint/2010/main" Requires="p14">
+      <p:transition spd="slow" p14:dur="2500" advTm="2500">
+        <p:fade/>
+      </p:transition>
+    </mc:Choice>
+    <mc:Fallback>
+      <p:transition spd="slow" advTm="2500">
+        <p:fade/>
+      </p:transition>
+    </mc:Fallback>
+  </mc:AlternateContent>
+</p:sld>
+</file>
+
+<file path=ppt/slides/slide21.xml><?xml version="1.0" encoding="utf-8"?>
 <p:sld xmlns:a="http://schemas.openxmlformats.org/drawingml/2006/main" xmlns:r="http://schemas.openxmlformats.org/officeDocument/2006/relationships" xmlns:p="http://schemas.openxmlformats.org/presentationml/2006/main">
   <p:cSld>
     <p:spTree>
@@ -19766,7 +19814,7 @@
           <p:cNvPr id="4" name="Picture 3">
             <a:extLst>
               <a:ext uri="{FF2B5EF4-FFF2-40B4-BE49-F238E27FC236}">
-                <a16:creationId xmlns="" xmlns:a16="http://schemas.microsoft.com/office/drawing/2014/main" id="{0F2337EF-5B9B-A0E4-92B2-73FDEF5B052A}"/>
+                <a16:creationId xmlns:a16="http://schemas.microsoft.com/office/drawing/2014/main" id="{0F2337EF-5B9B-A0E4-92B2-73FDEF5B052A}"/>
               </a:ext>
             </a:extLst>
           </p:cNvPr>
@@ -19796,7 +19844,7 @@
           <p:cNvPr id="5" name="Group 4">
             <a:extLst>
               <a:ext uri="{FF2B5EF4-FFF2-40B4-BE49-F238E27FC236}">
-                <a16:creationId xmlns="" xmlns:a16="http://schemas.microsoft.com/office/drawing/2014/main" id="{CDDED1D2-C256-246C-BCCD-70655B7C459C}"/>
+                <a16:creationId xmlns:a16="http://schemas.microsoft.com/office/drawing/2014/main" id="{CDDED1D2-C256-246C-BCCD-70655B7C459C}"/>
               </a:ext>
             </a:extLst>
           </p:cNvPr>
@@ -19819,7 +19867,7 @@
             <p:cNvPr id="6" name="Picture 5">
               <a:extLst>
                 <a:ext uri="{FF2B5EF4-FFF2-40B4-BE49-F238E27FC236}">
-                  <a16:creationId xmlns="" xmlns:a16="http://schemas.microsoft.com/office/drawing/2014/main" id="{935F5703-4139-5832-0BD9-1CAC2A1EC183}"/>
+                  <a16:creationId xmlns:a16="http://schemas.microsoft.com/office/drawing/2014/main" id="{935F5703-4139-5832-0BD9-1CAC2A1EC183}"/>
                 </a:ext>
               </a:extLst>
             </p:cNvPr>
@@ -19853,7 +19901,7 @@
             <p:cNvPr id="3" name="Rectangle 2">
               <a:extLst>
                 <a:ext uri="{FF2B5EF4-FFF2-40B4-BE49-F238E27FC236}">
-                  <a16:creationId xmlns="" xmlns:a16="http://schemas.microsoft.com/office/drawing/2014/main" id="{0C967E95-EDCC-8D18-3138-C9D909032FA7}"/>
+                  <a16:creationId xmlns:a16="http://schemas.microsoft.com/office/drawing/2014/main" id="{0C967E95-EDCC-8D18-3138-C9D909032FA7}"/>
                 </a:ext>
               </a:extLst>
             </p:cNvPr>
@@ -19902,7 +19950,7 @@
           <p:cNvPr id="24" name="Rectangle 23">
             <a:extLst>
               <a:ext uri="{FF2B5EF4-FFF2-40B4-BE49-F238E27FC236}">
-                <a16:creationId xmlns="" xmlns:a16="http://schemas.microsoft.com/office/drawing/2014/main" id="{39970A40-AD30-D214-F2F9-FB10557DAE2F}"/>
+                <a16:creationId xmlns:a16="http://schemas.microsoft.com/office/drawing/2014/main" id="{39970A40-AD30-D214-F2F9-FB10557DAE2F}"/>
               </a:ext>
             </a:extLst>
           </p:cNvPr>
@@ -19951,7 +19999,7 @@
           <p:cNvPr id="22" name="Picture 21">
             <a:extLst>
               <a:ext uri="{FF2B5EF4-FFF2-40B4-BE49-F238E27FC236}">
-                <a16:creationId xmlns="" xmlns:a16="http://schemas.microsoft.com/office/drawing/2014/main" id="{E5166965-4A15-113D-1345-BEC8809839AC}"/>
+                <a16:creationId xmlns:a16="http://schemas.microsoft.com/office/drawing/2014/main" id="{E5166965-4A15-113D-1345-BEC8809839AC}"/>
               </a:ext>
             </a:extLst>
           </p:cNvPr>
@@ -19980,7 +20028,7 @@
           <p:cNvPr id="8" name="Graphic 7" descr="Laptop with solid fill">
             <a:extLst>
               <a:ext uri="{FF2B5EF4-FFF2-40B4-BE49-F238E27FC236}">
-                <a16:creationId xmlns="" xmlns:a16="http://schemas.microsoft.com/office/drawing/2014/main" id="{F4AD7895-BA3B-7CA4-3337-EAB647AA8C76}"/>
+                <a16:creationId xmlns:a16="http://schemas.microsoft.com/office/drawing/2014/main" id="{F4AD7895-BA3B-7CA4-3337-EAB647AA8C76}"/>
               </a:ext>
             </a:extLst>
           </p:cNvPr>
@@ -19994,7 +20042,7 @@
                 <a14:useLocalDpi xmlns:a14="http://schemas.microsoft.com/office/drawing/2010/main" val="0"/>
               </a:ext>
               <a:ext uri="{96DAC541-7B7A-43D3-8B79-37D633B846F1}">
-                <asvg:svgBlip xmlns="" xmlns:asvg="http://schemas.microsoft.com/office/drawing/2016/SVG/main" r:embed="rId7"/>
+                <asvg:svgBlip xmlns:asvg="http://schemas.microsoft.com/office/drawing/2016/SVG/main" r:embed="rId7"/>
               </a:ext>
             </a:extLst>
           </a:blip>
@@ -20017,7 +20065,7 @@
           <p:cNvPr id="2" name="TextBox 1">
             <a:extLst>
               <a:ext uri="{FF2B5EF4-FFF2-40B4-BE49-F238E27FC236}">
-                <a16:creationId xmlns="" xmlns:a16="http://schemas.microsoft.com/office/drawing/2014/main" id="{6045612D-AFEE-5632-F6DF-CD69DA28E4C8}"/>
+                <a16:creationId xmlns:a16="http://schemas.microsoft.com/office/drawing/2014/main" id="{6045612D-AFEE-5632-F6DF-CD69DA28E4C8}"/>
               </a:ext>
             </a:extLst>
           </p:cNvPr>
@@ -20276,7 +20324,7 @@
 </p:sld>
 </file>
 
-<file path=ppt/slides/slide21.xml><?xml version="1.0" encoding="utf-8"?>
+<file path=ppt/slides/slide22.xml><?xml version="1.0" encoding="utf-8"?>
 <p:sld xmlns:a="http://schemas.openxmlformats.org/drawingml/2006/main" xmlns:r="http://schemas.openxmlformats.org/officeDocument/2006/relationships" xmlns:p="http://schemas.openxmlformats.org/presentationml/2006/main">
   <p:cSld>
     <p:spTree>
@@ -20298,7 +20346,7 @@
           <p:cNvPr id="11" name="Picture 10">
             <a:extLst>
               <a:ext uri="{FF2B5EF4-FFF2-40B4-BE49-F238E27FC236}">
-                <a16:creationId xmlns="" xmlns:a16="http://schemas.microsoft.com/office/drawing/2014/main" id="{9CF418E0-9704-8BD3-8F5F-453E33F74507}"/>
+                <a16:creationId xmlns:a16="http://schemas.microsoft.com/office/drawing/2014/main" id="{9CF418E0-9704-8BD3-8F5F-453E33F74507}"/>
               </a:ext>
             </a:extLst>
           </p:cNvPr>
@@ -20327,7 +20375,7 @@
           <p:cNvPr id="17" name="Graphic 16" descr="Laptop with solid fill">
             <a:extLst>
               <a:ext uri="{FF2B5EF4-FFF2-40B4-BE49-F238E27FC236}">
-                <a16:creationId xmlns="" xmlns:a16="http://schemas.microsoft.com/office/drawing/2014/main" id="{9F947EC9-9587-61EB-72D8-B68C25272B28}"/>
+                <a16:creationId xmlns:a16="http://schemas.microsoft.com/office/drawing/2014/main" id="{9F947EC9-9587-61EB-72D8-B68C25272B28}"/>
               </a:ext>
             </a:extLst>
           </p:cNvPr>
@@ -20341,7 +20389,7 @@
                 <a14:useLocalDpi xmlns:a14="http://schemas.microsoft.com/office/drawing/2010/main" val="0"/>
               </a:ext>
               <a:ext uri="{96DAC541-7B7A-43D3-8B79-37D633B846F1}">
-                <asvg:svgBlip xmlns="" xmlns:asvg="http://schemas.microsoft.com/office/drawing/2016/SVG/main" r:embed="rId5"/>
+                <asvg:svgBlip xmlns:asvg="http://schemas.microsoft.com/office/drawing/2016/SVG/main" r:embed="rId5"/>
               </a:ext>
             </a:extLst>
           </a:blip>
@@ -20364,7 +20412,7 @@
           <p:cNvPr id="2" name="Title 1">
             <a:extLst>
               <a:ext uri="{FF2B5EF4-FFF2-40B4-BE49-F238E27FC236}">
-                <a16:creationId xmlns="" xmlns:a16="http://schemas.microsoft.com/office/drawing/2014/main" id="{11605334-E9E4-22F5-5AE3-3F0A2E66D88A}"/>
+                <a16:creationId xmlns:a16="http://schemas.microsoft.com/office/drawing/2014/main" id="{11605334-E9E4-22F5-5AE3-3F0A2E66D88A}"/>
               </a:ext>
             </a:extLst>
           </p:cNvPr>
@@ -20411,7 +20459,7 @@
           <p:cNvPr id="18" name="Rectangle 17">
             <a:extLst>
               <a:ext uri="{FF2B5EF4-FFF2-40B4-BE49-F238E27FC236}">
-                <a16:creationId xmlns="" xmlns:a16="http://schemas.microsoft.com/office/drawing/2014/main" id="{49B87103-F864-C182-B2FB-1278DA8A241F}"/>
+                <a16:creationId xmlns:a16="http://schemas.microsoft.com/office/drawing/2014/main" id="{49B87103-F864-C182-B2FB-1278DA8A241F}"/>
               </a:ext>
             </a:extLst>
           </p:cNvPr>
@@ -20463,7 +20511,7 @@
           <p:cNvPr id="19" name="Straight Arrow Connector 18">
             <a:extLst>
               <a:ext uri="{FF2B5EF4-FFF2-40B4-BE49-F238E27FC236}">
-                <a16:creationId xmlns="" xmlns:a16="http://schemas.microsoft.com/office/drawing/2014/main" id="{964C607E-5996-2568-9AB3-2CA1C0145811}"/>
+                <a16:creationId xmlns:a16="http://schemas.microsoft.com/office/drawing/2014/main" id="{964C607E-5996-2568-9AB3-2CA1C0145811}"/>
               </a:ext>
             </a:extLst>
           </p:cNvPr>
@@ -20502,7 +20550,7 @@
           <p:cNvPr id="20" name="TextBox 19">
             <a:extLst>
               <a:ext uri="{FF2B5EF4-FFF2-40B4-BE49-F238E27FC236}">
-                <a16:creationId xmlns="" xmlns:a16="http://schemas.microsoft.com/office/drawing/2014/main" id="{19A00E66-2723-2B7F-3DFA-0E8C3E4EFF3D}"/>
+                <a16:creationId xmlns:a16="http://schemas.microsoft.com/office/drawing/2014/main" id="{19A00E66-2723-2B7F-3DFA-0E8C3E4EFF3D}"/>
               </a:ext>
             </a:extLst>
           </p:cNvPr>
@@ -20548,7 +20596,7 @@
           <p:cNvPr id="23" name="Rectangle 22">
             <a:extLst>
               <a:ext uri="{FF2B5EF4-FFF2-40B4-BE49-F238E27FC236}">
-                <a16:creationId xmlns="" xmlns:a16="http://schemas.microsoft.com/office/drawing/2014/main" id="{B3D9F361-8007-70EB-8949-67C07385D5B2}"/>
+                <a16:creationId xmlns:a16="http://schemas.microsoft.com/office/drawing/2014/main" id="{B3D9F361-8007-70EB-8949-67C07385D5B2}"/>
               </a:ext>
             </a:extLst>
           </p:cNvPr>
@@ -20784,7 +20832,7 @@
 </p:sld>
 </file>
 
-<file path=ppt/slides/slide22.xml><?xml version="1.0" encoding="utf-8"?>
+<file path=ppt/slides/slide23.xml><?xml version="1.0" encoding="utf-8"?>
 <p:sld xmlns:a="http://schemas.openxmlformats.org/drawingml/2006/main" xmlns:r="http://schemas.openxmlformats.org/officeDocument/2006/relationships" xmlns:p="http://schemas.openxmlformats.org/presentationml/2006/main">
   <p:cSld>
     <p:spTree>
@@ -20806,7 +20854,7 @@
           <p:cNvPr id="6" name="Rectangle 5">
             <a:extLst>
               <a:ext uri="{FF2B5EF4-FFF2-40B4-BE49-F238E27FC236}">
-                <a16:creationId xmlns="" xmlns:a16="http://schemas.microsoft.com/office/drawing/2014/main" id="{417D1F54-0F3A-1AE3-FFB5-7703E0DC6920}"/>
+                <a16:creationId xmlns:a16="http://schemas.microsoft.com/office/drawing/2014/main" id="{417D1F54-0F3A-1AE3-FFB5-7703E0DC6920}"/>
               </a:ext>
             </a:extLst>
           </p:cNvPr>
@@ -20855,7 +20903,7 @@
           <p:cNvPr id="4" name="Graphic 3" descr="Laptop with solid fill">
             <a:extLst>
               <a:ext uri="{FF2B5EF4-FFF2-40B4-BE49-F238E27FC236}">
-                <a16:creationId xmlns="" xmlns:a16="http://schemas.microsoft.com/office/drawing/2014/main" id="{623E403C-2E52-BBDA-7EAD-5BB38064969B}"/>
+                <a16:creationId xmlns:a16="http://schemas.microsoft.com/office/drawing/2014/main" id="{623E403C-2E52-BBDA-7EAD-5BB38064969B}"/>
               </a:ext>
             </a:extLst>
           </p:cNvPr>
@@ -20869,7 +20917,7 @@
                 <a14:useLocalDpi xmlns:a14="http://schemas.microsoft.com/office/drawing/2010/main" val="0"/>
               </a:ext>
               <a:ext uri="{96DAC541-7B7A-43D3-8B79-37D633B846F1}">
-                <asvg:svgBlip xmlns="" xmlns:asvg="http://schemas.microsoft.com/office/drawing/2016/SVG/main" r:embed="rId4"/>
+                <asvg:svgBlip xmlns:asvg="http://schemas.microsoft.com/office/drawing/2016/SVG/main" r:embed="rId4"/>
               </a:ext>
             </a:extLst>
           </a:blip>
@@ -20892,7 +20940,7 @@
           <p:cNvPr id="5" name="Title 1">
             <a:extLst>
               <a:ext uri="{FF2B5EF4-FFF2-40B4-BE49-F238E27FC236}">
-                <a16:creationId xmlns="" xmlns:a16="http://schemas.microsoft.com/office/drawing/2014/main" id="{474D6C99-6483-8EFC-4F6D-FDBACCB861E6}"/>
+                <a16:creationId xmlns:a16="http://schemas.microsoft.com/office/drawing/2014/main" id="{474D6C99-6483-8EFC-4F6D-FDBACCB861E6}"/>
               </a:ext>
             </a:extLst>
           </p:cNvPr>
@@ -20939,7 +20987,7 @@
           <p:cNvPr id="8" name="TextBox 7">
             <a:extLst>
               <a:ext uri="{FF2B5EF4-FFF2-40B4-BE49-F238E27FC236}">
-                <a16:creationId xmlns="" xmlns:a16="http://schemas.microsoft.com/office/drawing/2014/main" id="{39C89145-DE17-6BF2-5DDF-1C226A9B984F}"/>
+                <a16:creationId xmlns:a16="http://schemas.microsoft.com/office/drawing/2014/main" id="{39C89145-DE17-6BF2-5DDF-1C226A9B984F}"/>
               </a:ext>
             </a:extLst>
           </p:cNvPr>
@@ -21023,7 +21071,7 @@
           <p:cNvPr id="9" name="TextBox 8">
             <a:extLst>
               <a:ext uri="{FF2B5EF4-FFF2-40B4-BE49-F238E27FC236}">
-                <a16:creationId xmlns="" xmlns:a16="http://schemas.microsoft.com/office/drawing/2014/main" id="{0AFD584B-AA48-79A1-1A0F-0932EC6EB400}"/>
+                <a16:creationId xmlns:a16="http://schemas.microsoft.com/office/drawing/2014/main" id="{0AFD584B-AA48-79A1-1A0F-0932EC6EB400}"/>
               </a:ext>
             </a:extLst>
           </p:cNvPr>
@@ -21063,7 +21111,7 @@
           <p:cNvPr id="10" name="Rectangle 9">
             <a:extLst>
               <a:ext uri="{FF2B5EF4-FFF2-40B4-BE49-F238E27FC236}">
-                <a16:creationId xmlns="" xmlns:a16="http://schemas.microsoft.com/office/drawing/2014/main" id="{63CD328C-2F86-4605-C274-DAC323AB374C}"/>
+                <a16:creationId xmlns:a16="http://schemas.microsoft.com/office/drawing/2014/main" id="{63CD328C-2F86-4605-C274-DAC323AB374C}"/>
               </a:ext>
             </a:extLst>
           </p:cNvPr>
@@ -21118,7 +21166,7 @@
           <p:cNvPr id="13" name="Rectangle 12">
             <a:extLst>
               <a:ext uri="{FF2B5EF4-FFF2-40B4-BE49-F238E27FC236}">
-                <a16:creationId xmlns="" xmlns:a16="http://schemas.microsoft.com/office/drawing/2014/main" id="{62AABCB8-888E-C58D-9B9B-326D592CC49B}"/>
+                <a16:creationId xmlns:a16="http://schemas.microsoft.com/office/drawing/2014/main" id="{62AABCB8-888E-C58D-9B9B-326D592CC49B}"/>
               </a:ext>
             </a:extLst>
           </p:cNvPr>
@@ -21190,17 +21238,10 @@
       </p:transition>
     </mc:Fallback>
   </mc:AlternateContent>
-  <p:timing>
-    <p:tnLst>
-      <p:par>
-        <p:cTn id="1" dur="indefinite" restart="never" nodeType="tmRoot"/>
-      </p:par>
-    </p:tnLst>
-  </p:timing>
 </p:sld>
 </file>
 
-<file path=ppt/slides/slide23.xml><?xml version="1.0" encoding="utf-8"?>
+<file path=ppt/slides/slide24.xml><?xml version="1.0" encoding="utf-8"?>
 <p:sld xmlns:a="http://schemas.openxmlformats.org/drawingml/2006/main" xmlns:r="http://schemas.openxmlformats.org/officeDocument/2006/relationships" xmlns:p="http://schemas.openxmlformats.org/presentationml/2006/main">
   <p:cSld>
     <p:spTree>
@@ -21222,7 +21263,7 @@
           <p:cNvPr id="4" name="Picture 3">
             <a:extLst>
               <a:ext uri="{FF2B5EF4-FFF2-40B4-BE49-F238E27FC236}">
-                <a16:creationId xmlns="" xmlns:a16="http://schemas.microsoft.com/office/drawing/2014/main" id="{63E91571-B890-88C7-D95A-D9624BE3564A}"/>
+                <a16:creationId xmlns:a16="http://schemas.microsoft.com/office/drawing/2014/main" id="{63E91571-B890-88C7-D95A-D9624BE3564A}"/>
               </a:ext>
             </a:extLst>
           </p:cNvPr>
@@ -21251,7 +21292,7 @@
           <p:cNvPr id="10" name="Rectangle 9">
             <a:extLst>
               <a:ext uri="{FF2B5EF4-FFF2-40B4-BE49-F238E27FC236}">
-                <a16:creationId xmlns="" xmlns:a16="http://schemas.microsoft.com/office/drawing/2014/main" id="{D96DAD81-5134-706E-1B96-5696C2F9BA27}"/>
+                <a16:creationId xmlns:a16="http://schemas.microsoft.com/office/drawing/2014/main" id="{D96DAD81-5134-706E-1B96-5696C2F9BA27}"/>
               </a:ext>
             </a:extLst>
           </p:cNvPr>
@@ -21303,7 +21344,7 @@
           <p:cNvPr id="12" name="Straight Arrow Connector 11">
             <a:extLst>
               <a:ext uri="{FF2B5EF4-FFF2-40B4-BE49-F238E27FC236}">
-                <a16:creationId xmlns="" xmlns:a16="http://schemas.microsoft.com/office/drawing/2014/main" id="{90FAACD3-0BBF-F92D-4612-55C9A11A627E}"/>
+                <a16:creationId xmlns:a16="http://schemas.microsoft.com/office/drawing/2014/main" id="{90FAACD3-0BBF-F92D-4612-55C9A11A627E}"/>
               </a:ext>
             </a:extLst>
           </p:cNvPr>
@@ -21342,7 +21383,7 @@
           <p:cNvPr id="13" name="TextBox 12">
             <a:extLst>
               <a:ext uri="{FF2B5EF4-FFF2-40B4-BE49-F238E27FC236}">
-                <a16:creationId xmlns="" xmlns:a16="http://schemas.microsoft.com/office/drawing/2014/main" id="{F2491E8B-6B0C-F47C-E6C5-E895272B6D01}"/>
+                <a16:creationId xmlns:a16="http://schemas.microsoft.com/office/drawing/2014/main" id="{F2491E8B-6B0C-F47C-E6C5-E895272B6D01}"/>
               </a:ext>
             </a:extLst>
           </p:cNvPr>
@@ -21388,7 +21429,7 @@
           <p:cNvPr id="15" name="Rectangle 14">
             <a:extLst>
               <a:ext uri="{FF2B5EF4-FFF2-40B4-BE49-F238E27FC236}">
-                <a16:creationId xmlns="" xmlns:a16="http://schemas.microsoft.com/office/drawing/2014/main" id="{600FE848-F18E-A517-F9ED-BCF73A5373BF}"/>
+                <a16:creationId xmlns:a16="http://schemas.microsoft.com/office/drawing/2014/main" id="{600FE848-F18E-A517-F9ED-BCF73A5373BF}"/>
               </a:ext>
             </a:extLst>
           </p:cNvPr>
@@ -21440,7 +21481,7 @@
           <p:cNvPr id="17" name="Rectangle 16">
             <a:extLst>
               <a:ext uri="{FF2B5EF4-FFF2-40B4-BE49-F238E27FC236}">
-                <a16:creationId xmlns="" xmlns:a16="http://schemas.microsoft.com/office/drawing/2014/main" id="{B1E79D63-AEBE-B527-C5CF-5439C9CDE6A2}"/>
+                <a16:creationId xmlns:a16="http://schemas.microsoft.com/office/drawing/2014/main" id="{B1E79D63-AEBE-B527-C5CF-5439C9CDE6A2}"/>
               </a:ext>
             </a:extLst>
           </p:cNvPr>
@@ -21492,7 +21533,7 @@
           <p:cNvPr id="18" name="Rectangle 17">
             <a:extLst>
               <a:ext uri="{FF2B5EF4-FFF2-40B4-BE49-F238E27FC236}">
-                <a16:creationId xmlns="" xmlns:a16="http://schemas.microsoft.com/office/drawing/2014/main" id="{7593D6EC-397F-57F1-6AF0-199D2BACB820}"/>
+                <a16:creationId xmlns:a16="http://schemas.microsoft.com/office/drawing/2014/main" id="{7593D6EC-397F-57F1-6AF0-199D2BACB820}"/>
               </a:ext>
             </a:extLst>
           </p:cNvPr>
@@ -21544,7 +21585,7 @@
           <p:cNvPr id="6" name="Graphic 5" descr="Laptop with solid fill">
             <a:extLst>
               <a:ext uri="{FF2B5EF4-FFF2-40B4-BE49-F238E27FC236}">
-                <a16:creationId xmlns="" xmlns:a16="http://schemas.microsoft.com/office/drawing/2014/main" id="{548832DA-C08D-FCDB-A916-5451DCEFE040}"/>
+                <a16:creationId xmlns:a16="http://schemas.microsoft.com/office/drawing/2014/main" id="{548832DA-C08D-FCDB-A916-5451DCEFE040}"/>
               </a:ext>
             </a:extLst>
           </p:cNvPr>
@@ -21558,7 +21599,7 @@
                 <a14:useLocalDpi xmlns:a14="http://schemas.microsoft.com/office/drawing/2010/main" val="0"/>
               </a:ext>
               <a:ext uri="{96DAC541-7B7A-43D3-8B79-37D633B846F1}">
-                <asvg:svgBlip xmlns="" xmlns:asvg="http://schemas.microsoft.com/office/drawing/2016/SVG/main" r:embed="rId5"/>
+                <asvg:svgBlip xmlns:asvg="http://schemas.microsoft.com/office/drawing/2016/SVG/main" r:embed="rId5"/>
               </a:ext>
             </a:extLst>
           </a:blip>
@@ -21581,7 +21622,7 @@
           <p:cNvPr id="7" name="TextBox 6">
             <a:extLst>
               <a:ext uri="{FF2B5EF4-FFF2-40B4-BE49-F238E27FC236}">
-                <a16:creationId xmlns="" xmlns:a16="http://schemas.microsoft.com/office/drawing/2014/main" id="{152D0F0E-36C1-9ADF-413C-0250131E206A}"/>
+                <a16:creationId xmlns:a16="http://schemas.microsoft.com/office/drawing/2014/main" id="{152D0F0E-36C1-9ADF-413C-0250131E206A}"/>
               </a:ext>
             </a:extLst>
           </p:cNvPr>
@@ -21867,7 +21908,7 @@
 </p:sld>
 </file>
 
-<file path=ppt/slides/slide24.xml><?xml version="1.0" encoding="utf-8"?>
+<file path=ppt/slides/slide25.xml><?xml version="1.0" encoding="utf-8"?>
 <p:sld xmlns:a="http://schemas.openxmlformats.org/drawingml/2006/main" xmlns:r="http://schemas.openxmlformats.org/officeDocument/2006/relationships" xmlns:p="http://schemas.openxmlformats.org/presentationml/2006/main">
   <p:cSld>
     <p:spTree>
@@ -21889,7 +21930,7 @@
           <p:cNvPr id="6" name="Rounded Rectangle 5">
             <a:extLst>
               <a:ext uri="{FF2B5EF4-FFF2-40B4-BE49-F238E27FC236}">
-                <a16:creationId xmlns="" xmlns:a16="http://schemas.microsoft.com/office/drawing/2014/main" id="{079D50C5-FAF9-69C9-E581-B5318807CD15}"/>
+                <a16:creationId xmlns:a16="http://schemas.microsoft.com/office/drawing/2014/main" id="{079D50C5-FAF9-69C9-E581-B5318807CD15}"/>
               </a:ext>
             </a:extLst>
           </p:cNvPr>
@@ -21943,7 +21984,7 @@
           <p:cNvPr id="8" name="TextBox 7">
             <a:extLst>
               <a:ext uri="{FF2B5EF4-FFF2-40B4-BE49-F238E27FC236}">
-                <a16:creationId xmlns="" xmlns:a16="http://schemas.microsoft.com/office/drawing/2014/main" id="{17B2EE81-90D0-AEF5-195E-CD3BBEC1AAC8}"/>
+                <a16:creationId xmlns:a16="http://schemas.microsoft.com/office/drawing/2014/main" id="{17B2EE81-90D0-AEF5-195E-CD3BBEC1AAC8}"/>
               </a:ext>
             </a:extLst>
           </p:cNvPr>
@@ -21975,7 +22016,7 @@
           <p:cNvPr id="13" name="TextBox 12">
             <a:extLst>
               <a:ext uri="{FF2B5EF4-FFF2-40B4-BE49-F238E27FC236}">
-                <a16:creationId xmlns="" xmlns:a16="http://schemas.microsoft.com/office/drawing/2014/main" id="{194EC36A-72C0-5D97-08B6-18C18A96A95D}"/>
+                <a16:creationId xmlns:a16="http://schemas.microsoft.com/office/drawing/2014/main" id="{194EC36A-72C0-5D97-08B6-18C18A96A95D}"/>
               </a:ext>
             </a:extLst>
           </p:cNvPr>
@@ -22015,7 +22056,7 @@
           <p:cNvPr id="14" name="Rectangle 13">
             <a:extLst>
               <a:ext uri="{FF2B5EF4-FFF2-40B4-BE49-F238E27FC236}">
-                <a16:creationId xmlns="" xmlns:a16="http://schemas.microsoft.com/office/drawing/2014/main" id="{30610344-5073-9351-D254-6D8408C00B10}"/>
+                <a16:creationId xmlns:a16="http://schemas.microsoft.com/office/drawing/2014/main" id="{30610344-5073-9351-D254-6D8408C00B10}"/>
               </a:ext>
             </a:extLst>
           </p:cNvPr>
@@ -22062,7 +22103,7 @@
           <p:cNvPr id="2" name="TextBox 1">
             <a:extLst>
               <a:ext uri="{FF2B5EF4-FFF2-40B4-BE49-F238E27FC236}">
-                <a16:creationId xmlns="" xmlns:a16="http://schemas.microsoft.com/office/drawing/2014/main" id="{DB648E07-0ADA-3213-F04B-B618F86FE55A}"/>
+                <a16:creationId xmlns:a16="http://schemas.microsoft.com/office/drawing/2014/main" id="{DB648E07-0ADA-3213-F04B-B618F86FE55A}"/>
               </a:ext>
             </a:extLst>
           </p:cNvPr>
@@ -22111,7 +22152,7 @@
           <p:cNvPr id="4" name="Oval 3">
             <a:extLst>
               <a:ext uri="{FF2B5EF4-FFF2-40B4-BE49-F238E27FC236}">
-                <a16:creationId xmlns="" xmlns:a16="http://schemas.microsoft.com/office/drawing/2014/main" id="{B0419334-D010-AABC-F69E-4CE3A439194D}"/>
+                <a16:creationId xmlns:a16="http://schemas.microsoft.com/office/drawing/2014/main" id="{B0419334-D010-AABC-F69E-4CE3A439194D}"/>
               </a:ext>
             </a:extLst>
           </p:cNvPr>
@@ -22163,7 +22204,7 @@
           <p:cNvPr id="7" name="Rounded Rectangle 6">
             <a:extLst>
               <a:ext uri="{FF2B5EF4-FFF2-40B4-BE49-F238E27FC236}">
-                <a16:creationId xmlns="" xmlns:a16="http://schemas.microsoft.com/office/drawing/2014/main" id="{17CFD8EC-DAD6-2D70-BC4C-CA8D499F942E}"/>
+                <a16:creationId xmlns:a16="http://schemas.microsoft.com/office/drawing/2014/main" id="{17CFD8EC-DAD6-2D70-BC4C-CA8D499F942E}"/>
               </a:ext>
             </a:extLst>
           </p:cNvPr>
@@ -22222,29 +22263,22 @@
   <p:clrMapOvr>
     <a:masterClrMapping/>
   </p:clrMapOvr>
-  <mc:AlternateContent xmlns:mc="http://schemas.openxmlformats.org/markup-compatibility/2006">
-    <mc:Choice xmlns="" xmlns:p159="http://schemas.microsoft.com/office/powerpoint/2015/09/main" Requires="p159">
+  <mc:AlternateContent xmlns:mc="http://schemas.openxmlformats.org/markup-compatibility/2006" xmlns:p159="http://schemas.microsoft.com/office/powerpoint/2015/09/main">
+    <mc:Choice Requires="p159">
       <p:transition xmlns:p14="http://schemas.microsoft.com/office/powerpoint/2010/main" spd="slow" p14:dur="2000" advTm="10000">
         <p159:morph option="byObject"/>
       </p:transition>
     </mc:Choice>
-    <mc:Fallback>
+    <mc:Fallback xmlns="">
       <p:transition spd="slow" advTm="10000">
         <p:fade/>
       </p:transition>
     </mc:Fallback>
   </mc:AlternateContent>
-  <p:timing>
-    <p:tnLst>
-      <p:par>
-        <p:cTn id="1" dur="indefinite" restart="never" nodeType="tmRoot"/>
-      </p:par>
-    </p:tnLst>
-  </p:timing>
 </p:sld>
 </file>
 
-<file path=ppt/slides/slide25.xml><?xml version="1.0" encoding="utf-8"?>
+<file path=ppt/slides/slide26.xml><?xml version="1.0" encoding="utf-8"?>
 <p:sld xmlns:a="http://schemas.openxmlformats.org/drawingml/2006/main" xmlns:r="http://schemas.openxmlformats.org/officeDocument/2006/relationships" xmlns:p="http://schemas.openxmlformats.org/presentationml/2006/main" show="0">
   <p:cSld>
     <p:spTree>
@@ -22266,7 +22300,7 @@
           <p:cNvPr id="15" name="Arrow: Right 14">
             <a:extLst>
               <a:ext uri="{FF2B5EF4-FFF2-40B4-BE49-F238E27FC236}">
-                <a16:creationId xmlns="" xmlns:a16="http://schemas.microsoft.com/office/drawing/2014/main" id="{E66A1F1C-0542-3E81-7D41-636ECA0E8017}"/>
+                <a16:creationId xmlns:a16="http://schemas.microsoft.com/office/drawing/2014/main" id="{E66A1F1C-0542-3E81-7D41-636ECA0E8017}"/>
               </a:ext>
             </a:extLst>
           </p:cNvPr>
@@ -22321,7 +22355,7 @@
           <p:cNvPr id="4" name="TextBox 3">
             <a:extLst>
               <a:ext uri="{FF2B5EF4-FFF2-40B4-BE49-F238E27FC236}">
-                <a16:creationId xmlns="" xmlns:a16="http://schemas.microsoft.com/office/drawing/2014/main" id="{A19D0219-1CA3-1BE8-9A7C-5E6B9CD20031}"/>
+                <a16:creationId xmlns:a16="http://schemas.microsoft.com/office/drawing/2014/main" id="{A19D0219-1CA3-1BE8-9A7C-5E6B9CD20031}"/>
               </a:ext>
             </a:extLst>
           </p:cNvPr>
@@ -22367,7 +22401,7 @@
           <p:cNvPr id="6" name="Graphic 5" descr="Clapper board with solid fill">
             <a:extLst>
               <a:ext uri="{FF2B5EF4-FFF2-40B4-BE49-F238E27FC236}">
-                <a16:creationId xmlns="" xmlns:a16="http://schemas.microsoft.com/office/drawing/2014/main" id="{5612DC79-CCB3-FEC3-52C7-3EDFEC3C2915}"/>
+                <a16:creationId xmlns:a16="http://schemas.microsoft.com/office/drawing/2014/main" id="{5612DC79-CCB3-FEC3-52C7-3EDFEC3C2915}"/>
               </a:ext>
             </a:extLst>
           </p:cNvPr>
@@ -22383,7 +22417,7 @@
                 <a14:useLocalDpi xmlns:a14="http://schemas.microsoft.com/office/drawing/2010/main" val="0"/>
               </a:ext>
               <a:ext uri="{96DAC541-7B7A-43D3-8B79-37D633B846F1}">
-                <asvg:svgBlip xmlns="" xmlns:asvg="http://schemas.microsoft.com/office/drawing/2016/SVG/main" r:embed="rId4"/>
+                <asvg:svgBlip xmlns:asvg="http://schemas.microsoft.com/office/drawing/2016/SVG/main" r:embed="rId4"/>
               </a:ext>
             </a:extLst>
           </a:blip>
@@ -22406,7 +22440,7 @@
           <p:cNvPr id="17" name="Group 16">
             <a:extLst>
               <a:ext uri="{FF2B5EF4-FFF2-40B4-BE49-F238E27FC236}">
-                <a16:creationId xmlns="" xmlns:a16="http://schemas.microsoft.com/office/drawing/2014/main" id="{4BAA3504-49B3-FEF4-6F0A-E05A72DF5D4C}"/>
+                <a16:creationId xmlns:a16="http://schemas.microsoft.com/office/drawing/2014/main" id="{4BAA3504-49B3-FEF4-6F0A-E05A72DF5D4C}"/>
               </a:ext>
             </a:extLst>
           </p:cNvPr>
@@ -22426,7 +22460,7 @@
             <p:cNvPr id="13" name="Group 12">
               <a:extLst>
                 <a:ext uri="{FF2B5EF4-FFF2-40B4-BE49-F238E27FC236}">
-                  <a16:creationId xmlns="" xmlns:a16="http://schemas.microsoft.com/office/drawing/2014/main" id="{752266E7-030D-6D44-BDF8-9D39B444C741}"/>
+                  <a16:creationId xmlns:a16="http://schemas.microsoft.com/office/drawing/2014/main" id="{752266E7-030D-6D44-BDF8-9D39B444C741}"/>
                 </a:ext>
               </a:extLst>
             </p:cNvPr>
@@ -22446,7 +22480,7 @@
               <p:cNvPr id="7" name="Graphic 6" descr="Film strip outline">
                 <a:extLst>
                   <a:ext uri="{FF2B5EF4-FFF2-40B4-BE49-F238E27FC236}">
-                    <a16:creationId xmlns="" xmlns:a16="http://schemas.microsoft.com/office/drawing/2014/main" id="{679B4BF1-9796-032B-624E-5F1A01E26791}"/>
+                    <a16:creationId xmlns:a16="http://schemas.microsoft.com/office/drawing/2014/main" id="{679B4BF1-9796-032B-624E-5F1A01E26791}"/>
                   </a:ext>
                 </a:extLst>
               </p:cNvPr>
@@ -22462,7 +22496,7 @@
                     <a14:useLocalDpi xmlns:a14="http://schemas.microsoft.com/office/drawing/2010/main" val="0"/>
                   </a:ext>
                   <a:ext uri="{96DAC541-7B7A-43D3-8B79-37D633B846F1}">
-                    <asvg:svgBlip xmlns="" xmlns:asvg="http://schemas.microsoft.com/office/drawing/2016/SVG/main" r:embed="rId6"/>
+                    <asvg:svgBlip xmlns:asvg="http://schemas.microsoft.com/office/drawing/2016/SVG/main" r:embed="rId6"/>
                   </a:ext>
                 </a:extLst>
               </a:blip>
@@ -22484,7 +22518,7 @@
               <p:cNvPr id="8" name="Graphic 7" descr="Film strip outline">
                 <a:extLst>
                   <a:ext uri="{FF2B5EF4-FFF2-40B4-BE49-F238E27FC236}">
-                    <a16:creationId xmlns="" xmlns:a16="http://schemas.microsoft.com/office/drawing/2014/main" id="{3100521E-336B-47FE-B7CB-E3E0C7B8209F}"/>
+                    <a16:creationId xmlns:a16="http://schemas.microsoft.com/office/drawing/2014/main" id="{3100521E-336B-47FE-B7CB-E3E0C7B8209F}"/>
                   </a:ext>
                 </a:extLst>
               </p:cNvPr>
@@ -22500,7 +22534,7 @@
                     <a14:useLocalDpi xmlns:a14="http://schemas.microsoft.com/office/drawing/2010/main" val="0"/>
                   </a:ext>
                   <a:ext uri="{96DAC541-7B7A-43D3-8B79-37D633B846F1}">
-                    <asvg:svgBlip xmlns="" xmlns:asvg="http://schemas.microsoft.com/office/drawing/2016/SVG/main" r:embed="rId6"/>
+                    <asvg:svgBlip xmlns:asvg="http://schemas.microsoft.com/office/drawing/2016/SVG/main" r:embed="rId6"/>
                   </a:ext>
                 </a:extLst>
               </a:blip>
@@ -22522,7 +22556,7 @@
               <p:cNvPr id="9" name="Graphic 8" descr="Film strip outline">
                 <a:extLst>
                   <a:ext uri="{FF2B5EF4-FFF2-40B4-BE49-F238E27FC236}">
-                    <a16:creationId xmlns="" xmlns:a16="http://schemas.microsoft.com/office/drawing/2014/main" id="{B0A8CC99-441C-C45A-C31E-EE0AEA392B57}"/>
+                    <a16:creationId xmlns:a16="http://schemas.microsoft.com/office/drawing/2014/main" id="{B0A8CC99-441C-C45A-C31E-EE0AEA392B57}"/>
                   </a:ext>
                 </a:extLst>
               </p:cNvPr>
@@ -22538,7 +22572,7 @@
                     <a14:useLocalDpi xmlns:a14="http://schemas.microsoft.com/office/drawing/2010/main" val="0"/>
                   </a:ext>
                   <a:ext uri="{96DAC541-7B7A-43D3-8B79-37D633B846F1}">
-                    <asvg:svgBlip xmlns="" xmlns:asvg="http://schemas.microsoft.com/office/drawing/2016/SVG/main" r:embed="rId6"/>
+                    <asvg:svgBlip xmlns:asvg="http://schemas.microsoft.com/office/drawing/2016/SVG/main" r:embed="rId6"/>
                   </a:ext>
                 </a:extLst>
               </a:blip>
@@ -22560,7 +22594,7 @@
               <p:cNvPr id="12" name="Graphic 11" descr="Film strip outline">
                 <a:extLst>
                   <a:ext uri="{FF2B5EF4-FFF2-40B4-BE49-F238E27FC236}">
-                    <a16:creationId xmlns="" xmlns:a16="http://schemas.microsoft.com/office/drawing/2014/main" id="{94B46E5B-B72C-74EF-0FE0-2C29FB0B7C0A}"/>
+                    <a16:creationId xmlns:a16="http://schemas.microsoft.com/office/drawing/2014/main" id="{94B46E5B-B72C-74EF-0FE0-2C29FB0B7C0A}"/>
                   </a:ext>
                 </a:extLst>
               </p:cNvPr>
@@ -22576,7 +22610,7 @@
                     <a14:useLocalDpi xmlns:a14="http://schemas.microsoft.com/office/drawing/2010/main" val="0"/>
                   </a:ext>
                   <a:ext uri="{96DAC541-7B7A-43D3-8B79-37D633B846F1}">
-                    <asvg:svgBlip xmlns="" xmlns:asvg="http://schemas.microsoft.com/office/drawing/2016/SVG/main" r:embed="rId6"/>
+                    <asvg:svgBlip xmlns:asvg="http://schemas.microsoft.com/office/drawing/2016/SVG/main" r:embed="rId6"/>
                   </a:ext>
                 </a:extLst>
               </a:blip>
@@ -22599,7 +22633,7 @@
             <p:cNvPr id="16" name="TextBox 15">
               <a:extLst>
                 <a:ext uri="{FF2B5EF4-FFF2-40B4-BE49-F238E27FC236}">
-                  <a16:creationId xmlns="" xmlns:a16="http://schemas.microsoft.com/office/drawing/2014/main" id="{28D856BF-9C31-DE00-2996-5712FE027C03}"/>
+                  <a16:creationId xmlns:a16="http://schemas.microsoft.com/office/drawing/2014/main" id="{28D856BF-9C31-DE00-2996-5712FE027C03}"/>
                 </a:ext>
               </a:extLst>
             </p:cNvPr>
@@ -22637,7 +22671,7 @@
             <p:cNvPr id="11" name="TextBox 10">
               <a:extLst>
                 <a:ext uri="{FF2B5EF4-FFF2-40B4-BE49-F238E27FC236}">
-                  <a16:creationId xmlns="" xmlns:a16="http://schemas.microsoft.com/office/drawing/2014/main" id="{774D2169-5E40-96EC-89F6-C1EED5163068}"/>
+                  <a16:creationId xmlns:a16="http://schemas.microsoft.com/office/drawing/2014/main" id="{774D2169-5E40-96EC-89F6-C1EED5163068}"/>
                 </a:ext>
               </a:extLst>
             </p:cNvPr>
@@ -22684,7 +22718,7 @@
             <p:cNvPr id="3" name="TextBox 2">
               <a:extLst>
                 <a:ext uri="{FF2B5EF4-FFF2-40B4-BE49-F238E27FC236}">
-                  <a16:creationId xmlns="" xmlns:a16="http://schemas.microsoft.com/office/drawing/2014/main" id="{6785A270-730B-20BD-2C8D-B202801F202B}"/>
+                  <a16:creationId xmlns:a16="http://schemas.microsoft.com/office/drawing/2014/main" id="{6785A270-730B-20BD-2C8D-B202801F202B}"/>
                 </a:ext>
               </a:extLst>
             </p:cNvPr>
@@ -22743,7 +22777,7 @@
             <p:cNvPr id="5" name="TextBox 4">
               <a:extLst>
                 <a:ext uri="{FF2B5EF4-FFF2-40B4-BE49-F238E27FC236}">
-                  <a16:creationId xmlns="" xmlns:a16="http://schemas.microsoft.com/office/drawing/2014/main" id="{C5B8ADD1-77F7-2B4F-5CAC-47E0CEE973DE}"/>
+                  <a16:creationId xmlns:a16="http://schemas.microsoft.com/office/drawing/2014/main" id="{C5B8ADD1-77F7-2B4F-5CAC-47E0CEE973DE}"/>
                 </a:ext>
               </a:extLst>
             </p:cNvPr>
@@ -22802,7 +22836,7 @@
             <p:cNvPr id="2" name="TextBox 1">
               <a:extLst>
                 <a:ext uri="{FF2B5EF4-FFF2-40B4-BE49-F238E27FC236}">
-                  <a16:creationId xmlns="" xmlns:a16="http://schemas.microsoft.com/office/drawing/2014/main" id="{88849211-10AD-F2EC-30F8-CAC4616B3CBE}"/>
+                  <a16:creationId xmlns:a16="http://schemas.microsoft.com/office/drawing/2014/main" id="{88849211-10AD-F2EC-30F8-CAC4616B3CBE}"/>
                 </a:ext>
               </a:extLst>
             </p:cNvPr>
@@ -22879,13 +22913,13 @@
   <p:clrMapOvr>
     <a:masterClrMapping/>
   </p:clrMapOvr>
-  <mc:AlternateContent xmlns:mc="http://schemas.openxmlformats.org/markup-compatibility/2006">
-    <mc:Choice xmlns="" xmlns:p159="http://schemas.microsoft.com/office/powerpoint/2015/09/main" Requires="p159">
+  <mc:AlternateContent xmlns:mc="http://schemas.openxmlformats.org/markup-compatibility/2006" xmlns:p159="http://schemas.microsoft.com/office/powerpoint/2015/09/main">
+    <mc:Choice Requires="p159">
       <p:transition xmlns:p14="http://schemas.microsoft.com/office/powerpoint/2010/main" spd="slow" p14:dur="2000" advClick="0" advTm="4000">
         <p159:morph option="byObject"/>
       </p:transition>
     </mc:Choice>
-    <mc:Fallback>
+    <mc:Fallback xmlns="">
       <p:transition spd="slow" advClick="0" advTm="4000">
         <p:fade/>
       </p:transition>
@@ -23085,7 +23119,7 @@
 </p:sld>
 </file>
 
-<file path=ppt/slides/slide26.xml><?xml version="1.0" encoding="utf-8"?>
+<file path=ppt/slides/slide27.xml><?xml version="1.0" encoding="utf-8"?>
 <p:sld xmlns:a="http://schemas.openxmlformats.org/drawingml/2006/main" xmlns:r="http://schemas.openxmlformats.org/officeDocument/2006/relationships" xmlns:p="http://schemas.openxmlformats.org/presentationml/2006/main" show="0">
   <p:cSld>
     <p:spTree>
@@ -23107,7 +23141,7 @@
           <p:cNvPr id="2" name="Picture 1" descr="A picture containing logo&#10;&#10;Description automatically generated">
             <a:extLst>
               <a:ext uri="{FF2B5EF4-FFF2-40B4-BE49-F238E27FC236}">
-                <a16:creationId xmlns="" xmlns:a16="http://schemas.microsoft.com/office/drawing/2014/main" id="{082DF003-EF0A-0B45-42B9-239F5970FB4A}"/>
+                <a16:creationId xmlns:a16="http://schemas.microsoft.com/office/drawing/2014/main" id="{082DF003-EF0A-0B45-42B9-239F5970FB4A}"/>
               </a:ext>
             </a:extLst>
           </p:cNvPr>
@@ -23148,14 +23182,6 @@
   <p:clrMapOvr>
     <a:masterClrMapping/>
   </p:clrMapOvr>
-  <mc:AlternateContent xmlns:mc="http://schemas.openxmlformats.org/markup-compatibility/2006" xmlns:p14="http://schemas.microsoft.com/office/powerpoint/2010/main">
-    <mc:Choice Requires="p14">
-      <p:transition spd="slow" p14:dur="2000"/>
-    </mc:Choice>
-    <mc:Fallback xmlns="">
-      <p:transition spd="slow"/>
-    </mc:Fallback>
-  </mc:AlternateContent>
 </p:sld>
 </file>
 
@@ -23181,7 +23207,7 @@
           <p:cNvPr id="4" name="TextBox 3">
             <a:extLst>
               <a:ext uri="{FF2B5EF4-FFF2-40B4-BE49-F238E27FC236}">
-                <a16:creationId xmlns="" xmlns:a16="http://schemas.microsoft.com/office/drawing/2014/main" id="{71FAABE5-5A6D-D8AF-5356-B549D75E4DC1}"/>
+                <a16:creationId xmlns:a16="http://schemas.microsoft.com/office/drawing/2014/main" id="{71FAABE5-5A6D-D8AF-5356-B549D75E4DC1}"/>
               </a:ext>
             </a:extLst>
           </p:cNvPr>
@@ -23337,7 +23363,7 @@
           <p:cNvPr id="9" name="TextBox 8">
             <a:extLst>
               <a:ext uri="{FF2B5EF4-FFF2-40B4-BE49-F238E27FC236}">
-                <a16:creationId xmlns="" xmlns:a16="http://schemas.microsoft.com/office/drawing/2014/main" id="{5B271AB6-024E-738E-415C-1DA50ED39B92}"/>
+                <a16:creationId xmlns:a16="http://schemas.microsoft.com/office/drawing/2014/main" id="{5B271AB6-024E-738E-415C-1DA50ED39B92}"/>
               </a:ext>
             </a:extLst>
           </p:cNvPr>
@@ -23383,7 +23409,7 @@
           <p:cNvPr id="12" name="Straight Arrow Connector 11">
             <a:extLst>
               <a:ext uri="{FF2B5EF4-FFF2-40B4-BE49-F238E27FC236}">
-                <a16:creationId xmlns="" xmlns:a16="http://schemas.microsoft.com/office/drawing/2014/main" id="{7BC59601-BEA5-A889-D7B9-FCB776DCD479}"/>
+                <a16:creationId xmlns:a16="http://schemas.microsoft.com/office/drawing/2014/main" id="{7BC59601-BEA5-A889-D7B9-FCB776DCD479}"/>
               </a:ext>
             </a:extLst>
           </p:cNvPr>
@@ -23425,7 +23451,7 @@
           <p:cNvPr id="13" name="TextBox 12">
             <a:extLst>
               <a:ext uri="{FF2B5EF4-FFF2-40B4-BE49-F238E27FC236}">
-                <a16:creationId xmlns="" xmlns:a16="http://schemas.microsoft.com/office/drawing/2014/main" id="{C36CB001-4499-6EC4-F5F2-FAEC5DD26ADA}"/>
+                <a16:creationId xmlns:a16="http://schemas.microsoft.com/office/drawing/2014/main" id="{C36CB001-4499-6EC4-F5F2-FAEC5DD26ADA}"/>
               </a:ext>
             </a:extLst>
           </p:cNvPr>
@@ -23471,7 +23497,7 @@
           <p:cNvPr id="15" name="Straight Arrow Connector 14">
             <a:extLst>
               <a:ext uri="{FF2B5EF4-FFF2-40B4-BE49-F238E27FC236}">
-                <a16:creationId xmlns="" xmlns:a16="http://schemas.microsoft.com/office/drawing/2014/main" id="{1A66F501-EAE3-2D34-A85E-7D133B7488C6}"/>
+                <a16:creationId xmlns:a16="http://schemas.microsoft.com/office/drawing/2014/main" id="{1A66F501-EAE3-2D34-A85E-7D133B7488C6}"/>
               </a:ext>
             </a:extLst>
           </p:cNvPr>
@@ -23515,7 +23541,7 @@
           <p:cNvPr id="16" name="TextBox 15">
             <a:extLst>
               <a:ext uri="{FF2B5EF4-FFF2-40B4-BE49-F238E27FC236}">
-                <a16:creationId xmlns="" xmlns:a16="http://schemas.microsoft.com/office/drawing/2014/main" id="{A922689C-AA57-E03A-73E1-2D4E1E77C089}"/>
+                <a16:creationId xmlns:a16="http://schemas.microsoft.com/office/drawing/2014/main" id="{A922689C-AA57-E03A-73E1-2D4E1E77C089}"/>
               </a:ext>
             </a:extLst>
           </p:cNvPr>
@@ -23561,7 +23587,7 @@
           <p:cNvPr id="20" name="Straight Arrow Connector 19">
             <a:extLst>
               <a:ext uri="{FF2B5EF4-FFF2-40B4-BE49-F238E27FC236}">
-                <a16:creationId xmlns="" xmlns:a16="http://schemas.microsoft.com/office/drawing/2014/main" id="{2FA1E055-DEFC-4E6A-EE84-7B774D6C45D2}"/>
+                <a16:creationId xmlns:a16="http://schemas.microsoft.com/office/drawing/2014/main" id="{2FA1E055-DEFC-4E6A-EE84-7B774D6C45D2}"/>
               </a:ext>
             </a:extLst>
           </p:cNvPr>
@@ -23605,7 +23631,7 @@
           <p:cNvPr id="21" name="TextBox 20">
             <a:extLst>
               <a:ext uri="{FF2B5EF4-FFF2-40B4-BE49-F238E27FC236}">
-                <a16:creationId xmlns="" xmlns:a16="http://schemas.microsoft.com/office/drawing/2014/main" id="{219F4217-E15A-0CFC-0B44-904EFC5D2AF8}"/>
+                <a16:creationId xmlns:a16="http://schemas.microsoft.com/office/drawing/2014/main" id="{219F4217-E15A-0CFC-0B44-904EFC5D2AF8}"/>
               </a:ext>
             </a:extLst>
           </p:cNvPr>
@@ -23651,7 +23677,7 @@
           <p:cNvPr id="25" name="Straight Arrow Connector 24">
             <a:extLst>
               <a:ext uri="{FF2B5EF4-FFF2-40B4-BE49-F238E27FC236}">
-                <a16:creationId xmlns="" xmlns:a16="http://schemas.microsoft.com/office/drawing/2014/main" id="{2EA83CFA-3A8F-41CD-6DE0-D91412C9F978}"/>
+                <a16:creationId xmlns:a16="http://schemas.microsoft.com/office/drawing/2014/main" id="{2EA83CFA-3A8F-41CD-6DE0-D91412C9F978}"/>
               </a:ext>
             </a:extLst>
           </p:cNvPr>
@@ -23695,7 +23721,7 @@
           <p:cNvPr id="26" name="TextBox 25">
             <a:extLst>
               <a:ext uri="{FF2B5EF4-FFF2-40B4-BE49-F238E27FC236}">
-                <a16:creationId xmlns="" xmlns:a16="http://schemas.microsoft.com/office/drawing/2014/main" id="{B44E59BF-4611-4A48-B62D-C3F01306020B}"/>
+                <a16:creationId xmlns:a16="http://schemas.microsoft.com/office/drawing/2014/main" id="{B44E59BF-4611-4A48-B62D-C3F01306020B}"/>
               </a:ext>
             </a:extLst>
           </p:cNvPr>
@@ -23741,7 +23767,7 @@
           <p:cNvPr id="27" name="Title 1">
             <a:extLst>
               <a:ext uri="{FF2B5EF4-FFF2-40B4-BE49-F238E27FC236}">
-                <a16:creationId xmlns="" xmlns:a16="http://schemas.microsoft.com/office/drawing/2014/main" id="{B7A3E0CD-4388-A770-9391-82D95AE2C257}"/>
+                <a16:creationId xmlns:a16="http://schemas.microsoft.com/office/drawing/2014/main" id="{B7A3E0CD-4388-A770-9391-82D95AE2C257}"/>
               </a:ext>
             </a:extLst>
           </p:cNvPr>
@@ -23791,7 +23817,7 @@
           <p:cNvPr id="5" name="Connector: Elbow 4">
             <a:extLst>
               <a:ext uri="{FF2B5EF4-FFF2-40B4-BE49-F238E27FC236}">
-                <a16:creationId xmlns="" xmlns:a16="http://schemas.microsoft.com/office/drawing/2014/main" id="{F1565CEA-93AD-FA02-4BD9-75535F4D4A70}"/>
+                <a16:creationId xmlns:a16="http://schemas.microsoft.com/office/drawing/2014/main" id="{F1565CEA-93AD-FA02-4BD9-75535F4D4A70}"/>
               </a:ext>
             </a:extLst>
           </p:cNvPr>
@@ -23836,7 +23862,7 @@
           <p:cNvPr id="7" name="Connector: Elbow 6">
             <a:extLst>
               <a:ext uri="{FF2B5EF4-FFF2-40B4-BE49-F238E27FC236}">
-                <a16:creationId xmlns="" xmlns:a16="http://schemas.microsoft.com/office/drawing/2014/main" id="{4A16227A-B267-9983-510A-5EB838AA9904}"/>
+                <a16:creationId xmlns:a16="http://schemas.microsoft.com/office/drawing/2014/main" id="{4A16227A-B267-9983-510A-5EB838AA9904}"/>
               </a:ext>
             </a:extLst>
           </p:cNvPr>
@@ -23884,7 +23910,7 @@
           <p:cNvPr id="29" name="Connector: Elbow 28">
             <a:extLst>
               <a:ext uri="{FF2B5EF4-FFF2-40B4-BE49-F238E27FC236}">
-                <a16:creationId xmlns="" xmlns:a16="http://schemas.microsoft.com/office/drawing/2014/main" id="{304677AD-3E33-1512-0190-736900738891}"/>
+                <a16:creationId xmlns:a16="http://schemas.microsoft.com/office/drawing/2014/main" id="{304677AD-3E33-1512-0190-736900738891}"/>
               </a:ext>
             </a:extLst>
           </p:cNvPr>
@@ -23930,7 +23956,7 @@
           <p:cNvPr id="34" name="Connector: Elbow 33">
             <a:extLst>
               <a:ext uri="{FF2B5EF4-FFF2-40B4-BE49-F238E27FC236}">
-                <a16:creationId xmlns="" xmlns:a16="http://schemas.microsoft.com/office/drawing/2014/main" id="{A1047F02-3375-7B0A-ABB6-C49571902842}"/>
+                <a16:creationId xmlns:a16="http://schemas.microsoft.com/office/drawing/2014/main" id="{A1047F02-3375-7B0A-ABB6-C49571902842}"/>
               </a:ext>
             </a:extLst>
           </p:cNvPr>
@@ -23976,7 +24002,7 @@
           <p:cNvPr id="14" name="Rectangle 13">
             <a:extLst>
               <a:ext uri="{FF2B5EF4-FFF2-40B4-BE49-F238E27FC236}">
-                <a16:creationId xmlns="" xmlns:a16="http://schemas.microsoft.com/office/drawing/2014/main" id="{7F927FE1-29E0-EF3F-902A-27C364578A35}"/>
+                <a16:creationId xmlns:a16="http://schemas.microsoft.com/office/drawing/2014/main" id="{7F927FE1-29E0-EF3F-902A-27C364578A35}"/>
               </a:ext>
             </a:extLst>
           </p:cNvPr>
@@ -24028,7 +24054,7 @@
           <p:cNvPr id="19" name="Rectangle 18">
             <a:extLst>
               <a:ext uri="{FF2B5EF4-FFF2-40B4-BE49-F238E27FC236}">
-                <a16:creationId xmlns="" xmlns:a16="http://schemas.microsoft.com/office/drawing/2014/main" id="{01761136-09C8-76C3-7DF5-9A38CAABFFEA}"/>
+                <a16:creationId xmlns:a16="http://schemas.microsoft.com/office/drawing/2014/main" id="{01761136-09C8-76C3-7DF5-9A38CAABFFEA}"/>
               </a:ext>
             </a:extLst>
           </p:cNvPr>
@@ -24080,7 +24106,7 @@
           <p:cNvPr id="10" name="Rectangle 9">
             <a:extLst>
               <a:ext uri="{FF2B5EF4-FFF2-40B4-BE49-F238E27FC236}">
-                <a16:creationId xmlns="" xmlns:a16="http://schemas.microsoft.com/office/drawing/2014/main" id="{BFC3D6BC-7494-669C-774F-E1D2570C7F0B}"/>
+                <a16:creationId xmlns:a16="http://schemas.microsoft.com/office/drawing/2014/main" id="{BFC3D6BC-7494-669C-774F-E1D2570C7F0B}"/>
               </a:ext>
             </a:extLst>
           </p:cNvPr>
@@ -24132,7 +24158,7 @@
           <p:cNvPr id="24" name="Rectangle 23">
             <a:extLst>
               <a:ext uri="{FF2B5EF4-FFF2-40B4-BE49-F238E27FC236}">
-                <a16:creationId xmlns="" xmlns:a16="http://schemas.microsoft.com/office/drawing/2014/main" id="{1446AA79-F013-54C9-95BE-870A7B9A79B7}"/>
+                <a16:creationId xmlns:a16="http://schemas.microsoft.com/office/drawing/2014/main" id="{1446AA79-F013-54C9-95BE-870A7B9A79B7}"/>
               </a:ext>
             </a:extLst>
           </p:cNvPr>
@@ -24189,11 +24215,11 @@
   <p:clrMapOvr>
     <a:masterClrMapping/>
   </p:clrMapOvr>
-  <mc:AlternateContent xmlns:mc="http://schemas.openxmlformats.org/markup-compatibility/2006">
-    <mc:Choice xmlns:p14="http://schemas.microsoft.com/office/powerpoint/2010/main" Requires="p14">
+  <mc:AlternateContent xmlns:mc="http://schemas.openxmlformats.org/markup-compatibility/2006" xmlns:p14="http://schemas.microsoft.com/office/powerpoint/2010/main">
+    <mc:Choice Requires="p14">
       <p:transition p14:dur="0" advClick="0" advTm="8000"/>
     </mc:Choice>
-    <mc:Fallback>
+    <mc:Fallback xmlns="">
       <p:transition advClick="0" advTm="8000"/>
     </mc:Fallback>
   </mc:AlternateContent>
@@ -24743,7 +24769,7 @@
           <p:cNvPr id="4" name="Title 1">
             <a:extLst>
               <a:ext uri="{FF2B5EF4-FFF2-40B4-BE49-F238E27FC236}">
-                <a16:creationId xmlns="" xmlns:a16="http://schemas.microsoft.com/office/drawing/2014/main" id="{D4B2EE34-CA4B-4BCA-2346-AECE0A311A24}"/>
+                <a16:creationId xmlns:a16="http://schemas.microsoft.com/office/drawing/2014/main" id="{D4B2EE34-CA4B-4BCA-2346-AECE0A311A24}"/>
               </a:ext>
             </a:extLst>
           </p:cNvPr>
@@ -24803,25 +24829,18 @@
   <p:clrMapOvr>
     <a:masterClrMapping/>
   </p:clrMapOvr>
-  <mc:AlternateContent xmlns:mc="http://schemas.openxmlformats.org/markup-compatibility/2006">
-    <mc:Choice xmlns="" xmlns:p159="http://schemas.microsoft.com/office/powerpoint/2015/09/main" Requires="p159">
+  <mc:AlternateContent xmlns:mc="http://schemas.openxmlformats.org/markup-compatibility/2006" xmlns:p159="http://schemas.microsoft.com/office/powerpoint/2015/09/main">
+    <mc:Choice Requires="p159">
       <p:transition xmlns:p14="http://schemas.microsoft.com/office/powerpoint/2010/main" spd="slow" p14:dur="2000" advTm="2000">
         <p159:morph option="byObject"/>
       </p:transition>
     </mc:Choice>
-    <mc:Fallback>
+    <mc:Fallback xmlns="">
       <p:transition spd="slow" advTm="2000">
         <p:fade/>
       </p:transition>
     </mc:Fallback>
   </mc:AlternateContent>
-  <p:timing>
-    <p:tnLst>
-      <p:par>
-        <p:cTn id="1" dur="indefinite" restart="never" nodeType="tmRoot"/>
-      </p:par>
-    </p:tnLst>
-  </p:timing>
 </p:sld>
 </file>
 
@@ -24847,7 +24866,7 @@
           <p:cNvPr id="11" name="TextBox 10">
             <a:extLst>
               <a:ext uri="{FF2B5EF4-FFF2-40B4-BE49-F238E27FC236}">
-                <a16:creationId xmlns="" xmlns:a16="http://schemas.microsoft.com/office/drawing/2014/main" id="{FA466D1A-CDA5-3300-B4DF-A3B54FCD3C77}"/>
+                <a16:creationId xmlns:a16="http://schemas.microsoft.com/office/drawing/2014/main" id="{FA466D1A-CDA5-3300-B4DF-A3B54FCD3C77}"/>
               </a:ext>
             </a:extLst>
           </p:cNvPr>
@@ -25228,6 +25247,18 @@
               <a:tabLst/>
             </a:pPr>
             <a:r>
+              <a:rPr lang="en-US" altLang="en-US" sz="2800" dirty="0">
+                <a:solidFill>
+                  <a:schemeClr val="accent1">
+                    <a:lumMod val="60000"/>
+                    <a:lumOff val="40000"/>
+                  </a:schemeClr>
+                </a:solidFill>
+                <a:latin typeface="Consolas" panose="020B0609020204030204" pitchFamily="49" charset="0"/>
+              </a:rPr>
+              <a:t>      </a:t>
+            </a:r>
+            <a:r>
               <a:rPr kumimoji="0" lang="en-US" altLang="en-US" sz="2800" b="0" i="0" u="none" strike="noStrike" cap="none" normalizeH="0" baseline="0" dirty="0">
                 <a:ln>
                   <a:noFill/>
@@ -25241,7 +25272,7 @@
                 <a:effectLst/>
                 <a:latin typeface="Consolas" panose="020B0609020204030204" pitchFamily="49" charset="0"/>
               </a:rPr>
-              <a:t>	  "value"</a:t>
+              <a:t>"value"</a:t>
             </a:r>
             <a:r>
               <a:rPr kumimoji="0" lang="en-US" altLang="en-US" sz="2800" b="0" i="0" u="none" strike="noStrike" cap="none" normalizeH="0" baseline="0" dirty="0">
@@ -25330,6 +25361,18 @@
               <a:tabLst/>
             </a:pPr>
             <a:r>
+              <a:rPr lang="en-US" altLang="en-US" sz="2800" dirty="0">
+                <a:solidFill>
+                  <a:schemeClr val="accent1">
+                    <a:lumMod val="60000"/>
+                    <a:lumOff val="40000"/>
+                  </a:schemeClr>
+                </a:solidFill>
+                <a:latin typeface="Consolas" panose="020B0609020204030204" pitchFamily="49" charset="0"/>
+              </a:rPr>
+              <a:t>      </a:t>
+            </a:r>
+            <a:r>
               <a:rPr kumimoji="0" lang="en-US" altLang="en-US" sz="2800" b="0" i="0" u="none" strike="noStrike" cap="none" normalizeH="0" baseline="0" dirty="0">
                 <a:ln>
                   <a:noFill/>
@@ -25343,7 +25386,7 @@
                 <a:effectLst/>
                 <a:latin typeface="Consolas" panose="020B0609020204030204" pitchFamily="49" charset="0"/>
               </a:rPr>
-              <a:t>	  "unit"</a:t>
+              <a:t>"unit"</a:t>
             </a:r>
             <a:r>
               <a:rPr kumimoji="0" lang="en-US" altLang="en-US" sz="2800" b="0" i="0" u="none" strike="noStrike" cap="none" normalizeH="0" baseline="0" dirty="0">
@@ -25461,6 +25504,18 @@
               <a:tabLst/>
             </a:pPr>
             <a:r>
+              <a:rPr lang="en-US" altLang="en-US" sz="2800" dirty="0">
+                <a:solidFill>
+                  <a:schemeClr val="accent1">
+                    <a:lumMod val="60000"/>
+                    <a:lumOff val="40000"/>
+                  </a:schemeClr>
+                </a:solidFill>
+                <a:latin typeface="Consolas" panose="020B0609020204030204" pitchFamily="49" charset="0"/>
+              </a:rPr>
+              <a:t>    </a:t>
+            </a:r>
+            <a:r>
               <a:rPr kumimoji="0" lang="en-US" altLang="en-US" sz="2800" b="0" i="0" u="none" strike="noStrike" cap="none" normalizeH="0" baseline="0" dirty="0">
                 <a:ln>
                   <a:noFill/>
@@ -25474,7 +25529,7 @@
                 <a:effectLst/>
                 <a:latin typeface="Consolas" panose="020B0609020204030204" pitchFamily="49" charset="0"/>
               </a:rPr>
-              <a:t>	"</a:t>
+              <a:t>"</a:t>
             </a:r>
             <a:r>
               <a:rPr kumimoji="0" lang="en-US" altLang="en-US" sz="2800" b="0" i="0" u="none" strike="noStrike" cap="none" normalizeH="0" baseline="0" dirty="0" err="1">
@@ -25603,7 +25658,7 @@
           <p:cNvPr id="4" name="Rectangle 3">
             <a:extLst>
               <a:ext uri="{FF2B5EF4-FFF2-40B4-BE49-F238E27FC236}">
-                <a16:creationId xmlns="" xmlns:a16="http://schemas.microsoft.com/office/drawing/2014/main" id="{61F5B871-4B8C-1824-85D9-E63FF6D544C8}"/>
+                <a16:creationId xmlns:a16="http://schemas.microsoft.com/office/drawing/2014/main" id="{61F5B871-4B8C-1824-85D9-E63FF6D544C8}"/>
               </a:ext>
             </a:extLst>
           </p:cNvPr>
@@ -25655,7 +25710,7 @@
           <p:cNvPr id="6" name="TextBox 5">
             <a:extLst>
               <a:ext uri="{FF2B5EF4-FFF2-40B4-BE49-F238E27FC236}">
-                <a16:creationId xmlns="" xmlns:a16="http://schemas.microsoft.com/office/drawing/2014/main" id="{EBA37B5C-FB0C-6088-F80F-3AFB1605CA4C}"/>
+                <a16:creationId xmlns:a16="http://schemas.microsoft.com/office/drawing/2014/main" id="{EBA37B5C-FB0C-6088-F80F-3AFB1605CA4C}"/>
               </a:ext>
             </a:extLst>
           </p:cNvPr>
@@ -25701,7 +25756,7 @@
           <p:cNvPr id="7" name="Rectangle 6">
             <a:extLst>
               <a:ext uri="{FF2B5EF4-FFF2-40B4-BE49-F238E27FC236}">
-                <a16:creationId xmlns="" xmlns:a16="http://schemas.microsoft.com/office/drawing/2014/main" id="{1561DCD4-F799-04EA-CC74-DD968FB36F08}"/>
+                <a16:creationId xmlns:a16="http://schemas.microsoft.com/office/drawing/2014/main" id="{1561DCD4-F799-04EA-CC74-DD968FB36F08}"/>
               </a:ext>
             </a:extLst>
           </p:cNvPr>
@@ -25753,7 +25808,7 @@
           <p:cNvPr id="8" name="Straight Arrow Connector 7">
             <a:extLst>
               <a:ext uri="{FF2B5EF4-FFF2-40B4-BE49-F238E27FC236}">
-                <a16:creationId xmlns="" xmlns:a16="http://schemas.microsoft.com/office/drawing/2014/main" id="{F60C429C-D0AC-B96B-1A03-DB5B261507EF}"/>
+                <a16:creationId xmlns:a16="http://schemas.microsoft.com/office/drawing/2014/main" id="{F60C429C-D0AC-B96B-1A03-DB5B261507EF}"/>
               </a:ext>
             </a:extLst>
           </p:cNvPr>
@@ -25797,7 +25852,7 @@
           <p:cNvPr id="9" name="TextBox 8">
             <a:extLst>
               <a:ext uri="{FF2B5EF4-FFF2-40B4-BE49-F238E27FC236}">
-                <a16:creationId xmlns="" xmlns:a16="http://schemas.microsoft.com/office/drawing/2014/main" id="{B38E696C-F489-0EFA-9EBE-71D5F95CAD76}"/>
+                <a16:creationId xmlns:a16="http://schemas.microsoft.com/office/drawing/2014/main" id="{B38E696C-F489-0EFA-9EBE-71D5F95CAD76}"/>
               </a:ext>
             </a:extLst>
           </p:cNvPr>
@@ -25843,7 +25898,7 @@
           <p:cNvPr id="16" name="TextBox 15">
             <a:extLst>
               <a:ext uri="{FF2B5EF4-FFF2-40B4-BE49-F238E27FC236}">
-                <a16:creationId xmlns="" xmlns:a16="http://schemas.microsoft.com/office/drawing/2014/main" id="{485785FA-EB9A-2516-53EA-E85739F3C840}"/>
+                <a16:creationId xmlns:a16="http://schemas.microsoft.com/office/drawing/2014/main" id="{485785FA-EB9A-2516-53EA-E85739F3C840}"/>
               </a:ext>
             </a:extLst>
           </p:cNvPr>
@@ -25893,7 +25948,7 @@
           <p:cNvPr id="5" name="Straight Arrow Connector 4">
             <a:extLst>
               <a:ext uri="{FF2B5EF4-FFF2-40B4-BE49-F238E27FC236}">
-                <a16:creationId xmlns="" xmlns:a16="http://schemas.microsoft.com/office/drawing/2014/main" id="{B4EBD089-0957-E90A-F48F-7A7189B9C746}"/>
+                <a16:creationId xmlns:a16="http://schemas.microsoft.com/office/drawing/2014/main" id="{B4EBD089-0957-E90A-F48F-7A7189B9C746}"/>
               </a:ext>
             </a:extLst>
           </p:cNvPr>
@@ -25937,7 +25992,7 @@
           <p:cNvPr id="10" name="Straight Arrow Connector 9">
             <a:extLst>
               <a:ext uri="{FF2B5EF4-FFF2-40B4-BE49-F238E27FC236}">
-                <a16:creationId xmlns="" xmlns:a16="http://schemas.microsoft.com/office/drawing/2014/main" id="{7BD03906-6214-4315-D848-F50543EB6FF7}"/>
+                <a16:creationId xmlns:a16="http://schemas.microsoft.com/office/drawing/2014/main" id="{7BD03906-6214-4315-D848-F50543EB6FF7}"/>
               </a:ext>
             </a:extLst>
           </p:cNvPr>
@@ -25982,7 +26037,7 @@
           <p:cNvPr id="15" name="Straight Arrow Connector 14">
             <a:extLst>
               <a:ext uri="{FF2B5EF4-FFF2-40B4-BE49-F238E27FC236}">
-                <a16:creationId xmlns="" xmlns:a16="http://schemas.microsoft.com/office/drawing/2014/main" id="{B8C48CAC-C87F-0089-2970-483DAA13FE67}"/>
+                <a16:creationId xmlns:a16="http://schemas.microsoft.com/office/drawing/2014/main" id="{B8C48CAC-C87F-0089-2970-483DAA13FE67}"/>
               </a:ext>
             </a:extLst>
           </p:cNvPr>
@@ -26333,7 +26388,7 @@
           <p:cNvPr id="4" name="TextBox 3">
             <a:extLst>
               <a:ext uri="{FF2B5EF4-FFF2-40B4-BE49-F238E27FC236}">
-                <a16:creationId xmlns="" xmlns:a16="http://schemas.microsoft.com/office/drawing/2014/main" id="{0312EC83-56B6-A809-94F0-87334C47F7AA}"/>
+                <a16:creationId xmlns:a16="http://schemas.microsoft.com/office/drawing/2014/main" id="{0312EC83-56B6-A809-94F0-87334C47F7AA}"/>
               </a:ext>
             </a:extLst>
           </p:cNvPr>
@@ -26442,19 +26497,10 @@
                 </a:solidFill>
                 <a:latin typeface="Consolas" panose="020B0609020204030204" pitchFamily="49" charset="0"/>
               </a:rPr>
-              <a:t>"</a:t>
-            </a:r>
-            <a:r>
-              <a:rPr lang="en-US" altLang="en-US" sz="1400" dirty="0" smtClean="0">
-                <a:solidFill>
-                  <a:schemeClr val="accent2"/>
-                </a:solidFill>
-                <a:latin typeface="Consolas" panose="020B0609020204030204" pitchFamily="49" charset="0"/>
-              </a:rPr>
-              <a:t>Temperature Sensor"</a:t>
-            </a:r>
-            <a:r>
-              <a:rPr lang="en-US" altLang="en-US" sz="1400" dirty="0" smtClean="0">
+              <a:t>"Temperature Sensor"</a:t>
+            </a:r>
+            <a:r>
+              <a:rPr lang="en-US" altLang="en-US" sz="1400" dirty="0">
                 <a:solidFill>
                   <a:schemeClr val="accent1"/>
                 </a:solidFill>
@@ -26463,7 +26509,7 @@
               <a:t>,</a:t>
             </a:r>
             <a:r>
-              <a:rPr lang="en-US" altLang="en-US" sz="1400" dirty="0" smtClean="0">
+              <a:rPr lang="en-US" altLang="en-US" sz="1400" dirty="0">
                 <a:solidFill>
                   <a:schemeClr val="accent1">
                     <a:lumMod val="60000"/>
@@ -26473,6 +26519,1462 @@
                 <a:latin typeface="Consolas" panose="020B0609020204030204" pitchFamily="49" charset="0"/>
               </a:rPr>
               <a:t> </a:t>
+            </a:r>
+          </a:p>
+          <a:p>
+            <a:pPr lvl="0" eaLnBrk="0" fontAlgn="base" hangingPunct="0">
+              <a:spcBef>
+                <a:spcPct val="0"/>
+              </a:spcBef>
+              <a:spcAft>
+                <a:spcPct val="0"/>
+              </a:spcAft>
+            </a:pPr>
+            <a:r>
+              <a:rPr lang="en-US" altLang="en-US" sz="1400" dirty="0">
+                <a:solidFill>
+                  <a:schemeClr val="accent1">
+                    <a:lumMod val="60000"/>
+                    <a:lumOff val="40000"/>
+                  </a:schemeClr>
+                </a:solidFill>
+                <a:latin typeface="Consolas" panose="020B0609020204030204" pitchFamily="49" charset="0"/>
+              </a:rPr>
+              <a:t>          "</a:t>
+            </a:r>
+            <a:r>
+              <a:rPr lang="en-US" altLang="en-US" sz="1400" dirty="0" err="1">
+                <a:solidFill>
+                  <a:schemeClr val="accent1">
+                    <a:lumMod val="60000"/>
+                    <a:lumOff val="40000"/>
+                  </a:schemeClr>
+                </a:solidFill>
+                <a:latin typeface="Consolas" panose="020B0609020204030204" pitchFamily="49" charset="0"/>
+              </a:rPr>
+              <a:t>lastCalibration</a:t>
+            </a:r>
+            <a:r>
+              <a:rPr lang="en-US" altLang="en-US" sz="1400" dirty="0">
+                <a:solidFill>
+                  <a:schemeClr val="accent1">
+                    <a:lumMod val="60000"/>
+                    <a:lumOff val="40000"/>
+                  </a:schemeClr>
+                </a:solidFill>
+                <a:latin typeface="Consolas" panose="020B0609020204030204" pitchFamily="49" charset="0"/>
+              </a:rPr>
+              <a:t>"</a:t>
+            </a:r>
+            <a:r>
+              <a:rPr lang="en-US" altLang="en-US" sz="1400" dirty="0">
+                <a:solidFill>
+                  <a:schemeClr val="accent1"/>
+                </a:solidFill>
+                <a:latin typeface="Consolas" panose="020B0609020204030204" pitchFamily="49" charset="0"/>
+              </a:rPr>
+              <a:t>:</a:t>
+            </a:r>
+            <a:r>
+              <a:rPr lang="en-US" altLang="en-US" sz="1400" dirty="0">
+                <a:solidFill>
+                  <a:schemeClr val="accent1">
+                    <a:lumMod val="60000"/>
+                    <a:lumOff val="40000"/>
+                  </a:schemeClr>
+                </a:solidFill>
+                <a:latin typeface="Consolas" panose="020B0609020204030204" pitchFamily="49" charset="0"/>
+              </a:rPr>
+              <a:t> </a:t>
+            </a:r>
+            <a:r>
+              <a:rPr lang="en-US" altLang="en-US" sz="1400" dirty="0">
+                <a:solidFill>
+                  <a:schemeClr val="accent2"/>
+                </a:solidFill>
+                <a:latin typeface="Consolas" panose="020B0609020204030204" pitchFamily="49" charset="0"/>
+              </a:rPr>
+              <a:t>"2018-11-13T20:20:39+00:00"</a:t>
+            </a:r>
+            <a:r>
+              <a:rPr lang="en-US" altLang="en-US" sz="1400" dirty="0">
+                <a:solidFill>
+                  <a:schemeClr val="accent1"/>
+                </a:solidFill>
+                <a:latin typeface="Consolas" panose="020B0609020204030204" pitchFamily="49" charset="0"/>
+              </a:rPr>
+              <a:t>,</a:t>
+            </a:r>
+          </a:p>
+          <a:p>
+            <a:pPr lvl="0" eaLnBrk="0" fontAlgn="base" hangingPunct="0">
+              <a:spcBef>
+                <a:spcPct val="0"/>
+              </a:spcBef>
+              <a:spcAft>
+                <a:spcPct val="0"/>
+              </a:spcAft>
+            </a:pPr>
+            <a:r>
+              <a:rPr lang="en-US" altLang="en-US" sz="1400" dirty="0">
+                <a:solidFill>
+                  <a:schemeClr val="accent1">
+                    <a:lumMod val="60000"/>
+                    <a:lumOff val="40000"/>
+                  </a:schemeClr>
+                </a:solidFill>
+                <a:latin typeface="Consolas" panose="020B0609020204030204" pitchFamily="49" charset="0"/>
+              </a:rPr>
+              <a:t>          "measurement"</a:t>
+            </a:r>
+            <a:r>
+              <a:rPr lang="en-US" altLang="en-US" sz="1400" dirty="0">
+                <a:solidFill>
+                  <a:schemeClr val="accent1"/>
+                </a:solidFill>
+                <a:latin typeface="Consolas" panose="020B0609020204030204" pitchFamily="49" charset="0"/>
+              </a:rPr>
+              <a:t>:</a:t>
+            </a:r>
+            <a:r>
+              <a:rPr lang="en-US" altLang="en-US" sz="1400" dirty="0">
+                <a:solidFill>
+                  <a:schemeClr val="accent1">
+                    <a:lumMod val="60000"/>
+                    <a:lumOff val="40000"/>
+                  </a:schemeClr>
+                </a:solidFill>
+                <a:latin typeface="Consolas" panose="020B0609020204030204" pitchFamily="49" charset="0"/>
+              </a:rPr>
+              <a:t> </a:t>
+            </a:r>
+            <a:r>
+              <a:rPr lang="en-US" altLang="en-US" sz="1400" dirty="0">
+                <a:solidFill>
+                  <a:schemeClr val="accent1"/>
+                </a:solidFill>
+                <a:latin typeface="Consolas" panose="020B0609020204030204" pitchFamily="49" charset="0"/>
+              </a:rPr>
+              <a:t>{</a:t>
+            </a:r>
+            <a:r>
+              <a:rPr lang="en-US" altLang="en-US" sz="1400" dirty="0">
+                <a:solidFill>
+                  <a:schemeClr val="accent1">
+                    <a:lumMod val="60000"/>
+                    <a:lumOff val="40000"/>
+                  </a:schemeClr>
+                </a:solidFill>
+                <a:latin typeface="Consolas" panose="020B0609020204030204" pitchFamily="49" charset="0"/>
+              </a:rPr>
+              <a:t> </a:t>
+            </a:r>
+          </a:p>
+          <a:p>
+            <a:pPr lvl="0" eaLnBrk="0" fontAlgn="base" hangingPunct="0">
+              <a:spcBef>
+                <a:spcPct val="0"/>
+              </a:spcBef>
+              <a:spcAft>
+                <a:spcPct val="0"/>
+              </a:spcAft>
+            </a:pPr>
+            <a:r>
+              <a:rPr lang="en-US" altLang="en-US" sz="1400" dirty="0">
+                <a:solidFill>
+                  <a:schemeClr val="accent1">
+                    <a:lumMod val="60000"/>
+                    <a:lumOff val="40000"/>
+                  </a:schemeClr>
+                </a:solidFill>
+                <a:latin typeface="Consolas" panose="020B0609020204030204" pitchFamily="49" charset="0"/>
+              </a:rPr>
+              <a:t>            "value"</a:t>
+            </a:r>
+            <a:r>
+              <a:rPr lang="en-US" altLang="en-US" sz="1400" dirty="0">
+                <a:solidFill>
+                  <a:schemeClr val="accent1"/>
+                </a:solidFill>
+                <a:latin typeface="Consolas" panose="020B0609020204030204" pitchFamily="49" charset="0"/>
+              </a:rPr>
+              <a:t>:</a:t>
+            </a:r>
+            <a:r>
+              <a:rPr lang="en-US" altLang="en-US" sz="1400" dirty="0">
+                <a:solidFill>
+                  <a:schemeClr val="accent1">
+                    <a:lumMod val="60000"/>
+                    <a:lumOff val="40000"/>
+                  </a:schemeClr>
+                </a:solidFill>
+                <a:latin typeface="Consolas" panose="020B0609020204030204" pitchFamily="49" charset="0"/>
+              </a:rPr>
+              <a:t> </a:t>
+            </a:r>
+            <a:r>
+              <a:rPr lang="en-US" altLang="en-US" sz="1400" dirty="0">
+                <a:solidFill>
+                  <a:schemeClr val="accent6"/>
+                </a:solidFill>
+                <a:latin typeface="Consolas" panose="020B0609020204030204" pitchFamily="49" charset="0"/>
+              </a:rPr>
+              <a:t>25</a:t>
+            </a:r>
+            <a:r>
+              <a:rPr lang="en-US" altLang="en-US" sz="1400" dirty="0">
+                <a:solidFill>
+                  <a:schemeClr val="accent1"/>
+                </a:solidFill>
+                <a:latin typeface="Consolas" panose="020B0609020204030204" pitchFamily="49" charset="0"/>
+              </a:rPr>
+              <a:t>,</a:t>
+            </a:r>
+            <a:r>
+              <a:rPr lang="en-US" altLang="en-US" sz="1400" dirty="0">
+                <a:solidFill>
+                  <a:schemeClr val="accent1">
+                    <a:lumMod val="60000"/>
+                    <a:lumOff val="40000"/>
+                  </a:schemeClr>
+                </a:solidFill>
+                <a:latin typeface="Consolas" panose="020B0609020204030204" pitchFamily="49" charset="0"/>
+              </a:rPr>
+              <a:t> </a:t>
+            </a:r>
+          </a:p>
+          <a:p>
+            <a:pPr lvl="0" eaLnBrk="0" fontAlgn="base" hangingPunct="0">
+              <a:spcBef>
+                <a:spcPct val="0"/>
+              </a:spcBef>
+              <a:spcAft>
+                <a:spcPct val="0"/>
+              </a:spcAft>
+            </a:pPr>
+            <a:r>
+              <a:rPr lang="en-US" altLang="en-US" sz="1400" dirty="0">
+                <a:solidFill>
+                  <a:schemeClr val="accent1">
+                    <a:lumMod val="60000"/>
+                    <a:lumOff val="40000"/>
+                  </a:schemeClr>
+                </a:solidFill>
+                <a:latin typeface="Consolas" panose="020B0609020204030204" pitchFamily="49" charset="0"/>
+              </a:rPr>
+              <a:t>            "unit"</a:t>
+            </a:r>
+            <a:r>
+              <a:rPr lang="en-US" altLang="en-US" sz="1400" dirty="0">
+                <a:solidFill>
+                  <a:schemeClr val="accent1"/>
+                </a:solidFill>
+                <a:latin typeface="Consolas" panose="020B0609020204030204" pitchFamily="49" charset="0"/>
+              </a:rPr>
+              <a:t>:</a:t>
+            </a:r>
+            <a:r>
+              <a:rPr lang="en-US" altLang="en-US" sz="1400" dirty="0">
+                <a:solidFill>
+                  <a:schemeClr val="accent1">
+                    <a:lumMod val="60000"/>
+                    <a:lumOff val="40000"/>
+                  </a:schemeClr>
+                </a:solidFill>
+                <a:latin typeface="Consolas" panose="020B0609020204030204" pitchFamily="49" charset="0"/>
+              </a:rPr>
+              <a:t> </a:t>
+            </a:r>
+            <a:r>
+              <a:rPr lang="en-US" altLang="en-US" sz="1400" dirty="0">
+                <a:solidFill>
+                  <a:schemeClr val="accent2"/>
+                </a:solidFill>
+                <a:latin typeface="Consolas" panose="020B0609020204030204" pitchFamily="49" charset="0"/>
+              </a:rPr>
+              <a:t>"Celsius"</a:t>
+            </a:r>
+          </a:p>
+          <a:p>
+            <a:pPr lvl="0" eaLnBrk="0" fontAlgn="base" hangingPunct="0">
+              <a:spcBef>
+                <a:spcPct val="0"/>
+              </a:spcBef>
+              <a:spcAft>
+                <a:spcPct val="0"/>
+              </a:spcAft>
+            </a:pPr>
+            <a:r>
+              <a:rPr lang="en-US" altLang="en-US" sz="1400" dirty="0">
+                <a:solidFill>
+                  <a:schemeClr val="accent1">
+                    <a:lumMod val="60000"/>
+                    <a:lumOff val="40000"/>
+                  </a:schemeClr>
+                </a:solidFill>
+                <a:latin typeface="Consolas" panose="020B0609020204030204" pitchFamily="49" charset="0"/>
+              </a:rPr>
+              <a:t>          </a:t>
+            </a:r>
+            <a:r>
+              <a:rPr lang="en-US" altLang="en-US" sz="1400" dirty="0">
+                <a:solidFill>
+                  <a:schemeClr val="accent1"/>
+                </a:solidFill>
+                <a:latin typeface="Consolas" panose="020B0609020204030204" pitchFamily="49" charset="0"/>
+              </a:rPr>
+              <a:t>},</a:t>
+            </a:r>
+            <a:r>
+              <a:rPr lang="en-US" altLang="en-US" sz="1400" dirty="0">
+                <a:solidFill>
+                  <a:schemeClr val="accent1">
+                    <a:lumMod val="60000"/>
+                    <a:lumOff val="40000"/>
+                  </a:schemeClr>
+                </a:solidFill>
+                <a:latin typeface="Consolas" panose="020B0609020204030204" pitchFamily="49" charset="0"/>
+              </a:rPr>
+              <a:t> </a:t>
+            </a:r>
+          </a:p>
+          <a:p>
+            <a:pPr lvl="0" eaLnBrk="0" fontAlgn="base" hangingPunct="0">
+              <a:spcBef>
+                <a:spcPct val="0"/>
+              </a:spcBef>
+              <a:spcAft>
+                <a:spcPct val="0"/>
+              </a:spcAft>
+            </a:pPr>
+            <a:r>
+              <a:rPr lang="en-US" altLang="en-US" sz="1400" dirty="0">
+                <a:solidFill>
+                  <a:schemeClr val="accent1">
+                    <a:lumMod val="60000"/>
+                    <a:lumOff val="40000"/>
+                  </a:schemeClr>
+                </a:solidFill>
+                <a:latin typeface="Consolas" panose="020B0609020204030204" pitchFamily="49" charset="0"/>
+              </a:rPr>
+              <a:t>          "</a:t>
+            </a:r>
+            <a:r>
+              <a:rPr lang="en-US" altLang="en-US" sz="1400" dirty="0" err="1">
+                <a:solidFill>
+                  <a:schemeClr val="accent1">
+                    <a:lumMod val="60000"/>
+                    <a:lumOff val="40000"/>
+                  </a:schemeClr>
+                </a:solidFill>
+                <a:latin typeface="Consolas" panose="020B0609020204030204" pitchFamily="49" charset="0"/>
+              </a:rPr>
+              <a:t>isActive</a:t>
+            </a:r>
+            <a:r>
+              <a:rPr lang="en-US" altLang="en-US" sz="1400" dirty="0">
+                <a:solidFill>
+                  <a:schemeClr val="accent1">
+                    <a:lumMod val="60000"/>
+                    <a:lumOff val="40000"/>
+                  </a:schemeClr>
+                </a:solidFill>
+                <a:latin typeface="Consolas" panose="020B0609020204030204" pitchFamily="49" charset="0"/>
+              </a:rPr>
+              <a:t>"</a:t>
+            </a:r>
+            <a:r>
+              <a:rPr lang="en-US" altLang="en-US" sz="1400" dirty="0">
+                <a:solidFill>
+                  <a:schemeClr val="accent1"/>
+                </a:solidFill>
+                <a:latin typeface="Consolas" panose="020B0609020204030204" pitchFamily="49" charset="0"/>
+              </a:rPr>
+              <a:t>:</a:t>
+            </a:r>
+            <a:r>
+              <a:rPr lang="en-US" altLang="en-US" sz="1400" dirty="0">
+                <a:solidFill>
+                  <a:schemeClr val="accent1">
+                    <a:lumMod val="60000"/>
+                    <a:lumOff val="40000"/>
+                  </a:schemeClr>
+                </a:solidFill>
+                <a:latin typeface="Consolas" panose="020B0609020204030204" pitchFamily="49" charset="0"/>
+              </a:rPr>
+              <a:t> </a:t>
+            </a:r>
+            <a:r>
+              <a:rPr lang="en-US" altLang="en-US" sz="1400" dirty="0">
+                <a:solidFill>
+                  <a:schemeClr val="accent1"/>
+                </a:solidFill>
+                <a:latin typeface="Consolas" panose="020B0609020204030204" pitchFamily="49" charset="0"/>
+              </a:rPr>
+              <a:t>true,</a:t>
+            </a:r>
+            <a:r>
+              <a:rPr lang="en-US" altLang="en-US" sz="1400" dirty="0">
+                <a:solidFill>
+                  <a:schemeClr val="accent1">
+                    <a:lumMod val="60000"/>
+                    <a:lumOff val="40000"/>
+                  </a:schemeClr>
+                </a:solidFill>
+                <a:latin typeface="Consolas" panose="020B0609020204030204" pitchFamily="49" charset="0"/>
+              </a:rPr>
+              <a:t> </a:t>
+            </a:r>
+          </a:p>
+          <a:p>
+            <a:pPr lvl="0" eaLnBrk="0" fontAlgn="base" hangingPunct="0">
+              <a:spcBef>
+                <a:spcPct val="0"/>
+              </a:spcBef>
+              <a:spcAft>
+                <a:spcPct val="0"/>
+              </a:spcAft>
+            </a:pPr>
+            <a:r>
+              <a:rPr lang="en-US" altLang="en-US" sz="1400" dirty="0">
+                <a:solidFill>
+                  <a:schemeClr val="accent1">
+                    <a:lumMod val="60000"/>
+                    <a:lumOff val="40000"/>
+                  </a:schemeClr>
+                </a:solidFill>
+                <a:latin typeface="Consolas" panose="020B0609020204030204" pitchFamily="49" charset="0"/>
+              </a:rPr>
+              <a:t>          "precision"</a:t>
+            </a:r>
+            <a:r>
+              <a:rPr lang="en-US" altLang="en-US" sz="1400" dirty="0">
+                <a:solidFill>
+                  <a:schemeClr val="accent1"/>
+                </a:solidFill>
+                <a:latin typeface="Consolas" panose="020B0609020204030204" pitchFamily="49" charset="0"/>
+              </a:rPr>
+              <a:t>:</a:t>
+            </a:r>
+            <a:r>
+              <a:rPr lang="en-US" altLang="en-US" sz="1400" dirty="0">
+                <a:solidFill>
+                  <a:schemeClr val="accent1">
+                    <a:lumMod val="60000"/>
+                    <a:lumOff val="40000"/>
+                  </a:schemeClr>
+                </a:solidFill>
+                <a:latin typeface="Consolas" panose="020B0609020204030204" pitchFamily="49" charset="0"/>
+              </a:rPr>
+              <a:t> </a:t>
+            </a:r>
+            <a:r>
+              <a:rPr lang="en-US" altLang="en-US" sz="1400" dirty="0">
+                <a:solidFill>
+                  <a:schemeClr val="accent6"/>
+                </a:solidFill>
+                <a:latin typeface="Consolas" panose="020B0609020204030204" pitchFamily="49" charset="0"/>
+              </a:rPr>
+              <a:t>0.1</a:t>
+            </a:r>
+          </a:p>
+          <a:p>
+            <a:pPr lvl="0" eaLnBrk="0" fontAlgn="base" hangingPunct="0">
+              <a:spcBef>
+                <a:spcPct val="0"/>
+              </a:spcBef>
+              <a:spcAft>
+                <a:spcPct val="0"/>
+              </a:spcAft>
+            </a:pPr>
+            <a:r>
+              <a:rPr lang="en-US" altLang="en-US" sz="1400" dirty="0">
+                <a:solidFill>
+                  <a:schemeClr val="accent1">
+                    <a:lumMod val="60000"/>
+                    <a:lumOff val="40000"/>
+                  </a:schemeClr>
+                </a:solidFill>
+                <a:latin typeface="Consolas" panose="020B0609020204030204" pitchFamily="49" charset="0"/>
+              </a:rPr>
+              <a:t>     </a:t>
+            </a:r>
+            <a:r>
+              <a:rPr lang="en-US" altLang="en-US" sz="1400" dirty="0">
+                <a:solidFill>
+                  <a:schemeClr val="accent1"/>
+                </a:solidFill>
+                <a:latin typeface="Consolas" panose="020B0609020204030204" pitchFamily="49" charset="0"/>
+              </a:rPr>
+              <a:t>},</a:t>
+            </a:r>
+          </a:p>
+          <a:p>
+            <a:pPr lvl="0" eaLnBrk="0" fontAlgn="base" hangingPunct="0">
+              <a:spcBef>
+                <a:spcPct val="0"/>
+              </a:spcBef>
+              <a:spcAft>
+                <a:spcPct val="0"/>
+              </a:spcAft>
+            </a:pPr>
+            <a:r>
+              <a:rPr lang="en-US" altLang="en-US" sz="1400" dirty="0">
+                <a:solidFill>
+                  <a:schemeClr val="accent1"/>
+                </a:solidFill>
+                <a:latin typeface="Consolas" panose="020B0609020204030204" pitchFamily="49" charset="0"/>
+              </a:rPr>
+              <a:t>     { </a:t>
+            </a:r>
+          </a:p>
+          <a:p>
+            <a:pPr lvl="0" eaLnBrk="0" fontAlgn="base" hangingPunct="0">
+              <a:spcBef>
+                <a:spcPct val="0"/>
+              </a:spcBef>
+              <a:spcAft>
+                <a:spcPct val="0"/>
+              </a:spcAft>
+            </a:pPr>
+            <a:r>
+              <a:rPr lang="en-US" altLang="en-US" sz="1400" dirty="0">
+                <a:solidFill>
+                  <a:schemeClr val="accent1">
+                    <a:lumMod val="60000"/>
+                    <a:lumOff val="40000"/>
+                  </a:schemeClr>
+                </a:solidFill>
+                <a:latin typeface="Consolas" panose="020B0609020204030204" pitchFamily="49" charset="0"/>
+              </a:rPr>
+              <a:t>          "type"</a:t>
+            </a:r>
+            <a:r>
+              <a:rPr lang="en-US" altLang="en-US" sz="1400" dirty="0">
+                <a:solidFill>
+                  <a:schemeClr val="accent1"/>
+                </a:solidFill>
+                <a:latin typeface="Consolas" panose="020B0609020204030204" pitchFamily="49" charset="0"/>
+              </a:rPr>
+              <a:t>:</a:t>
+            </a:r>
+            <a:r>
+              <a:rPr lang="en-US" altLang="en-US" sz="1400" dirty="0">
+                <a:solidFill>
+                  <a:schemeClr val="accent1">
+                    <a:lumMod val="60000"/>
+                    <a:lumOff val="40000"/>
+                  </a:schemeClr>
+                </a:solidFill>
+                <a:latin typeface="Consolas" panose="020B0609020204030204" pitchFamily="49" charset="0"/>
+              </a:rPr>
+              <a:t> </a:t>
+            </a:r>
+            <a:r>
+              <a:rPr lang="en-US" altLang="en-US" sz="1400" dirty="0">
+                <a:solidFill>
+                  <a:schemeClr val="accent2"/>
+                </a:solidFill>
+                <a:latin typeface="Consolas" panose="020B0609020204030204" pitchFamily="49" charset="0"/>
+              </a:rPr>
+              <a:t>"Humidity Sensor"</a:t>
+            </a:r>
+            <a:r>
+              <a:rPr lang="en-US" altLang="en-US" sz="1400" dirty="0">
+                <a:solidFill>
+                  <a:schemeClr val="accent1"/>
+                </a:solidFill>
+                <a:latin typeface="Consolas" panose="020B0609020204030204" pitchFamily="49" charset="0"/>
+              </a:rPr>
+              <a:t>,</a:t>
+            </a:r>
+            <a:r>
+              <a:rPr lang="en-US" altLang="en-US" sz="1400" dirty="0">
+                <a:solidFill>
+                  <a:schemeClr val="accent1">
+                    <a:lumMod val="60000"/>
+                    <a:lumOff val="40000"/>
+                  </a:schemeClr>
+                </a:solidFill>
+                <a:latin typeface="Consolas" panose="020B0609020204030204" pitchFamily="49" charset="0"/>
+              </a:rPr>
+              <a:t> </a:t>
+            </a:r>
+          </a:p>
+          <a:p>
+            <a:pPr lvl="0" eaLnBrk="0" fontAlgn="base" hangingPunct="0">
+              <a:spcBef>
+                <a:spcPct val="0"/>
+              </a:spcBef>
+              <a:spcAft>
+                <a:spcPct val="0"/>
+              </a:spcAft>
+            </a:pPr>
+            <a:r>
+              <a:rPr lang="en-US" altLang="en-US" sz="1400" dirty="0">
+                <a:solidFill>
+                  <a:schemeClr val="accent1">
+                    <a:lumMod val="60000"/>
+                    <a:lumOff val="40000"/>
+                  </a:schemeClr>
+                </a:solidFill>
+                <a:latin typeface="Consolas" panose="020B0609020204030204" pitchFamily="49" charset="0"/>
+              </a:rPr>
+              <a:t>          "</a:t>
+            </a:r>
+            <a:r>
+              <a:rPr lang="en-US" altLang="en-US" sz="1400" dirty="0" err="1">
+                <a:solidFill>
+                  <a:schemeClr val="accent1">
+                    <a:lumMod val="60000"/>
+                    <a:lumOff val="40000"/>
+                  </a:schemeClr>
+                </a:solidFill>
+                <a:latin typeface="Consolas" panose="020B0609020204030204" pitchFamily="49" charset="0"/>
+              </a:rPr>
+              <a:t>lastCalibration</a:t>
+            </a:r>
+            <a:r>
+              <a:rPr lang="en-US" altLang="en-US" sz="1400" dirty="0">
+                <a:solidFill>
+                  <a:schemeClr val="accent1">
+                    <a:lumMod val="60000"/>
+                    <a:lumOff val="40000"/>
+                  </a:schemeClr>
+                </a:solidFill>
+                <a:latin typeface="Consolas" panose="020B0609020204030204" pitchFamily="49" charset="0"/>
+              </a:rPr>
+              <a:t>"</a:t>
+            </a:r>
+            <a:r>
+              <a:rPr lang="en-US" altLang="en-US" sz="1400" dirty="0">
+                <a:solidFill>
+                  <a:schemeClr val="accent1"/>
+                </a:solidFill>
+                <a:latin typeface="Consolas" panose="020B0609020204030204" pitchFamily="49" charset="0"/>
+              </a:rPr>
+              <a:t>:</a:t>
+            </a:r>
+            <a:r>
+              <a:rPr lang="en-US" altLang="en-US" sz="1400" dirty="0">
+                <a:solidFill>
+                  <a:schemeClr val="accent1">
+                    <a:lumMod val="60000"/>
+                    <a:lumOff val="40000"/>
+                  </a:schemeClr>
+                </a:solidFill>
+                <a:latin typeface="Consolas" panose="020B0609020204030204" pitchFamily="49" charset="0"/>
+              </a:rPr>
+              <a:t> </a:t>
+            </a:r>
+            <a:r>
+              <a:rPr lang="en-US" altLang="en-US" sz="1400" dirty="0">
+                <a:solidFill>
+                  <a:schemeClr val="accent1"/>
+                </a:solidFill>
+                <a:latin typeface="Consolas" panose="020B0609020204030204" pitchFamily="49" charset="0"/>
+              </a:rPr>
+              <a:t>null,</a:t>
+            </a:r>
+          </a:p>
+          <a:p>
+            <a:pPr lvl="0" eaLnBrk="0" fontAlgn="base" hangingPunct="0">
+              <a:spcBef>
+                <a:spcPct val="0"/>
+              </a:spcBef>
+              <a:spcAft>
+                <a:spcPct val="0"/>
+              </a:spcAft>
+            </a:pPr>
+            <a:r>
+              <a:rPr lang="en-US" altLang="en-US" sz="1400" dirty="0">
+                <a:solidFill>
+                  <a:schemeClr val="accent1">
+                    <a:lumMod val="60000"/>
+                    <a:lumOff val="40000"/>
+                  </a:schemeClr>
+                </a:solidFill>
+                <a:latin typeface="Consolas" panose="020B0609020204030204" pitchFamily="49" charset="0"/>
+              </a:rPr>
+              <a:t>          "measurement"</a:t>
+            </a:r>
+            <a:r>
+              <a:rPr lang="en-US" altLang="en-US" sz="1400" dirty="0">
+                <a:solidFill>
+                  <a:schemeClr val="accent1"/>
+                </a:solidFill>
+                <a:latin typeface="Consolas" panose="020B0609020204030204" pitchFamily="49" charset="0"/>
+              </a:rPr>
+              <a:t>:</a:t>
+            </a:r>
+            <a:r>
+              <a:rPr lang="en-US" altLang="en-US" sz="1400" dirty="0">
+                <a:solidFill>
+                  <a:schemeClr val="accent1">
+                    <a:lumMod val="60000"/>
+                    <a:lumOff val="40000"/>
+                  </a:schemeClr>
+                </a:solidFill>
+                <a:latin typeface="Consolas" panose="020B0609020204030204" pitchFamily="49" charset="0"/>
+              </a:rPr>
+              <a:t> </a:t>
+            </a:r>
+            <a:r>
+              <a:rPr lang="en-US" altLang="en-US" sz="1400" dirty="0">
+                <a:solidFill>
+                  <a:schemeClr val="accent1"/>
+                </a:solidFill>
+                <a:latin typeface="Consolas" panose="020B0609020204030204" pitchFamily="49" charset="0"/>
+              </a:rPr>
+              <a:t>{</a:t>
+            </a:r>
+            <a:r>
+              <a:rPr lang="en-US" altLang="en-US" sz="1400" dirty="0">
+                <a:solidFill>
+                  <a:schemeClr val="accent1">
+                    <a:lumMod val="60000"/>
+                    <a:lumOff val="40000"/>
+                  </a:schemeClr>
+                </a:solidFill>
+                <a:latin typeface="Consolas" panose="020B0609020204030204" pitchFamily="49" charset="0"/>
+              </a:rPr>
+              <a:t> </a:t>
+            </a:r>
+          </a:p>
+          <a:p>
+            <a:pPr lvl="0" eaLnBrk="0" fontAlgn="base" hangingPunct="0">
+              <a:spcBef>
+                <a:spcPct val="0"/>
+              </a:spcBef>
+              <a:spcAft>
+                <a:spcPct val="0"/>
+              </a:spcAft>
+            </a:pPr>
+            <a:r>
+              <a:rPr lang="en-US" altLang="en-US" sz="1400" dirty="0">
+                <a:solidFill>
+                  <a:schemeClr val="accent1">
+                    <a:lumMod val="60000"/>
+                    <a:lumOff val="40000"/>
+                  </a:schemeClr>
+                </a:solidFill>
+                <a:latin typeface="Consolas" panose="020B0609020204030204" pitchFamily="49" charset="0"/>
+              </a:rPr>
+              <a:t>            "value"</a:t>
+            </a:r>
+            <a:r>
+              <a:rPr lang="en-US" altLang="en-US" sz="1400" dirty="0">
+                <a:solidFill>
+                  <a:schemeClr val="accent1"/>
+                </a:solidFill>
+                <a:latin typeface="Consolas" panose="020B0609020204030204" pitchFamily="49" charset="0"/>
+              </a:rPr>
+              <a:t>:</a:t>
+            </a:r>
+            <a:r>
+              <a:rPr lang="en-US" altLang="en-US" sz="1400" dirty="0">
+                <a:solidFill>
+                  <a:schemeClr val="accent1">
+                    <a:lumMod val="60000"/>
+                    <a:lumOff val="40000"/>
+                  </a:schemeClr>
+                </a:solidFill>
+                <a:latin typeface="Consolas" panose="020B0609020204030204" pitchFamily="49" charset="0"/>
+              </a:rPr>
+              <a:t> </a:t>
+            </a:r>
+            <a:r>
+              <a:rPr lang="en-US" altLang="en-US" sz="1400" dirty="0">
+                <a:solidFill>
+                  <a:schemeClr val="accent6"/>
+                </a:solidFill>
+                <a:latin typeface="Consolas" panose="020B0609020204030204" pitchFamily="49" charset="0"/>
+              </a:rPr>
+              <a:t>60</a:t>
+            </a:r>
+            <a:r>
+              <a:rPr lang="en-US" altLang="en-US" sz="1400" dirty="0">
+                <a:solidFill>
+                  <a:schemeClr val="accent1"/>
+                </a:solidFill>
+                <a:latin typeface="Consolas" panose="020B0609020204030204" pitchFamily="49" charset="0"/>
+              </a:rPr>
+              <a:t>,</a:t>
+            </a:r>
+            <a:r>
+              <a:rPr lang="en-US" altLang="en-US" sz="1400" dirty="0">
+                <a:solidFill>
+                  <a:schemeClr val="accent1">
+                    <a:lumMod val="60000"/>
+                    <a:lumOff val="40000"/>
+                  </a:schemeClr>
+                </a:solidFill>
+                <a:latin typeface="Consolas" panose="020B0609020204030204" pitchFamily="49" charset="0"/>
+              </a:rPr>
+              <a:t> </a:t>
+            </a:r>
+          </a:p>
+          <a:p>
+            <a:pPr lvl="0" eaLnBrk="0" fontAlgn="base" hangingPunct="0">
+              <a:spcBef>
+                <a:spcPct val="0"/>
+              </a:spcBef>
+              <a:spcAft>
+                <a:spcPct val="0"/>
+              </a:spcAft>
+            </a:pPr>
+            <a:r>
+              <a:rPr lang="en-US" altLang="en-US" sz="1400" dirty="0">
+                <a:solidFill>
+                  <a:schemeClr val="accent1">
+                    <a:lumMod val="60000"/>
+                    <a:lumOff val="40000"/>
+                  </a:schemeClr>
+                </a:solidFill>
+                <a:latin typeface="Consolas" panose="020B0609020204030204" pitchFamily="49" charset="0"/>
+              </a:rPr>
+              <a:t>            "unit"</a:t>
+            </a:r>
+            <a:r>
+              <a:rPr lang="en-US" altLang="en-US" sz="1400" dirty="0">
+                <a:solidFill>
+                  <a:schemeClr val="accent1"/>
+                </a:solidFill>
+                <a:latin typeface="Consolas" panose="020B0609020204030204" pitchFamily="49" charset="0"/>
+              </a:rPr>
+              <a:t>:</a:t>
+            </a:r>
+            <a:r>
+              <a:rPr lang="en-US" altLang="en-US" sz="1400" dirty="0">
+                <a:solidFill>
+                  <a:schemeClr val="accent1">
+                    <a:lumMod val="60000"/>
+                    <a:lumOff val="40000"/>
+                  </a:schemeClr>
+                </a:solidFill>
+                <a:latin typeface="Consolas" panose="020B0609020204030204" pitchFamily="49" charset="0"/>
+              </a:rPr>
+              <a:t> </a:t>
+            </a:r>
+            <a:r>
+              <a:rPr lang="en-US" altLang="en-US" sz="1400" dirty="0">
+                <a:solidFill>
+                  <a:schemeClr val="accent2"/>
+                </a:solidFill>
+                <a:latin typeface="Consolas" panose="020B0609020204030204" pitchFamily="49" charset="0"/>
+              </a:rPr>
+              <a:t>"Percent"</a:t>
+            </a:r>
+          </a:p>
+          <a:p>
+            <a:pPr lvl="0" eaLnBrk="0" fontAlgn="base" hangingPunct="0">
+              <a:spcBef>
+                <a:spcPct val="0"/>
+              </a:spcBef>
+              <a:spcAft>
+                <a:spcPct val="0"/>
+              </a:spcAft>
+            </a:pPr>
+            <a:r>
+              <a:rPr lang="en-US" altLang="en-US" sz="1400" dirty="0">
+                <a:solidFill>
+                  <a:schemeClr val="accent1">
+                    <a:lumMod val="60000"/>
+                    <a:lumOff val="40000"/>
+                  </a:schemeClr>
+                </a:solidFill>
+                <a:latin typeface="Consolas" panose="020B0609020204030204" pitchFamily="49" charset="0"/>
+              </a:rPr>
+              <a:t>          </a:t>
+            </a:r>
+            <a:r>
+              <a:rPr lang="en-US" altLang="en-US" sz="1400" dirty="0">
+                <a:solidFill>
+                  <a:schemeClr val="accent1"/>
+                </a:solidFill>
+                <a:latin typeface="Consolas" panose="020B0609020204030204" pitchFamily="49" charset="0"/>
+              </a:rPr>
+              <a:t>}, </a:t>
+            </a:r>
+          </a:p>
+          <a:p>
+            <a:pPr lvl="0" eaLnBrk="0" fontAlgn="base" hangingPunct="0">
+              <a:spcBef>
+                <a:spcPct val="0"/>
+              </a:spcBef>
+              <a:spcAft>
+                <a:spcPct val="0"/>
+              </a:spcAft>
+            </a:pPr>
+            <a:r>
+              <a:rPr lang="en-US" altLang="en-US" sz="1400" dirty="0">
+                <a:solidFill>
+                  <a:schemeClr val="accent1">
+                    <a:lumMod val="60000"/>
+                    <a:lumOff val="40000"/>
+                  </a:schemeClr>
+                </a:solidFill>
+                <a:latin typeface="Consolas" panose="020B0609020204030204" pitchFamily="49" charset="0"/>
+              </a:rPr>
+              <a:t>          "</a:t>
+            </a:r>
+            <a:r>
+              <a:rPr lang="en-US" altLang="en-US" sz="1400" dirty="0" err="1">
+                <a:solidFill>
+                  <a:schemeClr val="accent1">
+                    <a:lumMod val="60000"/>
+                    <a:lumOff val="40000"/>
+                  </a:schemeClr>
+                </a:solidFill>
+                <a:latin typeface="Consolas" panose="020B0609020204030204" pitchFamily="49" charset="0"/>
+              </a:rPr>
+              <a:t>isActive</a:t>
+            </a:r>
+            <a:r>
+              <a:rPr lang="en-US" altLang="en-US" sz="1400" dirty="0">
+                <a:solidFill>
+                  <a:schemeClr val="accent1">
+                    <a:lumMod val="60000"/>
+                    <a:lumOff val="40000"/>
+                  </a:schemeClr>
+                </a:solidFill>
+                <a:latin typeface="Consolas" panose="020B0609020204030204" pitchFamily="49" charset="0"/>
+              </a:rPr>
+              <a:t>"</a:t>
+            </a:r>
+            <a:r>
+              <a:rPr lang="en-US" altLang="en-US" sz="1400" dirty="0">
+                <a:solidFill>
+                  <a:schemeClr val="accent1"/>
+                </a:solidFill>
+                <a:latin typeface="Consolas" panose="020B0609020204030204" pitchFamily="49" charset="0"/>
+              </a:rPr>
+              <a:t>:</a:t>
+            </a:r>
+            <a:r>
+              <a:rPr lang="en-US" altLang="en-US" sz="1400" dirty="0">
+                <a:solidFill>
+                  <a:schemeClr val="accent1">
+                    <a:lumMod val="60000"/>
+                    <a:lumOff val="40000"/>
+                  </a:schemeClr>
+                </a:solidFill>
+                <a:latin typeface="Consolas" panose="020B0609020204030204" pitchFamily="49" charset="0"/>
+              </a:rPr>
+              <a:t> </a:t>
+            </a:r>
+            <a:r>
+              <a:rPr lang="en-US" altLang="en-US" sz="1400" dirty="0">
+                <a:solidFill>
+                  <a:schemeClr val="accent1"/>
+                </a:solidFill>
+                <a:latin typeface="Consolas" panose="020B0609020204030204" pitchFamily="49" charset="0"/>
+              </a:rPr>
+              <a:t>true</a:t>
+            </a:r>
+            <a:r>
+              <a:rPr lang="en-US" altLang="en-US" sz="1400" dirty="0">
+                <a:solidFill>
+                  <a:schemeClr val="accent1">
+                    <a:lumMod val="60000"/>
+                    <a:lumOff val="40000"/>
+                  </a:schemeClr>
+                </a:solidFill>
+                <a:latin typeface="Consolas" panose="020B0609020204030204" pitchFamily="49" charset="0"/>
+              </a:rPr>
+              <a:t> </a:t>
+            </a:r>
+          </a:p>
+          <a:p>
+            <a:pPr lvl="0" eaLnBrk="0" fontAlgn="base" hangingPunct="0">
+              <a:spcBef>
+                <a:spcPct val="0"/>
+              </a:spcBef>
+              <a:spcAft>
+                <a:spcPct val="0"/>
+              </a:spcAft>
+            </a:pPr>
+            <a:r>
+              <a:rPr lang="en-US" altLang="en-US" sz="1400" dirty="0">
+                <a:solidFill>
+                  <a:schemeClr val="accent1"/>
+                </a:solidFill>
+                <a:latin typeface="Consolas" panose="020B0609020204030204" pitchFamily="49" charset="0"/>
+              </a:rPr>
+              <a:t>     }, </a:t>
+            </a:r>
+          </a:p>
+          <a:p>
+            <a:pPr lvl="0" eaLnBrk="0" fontAlgn="base" hangingPunct="0">
+              <a:spcBef>
+                <a:spcPct val="0"/>
+              </a:spcBef>
+              <a:spcAft>
+                <a:spcPct val="0"/>
+              </a:spcAft>
+            </a:pPr>
+            <a:r>
+              <a:rPr lang="en-US" altLang="en-US" sz="1400" dirty="0">
+                <a:solidFill>
+                  <a:schemeClr val="accent1"/>
+                </a:solidFill>
+                <a:latin typeface="Consolas" panose="020B0609020204030204" pitchFamily="49" charset="0"/>
+              </a:rPr>
+              <a:t>     { </a:t>
+            </a:r>
+          </a:p>
+          <a:p>
+            <a:pPr lvl="0" eaLnBrk="0" fontAlgn="base" hangingPunct="0">
+              <a:spcBef>
+                <a:spcPct val="0"/>
+              </a:spcBef>
+              <a:spcAft>
+                <a:spcPct val="0"/>
+              </a:spcAft>
+            </a:pPr>
+            <a:r>
+              <a:rPr lang="en-US" altLang="en-US" sz="1400" dirty="0">
+                <a:solidFill>
+                  <a:schemeClr val="accent1">
+                    <a:lumMod val="60000"/>
+                    <a:lumOff val="40000"/>
+                  </a:schemeClr>
+                </a:solidFill>
+                <a:latin typeface="Consolas" panose="020B0609020204030204" pitchFamily="49" charset="0"/>
+              </a:rPr>
+              <a:t>          "name"</a:t>
+            </a:r>
+            <a:r>
+              <a:rPr lang="en-US" altLang="en-US" sz="1400" dirty="0">
+                <a:solidFill>
+                  <a:schemeClr val="accent1"/>
+                </a:solidFill>
+                <a:latin typeface="Consolas" panose="020B0609020204030204" pitchFamily="49" charset="0"/>
+              </a:rPr>
+              <a:t>:</a:t>
+            </a:r>
+            <a:r>
+              <a:rPr lang="en-US" altLang="en-US" sz="1400" dirty="0">
+                <a:solidFill>
+                  <a:schemeClr val="accent1">
+                    <a:lumMod val="60000"/>
+                    <a:lumOff val="40000"/>
+                  </a:schemeClr>
+                </a:solidFill>
+                <a:latin typeface="Consolas" panose="020B0609020204030204" pitchFamily="49" charset="0"/>
+              </a:rPr>
+              <a:t> </a:t>
+            </a:r>
+            <a:r>
+              <a:rPr lang="en-US" altLang="en-US" sz="1400" dirty="0">
+                <a:solidFill>
+                  <a:schemeClr val="accent2"/>
+                </a:solidFill>
+                <a:latin typeface="Consolas" panose="020B0609020204030204" pitchFamily="49" charset="0"/>
+              </a:rPr>
+              <a:t>"Brightness Sensor"</a:t>
+            </a:r>
+            <a:r>
+              <a:rPr lang="en-US" altLang="en-US" sz="1400" dirty="0">
+                <a:solidFill>
+                  <a:schemeClr val="accent1"/>
+                </a:solidFill>
+                <a:latin typeface="Consolas" panose="020B0609020204030204" pitchFamily="49" charset="0"/>
+              </a:rPr>
+              <a:t>,</a:t>
+            </a:r>
+            <a:r>
+              <a:rPr lang="en-US" altLang="en-US" sz="1400" dirty="0">
+                <a:solidFill>
+                  <a:schemeClr val="accent1">
+                    <a:lumMod val="60000"/>
+                    <a:lumOff val="40000"/>
+                  </a:schemeClr>
+                </a:solidFill>
+                <a:latin typeface="Consolas" panose="020B0609020204030204" pitchFamily="49" charset="0"/>
+              </a:rPr>
+              <a:t> </a:t>
+            </a:r>
+          </a:p>
+          <a:p>
+            <a:pPr lvl="0" eaLnBrk="0" fontAlgn="base" hangingPunct="0">
+              <a:spcBef>
+                <a:spcPct val="0"/>
+              </a:spcBef>
+              <a:spcAft>
+                <a:spcPct val="0"/>
+              </a:spcAft>
+            </a:pPr>
+            <a:r>
+              <a:rPr lang="en-US" altLang="en-US" sz="1400" dirty="0">
+                <a:solidFill>
+                  <a:schemeClr val="accent1">
+                    <a:lumMod val="60000"/>
+                    <a:lumOff val="40000"/>
+                  </a:schemeClr>
+                </a:solidFill>
+                <a:latin typeface="Consolas" panose="020B0609020204030204" pitchFamily="49" charset="0"/>
+              </a:rPr>
+              <a:t>          "</a:t>
+            </a:r>
+            <a:r>
+              <a:rPr lang="en-US" altLang="en-US" sz="1400" dirty="0" err="1">
+                <a:solidFill>
+                  <a:schemeClr val="accent1">
+                    <a:lumMod val="60000"/>
+                    <a:lumOff val="40000"/>
+                  </a:schemeClr>
+                </a:solidFill>
+                <a:latin typeface="Consolas" panose="020B0609020204030204" pitchFamily="49" charset="0"/>
+              </a:rPr>
+              <a:t>lastCalibration</a:t>
+            </a:r>
+            <a:r>
+              <a:rPr lang="en-US" altLang="en-US" sz="1400" dirty="0">
+                <a:solidFill>
+                  <a:schemeClr val="accent1">
+                    <a:lumMod val="60000"/>
+                    <a:lumOff val="40000"/>
+                  </a:schemeClr>
+                </a:solidFill>
+                <a:latin typeface="Consolas" panose="020B0609020204030204" pitchFamily="49" charset="0"/>
+              </a:rPr>
+              <a:t>"</a:t>
+            </a:r>
+            <a:r>
+              <a:rPr lang="en-US" altLang="en-US" sz="1400" dirty="0">
+                <a:solidFill>
+                  <a:schemeClr val="accent1"/>
+                </a:solidFill>
+                <a:latin typeface="Consolas" panose="020B0609020204030204" pitchFamily="49" charset="0"/>
+              </a:rPr>
+              <a:t>:</a:t>
+            </a:r>
+            <a:r>
+              <a:rPr lang="en-US" altLang="en-US" sz="1400" dirty="0">
+                <a:solidFill>
+                  <a:schemeClr val="accent1">
+                    <a:lumMod val="60000"/>
+                    <a:lumOff val="40000"/>
+                  </a:schemeClr>
+                </a:solidFill>
+                <a:latin typeface="Consolas" panose="020B0609020204030204" pitchFamily="49" charset="0"/>
+              </a:rPr>
+              <a:t> </a:t>
+            </a:r>
+            <a:r>
+              <a:rPr lang="en-US" altLang="en-US" sz="1400" dirty="0">
+                <a:solidFill>
+                  <a:schemeClr val="accent2"/>
+                </a:solidFill>
+                <a:latin typeface="Consolas" panose="020B0609020204030204" pitchFamily="49" charset="0"/>
+              </a:rPr>
+              <a:t>"2020-01-19T20:20:35+00:00"</a:t>
+            </a:r>
+            <a:r>
+              <a:rPr lang="en-US" altLang="en-US" sz="1400" dirty="0">
+                <a:solidFill>
+                  <a:schemeClr val="accent1"/>
+                </a:solidFill>
+                <a:latin typeface="Consolas" panose="020B0609020204030204" pitchFamily="49" charset="0"/>
+              </a:rPr>
+              <a:t>,</a:t>
+            </a:r>
+          </a:p>
+          <a:p>
+            <a:pPr lvl="0" eaLnBrk="0" fontAlgn="base" hangingPunct="0">
+              <a:spcBef>
+                <a:spcPct val="0"/>
+              </a:spcBef>
+              <a:spcAft>
+                <a:spcPct val="0"/>
+              </a:spcAft>
+            </a:pPr>
+            <a:r>
+              <a:rPr lang="en-US" altLang="en-US" sz="1400" dirty="0">
+                <a:solidFill>
+                  <a:schemeClr val="accent1">
+                    <a:lumMod val="60000"/>
+                    <a:lumOff val="40000"/>
+                  </a:schemeClr>
+                </a:solidFill>
+                <a:latin typeface="Consolas" panose="020B0609020204030204" pitchFamily="49" charset="0"/>
+              </a:rPr>
+              <a:t>          "measurement"</a:t>
+            </a:r>
+            <a:r>
+              <a:rPr lang="en-US" altLang="en-US" sz="1400" dirty="0">
+                <a:solidFill>
+                  <a:schemeClr val="accent1"/>
+                </a:solidFill>
+                <a:latin typeface="Consolas" panose="020B0609020204030204" pitchFamily="49" charset="0"/>
+              </a:rPr>
+              <a:t>:</a:t>
+            </a:r>
+            <a:r>
+              <a:rPr lang="en-US" altLang="en-US" sz="1400" dirty="0">
+                <a:solidFill>
+                  <a:schemeClr val="accent1">
+                    <a:lumMod val="60000"/>
+                    <a:lumOff val="40000"/>
+                  </a:schemeClr>
+                </a:solidFill>
+                <a:latin typeface="Consolas" panose="020B0609020204030204" pitchFamily="49" charset="0"/>
+              </a:rPr>
+              <a:t> </a:t>
+            </a:r>
+            <a:r>
+              <a:rPr lang="en-US" altLang="en-US" sz="1400" dirty="0">
+                <a:solidFill>
+                  <a:schemeClr val="accent1"/>
+                </a:solidFill>
+                <a:latin typeface="Consolas" panose="020B0609020204030204" pitchFamily="49" charset="0"/>
+              </a:rPr>
+              <a:t>{</a:t>
+            </a:r>
+            <a:r>
+              <a:rPr lang="en-US" altLang="en-US" sz="1400" dirty="0">
+                <a:solidFill>
+                  <a:schemeClr val="accent1">
+                    <a:lumMod val="60000"/>
+                    <a:lumOff val="40000"/>
+                  </a:schemeClr>
+                </a:solidFill>
+                <a:latin typeface="Consolas" panose="020B0609020204030204" pitchFamily="49" charset="0"/>
+              </a:rPr>
+              <a:t> </a:t>
+            </a:r>
+          </a:p>
+          <a:p>
+            <a:pPr lvl="0" eaLnBrk="0" fontAlgn="base" hangingPunct="0">
+              <a:spcBef>
+                <a:spcPct val="0"/>
+              </a:spcBef>
+              <a:spcAft>
+                <a:spcPct val="0"/>
+              </a:spcAft>
+            </a:pPr>
+            <a:r>
+              <a:rPr lang="en-US" altLang="en-US" sz="1400" dirty="0">
+                <a:solidFill>
+                  <a:schemeClr val="accent1">
+                    <a:lumMod val="60000"/>
+                    <a:lumOff val="40000"/>
+                  </a:schemeClr>
+                </a:solidFill>
+                <a:latin typeface="Consolas" panose="020B0609020204030204" pitchFamily="49" charset="0"/>
+              </a:rPr>
+              <a:t>            "value"</a:t>
+            </a:r>
+            <a:r>
+              <a:rPr lang="en-US" altLang="en-US" sz="1400" dirty="0">
+                <a:solidFill>
+                  <a:schemeClr val="accent1"/>
+                </a:solidFill>
+                <a:latin typeface="Consolas" panose="020B0609020204030204" pitchFamily="49" charset="0"/>
+              </a:rPr>
+              <a:t>:</a:t>
+            </a:r>
+            <a:r>
+              <a:rPr lang="en-US" altLang="en-US" sz="1400" dirty="0">
+                <a:solidFill>
+                  <a:schemeClr val="accent1">
+                    <a:lumMod val="60000"/>
+                    <a:lumOff val="40000"/>
+                  </a:schemeClr>
+                </a:solidFill>
+                <a:latin typeface="Consolas" panose="020B0609020204030204" pitchFamily="49" charset="0"/>
+              </a:rPr>
+              <a:t> </a:t>
+            </a:r>
+            <a:r>
+              <a:rPr lang="en-US" altLang="en-US" sz="1400" dirty="0">
+                <a:solidFill>
+                  <a:schemeClr val="accent6"/>
+                </a:solidFill>
+                <a:latin typeface="Consolas" panose="020B0609020204030204" pitchFamily="49" charset="0"/>
+              </a:rPr>
+              <a:t>2</a:t>
+            </a:r>
+            <a:r>
+              <a:rPr lang="en-US" altLang="en-US" sz="1400" dirty="0">
+                <a:solidFill>
+                  <a:schemeClr val="accent1"/>
+                </a:solidFill>
+                <a:latin typeface="Consolas" panose="020B0609020204030204" pitchFamily="49" charset="0"/>
+              </a:rPr>
+              <a:t>,</a:t>
+            </a:r>
+            <a:r>
+              <a:rPr lang="en-US" altLang="en-US" sz="1400" dirty="0">
+                <a:solidFill>
+                  <a:schemeClr val="accent1">
+                    <a:lumMod val="60000"/>
+                    <a:lumOff val="40000"/>
+                  </a:schemeClr>
+                </a:solidFill>
+                <a:latin typeface="Consolas" panose="020B0609020204030204" pitchFamily="49" charset="0"/>
+              </a:rPr>
+              <a:t> </a:t>
+            </a:r>
+          </a:p>
+          <a:p>
+            <a:pPr lvl="0" eaLnBrk="0" fontAlgn="base" hangingPunct="0">
+              <a:spcBef>
+                <a:spcPct val="0"/>
+              </a:spcBef>
+              <a:spcAft>
+                <a:spcPct val="0"/>
+              </a:spcAft>
+            </a:pPr>
+            <a:r>
+              <a:rPr lang="en-US" altLang="en-US" sz="1400" dirty="0">
+                <a:solidFill>
+                  <a:schemeClr val="accent1">
+                    <a:lumMod val="60000"/>
+                    <a:lumOff val="40000"/>
+                  </a:schemeClr>
+                </a:solidFill>
+                <a:latin typeface="Consolas" panose="020B0609020204030204" pitchFamily="49" charset="0"/>
+              </a:rPr>
+              <a:t>            "unit"</a:t>
+            </a:r>
+            <a:r>
+              <a:rPr lang="en-US" altLang="en-US" sz="1400" dirty="0">
+                <a:solidFill>
+                  <a:schemeClr val="accent1"/>
+                </a:solidFill>
+                <a:latin typeface="Consolas" panose="020B0609020204030204" pitchFamily="49" charset="0"/>
+              </a:rPr>
+              <a:t>:</a:t>
+            </a:r>
+            <a:r>
+              <a:rPr lang="en-US" altLang="en-US" sz="1400" dirty="0">
+                <a:solidFill>
+                  <a:schemeClr val="accent1">
+                    <a:lumMod val="60000"/>
+                    <a:lumOff val="40000"/>
+                  </a:schemeClr>
+                </a:solidFill>
+                <a:latin typeface="Consolas" panose="020B0609020204030204" pitchFamily="49" charset="0"/>
+              </a:rPr>
+              <a:t> </a:t>
+            </a:r>
+            <a:r>
+              <a:rPr lang="en-US" altLang="en-US" sz="1400" dirty="0">
+                <a:solidFill>
+                  <a:schemeClr val="accent2"/>
+                </a:solidFill>
+                <a:latin typeface="Consolas" panose="020B0609020204030204" pitchFamily="49" charset="0"/>
+              </a:rPr>
+              <a:t>"Lux"</a:t>
+            </a:r>
+          </a:p>
+          <a:p>
+            <a:pPr lvl="0" eaLnBrk="0" fontAlgn="base" hangingPunct="0">
+              <a:spcBef>
+                <a:spcPct val="0"/>
+              </a:spcBef>
+              <a:spcAft>
+                <a:spcPct val="0"/>
+              </a:spcAft>
+            </a:pPr>
+            <a:r>
+              <a:rPr lang="en-US" altLang="en-US" sz="1400" dirty="0">
+                <a:solidFill>
+                  <a:schemeClr val="accent1">
+                    <a:lumMod val="60000"/>
+                    <a:lumOff val="40000"/>
+                  </a:schemeClr>
+                </a:solidFill>
+                <a:latin typeface="Consolas" panose="020B0609020204030204" pitchFamily="49" charset="0"/>
+              </a:rPr>
+              <a:t>          </a:t>
+            </a:r>
+            <a:r>
+              <a:rPr lang="en-US" altLang="en-US" sz="1400" dirty="0">
+                <a:solidFill>
+                  <a:schemeClr val="accent1"/>
+                </a:solidFill>
+                <a:latin typeface="Consolas" panose="020B0609020204030204" pitchFamily="49" charset="0"/>
+              </a:rPr>
+              <a:t>}, </a:t>
+            </a:r>
+          </a:p>
+          <a:p>
+            <a:pPr lvl="0" eaLnBrk="0" fontAlgn="base" hangingPunct="0">
+              <a:spcBef>
+                <a:spcPct val="0"/>
+              </a:spcBef>
+              <a:spcAft>
+                <a:spcPct val="0"/>
+              </a:spcAft>
+            </a:pPr>
+            <a:r>
+              <a:rPr lang="en-US" altLang="en-US" sz="1400" dirty="0">
+                <a:solidFill>
+                  <a:schemeClr val="accent1">
+                    <a:lumMod val="60000"/>
+                    <a:lumOff val="40000"/>
+                  </a:schemeClr>
+                </a:solidFill>
+                <a:latin typeface="Consolas" panose="020B0609020204030204" pitchFamily="49" charset="0"/>
+              </a:rPr>
+              <a:t>          "</a:t>
+            </a:r>
+            <a:r>
+              <a:rPr lang="en-US" altLang="en-US" sz="1400" dirty="0" err="1">
+                <a:solidFill>
+                  <a:schemeClr val="accent1">
+                    <a:lumMod val="60000"/>
+                    <a:lumOff val="40000"/>
+                  </a:schemeClr>
+                </a:solidFill>
+                <a:latin typeface="Consolas" panose="020B0609020204030204" pitchFamily="49" charset="0"/>
+              </a:rPr>
+              <a:t>isActive</a:t>
+            </a:r>
+            <a:r>
+              <a:rPr lang="en-US" altLang="en-US" sz="1400" dirty="0">
+                <a:solidFill>
+                  <a:schemeClr val="accent1">
+                    <a:lumMod val="60000"/>
+                    <a:lumOff val="40000"/>
+                  </a:schemeClr>
+                </a:solidFill>
+                <a:latin typeface="Consolas" panose="020B0609020204030204" pitchFamily="49" charset="0"/>
+              </a:rPr>
+              <a:t>"</a:t>
+            </a:r>
+            <a:r>
+              <a:rPr lang="en-US" altLang="en-US" sz="1400" dirty="0">
+                <a:solidFill>
+                  <a:schemeClr val="accent1"/>
+                </a:solidFill>
+                <a:latin typeface="Consolas" panose="020B0609020204030204" pitchFamily="49" charset="0"/>
+              </a:rPr>
+              <a:t>:</a:t>
+            </a:r>
+            <a:r>
+              <a:rPr lang="en-US" altLang="en-US" sz="1400" dirty="0">
+                <a:solidFill>
+                  <a:schemeClr val="accent1">
+                    <a:lumMod val="60000"/>
+                    <a:lumOff val="40000"/>
+                  </a:schemeClr>
+                </a:solidFill>
+                <a:latin typeface="Consolas" panose="020B0609020204030204" pitchFamily="49" charset="0"/>
+              </a:rPr>
+              <a:t> </a:t>
+            </a:r>
+            <a:r>
+              <a:rPr lang="en-US" altLang="en-US" sz="1400" dirty="0">
+                <a:solidFill>
+                  <a:schemeClr val="accent1"/>
+                </a:solidFill>
+                <a:latin typeface="Consolas" panose="020B0609020204030204" pitchFamily="49" charset="0"/>
+              </a:rPr>
+              <a:t>false</a:t>
             </a:r>
             <a:endParaRPr lang="en-US" altLang="en-US" sz="1400" dirty="0">
               <a:solidFill>
@@ -26496,102 +27998,12 @@
             <a:r>
               <a:rPr lang="en-US" altLang="en-US" sz="1400" dirty="0">
                 <a:solidFill>
-                  <a:schemeClr val="accent1">
-                    <a:lumMod val="60000"/>
-                    <a:lumOff val="40000"/>
-                  </a:schemeClr>
-                </a:solidFill>
-                <a:latin typeface="Consolas" panose="020B0609020204030204" pitchFamily="49" charset="0"/>
-              </a:rPr>
-              <a:t>          "</a:t>
-            </a:r>
-            <a:r>
-              <a:rPr lang="en-US" altLang="en-US" sz="1400" dirty="0" err="1">
-                <a:solidFill>
-                  <a:schemeClr val="accent1">
-                    <a:lumMod val="60000"/>
-                    <a:lumOff val="40000"/>
-                  </a:schemeClr>
-                </a:solidFill>
-                <a:latin typeface="Consolas" panose="020B0609020204030204" pitchFamily="49" charset="0"/>
-              </a:rPr>
-              <a:t>lastCalibration</a:t>
-            </a:r>
-            <a:r>
-              <a:rPr lang="en-US" altLang="en-US" sz="1400" dirty="0">
-                <a:solidFill>
-                  <a:schemeClr val="accent1">
-                    <a:lumMod val="60000"/>
-                    <a:lumOff val="40000"/>
-                  </a:schemeClr>
-                </a:solidFill>
-                <a:latin typeface="Consolas" panose="020B0609020204030204" pitchFamily="49" charset="0"/>
-              </a:rPr>
-              <a:t>"</a:t>
-            </a:r>
-            <a:r>
-              <a:rPr lang="en-US" altLang="en-US" sz="1400" dirty="0">
-                <a:solidFill>
                   <a:schemeClr val="accent1"/>
                 </a:solidFill>
                 <a:latin typeface="Consolas" panose="020B0609020204030204" pitchFamily="49" charset="0"/>
               </a:rPr>
-              <a:t>:</a:t>
-            </a:r>
-            <a:r>
-              <a:rPr lang="en-US" altLang="en-US" sz="1400" dirty="0">
-                <a:solidFill>
-                  <a:schemeClr val="accent1">
-                    <a:lumMod val="60000"/>
-                    <a:lumOff val="40000"/>
-                  </a:schemeClr>
-                </a:solidFill>
-                <a:latin typeface="Consolas" panose="020B0609020204030204" pitchFamily="49" charset="0"/>
-              </a:rPr>
-              <a:t> </a:t>
-            </a:r>
-            <a:r>
-              <a:rPr lang="en-US" altLang="en-US" sz="1400" dirty="0">
-                <a:solidFill>
-                  <a:schemeClr val="accent2"/>
-                </a:solidFill>
-                <a:latin typeface="Consolas" panose="020B0609020204030204" pitchFamily="49" charset="0"/>
-              </a:rPr>
-              <a:t>"</a:t>
-            </a:r>
-            <a:r>
-              <a:rPr lang="en-US" altLang="en-US" sz="1400" dirty="0" smtClean="0">
-                <a:solidFill>
-                  <a:schemeClr val="accent2"/>
-                </a:solidFill>
-                <a:latin typeface="Consolas" panose="020B0609020204030204" pitchFamily="49" charset="0"/>
-              </a:rPr>
-              <a:t>2018-11-13T20:20:39+00:00</a:t>
-            </a:r>
-            <a:r>
-              <a:rPr lang="en-US" altLang="en-US" sz="1400" dirty="0">
-                <a:solidFill>
-                  <a:schemeClr val="accent2"/>
-                </a:solidFill>
-                <a:latin typeface="Consolas" panose="020B0609020204030204" pitchFamily="49" charset="0"/>
-              </a:rPr>
-              <a:t>"</a:t>
-            </a:r>
-            <a:r>
-              <a:rPr lang="en-US" altLang="en-US" sz="1400" dirty="0" smtClean="0">
-                <a:solidFill>
-                  <a:schemeClr val="accent1"/>
-                </a:solidFill>
-                <a:latin typeface="Consolas" panose="020B0609020204030204" pitchFamily="49" charset="0"/>
-              </a:rPr>
-              <a:t>,</a:t>
-            </a:r>
-            <a:endParaRPr lang="en-US" altLang="en-US" sz="1400" dirty="0">
-              <a:solidFill>
-                <a:schemeClr val="accent1"/>
-              </a:solidFill>
-              <a:latin typeface="Consolas" panose="020B0609020204030204" pitchFamily="49" charset="0"/>
-            </a:endParaRPr>
+              <a:t>     }</a:t>
+            </a:r>
           </a:p>
           <a:p>
             <a:pPr lvl="0" eaLnBrk="0" fontAlgn="base" hangingPunct="0">
@@ -26604,1528 +28016,6 @@
             </a:pPr>
             <a:r>
               <a:rPr lang="en-US" altLang="en-US" sz="1400" dirty="0">
-                <a:solidFill>
-                  <a:schemeClr val="accent1">
-                    <a:lumMod val="60000"/>
-                    <a:lumOff val="40000"/>
-                  </a:schemeClr>
-                </a:solidFill>
-                <a:latin typeface="Consolas" panose="020B0609020204030204" pitchFamily="49" charset="0"/>
-              </a:rPr>
-              <a:t>          "measurement"</a:t>
-            </a:r>
-            <a:r>
-              <a:rPr lang="en-US" altLang="en-US" sz="1400" dirty="0">
-                <a:solidFill>
-                  <a:schemeClr val="accent1"/>
-                </a:solidFill>
-                <a:latin typeface="Consolas" panose="020B0609020204030204" pitchFamily="49" charset="0"/>
-              </a:rPr>
-              <a:t>:</a:t>
-            </a:r>
-            <a:r>
-              <a:rPr lang="en-US" altLang="en-US" sz="1400" dirty="0">
-                <a:solidFill>
-                  <a:schemeClr val="accent1">
-                    <a:lumMod val="60000"/>
-                    <a:lumOff val="40000"/>
-                  </a:schemeClr>
-                </a:solidFill>
-                <a:latin typeface="Consolas" panose="020B0609020204030204" pitchFamily="49" charset="0"/>
-              </a:rPr>
-              <a:t> </a:t>
-            </a:r>
-            <a:r>
-              <a:rPr lang="en-US" altLang="en-US" sz="1400" dirty="0">
-                <a:solidFill>
-                  <a:schemeClr val="accent1"/>
-                </a:solidFill>
-                <a:latin typeface="Consolas" panose="020B0609020204030204" pitchFamily="49" charset="0"/>
-              </a:rPr>
-              <a:t>{</a:t>
-            </a:r>
-            <a:r>
-              <a:rPr lang="en-US" altLang="en-US" sz="1400" dirty="0">
-                <a:solidFill>
-                  <a:schemeClr val="accent1">
-                    <a:lumMod val="60000"/>
-                    <a:lumOff val="40000"/>
-                  </a:schemeClr>
-                </a:solidFill>
-                <a:latin typeface="Consolas" panose="020B0609020204030204" pitchFamily="49" charset="0"/>
-              </a:rPr>
-              <a:t> </a:t>
-            </a:r>
-          </a:p>
-          <a:p>
-            <a:pPr lvl="0" eaLnBrk="0" fontAlgn="base" hangingPunct="0">
-              <a:spcBef>
-                <a:spcPct val="0"/>
-              </a:spcBef>
-              <a:spcAft>
-                <a:spcPct val="0"/>
-              </a:spcAft>
-            </a:pPr>
-            <a:r>
-              <a:rPr lang="en-US" altLang="en-US" sz="1400" dirty="0">
-                <a:solidFill>
-                  <a:schemeClr val="accent1">
-                    <a:lumMod val="60000"/>
-                    <a:lumOff val="40000"/>
-                  </a:schemeClr>
-                </a:solidFill>
-                <a:latin typeface="Consolas" panose="020B0609020204030204" pitchFamily="49" charset="0"/>
-              </a:rPr>
-              <a:t>               "value"</a:t>
-            </a:r>
-            <a:r>
-              <a:rPr lang="en-US" altLang="en-US" sz="1400" dirty="0">
-                <a:solidFill>
-                  <a:schemeClr val="accent1"/>
-                </a:solidFill>
-                <a:latin typeface="Consolas" panose="020B0609020204030204" pitchFamily="49" charset="0"/>
-              </a:rPr>
-              <a:t>:</a:t>
-            </a:r>
-            <a:r>
-              <a:rPr lang="en-US" altLang="en-US" sz="1400" dirty="0">
-                <a:solidFill>
-                  <a:schemeClr val="accent1">
-                    <a:lumMod val="60000"/>
-                    <a:lumOff val="40000"/>
-                  </a:schemeClr>
-                </a:solidFill>
-                <a:latin typeface="Consolas" panose="020B0609020204030204" pitchFamily="49" charset="0"/>
-              </a:rPr>
-              <a:t> </a:t>
-            </a:r>
-            <a:r>
-              <a:rPr lang="en-US" altLang="en-US" sz="1400" dirty="0" smtClean="0">
-                <a:solidFill>
-                  <a:schemeClr val="accent6"/>
-                </a:solidFill>
-                <a:latin typeface="Consolas" panose="020B0609020204030204" pitchFamily="49" charset="0"/>
-              </a:rPr>
-              <a:t>25</a:t>
-            </a:r>
-            <a:r>
-              <a:rPr lang="en-US" altLang="en-US" sz="1400" dirty="0" smtClean="0">
-                <a:solidFill>
-                  <a:schemeClr val="accent1"/>
-                </a:solidFill>
-                <a:latin typeface="Consolas" panose="020B0609020204030204" pitchFamily="49" charset="0"/>
-              </a:rPr>
-              <a:t>,</a:t>
-            </a:r>
-            <a:r>
-              <a:rPr lang="en-US" altLang="en-US" sz="1400" dirty="0" smtClean="0">
-                <a:solidFill>
-                  <a:schemeClr val="accent1">
-                    <a:lumMod val="60000"/>
-                    <a:lumOff val="40000"/>
-                  </a:schemeClr>
-                </a:solidFill>
-                <a:latin typeface="Consolas" panose="020B0609020204030204" pitchFamily="49" charset="0"/>
-              </a:rPr>
-              <a:t> </a:t>
-            </a:r>
-            <a:endParaRPr lang="en-US" altLang="en-US" sz="1400" dirty="0">
-              <a:solidFill>
-                <a:schemeClr val="accent1">
-                  <a:lumMod val="60000"/>
-                  <a:lumOff val="40000"/>
-                </a:schemeClr>
-              </a:solidFill>
-              <a:latin typeface="Consolas" panose="020B0609020204030204" pitchFamily="49" charset="0"/>
-            </a:endParaRPr>
-          </a:p>
-          <a:p>
-            <a:pPr lvl="0" eaLnBrk="0" fontAlgn="base" hangingPunct="0">
-              <a:spcBef>
-                <a:spcPct val="0"/>
-              </a:spcBef>
-              <a:spcAft>
-                <a:spcPct val="0"/>
-              </a:spcAft>
-            </a:pPr>
-            <a:r>
-              <a:rPr lang="en-US" altLang="en-US" sz="1400" dirty="0">
-                <a:solidFill>
-                  <a:schemeClr val="accent1">
-                    <a:lumMod val="60000"/>
-                    <a:lumOff val="40000"/>
-                  </a:schemeClr>
-                </a:solidFill>
-                <a:latin typeface="Consolas" panose="020B0609020204030204" pitchFamily="49" charset="0"/>
-              </a:rPr>
-              <a:t>               "unit"</a:t>
-            </a:r>
-            <a:r>
-              <a:rPr lang="en-US" altLang="en-US" sz="1400" dirty="0">
-                <a:solidFill>
-                  <a:schemeClr val="accent1"/>
-                </a:solidFill>
-                <a:latin typeface="Consolas" panose="020B0609020204030204" pitchFamily="49" charset="0"/>
-              </a:rPr>
-              <a:t>:</a:t>
-            </a:r>
-            <a:r>
-              <a:rPr lang="en-US" altLang="en-US" sz="1400" dirty="0">
-                <a:solidFill>
-                  <a:schemeClr val="accent1">
-                    <a:lumMod val="60000"/>
-                    <a:lumOff val="40000"/>
-                  </a:schemeClr>
-                </a:solidFill>
-                <a:latin typeface="Consolas" panose="020B0609020204030204" pitchFamily="49" charset="0"/>
-              </a:rPr>
-              <a:t> </a:t>
-            </a:r>
-            <a:r>
-              <a:rPr lang="en-US" altLang="en-US" sz="1400" dirty="0" smtClean="0">
-                <a:solidFill>
-                  <a:schemeClr val="accent2"/>
-                </a:solidFill>
-                <a:latin typeface="Consolas" panose="020B0609020204030204" pitchFamily="49" charset="0"/>
-              </a:rPr>
-              <a:t>"Celsius"</a:t>
-            </a:r>
-            <a:endParaRPr lang="en-US" altLang="en-US" sz="1400" dirty="0">
-              <a:solidFill>
-                <a:schemeClr val="accent2"/>
-              </a:solidFill>
-              <a:latin typeface="Consolas" panose="020B0609020204030204" pitchFamily="49" charset="0"/>
-            </a:endParaRPr>
-          </a:p>
-          <a:p>
-            <a:pPr lvl="0" eaLnBrk="0" fontAlgn="base" hangingPunct="0">
-              <a:spcBef>
-                <a:spcPct val="0"/>
-              </a:spcBef>
-              <a:spcAft>
-                <a:spcPct val="0"/>
-              </a:spcAft>
-            </a:pPr>
-            <a:r>
-              <a:rPr lang="en-US" altLang="en-US" sz="1400" dirty="0">
-                <a:solidFill>
-                  <a:schemeClr val="accent1">
-                    <a:lumMod val="60000"/>
-                    <a:lumOff val="40000"/>
-                  </a:schemeClr>
-                </a:solidFill>
-                <a:latin typeface="Consolas" panose="020B0609020204030204" pitchFamily="49" charset="0"/>
-              </a:rPr>
-              <a:t>          </a:t>
-            </a:r>
-            <a:r>
-              <a:rPr lang="en-US" altLang="en-US" sz="1400" dirty="0">
-                <a:solidFill>
-                  <a:schemeClr val="accent1"/>
-                </a:solidFill>
-                <a:latin typeface="Consolas" panose="020B0609020204030204" pitchFamily="49" charset="0"/>
-              </a:rPr>
-              <a:t>},</a:t>
-            </a:r>
-            <a:r>
-              <a:rPr lang="en-US" altLang="en-US" sz="1400" dirty="0">
-                <a:solidFill>
-                  <a:schemeClr val="accent1">
-                    <a:lumMod val="60000"/>
-                    <a:lumOff val="40000"/>
-                  </a:schemeClr>
-                </a:solidFill>
-                <a:latin typeface="Consolas" panose="020B0609020204030204" pitchFamily="49" charset="0"/>
-              </a:rPr>
-              <a:t> </a:t>
-            </a:r>
-          </a:p>
-          <a:p>
-            <a:pPr lvl="0" eaLnBrk="0" fontAlgn="base" hangingPunct="0">
-              <a:spcBef>
-                <a:spcPct val="0"/>
-              </a:spcBef>
-              <a:spcAft>
-                <a:spcPct val="0"/>
-              </a:spcAft>
-            </a:pPr>
-            <a:r>
-              <a:rPr lang="en-US" altLang="en-US" sz="1400" dirty="0">
-                <a:solidFill>
-                  <a:schemeClr val="accent1">
-                    <a:lumMod val="60000"/>
-                    <a:lumOff val="40000"/>
-                  </a:schemeClr>
-                </a:solidFill>
-                <a:latin typeface="Consolas" panose="020B0609020204030204" pitchFamily="49" charset="0"/>
-              </a:rPr>
-              <a:t>          "</a:t>
-            </a:r>
-            <a:r>
-              <a:rPr lang="en-US" altLang="en-US" sz="1400" dirty="0" err="1">
-                <a:solidFill>
-                  <a:schemeClr val="accent1">
-                    <a:lumMod val="60000"/>
-                    <a:lumOff val="40000"/>
-                  </a:schemeClr>
-                </a:solidFill>
-                <a:latin typeface="Consolas" panose="020B0609020204030204" pitchFamily="49" charset="0"/>
-              </a:rPr>
-              <a:t>isActive</a:t>
-            </a:r>
-            <a:r>
-              <a:rPr lang="en-US" altLang="en-US" sz="1400" dirty="0">
-                <a:solidFill>
-                  <a:schemeClr val="accent1">
-                    <a:lumMod val="60000"/>
-                    <a:lumOff val="40000"/>
-                  </a:schemeClr>
-                </a:solidFill>
-                <a:latin typeface="Consolas" panose="020B0609020204030204" pitchFamily="49" charset="0"/>
-              </a:rPr>
-              <a:t>"</a:t>
-            </a:r>
-            <a:r>
-              <a:rPr lang="en-US" altLang="en-US" sz="1400" dirty="0">
-                <a:solidFill>
-                  <a:schemeClr val="accent1"/>
-                </a:solidFill>
-                <a:latin typeface="Consolas" panose="020B0609020204030204" pitchFamily="49" charset="0"/>
-              </a:rPr>
-              <a:t>:</a:t>
-            </a:r>
-            <a:r>
-              <a:rPr lang="en-US" altLang="en-US" sz="1400" dirty="0">
-                <a:solidFill>
-                  <a:schemeClr val="accent1">
-                    <a:lumMod val="60000"/>
-                    <a:lumOff val="40000"/>
-                  </a:schemeClr>
-                </a:solidFill>
-                <a:latin typeface="Consolas" panose="020B0609020204030204" pitchFamily="49" charset="0"/>
-              </a:rPr>
-              <a:t> </a:t>
-            </a:r>
-            <a:r>
-              <a:rPr lang="en-US" altLang="en-US" sz="1400" dirty="0">
-                <a:solidFill>
-                  <a:schemeClr val="accent1"/>
-                </a:solidFill>
-                <a:latin typeface="Consolas" panose="020B0609020204030204" pitchFamily="49" charset="0"/>
-              </a:rPr>
-              <a:t>true,</a:t>
-            </a:r>
-            <a:r>
-              <a:rPr lang="en-US" altLang="en-US" sz="1400" dirty="0">
-                <a:solidFill>
-                  <a:schemeClr val="accent1">
-                    <a:lumMod val="60000"/>
-                    <a:lumOff val="40000"/>
-                  </a:schemeClr>
-                </a:solidFill>
-                <a:latin typeface="Consolas" panose="020B0609020204030204" pitchFamily="49" charset="0"/>
-              </a:rPr>
-              <a:t> </a:t>
-            </a:r>
-          </a:p>
-          <a:p>
-            <a:pPr lvl="0" eaLnBrk="0" fontAlgn="base" hangingPunct="0">
-              <a:spcBef>
-                <a:spcPct val="0"/>
-              </a:spcBef>
-              <a:spcAft>
-                <a:spcPct val="0"/>
-              </a:spcAft>
-            </a:pPr>
-            <a:r>
-              <a:rPr lang="en-US" altLang="en-US" sz="1400" dirty="0">
-                <a:solidFill>
-                  <a:schemeClr val="accent1">
-                    <a:lumMod val="60000"/>
-                    <a:lumOff val="40000"/>
-                  </a:schemeClr>
-                </a:solidFill>
-                <a:latin typeface="Consolas" panose="020B0609020204030204" pitchFamily="49" charset="0"/>
-              </a:rPr>
-              <a:t>          "precision"</a:t>
-            </a:r>
-            <a:r>
-              <a:rPr lang="en-US" altLang="en-US" sz="1400" dirty="0">
-                <a:solidFill>
-                  <a:schemeClr val="accent1"/>
-                </a:solidFill>
-                <a:latin typeface="Consolas" panose="020B0609020204030204" pitchFamily="49" charset="0"/>
-              </a:rPr>
-              <a:t>:</a:t>
-            </a:r>
-            <a:r>
-              <a:rPr lang="en-US" altLang="en-US" sz="1400" dirty="0">
-                <a:solidFill>
-                  <a:schemeClr val="accent1">
-                    <a:lumMod val="60000"/>
-                    <a:lumOff val="40000"/>
-                  </a:schemeClr>
-                </a:solidFill>
-                <a:latin typeface="Consolas" panose="020B0609020204030204" pitchFamily="49" charset="0"/>
-              </a:rPr>
-              <a:t> </a:t>
-            </a:r>
-            <a:r>
-              <a:rPr lang="en-US" altLang="en-US" sz="1400" dirty="0">
-                <a:solidFill>
-                  <a:schemeClr val="accent6"/>
-                </a:solidFill>
-                <a:latin typeface="Consolas" panose="020B0609020204030204" pitchFamily="49" charset="0"/>
-              </a:rPr>
-              <a:t>0.1</a:t>
-            </a:r>
-          </a:p>
-          <a:p>
-            <a:pPr lvl="0" eaLnBrk="0" fontAlgn="base" hangingPunct="0">
-              <a:spcBef>
-                <a:spcPct val="0"/>
-              </a:spcBef>
-              <a:spcAft>
-                <a:spcPct val="0"/>
-              </a:spcAft>
-            </a:pPr>
-            <a:r>
-              <a:rPr lang="en-US" altLang="en-US" sz="1400" dirty="0">
-                <a:solidFill>
-                  <a:schemeClr val="accent1">
-                    <a:lumMod val="60000"/>
-                    <a:lumOff val="40000"/>
-                  </a:schemeClr>
-                </a:solidFill>
-                <a:latin typeface="Consolas" panose="020B0609020204030204" pitchFamily="49" charset="0"/>
-              </a:rPr>
-              <a:t>     </a:t>
-            </a:r>
-            <a:r>
-              <a:rPr lang="en-US" altLang="en-US" sz="1400" dirty="0">
-                <a:solidFill>
-                  <a:schemeClr val="accent1"/>
-                </a:solidFill>
-                <a:latin typeface="Consolas" panose="020B0609020204030204" pitchFamily="49" charset="0"/>
-              </a:rPr>
-              <a:t>},</a:t>
-            </a:r>
-          </a:p>
-          <a:p>
-            <a:pPr lvl="0" eaLnBrk="0" fontAlgn="base" hangingPunct="0">
-              <a:spcBef>
-                <a:spcPct val="0"/>
-              </a:spcBef>
-              <a:spcAft>
-                <a:spcPct val="0"/>
-              </a:spcAft>
-            </a:pPr>
-            <a:r>
-              <a:rPr lang="en-US" altLang="en-US" sz="1400" dirty="0" smtClean="0">
-                <a:solidFill>
-                  <a:schemeClr val="accent1"/>
-                </a:solidFill>
-                <a:latin typeface="Consolas" panose="020B0609020204030204" pitchFamily="49" charset="0"/>
-              </a:rPr>
-              <a:t>     </a:t>
-            </a:r>
-            <a:r>
-              <a:rPr lang="en-US" altLang="en-US" sz="1400" dirty="0">
-                <a:solidFill>
-                  <a:schemeClr val="accent1"/>
-                </a:solidFill>
-                <a:latin typeface="Consolas" panose="020B0609020204030204" pitchFamily="49" charset="0"/>
-              </a:rPr>
-              <a:t>{ </a:t>
-            </a:r>
-          </a:p>
-          <a:p>
-            <a:pPr lvl="0" eaLnBrk="0" fontAlgn="base" hangingPunct="0">
-              <a:spcBef>
-                <a:spcPct val="0"/>
-              </a:spcBef>
-              <a:spcAft>
-                <a:spcPct val="0"/>
-              </a:spcAft>
-            </a:pPr>
-            <a:r>
-              <a:rPr lang="en-US" altLang="en-US" sz="1400" dirty="0">
-                <a:solidFill>
-                  <a:schemeClr val="accent1">
-                    <a:lumMod val="60000"/>
-                    <a:lumOff val="40000"/>
-                  </a:schemeClr>
-                </a:solidFill>
-                <a:latin typeface="Consolas" panose="020B0609020204030204" pitchFamily="49" charset="0"/>
-              </a:rPr>
-              <a:t>          "type"</a:t>
-            </a:r>
-            <a:r>
-              <a:rPr lang="en-US" altLang="en-US" sz="1400" dirty="0">
-                <a:solidFill>
-                  <a:schemeClr val="accent1"/>
-                </a:solidFill>
-                <a:latin typeface="Consolas" panose="020B0609020204030204" pitchFamily="49" charset="0"/>
-              </a:rPr>
-              <a:t>:</a:t>
-            </a:r>
-            <a:r>
-              <a:rPr lang="en-US" altLang="en-US" sz="1400" dirty="0">
-                <a:solidFill>
-                  <a:schemeClr val="accent1">
-                    <a:lumMod val="60000"/>
-                    <a:lumOff val="40000"/>
-                  </a:schemeClr>
-                </a:solidFill>
-                <a:latin typeface="Consolas" panose="020B0609020204030204" pitchFamily="49" charset="0"/>
-              </a:rPr>
-              <a:t> </a:t>
-            </a:r>
-            <a:r>
-              <a:rPr lang="en-US" altLang="en-US" sz="1400" dirty="0">
-                <a:solidFill>
-                  <a:schemeClr val="accent2"/>
-                </a:solidFill>
-                <a:latin typeface="Consolas" panose="020B0609020204030204" pitchFamily="49" charset="0"/>
-              </a:rPr>
-              <a:t>"Humidity Sensor"</a:t>
-            </a:r>
-            <a:r>
-              <a:rPr lang="en-US" altLang="en-US" sz="1400" dirty="0">
-                <a:solidFill>
-                  <a:schemeClr val="accent1"/>
-                </a:solidFill>
-                <a:latin typeface="Consolas" panose="020B0609020204030204" pitchFamily="49" charset="0"/>
-              </a:rPr>
-              <a:t>,</a:t>
-            </a:r>
-            <a:r>
-              <a:rPr lang="en-US" altLang="en-US" sz="1400" dirty="0">
-                <a:solidFill>
-                  <a:schemeClr val="accent1">
-                    <a:lumMod val="60000"/>
-                    <a:lumOff val="40000"/>
-                  </a:schemeClr>
-                </a:solidFill>
-                <a:latin typeface="Consolas" panose="020B0609020204030204" pitchFamily="49" charset="0"/>
-              </a:rPr>
-              <a:t> </a:t>
-            </a:r>
-          </a:p>
-          <a:p>
-            <a:pPr lvl="0" eaLnBrk="0" fontAlgn="base" hangingPunct="0">
-              <a:spcBef>
-                <a:spcPct val="0"/>
-              </a:spcBef>
-              <a:spcAft>
-                <a:spcPct val="0"/>
-              </a:spcAft>
-            </a:pPr>
-            <a:r>
-              <a:rPr lang="en-US" altLang="en-US" sz="1400" dirty="0">
-                <a:solidFill>
-                  <a:schemeClr val="accent1">
-                    <a:lumMod val="60000"/>
-                    <a:lumOff val="40000"/>
-                  </a:schemeClr>
-                </a:solidFill>
-                <a:latin typeface="Consolas" panose="020B0609020204030204" pitchFamily="49" charset="0"/>
-              </a:rPr>
-              <a:t>          "</a:t>
-            </a:r>
-            <a:r>
-              <a:rPr lang="en-US" altLang="en-US" sz="1400" dirty="0" err="1">
-                <a:solidFill>
-                  <a:schemeClr val="accent1">
-                    <a:lumMod val="60000"/>
-                    <a:lumOff val="40000"/>
-                  </a:schemeClr>
-                </a:solidFill>
-                <a:latin typeface="Consolas" panose="020B0609020204030204" pitchFamily="49" charset="0"/>
-              </a:rPr>
-              <a:t>lastCalibration</a:t>
-            </a:r>
-            <a:r>
-              <a:rPr lang="en-US" altLang="en-US" sz="1400" dirty="0">
-                <a:solidFill>
-                  <a:schemeClr val="accent1">
-                    <a:lumMod val="60000"/>
-                    <a:lumOff val="40000"/>
-                  </a:schemeClr>
-                </a:solidFill>
-                <a:latin typeface="Consolas" panose="020B0609020204030204" pitchFamily="49" charset="0"/>
-              </a:rPr>
-              <a:t>"</a:t>
-            </a:r>
-            <a:r>
-              <a:rPr lang="en-US" altLang="en-US" sz="1400" dirty="0">
-                <a:solidFill>
-                  <a:schemeClr val="accent1"/>
-                </a:solidFill>
-                <a:latin typeface="Consolas" panose="020B0609020204030204" pitchFamily="49" charset="0"/>
-              </a:rPr>
-              <a:t>:</a:t>
-            </a:r>
-            <a:r>
-              <a:rPr lang="en-US" altLang="en-US" sz="1400" dirty="0">
-                <a:solidFill>
-                  <a:schemeClr val="accent1">
-                    <a:lumMod val="60000"/>
-                    <a:lumOff val="40000"/>
-                  </a:schemeClr>
-                </a:solidFill>
-                <a:latin typeface="Consolas" panose="020B0609020204030204" pitchFamily="49" charset="0"/>
-              </a:rPr>
-              <a:t> </a:t>
-            </a:r>
-            <a:r>
-              <a:rPr lang="en-US" altLang="en-US" sz="1400" dirty="0">
-                <a:solidFill>
-                  <a:schemeClr val="accent1"/>
-                </a:solidFill>
-                <a:latin typeface="Consolas" panose="020B0609020204030204" pitchFamily="49" charset="0"/>
-              </a:rPr>
-              <a:t>null,</a:t>
-            </a:r>
-          </a:p>
-          <a:p>
-            <a:pPr lvl="0" eaLnBrk="0" fontAlgn="base" hangingPunct="0">
-              <a:spcBef>
-                <a:spcPct val="0"/>
-              </a:spcBef>
-              <a:spcAft>
-                <a:spcPct val="0"/>
-              </a:spcAft>
-            </a:pPr>
-            <a:r>
-              <a:rPr lang="en-US" altLang="en-US" sz="1400" dirty="0">
-                <a:solidFill>
-                  <a:schemeClr val="accent1">
-                    <a:lumMod val="60000"/>
-                    <a:lumOff val="40000"/>
-                  </a:schemeClr>
-                </a:solidFill>
-                <a:latin typeface="Consolas" panose="020B0609020204030204" pitchFamily="49" charset="0"/>
-              </a:rPr>
-              <a:t>          "measurement"</a:t>
-            </a:r>
-            <a:r>
-              <a:rPr lang="en-US" altLang="en-US" sz="1400" dirty="0">
-                <a:solidFill>
-                  <a:schemeClr val="accent1"/>
-                </a:solidFill>
-                <a:latin typeface="Consolas" panose="020B0609020204030204" pitchFamily="49" charset="0"/>
-              </a:rPr>
-              <a:t>:</a:t>
-            </a:r>
-            <a:r>
-              <a:rPr lang="en-US" altLang="en-US" sz="1400" dirty="0">
-                <a:solidFill>
-                  <a:schemeClr val="accent1">
-                    <a:lumMod val="60000"/>
-                    <a:lumOff val="40000"/>
-                  </a:schemeClr>
-                </a:solidFill>
-                <a:latin typeface="Consolas" panose="020B0609020204030204" pitchFamily="49" charset="0"/>
-              </a:rPr>
-              <a:t> </a:t>
-            </a:r>
-            <a:r>
-              <a:rPr lang="en-US" altLang="en-US" sz="1400" dirty="0">
-                <a:solidFill>
-                  <a:schemeClr val="accent1"/>
-                </a:solidFill>
-                <a:latin typeface="Consolas" panose="020B0609020204030204" pitchFamily="49" charset="0"/>
-              </a:rPr>
-              <a:t>{</a:t>
-            </a:r>
-            <a:r>
-              <a:rPr lang="en-US" altLang="en-US" sz="1400" dirty="0">
-                <a:solidFill>
-                  <a:schemeClr val="accent1">
-                    <a:lumMod val="60000"/>
-                    <a:lumOff val="40000"/>
-                  </a:schemeClr>
-                </a:solidFill>
-                <a:latin typeface="Consolas" panose="020B0609020204030204" pitchFamily="49" charset="0"/>
-              </a:rPr>
-              <a:t> </a:t>
-            </a:r>
-          </a:p>
-          <a:p>
-            <a:pPr lvl="0" eaLnBrk="0" fontAlgn="base" hangingPunct="0">
-              <a:spcBef>
-                <a:spcPct val="0"/>
-              </a:spcBef>
-              <a:spcAft>
-                <a:spcPct val="0"/>
-              </a:spcAft>
-            </a:pPr>
-            <a:r>
-              <a:rPr lang="en-US" altLang="en-US" sz="1400" dirty="0">
-                <a:solidFill>
-                  <a:schemeClr val="accent1">
-                    <a:lumMod val="60000"/>
-                    <a:lumOff val="40000"/>
-                  </a:schemeClr>
-                </a:solidFill>
-                <a:latin typeface="Consolas" panose="020B0609020204030204" pitchFamily="49" charset="0"/>
-              </a:rPr>
-              <a:t>               "value"</a:t>
-            </a:r>
-            <a:r>
-              <a:rPr lang="en-US" altLang="en-US" sz="1400" dirty="0">
-                <a:solidFill>
-                  <a:schemeClr val="accent1"/>
-                </a:solidFill>
-                <a:latin typeface="Consolas" panose="020B0609020204030204" pitchFamily="49" charset="0"/>
-              </a:rPr>
-              <a:t>:</a:t>
-            </a:r>
-            <a:r>
-              <a:rPr lang="en-US" altLang="en-US" sz="1400" dirty="0">
-                <a:solidFill>
-                  <a:schemeClr val="accent1">
-                    <a:lumMod val="60000"/>
-                    <a:lumOff val="40000"/>
-                  </a:schemeClr>
-                </a:solidFill>
-                <a:latin typeface="Consolas" panose="020B0609020204030204" pitchFamily="49" charset="0"/>
-              </a:rPr>
-              <a:t> </a:t>
-            </a:r>
-            <a:r>
-              <a:rPr lang="en-US" altLang="en-US" sz="1400" dirty="0">
-                <a:solidFill>
-                  <a:schemeClr val="accent6"/>
-                </a:solidFill>
-                <a:latin typeface="Consolas" panose="020B0609020204030204" pitchFamily="49" charset="0"/>
-              </a:rPr>
-              <a:t>60</a:t>
-            </a:r>
-            <a:r>
-              <a:rPr lang="en-US" altLang="en-US" sz="1400" dirty="0">
-                <a:solidFill>
-                  <a:schemeClr val="accent1"/>
-                </a:solidFill>
-                <a:latin typeface="Consolas" panose="020B0609020204030204" pitchFamily="49" charset="0"/>
-              </a:rPr>
-              <a:t>,</a:t>
-            </a:r>
-            <a:r>
-              <a:rPr lang="en-US" altLang="en-US" sz="1400" dirty="0">
-                <a:solidFill>
-                  <a:schemeClr val="accent1">
-                    <a:lumMod val="60000"/>
-                    <a:lumOff val="40000"/>
-                  </a:schemeClr>
-                </a:solidFill>
-                <a:latin typeface="Consolas" panose="020B0609020204030204" pitchFamily="49" charset="0"/>
-              </a:rPr>
-              <a:t> </a:t>
-            </a:r>
-          </a:p>
-          <a:p>
-            <a:pPr lvl="0" eaLnBrk="0" fontAlgn="base" hangingPunct="0">
-              <a:spcBef>
-                <a:spcPct val="0"/>
-              </a:spcBef>
-              <a:spcAft>
-                <a:spcPct val="0"/>
-              </a:spcAft>
-            </a:pPr>
-            <a:r>
-              <a:rPr lang="en-US" altLang="en-US" sz="1400" dirty="0">
-                <a:solidFill>
-                  <a:schemeClr val="accent1">
-                    <a:lumMod val="60000"/>
-                    <a:lumOff val="40000"/>
-                  </a:schemeClr>
-                </a:solidFill>
-                <a:latin typeface="Consolas" panose="020B0609020204030204" pitchFamily="49" charset="0"/>
-              </a:rPr>
-              <a:t>               "unit"</a:t>
-            </a:r>
-            <a:r>
-              <a:rPr lang="en-US" altLang="en-US" sz="1400" dirty="0">
-                <a:solidFill>
-                  <a:schemeClr val="accent1"/>
-                </a:solidFill>
-                <a:latin typeface="Consolas" panose="020B0609020204030204" pitchFamily="49" charset="0"/>
-              </a:rPr>
-              <a:t>:</a:t>
-            </a:r>
-            <a:r>
-              <a:rPr lang="en-US" altLang="en-US" sz="1400" dirty="0">
-                <a:solidFill>
-                  <a:schemeClr val="accent1">
-                    <a:lumMod val="60000"/>
-                    <a:lumOff val="40000"/>
-                  </a:schemeClr>
-                </a:solidFill>
-                <a:latin typeface="Consolas" panose="020B0609020204030204" pitchFamily="49" charset="0"/>
-              </a:rPr>
-              <a:t> </a:t>
-            </a:r>
-            <a:r>
-              <a:rPr lang="en-US" altLang="en-US" sz="1400" dirty="0">
-                <a:solidFill>
-                  <a:schemeClr val="accent2"/>
-                </a:solidFill>
-                <a:latin typeface="Consolas" panose="020B0609020204030204" pitchFamily="49" charset="0"/>
-              </a:rPr>
-              <a:t>"Percent"</a:t>
-            </a:r>
-          </a:p>
-          <a:p>
-            <a:pPr lvl="0" eaLnBrk="0" fontAlgn="base" hangingPunct="0">
-              <a:spcBef>
-                <a:spcPct val="0"/>
-              </a:spcBef>
-              <a:spcAft>
-                <a:spcPct val="0"/>
-              </a:spcAft>
-            </a:pPr>
-            <a:r>
-              <a:rPr lang="en-US" altLang="en-US" sz="1400" dirty="0">
-                <a:solidFill>
-                  <a:schemeClr val="accent1">
-                    <a:lumMod val="60000"/>
-                    <a:lumOff val="40000"/>
-                  </a:schemeClr>
-                </a:solidFill>
-                <a:latin typeface="Consolas" panose="020B0609020204030204" pitchFamily="49" charset="0"/>
-              </a:rPr>
-              <a:t>          </a:t>
-            </a:r>
-            <a:r>
-              <a:rPr lang="en-US" altLang="en-US" sz="1400" dirty="0">
-                <a:solidFill>
-                  <a:schemeClr val="accent1"/>
-                </a:solidFill>
-                <a:latin typeface="Consolas" panose="020B0609020204030204" pitchFamily="49" charset="0"/>
-              </a:rPr>
-              <a:t>}, </a:t>
-            </a:r>
-          </a:p>
-          <a:p>
-            <a:pPr lvl="0" eaLnBrk="0" fontAlgn="base" hangingPunct="0">
-              <a:spcBef>
-                <a:spcPct val="0"/>
-              </a:spcBef>
-              <a:spcAft>
-                <a:spcPct val="0"/>
-              </a:spcAft>
-            </a:pPr>
-            <a:r>
-              <a:rPr lang="en-US" altLang="en-US" sz="1400" dirty="0">
-                <a:solidFill>
-                  <a:schemeClr val="accent1">
-                    <a:lumMod val="60000"/>
-                    <a:lumOff val="40000"/>
-                  </a:schemeClr>
-                </a:solidFill>
-                <a:latin typeface="Consolas" panose="020B0609020204030204" pitchFamily="49" charset="0"/>
-              </a:rPr>
-              <a:t>          "</a:t>
-            </a:r>
-            <a:r>
-              <a:rPr lang="en-US" altLang="en-US" sz="1400" dirty="0" err="1">
-                <a:solidFill>
-                  <a:schemeClr val="accent1">
-                    <a:lumMod val="60000"/>
-                    <a:lumOff val="40000"/>
-                  </a:schemeClr>
-                </a:solidFill>
-                <a:latin typeface="Consolas" panose="020B0609020204030204" pitchFamily="49" charset="0"/>
-              </a:rPr>
-              <a:t>isActive</a:t>
-            </a:r>
-            <a:r>
-              <a:rPr lang="en-US" altLang="en-US" sz="1400" dirty="0">
-                <a:solidFill>
-                  <a:schemeClr val="accent1">
-                    <a:lumMod val="60000"/>
-                    <a:lumOff val="40000"/>
-                  </a:schemeClr>
-                </a:solidFill>
-                <a:latin typeface="Consolas" panose="020B0609020204030204" pitchFamily="49" charset="0"/>
-              </a:rPr>
-              <a:t>"</a:t>
-            </a:r>
-            <a:r>
-              <a:rPr lang="en-US" altLang="en-US" sz="1400" dirty="0">
-                <a:solidFill>
-                  <a:schemeClr val="accent1"/>
-                </a:solidFill>
-                <a:latin typeface="Consolas" panose="020B0609020204030204" pitchFamily="49" charset="0"/>
-              </a:rPr>
-              <a:t>:</a:t>
-            </a:r>
-            <a:r>
-              <a:rPr lang="en-US" altLang="en-US" sz="1400" dirty="0">
-                <a:solidFill>
-                  <a:schemeClr val="accent1">
-                    <a:lumMod val="60000"/>
-                    <a:lumOff val="40000"/>
-                  </a:schemeClr>
-                </a:solidFill>
-                <a:latin typeface="Consolas" panose="020B0609020204030204" pitchFamily="49" charset="0"/>
-              </a:rPr>
-              <a:t> </a:t>
-            </a:r>
-            <a:r>
-              <a:rPr lang="en-US" altLang="en-US" sz="1400" dirty="0">
-                <a:solidFill>
-                  <a:schemeClr val="accent1"/>
-                </a:solidFill>
-                <a:latin typeface="Consolas" panose="020B0609020204030204" pitchFamily="49" charset="0"/>
-              </a:rPr>
-              <a:t>true</a:t>
-            </a:r>
-            <a:r>
-              <a:rPr lang="en-US" altLang="en-US" sz="1400" dirty="0">
-                <a:solidFill>
-                  <a:schemeClr val="accent1">
-                    <a:lumMod val="60000"/>
-                    <a:lumOff val="40000"/>
-                  </a:schemeClr>
-                </a:solidFill>
-                <a:latin typeface="Consolas" panose="020B0609020204030204" pitchFamily="49" charset="0"/>
-              </a:rPr>
-              <a:t> </a:t>
-            </a:r>
-          </a:p>
-          <a:p>
-            <a:pPr lvl="0" eaLnBrk="0" fontAlgn="base" hangingPunct="0">
-              <a:spcBef>
-                <a:spcPct val="0"/>
-              </a:spcBef>
-              <a:spcAft>
-                <a:spcPct val="0"/>
-              </a:spcAft>
-            </a:pPr>
-            <a:r>
-              <a:rPr lang="en-US" altLang="en-US" sz="1400" dirty="0">
-                <a:solidFill>
-                  <a:schemeClr val="accent1"/>
-                </a:solidFill>
-                <a:latin typeface="Consolas" panose="020B0609020204030204" pitchFamily="49" charset="0"/>
-              </a:rPr>
-              <a:t>     }, </a:t>
-            </a:r>
-          </a:p>
-          <a:p>
-            <a:pPr lvl="0" eaLnBrk="0" fontAlgn="base" hangingPunct="0">
-              <a:spcBef>
-                <a:spcPct val="0"/>
-              </a:spcBef>
-              <a:spcAft>
-                <a:spcPct val="0"/>
-              </a:spcAft>
-            </a:pPr>
-            <a:r>
-              <a:rPr lang="en-US" altLang="en-US" sz="1400" dirty="0">
-                <a:solidFill>
-                  <a:schemeClr val="accent1"/>
-                </a:solidFill>
-                <a:latin typeface="Consolas" panose="020B0609020204030204" pitchFamily="49" charset="0"/>
-              </a:rPr>
-              <a:t> </a:t>
-            </a:r>
-            <a:r>
-              <a:rPr lang="en-US" altLang="en-US" sz="1400" dirty="0" smtClean="0">
-                <a:solidFill>
-                  <a:schemeClr val="accent1"/>
-                </a:solidFill>
-                <a:latin typeface="Consolas" panose="020B0609020204030204" pitchFamily="49" charset="0"/>
-              </a:rPr>
-              <a:t>    { </a:t>
-            </a:r>
-            <a:endParaRPr lang="en-US" altLang="en-US" sz="1400" dirty="0">
-              <a:solidFill>
-                <a:schemeClr val="accent1"/>
-              </a:solidFill>
-              <a:latin typeface="Consolas" panose="020B0609020204030204" pitchFamily="49" charset="0"/>
-            </a:endParaRPr>
-          </a:p>
-          <a:p>
-            <a:pPr lvl="0" eaLnBrk="0" fontAlgn="base" hangingPunct="0">
-              <a:spcBef>
-                <a:spcPct val="0"/>
-              </a:spcBef>
-              <a:spcAft>
-                <a:spcPct val="0"/>
-              </a:spcAft>
-            </a:pPr>
-            <a:r>
-              <a:rPr lang="en-US" altLang="en-US" sz="1400" dirty="0" smtClean="0">
-                <a:solidFill>
-                  <a:schemeClr val="accent1">
-                    <a:lumMod val="60000"/>
-                    <a:lumOff val="40000"/>
-                  </a:schemeClr>
-                </a:solidFill>
-                <a:latin typeface="Consolas" panose="020B0609020204030204" pitchFamily="49" charset="0"/>
-              </a:rPr>
-              <a:t>          </a:t>
-            </a:r>
-            <a:r>
-              <a:rPr lang="en-US" altLang="en-US" sz="1400" dirty="0">
-                <a:solidFill>
-                  <a:schemeClr val="accent1">
-                    <a:lumMod val="60000"/>
-                    <a:lumOff val="40000"/>
-                  </a:schemeClr>
-                </a:solidFill>
-                <a:latin typeface="Consolas" panose="020B0609020204030204" pitchFamily="49" charset="0"/>
-              </a:rPr>
-              <a:t>"</a:t>
-            </a:r>
-            <a:r>
-              <a:rPr lang="en-US" altLang="en-US" sz="1400" dirty="0" smtClean="0">
-                <a:solidFill>
-                  <a:schemeClr val="accent1">
-                    <a:lumMod val="60000"/>
-                    <a:lumOff val="40000"/>
-                  </a:schemeClr>
-                </a:solidFill>
-                <a:latin typeface="Consolas" panose="020B0609020204030204" pitchFamily="49" charset="0"/>
-              </a:rPr>
-              <a:t>name"</a:t>
-            </a:r>
-            <a:r>
-              <a:rPr lang="en-US" altLang="en-US" sz="1400" dirty="0" smtClean="0">
-                <a:solidFill>
-                  <a:schemeClr val="accent1"/>
-                </a:solidFill>
-                <a:latin typeface="Consolas" panose="020B0609020204030204" pitchFamily="49" charset="0"/>
-              </a:rPr>
-              <a:t>:</a:t>
-            </a:r>
-            <a:r>
-              <a:rPr lang="en-US" altLang="en-US" sz="1400" dirty="0" smtClean="0">
-                <a:solidFill>
-                  <a:schemeClr val="accent1">
-                    <a:lumMod val="60000"/>
-                    <a:lumOff val="40000"/>
-                  </a:schemeClr>
-                </a:solidFill>
-                <a:latin typeface="Consolas" panose="020B0609020204030204" pitchFamily="49" charset="0"/>
-              </a:rPr>
-              <a:t> </a:t>
-            </a:r>
-            <a:r>
-              <a:rPr lang="en-US" altLang="en-US" sz="1400" dirty="0">
-                <a:solidFill>
-                  <a:schemeClr val="accent2"/>
-                </a:solidFill>
-                <a:latin typeface="Consolas" panose="020B0609020204030204" pitchFamily="49" charset="0"/>
-              </a:rPr>
-              <a:t>"</a:t>
-            </a:r>
-            <a:r>
-              <a:rPr lang="en-US" altLang="en-US" sz="1400" dirty="0" smtClean="0">
-                <a:solidFill>
-                  <a:schemeClr val="accent2"/>
-                </a:solidFill>
-                <a:latin typeface="Consolas" panose="020B0609020204030204" pitchFamily="49" charset="0"/>
-              </a:rPr>
-              <a:t>Brightness Sensor"</a:t>
-            </a:r>
-            <a:r>
-              <a:rPr lang="en-US" altLang="en-US" sz="1400" dirty="0" smtClean="0">
-                <a:solidFill>
-                  <a:schemeClr val="accent1"/>
-                </a:solidFill>
-                <a:latin typeface="Consolas" panose="020B0609020204030204" pitchFamily="49" charset="0"/>
-              </a:rPr>
-              <a:t>,</a:t>
-            </a:r>
-            <a:r>
-              <a:rPr lang="en-US" altLang="en-US" sz="1400" dirty="0" smtClean="0">
-                <a:solidFill>
-                  <a:schemeClr val="accent1">
-                    <a:lumMod val="60000"/>
-                    <a:lumOff val="40000"/>
-                  </a:schemeClr>
-                </a:solidFill>
-                <a:latin typeface="Consolas" panose="020B0609020204030204" pitchFamily="49" charset="0"/>
-              </a:rPr>
-              <a:t> </a:t>
-            </a:r>
-          </a:p>
-          <a:p>
-            <a:pPr lvl="0" eaLnBrk="0" fontAlgn="base" hangingPunct="0">
-              <a:spcBef>
-                <a:spcPct val="0"/>
-              </a:spcBef>
-              <a:spcAft>
-                <a:spcPct val="0"/>
-              </a:spcAft>
-            </a:pPr>
-            <a:r>
-              <a:rPr lang="en-US" altLang="en-US" sz="1400" dirty="0" smtClean="0">
-                <a:solidFill>
-                  <a:schemeClr val="accent1">
-                    <a:lumMod val="60000"/>
-                    <a:lumOff val="40000"/>
-                  </a:schemeClr>
-                </a:solidFill>
-                <a:latin typeface="Consolas" panose="020B0609020204030204" pitchFamily="49" charset="0"/>
-              </a:rPr>
-              <a:t>          "</a:t>
-            </a:r>
-            <a:r>
-              <a:rPr lang="en-US" altLang="en-US" sz="1400" dirty="0" err="1" smtClean="0">
-                <a:solidFill>
-                  <a:schemeClr val="accent1">
-                    <a:lumMod val="60000"/>
-                    <a:lumOff val="40000"/>
-                  </a:schemeClr>
-                </a:solidFill>
-                <a:latin typeface="Consolas" panose="020B0609020204030204" pitchFamily="49" charset="0"/>
-              </a:rPr>
-              <a:t>lastCalibration</a:t>
-            </a:r>
-            <a:r>
-              <a:rPr lang="en-US" altLang="en-US" sz="1400" dirty="0" smtClean="0">
-                <a:solidFill>
-                  <a:schemeClr val="accent1">
-                    <a:lumMod val="60000"/>
-                    <a:lumOff val="40000"/>
-                  </a:schemeClr>
-                </a:solidFill>
-                <a:latin typeface="Consolas" panose="020B0609020204030204" pitchFamily="49" charset="0"/>
-              </a:rPr>
-              <a:t>"</a:t>
-            </a:r>
-            <a:r>
-              <a:rPr lang="en-US" altLang="en-US" sz="1400" dirty="0" smtClean="0">
-                <a:solidFill>
-                  <a:schemeClr val="accent1"/>
-                </a:solidFill>
-                <a:latin typeface="Consolas" panose="020B0609020204030204" pitchFamily="49" charset="0"/>
-              </a:rPr>
-              <a:t>:</a:t>
-            </a:r>
-            <a:r>
-              <a:rPr lang="en-US" altLang="en-US" sz="1400" dirty="0" smtClean="0">
-                <a:solidFill>
-                  <a:schemeClr val="accent1">
-                    <a:lumMod val="60000"/>
-                    <a:lumOff val="40000"/>
-                  </a:schemeClr>
-                </a:solidFill>
-                <a:latin typeface="Consolas" panose="020B0609020204030204" pitchFamily="49" charset="0"/>
-              </a:rPr>
-              <a:t> </a:t>
-            </a:r>
-            <a:r>
-              <a:rPr lang="en-US" altLang="en-US" sz="1400" dirty="0">
-                <a:solidFill>
-                  <a:schemeClr val="accent2"/>
-                </a:solidFill>
-                <a:latin typeface="Consolas" panose="020B0609020204030204" pitchFamily="49" charset="0"/>
-              </a:rPr>
-              <a:t>"</a:t>
-            </a:r>
-            <a:r>
-              <a:rPr lang="en-US" altLang="en-US" sz="1400" dirty="0" smtClean="0">
-                <a:solidFill>
-                  <a:schemeClr val="accent2"/>
-                </a:solidFill>
-                <a:latin typeface="Consolas" panose="020B0609020204030204" pitchFamily="49" charset="0"/>
-              </a:rPr>
-              <a:t>2020-01-19T20:20:35+00:00"</a:t>
-            </a:r>
-            <a:r>
-              <a:rPr lang="en-US" altLang="en-US" sz="1400" dirty="0" smtClean="0">
-                <a:solidFill>
-                  <a:schemeClr val="accent1"/>
-                </a:solidFill>
-                <a:latin typeface="Consolas" panose="020B0609020204030204" pitchFamily="49" charset="0"/>
-              </a:rPr>
-              <a:t>,</a:t>
-            </a:r>
-          </a:p>
-          <a:p>
-            <a:pPr lvl="0" eaLnBrk="0" fontAlgn="base" hangingPunct="0">
-              <a:spcBef>
-                <a:spcPct val="0"/>
-              </a:spcBef>
-              <a:spcAft>
-                <a:spcPct val="0"/>
-              </a:spcAft>
-            </a:pPr>
-            <a:r>
-              <a:rPr lang="en-US" altLang="en-US" sz="1400" dirty="0" smtClean="0">
-                <a:solidFill>
-                  <a:schemeClr val="accent1">
-                    <a:lumMod val="60000"/>
-                    <a:lumOff val="40000"/>
-                  </a:schemeClr>
-                </a:solidFill>
-                <a:latin typeface="Consolas" panose="020B0609020204030204" pitchFamily="49" charset="0"/>
-              </a:rPr>
-              <a:t>          </a:t>
-            </a:r>
-            <a:r>
-              <a:rPr lang="en-US" altLang="en-US" sz="1400" dirty="0">
-                <a:solidFill>
-                  <a:schemeClr val="accent1">
-                    <a:lumMod val="60000"/>
-                    <a:lumOff val="40000"/>
-                  </a:schemeClr>
-                </a:solidFill>
-                <a:latin typeface="Consolas" panose="020B0609020204030204" pitchFamily="49" charset="0"/>
-              </a:rPr>
-              <a:t>"measurement"</a:t>
-            </a:r>
-            <a:r>
-              <a:rPr lang="en-US" altLang="en-US" sz="1400" dirty="0">
-                <a:solidFill>
-                  <a:schemeClr val="accent1"/>
-                </a:solidFill>
-                <a:latin typeface="Consolas" panose="020B0609020204030204" pitchFamily="49" charset="0"/>
-              </a:rPr>
-              <a:t>:</a:t>
-            </a:r>
-            <a:r>
-              <a:rPr lang="en-US" altLang="en-US" sz="1400" dirty="0">
-                <a:solidFill>
-                  <a:schemeClr val="accent1">
-                    <a:lumMod val="60000"/>
-                    <a:lumOff val="40000"/>
-                  </a:schemeClr>
-                </a:solidFill>
-                <a:latin typeface="Consolas" panose="020B0609020204030204" pitchFamily="49" charset="0"/>
-              </a:rPr>
-              <a:t> </a:t>
-            </a:r>
-            <a:r>
-              <a:rPr lang="en-US" altLang="en-US" sz="1400" dirty="0">
-                <a:solidFill>
-                  <a:schemeClr val="accent1"/>
-                </a:solidFill>
-                <a:latin typeface="Consolas" panose="020B0609020204030204" pitchFamily="49" charset="0"/>
-              </a:rPr>
-              <a:t>{</a:t>
-            </a:r>
-            <a:r>
-              <a:rPr lang="en-US" altLang="en-US" sz="1400" dirty="0">
-                <a:solidFill>
-                  <a:schemeClr val="accent1">
-                    <a:lumMod val="60000"/>
-                    <a:lumOff val="40000"/>
-                  </a:schemeClr>
-                </a:solidFill>
-                <a:latin typeface="Consolas" panose="020B0609020204030204" pitchFamily="49" charset="0"/>
-              </a:rPr>
-              <a:t> </a:t>
-            </a:r>
-          </a:p>
-          <a:p>
-            <a:pPr lvl="0" eaLnBrk="0" fontAlgn="base" hangingPunct="0">
-              <a:spcBef>
-                <a:spcPct val="0"/>
-              </a:spcBef>
-              <a:spcAft>
-                <a:spcPct val="0"/>
-              </a:spcAft>
-            </a:pPr>
-            <a:r>
-              <a:rPr lang="en-US" altLang="en-US" sz="1400" dirty="0">
-                <a:solidFill>
-                  <a:schemeClr val="accent1">
-                    <a:lumMod val="60000"/>
-                    <a:lumOff val="40000"/>
-                  </a:schemeClr>
-                </a:solidFill>
-                <a:latin typeface="Consolas" panose="020B0609020204030204" pitchFamily="49" charset="0"/>
-              </a:rPr>
-              <a:t>               "value"</a:t>
-            </a:r>
-            <a:r>
-              <a:rPr lang="en-US" altLang="en-US" sz="1400" dirty="0">
-                <a:solidFill>
-                  <a:schemeClr val="accent1"/>
-                </a:solidFill>
-                <a:latin typeface="Consolas" panose="020B0609020204030204" pitchFamily="49" charset="0"/>
-              </a:rPr>
-              <a:t>:</a:t>
-            </a:r>
-            <a:r>
-              <a:rPr lang="en-US" altLang="en-US" sz="1400" dirty="0">
-                <a:solidFill>
-                  <a:schemeClr val="accent1">
-                    <a:lumMod val="60000"/>
-                    <a:lumOff val="40000"/>
-                  </a:schemeClr>
-                </a:solidFill>
-                <a:latin typeface="Consolas" panose="020B0609020204030204" pitchFamily="49" charset="0"/>
-              </a:rPr>
-              <a:t> </a:t>
-            </a:r>
-            <a:r>
-              <a:rPr lang="en-US" altLang="en-US" sz="1400" dirty="0">
-                <a:solidFill>
-                  <a:schemeClr val="accent6"/>
-                </a:solidFill>
-                <a:latin typeface="Consolas" panose="020B0609020204030204" pitchFamily="49" charset="0"/>
-              </a:rPr>
-              <a:t>2</a:t>
-            </a:r>
-            <a:r>
-              <a:rPr lang="en-US" altLang="en-US" sz="1400" dirty="0" smtClean="0">
-                <a:solidFill>
-                  <a:schemeClr val="accent1"/>
-                </a:solidFill>
-                <a:latin typeface="Consolas" panose="020B0609020204030204" pitchFamily="49" charset="0"/>
-              </a:rPr>
-              <a:t>,</a:t>
-            </a:r>
-            <a:r>
-              <a:rPr lang="en-US" altLang="en-US" sz="1400" dirty="0" smtClean="0">
-                <a:solidFill>
-                  <a:schemeClr val="accent1">
-                    <a:lumMod val="60000"/>
-                    <a:lumOff val="40000"/>
-                  </a:schemeClr>
-                </a:solidFill>
-                <a:latin typeface="Consolas" panose="020B0609020204030204" pitchFamily="49" charset="0"/>
-              </a:rPr>
-              <a:t> </a:t>
-            </a:r>
-            <a:endParaRPr lang="en-US" altLang="en-US" sz="1400" dirty="0">
-              <a:solidFill>
-                <a:schemeClr val="accent1">
-                  <a:lumMod val="60000"/>
-                  <a:lumOff val="40000"/>
-                </a:schemeClr>
-              </a:solidFill>
-              <a:latin typeface="Consolas" panose="020B0609020204030204" pitchFamily="49" charset="0"/>
-            </a:endParaRPr>
-          </a:p>
-          <a:p>
-            <a:pPr lvl="0" eaLnBrk="0" fontAlgn="base" hangingPunct="0">
-              <a:spcBef>
-                <a:spcPct val="0"/>
-              </a:spcBef>
-              <a:spcAft>
-                <a:spcPct val="0"/>
-              </a:spcAft>
-            </a:pPr>
-            <a:r>
-              <a:rPr lang="en-US" altLang="en-US" sz="1400" dirty="0">
-                <a:solidFill>
-                  <a:schemeClr val="accent1">
-                    <a:lumMod val="60000"/>
-                    <a:lumOff val="40000"/>
-                  </a:schemeClr>
-                </a:solidFill>
-                <a:latin typeface="Consolas" panose="020B0609020204030204" pitchFamily="49" charset="0"/>
-              </a:rPr>
-              <a:t>               "unit"</a:t>
-            </a:r>
-            <a:r>
-              <a:rPr lang="en-US" altLang="en-US" sz="1400" dirty="0">
-                <a:solidFill>
-                  <a:schemeClr val="accent1"/>
-                </a:solidFill>
-                <a:latin typeface="Consolas" panose="020B0609020204030204" pitchFamily="49" charset="0"/>
-              </a:rPr>
-              <a:t>:</a:t>
-            </a:r>
-            <a:r>
-              <a:rPr lang="en-US" altLang="en-US" sz="1400" dirty="0">
-                <a:solidFill>
-                  <a:schemeClr val="accent1">
-                    <a:lumMod val="60000"/>
-                    <a:lumOff val="40000"/>
-                  </a:schemeClr>
-                </a:solidFill>
-                <a:latin typeface="Consolas" panose="020B0609020204030204" pitchFamily="49" charset="0"/>
-              </a:rPr>
-              <a:t> </a:t>
-            </a:r>
-            <a:r>
-              <a:rPr lang="en-US" altLang="en-US" sz="1400" dirty="0" smtClean="0">
-                <a:solidFill>
-                  <a:schemeClr val="accent2"/>
-                </a:solidFill>
-                <a:latin typeface="Consolas" panose="020B0609020204030204" pitchFamily="49" charset="0"/>
-              </a:rPr>
-              <a:t>"Lux"</a:t>
-            </a:r>
-            <a:endParaRPr lang="en-US" altLang="en-US" sz="1400" dirty="0">
-              <a:solidFill>
-                <a:schemeClr val="accent2"/>
-              </a:solidFill>
-              <a:latin typeface="Consolas" panose="020B0609020204030204" pitchFamily="49" charset="0"/>
-            </a:endParaRPr>
-          </a:p>
-          <a:p>
-            <a:pPr lvl="0" eaLnBrk="0" fontAlgn="base" hangingPunct="0">
-              <a:spcBef>
-                <a:spcPct val="0"/>
-              </a:spcBef>
-              <a:spcAft>
-                <a:spcPct val="0"/>
-              </a:spcAft>
-            </a:pPr>
-            <a:r>
-              <a:rPr lang="en-US" altLang="en-US" sz="1400" dirty="0">
-                <a:solidFill>
-                  <a:schemeClr val="accent1">
-                    <a:lumMod val="60000"/>
-                    <a:lumOff val="40000"/>
-                  </a:schemeClr>
-                </a:solidFill>
-                <a:latin typeface="Consolas" panose="020B0609020204030204" pitchFamily="49" charset="0"/>
-              </a:rPr>
-              <a:t>          </a:t>
-            </a:r>
-            <a:r>
-              <a:rPr lang="en-US" altLang="en-US" sz="1400" dirty="0">
-                <a:solidFill>
-                  <a:schemeClr val="accent1"/>
-                </a:solidFill>
-                <a:latin typeface="Consolas" panose="020B0609020204030204" pitchFamily="49" charset="0"/>
-              </a:rPr>
-              <a:t>}, </a:t>
-            </a:r>
-          </a:p>
-          <a:p>
-            <a:pPr lvl="0" eaLnBrk="0" fontAlgn="base" hangingPunct="0">
-              <a:spcBef>
-                <a:spcPct val="0"/>
-              </a:spcBef>
-              <a:spcAft>
-                <a:spcPct val="0"/>
-              </a:spcAft>
-            </a:pPr>
-            <a:r>
-              <a:rPr lang="en-US" altLang="en-US" sz="1400" dirty="0">
-                <a:solidFill>
-                  <a:schemeClr val="accent1">
-                    <a:lumMod val="60000"/>
-                    <a:lumOff val="40000"/>
-                  </a:schemeClr>
-                </a:solidFill>
-                <a:latin typeface="Consolas" panose="020B0609020204030204" pitchFamily="49" charset="0"/>
-              </a:rPr>
-              <a:t>          "</a:t>
-            </a:r>
-            <a:r>
-              <a:rPr lang="en-US" altLang="en-US" sz="1400" dirty="0" err="1">
-                <a:solidFill>
-                  <a:schemeClr val="accent1">
-                    <a:lumMod val="60000"/>
-                    <a:lumOff val="40000"/>
-                  </a:schemeClr>
-                </a:solidFill>
-                <a:latin typeface="Consolas" panose="020B0609020204030204" pitchFamily="49" charset="0"/>
-              </a:rPr>
-              <a:t>isActive</a:t>
-            </a:r>
-            <a:r>
-              <a:rPr lang="en-US" altLang="en-US" sz="1400" dirty="0">
-                <a:solidFill>
-                  <a:schemeClr val="accent1">
-                    <a:lumMod val="60000"/>
-                    <a:lumOff val="40000"/>
-                  </a:schemeClr>
-                </a:solidFill>
-                <a:latin typeface="Consolas" panose="020B0609020204030204" pitchFamily="49" charset="0"/>
-              </a:rPr>
-              <a:t>"</a:t>
-            </a:r>
-            <a:r>
-              <a:rPr lang="en-US" altLang="en-US" sz="1400" dirty="0">
-                <a:solidFill>
-                  <a:schemeClr val="accent1"/>
-                </a:solidFill>
-                <a:latin typeface="Consolas" panose="020B0609020204030204" pitchFamily="49" charset="0"/>
-              </a:rPr>
-              <a:t>:</a:t>
-            </a:r>
-            <a:r>
-              <a:rPr lang="en-US" altLang="en-US" sz="1400" dirty="0">
-                <a:solidFill>
-                  <a:schemeClr val="accent1">
-                    <a:lumMod val="60000"/>
-                    <a:lumOff val="40000"/>
-                  </a:schemeClr>
-                </a:solidFill>
-                <a:latin typeface="Consolas" panose="020B0609020204030204" pitchFamily="49" charset="0"/>
-              </a:rPr>
-              <a:t> </a:t>
-            </a:r>
-            <a:r>
-              <a:rPr lang="en-US" altLang="en-US" sz="1400" dirty="0" smtClean="0">
-                <a:solidFill>
-                  <a:schemeClr val="accent1"/>
-                </a:solidFill>
-                <a:latin typeface="Consolas" panose="020B0609020204030204" pitchFamily="49" charset="0"/>
-              </a:rPr>
-              <a:t>false</a:t>
-            </a:r>
-            <a:endParaRPr lang="en-US" altLang="en-US" sz="1400" dirty="0">
-              <a:solidFill>
-                <a:schemeClr val="accent1">
-                  <a:lumMod val="60000"/>
-                  <a:lumOff val="40000"/>
-                </a:schemeClr>
-              </a:solidFill>
-              <a:latin typeface="Consolas" panose="020B0609020204030204" pitchFamily="49" charset="0"/>
-            </a:endParaRPr>
-          </a:p>
-          <a:p>
-            <a:pPr lvl="0" eaLnBrk="0" fontAlgn="base" hangingPunct="0">
-              <a:spcBef>
-                <a:spcPct val="0"/>
-              </a:spcBef>
-              <a:spcAft>
-                <a:spcPct val="0"/>
-              </a:spcAft>
-            </a:pPr>
-            <a:r>
-              <a:rPr lang="en-US" altLang="en-US" sz="1400">
-                <a:solidFill>
-                  <a:schemeClr val="accent1"/>
-                </a:solidFill>
-                <a:latin typeface="Consolas" panose="020B0609020204030204" pitchFamily="49" charset="0"/>
-              </a:rPr>
-              <a:t>     </a:t>
-            </a:r>
-            <a:r>
-              <a:rPr lang="en-US" altLang="en-US" sz="1400" smtClean="0">
-                <a:solidFill>
-                  <a:schemeClr val="accent1"/>
-                </a:solidFill>
-                <a:latin typeface="Consolas" panose="020B0609020204030204" pitchFamily="49" charset="0"/>
-              </a:rPr>
-              <a:t>}</a:t>
-            </a:r>
-            <a:endParaRPr lang="en-US" altLang="en-US" sz="1400" dirty="0" smtClean="0">
-              <a:solidFill>
-                <a:schemeClr val="accent1"/>
-              </a:solidFill>
-              <a:latin typeface="Consolas" panose="020B0609020204030204" pitchFamily="49" charset="0"/>
-            </a:endParaRPr>
-          </a:p>
-          <a:p>
-            <a:pPr lvl="0" eaLnBrk="0" fontAlgn="base" hangingPunct="0">
-              <a:spcBef>
-                <a:spcPct val="0"/>
-              </a:spcBef>
-              <a:spcAft>
-                <a:spcPct val="0"/>
-              </a:spcAft>
-            </a:pPr>
-            <a:r>
-              <a:rPr lang="en-US" altLang="en-US" sz="1400" dirty="0" smtClean="0">
                 <a:solidFill>
                   <a:schemeClr val="accent1"/>
                 </a:solidFill>
@@ -28151,7 +28041,7 @@
           <p:cNvPr id="15" name="Straight Arrow Connector 14">
             <a:extLst>
               <a:ext uri="{FF2B5EF4-FFF2-40B4-BE49-F238E27FC236}">
-                <a16:creationId xmlns="" xmlns:a16="http://schemas.microsoft.com/office/drawing/2014/main" id="{0D8BCE31-CEAC-02BD-97E6-6F0904BABC47}"/>
+                <a16:creationId xmlns:a16="http://schemas.microsoft.com/office/drawing/2014/main" id="{0D8BCE31-CEAC-02BD-97E6-6F0904BABC47}"/>
               </a:ext>
             </a:extLst>
           </p:cNvPr>
@@ -28195,7 +28085,7 @@
           <p:cNvPr id="16" name="TextBox 15">
             <a:extLst>
               <a:ext uri="{FF2B5EF4-FFF2-40B4-BE49-F238E27FC236}">
-                <a16:creationId xmlns="" xmlns:a16="http://schemas.microsoft.com/office/drawing/2014/main" id="{1EA4C9BA-1486-9A9D-97DE-A3EE726D3B78}"/>
+                <a16:creationId xmlns:a16="http://schemas.microsoft.com/office/drawing/2014/main" id="{1EA4C9BA-1486-9A9D-97DE-A3EE726D3B78}"/>
               </a:ext>
             </a:extLst>
           </p:cNvPr>
@@ -28242,7 +28132,7 @@
           <p:cNvPr id="5" name="Right Bracket 4">
             <a:extLst>
               <a:ext uri="{FF2B5EF4-FFF2-40B4-BE49-F238E27FC236}">
-                <a16:creationId xmlns="" xmlns:a16="http://schemas.microsoft.com/office/drawing/2014/main" id="{4D67CFE3-3F16-7A27-3127-BCF85353BAF3}"/>
+                <a16:creationId xmlns:a16="http://schemas.microsoft.com/office/drawing/2014/main" id="{4D67CFE3-3F16-7A27-3127-BCF85353BAF3}"/>
               </a:ext>
             </a:extLst>
           </p:cNvPr>
@@ -28293,7 +28183,7 @@
           <p:cNvPr id="9" name="Straight Arrow Connector 8">
             <a:extLst>
               <a:ext uri="{FF2B5EF4-FFF2-40B4-BE49-F238E27FC236}">
-                <a16:creationId xmlns="" xmlns:a16="http://schemas.microsoft.com/office/drawing/2014/main" id="{24A79736-8A7D-6E45-3390-6E560512AAD5}"/>
+                <a16:creationId xmlns:a16="http://schemas.microsoft.com/office/drawing/2014/main" id="{24A79736-8A7D-6E45-3390-6E560512AAD5}"/>
               </a:ext>
             </a:extLst>
           </p:cNvPr>
@@ -28337,7 +28227,7 @@
           <p:cNvPr id="13" name="TextBox 12">
             <a:extLst>
               <a:ext uri="{FF2B5EF4-FFF2-40B4-BE49-F238E27FC236}">
-                <a16:creationId xmlns="" xmlns:a16="http://schemas.microsoft.com/office/drawing/2014/main" id="{ABC73B94-82CF-9654-4924-968F52A00BB1}"/>
+                <a16:creationId xmlns:a16="http://schemas.microsoft.com/office/drawing/2014/main" id="{ABC73B94-82CF-9654-4924-968F52A00BB1}"/>
               </a:ext>
             </a:extLst>
           </p:cNvPr>
@@ -28384,7 +28274,7 @@
           <p:cNvPr id="14" name="Right Bracket 13">
             <a:extLst>
               <a:ext uri="{FF2B5EF4-FFF2-40B4-BE49-F238E27FC236}">
-                <a16:creationId xmlns="" xmlns:a16="http://schemas.microsoft.com/office/drawing/2014/main" id="{7FDE5F03-B3B1-3E76-46FF-5B10F8BB3A9F}"/>
+                <a16:creationId xmlns:a16="http://schemas.microsoft.com/office/drawing/2014/main" id="{7FDE5F03-B3B1-3E76-46FF-5B10F8BB3A9F}"/>
               </a:ext>
             </a:extLst>
           </p:cNvPr>
@@ -28435,7 +28325,7 @@
           <p:cNvPr id="17" name="Straight Arrow Connector 16">
             <a:extLst>
               <a:ext uri="{FF2B5EF4-FFF2-40B4-BE49-F238E27FC236}">
-                <a16:creationId xmlns="" xmlns:a16="http://schemas.microsoft.com/office/drawing/2014/main" id="{C1CFBA11-AD2E-ABF5-0986-9691CDF7C1E2}"/>
+                <a16:creationId xmlns:a16="http://schemas.microsoft.com/office/drawing/2014/main" id="{C1CFBA11-AD2E-ABF5-0986-9691CDF7C1E2}"/>
               </a:ext>
             </a:extLst>
           </p:cNvPr>
@@ -28479,7 +28369,7 @@
           <p:cNvPr id="18" name="TextBox 17">
             <a:extLst>
               <a:ext uri="{FF2B5EF4-FFF2-40B4-BE49-F238E27FC236}">
-                <a16:creationId xmlns="" xmlns:a16="http://schemas.microsoft.com/office/drawing/2014/main" id="{42CBBF85-6867-40FA-4E09-4DFC7F41A50B}"/>
+                <a16:creationId xmlns:a16="http://schemas.microsoft.com/office/drawing/2014/main" id="{42CBBF85-6867-40FA-4E09-4DFC7F41A50B}"/>
               </a:ext>
             </a:extLst>
           </p:cNvPr>
@@ -28526,7 +28416,7 @@
           <p:cNvPr id="19" name="Right Bracket 18">
             <a:extLst>
               <a:ext uri="{FF2B5EF4-FFF2-40B4-BE49-F238E27FC236}">
-                <a16:creationId xmlns="" xmlns:a16="http://schemas.microsoft.com/office/drawing/2014/main" id="{E916E6A1-7112-F84F-545C-CBB8BC105475}"/>
+                <a16:creationId xmlns:a16="http://schemas.microsoft.com/office/drawing/2014/main" id="{E916E6A1-7112-F84F-545C-CBB8BC105475}"/>
               </a:ext>
             </a:extLst>
           </p:cNvPr>
@@ -28577,7 +28467,7 @@
           <p:cNvPr id="20" name="Right Bracket 19">
             <a:extLst>
               <a:ext uri="{FF2B5EF4-FFF2-40B4-BE49-F238E27FC236}">
-                <a16:creationId xmlns="" xmlns:a16="http://schemas.microsoft.com/office/drawing/2014/main" id="{19CD3AD9-7863-2C16-B5CE-A83C62BFDF13}"/>
+                <a16:creationId xmlns:a16="http://schemas.microsoft.com/office/drawing/2014/main" id="{19CD3AD9-7863-2C16-B5CE-A83C62BFDF13}"/>
               </a:ext>
             </a:extLst>
           </p:cNvPr>
@@ -28629,7 +28519,7 @@
           <p:cNvPr id="23" name="Straight Arrow Connector 22">
             <a:extLst>
               <a:ext uri="{FF2B5EF4-FFF2-40B4-BE49-F238E27FC236}">
-                <a16:creationId xmlns="" xmlns:a16="http://schemas.microsoft.com/office/drawing/2014/main" id="{4DB57719-91EB-8AB7-C558-8FF28E0E646D}"/>
+                <a16:creationId xmlns:a16="http://schemas.microsoft.com/office/drawing/2014/main" id="{4DB57719-91EB-8AB7-C558-8FF28E0E646D}"/>
               </a:ext>
             </a:extLst>
           </p:cNvPr>
@@ -28673,7 +28563,7 @@
           <p:cNvPr id="24" name="TextBox 23">
             <a:extLst>
               <a:ext uri="{FF2B5EF4-FFF2-40B4-BE49-F238E27FC236}">
-                <a16:creationId xmlns="" xmlns:a16="http://schemas.microsoft.com/office/drawing/2014/main" id="{4E07E000-ACD1-6EFF-C6D9-B0153A76EEBA}"/>
+                <a16:creationId xmlns:a16="http://schemas.microsoft.com/office/drawing/2014/main" id="{4E07E000-ACD1-6EFF-C6D9-B0153A76EEBA}"/>
               </a:ext>
             </a:extLst>
           </p:cNvPr>
@@ -28728,11 +28618,11 @@
   <p:clrMapOvr>
     <a:masterClrMapping/>
   </p:clrMapOvr>
-  <mc:AlternateContent xmlns:mc="http://schemas.openxmlformats.org/markup-compatibility/2006">
-    <mc:Choice xmlns:p14="http://schemas.microsoft.com/office/powerpoint/2010/main" Requires="p14">
+  <mc:AlternateContent xmlns:mc="http://schemas.openxmlformats.org/markup-compatibility/2006" xmlns:p14="http://schemas.microsoft.com/office/powerpoint/2010/main">
+    <mc:Choice Requires="p14">
       <p:transition spd="slow" p14:dur="2000" advClick="0" advTm="10000"/>
     </mc:Choice>
-    <mc:Fallback>
+    <mc:Fallback xmlns="">
       <p:transition spd="slow" advClick="0" advTm="10000"/>
     </mc:Fallback>
   </mc:AlternateContent>
@@ -29386,7 +29276,7 @@
           <p:cNvPr id="2" name="Title 1">
             <a:extLst>
               <a:ext uri="{FF2B5EF4-FFF2-40B4-BE49-F238E27FC236}">
-                <a16:creationId xmlns="" xmlns:a16="http://schemas.microsoft.com/office/drawing/2014/main" id="{36C1F445-F222-C5E1-E994-98C97AA41A14}"/>
+                <a16:creationId xmlns:a16="http://schemas.microsoft.com/office/drawing/2014/main" id="{36C1F445-F222-C5E1-E994-98C97AA41A14}"/>
               </a:ext>
             </a:extLst>
           </p:cNvPr>
@@ -29437,13 +29327,13 @@
   <p:clrMapOvr>
     <a:masterClrMapping/>
   </p:clrMapOvr>
-  <mc:AlternateContent xmlns:mc="http://schemas.openxmlformats.org/markup-compatibility/2006">
-    <mc:Choice xmlns="" xmlns:p159="http://schemas.microsoft.com/office/powerpoint/2015/09/main" Requires="p159">
+  <mc:AlternateContent xmlns:mc="http://schemas.openxmlformats.org/markup-compatibility/2006" xmlns:p159="http://schemas.microsoft.com/office/powerpoint/2015/09/main">
+    <mc:Choice Requires="p159">
       <p:transition xmlns:p14="http://schemas.microsoft.com/office/powerpoint/2010/main" spd="slow" p14:dur="2000" advClick="0" advTm="4000">
         <p159:morph option="byObject"/>
       </p:transition>
     </mc:Choice>
-    <mc:Fallback>
+    <mc:Fallback xmlns="">
       <p:transition spd="slow" advClick="0" advTm="4000">
         <p:fade/>
       </p:transition>
@@ -29563,7 +29453,7 @@
           <p:cNvPr id="2" name="Title 1">
             <a:extLst>
               <a:ext uri="{FF2B5EF4-FFF2-40B4-BE49-F238E27FC236}">
-                <a16:creationId xmlns="" xmlns:a16="http://schemas.microsoft.com/office/drawing/2014/main" id="{E066BD6C-C074-9E18-D97B-3D707027C076}"/>
+                <a16:creationId xmlns:a16="http://schemas.microsoft.com/office/drawing/2014/main" id="{E066BD6C-C074-9E18-D97B-3D707027C076}"/>
               </a:ext>
             </a:extLst>
           </p:cNvPr>
@@ -29659,7 +29549,7 @@
           <p:cNvPr id="4" name="Content Placeholder 2">
             <a:extLst>
               <a:ext uri="{FF2B5EF4-FFF2-40B4-BE49-F238E27FC236}">
-                <a16:creationId xmlns="" xmlns:a16="http://schemas.microsoft.com/office/drawing/2014/main" id="{51B2AFFB-9DEA-D4D8-EB20-F473B7D1CEFB}"/>
+                <a16:creationId xmlns:a16="http://schemas.microsoft.com/office/drawing/2014/main" id="{51B2AFFB-9DEA-D4D8-EB20-F473B7D1CEFB}"/>
               </a:ext>
             </a:extLst>
           </p:cNvPr>
@@ -29954,7 +29844,7 @@
           <p:cNvPr id="7" name="Content Placeholder 2">
             <a:extLst>
               <a:ext uri="{FF2B5EF4-FFF2-40B4-BE49-F238E27FC236}">
-                <a16:creationId xmlns="" xmlns:a16="http://schemas.microsoft.com/office/drawing/2014/main" id="{3B9DF3B2-6B13-BF13-EF56-E19E1921F41C}"/>
+                <a16:creationId xmlns:a16="http://schemas.microsoft.com/office/drawing/2014/main" id="{3B9DF3B2-6B13-BF13-EF56-E19E1921F41C}"/>
               </a:ext>
             </a:extLst>
           </p:cNvPr>
@@ -30237,7 +30127,7 @@
           <p:cNvPr id="8" name="Content Placeholder 2">
             <a:extLst>
               <a:ext uri="{FF2B5EF4-FFF2-40B4-BE49-F238E27FC236}">
-                <a16:creationId xmlns="" xmlns:a16="http://schemas.microsoft.com/office/drawing/2014/main" id="{5038DDE4-8E81-1237-4CE1-C89AB349FF49}"/>
+                <a16:creationId xmlns:a16="http://schemas.microsoft.com/office/drawing/2014/main" id="{5038DDE4-8E81-1237-4CE1-C89AB349FF49}"/>
               </a:ext>
             </a:extLst>
           </p:cNvPr>
@@ -30491,7 +30381,7 @@
           <p:cNvPr id="10" name="Straight Connector 9">
             <a:extLst>
               <a:ext uri="{FF2B5EF4-FFF2-40B4-BE49-F238E27FC236}">
-                <a16:creationId xmlns="" xmlns:a16="http://schemas.microsoft.com/office/drawing/2014/main" id="{AE112DF1-F4F3-881D-CE66-7A16CBA4438D}"/>
+                <a16:creationId xmlns:a16="http://schemas.microsoft.com/office/drawing/2014/main" id="{AE112DF1-F4F3-881D-CE66-7A16CBA4438D}"/>
               </a:ext>
             </a:extLst>
           </p:cNvPr>
@@ -30528,7 +30418,7 @@
           <p:cNvPr id="11" name="Right Bracket 10">
             <a:extLst>
               <a:ext uri="{FF2B5EF4-FFF2-40B4-BE49-F238E27FC236}">
-                <a16:creationId xmlns="" xmlns:a16="http://schemas.microsoft.com/office/drawing/2014/main" id="{DC5575F1-3348-C95C-A322-FE96FC4A9226}"/>
+                <a16:creationId xmlns:a16="http://schemas.microsoft.com/office/drawing/2014/main" id="{DC5575F1-3348-C95C-A322-FE96FC4A9226}"/>
               </a:ext>
             </a:extLst>
           </p:cNvPr>
@@ -30577,7 +30467,7 @@
           <p:cNvPr id="14" name="Straight Arrow Connector 13">
             <a:extLst>
               <a:ext uri="{FF2B5EF4-FFF2-40B4-BE49-F238E27FC236}">
-                <a16:creationId xmlns="" xmlns:a16="http://schemas.microsoft.com/office/drawing/2014/main" id="{C5E5343F-05BA-3D4E-034E-4ADBA289CE27}"/>
+                <a16:creationId xmlns:a16="http://schemas.microsoft.com/office/drawing/2014/main" id="{C5E5343F-05BA-3D4E-034E-4ADBA289CE27}"/>
               </a:ext>
             </a:extLst>
           </p:cNvPr>
@@ -30621,7 +30511,7 @@
           <p:cNvPr id="16" name="TextBox 15">
             <a:extLst>
               <a:ext uri="{FF2B5EF4-FFF2-40B4-BE49-F238E27FC236}">
-                <a16:creationId xmlns="" xmlns:a16="http://schemas.microsoft.com/office/drawing/2014/main" id="{7F0A1F25-D8E0-718B-84F0-E7ED8EC5B73B}"/>
+                <a16:creationId xmlns:a16="http://schemas.microsoft.com/office/drawing/2014/main" id="{7F0A1F25-D8E0-718B-84F0-E7ED8EC5B73B}"/>
               </a:ext>
             </a:extLst>
           </p:cNvPr>
@@ -30701,7 +30591,7 @@
           <p:cNvPr id="18" name="Group 17">
             <a:extLst>
               <a:ext uri="{FF2B5EF4-FFF2-40B4-BE49-F238E27FC236}">
-                <a16:creationId xmlns="" xmlns:a16="http://schemas.microsoft.com/office/drawing/2014/main" id="{FAAA34E8-1C7F-5319-0CF0-85F88B67DD38}"/>
+                <a16:creationId xmlns:a16="http://schemas.microsoft.com/office/drawing/2014/main" id="{FAAA34E8-1C7F-5319-0CF0-85F88B67DD38}"/>
               </a:ext>
             </a:extLst>
           </p:cNvPr>
@@ -30721,7 +30611,7 @@
             <p:cNvPr id="12" name="Content Placeholder 2">
               <a:extLst>
                 <a:ext uri="{FF2B5EF4-FFF2-40B4-BE49-F238E27FC236}">
-                  <a16:creationId xmlns="" xmlns:a16="http://schemas.microsoft.com/office/drawing/2014/main" id="{EC39ED62-E735-1F90-4903-AD466492B7DD}"/>
+                  <a16:creationId xmlns:a16="http://schemas.microsoft.com/office/drawing/2014/main" id="{EC39ED62-E735-1F90-4903-AD466492B7DD}"/>
                 </a:ext>
               </a:extLst>
             </p:cNvPr>
@@ -31016,7 +30906,7 @@
             <p:cNvPr id="13" name="Content Placeholder 2">
               <a:extLst>
                 <a:ext uri="{FF2B5EF4-FFF2-40B4-BE49-F238E27FC236}">
-                  <a16:creationId xmlns="" xmlns:a16="http://schemas.microsoft.com/office/drawing/2014/main" id="{C145E6AD-AB70-CA81-2742-63B99DBDC02F}"/>
+                  <a16:creationId xmlns:a16="http://schemas.microsoft.com/office/drawing/2014/main" id="{C145E6AD-AB70-CA81-2742-63B99DBDC02F}"/>
                 </a:ext>
               </a:extLst>
             </p:cNvPr>
@@ -31299,7 +31189,7 @@
             <p:cNvPr id="15" name="Content Placeholder 2">
               <a:extLst>
                 <a:ext uri="{FF2B5EF4-FFF2-40B4-BE49-F238E27FC236}">
-                  <a16:creationId xmlns="" xmlns:a16="http://schemas.microsoft.com/office/drawing/2014/main" id="{3F300B02-367E-01C6-32C2-F1D53B6F41AA}"/>
+                  <a16:creationId xmlns:a16="http://schemas.microsoft.com/office/drawing/2014/main" id="{3F300B02-367E-01C6-32C2-F1D53B6F41AA}"/>
                 </a:ext>
               </a:extLst>
             </p:cNvPr>
@@ -31553,7 +31443,7 @@
             <p:cNvPr id="17" name="Straight Connector 16">
               <a:extLst>
                 <a:ext uri="{FF2B5EF4-FFF2-40B4-BE49-F238E27FC236}">
-                  <a16:creationId xmlns="" xmlns:a16="http://schemas.microsoft.com/office/drawing/2014/main" id="{36E582AB-6BEF-3E10-8D85-EBE96C5B5411}"/>
+                  <a16:creationId xmlns:a16="http://schemas.microsoft.com/office/drawing/2014/main" id="{36E582AB-6BEF-3E10-8D85-EBE96C5B5411}"/>
                 </a:ext>
               </a:extLst>
             </p:cNvPr>
@@ -31760,7 +31650,7 @@
           <p:cNvPr id="6" name="Title 1">
             <a:extLst>
               <a:ext uri="{FF2B5EF4-FFF2-40B4-BE49-F238E27FC236}">
-                <a16:creationId xmlns="" xmlns:a16="http://schemas.microsoft.com/office/drawing/2014/main" id="{0E2BA068-3CE9-4A19-8A10-163436B6D4B6}"/>
+                <a16:creationId xmlns:a16="http://schemas.microsoft.com/office/drawing/2014/main" id="{0E2BA068-3CE9-4A19-8A10-163436B6D4B6}"/>
               </a:ext>
             </a:extLst>
           </p:cNvPr>
@@ -31866,7 +31756,7 @@
           <p:cNvPr id="26" name="Group 25">
             <a:extLst>
               <a:ext uri="{FF2B5EF4-FFF2-40B4-BE49-F238E27FC236}">
-                <a16:creationId xmlns="" xmlns:a16="http://schemas.microsoft.com/office/drawing/2014/main" id="{332B1517-7DCA-782E-3F5E-368990022221}"/>
+                <a16:creationId xmlns:a16="http://schemas.microsoft.com/office/drawing/2014/main" id="{332B1517-7DCA-782E-3F5E-368990022221}"/>
               </a:ext>
             </a:extLst>
           </p:cNvPr>
@@ -31886,7 +31776,7 @@
             <p:cNvPr id="3" name="Content Placeholder 2">
               <a:extLst>
                 <a:ext uri="{FF2B5EF4-FFF2-40B4-BE49-F238E27FC236}">
-                  <a16:creationId xmlns="" xmlns:a16="http://schemas.microsoft.com/office/drawing/2014/main" id="{695739B0-D08B-904E-4D56-1C8E1C2F15A6}"/>
+                  <a16:creationId xmlns:a16="http://schemas.microsoft.com/office/drawing/2014/main" id="{695739B0-D08B-904E-4D56-1C8E1C2F15A6}"/>
                 </a:ext>
               </a:extLst>
             </p:cNvPr>
@@ -32181,7 +32071,7 @@
             <p:cNvPr id="5" name="Content Placeholder 2">
               <a:extLst>
                 <a:ext uri="{FF2B5EF4-FFF2-40B4-BE49-F238E27FC236}">
-                  <a16:creationId xmlns="" xmlns:a16="http://schemas.microsoft.com/office/drawing/2014/main" id="{9B218159-3769-3043-0C44-7426F43126FE}"/>
+                  <a16:creationId xmlns:a16="http://schemas.microsoft.com/office/drawing/2014/main" id="{9B218159-3769-3043-0C44-7426F43126FE}"/>
                 </a:ext>
               </a:extLst>
             </p:cNvPr>
@@ -32464,7 +32354,7 @@
             <p:cNvPr id="13" name="Content Placeholder 2">
               <a:extLst>
                 <a:ext uri="{FF2B5EF4-FFF2-40B4-BE49-F238E27FC236}">
-                  <a16:creationId xmlns="" xmlns:a16="http://schemas.microsoft.com/office/drawing/2014/main" id="{D398429D-5015-72A9-32CB-858294868417}"/>
+                  <a16:creationId xmlns:a16="http://schemas.microsoft.com/office/drawing/2014/main" id="{D398429D-5015-72A9-32CB-858294868417}"/>
                 </a:ext>
               </a:extLst>
             </p:cNvPr>
@@ -32718,7 +32608,7 @@
             <p:cNvPr id="15" name="Straight Connector 14">
               <a:extLst>
                 <a:ext uri="{FF2B5EF4-FFF2-40B4-BE49-F238E27FC236}">
-                  <a16:creationId xmlns="" xmlns:a16="http://schemas.microsoft.com/office/drawing/2014/main" id="{09CDDB46-C6ED-B734-5661-B28D6D7AAC2E}"/>
+                  <a16:creationId xmlns:a16="http://schemas.microsoft.com/office/drawing/2014/main" id="{09CDDB46-C6ED-B734-5661-B28D6D7AAC2E}"/>
                 </a:ext>
               </a:extLst>
             </p:cNvPr>
@@ -32756,7 +32646,7 @@
           <p:cNvPr id="17" name="Content Placeholder 2">
             <a:extLst>
               <a:ext uri="{FF2B5EF4-FFF2-40B4-BE49-F238E27FC236}">
-                <a16:creationId xmlns="" xmlns:a16="http://schemas.microsoft.com/office/drawing/2014/main" id="{1F570B6F-1AEE-950B-E9B7-C7666E6C14CA}"/>
+                <a16:creationId xmlns:a16="http://schemas.microsoft.com/office/drawing/2014/main" id="{1F570B6F-1AEE-950B-E9B7-C7666E6C14CA}"/>
               </a:ext>
             </a:extLst>
           </p:cNvPr>
@@ -33051,7 +32941,7 @@
           <p:cNvPr id="18" name="Content Placeholder 2">
             <a:extLst>
               <a:ext uri="{FF2B5EF4-FFF2-40B4-BE49-F238E27FC236}">
-                <a16:creationId xmlns="" xmlns:a16="http://schemas.microsoft.com/office/drawing/2014/main" id="{FF419D1F-89A2-FBEC-2C77-CCAE770ADB3D}"/>
+                <a16:creationId xmlns:a16="http://schemas.microsoft.com/office/drawing/2014/main" id="{FF419D1F-89A2-FBEC-2C77-CCAE770ADB3D}"/>
               </a:ext>
             </a:extLst>
           </p:cNvPr>
@@ -33334,7 +33224,7 @@
           <p:cNvPr id="21" name="Content Placeholder 2">
             <a:extLst>
               <a:ext uri="{FF2B5EF4-FFF2-40B4-BE49-F238E27FC236}">
-                <a16:creationId xmlns="" xmlns:a16="http://schemas.microsoft.com/office/drawing/2014/main" id="{D904B76B-9AB6-E8A8-21F5-CF65CD505716}"/>
+                <a16:creationId xmlns:a16="http://schemas.microsoft.com/office/drawing/2014/main" id="{D904B76B-9AB6-E8A8-21F5-CF65CD505716}"/>
               </a:ext>
             </a:extLst>
           </p:cNvPr>
@@ -33588,7 +33478,7 @@
           <p:cNvPr id="22" name="Straight Connector 21">
             <a:extLst>
               <a:ext uri="{FF2B5EF4-FFF2-40B4-BE49-F238E27FC236}">
-                <a16:creationId xmlns="" xmlns:a16="http://schemas.microsoft.com/office/drawing/2014/main" id="{F076C9E5-D53E-9552-6555-23BDC972A82D}"/>
+                <a16:creationId xmlns:a16="http://schemas.microsoft.com/office/drawing/2014/main" id="{F076C9E5-D53E-9552-6555-23BDC972A82D}"/>
               </a:ext>
             </a:extLst>
           </p:cNvPr>
@@ -33625,7 +33515,7 @@
           <p:cNvPr id="23" name="Right Bracket 22">
             <a:extLst>
               <a:ext uri="{FF2B5EF4-FFF2-40B4-BE49-F238E27FC236}">
-                <a16:creationId xmlns="" xmlns:a16="http://schemas.microsoft.com/office/drawing/2014/main" id="{CA7A5F71-0789-EE0C-9E6C-49DECBD85F7E}"/>
+                <a16:creationId xmlns:a16="http://schemas.microsoft.com/office/drawing/2014/main" id="{CA7A5F71-0789-EE0C-9E6C-49DECBD85F7E}"/>
               </a:ext>
             </a:extLst>
           </p:cNvPr>
@@ -33674,7 +33564,7 @@
           <p:cNvPr id="24" name="Straight Arrow Connector 23">
             <a:extLst>
               <a:ext uri="{FF2B5EF4-FFF2-40B4-BE49-F238E27FC236}">
-                <a16:creationId xmlns="" xmlns:a16="http://schemas.microsoft.com/office/drawing/2014/main" id="{7E80C69B-E2D3-10ED-EB26-D3ECA47CC934}"/>
+                <a16:creationId xmlns:a16="http://schemas.microsoft.com/office/drawing/2014/main" id="{7E80C69B-E2D3-10ED-EB26-D3ECA47CC934}"/>
               </a:ext>
             </a:extLst>
           </p:cNvPr>
@@ -33718,7 +33608,7 @@
           <p:cNvPr id="25" name="TextBox 24">
             <a:extLst>
               <a:ext uri="{FF2B5EF4-FFF2-40B4-BE49-F238E27FC236}">
-                <a16:creationId xmlns="" xmlns:a16="http://schemas.microsoft.com/office/drawing/2014/main" id="{FDD9A6F7-8A0C-0A04-8552-E2239DC9E360}"/>
+                <a16:creationId xmlns:a16="http://schemas.microsoft.com/office/drawing/2014/main" id="{FDD9A6F7-8A0C-0A04-8552-E2239DC9E360}"/>
               </a:ext>
             </a:extLst>
           </p:cNvPr>
@@ -33798,7 +33688,7 @@
           <p:cNvPr id="27" name="TextBox 26">
             <a:extLst>
               <a:ext uri="{FF2B5EF4-FFF2-40B4-BE49-F238E27FC236}">
-                <a16:creationId xmlns="" xmlns:a16="http://schemas.microsoft.com/office/drawing/2014/main" id="{C04A1133-A494-F53B-5EB4-DE4521BEDBFC}"/>
+                <a16:creationId xmlns:a16="http://schemas.microsoft.com/office/drawing/2014/main" id="{C04A1133-A494-F53B-5EB4-DE4521BEDBFC}"/>
               </a:ext>
             </a:extLst>
           </p:cNvPr>
@@ -33904,7 +33794,7 @@
           <p:cNvPr id="28" name="Freeform: Shape 7">
             <a:extLst>
               <a:ext uri="{FF2B5EF4-FFF2-40B4-BE49-F238E27FC236}">
-                <a16:creationId xmlns="" xmlns:a16="http://schemas.microsoft.com/office/drawing/2014/main" id="{FA070237-26AD-E7B5-D55F-37106580DB38}"/>
+                <a16:creationId xmlns:a16="http://schemas.microsoft.com/office/drawing/2014/main" id="{FA070237-26AD-E7B5-D55F-37106580DB38}"/>
               </a:ext>
             </a:extLst>
           </p:cNvPr>
@@ -34501,13 +34391,13 @@
   <p:clrMapOvr>
     <a:masterClrMapping/>
   </p:clrMapOvr>
-  <mc:AlternateContent xmlns:mc="http://schemas.openxmlformats.org/markup-compatibility/2006">
-    <mc:Choice xmlns="" xmlns:p159="http://schemas.microsoft.com/office/powerpoint/2015/09/main" Requires="p159">
+  <mc:AlternateContent xmlns:mc="http://schemas.openxmlformats.org/markup-compatibility/2006" xmlns:p159="http://schemas.microsoft.com/office/powerpoint/2015/09/main">
+    <mc:Choice Requires="p159">
       <p:transition xmlns:p14="http://schemas.microsoft.com/office/powerpoint/2010/main" spd="slow" p14:dur="2000" advClick="0" advTm="14000">
         <p159:morph option="byObject"/>
       </p:transition>
     </mc:Choice>
-    <mc:Fallback>
+    <mc:Fallback xmlns="">
       <p:transition spd="slow" advClick="0" advTm="14000">
         <p:fade/>
       </p:transition>
